--- a/PowerPoint/REACT-NATIVE.pptx
+++ b/PowerPoint/REACT-NATIVE.pptx
@@ -9,7 +9,12 @@
     <p:sldId id="256" r:id="rId3"/>
     <p:sldId id="257" r:id="rId4"/>
     <p:sldId id="258" r:id="rId5"/>
-    <p:sldId id="259" r:id="rId6"/>
+    <p:sldId id="260" r:id="rId6"/>
+    <p:sldId id="259" r:id="rId7"/>
+    <p:sldId id="261" r:id="rId8"/>
+    <p:sldId id="263" r:id="rId9"/>
+    <p:sldId id="264" r:id="rId10"/>
+    <p:sldId id="265" r:id="rId11"/>
   </p:sldIdLst>
   <p:sldSz cx="9144000" cy="6858000" type="screen4x3"/>
   <p:notesSz cx="6858000" cy="9144000"/>
@@ -108,7 +113,4577 @@
       </a:defRPr>
     </a:lvl9pPr>
   </p:defaultTextStyle>
+  <p:extLst>
+    <p:ext uri="{EFAFB233-063F-42B5-8137-9DF3F51BA10A}">
+      <p15:sldGuideLst xmlns:p15="http://schemas.microsoft.com/office/powerpoint/2012/main">
+        <p15:guide id="1" orient="horz" pos="2160">
+          <p15:clr>
+            <a:srgbClr val="A4A3A4"/>
+          </p15:clr>
+        </p15:guide>
+        <p15:guide id="2" pos="2880">
+          <p15:clr>
+            <a:srgbClr val="A4A3A4"/>
+          </p15:clr>
+        </p15:guide>
+      </p15:sldGuideLst>
+    </p:ext>
+  </p:extLst>
 </p:presentation>
+</file>
+
+<file path=ppt/commentAuthors.xml><?xml version="1.0" encoding="utf-8"?>
+<p:cmAuthorLst xmlns:a="http://schemas.openxmlformats.org/drawingml/2006/main" xmlns:r="http://schemas.openxmlformats.org/officeDocument/2006/relationships" xmlns:p="http://schemas.openxmlformats.org/presentationml/2006/main">
+  <p:cmAuthor id="1" name="Quy Hoang Thanh" initials="QHT" lastIdx="1" clrIdx="0">
+    <p:extLst>
+      <p:ext uri="{19B8F6BF-5375-455C-9EA6-DF929625EA0E}">
+        <p15:presenceInfo xmlns:p15="http://schemas.microsoft.com/office/powerpoint/2012/main" userId="S-1-5-21-1990857498-2260430706-2248675484-28904" providerId="AD"/>
+      </p:ext>
+    </p:extLst>
+  </p:cmAuthor>
+</p:cmAuthorLst>
+</file>
+
+<file path=ppt/diagrams/colors1.xml><?xml version="1.0" encoding="utf-8"?>
+<dgm:colorsDef xmlns:dgm="http://schemas.openxmlformats.org/drawingml/2006/diagram" xmlns:a="http://schemas.openxmlformats.org/drawingml/2006/main" uniqueId="urn:microsoft.com/office/officeart/2005/8/colors/accent1_2">
+  <dgm:title val=""/>
+  <dgm:desc val=""/>
+  <dgm:catLst>
+    <dgm:cat type="accent1" pri="11200"/>
+  </dgm:catLst>
+  <dgm:styleLbl name="node0">
+    <dgm:fillClrLst meth="repeat">
+      <a:schemeClr val="accent1"/>
+    </dgm:fillClrLst>
+    <dgm:linClrLst meth="repeat">
+      <a:schemeClr val="lt1"/>
+    </dgm:linClrLst>
+    <dgm:effectClrLst/>
+    <dgm:txLinClrLst/>
+    <dgm:txFillClrLst/>
+    <dgm:txEffectClrLst/>
+  </dgm:styleLbl>
+  <dgm:styleLbl name="alignNode1">
+    <dgm:fillClrLst meth="repeat">
+      <a:schemeClr val="accent1"/>
+    </dgm:fillClrLst>
+    <dgm:linClrLst meth="repeat">
+      <a:schemeClr val="accent1"/>
+    </dgm:linClrLst>
+    <dgm:effectClrLst/>
+    <dgm:txLinClrLst/>
+    <dgm:txFillClrLst/>
+    <dgm:txEffectClrLst/>
+  </dgm:styleLbl>
+  <dgm:styleLbl name="node1">
+    <dgm:fillClrLst meth="repeat">
+      <a:schemeClr val="accent1"/>
+    </dgm:fillClrLst>
+    <dgm:linClrLst meth="repeat">
+      <a:schemeClr val="lt1"/>
+    </dgm:linClrLst>
+    <dgm:effectClrLst/>
+    <dgm:txLinClrLst/>
+    <dgm:txFillClrLst/>
+    <dgm:txEffectClrLst/>
+  </dgm:styleLbl>
+  <dgm:styleLbl name="lnNode1">
+    <dgm:fillClrLst meth="repeat">
+      <a:schemeClr val="accent1"/>
+    </dgm:fillClrLst>
+    <dgm:linClrLst meth="repeat">
+      <a:schemeClr val="lt1"/>
+    </dgm:linClrLst>
+    <dgm:effectClrLst/>
+    <dgm:txLinClrLst/>
+    <dgm:txFillClrLst/>
+    <dgm:txEffectClrLst/>
+  </dgm:styleLbl>
+  <dgm:styleLbl name="vennNode1">
+    <dgm:fillClrLst meth="repeat">
+      <a:schemeClr val="accent1">
+        <a:alpha val="50000"/>
+      </a:schemeClr>
+    </dgm:fillClrLst>
+    <dgm:linClrLst meth="repeat">
+      <a:schemeClr val="lt1"/>
+    </dgm:linClrLst>
+    <dgm:effectClrLst/>
+    <dgm:txLinClrLst/>
+    <dgm:txFillClrLst/>
+    <dgm:txEffectClrLst/>
+  </dgm:styleLbl>
+  <dgm:styleLbl name="node2">
+    <dgm:fillClrLst meth="repeat">
+      <a:schemeClr val="accent1"/>
+    </dgm:fillClrLst>
+    <dgm:linClrLst meth="repeat">
+      <a:schemeClr val="lt1"/>
+    </dgm:linClrLst>
+    <dgm:effectClrLst/>
+    <dgm:txLinClrLst/>
+    <dgm:txFillClrLst/>
+    <dgm:txEffectClrLst/>
+  </dgm:styleLbl>
+  <dgm:styleLbl name="node3">
+    <dgm:fillClrLst meth="repeat">
+      <a:schemeClr val="accent1"/>
+    </dgm:fillClrLst>
+    <dgm:linClrLst meth="repeat">
+      <a:schemeClr val="lt1"/>
+    </dgm:linClrLst>
+    <dgm:effectClrLst/>
+    <dgm:txLinClrLst/>
+    <dgm:txFillClrLst/>
+    <dgm:txEffectClrLst/>
+  </dgm:styleLbl>
+  <dgm:styleLbl name="node4">
+    <dgm:fillClrLst meth="repeat">
+      <a:schemeClr val="accent1"/>
+    </dgm:fillClrLst>
+    <dgm:linClrLst meth="repeat">
+      <a:schemeClr val="lt1"/>
+    </dgm:linClrLst>
+    <dgm:effectClrLst/>
+    <dgm:txLinClrLst/>
+    <dgm:txFillClrLst/>
+    <dgm:txEffectClrLst/>
+  </dgm:styleLbl>
+  <dgm:styleLbl name="fgImgPlace1">
+    <dgm:fillClrLst meth="repeat">
+      <a:schemeClr val="accent1">
+        <a:tint val="50000"/>
+      </a:schemeClr>
+    </dgm:fillClrLst>
+    <dgm:linClrLst meth="repeat">
+      <a:schemeClr val="lt1"/>
+    </dgm:linClrLst>
+    <dgm:effectClrLst/>
+    <dgm:txLinClrLst/>
+    <dgm:txFillClrLst meth="repeat">
+      <a:schemeClr val="lt1"/>
+    </dgm:txFillClrLst>
+    <dgm:txEffectClrLst/>
+  </dgm:styleLbl>
+  <dgm:styleLbl name="alignImgPlace1">
+    <dgm:fillClrLst meth="repeat">
+      <a:schemeClr val="accent1">
+        <a:tint val="50000"/>
+      </a:schemeClr>
+    </dgm:fillClrLst>
+    <dgm:linClrLst meth="repeat">
+      <a:schemeClr val="lt1"/>
+    </dgm:linClrLst>
+    <dgm:effectClrLst/>
+    <dgm:txLinClrLst/>
+    <dgm:txFillClrLst meth="repeat">
+      <a:schemeClr val="lt1"/>
+    </dgm:txFillClrLst>
+    <dgm:txEffectClrLst/>
+  </dgm:styleLbl>
+  <dgm:styleLbl name="bgImgPlace1">
+    <dgm:fillClrLst meth="repeat">
+      <a:schemeClr val="accent1">
+        <a:tint val="50000"/>
+      </a:schemeClr>
+    </dgm:fillClrLst>
+    <dgm:linClrLst meth="repeat">
+      <a:schemeClr val="lt1"/>
+    </dgm:linClrLst>
+    <dgm:effectClrLst/>
+    <dgm:txLinClrLst/>
+    <dgm:txFillClrLst meth="repeat">
+      <a:schemeClr val="lt1"/>
+    </dgm:txFillClrLst>
+    <dgm:txEffectClrLst/>
+  </dgm:styleLbl>
+  <dgm:styleLbl name="sibTrans2D1">
+    <dgm:fillClrLst meth="repeat">
+      <a:schemeClr val="accent1">
+        <a:tint val="60000"/>
+      </a:schemeClr>
+    </dgm:fillClrLst>
+    <dgm:linClrLst meth="repeat">
+      <a:schemeClr val="accent1">
+        <a:tint val="60000"/>
+      </a:schemeClr>
+    </dgm:linClrLst>
+    <dgm:effectClrLst/>
+    <dgm:txLinClrLst/>
+    <dgm:txFillClrLst/>
+    <dgm:txEffectClrLst/>
+  </dgm:styleLbl>
+  <dgm:styleLbl name="fgSibTrans2D1">
+    <dgm:fillClrLst meth="repeat">
+      <a:schemeClr val="accent1">
+        <a:tint val="60000"/>
+      </a:schemeClr>
+    </dgm:fillClrLst>
+    <dgm:linClrLst meth="repeat">
+      <a:schemeClr val="accent1">
+        <a:tint val="60000"/>
+      </a:schemeClr>
+    </dgm:linClrLst>
+    <dgm:effectClrLst/>
+    <dgm:txLinClrLst/>
+    <dgm:txFillClrLst/>
+    <dgm:txEffectClrLst/>
+  </dgm:styleLbl>
+  <dgm:styleLbl name="bgSibTrans2D1">
+    <dgm:fillClrLst meth="repeat">
+      <a:schemeClr val="accent1">
+        <a:tint val="60000"/>
+      </a:schemeClr>
+    </dgm:fillClrLst>
+    <dgm:linClrLst meth="repeat">
+      <a:schemeClr val="accent1">
+        <a:tint val="60000"/>
+      </a:schemeClr>
+    </dgm:linClrLst>
+    <dgm:effectClrLst/>
+    <dgm:txLinClrLst/>
+    <dgm:txFillClrLst/>
+    <dgm:txEffectClrLst/>
+  </dgm:styleLbl>
+  <dgm:styleLbl name="sibTrans1D1">
+    <dgm:fillClrLst meth="repeat">
+      <a:schemeClr val="accent1"/>
+    </dgm:fillClrLst>
+    <dgm:linClrLst meth="repeat">
+      <a:schemeClr val="accent1"/>
+    </dgm:linClrLst>
+    <dgm:effectClrLst/>
+    <dgm:txLinClrLst/>
+    <dgm:txFillClrLst meth="repeat">
+      <a:schemeClr val="tx1"/>
+    </dgm:txFillClrLst>
+    <dgm:txEffectClrLst/>
+  </dgm:styleLbl>
+  <dgm:styleLbl name="callout">
+    <dgm:fillClrLst meth="repeat">
+      <a:schemeClr val="accent1"/>
+    </dgm:fillClrLst>
+    <dgm:linClrLst meth="repeat">
+      <a:schemeClr val="accent1">
+        <a:tint val="50000"/>
+      </a:schemeClr>
+    </dgm:linClrLst>
+    <dgm:effectClrLst/>
+    <dgm:txLinClrLst/>
+    <dgm:txFillClrLst meth="repeat">
+      <a:schemeClr val="tx1"/>
+    </dgm:txFillClrLst>
+    <dgm:txEffectClrLst/>
+  </dgm:styleLbl>
+  <dgm:styleLbl name="asst0">
+    <dgm:fillClrLst meth="repeat">
+      <a:schemeClr val="accent1"/>
+    </dgm:fillClrLst>
+    <dgm:linClrLst meth="repeat">
+      <a:schemeClr val="lt1"/>
+    </dgm:linClrLst>
+    <dgm:effectClrLst/>
+    <dgm:txLinClrLst/>
+    <dgm:txFillClrLst/>
+    <dgm:txEffectClrLst/>
+  </dgm:styleLbl>
+  <dgm:styleLbl name="asst1">
+    <dgm:fillClrLst meth="repeat">
+      <a:schemeClr val="accent1"/>
+    </dgm:fillClrLst>
+    <dgm:linClrLst meth="repeat">
+      <a:schemeClr val="lt1"/>
+    </dgm:linClrLst>
+    <dgm:effectClrLst/>
+    <dgm:txLinClrLst/>
+    <dgm:txFillClrLst/>
+    <dgm:txEffectClrLst/>
+  </dgm:styleLbl>
+  <dgm:styleLbl name="asst2">
+    <dgm:fillClrLst meth="repeat">
+      <a:schemeClr val="accent1"/>
+    </dgm:fillClrLst>
+    <dgm:linClrLst meth="repeat">
+      <a:schemeClr val="lt1"/>
+    </dgm:linClrLst>
+    <dgm:effectClrLst/>
+    <dgm:txLinClrLst/>
+    <dgm:txFillClrLst/>
+    <dgm:txEffectClrLst/>
+  </dgm:styleLbl>
+  <dgm:styleLbl name="asst3">
+    <dgm:fillClrLst meth="repeat">
+      <a:schemeClr val="accent1"/>
+    </dgm:fillClrLst>
+    <dgm:linClrLst meth="repeat">
+      <a:schemeClr val="lt1"/>
+    </dgm:linClrLst>
+    <dgm:effectClrLst/>
+    <dgm:txLinClrLst/>
+    <dgm:txFillClrLst/>
+    <dgm:txEffectClrLst/>
+  </dgm:styleLbl>
+  <dgm:styleLbl name="asst4">
+    <dgm:fillClrLst meth="repeat">
+      <a:schemeClr val="accent1"/>
+    </dgm:fillClrLst>
+    <dgm:linClrLst meth="repeat">
+      <a:schemeClr val="lt1"/>
+    </dgm:linClrLst>
+    <dgm:effectClrLst/>
+    <dgm:txLinClrLst/>
+    <dgm:txFillClrLst/>
+    <dgm:txEffectClrLst/>
+  </dgm:styleLbl>
+  <dgm:styleLbl name="parChTrans2D1">
+    <dgm:fillClrLst meth="repeat">
+      <a:schemeClr val="accent1">
+        <a:tint val="60000"/>
+      </a:schemeClr>
+    </dgm:fillClrLst>
+    <dgm:linClrLst meth="repeat">
+      <a:schemeClr val="accent1">
+        <a:tint val="60000"/>
+      </a:schemeClr>
+    </dgm:linClrLst>
+    <dgm:effectClrLst/>
+    <dgm:txLinClrLst/>
+    <dgm:txFillClrLst meth="repeat">
+      <a:schemeClr val="lt1"/>
+    </dgm:txFillClrLst>
+    <dgm:txEffectClrLst/>
+  </dgm:styleLbl>
+  <dgm:styleLbl name="parChTrans2D2">
+    <dgm:fillClrLst meth="repeat">
+      <a:schemeClr val="accent1"/>
+    </dgm:fillClrLst>
+    <dgm:linClrLst meth="repeat">
+      <a:schemeClr val="accent1"/>
+    </dgm:linClrLst>
+    <dgm:effectClrLst/>
+    <dgm:txLinClrLst/>
+    <dgm:txFillClrLst meth="repeat">
+      <a:schemeClr val="lt1"/>
+    </dgm:txFillClrLst>
+    <dgm:txEffectClrLst/>
+  </dgm:styleLbl>
+  <dgm:styleLbl name="parChTrans2D3">
+    <dgm:fillClrLst meth="repeat">
+      <a:schemeClr val="accent1"/>
+    </dgm:fillClrLst>
+    <dgm:linClrLst meth="repeat">
+      <a:schemeClr val="accent1"/>
+    </dgm:linClrLst>
+    <dgm:effectClrLst/>
+    <dgm:txLinClrLst/>
+    <dgm:txFillClrLst meth="repeat">
+      <a:schemeClr val="lt1"/>
+    </dgm:txFillClrLst>
+    <dgm:txEffectClrLst/>
+  </dgm:styleLbl>
+  <dgm:styleLbl name="parChTrans2D4">
+    <dgm:fillClrLst meth="repeat">
+      <a:schemeClr val="accent1"/>
+    </dgm:fillClrLst>
+    <dgm:linClrLst meth="repeat">
+      <a:schemeClr val="accent1"/>
+    </dgm:linClrLst>
+    <dgm:effectClrLst/>
+    <dgm:txLinClrLst/>
+    <dgm:txFillClrLst meth="repeat">
+      <a:schemeClr val="lt1"/>
+    </dgm:txFillClrLst>
+    <dgm:txEffectClrLst/>
+  </dgm:styleLbl>
+  <dgm:styleLbl name="parChTrans1D1">
+    <dgm:fillClrLst meth="repeat">
+      <a:schemeClr val="accent1"/>
+    </dgm:fillClrLst>
+    <dgm:linClrLst meth="repeat">
+      <a:schemeClr val="accent1">
+        <a:shade val="60000"/>
+      </a:schemeClr>
+    </dgm:linClrLst>
+    <dgm:effectClrLst/>
+    <dgm:txLinClrLst/>
+    <dgm:txFillClrLst meth="repeat">
+      <a:schemeClr val="tx1"/>
+    </dgm:txFillClrLst>
+    <dgm:txEffectClrLst/>
+  </dgm:styleLbl>
+  <dgm:styleLbl name="parChTrans1D2">
+    <dgm:fillClrLst meth="repeat">
+      <a:schemeClr val="accent1"/>
+    </dgm:fillClrLst>
+    <dgm:linClrLst meth="repeat">
+      <a:schemeClr val="accent1">
+        <a:shade val="60000"/>
+      </a:schemeClr>
+    </dgm:linClrLst>
+    <dgm:effectClrLst/>
+    <dgm:txLinClrLst/>
+    <dgm:txFillClrLst meth="repeat">
+      <a:schemeClr val="tx1"/>
+    </dgm:txFillClrLst>
+    <dgm:txEffectClrLst/>
+  </dgm:styleLbl>
+  <dgm:styleLbl name="parChTrans1D3">
+    <dgm:fillClrLst meth="repeat">
+      <a:schemeClr val="accent1"/>
+    </dgm:fillClrLst>
+    <dgm:linClrLst meth="repeat">
+      <a:schemeClr val="accent1">
+        <a:shade val="80000"/>
+      </a:schemeClr>
+    </dgm:linClrLst>
+    <dgm:effectClrLst/>
+    <dgm:txLinClrLst/>
+    <dgm:txFillClrLst meth="repeat">
+      <a:schemeClr val="tx1"/>
+    </dgm:txFillClrLst>
+    <dgm:txEffectClrLst/>
+  </dgm:styleLbl>
+  <dgm:styleLbl name="parChTrans1D4">
+    <dgm:fillClrLst meth="repeat">
+      <a:schemeClr val="accent1"/>
+    </dgm:fillClrLst>
+    <dgm:linClrLst meth="repeat">
+      <a:schemeClr val="accent1">
+        <a:shade val="80000"/>
+      </a:schemeClr>
+    </dgm:linClrLst>
+    <dgm:effectClrLst/>
+    <dgm:txLinClrLst/>
+    <dgm:txFillClrLst meth="repeat">
+      <a:schemeClr val="tx1"/>
+    </dgm:txFillClrLst>
+    <dgm:txEffectClrLst/>
+  </dgm:styleLbl>
+  <dgm:styleLbl name="fgAcc1">
+    <dgm:fillClrLst meth="repeat">
+      <a:schemeClr val="lt1">
+        <a:alpha val="90000"/>
+      </a:schemeClr>
+    </dgm:fillClrLst>
+    <dgm:linClrLst meth="repeat">
+      <a:schemeClr val="accent1"/>
+    </dgm:linClrLst>
+    <dgm:effectClrLst/>
+    <dgm:txLinClrLst/>
+    <dgm:txFillClrLst meth="repeat">
+      <a:schemeClr val="dk1"/>
+    </dgm:txFillClrLst>
+    <dgm:txEffectClrLst/>
+  </dgm:styleLbl>
+  <dgm:styleLbl name="conFgAcc1">
+    <dgm:fillClrLst meth="repeat">
+      <a:schemeClr val="lt1">
+        <a:alpha val="90000"/>
+      </a:schemeClr>
+    </dgm:fillClrLst>
+    <dgm:linClrLst meth="repeat">
+      <a:schemeClr val="accent1"/>
+    </dgm:linClrLst>
+    <dgm:effectClrLst/>
+    <dgm:txLinClrLst/>
+    <dgm:txFillClrLst meth="repeat">
+      <a:schemeClr val="dk1"/>
+    </dgm:txFillClrLst>
+    <dgm:txEffectClrLst/>
+  </dgm:styleLbl>
+  <dgm:styleLbl name="alignAcc1">
+    <dgm:fillClrLst meth="repeat">
+      <a:schemeClr val="lt1">
+        <a:alpha val="90000"/>
+      </a:schemeClr>
+    </dgm:fillClrLst>
+    <dgm:linClrLst meth="repeat">
+      <a:schemeClr val="accent1"/>
+    </dgm:linClrLst>
+    <dgm:effectClrLst/>
+    <dgm:txLinClrLst/>
+    <dgm:txFillClrLst meth="repeat">
+      <a:schemeClr val="dk1"/>
+    </dgm:txFillClrLst>
+    <dgm:txEffectClrLst/>
+  </dgm:styleLbl>
+  <dgm:styleLbl name="trAlignAcc1">
+    <dgm:fillClrLst meth="repeat">
+      <a:schemeClr val="lt1">
+        <a:alpha val="40000"/>
+      </a:schemeClr>
+    </dgm:fillClrLst>
+    <dgm:linClrLst meth="repeat">
+      <a:schemeClr val="accent1"/>
+    </dgm:linClrLst>
+    <dgm:effectClrLst/>
+    <dgm:txLinClrLst/>
+    <dgm:txFillClrLst meth="repeat">
+      <a:schemeClr val="dk1"/>
+    </dgm:txFillClrLst>
+    <dgm:txEffectClrLst/>
+  </dgm:styleLbl>
+  <dgm:styleLbl name="bgAcc1">
+    <dgm:fillClrLst meth="repeat">
+      <a:schemeClr val="lt1">
+        <a:alpha val="90000"/>
+      </a:schemeClr>
+    </dgm:fillClrLst>
+    <dgm:linClrLst meth="repeat">
+      <a:schemeClr val="accent1"/>
+    </dgm:linClrLst>
+    <dgm:effectClrLst/>
+    <dgm:txLinClrLst/>
+    <dgm:txFillClrLst meth="repeat">
+      <a:schemeClr val="dk1"/>
+    </dgm:txFillClrLst>
+    <dgm:txEffectClrLst/>
+  </dgm:styleLbl>
+  <dgm:styleLbl name="solidFgAcc1">
+    <dgm:fillClrLst meth="repeat">
+      <a:schemeClr val="lt1"/>
+    </dgm:fillClrLst>
+    <dgm:linClrLst meth="repeat">
+      <a:schemeClr val="accent1"/>
+    </dgm:linClrLst>
+    <dgm:effectClrLst/>
+    <dgm:txLinClrLst/>
+    <dgm:txFillClrLst meth="repeat">
+      <a:schemeClr val="dk1"/>
+    </dgm:txFillClrLst>
+    <dgm:txEffectClrLst/>
+  </dgm:styleLbl>
+  <dgm:styleLbl name="solidAlignAcc1">
+    <dgm:fillClrLst meth="repeat">
+      <a:schemeClr val="lt1"/>
+    </dgm:fillClrLst>
+    <dgm:linClrLst meth="repeat">
+      <a:schemeClr val="accent1"/>
+    </dgm:linClrLst>
+    <dgm:effectClrLst/>
+    <dgm:txLinClrLst/>
+    <dgm:txFillClrLst meth="repeat">
+      <a:schemeClr val="dk1"/>
+    </dgm:txFillClrLst>
+    <dgm:txEffectClrLst/>
+  </dgm:styleLbl>
+  <dgm:styleLbl name="solidBgAcc1">
+    <dgm:fillClrLst meth="repeat">
+      <a:schemeClr val="lt1"/>
+    </dgm:fillClrLst>
+    <dgm:linClrLst meth="repeat">
+      <a:schemeClr val="accent1"/>
+    </dgm:linClrLst>
+    <dgm:effectClrLst/>
+    <dgm:txLinClrLst/>
+    <dgm:txFillClrLst meth="repeat">
+      <a:schemeClr val="dk1"/>
+    </dgm:txFillClrLst>
+    <dgm:txEffectClrLst/>
+  </dgm:styleLbl>
+  <dgm:styleLbl name="fgAccFollowNode1">
+    <dgm:fillClrLst meth="repeat">
+      <a:schemeClr val="accent1">
+        <a:alpha val="90000"/>
+        <a:tint val="40000"/>
+      </a:schemeClr>
+    </dgm:fillClrLst>
+    <dgm:linClrLst meth="repeat">
+      <a:schemeClr val="accent1">
+        <a:alpha val="90000"/>
+        <a:tint val="40000"/>
+      </a:schemeClr>
+    </dgm:linClrLst>
+    <dgm:effectClrLst/>
+    <dgm:txLinClrLst/>
+    <dgm:txFillClrLst meth="repeat">
+      <a:schemeClr val="dk1"/>
+    </dgm:txFillClrLst>
+    <dgm:txEffectClrLst/>
+  </dgm:styleLbl>
+  <dgm:styleLbl name="alignAccFollowNode1">
+    <dgm:fillClrLst meth="repeat">
+      <a:schemeClr val="accent1">
+        <a:alpha val="90000"/>
+        <a:tint val="40000"/>
+      </a:schemeClr>
+    </dgm:fillClrLst>
+    <dgm:linClrLst meth="repeat">
+      <a:schemeClr val="accent1">
+        <a:alpha val="90000"/>
+        <a:tint val="40000"/>
+      </a:schemeClr>
+    </dgm:linClrLst>
+    <dgm:effectClrLst/>
+    <dgm:txLinClrLst/>
+    <dgm:txFillClrLst meth="repeat">
+      <a:schemeClr val="dk1"/>
+    </dgm:txFillClrLst>
+    <dgm:txEffectClrLst/>
+  </dgm:styleLbl>
+  <dgm:styleLbl name="bgAccFollowNode1">
+    <dgm:fillClrLst meth="repeat">
+      <a:schemeClr val="accent1">
+        <a:alpha val="90000"/>
+        <a:tint val="40000"/>
+      </a:schemeClr>
+    </dgm:fillClrLst>
+    <dgm:linClrLst meth="repeat">
+      <a:schemeClr val="accent1">
+        <a:alpha val="90000"/>
+        <a:tint val="40000"/>
+      </a:schemeClr>
+    </dgm:linClrLst>
+    <dgm:effectClrLst/>
+    <dgm:txLinClrLst/>
+    <dgm:txFillClrLst meth="repeat">
+      <a:schemeClr val="dk1"/>
+    </dgm:txFillClrLst>
+    <dgm:txEffectClrLst/>
+  </dgm:styleLbl>
+  <dgm:styleLbl name="fgAcc0">
+    <dgm:fillClrLst meth="repeat">
+      <a:schemeClr val="lt1">
+        <a:alpha val="90000"/>
+      </a:schemeClr>
+    </dgm:fillClrLst>
+    <dgm:linClrLst meth="repeat">
+      <a:schemeClr val="accent1"/>
+    </dgm:linClrLst>
+    <dgm:effectClrLst/>
+    <dgm:txLinClrLst/>
+    <dgm:txFillClrLst meth="repeat">
+      <a:schemeClr val="dk1"/>
+    </dgm:txFillClrLst>
+    <dgm:txEffectClrLst/>
+  </dgm:styleLbl>
+  <dgm:styleLbl name="fgAcc2">
+    <dgm:fillClrLst meth="repeat">
+      <a:schemeClr val="lt1">
+        <a:alpha val="90000"/>
+      </a:schemeClr>
+    </dgm:fillClrLst>
+    <dgm:linClrLst meth="repeat">
+      <a:schemeClr val="accent1"/>
+    </dgm:linClrLst>
+    <dgm:effectClrLst/>
+    <dgm:txLinClrLst/>
+    <dgm:txFillClrLst meth="repeat">
+      <a:schemeClr val="dk1"/>
+    </dgm:txFillClrLst>
+    <dgm:txEffectClrLst/>
+  </dgm:styleLbl>
+  <dgm:styleLbl name="fgAcc3">
+    <dgm:fillClrLst meth="repeat">
+      <a:schemeClr val="lt1">
+        <a:alpha val="90000"/>
+      </a:schemeClr>
+    </dgm:fillClrLst>
+    <dgm:linClrLst meth="repeat">
+      <a:schemeClr val="accent1"/>
+    </dgm:linClrLst>
+    <dgm:effectClrLst/>
+    <dgm:txLinClrLst/>
+    <dgm:txFillClrLst meth="repeat">
+      <a:schemeClr val="dk1"/>
+    </dgm:txFillClrLst>
+    <dgm:txEffectClrLst/>
+  </dgm:styleLbl>
+  <dgm:styleLbl name="fgAcc4">
+    <dgm:fillClrLst meth="repeat">
+      <a:schemeClr val="lt1">
+        <a:alpha val="90000"/>
+      </a:schemeClr>
+    </dgm:fillClrLst>
+    <dgm:linClrLst meth="repeat">
+      <a:schemeClr val="accent1"/>
+    </dgm:linClrLst>
+    <dgm:effectClrLst/>
+    <dgm:txLinClrLst/>
+    <dgm:txFillClrLst meth="repeat">
+      <a:schemeClr val="dk1"/>
+    </dgm:txFillClrLst>
+    <dgm:txEffectClrLst/>
+  </dgm:styleLbl>
+  <dgm:styleLbl name="bgShp">
+    <dgm:fillClrLst meth="repeat">
+      <a:schemeClr val="accent1">
+        <a:tint val="40000"/>
+      </a:schemeClr>
+    </dgm:fillClrLst>
+    <dgm:linClrLst meth="repeat">
+      <a:schemeClr val="accent1"/>
+    </dgm:linClrLst>
+    <dgm:effectClrLst/>
+    <dgm:txLinClrLst/>
+    <dgm:txFillClrLst meth="repeat">
+      <a:schemeClr val="dk1"/>
+    </dgm:txFillClrLst>
+    <dgm:txEffectClrLst/>
+  </dgm:styleLbl>
+  <dgm:styleLbl name="dkBgShp">
+    <dgm:fillClrLst meth="repeat">
+      <a:schemeClr val="accent1">
+        <a:shade val="80000"/>
+      </a:schemeClr>
+    </dgm:fillClrLst>
+    <dgm:linClrLst meth="repeat">
+      <a:schemeClr val="accent1"/>
+    </dgm:linClrLst>
+    <dgm:effectClrLst/>
+    <dgm:txLinClrLst/>
+    <dgm:txFillClrLst meth="repeat">
+      <a:schemeClr val="lt1"/>
+    </dgm:txFillClrLst>
+    <dgm:txEffectClrLst/>
+  </dgm:styleLbl>
+  <dgm:styleLbl name="trBgShp">
+    <dgm:fillClrLst meth="repeat">
+      <a:schemeClr val="accent1">
+        <a:tint val="50000"/>
+        <a:alpha val="40000"/>
+      </a:schemeClr>
+    </dgm:fillClrLst>
+    <dgm:linClrLst meth="repeat">
+      <a:schemeClr val="accent1"/>
+    </dgm:linClrLst>
+    <dgm:effectClrLst/>
+    <dgm:txLinClrLst/>
+    <dgm:txFillClrLst meth="repeat">
+      <a:schemeClr val="lt1"/>
+    </dgm:txFillClrLst>
+    <dgm:txEffectClrLst/>
+  </dgm:styleLbl>
+  <dgm:styleLbl name="fgShp">
+    <dgm:fillClrLst meth="repeat">
+      <a:schemeClr val="accent1">
+        <a:tint val="60000"/>
+      </a:schemeClr>
+    </dgm:fillClrLst>
+    <dgm:linClrLst meth="repeat">
+      <a:schemeClr val="lt1"/>
+    </dgm:linClrLst>
+    <dgm:effectClrLst/>
+    <dgm:txLinClrLst/>
+    <dgm:txFillClrLst meth="repeat">
+      <a:schemeClr val="dk1"/>
+    </dgm:txFillClrLst>
+    <dgm:txEffectClrLst/>
+  </dgm:styleLbl>
+  <dgm:styleLbl name="revTx">
+    <dgm:fillClrLst meth="repeat">
+      <a:schemeClr val="lt1">
+        <a:alpha val="0"/>
+      </a:schemeClr>
+    </dgm:fillClrLst>
+    <dgm:linClrLst meth="repeat">
+      <a:schemeClr val="dk1">
+        <a:alpha val="0"/>
+      </a:schemeClr>
+    </dgm:linClrLst>
+    <dgm:effectClrLst/>
+    <dgm:txLinClrLst/>
+    <dgm:txFillClrLst meth="repeat">
+      <a:schemeClr val="tx1"/>
+    </dgm:txFillClrLst>
+    <dgm:txEffectClrLst/>
+  </dgm:styleLbl>
+</dgm:colorsDef>
+</file>
+
+<file path=ppt/diagrams/data1.xml><?xml version="1.0" encoding="utf-8"?>
+<dgm:dataModel xmlns:dgm="http://schemas.openxmlformats.org/drawingml/2006/diagram" xmlns:a="http://schemas.openxmlformats.org/drawingml/2006/main">
+  <dgm:ptLst>
+    <dgm:pt modelId="{30006ED6-615A-420E-AC3A-F7731DF7EFB3}" type="doc">
+      <dgm:prSet loTypeId="urn:microsoft.com/office/officeart/2009/layout/CircleArrowProcess" loCatId="cycle" qsTypeId="urn:microsoft.com/office/officeart/2005/8/quickstyle/simple1" qsCatId="simple" csTypeId="urn:microsoft.com/office/officeart/2005/8/colors/accent1_2" csCatId="accent1" phldr="1"/>
+      <dgm:spPr/>
+      <dgm:t>
+        <a:bodyPr/>
+        <a:lstStyle/>
+        <a:p>
+          <a:endParaRPr lang="en-US"/>
+        </a:p>
+      </dgm:t>
+    </dgm:pt>
+    <dgm:pt modelId="{3A931D42-5958-44A1-87AB-AB0772254FF8}">
+      <dgm:prSet phldrT="[Text]" custT="1"/>
+      <dgm:spPr/>
+      <dgm:t>
+        <a:bodyPr/>
+        <a:lstStyle/>
+        <a:p>
+          <a:r>
+            <a:rPr lang="en-US" sz="2000" dirty="0" smtClean="0">
+              <a:latin typeface="Arial" panose="020B0604020202020204" pitchFamily="34" charset="0"/>
+              <a:cs typeface="Arial" panose="020B0604020202020204" pitchFamily="34" charset="0"/>
+            </a:rPr>
+            <a:t>Authorized</a:t>
+          </a:r>
+          <a:endParaRPr lang="en-US" sz="2000" dirty="0">
+            <a:latin typeface="Arial" panose="020B0604020202020204" pitchFamily="34" charset="0"/>
+            <a:cs typeface="Arial" panose="020B0604020202020204" pitchFamily="34" charset="0"/>
+          </a:endParaRPr>
+        </a:p>
+      </dgm:t>
+    </dgm:pt>
+    <dgm:pt modelId="{208D8FF8-7141-40A7-A2F4-9AAD8E809014}" type="parTrans" cxnId="{6D1AFCE2-2568-4454-B9C0-465550CF7479}">
+      <dgm:prSet/>
+      <dgm:spPr/>
+      <dgm:t>
+        <a:bodyPr/>
+        <a:lstStyle/>
+        <a:p>
+          <a:endParaRPr lang="en-US"/>
+        </a:p>
+      </dgm:t>
+    </dgm:pt>
+    <dgm:pt modelId="{13A31F44-1137-44C2-A2C4-CF78C3B373A9}" type="sibTrans" cxnId="{6D1AFCE2-2568-4454-B9C0-465550CF7479}">
+      <dgm:prSet/>
+      <dgm:spPr/>
+      <dgm:t>
+        <a:bodyPr/>
+        <a:lstStyle/>
+        <a:p>
+          <a:endParaRPr lang="en-US"/>
+        </a:p>
+      </dgm:t>
+    </dgm:pt>
+    <dgm:pt modelId="{529503FA-F08B-4C18-9F53-21D2A2E3CA38}">
+      <dgm:prSet phldrT="[Text]" custT="1"/>
+      <dgm:spPr/>
+      <dgm:t>
+        <a:bodyPr/>
+        <a:lstStyle/>
+        <a:p>
+          <a:r>
+            <a:rPr lang="en-US" sz="2000" b="0" i="0" dirty="0" smtClean="0">
+              <a:latin typeface="Arial" panose="020B0604020202020204" pitchFamily="34" charset="0"/>
+              <a:cs typeface="Arial" panose="020B0604020202020204" pitchFamily="34" charset="0"/>
+            </a:rPr>
+            <a:t>Responder</a:t>
+          </a:r>
+          <a:endParaRPr lang="en-US" sz="2000" dirty="0">
+            <a:latin typeface="Arial" panose="020B0604020202020204" pitchFamily="34" charset="0"/>
+            <a:cs typeface="Arial" panose="020B0604020202020204" pitchFamily="34" charset="0"/>
+          </a:endParaRPr>
+        </a:p>
+      </dgm:t>
+    </dgm:pt>
+    <dgm:pt modelId="{68171CCE-E536-4CED-8809-C7DC42EB91F8}" type="parTrans" cxnId="{12DEA38D-E2C4-4FAB-AC4C-CCC0DA18984E}">
+      <dgm:prSet/>
+      <dgm:spPr/>
+      <dgm:t>
+        <a:bodyPr/>
+        <a:lstStyle/>
+        <a:p>
+          <a:endParaRPr lang="en-US"/>
+        </a:p>
+      </dgm:t>
+    </dgm:pt>
+    <dgm:pt modelId="{01E3FA81-20AE-415E-A4DB-33B5215E04F5}" type="sibTrans" cxnId="{12DEA38D-E2C4-4FAB-AC4C-CCC0DA18984E}">
+      <dgm:prSet/>
+      <dgm:spPr/>
+      <dgm:t>
+        <a:bodyPr/>
+        <a:lstStyle/>
+        <a:p>
+          <a:endParaRPr lang="en-US"/>
+        </a:p>
+      </dgm:t>
+    </dgm:pt>
+    <dgm:pt modelId="{CE8D7410-695B-41FE-9DF3-B09D6A5FC80E}">
+      <dgm:prSet phldrT="[Text]" custT="1"/>
+      <dgm:spPr/>
+      <dgm:t>
+        <a:bodyPr/>
+        <a:lstStyle/>
+        <a:p>
+          <a:r>
+            <a:rPr lang="en-US" sz="2000" b="0" i="0" dirty="0" smtClean="0">
+              <a:latin typeface="Arial" panose="020B0604020202020204" pitchFamily="34" charset="0"/>
+              <a:cs typeface="Arial" panose="020B0604020202020204" pitchFamily="34" charset="0"/>
+            </a:rPr>
+            <a:t>Handle</a:t>
+          </a:r>
+        </a:p>
+        <a:p>
+          <a:r>
+            <a:rPr lang="en-US" sz="2000" b="0" i="0" dirty="0" smtClean="0">
+              <a:latin typeface="Arial" panose="020B0604020202020204" pitchFamily="34" charset="0"/>
+              <a:cs typeface="Arial" panose="020B0604020202020204" pitchFamily="34" charset="0"/>
+            </a:rPr>
+            <a:t>Actions </a:t>
+          </a:r>
+          <a:endParaRPr lang="en-US" sz="2000" dirty="0">
+            <a:latin typeface="Arial" panose="020B0604020202020204" pitchFamily="34" charset="0"/>
+            <a:cs typeface="Arial" panose="020B0604020202020204" pitchFamily="34" charset="0"/>
+          </a:endParaRPr>
+        </a:p>
+      </dgm:t>
+    </dgm:pt>
+    <dgm:pt modelId="{028AEE8B-5DBF-40B1-BE83-F514F7AA5CD0}" type="parTrans" cxnId="{33938F0C-2B1F-4734-8A0E-F395B79C933A}">
+      <dgm:prSet/>
+      <dgm:spPr/>
+      <dgm:t>
+        <a:bodyPr/>
+        <a:lstStyle/>
+        <a:p>
+          <a:endParaRPr lang="en-US"/>
+        </a:p>
+      </dgm:t>
+    </dgm:pt>
+    <dgm:pt modelId="{BCB4BBBC-4109-48A3-B815-BB136B317AD8}" type="sibTrans" cxnId="{33938F0C-2B1F-4734-8A0E-F395B79C933A}">
+      <dgm:prSet/>
+      <dgm:spPr/>
+      <dgm:t>
+        <a:bodyPr/>
+        <a:lstStyle/>
+        <a:p>
+          <a:endParaRPr lang="en-US"/>
+        </a:p>
+      </dgm:t>
+    </dgm:pt>
+    <dgm:pt modelId="{D200FAA2-DA41-431E-99B4-CE852F239D5B}" type="pres">
+      <dgm:prSet presAssocID="{30006ED6-615A-420E-AC3A-F7731DF7EFB3}" presName="Name0" presStyleCnt="0">
+        <dgm:presLayoutVars>
+          <dgm:chMax val="7"/>
+          <dgm:chPref val="7"/>
+          <dgm:dir/>
+          <dgm:animLvl val="lvl"/>
+        </dgm:presLayoutVars>
+      </dgm:prSet>
+      <dgm:spPr/>
+      <dgm:t>
+        <a:bodyPr/>
+        <a:lstStyle/>
+        <a:p>
+          <a:endParaRPr lang="en-US"/>
+        </a:p>
+      </dgm:t>
+    </dgm:pt>
+    <dgm:pt modelId="{5A37C6CB-3943-42E1-B56E-F2F8A297B688}" type="pres">
+      <dgm:prSet presAssocID="{3A931D42-5958-44A1-87AB-AB0772254FF8}" presName="Accent1" presStyleCnt="0"/>
+      <dgm:spPr/>
+    </dgm:pt>
+    <dgm:pt modelId="{CB4B68AE-99B9-4F73-A103-F7D238719E7C}" type="pres">
+      <dgm:prSet presAssocID="{3A931D42-5958-44A1-87AB-AB0772254FF8}" presName="Accent" presStyleLbl="node1" presStyleIdx="0" presStyleCnt="3" custLinFactNeighborX="63066" custLinFactNeighborY="-389"/>
+      <dgm:spPr>
+        <a:solidFill>
+          <a:srgbClr val="C00000"/>
+        </a:solidFill>
+      </dgm:spPr>
+      <dgm:t>
+        <a:bodyPr/>
+        <a:lstStyle/>
+        <a:p>
+          <a:endParaRPr lang="en-US"/>
+        </a:p>
+      </dgm:t>
+    </dgm:pt>
+    <dgm:pt modelId="{A8D0BBA9-F5D3-4DAE-9D8C-DE8D01C01ACA}" type="pres">
+      <dgm:prSet presAssocID="{3A931D42-5958-44A1-87AB-AB0772254FF8}" presName="Parent1" presStyleLbl="revTx" presStyleIdx="0" presStyleCnt="3" custScaleX="115793" custLinFactX="11936" custLinFactNeighborX="100000" custLinFactNeighborY="-16918">
+        <dgm:presLayoutVars>
+          <dgm:chMax val="1"/>
+          <dgm:chPref val="1"/>
+          <dgm:bulletEnabled val="1"/>
+        </dgm:presLayoutVars>
+      </dgm:prSet>
+      <dgm:spPr/>
+      <dgm:t>
+        <a:bodyPr/>
+        <a:lstStyle/>
+        <a:p>
+          <a:endParaRPr lang="en-US"/>
+        </a:p>
+      </dgm:t>
+    </dgm:pt>
+    <dgm:pt modelId="{B371400C-DED4-4E88-A225-055F2482AE65}" type="pres">
+      <dgm:prSet presAssocID="{529503FA-F08B-4C18-9F53-21D2A2E3CA38}" presName="Accent2" presStyleCnt="0"/>
+      <dgm:spPr/>
+    </dgm:pt>
+    <dgm:pt modelId="{A2754696-EDBD-4E03-ABE8-91AF6B475C64}" type="pres">
+      <dgm:prSet presAssocID="{529503FA-F08B-4C18-9F53-21D2A2E3CA38}" presName="Accent" presStyleLbl="node1" presStyleIdx="1" presStyleCnt="3" custLinFactNeighborX="63887" custLinFactNeighborY="-1397"/>
+      <dgm:spPr>
+        <a:solidFill>
+          <a:srgbClr val="C00000"/>
+        </a:solidFill>
+      </dgm:spPr>
+      <dgm:t>
+        <a:bodyPr/>
+        <a:lstStyle/>
+        <a:p>
+          <a:endParaRPr lang="en-US"/>
+        </a:p>
+      </dgm:t>
+    </dgm:pt>
+    <dgm:pt modelId="{D7CA765D-6677-4507-8D75-DCCE736983D3}" type="pres">
+      <dgm:prSet presAssocID="{529503FA-F08B-4C18-9F53-21D2A2E3CA38}" presName="Parent2" presStyleLbl="revTx" presStyleIdx="1" presStyleCnt="3" custScaleX="113960" custLinFactX="21940" custLinFactNeighborX="100000" custLinFactNeighborY="-10284">
+        <dgm:presLayoutVars>
+          <dgm:chMax val="1"/>
+          <dgm:chPref val="1"/>
+          <dgm:bulletEnabled val="1"/>
+        </dgm:presLayoutVars>
+      </dgm:prSet>
+      <dgm:spPr/>
+      <dgm:t>
+        <a:bodyPr/>
+        <a:lstStyle/>
+        <a:p>
+          <a:endParaRPr lang="en-US"/>
+        </a:p>
+      </dgm:t>
+    </dgm:pt>
+    <dgm:pt modelId="{1C979A83-14B3-44A0-832C-ADB78DDC31D2}" type="pres">
+      <dgm:prSet presAssocID="{CE8D7410-695B-41FE-9DF3-B09D6A5FC80E}" presName="Accent3" presStyleCnt="0"/>
+      <dgm:spPr/>
+    </dgm:pt>
+    <dgm:pt modelId="{9BE3160D-F3B8-42D5-A32E-AB018494B2C5}" type="pres">
+      <dgm:prSet presAssocID="{CE8D7410-695B-41FE-9DF3-B09D6A5FC80E}" presName="Accent" presStyleLbl="node1" presStyleIdx="2" presStyleCnt="3" custLinFactNeighborX="74883" custLinFactNeighborY="-698"/>
+      <dgm:spPr>
+        <a:solidFill>
+          <a:srgbClr val="C00000"/>
+        </a:solidFill>
+      </dgm:spPr>
+      <dgm:t>
+        <a:bodyPr/>
+        <a:lstStyle/>
+        <a:p>
+          <a:endParaRPr lang="en-US"/>
+        </a:p>
+      </dgm:t>
+    </dgm:pt>
+    <dgm:pt modelId="{E2917357-A89F-4B66-BC6B-1AA85F9E97AD}" type="pres">
+      <dgm:prSet presAssocID="{CE8D7410-695B-41FE-9DF3-B09D6A5FC80E}" presName="Parent3" presStyleLbl="revTx" presStyleIdx="2" presStyleCnt="3" custLinFactX="17482" custLinFactNeighborX="100000" custLinFactNeighborY="-5993">
+        <dgm:presLayoutVars>
+          <dgm:chMax val="1"/>
+          <dgm:chPref val="1"/>
+          <dgm:bulletEnabled val="1"/>
+        </dgm:presLayoutVars>
+      </dgm:prSet>
+      <dgm:spPr/>
+      <dgm:t>
+        <a:bodyPr/>
+        <a:lstStyle/>
+        <a:p>
+          <a:endParaRPr lang="en-US"/>
+        </a:p>
+      </dgm:t>
+    </dgm:pt>
+  </dgm:ptLst>
+  <dgm:cxnLst>
+    <dgm:cxn modelId="{3D190484-BFE0-4679-BD19-E4857F3D6A66}" type="presOf" srcId="{3A931D42-5958-44A1-87AB-AB0772254FF8}" destId="{A8D0BBA9-F5D3-4DAE-9D8C-DE8D01C01ACA}" srcOrd="0" destOrd="0" presId="urn:microsoft.com/office/officeart/2009/layout/CircleArrowProcess"/>
+    <dgm:cxn modelId="{56C8BCB3-0BF2-45D9-B719-D6C7D4D76F66}" type="presOf" srcId="{CE8D7410-695B-41FE-9DF3-B09D6A5FC80E}" destId="{E2917357-A89F-4B66-BC6B-1AA85F9E97AD}" srcOrd="0" destOrd="0" presId="urn:microsoft.com/office/officeart/2009/layout/CircleArrowProcess"/>
+    <dgm:cxn modelId="{12DEA38D-E2C4-4FAB-AC4C-CCC0DA18984E}" srcId="{30006ED6-615A-420E-AC3A-F7731DF7EFB3}" destId="{529503FA-F08B-4C18-9F53-21D2A2E3CA38}" srcOrd="1" destOrd="0" parTransId="{68171CCE-E536-4CED-8809-C7DC42EB91F8}" sibTransId="{01E3FA81-20AE-415E-A4DB-33B5215E04F5}"/>
+    <dgm:cxn modelId="{1C373C5D-F146-4BB9-9C79-8D4FF2FC7030}" type="presOf" srcId="{30006ED6-615A-420E-AC3A-F7731DF7EFB3}" destId="{D200FAA2-DA41-431E-99B4-CE852F239D5B}" srcOrd="0" destOrd="0" presId="urn:microsoft.com/office/officeart/2009/layout/CircleArrowProcess"/>
+    <dgm:cxn modelId="{80FD38E5-FCFA-40FD-B32B-73509A365FE2}" type="presOf" srcId="{529503FA-F08B-4C18-9F53-21D2A2E3CA38}" destId="{D7CA765D-6677-4507-8D75-DCCE736983D3}" srcOrd="0" destOrd="0" presId="urn:microsoft.com/office/officeart/2009/layout/CircleArrowProcess"/>
+    <dgm:cxn modelId="{33938F0C-2B1F-4734-8A0E-F395B79C933A}" srcId="{30006ED6-615A-420E-AC3A-F7731DF7EFB3}" destId="{CE8D7410-695B-41FE-9DF3-B09D6A5FC80E}" srcOrd="2" destOrd="0" parTransId="{028AEE8B-5DBF-40B1-BE83-F514F7AA5CD0}" sibTransId="{BCB4BBBC-4109-48A3-B815-BB136B317AD8}"/>
+    <dgm:cxn modelId="{6D1AFCE2-2568-4454-B9C0-465550CF7479}" srcId="{30006ED6-615A-420E-AC3A-F7731DF7EFB3}" destId="{3A931D42-5958-44A1-87AB-AB0772254FF8}" srcOrd="0" destOrd="0" parTransId="{208D8FF8-7141-40A7-A2F4-9AAD8E809014}" sibTransId="{13A31F44-1137-44C2-A2C4-CF78C3B373A9}"/>
+    <dgm:cxn modelId="{738E34BC-99B4-47C9-A3E0-C5B79BD2912D}" type="presParOf" srcId="{D200FAA2-DA41-431E-99B4-CE852F239D5B}" destId="{5A37C6CB-3943-42E1-B56E-F2F8A297B688}" srcOrd="0" destOrd="0" presId="urn:microsoft.com/office/officeart/2009/layout/CircleArrowProcess"/>
+    <dgm:cxn modelId="{9714ADFC-CE17-4767-99F1-B463DB0AFE71}" type="presParOf" srcId="{5A37C6CB-3943-42E1-B56E-F2F8A297B688}" destId="{CB4B68AE-99B9-4F73-A103-F7D238719E7C}" srcOrd="0" destOrd="0" presId="urn:microsoft.com/office/officeart/2009/layout/CircleArrowProcess"/>
+    <dgm:cxn modelId="{0106295C-825C-40E6-A284-82A4A75283AA}" type="presParOf" srcId="{D200FAA2-DA41-431E-99B4-CE852F239D5B}" destId="{A8D0BBA9-F5D3-4DAE-9D8C-DE8D01C01ACA}" srcOrd="1" destOrd="0" presId="urn:microsoft.com/office/officeart/2009/layout/CircleArrowProcess"/>
+    <dgm:cxn modelId="{F04BA5DA-39C2-4F02-921E-99211D4A3FE0}" type="presParOf" srcId="{D200FAA2-DA41-431E-99B4-CE852F239D5B}" destId="{B371400C-DED4-4E88-A225-055F2482AE65}" srcOrd="2" destOrd="0" presId="urn:microsoft.com/office/officeart/2009/layout/CircleArrowProcess"/>
+    <dgm:cxn modelId="{D610560B-FD02-4421-9BEB-2C5C633F800B}" type="presParOf" srcId="{B371400C-DED4-4E88-A225-055F2482AE65}" destId="{A2754696-EDBD-4E03-ABE8-91AF6B475C64}" srcOrd="0" destOrd="0" presId="urn:microsoft.com/office/officeart/2009/layout/CircleArrowProcess"/>
+    <dgm:cxn modelId="{34C45035-6C21-4EEB-AA7D-B9BD6458F2A1}" type="presParOf" srcId="{D200FAA2-DA41-431E-99B4-CE852F239D5B}" destId="{D7CA765D-6677-4507-8D75-DCCE736983D3}" srcOrd="3" destOrd="0" presId="urn:microsoft.com/office/officeart/2009/layout/CircleArrowProcess"/>
+    <dgm:cxn modelId="{D9BBEA43-A077-4A09-A4BB-66584D5CD208}" type="presParOf" srcId="{D200FAA2-DA41-431E-99B4-CE852F239D5B}" destId="{1C979A83-14B3-44A0-832C-ADB78DDC31D2}" srcOrd="4" destOrd="0" presId="urn:microsoft.com/office/officeart/2009/layout/CircleArrowProcess"/>
+    <dgm:cxn modelId="{6E6ADA73-61A0-49F0-A85F-E8408D1DAAC8}" type="presParOf" srcId="{1C979A83-14B3-44A0-832C-ADB78DDC31D2}" destId="{9BE3160D-F3B8-42D5-A32E-AB018494B2C5}" srcOrd="0" destOrd="0" presId="urn:microsoft.com/office/officeart/2009/layout/CircleArrowProcess"/>
+    <dgm:cxn modelId="{D578ECBB-D459-468F-8CAF-FEF9B2469F6B}" type="presParOf" srcId="{D200FAA2-DA41-431E-99B4-CE852F239D5B}" destId="{E2917357-A89F-4B66-BC6B-1AA85F9E97AD}" srcOrd="5" destOrd="0" presId="urn:microsoft.com/office/officeart/2009/layout/CircleArrowProcess"/>
+  </dgm:cxnLst>
+  <dgm:bg/>
+  <dgm:whole/>
+  <dgm:extLst>
+    <a:ext uri="http://schemas.microsoft.com/office/drawing/2008/diagram">
+      <dsp:dataModelExt xmlns:dsp="http://schemas.microsoft.com/office/drawing/2008/diagram" relId="rId6" minVer="http://schemas.openxmlformats.org/drawingml/2006/diagram"/>
+    </a:ext>
+  </dgm:extLst>
+</dgm:dataModel>
+</file>
+
+<file path=ppt/diagrams/drawing1.xml><?xml version="1.0" encoding="utf-8"?>
+<dsp:drawing xmlns:dgm="http://schemas.openxmlformats.org/drawingml/2006/diagram" xmlns:dsp="http://schemas.microsoft.com/office/drawing/2008/diagram" xmlns:a="http://schemas.openxmlformats.org/drawingml/2006/main">
+  <dsp:spTree>
+    <dsp:nvGrpSpPr>
+      <dsp:cNvPr id="0" name=""/>
+      <dsp:cNvGrpSpPr/>
+    </dsp:nvGrpSpPr>
+    <dsp:grpSpPr/>
+    <dsp:sp modelId="{CB4B68AE-99B9-4F73-A103-F7D238719E7C}">
+      <dsp:nvSpPr>
+        <dsp:cNvPr id="0" name=""/>
+        <dsp:cNvSpPr/>
+      </dsp:nvSpPr>
+      <dsp:spPr>
+        <a:xfrm>
+          <a:off x="3631707" y="-8237"/>
+          <a:ext cx="2117268" cy="2117590"/>
+        </a:xfrm>
+        <a:prstGeom prst="circularArrow">
+          <a:avLst>
+            <a:gd name="adj1" fmla="val 10980"/>
+            <a:gd name="adj2" fmla="val 1142322"/>
+            <a:gd name="adj3" fmla="val 4500000"/>
+            <a:gd name="adj4" fmla="val 10800000"/>
+            <a:gd name="adj5" fmla="val 12500"/>
+          </a:avLst>
+        </a:prstGeom>
+        <a:solidFill>
+          <a:srgbClr val="C00000"/>
+        </a:solidFill>
+        <a:ln w="25400" cap="flat" cmpd="sng" algn="ctr">
+          <a:solidFill>
+            <a:schemeClr val="lt1">
+              <a:hueOff val="0"/>
+              <a:satOff val="0"/>
+              <a:lumOff val="0"/>
+              <a:alphaOff val="0"/>
+            </a:schemeClr>
+          </a:solidFill>
+          <a:prstDash val="solid"/>
+        </a:ln>
+        <a:effectLst/>
+      </dsp:spPr>
+      <dsp:style>
+        <a:lnRef idx="2">
+          <a:scrgbClr r="0" g="0" b="0"/>
+        </a:lnRef>
+        <a:fillRef idx="1">
+          <a:scrgbClr r="0" g="0" b="0"/>
+        </a:fillRef>
+        <a:effectRef idx="0">
+          <a:scrgbClr r="0" g="0" b="0"/>
+        </a:effectRef>
+        <a:fontRef idx="minor">
+          <a:schemeClr val="lt1"/>
+        </a:fontRef>
+      </dsp:style>
+    </dsp:sp>
+    <dsp:sp modelId="{A8D0BBA9-F5D3-4DAE-9D8C-DE8D01C01ACA}">
+      <dsp:nvSpPr>
+        <dsp:cNvPr id="0" name=""/>
+        <dsp:cNvSpPr/>
+      </dsp:nvSpPr>
+      <dsp:spPr>
+        <a:xfrm>
+          <a:off x="3988468" y="665016"/>
+          <a:ext cx="1362334" cy="588121"/>
+        </a:xfrm>
+        <a:prstGeom prst="rect">
+          <a:avLst/>
+        </a:prstGeom>
+        <a:noFill/>
+        <a:ln>
+          <a:noFill/>
+        </a:ln>
+        <a:effectLst/>
+      </dsp:spPr>
+      <dsp:style>
+        <a:lnRef idx="0">
+          <a:scrgbClr r="0" g="0" b="0"/>
+        </a:lnRef>
+        <a:fillRef idx="0">
+          <a:scrgbClr r="0" g="0" b="0"/>
+        </a:fillRef>
+        <a:effectRef idx="0">
+          <a:scrgbClr r="0" g="0" b="0"/>
+        </a:effectRef>
+        <a:fontRef idx="minor"/>
+      </dsp:style>
+      <dsp:txBody>
+        <a:bodyPr spcFirstLastPara="0" vert="horz" wrap="square" lIns="12700" tIns="12700" rIns="12700" bIns="12700" numCol="1" spcCol="1270" anchor="ctr" anchorCtr="0">
+          <a:noAutofit/>
+        </a:bodyPr>
+        <a:lstStyle/>
+        <a:p>
+          <a:pPr lvl="0" algn="ctr" defTabSz="889000">
+            <a:lnSpc>
+              <a:spcPct val="90000"/>
+            </a:lnSpc>
+            <a:spcBef>
+              <a:spcPct val="0"/>
+            </a:spcBef>
+            <a:spcAft>
+              <a:spcPct val="35000"/>
+            </a:spcAft>
+          </a:pPr>
+          <a:r>
+            <a:rPr lang="en-US" sz="2000" kern="1200" dirty="0" smtClean="0">
+              <a:latin typeface="Arial" panose="020B0604020202020204" pitchFamily="34" charset="0"/>
+              <a:cs typeface="Arial" panose="020B0604020202020204" pitchFamily="34" charset="0"/>
+            </a:rPr>
+            <a:t>Authorized</a:t>
+          </a:r>
+          <a:endParaRPr lang="en-US" sz="2000" kern="1200" dirty="0">
+            <a:latin typeface="Arial" panose="020B0604020202020204" pitchFamily="34" charset="0"/>
+            <a:cs typeface="Arial" panose="020B0604020202020204" pitchFamily="34" charset="0"/>
+          </a:endParaRPr>
+        </a:p>
+      </dsp:txBody>
+      <dsp:txXfrm>
+        <a:off x="3988468" y="665016"/>
+        <a:ext cx="1362334" cy="588121"/>
+      </dsp:txXfrm>
+    </dsp:sp>
+    <dsp:sp modelId="{A2754696-EDBD-4E03-ABE8-91AF6B475C64}">
+      <dsp:nvSpPr>
+        <dsp:cNvPr id="0" name=""/>
+        <dsp:cNvSpPr/>
+      </dsp:nvSpPr>
+      <dsp:spPr>
+        <a:xfrm>
+          <a:off x="3061026" y="1187130"/>
+          <a:ext cx="2117268" cy="2117590"/>
+        </a:xfrm>
+        <a:prstGeom prst="leftCircularArrow">
+          <a:avLst>
+            <a:gd name="adj1" fmla="val 10980"/>
+            <a:gd name="adj2" fmla="val 1142322"/>
+            <a:gd name="adj3" fmla="val 6300000"/>
+            <a:gd name="adj4" fmla="val 18900000"/>
+            <a:gd name="adj5" fmla="val 12500"/>
+          </a:avLst>
+        </a:prstGeom>
+        <a:solidFill>
+          <a:srgbClr val="C00000"/>
+        </a:solidFill>
+        <a:ln w="25400" cap="flat" cmpd="sng" algn="ctr">
+          <a:solidFill>
+            <a:schemeClr val="lt1">
+              <a:hueOff val="0"/>
+              <a:satOff val="0"/>
+              <a:lumOff val="0"/>
+              <a:alphaOff val="0"/>
+            </a:schemeClr>
+          </a:solidFill>
+          <a:prstDash val="solid"/>
+        </a:ln>
+        <a:effectLst/>
+      </dsp:spPr>
+      <dsp:style>
+        <a:lnRef idx="2">
+          <a:scrgbClr r="0" g="0" b="0"/>
+        </a:lnRef>
+        <a:fillRef idx="1">
+          <a:scrgbClr r="0" g="0" b="0"/>
+        </a:fillRef>
+        <a:effectRef idx="0">
+          <a:scrgbClr r="0" g="0" b="0"/>
+        </a:effectRef>
+        <a:fontRef idx="minor">
+          <a:schemeClr val="lt1"/>
+        </a:fontRef>
+      </dsp:style>
+    </dsp:sp>
+    <dsp:sp modelId="{D7CA765D-6677-4507-8D75-DCCE736983D3}">
+      <dsp:nvSpPr>
+        <dsp:cNvPr id="0" name=""/>
+        <dsp:cNvSpPr/>
+      </dsp:nvSpPr>
+      <dsp:spPr>
+        <a:xfrm>
+          <a:off x="3531272" y="1927783"/>
+          <a:ext cx="1340768" cy="588121"/>
+        </a:xfrm>
+        <a:prstGeom prst="rect">
+          <a:avLst/>
+        </a:prstGeom>
+        <a:noFill/>
+        <a:ln>
+          <a:noFill/>
+        </a:ln>
+        <a:effectLst/>
+      </dsp:spPr>
+      <dsp:style>
+        <a:lnRef idx="0">
+          <a:scrgbClr r="0" g="0" b="0"/>
+        </a:lnRef>
+        <a:fillRef idx="0">
+          <a:scrgbClr r="0" g="0" b="0"/>
+        </a:fillRef>
+        <a:effectRef idx="0">
+          <a:scrgbClr r="0" g="0" b="0"/>
+        </a:effectRef>
+        <a:fontRef idx="minor"/>
+      </dsp:style>
+      <dsp:txBody>
+        <a:bodyPr spcFirstLastPara="0" vert="horz" wrap="square" lIns="12700" tIns="12700" rIns="12700" bIns="12700" numCol="1" spcCol="1270" anchor="ctr" anchorCtr="0">
+          <a:noAutofit/>
+        </a:bodyPr>
+        <a:lstStyle/>
+        <a:p>
+          <a:pPr lvl="0" algn="ctr" defTabSz="889000">
+            <a:lnSpc>
+              <a:spcPct val="90000"/>
+            </a:lnSpc>
+            <a:spcBef>
+              <a:spcPct val="0"/>
+            </a:spcBef>
+            <a:spcAft>
+              <a:spcPct val="35000"/>
+            </a:spcAft>
+          </a:pPr>
+          <a:r>
+            <a:rPr lang="en-US" sz="2000" b="0" i="0" kern="1200" dirty="0" smtClean="0">
+              <a:latin typeface="Arial" panose="020B0604020202020204" pitchFamily="34" charset="0"/>
+              <a:cs typeface="Arial" panose="020B0604020202020204" pitchFamily="34" charset="0"/>
+            </a:rPr>
+            <a:t>Responder</a:t>
+          </a:r>
+          <a:endParaRPr lang="en-US" sz="2000" kern="1200" dirty="0">
+            <a:latin typeface="Arial" panose="020B0604020202020204" pitchFamily="34" charset="0"/>
+            <a:cs typeface="Arial" panose="020B0604020202020204" pitchFamily="34" charset="0"/>
+          </a:endParaRPr>
+        </a:p>
+      </dsp:txBody>
+      <dsp:txXfrm>
+        <a:off x="3531272" y="1927783"/>
+        <a:ext cx="1340768" cy="588121"/>
+      </dsp:txXfrm>
+    </dsp:sp>
+    <dsp:sp modelId="{9BE3160D-F3B8-42D5-A32E-AB018494B2C5}">
+      <dsp:nvSpPr>
+        <dsp:cNvPr id="0" name=""/>
+        <dsp:cNvSpPr/>
+      </dsp:nvSpPr>
+      <dsp:spPr>
+        <a:xfrm>
+          <a:off x="3809293" y="2566324"/>
+          <a:ext cx="1819061" cy="1819791"/>
+        </a:xfrm>
+        <a:prstGeom prst="blockArc">
+          <a:avLst>
+            <a:gd name="adj1" fmla="val 13500000"/>
+            <a:gd name="adj2" fmla="val 10800000"/>
+            <a:gd name="adj3" fmla="val 12740"/>
+          </a:avLst>
+        </a:prstGeom>
+        <a:solidFill>
+          <a:srgbClr val="C00000"/>
+        </a:solidFill>
+        <a:ln w="25400" cap="flat" cmpd="sng" algn="ctr">
+          <a:solidFill>
+            <a:schemeClr val="lt1">
+              <a:hueOff val="0"/>
+              <a:satOff val="0"/>
+              <a:lumOff val="0"/>
+              <a:alphaOff val="0"/>
+            </a:schemeClr>
+          </a:solidFill>
+          <a:prstDash val="solid"/>
+        </a:ln>
+        <a:effectLst/>
+      </dsp:spPr>
+      <dsp:style>
+        <a:lnRef idx="2">
+          <a:scrgbClr r="0" g="0" b="0"/>
+        </a:lnRef>
+        <a:fillRef idx="1">
+          <a:scrgbClr r="0" g="0" b="0"/>
+        </a:fillRef>
+        <a:effectRef idx="0">
+          <a:scrgbClr r="0" g="0" b="0"/>
+        </a:effectRef>
+        <a:fontRef idx="minor">
+          <a:schemeClr val="lt1"/>
+        </a:fontRef>
+      </dsp:style>
+    </dsp:sp>
+    <dsp:sp modelId="{E2917357-A89F-4B66-BC6B-1AA85F9E97AD}">
+      <dsp:nvSpPr>
+        <dsp:cNvPr id="0" name=""/>
+        <dsp:cNvSpPr/>
+      </dsp:nvSpPr>
+      <dsp:spPr>
+        <a:xfrm>
+          <a:off x="4149406" y="3178530"/>
+          <a:ext cx="1176525" cy="588121"/>
+        </a:xfrm>
+        <a:prstGeom prst="rect">
+          <a:avLst/>
+        </a:prstGeom>
+        <a:noFill/>
+        <a:ln>
+          <a:noFill/>
+        </a:ln>
+        <a:effectLst/>
+      </dsp:spPr>
+      <dsp:style>
+        <a:lnRef idx="0">
+          <a:scrgbClr r="0" g="0" b="0"/>
+        </a:lnRef>
+        <a:fillRef idx="0">
+          <a:scrgbClr r="0" g="0" b="0"/>
+        </a:fillRef>
+        <a:effectRef idx="0">
+          <a:scrgbClr r="0" g="0" b="0"/>
+        </a:effectRef>
+        <a:fontRef idx="minor"/>
+      </dsp:style>
+      <dsp:txBody>
+        <a:bodyPr spcFirstLastPara="0" vert="horz" wrap="square" lIns="12700" tIns="12700" rIns="12700" bIns="12700" numCol="1" spcCol="1270" anchor="ctr" anchorCtr="0">
+          <a:noAutofit/>
+        </a:bodyPr>
+        <a:lstStyle/>
+        <a:p>
+          <a:pPr lvl="0" algn="ctr" defTabSz="889000">
+            <a:lnSpc>
+              <a:spcPct val="90000"/>
+            </a:lnSpc>
+            <a:spcBef>
+              <a:spcPct val="0"/>
+            </a:spcBef>
+            <a:spcAft>
+              <a:spcPct val="35000"/>
+            </a:spcAft>
+          </a:pPr>
+          <a:r>
+            <a:rPr lang="en-US" sz="2000" b="0" i="0" kern="1200" dirty="0" smtClean="0">
+              <a:latin typeface="Arial" panose="020B0604020202020204" pitchFamily="34" charset="0"/>
+              <a:cs typeface="Arial" panose="020B0604020202020204" pitchFamily="34" charset="0"/>
+            </a:rPr>
+            <a:t>Handle</a:t>
+          </a:r>
+        </a:p>
+        <a:p>
+          <a:pPr lvl="0" algn="ctr" defTabSz="889000">
+            <a:lnSpc>
+              <a:spcPct val="90000"/>
+            </a:lnSpc>
+            <a:spcBef>
+              <a:spcPct val="0"/>
+            </a:spcBef>
+            <a:spcAft>
+              <a:spcPct val="35000"/>
+            </a:spcAft>
+          </a:pPr>
+          <a:r>
+            <a:rPr lang="en-US" sz="2000" b="0" i="0" kern="1200" dirty="0" smtClean="0">
+              <a:latin typeface="Arial" panose="020B0604020202020204" pitchFamily="34" charset="0"/>
+              <a:cs typeface="Arial" panose="020B0604020202020204" pitchFamily="34" charset="0"/>
+            </a:rPr>
+            <a:t>Actions </a:t>
+          </a:r>
+          <a:endParaRPr lang="en-US" sz="2000" kern="1200" dirty="0">
+            <a:latin typeface="Arial" panose="020B0604020202020204" pitchFamily="34" charset="0"/>
+            <a:cs typeface="Arial" panose="020B0604020202020204" pitchFamily="34" charset="0"/>
+          </a:endParaRPr>
+        </a:p>
+      </dsp:txBody>
+      <dsp:txXfrm>
+        <a:off x="4149406" y="3178530"/>
+        <a:ext cx="1176525" cy="588121"/>
+      </dsp:txXfrm>
+    </dsp:sp>
+  </dsp:spTree>
+</dsp:drawing>
+</file>
+
+<file path=ppt/diagrams/layout1.xml><?xml version="1.0" encoding="utf-8"?>
+<dgm:layoutDef xmlns:dgm="http://schemas.openxmlformats.org/drawingml/2006/diagram" xmlns:a="http://schemas.openxmlformats.org/drawingml/2006/main" uniqueId="urn:microsoft.com/office/officeart/2009/layout/CircleArrowProcess">
+  <dgm:title val=""/>
+  <dgm:desc val=""/>
+  <dgm:catLst>
+    <dgm:cat type="process" pri="16500"/>
+    <dgm:cat type="cycle" pri="16000"/>
+  </dgm:catLst>
+  <dgm:sampData>
+    <dgm:dataModel>
+      <dgm:ptLst>
+        <dgm:pt modelId="0" type="doc"/>
+        <dgm:pt modelId="10">
+          <dgm:prSet phldr="1"/>
+        </dgm:pt>
+        <dgm:pt modelId="20">
+          <dgm:prSet phldr="1"/>
+        </dgm:pt>
+        <dgm:pt modelId="30">
+          <dgm:prSet phldr="1"/>
+        </dgm:pt>
+      </dgm:ptLst>
+      <dgm:cxnLst>
+        <dgm:cxn modelId="40" srcId="0" destId="10" srcOrd="0" destOrd="0"/>
+        <dgm:cxn modelId="50" srcId="0" destId="20" srcOrd="1" destOrd="0"/>
+        <dgm:cxn modelId="60" srcId="0" destId="30" srcOrd="2" destOrd="0"/>
+      </dgm:cxnLst>
+      <dgm:bg/>
+      <dgm:whole/>
+    </dgm:dataModel>
+  </dgm:sampData>
+  <dgm:styleData>
+    <dgm:dataModel>
+      <dgm:ptLst>
+        <dgm:pt modelId="0" type="doc"/>
+        <dgm:pt modelId="10">
+          <dgm:prSet phldr="1"/>
+        </dgm:pt>
+        <dgm:pt modelId="20">
+          <dgm:prSet phldr="1"/>
+        </dgm:pt>
+      </dgm:ptLst>
+      <dgm:cxnLst>
+        <dgm:cxn modelId="30" srcId="0" destId="10" srcOrd="0" destOrd="0"/>
+        <dgm:cxn modelId="40" srcId="0" destId="20" srcOrd="1" destOrd="0"/>
+      </dgm:cxnLst>
+      <dgm:bg/>
+      <dgm:whole/>
+    </dgm:dataModel>
+  </dgm:styleData>
+  <dgm:clrData>
+    <dgm:dataModel>
+      <dgm:ptLst>
+        <dgm:pt modelId="0" type="doc"/>
+        <dgm:pt modelId="10">
+          <dgm:prSet phldr="1"/>
+        </dgm:pt>
+        <dgm:pt modelId="20">
+          <dgm:prSet phldr="1"/>
+        </dgm:pt>
+        <dgm:pt modelId="30">
+          <dgm:prSet phldr="1"/>
+        </dgm:pt>
+        <dgm:pt modelId="40">
+          <dgm:prSet phldr="1"/>
+        </dgm:pt>
+      </dgm:ptLst>
+      <dgm:cxnLst>
+        <dgm:cxn modelId="50" srcId="0" destId="10" srcOrd="0" destOrd="0"/>
+        <dgm:cxn modelId="60" srcId="0" destId="20" srcOrd="1" destOrd="0"/>
+        <dgm:cxn modelId="70" srcId="0" destId="30" srcOrd="2" destOrd="0"/>
+        <dgm:cxn modelId="80" srcId="0" destId="40" srcOrd="3" destOrd="0"/>
+      </dgm:cxnLst>
+      <dgm:bg/>
+      <dgm:whole/>
+    </dgm:dataModel>
+  </dgm:clrData>
+  <dgm:layoutNode name="Name0">
+    <dgm:varLst>
+      <dgm:chMax val="7"/>
+      <dgm:chPref val="7"/>
+      <dgm:dir/>
+      <dgm:animLvl val="lvl"/>
+    </dgm:varLst>
+    <dgm:shape xmlns:r="http://schemas.openxmlformats.org/officeDocument/2006/relationships" r:blip="">
+      <dgm:adjLst/>
+    </dgm:shape>
+    <dgm:choose name="Name1">
+      <dgm:if name="Name2" func="var" arg="dir" op="equ" val="norm">
+        <dgm:choose name="Name3">
+          <dgm:if name="Name4" axis="ch" ptType="node" func="cnt" op="equ" val="1">
+            <dgm:alg type="composite">
+              <dgm:param type="ar" val="1.5999"/>
+            </dgm:alg>
+            <dgm:constrLst>
+              <dgm:constr type="primFontSz" for="des" forName="Child1" val="65"/>
+              <dgm:constr type="primFontSz" for="des" forName="Parent1" val="65"/>
+              <dgm:constr type="primFontSz" for="des" forName="Child1" refType="primFontSz" refFor="des" refForName="Parent1" op="lte"/>
+              <dgm:constr type="l" for="ch" forName="Child1" refType="w" fact="0.625"/>
+              <dgm:constr type="t" for="ch" forName="Child1" refType="h" fact="0.2981"/>
+              <dgm:constr type="w" for="ch" forName="Child1" refType="w" fact="0.375"/>
+              <dgm:constr type="h" for="ch" forName="Child1" refType="h" fact="0.4001"/>
+              <dgm:constr type="l" for="ch" forName="Accent1" refType="w" fact="0"/>
+              <dgm:constr type="t" for="ch" forName="Accent1" refType="h" fact="0"/>
+              <dgm:constr type="w" for="ch" forName="Accent1" refType="w" fact="0.6249"/>
+              <dgm:constr type="h" for="ch" forName="Accent1" refType="h"/>
+              <dgm:constr type="l" for="ch" forName="Parent1" refType="w" fact="0.138"/>
+              <dgm:constr type="t" for="ch" forName="Parent1" refType="h" fact="0.362"/>
+              <dgm:constr type="w" for="ch" forName="Parent1" refType="w" fact="0.3487"/>
+              <dgm:constr type="h" for="ch" forName="Parent1" refType="h" fact="0.2789"/>
+            </dgm:constrLst>
+          </dgm:if>
+          <dgm:if name="Name5" axis="ch" ptType="node" func="cnt" op="equ" val="2">
+            <dgm:alg type="composite">
+              <dgm:param type="ar" val="1.2026"/>
+            </dgm:alg>
+            <dgm:constrLst>
+              <dgm:constr type="primFontSz" for="des" forName="Child1" val="65"/>
+              <dgm:constr type="primFontSz" for="des" forName="Parent1" val="65"/>
+              <dgm:constr type="primFontSz" for="des" forName="Child1" refType="primFontSz" refFor="des" refForName="Parent1" op="lte"/>
+              <dgm:constr type="primFontSz" for="des" forName="Child2" refType="primFontSz" refFor="des" refForName="Parent1" op="lte"/>
+              <dgm:constr type="primFontSz" for="des" forName="Child1" refType="primFontSz" refFor="des" refForName="Parent2" op="lte"/>
+              <dgm:constr type="primFontSz" for="des" forName="Child2" refType="primFontSz" refFor="des" refForName="Parent2" op="lte"/>
+              <dgm:constr type="primFontSz" for="des" forName="Parent2" refType="primFontSz" refFor="des" refForName="Parent1" op="equ"/>
+              <dgm:constr type="primFontSz" for="des" forName="Child2" refType="primFontSz" refFor="des" refForName="Child1" op="equ"/>
+              <dgm:constr type="l" for="ch" forName="Accent1" refType="w" fact="0.1144"/>
+              <dgm:constr type="t" for="ch" forName="Accent1" refType="h" fact="0"/>
+              <dgm:constr type="w" for="ch" forName="Accent1" refType="w" fact="0.5542"/>
+              <dgm:constr type="h" for="ch" forName="Accent1" refType="h" fact="0.6665"/>
+              <dgm:constr type="l" for="ch" forName="Parent1" refType="w" fact="0.2368"/>
+              <dgm:constr type="t" for="ch" forName="Parent1" refType="h" fact="0.2413"/>
+              <dgm:constr type="w" for="ch" forName="Parent1" refType="w" fact="0.3092"/>
+              <dgm:constr type="h" for="ch" forName="Parent1" refType="h" fact="0.1859"/>
+              <dgm:constr type="l" for="ch" forName="Parent2" refType="w" fact="0.0822"/>
+              <dgm:constr type="t" for="ch" forName="Parent2" refType="h" fact="0.625"/>
+              <dgm:constr type="w" for="ch" forName="Parent2" refType="w" fact="0.3092"/>
+              <dgm:constr type="h" for="ch" forName="Parent2" refType="h" fact="0.1859"/>
+              <dgm:constr type="l" for="ch" forName="Child1" refType="w" fact="0.6678"/>
+              <dgm:constr type="t" for="ch" forName="Child1" refType="h" fact="0.1978"/>
+              <dgm:constr type="w" for="ch" forName="Child1" refType="w" fact="0.3322"/>
+              <dgm:constr type="h" for="ch" forName="Child1" refType="h" fact="0.265"/>
+              <dgm:constr type="l" for="ch" forName="Child2" refType="w" fact="0.5164"/>
+              <dgm:constr type="t" for="ch" forName="Child2" refType="h" fact="0.5855"/>
+              <dgm:constr type="w" for="ch" forName="Child2" refType="w" fact="0.3322"/>
+              <dgm:constr type="h" for="ch" forName="Child2" refType="h" fact="0.265"/>
+              <dgm:constr type="l" for="ch" forName="Accent2" refType="w" fact="0"/>
+              <dgm:constr type="t" for="ch" forName="Accent2" refType="h" fact="0.4272"/>
+              <dgm:constr type="w" for="ch" forName="Accent2" refType="w" fact="0.4761"/>
+              <dgm:constr type="h" for="ch" forName="Accent2" refType="h" fact="0.5728"/>
+            </dgm:constrLst>
+          </dgm:if>
+          <dgm:if name="Name6" axis="ch" ptType="node" func="cnt" op="equ" val="3">
+            <dgm:alg type="composite">
+              <dgm:param type="ar" val="0.9039"/>
+            </dgm:alg>
+            <dgm:shape xmlns:r="http://schemas.openxmlformats.org/officeDocument/2006/relationships" r:blip="">
+              <dgm:adjLst/>
+            </dgm:shape>
+            <dgm:constrLst>
+              <dgm:constr type="primFontSz" for="des" forName="Child1" val="65"/>
+              <dgm:constr type="primFontSz" for="des" forName="Parent1" val="65"/>
+              <dgm:constr type="primFontSz" for="des" forName="Child1" refType="primFontSz" refFor="des" refForName="Parent1" op="lte"/>
+              <dgm:constr type="primFontSz" for="des" forName="Child2" refType="primFontSz" refFor="des" refForName="Parent1" op="lte"/>
+              <dgm:constr type="primFontSz" for="des" forName="Child3" refType="primFontSz" refFor="des" refForName="Parent1" op="lte"/>
+              <dgm:constr type="primFontSz" for="des" forName="Child1" refType="primFontSz" refFor="des" refForName="Parent2" op="lte"/>
+              <dgm:constr type="primFontSz" for="des" forName="Child2" refType="primFontSz" refFor="des" refForName="Parent2" op="lte"/>
+              <dgm:constr type="primFontSz" for="des" forName="Child3" refType="primFontSz" refFor="des" refForName="Parent2" op="lte"/>
+              <dgm:constr type="primFontSz" for="des" forName="Child1" refType="primFontSz" refFor="des" refForName="Parent3" op="lte"/>
+              <dgm:constr type="primFontSz" for="des" forName="Child2" refType="primFontSz" refFor="des" refForName="Parent3" op="lte"/>
+              <dgm:constr type="primFontSz" for="des" forName="Child3" refType="primFontSz" refFor="des" refForName="Parent3" op="lte"/>
+              <dgm:constr type="primFontSz" for="des" forName="Parent2" refType="primFontSz" refFor="des" refForName="Parent1" op="equ"/>
+              <dgm:constr type="primFontSz" for="des" forName="Parent3" refType="primFontSz" refFor="des" refForName="Parent1" op="equ"/>
+              <dgm:constr type="primFontSz" for="des" forName="Child2" refType="primFontSz" refFor="des" refForName="Child1" op="equ"/>
+              <dgm:constr type="primFontSz" for="des" forName="Child3" refType="primFontSz" refFor="des" refForName="Child1" op="equ"/>
+              <dgm:constr type="l" for="ch" forName="Accent1" refType="w" fact="0.1479"/>
+              <dgm:constr type="t" for="ch" forName="Accent1" refType="h" fact="0"/>
+              <dgm:constr type="w" for="ch" forName="Accent1" refType="w" fact="0.5325"/>
+              <dgm:constr type="h" for="ch" forName="Accent1" refType="h" fact="0.4814"/>
+              <dgm:constr type="l" for="ch" forName="Accent2" refType="w" fact="0"/>
+              <dgm:constr type="t" for="ch" forName="Accent2" refType="h" fact="0.2766"/>
+              <dgm:constr type="w" for="ch" forName="Accent2" refType="w" fact="0.5325"/>
+              <dgm:constr type="h" for="ch" forName="Accent2" refType="h" fact="0.4814"/>
+              <dgm:constr type="l" for="ch" forName="Parent1" refType="w" fact="0.2656"/>
+              <dgm:constr type="t" for="ch" forName="Parent1" refType="h" fact="0.1738"/>
+              <dgm:constr type="w" for="ch" forName="Parent1" refType="w" fact="0.2959"/>
+              <dgm:constr type="h" for="ch" forName="Parent1" refType="h" fact="0.1337"/>
+              <dgm:constr type="l" for="ch" forName="Accent3" refType="w" fact="0.1858"/>
+              <dgm:constr type="t" for="ch" forName="Accent3" refType="h" fact="0.5863"/>
+              <dgm:constr type="w" for="ch" forName="Accent3" refType="w" fact="0.4575"/>
+              <dgm:constr type="h" for="ch" forName="Accent3" refType="h" fact="0.4137"/>
+              <dgm:constr type="l" for="ch" forName="Parent2" refType="w" fact="0.1183"/>
+              <dgm:constr type="t" for="ch" forName="Parent2" refType="h" fact="0.452"/>
+              <dgm:constr type="w" for="ch" forName="Parent2" refType="w" fact="0.2959"/>
+              <dgm:constr type="h" for="ch" forName="Parent2" refType="h" fact="0.1337"/>
+              <dgm:constr type="l" for="ch" forName="Parent3" refType="w" fact="0.2663"/>
+              <dgm:constr type="t" for="ch" forName="Parent3" refType="h" fact="0.7306"/>
+              <dgm:constr type="w" for="ch" forName="Parent3" refType="w" fact="0.2959"/>
+              <dgm:constr type="h" for="ch" forName="Parent3" refType="h" fact="0.1337"/>
+              <dgm:constr type="l" for="ch" forName="Child2" refType="w" fact="0.5325"/>
+              <dgm:constr type="t" for="ch" forName="Child2" refType="h" fact="0.4217"/>
+              <dgm:constr type="w" for="ch" forName="Child2" refType="w" fact="0.3195"/>
+              <dgm:constr type="h" for="ch" forName="Child2" refType="h" fact="0.1926"/>
+              <dgm:constr type="l" for="ch" forName="Child1" refType="w" fact="0.6805"/>
+              <dgm:constr type="t" for="ch" forName="Child1" refType="h" fact="0.1435"/>
+              <dgm:constr type="w" for="ch" forName="Child1" refType="w" fact="0.3195"/>
+              <dgm:constr type="h" for="ch" forName="Child1" refType="h" fact="0.1926"/>
+              <dgm:constr type="l" for="ch" forName="Child3" refType="w" fact="0.6805"/>
+              <dgm:constr type="t" for="ch" forName="Child3" refType="h" fact="0.6998"/>
+              <dgm:constr type="w" for="ch" forName="Child3" refType="w" fact="0.3195"/>
+              <dgm:constr type="h" for="ch" forName="Child3" refType="h" fact="0.1926"/>
+            </dgm:constrLst>
+          </dgm:if>
+          <dgm:if name="Name7" axis="ch" ptType="node" func="cnt" op="equ" val="4">
+            <dgm:alg type="composite">
+              <dgm:param type="ar" val="0.7073"/>
+            </dgm:alg>
+            <dgm:constrLst>
+              <dgm:constr type="primFontSz" for="des" forName="Child1" val="65"/>
+              <dgm:constr type="primFontSz" for="des" forName="Parent1" val="65"/>
+              <dgm:constr type="primFontSz" for="des" forName="Child1" refType="primFontSz" refFor="des" refForName="Parent1" op="lte"/>
+              <dgm:constr type="primFontSz" for="des" forName="Child2" refType="primFontSz" refFor="des" refForName="Parent1" op="lte"/>
+              <dgm:constr type="primFontSz" for="des" forName="Child3" refType="primFontSz" refFor="des" refForName="Parent1" op="lte"/>
+              <dgm:constr type="primFontSz" for="des" forName="Child4" refType="primFontSz" refFor="des" refForName="Parent1" op="lte"/>
+              <dgm:constr type="primFontSz" for="des" forName="Child1" refType="primFontSz" refFor="des" refForName="Parent2" op="lte"/>
+              <dgm:constr type="primFontSz" for="des" forName="Child2" refType="primFontSz" refFor="des" refForName="Parent2" op="lte"/>
+              <dgm:constr type="primFontSz" for="des" forName="Child3" refType="primFontSz" refFor="des" refForName="Parent2" op="lte"/>
+              <dgm:constr type="primFontSz" for="des" forName="Child4" refType="primFontSz" refFor="des" refForName="Parent2" op="lte"/>
+              <dgm:constr type="primFontSz" for="des" forName="Child1" refType="primFontSz" refFor="des" refForName="Parent3" op="lte"/>
+              <dgm:constr type="primFontSz" for="des" forName="Child2" refType="primFontSz" refFor="des" refForName="Parent3" op="lte"/>
+              <dgm:constr type="primFontSz" for="des" forName="Child3" refType="primFontSz" refFor="des" refForName="Parent3" op="lte"/>
+              <dgm:constr type="primFontSz" for="des" forName="Child4" refType="primFontSz" refFor="des" refForName="Parent3" op="lte"/>
+              <dgm:constr type="primFontSz" for="des" forName="Child1" refType="primFontSz" refFor="des" refForName="Parent4" op="lte"/>
+              <dgm:constr type="primFontSz" for="des" forName="Child2" refType="primFontSz" refFor="des" refForName="Parent4" op="lte"/>
+              <dgm:constr type="primFontSz" for="des" forName="Child3" refType="primFontSz" refFor="des" refForName="Parent4" op="lte"/>
+              <dgm:constr type="primFontSz" for="des" forName="Child4" refType="primFontSz" refFor="des" refForName="Parent4" op="lte"/>
+              <dgm:constr type="primFontSz" for="des" forName="Parent2" refType="primFontSz" refFor="des" refForName="Parent1" op="equ"/>
+              <dgm:constr type="primFontSz" for="des" forName="Parent3" refType="primFontSz" refFor="des" refForName="Parent1" op="equ"/>
+              <dgm:constr type="primFontSz" for="des" forName="Parent4" refType="primFontSz" refFor="des" refForName="Parent1" op="equ"/>
+              <dgm:constr type="primFontSz" for="des" forName="Child2" refType="primFontSz" refFor="des" refForName="Child1" op="equ"/>
+              <dgm:constr type="primFontSz" for="des" forName="Child3" refType="primFontSz" refFor="des" refForName="Child1" op="equ"/>
+              <dgm:constr type="primFontSz" for="des" forName="Child4" refType="primFontSz" refFor="des" refForName="Child1" op="equ"/>
+              <dgm:constr type="l" for="ch" forName="Accent1" refType="w" fact="0.1481"/>
+              <dgm:constr type="t" for="ch" forName="Accent1" refType="h" fact="0"/>
+              <dgm:constr type="w" for="ch" forName="Accent1" refType="w" fact="0.5331"/>
+              <dgm:constr type="h" for="ch" forName="Accent1" refType="h" fact="0.3771"/>
+              <dgm:constr type="l" for="ch" forName="Accent2" refType="w" fact="0"/>
+              <dgm:constr type="t" for="ch" forName="Accent2" refType="h" fact="0.2167"/>
+              <dgm:constr type="w" for="ch" forName="Accent2" refType="w" fact="0.5331"/>
+              <dgm:constr type="h" for="ch" forName="Accent2" refType="h" fact="0.3771"/>
+              <dgm:constr type="l" for="ch" forName="Accent3" refType="w" fact="0.1481"/>
+              <dgm:constr type="t" for="ch" forName="Accent3" refType="h" fact="0.4342"/>
+              <dgm:constr type="w" for="ch" forName="Accent3" refType="w" fact="0.5331"/>
+              <dgm:constr type="h" for="ch" forName="Accent3" refType="h" fact="0.3771"/>
+              <dgm:constr type="l" for="ch" forName="Parent1" refType="w" fact="0.2658"/>
+              <dgm:constr type="t" for="ch" forName="Parent1" refType="h" fact="0.1365"/>
+              <dgm:constr type="w" for="ch" forName="Parent1" refType="w" fact="0.2975"/>
+              <dgm:constr type="h" for="ch" forName="Parent1" refType="h" fact="0.1052"/>
+              <dgm:constr type="l" for="ch" forName="Parent2" refType="w" fact="0.1171"/>
+              <dgm:constr type="t" for="ch" forName="Parent2" refType="h" fact="0.3536"/>
+              <dgm:constr type="w" for="ch" forName="Parent2" refType="w" fact="0.2975"/>
+              <dgm:constr type="h" for="ch" forName="Parent2" refType="h" fact="0.1052"/>
+              <dgm:constr type="l" for="ch" forName="Parent3" refType="w" fact="0.2658"/>
+              <dgm:constr type="t" for="ch" forName="Parent3" refType="h" fact="0.5707"/>
+              <dgm:constr type="w" for="ch" forName="Parent3" refType="w" fact="0.2975"/>
+              <dgm:constr type="h" for="ch" forName="Parent3" refType="h" fact="0.1052"/>
+              <dgm:constr type="l" for="ch" forName="Parent4" refType="w" fact="0.1171"/>
+              <dgm:constr type="t" for="ch" forName="Parent4" refType="h" fact="0.7878"/>
+              <dgm:constr type="w" for="ch" forName="Parent4" refType="w" fact="0.2975"/>
+              <dgm:constr type="h" for="ch" forName="Parent4" refType="h" fact="0.1052"/>
+              <dgm:constr type="l" for="ch" forName="Child1" refType="w" fact="0.6804"/>
+              <dgm:constr type="t" for="ch" forName="Child1" refType="h" fact="0.1119"/>
+              <dgm:constr type="w" for="ch" forName="Child1" refType="w" fact="0.3196"/>
+              <dgm:constr type="h" for="ch" forName="Child1" refType="h" fact="0.15"/>
+              <dgm:constr type="l" for="ch" forName="Child2" refType="w" fact="0.5348"/>
+              <dgm:constr type="t" for="ch" forName="Child2" refType="h" fact="0.3312"/>
+              <dgm:constr type="w" for="ch" forName="Child2" refType="w" fact="0.3196"/>
+              <dgm:constr type="h" for="ch" forName="Child2" refType="h" fact="0.15"/>
+              <dgm:constr type="l" for="ch" forName="Child3" refType="w" fact="0.6804"/>
+              <dgm:constr type="t" for="ch" forName="Child3" refType="h" fact="0.5461"/>
+              <dgm:constr type="w" for="ch" forName="Child3" refType="w" fact="0.3196"/>
+              <dgm:constr type="h" for="ch" forName="Child3" refType="h" fact="0.15"/>
+              <dgm:constr type="l" for="ch" forName="Child4" refType="w" fact="0.5348"/>
+              <dgm:constr type="t" for="ch" forName="Child4" refType="h" fact="0.7632"/>
+              <dgm:constr type="w" for="ch" forName="Child4" refType="w" fact="0.3196"/>
+              <dgm:constr type="h" for="ch" forName="Child4" refType="h" fact="0.15"/>
+              <dgm:constr type="l" for="ch" forName="Accent4" refType="w" fact="0.038"/>
+              <dgm:constr type="t" for="ch" forName="Accent4" refType="h" fact="0.6759"/>
+              <dgm:constr type="w" for="ch" forName="Accent4" refType="w" fact="0.458"/>
+              <dgm:constr type="h" for="ch" forName="Accent4" refType="h" fact="0.3241"/>
+            </dgm:constrLst>
+          </dgm:if>
+          <dgm:if name="Name8" axis="ch" ptType="node" func="cnt" op="equ" val="5">
+            <dgm:alg type="composite">
+              <dgm:param type="ar" val="0.5811"/>
+            </dgm:alg>
+            <dgm:constrLst>
+              <dgm:constr type="primFontSz" for="des" forName="Child1" val="65"/>
+              <dgm:constr type="primFontSz" for="des" forName="Parent1" val="65"/>
+              <dgm:constr type="primFontSz" for="des" forName="Child1" refType="primFontSz" refFor="des" refForName="Parent1" op="lte"/>
+              <dgm:constr type="primFontSz" for="des" forName="Child2" refType="primFontSz" refFor="des" refForName="Parent1" op="lte"/>
+              <dgm:constr type="primFontSz" for="des" forName="Child3" refType="primFontSz" refFor="des" refForName="Parent1" op="lte"/>
+              <dgm:constr type="primFontSz" for="des" forName="Child4" refType="primFontSz" refFor="des" refForName="Parent1" op="lte"/>
+              <dgm:constr type="primFontSz" for="des" forName="Child5" refType="primFontSz" refFor="des" refForName="Parent1" op="lte"/>
+              <dgm:constr type="primFontSz" for="des" forName="Child1" refType="primFontSz" refFor="des" refForName="Parent2" op="lte"/>
+              <dgm:constr type="primFontSz" for="des" forName="Child2" refType="primFontSz" refFor="des" refForName="Parent2" op="lte"/>
+              <dgm:constr type="primFontSz" for="des" forName="Child3" refType="primFontSz" refFor="des" refForName="Parent2" op="lte"/>
+              <dgm:constr type="primFontSz" for="des" forName="Child4" refType="primFontSz" refFor="des" refForName="Parent2" op="lte"/>
+              <dgm:constr type="primFontSz" for="des" forName="Child5" refType="primFontSz" refFor="des" refForName="Parent2" op="lte"/>
+              <dgm:constr type="primFontSz" for="des" forName="Child1" refType="primFontSz" refFor="des" refForName="Parent3" op="lte"/>
+              <dgm:constr type="primFontSz" for="des" forName="Child2" refType="primFontSz" refFor="des" refForName="Parent3" op="lte"/>
+              <dgm:constr type="primFontSz" for="des" forName="Child3" refType="primFontSz" refFor="des" refForName="Parent3" op="lte"/>
+              <dgm:constr type="primFontSz" for="des" forName="Child4" refType="primFontSz" refFor="des" refForName="Parent3" op="lte"/>
+              <dgm:constr type="primFontSz" for="des" forName="Child5" refType="primFontSz" refFor="des" refForName="Parent3" op="lte"/>
+              <dgm:constr type="primFontSz" for="des" forName="Child1" refType="primFontSz" refFor="des" refForName="Parent4" op="lte"/>
+              <dgm:constr type="primFontSz" for="des" forName="Child2" refType="primFontSz" refFor="des" refForName="Parent4" op="lte"/>
+              <dgm:constr type="primFontSz" for="des" forName="Child3" refType="primFontSz" refFor="des" refForName="Parent4" op="lte"/>
+              <dgm:constr type="primFontSz" for="des" forName="Child4" refType="primFontSz" refFor="des" refForName="Parent4" op="lte"/>
+              <dgm:constr type="primFontSz" for="des" forName="Child5" refType="primFontSz" refFor="des" refForName="Parent4" op="lte"/>
+              <dgm:constr type="primFontSz" for="des" forName="Child1" refType="primFontSz" refFor="des" refForName="Parent5" op="lte"/>
+              <dgm:constr type="primFontSz" for="des" forName="Child2" refType="primFontSz" refFor="des" refForName="Parent5" op="lte"/>
+              <dgm:constr type="primFontSz" for="des" forName="Child3" refType="primFontSz" refFor="des" refForName="Parent5" op="lte"/>
+              <dgm:constr type="primFontSz" for="des" forName="Child4" refType="primFontSz" refFor="des" refForName="Parent5" op="lte"/>
+              <dgm:constr type="primFontSz" for="des" forName="Child5" refType="primFontSz" refFor="des" refForName="Parent5" op="lte"/>
+              <dgm:constr type="primFontSz" for="des" forName="Parent2" refType="primFontSz" refFor="des" refForName="Parent1" op="equ"/>
+              <dgm:constr type="primFontSz" for="des" forName="Parent3" refType="primFontSz" refFor="des" refForName="Parent1" op="equ"/>
+              <dgm:constr type="primFontSz" for="des" forName="Parent4" refType="primFontSz" refFor="des" refForName="Parent1" op="equ"/>
+              <dgm:constr type="primFontSz" for="des" forName="Parent5" refType="primFontSz" refFor="des" refForName="Parent1" op="equ"/>
+              <dgm:constr type="primFontSz" for="des" forName="Child2" refType="primFontSz" refFor="des" refForName="Child1" op="equ"/>
+              <dgm:constr type="primFontSz" for="des" forName="Child3" refType="primFontSz" refFor="des" refForName="Child1" op="equ"/>
+              <dgm:constr type="primFontSz" for="des" forName="Child4" refType="primFontSz" refFor="des" refForName="Child1" op="equ"/>
+              <dgm:constr type="primFontSz" for="des" forName="Child5" refType="primFontSz" refFor="des" refForName="Child1" op="equ"/>
+              <dgm:constr type="l" for="ch" forName="Accent1" refType="w" fact="0.1481"/>
+              <dgm:constr type="t" for="ch" forName="Accent1" refType="h" fact="0"/>
+              <dgm:constr type="w" for="ch" forName="Accent1" refType="w" fact="0.5331"/>
+              <dgm:constr type="h" for="ch" forName="Accent1" refType="h" fact="0.3098"/>
+              <dgm:constr type="l" for="ch" forName="Accent2" refType="w" fact="0"/>
+              <dgm:constr type="t" for="ch" forName="Accent2" refType="h" fact="0.178"/>
+              <dgm:constr type="w" for="ch" forName="Accent2" refType="w" fact="0.5331"/>
+              <dgm:constr type="h" for="ch" forName="Accent2" refType="h" fact="0.3098"/>
+              <dgm:constr type="l" for="ch" forName="Accent3" refType="w" fact="0.1481"/>
+              <dgm:constr type="t" for="ch" forName="Accent3" refType="h" fact="0.3568"/>
+              <dgm:constr type="w" for="ch" forName="Accent3" refType="w" fact="0.5331"/>
+              <dgm:constr type="h" for="ch" forName="Accent3" refType="h" fact="0.3098"/>
+              <dgm:constr type="l" for="ch" forName="Accent4" refType="w" fact="0"/>
+              <dgm:constr type="t" for="ch" forName="Accent4" refType="h" fact="0.5351"/>
+              <dgm:constr type="w" for="ch" forName="Accent4" refType="w" fact="0.5331"/>
+              <dgm:constr type="h" for="ch" forName="Accent4" refType="h" fact="0.3098"/>
+              <dgm:constr type="l" for="ch" forName="Accent5" refType="w" fact="0.186"/>
+              <dgm:constr type="t" for="ch" forName="Accent5" refType="h" fact="0.7337"/>
+              <dgm:constr type="w" for="ch" forName="Accent5" refType="w" fact="0.458"/>
+              <dgm:constr type="h" for="ch" forName="Accent5" refType="h" fact="0.2663"/>
+              <dgm:constr type="l" for="ch" forName="Parent1" refType="w" fact="0.2658"/>
+              <dgm:constr type="t" for="ch" forName="Parent1" refType="h" fact="0.1122"/>
+              <dgm:constr type="w" for="ch" forName="Parent1" refType="w" fact="0.2975"/>
+              <dgm:constr type="h" for="ch" forName="Parent1" refType="h" fact="0.0864"/>
+              <dgm:constr type="l" for="ch" forName="Parent2" refType="w" fact="0.1171"/>
+              <dgm:constr type="t" for="ch" forName="Parent2" refType="h" fact="0.2906"/>
+              <dgm:constr type="w" for="ch" forName="Parent2" refType="w" fact="0.2975"/>
+              <dgm:constr type="h" for="ch" forName="Parent2" refType="h" fact="0.0864"/>
+              <dgm:constr type="l" for="ch" forName="Parent3" refType="w" fact="0.2658"/>
+              <dgm:constr type="t" for="ch" forName="Parent3" refType="h" fact="0.4689"/>
+              <dgm:constr type="w" for="ch" forName="Parent3" refType="w" fact="0.2975"/>
+              <dgm:constr type="h" for="ch" forName="Parent3" refType="h" fact="0.0864"/>
+              <dgm:constr type="l" for="ch" forName="Parent4" refType="w" fact="0.1171"/>
+              <dgm:constr type="t" for="ch" forName="Parent4" refType="h" fact="0.6473"/>
+              <dgm:constr type="w" for="ch" forName="Parent4" refType="w" fact="0.2975"/>
+              <dgm:constr type="h" for="ch" forName="Parent4" refType="h" fact="0.0864"/>
+              <dgm:constr type="l" for="ch" forName="Parent5" refType="w" fact="0.2658"/>
+              <dgm:constr type="t" for="ch" forName="Parent5" refType="h" fact="0.8257"/>
+              <dgm:constr type="w" for="ch" forName="Parent5" refType="w" fact="0.2975"/>
+              <dgm:constr type="h" for="ch" forName="Parent5" refType="h" fact="0.0864"/>
+              <dgm:constr type="l" for="ch" forName="Child1" refType="w" fact="0.6804"/>
+              <dgm:constr type="t" for="ch" forName="Child1" refType="h" fact="0.0919"/>
+              <dgm:constr type="w" for="ch" forName="Child1" refType="w" fact="0.3196"/>
+              <dgm:constr type="h" for="ch" forName="Child1" refType="h" fact="0.1232"/>
+              <dgm:constr type="l" for="ch" forName="Child2" refType="w" fact="0.5348"/>
+              <dgm:constr type="t" for="ch" forName="Child2" refType="h" fact="0.2722"/>
+              <dgm:constr type="w" for="ch" forName="Child2" refType="w" fact="0.3196"/>
+              <dgm:constr type="h" for="ch" forName="Child2" refType="h" fact="0.1232"/>
+              <dgm:constr type="l" for="ch" forName="Child3" refType="w" fact="0.6804"/>
+              <dgm:constr type="t" for="ch" forName="Child3" refType="h" fact="0.4487"/>
+              <dgm:constr type="w" for="ch" forName="Child3" refType="w" fact="0.3196"/>
+              <dgm:constr type="h" for="ch" forName="Child3" refType="h" fact="0.1232"/>
+              <dgm:constr type="l" for="ch" forName="Child4" refType="w" fact="0.5348"/>
+              <dgm:constr type="t" for="ch" forName="Child4" refType="h" fact="0.6271"/>
+              <dgm:constr type="w" for="ch" forName="Child4" refType="w" fact="0.3196"/>
+              <dgm:constr type="h" for="ch" forName="Child4" refType="h" fact="0.1232"/>
+              <dgm:constr type="l" for="ch" forName="Child5" refType="w" fact="0.6804"/>
+              <dgm:constr type="t" for="ch" forName="Child5" refType="h" fact="0.8073"/>
+              <dgm:constr type="w" for="ch" forName="Child5" refType="w" fact="0.3196"/>
+              <dgm:constr type="h" for="ch" forName="Child5" refType="h" fact="0.1232"/>
+            </dgm:constrLst>
+          </dgm:if>
+          <dgm:if name="Name9" axis="ch" ptType="node" func="cnt" op="equ" val="6">
+            <dgm:alg type="composite">
+              <dgm:param type="ar" val="0.4931"/>
+            </dgm:alg>
+            <dgm:constrLst>
+              <dgm:constr type="primFontSz" for="des" forName="Child1" val="65"/>
+              <dgm:constr type="primFontSz" for="des" forName="Parent1" val="65"/>
+              <dgm:constr type="primFontSz" for="des" forName="Child1" refType="primFontSz" refFor="des" refForName="Parent1" op="lte"/>
+              <dgm:constr type="primFontSz" for="des" forName="Child2" refType="primFontSz" refFor="des" refForName="Parent1" op="lte"/>
+              <dgm:constr type="primFontSz" for="des" forName="Child3" refType="primFontSz" refFor="des" refForName="Parent1" op="lte"/>
+              <dgm:constr type="primFontSz" for="des" forName="Child4" refType="primFontSz" refFor="des" refForName="Parent1" op="lte"/>
+              <dgm:constr type="primFontSz" for="des" forName="Child5" refType="primFontSz" refFor="des" refForName="Parent1" op="lte"/>
+              <dgm:constr type="primFontSz" for="des" forName="Child6" refType="primFontSz" refFor="des" refForName="Parent1" op="lte"/>
+              <dgm:constr type="primFontSz" for="des" forName="Child1" refType="primFontSz" refFor="des" refForName="Parent2" op="lte"/>
+              <dgm:constr type="primFontSz" for="des" forName="Child2" refType="primFontSz" refFor="des" refForName="Parent2" op="lte"/>
+              <dgm:constr type="primFontSz" for="des" forName="Child3" refType="primFontSz" refFor="des" refForName="Parent2" op="lte"/>
+              <dgm:constr type="primFontSz" for="des" forName="Child4" refType="primFontSz" refFor="des" refForName="Parent2" op="lte"/>
+              <dgm:constr type="primFontSz" for="des" forName="Child5" refType="primFontSz" refFor="des" refForName="Parent2" op="lte"/>
+              <dgm:constr type="primFontSz" for="des" forName="Child6" refType="primFontSz" refFor="des" refForName="Parent2" op="lte"/>
+              <dgm:constr type="primFontSz" for="des" forName="Child1" refType="primFontSz" refFor="des" refForName="Parent3" op="lte"/>
+              <dgm:constr type="primFontSz" for="des" forName="Child2" refType="primFontSz" refFor="des" refForName="Parent3" op="lte"/>
+              <dgm:constr type="primFontSz" for="des" forName="Child3" refType="primFontSz" refFor="des" refForName="Parent3" op="lte"/>
+              <dgm:constr type="primFontSz" for="des" forName="Child4" refType="primFontSz" refFor="des" refForName="Parent3" op="lte"/>
+              <dgm:constr type="primFontSz" for="des" forName="Child5" refType="primFontSz" refFor="des" refForName="Parent3" op="lte"/>
+              <dgm:constr type="primFontSz" for="des" forName="Child6" refType="primFontSz" refFor="des" refForName="Parent3" op="lte"/>
+              <dgm:constr type="primFontSz" for="des" forName="Child1" refType="primFontSz" refFor="des" refForName="Parent4" op="lte"/>
+              <dgm:constr type="primFontSz" for="des" forName="Child2" refType="primFontSz" refFor="des" refForName="Parent4" op="lte"/>
+              <dgm:constr type="primFontSz" for="des" forName="Child3" refType="primFontSz" refFor="des" refForName="Parent4" op="lte"/>
+              <dgm:constr type="primFontSz" for="des" forName="Child4" refType="primFontSz" refFor="des" refForName="Parent4" op="lte"/>
+              <dgm:constr type="primFontSz" for="des" forName="Child5" refType="primFontSz" refFor="des" refForName="Parent4" op="lte"/>
+              <dgm:constr type="primFontSz" for="des" forName="Child6" refType="primFontSz" refFor="des" refForName="Parent4" op="lte"/>
+              <dgm:constr type="primFontSz" for="des" forName="Child1" refType="primFontSz" refFor="des" refForName="Parent5" op="lte"/>
+              <dgm:constr type="primFontSz" for="des" forName="Child2" refType="primFontSz" refFor="des" refForName="Parent5" op="lte"/>
+              <dgm:constr type="primFontSz" for="des" forName="Child3" refType="primFontSz" refFor="des" refForName="Parent5" op="lte"/>
+              <dgm:constr type="primFontSz" for="des" forName="Child4" refType="primFontSz" refFor="des" refForName="Parent5" op="lte"/>
+              <dgm:constr type="primFontSz" for="des" forName="Child5" refType="primFontSz" refFor="des" refForName="Parent5" op="lte"/>
+              <dgm:constr type="primFontSz" for="des" forName="Child6" refType="primFontSz" refFor="des" refForName="Parent5" op="lte"/>
+              <dgm:constr type="primFontSz" for="des" forName="Child1" refType="primFontSz" refFor="des" refForName="Parent6" op="lte"/>
+              <dgm:constr type="primFontSz" for="des" forName="Child2" refType="primFontSz" refFor="des" refForName="Parent6" op="lte"/>
+              <dgm:constr type="primFontSz" for="des" forName="Child3" refType="primFontSz" refFor="des" refForName="Parent6" op="lte"/>
+              <dgm:constr type="primFontSz" for="des" forName="Child4" refType="primFontSz" refFor="des" refForName="Parent6" op="lte"/>
+              <dgm:constr type="primFontSz" for="des" forName="Child5" refType="primFontSz" refFor="des" refForName="Parent6" op="lte"/>
+              <dgm:constr type="primFontSz" for="des" forName="Child6" refType="primFontSz" refFor="des" refForName="Parent6" op="lte"/>
+              <dgm:constr type="primFontSz" for="des" forName="Parent2" refType="primFontSz" refFor="des" refForName="Parent1" op="equ"/>
+              <dgm:constr type="primFontSz" for="des" forName="Parent3" refType="primFontSz" refFor="des" refForName="Parent1" op="equ"/>
+              <dgm:constr type="primFontSz" for="des" forName="Parent4" refType="primFontSz" refFor="des" refForName="Parent1" op="equ"/>
+              <dgm:constr type="primFontSz" for="des" forName="Parent5" refType="primFontSz" refFor="des" refForName="Parent1" op="equ"/>
+              <dgm:constr type="primFontSz" for="des" forName="Parent6" refType="primFontSz" refFor="des" refForName="Parent1" op="equ"/>
+              <dgm:constr type="primFontSz" for="des" forName="Child2" refType="primFontSz" refFor="des" refForName="Child1" op="equ"/>
+              <dgm:constr type="primFontSz" for="des" forName="Child3" refType="primFontSz" refFor="des" refForName="Child1" op="equ"/>
+              <dgm:constr type="primFontSz" for="des" forName="Child4" refType="primFontSz" refFor="des" refForName="Child1" op="equ"/>
+              <dgm:constr type="primFontSz" for="des" forName="Child5" refType="primFontSz" refFor="des" refForName="Child1" op="equ"/>
+              <dgm:constr type="primFontSz" for="des" forName="Child6" refType="primFontSz" refFor="des" refForName="Child1" op="equ"/>
+              <dgm:constr type="l" for="ch" forName="Accent1" refType="w" fact="0.1481"/>
+              <dgm:constr type="t" for="ch" forName="Accent1" refType="h" fact="0"/>
+              <dgm:constr type="w" for="ch" forName="Accent1" refType="w" fact="0.5331"/>
+              <dgm:constr type="h" for="ch" forName="Accent1" refType="h" fact="0.2629"/>
+              <dgm:constr type="l" for="ch" forName="Accent2" refType="w" fact="0"/>
+              <dgm:constr type="t" for="ch" forName="Accent2" refType="h" fact="0.1511"/>
+              <dgm:constr type="w" for="ch" forName="Accent2" refType="w" fact="0.5331"/>
+              <dgm:constr type="h" for="ch" forName="Accent2" refType="h" fact="0.2629"/>
+              <dgm:constr type="l" for="ch" forName="Accent3" refType="w" fact="0.1481"/>
+              <dgm:constr type="t" for="ch" forName="Accent3" refType="h" fact="0.3027"/>
+              <dgm:constr type="w" for="ch" forName="Accent3" refType="w" fact="0.5331"/>
+              <dgm:constr type="h" for="ch" forName="Accent3" refType="h" fact="0.2629"/>
+              <dgm:constr type="l" for="ch" forName="Accent4" refType="w" fact="0"/>
+              <dgm:constr type="t" for="ch" forName="Accent4" refType="h" fact="0.4541"/>
+              <dgm:constr type="w" for="ch" forName="Accent4" refType="w" fact="0.5331"/>
+              <dgm:constr type="h" for="ch" forName="Accent4" refType="h" fact="0.2629"/>
+              <dgm:constr type="l" for="ch" forName="Parent1" refType="w" fact="0.2658"/>
+              <dgm:constr type="t" for="ch" forName="Parent1" refType="h" fact="0.0952"/>
+              <dgm:constr type="w" for="ch" forName="Parent1" refType="w" fact="0.2975"/>
+              <dgm:constr type="h" for="ch" forName="Parent1" refType="h" fact="0.0733"/>
+              <dgm:constr type="l" for="ch" forName="Parent2" refType="w" fact="0.1171"/>
+              <dgm:constr type="t" for="ch" forName="Parent2" refType="h" fact="0.2466"/>
+              <dgm:constr type="w" for="ch" forName="Parent2" refType="w" fact="0.2975"/>
+              <dgm:constr type="h" for="ch" forName="Parent2" refType="h" fact="0.0733"/>
+              <dgm:constr type="l" for="ch" forName="Parent3" refType="w" fact="0.2658"/>
+              <dgm:constr type="t" for="ch" forName="Parent3" refType="h" fact="0.3979"/>
+              <dgm:constr type="w" for="ch" forName="Parent3" refType="w" fact="0.2975"/>
+              <dgm:constr type="h" for="ch" forName="Parent3" refType="h" fact="0.0733"/>
+              <dgm:constr type="l" for="ch" forName="Parent4" refType="w" fact="0.1171"/>
+              <dgm:constr type="t" for="ch" forName="Parent4" refType="h" fact="0.5493"/>
+              <dgm:constr type="w" for="ch" forName="Parent4" refType="w" fact="0.2975"/>
+              <dgm:constr type="h" for="ch" forName="Parent4" refType="h" fact="0.0733"/>
+              <dgm:constr type="l" for="ch" forName="Child1" refType="w" fact="0.6804"/>
+              <dgm:constr type="t" for="ch" forName="Child1" refType="h" fact="0.078"/>
+              <dgm:constr type="w" for="ch" forName="Child1" refType="w" fact="0.3196"/>
+              <dgm:constr type="h" for="ch" forName="Child1" refType="h" fact="0.1046"/>
+              <dgm:constr type="l" for="ch" forName="Child2" refType="w" fact="0.5348"/>
+              <dgm:constr type="t" for="ch" forName="Child2" refType="h" fact="0.231"/>
+              <dgm:constr type="w" for="ch" forName="Child2" refType="w" fact="0.3196"/>
+              <dgm:constr type="h" for="ch" forName="Child2" refType="h" fact="0.1046"/>
+              <dgm:constr type="l" for="ch" forName="Child3" refType="w" fact="0.6804"/>
+              <dgm:constr type="t" for="ch" forName="Child3" refType="h" fact="0.3808"/>
+              <dgm:constr type="w" for="ch" forName="Child3" refType="w" fact="0.3196"/>
+              <dgm:constr type="h" for="ch" forName="Child3" refType="h" fact="0.1046"/>
+              <dgm:constr type="l" for="ch" forName="Child4" refType="w" fact="0.5348"/>
+              <dgm:constr type="t" for="ch" forName="Child4" refType="h" fact="0.5322"/>
+              <dgm:constr type="w" for="ch" forName="Child4" refType="w" fact="0.3196"/>
+              <dgm:constr type="h" for="ch" forName="Child4" refType="h" fact="0.1046"/>
+              <dgm:constr type="l" for="ch" forName="Accent5" refType="w" fact="0.1481"/>
+              <dgm:constr type="t" for="ch" forName="Accent5" refType="h" fact="0.6053"/>
+              <dgm:constr type="w" for="ch" forName="Accent5" refType="w" fact="0.5331"/>
+              <dgm:constr type="h" for="ch" forName="Accent5" refType="h" fact="0.2629"/>
+              <dgm:constr type="l" for="ch" forName="Accent6" refType="w" fact="0.038"/>
+              <dgm:constr type="t" for="ch" forName="Accent6" refType="h" fact="0.774"/>
+              <dgm:constr type="w" for="ch" forName="Accent6" refType="w" fact="0.458"/>
+              <dgm:constr type="h" for="ch" forName="Accent6" refType="h" fact="0.226"/>
+              <dgm:constr type="l" for="ch" forName="Parent5" refType="w" fact="0.2658"/>
+              <dgm:constr type="t" for="ch" forName="Parent5" refType="h" fact="0.7005"/>
+              <dgm:constr type="w" for="ch" forName="Parent5" refType="w" fact="0.2975"/>
+              <dgm:constr type="h" for="ch" forName="Parent5" refType="h" fact="0.0733"/>
+              <dgm:constr type="l" for="ch" forName="Parent6" refType="w" fact="0.1171"/>
+              <dgm:constr type="t" for="ch" forName="Parent6" refType="h" fact="0.8519"/>
+              <dgm:constr type="w" for="ch" forName="Parent6" refType="w" fact="0.2975"/>
+              <dgm:constr type="h" for="ch" forName="Parent6" refType="h" fact="0.0733"/>
+              <dgm:constr type="l" for="ch" forName="Child5" refType="w" fact="0.6804"/>
+              <dgm:constr type="t" for="ch" forName="Child5" refType="h" fact="0.6833"/>
+              <dgm:constr type="w" for="ch" forName="Child5" refType="w" fact="0.3196"/>
+              <dgm:constr type="h" for="ch" forName="Child5" refType="h" fact="0.1046"/>
+              <dgm:constr type="l" for="ch" forName="Child6" refType="w" fact="0.5348"/>
+              <dgm:constr type="t" for="ch" forName="Child6" refType="h" fact="0.8347"/>
+              <dgm:constr type="w" for="ch" forName="Child6" refType="w" fact="0.3196"/>
+              <dgm:constr type="h" for="ch" forName="Child6" refType="h" fact="0.1046"/>
+            </dgm:constrLst>
+          </dgm:if>
+          <dgm:else name="Name10">
+            <dgm:alg type="composite">
+              <dgm:param type="ar" val="0.4284"/>
+            </dgm:alg>
+            <dgm:constrLst>
+              <dgm:constr type="primFontSz" for="des" forName="Child1" val="65"/>
+              <dgm:constr type="primFontSz" for="des" forName="Parent1" val="65"/>
+              <dgm:constr type="primFontSz" for="des" forName="Child1" refType="primFontSz" refFor="des" refForName="Parent1" op="lte"/>
+              <dgm:constr type="primFontSz" for="des" forName="Child2" refType="primFontSz" refFor="des" refForName="Parent1" op="lte"/>
+              <dgm:constr type="primFontSz" for="des" forName="Child3" refType="primFontSz" refFor="des" refForName="Parent1" op="lte"/>
+              <dgm:constr type="primFontSz" for="des" forName="Child4" refType="primFontSz" refFor="des" refForName="Parent1" op="lte"/>
+              <dgm:constr type="primFontSz" for="des" forName="Child5" refType="primFontSz" refFor="des" refForName="Parent1" op="lte"/>
+              <dgm:constr type="primFontSz" for="des" forName="Child6" refType="primFontSz" refFor="des" refForName="Parent1" op="lte"/>
+              <dgm:constr type="primFontSz" for="des" forName="Child7" refType="primFontSz" refFor="des" refForName="Parent1" op="lte"/>
+              <dgm:constr type="primFontSz" for="des" forName="Child1" refType="primFontSz" refFor="des" refForName="Parent2" op="lte"/>
+              <dgm:constr type="primFontSz" for="des" forName="Child2" refType="primFontSz" refFor="des" refForName="Parent2" op="lte"/>
+              <dgm:constr type="primFontSz" for="des" forName="Child3" refType="primFontSz" refFor="des" refForName="Parent2" op="lte"/>
+              <dgm:constr type="primFontSz" for="des" forName="Child4" refType="primFontSz" refFor="des" refForName="Parent2" op="lte"/>
+              <dgm:constr type="primFontSz" for="des" forName="Child5" refType="primFontSz" refFor="des" refForName="Parent2" op="lte"/>
+              <dgm:constr type="primFontSz" for="des" forName="Child6" refType="primFontSz" refFor="des" refForName="Parent2" op="lte"/>
+              <dgm:constr type="primFontSz" for="des" forName="Child7" refType="primFontSz" refFor="des" refForName="Parent2" op="lte"/>
+              <dgm:constr type="primFontSz" for="des" forName="Child1" refType="primFontSz" refFor="des" refForName="Parent3" op="lte"/>
+              <dgm:constr type="primFontSz" for="des" forName="Child2" refType="primFontSz" refFor="des" refForName="Parent3" op="lte"/>
+              <dgm:constr type="primFontSz" for="des" forName="Child3" refType="primFontSz" refFor="des" refForName="Parent3" op="lte"/>
+              <dgm:constr type="primFontSz" for="des" forName="Child4" refType="primFontSz" refFor="des" refForName="Parent3" op="lte"/>
+              <dgm:constr type="primFontSz" for="des" forName="Child5" refType="primFontSz" refFor="des" refForName="Parent3" op="lte"/>
+              <dgm:constr type="primFontSz" for="des" forName="Child6" refType="primFontSz" refFor="des" refForName="Parent3" op="lte"/>
+              <dgm:constr type="primFontSz" for="des" forName="Child7" refType="primFontSz" refFor="des" refForName="Parent3" op="lte"/>
+              <dgm:constr type="primFontSz" for="des" forName="Child1" refType="primFontSz" refFor="des" refForName="Parent4" op="lte"/>
+              <dgm:constr type="primFontSz" for="des" forName="Child2" refType="primFontSz" refFor="des" refForName="Parent4" op="lte"/>
+              <dgm:constr type="primFontSz" for="des" forName="Child3" refType="primFontSz" refFor="des" refForName="Parent4" op="lte"/>
+              <dgm:constr type="primFontSz" for="des" forName="Child4" refType="primFontSz" refFor="des" refForName="Parent4" op="lte"/>
+              <dgm:constr type="primFontSz" for="des" forName="Child5" refType="primFontSz" refFor="des" refForName="Parent4" op="lte"/>
+              <dgm:constr type="primFontSz" for="des" forName="Child6" refType="primFontSz" refFor="des" refForName="Parent4" op="lte"/>
+              <dgm:constr type="primFontSz" for="des" forName="Child7" refType="primFontSz" refFor="des" refForName="Parent4" op="lte"/>
+              <dgm:constr type="primFontSz" for="des" forName="Child1" refType="primFontSz" refFor="des" refForName="Parent5" op="lte"/>
+              <dgm:constr type="primFontSz" for="des" forName="Child2" refType="primFontSz" refFor="des" refForName="Parent5" op="lte"/>
+              <dgm:constr type="primFontSz" for="des" forName="Child3" refType="primFontSz" refFor="des" refForName="Parent5" op="lte"/>
+              <dgm:constr type="primFontSz" for="des" forName="Child4" refType="primFontSz" refFor="des" refForName="Parent5" op="lte"/>
+              <dgm:constr type="primFontSz" for="des" forName="Child5" refType="primFontSz" refFor="des" refForName="Parent5" op="lte"/>
+              <dgm:constr type="primFontSz" for="des" forName="Child6" refType="primFontSz" refFor="des" refForName="Parent5" op="lte"/>
+              <dgm:constr type="primFontSz" for="des" forName="Child7" refType="primFontSz" refFor="des" refForName="Parent5" op="lte"/>
+              <dgm:constr type="primFontSz" for="des" forName="Child1" refType="primFontSz" refFor="des" refForName="Parent6" op="lte"/>
+              <dgm:constr type="primFontSz" for="des" forName="Child2" refType="primFontSz" refFor="des" refForName="Parent6" op="lte"/>
+              <dgm:constr type="primFontSz" for="des" forName="Child3" refType="primFontSz" refFor="des" refForName="Parent6" op="lte"/>
+              <dgm:constr type="primFontSz" for="des" forName="Child4" refType="primFontSz" refFor="des" refForName="Parent6" op="lte"/>
+              <dgm:constr type="primFontSz" for="des" forName="Child5" refType="primFontSz" refFor="des" refForName="Parent6" op="lte"/>
+              <dgm:constr type="primFontSz" for="des" forName="Child6" refType="primFontSz" refFor="des" refForName="Parent6" op="lte"/>
+              <dgm:constr type="primFontSz" for="des" forName="Child7" refType="primFontSz" refFor="des" refForName="Parent6" op="lte"/>
+              <dgm:constr type="primFontSz" for="des" forName="Child1" refType="primFontSz" refFor="des" refForName="Parent7" op="lte"/>
+              <dgm:constr type="primFontSz" for="des" forName="Child2" refType="primFontSz" refFor="des" refForName="Parent7" op="lte"/>
+              <dgm:constr type="primFontSz" for="des" forName="Child3" refType="primFontSz" refFor="des" refForName="Parent7" op="lte"/>
+              <dgm:constr type="primFontSz" for="des" forName="Child4" refType="primFontSz" refFor="des" refForName="Parent7" op="lte"/>
+              <dgm:constr type="primFontSz" for="des" forName="Child5" refType="primFontSz" refFor="des" refForName="Parent7" op="lte"/>
+              <dgm:constr type="primFontSz" for="des" forName="Child6" refType="primFontSz" refFor="des" refForName="Parent7" op="lte"/>
+              <dgm:constr type="primFontSz" for="des" forName="Child7" refType="primFontSz" refFor="des" refForName="Parent7" op="lte"/>
+              <dgm:constr type="primFontSz" for="des" forName="Parent2" refType="primFontSz" refFor="des" refForName="Parent1" op="equ"/>
+              <dgm:constr type="primFontSz" for="des" forName="Parent3" refType="primFontSz" refFor="des" refForName="Parent1" op="equ"/>
+              <dgm:constr type="primFontSz" for="des" forName="Parent4" refType="primFontSz" refFor="des" refForName="Parent1" op="equ"/>
+              <dgm:constr type="primFontSz" for="des" forName="Parent5" refType="primFontSz" refFor="des" refForName="Parent1" op="equ"/>
+              <dgm:constr type="primFontSz" for="des" forName="Parent6" refType="primFontSz" refFor="des" refForName="Parent1" op="equ"/>
+              <dgm:constr type="primFontSz" for="des" forName="Parent7" refType="primFontSz" refFor="des" refForName="Parent1" op="equ"/>
+              <dgm:constr type="primFontSz" for="des" forName="Child2" refType="primFontSz" refFor="des" refForName="Child1" op="equ"/>
+              <dgm:constr type="primFontSz" for="des" forName="Child3" refType="primFontSz" refFor="des" refForName="Child1" op="equ"/>
+              <dgm:constr type="primFontSz" for="des" forName="Child4" refType="primFontSz" refFor="des" refForName="Child1" op="equ"/>
+              <dgm:constr type="primFontSz" for="des" forName="Child5" refType="primFontSz" refFor="des" refForName="Child1" op="equ"/>
+              <dgm:constr type="primFontSz" for="des" forName="Child6" refType="primFontSz" refFor="des" refForName="Child1" op="equ"/>
+              <dgm:constr type="primFontSz" for="des" forName="Child7" refType="primFontSz" refFor="des" refForName="Child1" op="equ"/>
+              <dgm:constr type="l" for="ch" forName="Accent1" refType="w" fact="0.1481"/>
+              <dgm:constr type="t" for="ch" forName="Accent1" refType="h" fact="0"/>
+              <dgm:constr type="w" for="ch" forName="Accent1" refType="w" fact="0.5331"/>
+              <dgm:constr type="h" for="ch" forName="Accent1" refType="h" fact="0.2284"/>
+              <dgm:constr type="l" for="ch" forName="Accent2" refType="w" fact="0"/>
+              <dgm:constr type="t" for="ch" forName="Accent2" refType="h" fact="0.1312"/>
+              <dgm:constr type="w" for="ch" forName="Accent2" refType="w" fact="0.5331"/>
+              <dgm:constr type="h" for="ch" forName="Accent2" refType="h" fact="0.2284"/>
+              <dgm:constr type="l" for="ch" forName="Accent3" refType="w" fact="0.1481"/>
+              <dgm:constr type="t" for="ch" forName="Accent3" refType="h" fact="0.263"/>
+              <dgm:constr type="w" for="ch" forName="Accent3" refType="w" fact="0.5331"/>
+              <dgm:constr type="h" for="ch" forName="Accent3" refType="h" fact="0.2284"/>
+              <dgm:constr type="l" for="ch" forName="Accent4" refType="w" fact="0"/>
+              <dgm:constr type="t" for="ch" forName="Accent4" refType="h" fact="0.3945"/>
+              <dgm:constr type="w" for="ch" forName="Accent4" refType="w" fact="0.5331"/>
+              <dgm:constr type="h" for="ch" forName="Accent4" refType="h" fact="0.2284"/>
+              <dgm:constr type="l" for="ch" forName="Parent1" refType="w" fact="0.2658"/>
+              <dgm:constr type="t" for="ch" forName="Parent1" refType="h" fact="0.0827"/>
+              <dgm:constr type="w" for="ch" forName="Parent1" refType="w" fact="0.2975"/>
+              <dgm:constr type="h" for="ch" forName="Parent1" refType="h" fact="0.0637"/>
+              <dgm:constr type="l" for="ch" forName="Parent2" refType="w" fact="0.1171"/>
+              <dgm:constr type="t" for="ch" forName="Parent2" refType="h" fact="0.2142"/>
+              <dgm:constr type="w" for="ch" forName="Parent2" refType="w" fact="0.2975"/>
+              <dgm:constr type="h" for="ch" forName="Parent2" refType="h" fact="0.0637"/>
+              <dgm:constr type="l" for="ch" forName="Parent3" refType="w" fact="0.2658"/>
+              <dgm:constr type="t" for="ch" forName="Parent3" refType="h" fact="0.3457"/>
+              <dgm:constr type="w" for="ch" forName="Parent3" refType="w" fact="0.2975"/>
+              <dgm:constr type="h" for="ch" forName="Parent3" refType="h" fact="0.0637"/>
+              <dgm:constr type="l" for="ch" forName="Parent4" refType="w" fact="0.1171"/>
+              <dgm:constr type="t" for="ch" forName="Parent4" refType="h" fact="0.4772"/>
+              <dgm:constr type="w" for="ch" forName="Parent4" refType="w" fact="0.2975"/>
+              <dgm:constr type="h" for="ch" forName="Parent4" refType="h" fact="0.0637"/>
+              <dgm:constr type="l" for="ch" forName="Child1" refType="w" fact="0.6804"/>
+              <dgm:constr type="t" for="ch" forName="Child1" refType="h" fact="0.0678"/>
+              <dgm:constr type="w" for="ch" forName="Child1" refType="w" fact="0.3196"/>
+              <dgm:constr type="h" for="ch" forName="Child1" refType="h" fact="0.0908"/>
+              <dgm:constr type="l" for="ch" forName="Child2" refType="w" fact="0.5348"/>
+              <dgm:constr type="t" for="ch" forName="Child2" refType="h" fact="0.2006"/>
+              <dgm:constr type="w" for="ch" forName="Child2" refType="w" fact="0.3196"/>
+              <dgm:constr type="h" for="ch" forName="Child2" refType="h" fact="0.0908"/>
+              <dgm:constr type="l" for="ch" forName="Child3" refType="w" fact="0.6804"/>
+              <dgm:constr type="t" for="ch" forName="Child3" refType="h" fact="0.3308"/>
+              <dgm:constr type="w" for="ch" forName="Child3" refType="w" fact="0.3196"/>
+              <dgm:constr type="h" for="ch" forName="Child3" refType="h" fact="0.0908"/>
+              <dgm:constr type="l" for="ch" forName="Child4" refType="w" fact="0.5348"/>
+              <dgm:constr type="t" for="ch" forName="Child4" refType="h" fact="0.4623"/>
+              <dgm:constr type="w" for="ch" forName="Child4" refType="w" fact="0.3196"/>
+              <dgm:constr type="h" for="ch" forName="Child4" refType="h" fact="0.0908"/>
+              <dgm:constr type="l" for="ch" forName="Accent5" refType="w" fact="0.1481"/>
+              <dgm:constr type="t" for="ch" forName="Accent5" refType="h" fact="0.5258"/>
+              <dgm:constr type="w" for="ch" forName="Accent5" refType="w" fact="0.5331"/>
+              <dgm:constr type="h" for="ch" forName="Accent5" refType="h" fact="0.2284"/>
+              <dgm:constr type="l" for="ch" forName="Accent6" refType="w" fact="0"/>
+              <dgm:constr type="t" for="ch" forName="Accent6" refType="h" fact="0.6573"/>
+              <dgm:constr type="w" for="ch" forName="Accent6" refType="w" fact="0.5331"/>
+              <dgm:constr type="h" for="ch" forName="Accent6" refType="h" fact="0.2284"/>
+              <dgm:constr type="l" for="ch" forName="Accent7" refType="w" fact="0.186"/>
+              <dgm:constr type="t" for="ch" forName="Accent7" refType="h" fact="0.8037"/>
+              <dgm:constr type="w" for="ch" forName="Accent7" refType="w" fact="0.458"/>
+              <dgm:constr type="h" for="ch" forName="Accent7" refType="h" fact="0.1963"/>
+              <dgm:constr type="l" for="ch" forName="Parent5" refType="w" fact="0.2658"/>
+              <dgm:constr type="t" for="ch" forName="Parent5" refType="h" fact="0.6085"/>
+              <dgm:constr type="w" for="ch" forName="Parent5" refType="w" fact="0.2975"/>
+              <dgm:constr type="h" for="ch" forName="Parent5" refType="h" fact="0.0637"/>
+              <dgm:constr type="l" for="ch" forName="Parent6" refType="w" fact="0.1171"/>
+              <dgm:constr type="t" for="ch" forName="Parent6" refType="h" fact="0.74"/>
+              <dgm:constr type="w" for="ch" forName="Parent6" refType="w" fact="0.2975"/>
+              <dgm:constr type="h" for="ch" forName="Parent6" refType="h" fact="0.0637"/>
+              <dgm:constr type="l" for="ch" forName="Parent7" refType="w" fact="0.2658"/>
+              <dgm:constr type="t" for="ch" forName="Parent7" refType="h" fact="0.8715"/>
+              <dgm:constr type="w" for="ch" forName="Parent7" refType="w" fact="0.2975"/>
+              <dgm:constr type="h" for="ch" forName="Parent7" refType="h" fact="0.0637"/>
+              <dgm:constr type="l" for="ch" forName="Child5" refType="w" fact="0.6804"/>
+              <dgm:constr type="t" for="ch" forName="Child5" refType="h" fact="0.5936"/>
+              <dgm:constr type="w" for="ch" forName="Child5" refType="w" fact="0.3196"/>
+              <dgm:constr type="h" for="ch" forName="Child5" refType="h" fact="0.0908"/>
+              <dgm:constr type="l" for="ch" forName="Child6" refType="w" fact="0.5348"/>
+              <dgm:constr type="t" for="ch" forName="Child6" refType="h" fact="0.7251"/>
+              <dgm:constr type="w" for="ch" forName="Child6" refType="w" fact="0.3196"/>
+              <dgm:constr type="h" for="ch" forName="Child6" refType="h" fact="0.0908"/>
+              <dgm:constr type="l" for="ch" forName="Child7" refType="w" fact="0.6804"/>
+              <dgm:constr type="t" for="ch" forName="Child7" refType="h" fact="0.8579"/>
+              <dgm:constr type="w" for="ch" forName="Child7" refType="w" fact="0.3196"/>
+              <dgm:constr type="h" for="ch" forName="Child7" refType="h" fact="0.0908"/>
+            </dgm:constrLst>
+          </dgm:else>
+        </dgm:choose>
+      </dgm:if>
+      <dgm:else name="Name11">
+        <dgm:choose name="Name12">
+          <dgm:if name="Name13" axis="ch" ptType="node" func="cnt" op="equ" val="1">
+            <dgm:alg type="composite">
+              <dgm:param type="ar" val="1.5999"/>
+            </dgm:alg>
+            <dgm:constrLst>
+              <dgm:constr type="primFontSz" for="des" forName="Child1" val="65"/>
+              <dgm:constr type="primFontSz" for="des" forName="Parent1" val="65"/>
+              <dgm:constr type="primFontSz" for="des" forName="Child1" refType="primFontSz" refFor="des" refForName="Parent1" op="lte"/>
+              <dgm:constr type="l" for="ch" forName="Child1" refType="w" fact="0.625"/>
+              <dgm:constr type="t" for="ch" forName="Child1" refType="h" fact="0.2981"/>
+              <dgm:constr type="w" for="ch" forName="Child1" refType="w" fact="0.375"/>
+              <dgm:constr type="h" for="ch" forName="Child1" refType="h" fact="0.4001"/>
+              <dgm:constr type="l" for="ch" forName="Accent1" refType="w" fact="0"/>
+              <dgm:constr type="t" for="ch" forName="Accent1" refType="h" fact="0"/>
+              <dgm:constr type="w" for="ch" forName="Accent1" refType="w" fact="0.6249"/>
+              <dgm:constr type="h" for="ch" forName="Accent1" refType="h"/>
+              <dgm:constr type="l" for="ch" forName="Parent1" refType="w" fact="0.138"/>
+              <dgm:constr type="t" for="ch" forName="Parent1" refType="h" fact="0.362"/>
+              <dgm:constr type="w" for="ch" forName="Parent1" refType="w" fact="0.3487"/>
+              <dgm:constr type="h" for="ch" forName="Parent1" refType="h" fact="0.2789"/>
+            </dgm:constrLst>
+          </dgm:if>
+          <dgm:if name="Name14" axis="ch" ptType="node" func="cnt" op="equ" val="2">
+            <dgm:alg type="composite">
+              <dgm:param type="ar" val="1.2026"/>
+            </dgm:alg>
+            <dgm:constrLst>
+              <dgm:constr type="primFontSz" for="des" forName="Child1" val="65"/>
+              <dgm:constr type="primFontSz" for="des" forName="Parent1" val="65"/>
+              <dgm:constr type="primFontSz" for="des" forName="Child1" refType="primFontSz" refFor="des" refForName="Parent1" op="lte"/>
+              <dgm:constr type="primFontSz" for="des" forName="Child2" refType="primFontSz" refFor="des" refForName="Parent1" op="lte"/>
+              <dgm:constr type="primFontSz" for="des" forName="Child1" refType="primFontSz" refFor="des" refForName="Parent2" op="lte"/>
+              <dgm:constr type="primFontSz" for="des" forName="Child2" refType="primFontSz" refFor="des" refForName="Parent2" op="lte"/>
+              <dgm:constr type="primFontSz" for="des" forName="Parent2" refType="primFontSz" refFor="des" refForName="Parent1" op="equ"/>
+              <dgm:constr type="primFontSz" for="des" forName="Child2" refType="primFontSz" refFor="des" refForName="Child1" op="equ"/>
+              <dgm:constr type="l" for="ch" forName="Accent1" refType="w" fact="-0.0407"/>
+              <dgm:constr type="t" for="ch" forName="Accent1" refType="h" fact="0"/>
+              <dgm:constr type="w" for="ch" forName="Accent1" refType="w" fact="0.5542"/>
+              <dgm:constr type="h" for="ch" forName="Accent1" refType="h" fact="0.6665"/>
+              <dgm:constr type="l" for="ch" forName="Accent2" refType="w" fact="0.1533"/>
+              <dgm:constr type="t" for="ch" forName="Accent2" refType="h" fact="0.4272"/>
+              <dgm:constr type="w" for="ch" forName="Accent2" refType="w" fact="0.4761"/>
+              <dgm:constr type="h" for="ch" forName="Accent2" refType="h" fact="0.5728"/>
+              <dgm:constr type="l" for="ch" forName="Parent1" refType="w" fact="0.0822"/>
+              <dgm:constr type="t" for="ch" forName="Parent1" refType="h" fact="0.2413"/>
+              <dgm:constr type="w" for="ch" forName="Parent1" refType="w" fact="0.3092"/>
+              <dgm:constr type="h" for="ch" forName="Parent1" refType="h" fact="0.1859"/>
+              <dgm:constr type="l" for="ch" forName="Parent2" refType="w" fact="0.2368"/>
+              <dgm:constr type="t" for="ch" forName="Parent2" refType="h" fact="0.625"/>
+              <dgm:constr type="w" for="ch" forName="Parent2" refType="w" fact="0.3092"/>
+              <dgm:constr type="h" for="ch" forName="Parent2" refType="h" fact="0.1859"/>
+              <dgm:constr type="l" for="ch" forName="Child1" refType="w" fact="0.5164"/>
+              <dgm:constr type="t" for="ch" forName="Child1" refType="h" fact="0.1978"/>
+              <dgm:constr type="w" for="ch" forName="Child1" refType="w" fact="0.3322"/>
+              <dgm:constr type="h" for="ch" forName="Child1" refType="h" fact="0.265"/>
+              <dgm:constr type="l" for="ch" forName="Child2" refType="w" fact="0.6678"/>
+              <dgm:constr type="t" for="ch" forName="Child2" refType="h" fact="0.5855"/>
+              <dgm:constr type="w" for="ch" forName="Child2" refType="w" fact="0.3322"/>
+              <dgm:constr type="h" for="ch" forName="Child2" refType="h" fact="0.265"/>
+            </dgm:constrLst>
+          </dgm:if>
+          <dgm:if name="Name15" axis="ch" ptType="node" func="cnt" op="equ" val="3">
+            <dgm:alg type="composite">
+              <dgm:param type="ar" val="0.9039"/>
+            </dgm:alg>
+            <dgm:shape xmlns:r="http://schemas.openxmlformats.org/officeDocument/2006/relationships" r:blip="">
+              <dgm:adjLst/>
+            </dgm:shape>
+            <dgm:constrLst>
+              <dgm:constr type="primFontSz" for="des" forName="Child1" val="65"/>
+              <dgm:constr type="primFontSz" for="des" forName="Parent1" val="65"/>
+              <dgm:constr type="primFontSz" for="des" forName="Child1" refType="primFontSz" refFor="des" refForName="Parent1" op="lte"/>
+              <dgm:constr type="primFontSz" for="des" forName="Child2" refType="primFontSz" refFor="des" refForName="Parent1" op="lte"/>
+              <dgm:constr type="primFontSz" for="des" forName="Child3" refType="primFontSz" refFor="des" refForName="Parent1" op="lte"/>
+              <dgm:constr type="primFontSz" for="des" forName="Child1" refType="primFontSz" refFor="des" refForName="Parent2" op="lte"/>
+              <dgm:constr type="primFontSz" for="des" forName="Child2" refType="primFontSz" refFor="des" refForName="Parent2" op="lte"/>
+              <dgm:constr type="primFontSz" for="des" forName="Child3" refType="primFontSz" refFor="des" refForName="Parent2" op="lte"/>
+              <dgm:constr type="primFontSz" for="des" forName="Child1" refType="primFontSz" refFor="des" refForName="Parent3" op="lte"/>
+              <dgm:constr type="primFontSz" for="des" forName="Child2" refType="primFontSz" refFor="des" refForName="Parent3" op="lte"/>
+              <dgm:constr type="primFontSz" for="des" forName="Child3" refType="primFontSz" refFor="des" refForName="Parent3" op="lte"/>
+              <dgm:constr type="primFontSz" for="des" forName="Parent2" refType="primFontSz" refFor="des" refForName="Parent1" op="equ"/>
+              <dgm:constr type="primFontSz" for="des" forName="Parent3" refType="primFontSz" refFor="des" refForName="Parent1" op="equ"/>
+              <dgm:constr type="primFontSz" for="des" forName="Child2" refType="primFontSz" refFor="des" refForName="Child1" op="equ"/>
+              <dgm:constr type="primFontSz" for="des" forName="Child3" refType="primFontSz" refFor="des" refForName="Child1" op="equ"/>
+              <dgm:constr type="l" for="ch" forName="Accent1" refType="w" fact="0"/>
+              <dgm:constr type="t" for="ch" forName="Accent1" refType="h" fact="0"/>
+              <dgm:constr type="w" for="ch" forName="Accent1" refType="w" fact="0.5325"/>
+              <dgm:constr type="h" for="ch" forName="Accent1" refType="h" fact="0.4814"/>
+              <dgm:constr type="l" for="ch" forName="Accent2" refType="w" fact="0.1479"/>
+              <dgm:constr type="t" for="ch" forName="Accent2" refType="h" fact="0.2766"/>
+              <dgm:constr type="w" for="ch" forName="Accent2" refType="w" fact="0.5325"/>
+              <dgm:constr type="h" for="ch" forName="Accent2" refType="h" fact="0.4814"/>
+              <dgm:constr type="l" for="ch" forName="Accent3" refType="w" fact="0.0378"/>
+              <dgm:constr type="t" for="ch" forName="Accent3" refType="h" fact="0.5863"/>
+              <dgm:constr type="w" for="ch" forName="Accent3" refType="w" fact="0.4575"/>
+              <dgm:constr type="h" for="ch" forName="Accent3" refType="h" fact="0.4137"/>
+              <dgm:constr type="l" for="ch" forName="Parent1" refType="w" fact="0.1183"/>
+              <dgm:constr type="t" for="ch" forName="Parent1" refType="h" fact="0.1738"/>
+              <dgm:constr type="w" for="ch" forName="Parent1" refType="w" fact="0.2959"/>
+              <dgm:constr type="h" for="ch" forName="Parent1" refType="h" fact="0.1337"/>
+              <dgm:constr type="l" for="ch" forName="Parent2" refType="w" fact="0.2656"/>
+              <dgm:constr type="t" for="ch" forName="Parent2" refType="h" fact="0.452"/>
+              <dgm:constr type="w" for="ch" forName="Parent2" refType="w" fact="0.2959"/>
+              <dgm:constr type="h" for="ch" forName="Parent2" refType="h" fact="0.1337"/>
+              <dgm:constr type="l" for="ch" forName="Parent3" refType="w" fact="0.1183"/>
+              <dgm:constr type="t" for="ch" forName="Parent3" refType="h" fact="0.7306"/>
+              <dgm:constr type="w" for="ch" forName="Parent3" refType="w" fact="0.2959"/>
+              <dgm:constr type="h" for="ch" forName="Parent3" refType="h" fact="0.1337"/>
+              <dgm:constr type="l" for="ch" forName="Child1" refType="w" fact="0.5325"/>
+              <dgm:constr type="t" for="ch" forName="Child1" refType="h" fact="0.1435"/>
+              <dgm:constr type="w" for="ch" forName="Child1" refType="w" fact="0.3195"/>
+              <dgm:constr type="h" for="ch" forName="Child1" refType="h" fact="0.1926"/>
+              <dgm:constr type="l" for="ch" forName="Child2" refType="w" fact="0.6805"/>
+              <dgm:constr type="t" for="ch" forName="Child2" refType="h" fact="0.4217"/>
+              <dgm:constr type="w" for="ch" forName="Child2" refType="w" fact="0.3195"/>
+              <dgm:constr type="h" for="ch" forName="Child2" refType="h" fact="0.1926"/>
+              <dgm:constr type="l" for="ch" forName="Child3" refType="w" fact="0.5325"/>
+              <dgm:constr type="t" for="ch" forName="Child3" refType="h" fact="0.6998"/>
+              <dgm:constr type="w" for="ch" forName="Child3" refType="w" fact="0.3195"/>
+              <dgm:constr type="h" for="ch" forName="Child3" refType="h" fact="0.1926"/>
+            </dgm:constrLst>
+          </dgm:if>
+          <dgm:if name="Name16" axis="ch" ptType="node" func="cnt" op="equ" val="4">
+            <dgm:alg type="composite">
+              <dgm:param type="ar" val="0.7073"/>
+            </dgm:alg>
+            <dgm:constrLst>
+              <dgm:constr type="primFontSz" for="des" forName="Child1" val="65"/>
+              <dgm:constr type="primFontSz" for="des" forName="Parent1" val="65"/>
+              <dgm:constr type="primFontSz" for="des" forName="Child1" refType="primFontSz" refFor="des" refForName="Parent1" op="lte"/>
+              <dgm:constr type="primFontSz" for="des" forName="Child2" refType="primFontSz" refFor="des" refForName="Parent1" op="lte"/>
+              <dgm:constr type="primFontSz" for="des" forName="Child3" refType="primFontSz" refFor="des" refForName="Parent1" op="lte"/>
+              <dgm:constr type="primFontSz" for="des" forName="Child4" refType="primFontSz" refFor="des" refForName="Parent1" op="lte"/>
+              <dgm:constr type="primFontSz" for="des" forName="Child1" refType="primFontSz" refFor="des" refForName="Parent2" op="lte"/>
+              <dgm:constr type="primFontSz" for="des" forName="Child2" refType="primFontSz" refFor="des" refForName="Parent2" op="lte"/>
+              <dgm:constr type="primFontSz" for="des" forName="Child3" refType="primFontSz" refFor="des" refForName="Parent2" op="lte"/>
+              <dgm:constr type="primFontSz" for="des" forName="Child4" refType="primFontSz" refFor="des" refForName="Parent2" op="lte"/>
+              <dgm:constr type="primFontSz" for="des" forName="Child1" refType="primFontSz" refFor="des" refForName="Parent3" op="lte"/>
+              <dgm:constr type="primFontSz" for="des" forName="Child2" refType="primFontSz" refFor="des" refForName="Parent3" op="lte"/>
+              <dgm:constr type="primFontSz" for="des" forName="Child3" refType="primFontSz" refFor="des" refForName="Parent3" op="lte"/>
+              <dgm:constr type="primFontSz" for="des" forName="Child4" refType="primFontSz" refFor="des" refForName="Parent3" op="lte"/>
+              <dgm:constr type="primFontSz" for="des" forName="Child1" refType="primFontSz" refFor="des" refForName="Parent4" op="lte"/>
+              <dgm:constr type="primFontSz" for="des" forName="Child2" refType="primFontSz" refFor="des" refForName="Parent4" op="lte"/>
+              <dgm:constr type="primFontSz" for="des" forName="Child3" refType="primFontSz" refFor="des" refForName="Parent4" op="lte"/>
+              <dgm:constr type="primFontSz" for="des" forName="Child4" refType="primFontSz" refFor="des" refForName="Parent4" op="lte"/>
+              <dgm:constr type="primFontSz" for="des" forName="Parent2" refType="primFontSz" refFor="des" refForName="Parent1" op="equ"/>
+              <dgm:constr type="primFontSz" for="des" forName="Parent3" refType="primFontSz" refFor="des" refForName="Parent1" op="equ"/>
+              <dgm:constr type="primFontSz" for="des" forName="Parent4" refType="primFontSz" refFor="des" refForName="Parent1" op="equ"/>
+              <dgm:constr type="primFontSz" for="des" forName="Child2" refType="primFontSz" refFor="des" refForName="Child1" op="equ"/>
+              <dgm:constr type="primFontSz" for="des" forName="Child3" refType="primFontSz" refFor="des" refForName="Child1" op="equ"/>
+              <dgm:constr type="primFontSz" for="des" forName="Child4" refType="primFontSz" refFor="des" refForName="Child1" op="equ"/>
+              <dgm:constr type="l" for="ch" forName="Accent1" refType="w" fact="0"/>
+              <dgm:constr type="t" for="ch" forName="Accent1" refType="h" fact="0"/>
+              <dgm:constr type="w" for="ch" forName="Accent1" refType="w" fact="0.5331"/>
+              <dgm:constr type="h" for="ch" forName="Accent1" refType="h" fact="0.3771"/>
+              <dgm:constr type="l" for="ch" forName="Accent2" refType="w" fact="0.1481"/>
+              <dgm:constr type="t" for="ch" forName="Accent2" refType="h" fact="0.2167"/>
+              <dgm:constr type="w" for="ch" forName="Accent2" refType="w" fact="0.5331"/>
+              <dgm:constr type="h" for="ch" forName="Accent2" refType="h" fact="0.3771"/>
+              <dgm:constr type="l" for="ch" forName="Accent3" refType="w" fact="0"/>
+              <dgm:constr type="t" for="ch" forName="Accent3" refType="h" fact="0.4342"/>
+              <dgm:constr type="w" for="ch" forName="Accent3" refType="w" fact="0.5331"/>
+              <dgm:constr type="h" for="ch" forName="Accent3" refType="h" fact="0.3771"/>
+              <dgm:constr type="l" for="ch" forName="Accent4" refType="w" fact="0.186"/>
+              <dgm:constr type="t" for="ch" forName="Accent4" refType="h" fact="0.6759"/>
+              <dgm:constr type="w" for="ch" forName="Accent4" refType="w" fact="0.458"/>
+              <dgm:constr type="h" for="ch" forName="Accent4" refType="h" fact="0.3241"/>
+              <dgm:constr type="l" for="ch" forName="Parent1" refType="w" fact="0.1171"/>
+              <dgm:constr type="t" for="ch" forName="Parent1" refType="h" fact="0.1365"/>
+              <dgm:constr type="w" for="ch" forName="Parent1" refType="w" fact="0.2975"/>
+              <dgm:constr type="h" for="ch" forName="Parent1" refType="h" fact="0.1052"/>
+              <dgm:constr type="l" for="ch" forName="Parent2" refType="w" fact="0.2658"/>
+              <dgm:constr type="t" for="ch" forName="Parent2" refType="h" fact="0.3536"/>
+              <dgm:constr type="w" for="ch" forName="Parent2" refType="w" fact="0.2975"/>
+              <dgm:constr type="h" for="ch" forName="Parent2" refType="h" fact="0.1052"/>
+              <dgm:constr type="l" for="ch" forName="Parent3" refType="w" fact="0.1171"/>
+              <dgm:constr type="t" for="ch" forName="Parent3" refType="h" fact="0.5707"/>
+              <dgm:constr type="w" for="ch" forName="Parent3" refType="w" fact="0.2975"/>
+              <dgm:constr type="h" for="ch" forName="Parent3" refType="h" fact="0.1052"/>
+              <dgm:constr type="l" for="ch" forName="Parent4" refType="w" fact="0.2658"/>
+              <dgm:constr type="t" for="ch" forName="Parent4" refType="h" fact="0.7878"/>
+              <dgm:constr type="w" for="ch" forName="Parent4" refType="w" fact="0.2975"/>
+              <dgm:constr type="h" for="ch" forName="Parent4" refType="h" fact="0.1052"/>
+              <dgm:constr type="l" for="ch" forName="Child1" refType="w" fact="0.5348"/>
+              <dgm:constr type="t" for="ch" forName="Child1" refType="h" fact="0.1119"/>
+              <dgm:constr type="w" for="ch" forName="Child1" refType="w" fact="0.3196"/>
+              <dgm:constr type="h" for="ch" forName="Child1" refType="h" fact="0.15"/>
+              <dgm:constr type="l" for="ch" forName="Child2" refType="w" fact="0.6804"/>
+              <dgm:constr type="t" for="ch" forName="Child2" refType="h" fact="0.3312"/>
+              <dgm:constr type="w" for="ch" forName="Child2" refType="w" fact="0.3196"/>
+              <dgm:constr type="h" for="ch" forName="Child2" refType="h" fact="0.15"/>
+              <dgm:constr type="l" for="ch" forName="Child3" refType="w" fact="0.5348"/>
+              <dgm:constr type="t" for="ch" forName="Child3" refType="h" fact="0.5461"/>
+              <dgm:constr type="w" for="ch" forName="Child3" refType="w" fact="0.3196"/>
+              <dgm:constr type="h" for="ch" forName="Child3" refType="h" fact="0.15"/>
+              <dgm:constr type="l" for="ch" forName="Child4" refType="w" fact="0.6804"/>
+              <dgm:constr type="t" for="ch" forName="Child4" refType="h" fact="0.7632"/>
+              <dgm:constr type="w" for="ch" forName="Child4" refType="w" fact="0.3196"/>
+              <dgm:constr type="h" for="ch" forName="Child4" refType="h" fact="0.15"/>
+            </dgm:constrLst>
+          </dgm:if>
+          <dgm:if name="Name17" axis="ch" ptType="node" func="cnt" op="equ" val="5">
+            <dgm:alg type="composite">
+              <dgm:param type="ar" val="0.5811"/>
+            </dgm:alg>
+            <dgm:constrLst>
+              <dgm:constr type="primFontSz" for="des" forName="Child1" val="65"/>
+              <dgm:constr type="primFontSz" for="des" forName="Parent1" val="65"/>
+              <dgm:constr type="primFontSz" for="des" forName="Child1" refType="primFontSz" refFor="des" refForName="Parent1" op="lte"/>
+              <dgm:constr type="primFontSz" for="des" forName="Child2" refType="primFontSz" refFor="des" refForName="Parent1" op="lte"/>
+              <dgm:constr type="primFontSz" for="des" forName="Child3" refType="primFontSz" refFor="des" refForName="Parent1" op="lte"/>
+              <dgm:constr type="primFontSz" for="des" forName="Child4" refType="primFontSz" refFor="des" refForName="Parent1" op="lte"/>
+              <dgm:constr type="primFontSz" for="des" forName="Child5" refType="primFontSz" refFor="des" refForName="Parent1" op="lte"/>
+              <dgm:constr type="primFontSz" for="des" forName="Child1" refType="primFontSz" refFor="des" refForName="Parent2" op="lte"/>
+              <dgm:constr type="primFontSz" for="des" forName="Child2" refType="primFontSz" refFor="des" refForName="Parent2" op="lte"/>
+              <dgm:constr type="primFontSz" for="des" forName="Child3" refType="primFontSz" refFor="des" refForName="Parent2" op="lte"/>
+              <dgm:constr type="primFontSz" for="des" forName="Child4" refType="primFontSz" refFor="des" refForName="Parent2" op="lte"/>
+              <dgm:constr type="primFontSz" for="des" forName="Child5" refType="primFontSz" refFor="des" refForName="Parent2" op="lte"/>
+              <dgm:constr type="primFontSz" for="des" forName="Child1" refType="primFontSz" refFor="des" refForName="Parent3" op="lte"/>
+              <dgm:constr type="primFontSz" for="des" forName="Child2" refType="primFontSz" refFor="des" refForName="Parent3" op="lte"/>
+              <dgm:constr type="primFontSz" for="des" forName="Child3" refType="primFontSz" refFor="des" refForName="Parent3" op="lte"/>
+              <dgm:constr type="primFontSz" for="des" forName="Child4" refType="primFontSz" refFor="des" refForName="Parent3" op="lte"/>
+              <dgm:constr type="primFontSz" for="des" forName="Child5" refType="primFontSz" refFor="des" refForName="Parent3" op="lte"/>
+              <dgm:constr type="primFontSz" for="des" forName="Child1" refType="primFontSz" refFor="des" refForName="Parent4" op="lte"/>
+              <dgm:constr type="primFontSz" for="des" forName="Child2" refType="primFontSz" refFor="des" refForName="Parent4" op="lte"/>
+              <dgm:constr type="primFontSz" for="des" forName="Child3" refType="primFontSz" refFor="des" refForName="Parent4" op="lte"/>
+              <dgm:constr type="primFontSz" for="des" forName="Child4" refType="primFontSz" refFor="des" refForName="Parent4" op="lte"/>
+              <dgm:constr type="primFontSz" for="des" forName="Child5" refType="primFontSz" refFor="des" refForName="Parent4" op="lte"/>
+              <dgm:constr type="primFontSz" for="des" forName="Child1" refType="primFontSz" refFor="des" refForName="Parent5" op="lte"/>
+              <dgm:constr type="primFontSz" for="des" forName="Child2" refType="primFontSz" refFor="des" refForName="Parent5" op="lte"/>
+              <dgm:constr type="primFontSz" for="des" forName="Child3" refType="primFontSz" refFor="des" refForName="Parent5" op="lte"/>
+              <dgm:constr type="primFontSz" for="des" forName="Child4" refType="primFontSz" refFor="des" refForName="Parent5" op="lte"/>
+              <dgm:constr type="primFontSz" for="des" forName="Child5" refType="primFontSz" refFor="des" refForName="Parent5" op="lte"/>
+              <dgm:constr type="primFontSz" for="des" forName="Parent2" refType="primFontSz" refFor="des" refForName="Parent1" op="equ"/>
+              <dgm:constr type="primFontSz" for="des" forName="Parent3" refType="primFontSz" refFor="des" refForName="Parent1" op="equ"/>
+              <dgm:constr type="primFontSz" for="des" forName="Parent4" refType="primFontSz" refFor="des" refForName="Parent1" op="equ"/>
+              <dgm:constr type="primFontSz" for="des" forName="Parent5" refType="primFontSz" refFor="des" refForName="Parent1" op="equ"/>
+              <dgm:constr type="primFontSz" for="des" forName="Child2" refType="primFontSz" refFor="des" refForName="Child1" op="equ"/>
+              <dgm:constr type="primFontSz" for="des" forName="Child3" refType="primFontSz" refFor="des" refForName="Child1" op="equ"/>
+              <dgm:constr type="primFontSz" for="des" forName="Child4" refType="primFontSz" refFor="des" refForName="Child1" op="equ"/>
+              <dgm:constr type="primFontSz" for="des" forName="Child5" refType="primFontSz" refFor="des" refForName="Child1" op="equ"/>
+              <dgm:constr type="l" for="ch" forName="Accent1" refType="w" fact="0"/>
+              <dgm:constr type="t" for="ch" forName="Accent1" refType="h" fact="0"/>
+              <dgm:constr type="w" for="ch" forName="Accent1" refType="w" fact="0.5331"/>
+              <dgm:constr type="h" for="ch" forName="Accent1" refType="h" fact="0.3098"/>
+              <dgm:constr type="l" for="ch" forName="Accent2" refType="w" fact="0.1481"/>
+              <dgm:constr type="t" for="ch" forName="Accent2" refType="h" fact="0.178"/>
+              <dgm:constr type="w" for="ch" forName="Accent2" refType="w" fact="0.5331"/>
+              <dgm:constr type="h" for="ch" forName="Accent2" refType="h" fact="0.3098"/>
+              <dgm:constr type="l" for="ch" forName="Accent3" refType="w" fact="0"/>
+              <dgm:constr type="t" for="ch" forName="Accent3" refType="h" fact="0.3568"/>
+              <dgm:constr type="w" for="ch" forName="Accent3" refType="w" fact="0.5331"/>
+              <dgm:constr type="h" for="ch" forName="Accent3" refType="h" fact="0.3098"/>
+              <dgm:constr type="l" for="ch" forName="Accent4" refType="w" fact="0.1481"/>
+              <dgm:constr type="t" for="ch" forName="Accent4" refType="h" fact="0.5351"/>
+              <dgm:constr type="w" for="ch" forName="Accent4" refType="w" fact="0.5331"/>
+              <dgm:constr type="h" for="ch" forName="Accent4" refType="h" fact="0.3098"/>
+              <dgm:constr type="l" for="ch" forName="Accent5" refType="w" fact="0.0378"/>
+              <dgm:constr type="t" for="ch" forName="Accent5" refType="h" fact="0.7337"/>
+              <dgm:constr type="w" for="ch" forName="Accent5" refType="w" fact="0.458"/>
+              <dgm:constr type="h" for="ch" forName="Accent5" refType="h" fact="0.2663"/>
+              <dgm:constr type="l" for="ch" forName="Parent1" refType="w" fact="0.1171"/>
+              <dgm:constr type="t" for="ch" forName="Parent1" refType="h" fact="0.1122"/>
+              <dgm:constr type="w" for="ch" forName="Parent1" refType="w" fact="0.2975"/>
+              <dgm:constr type="h" for="ch" forName="Parent1" refType="h" fact="0.0864"/>
+              <dgm:constr type="l" for="ch" forName="Parent2" refType="w" fact="0.2658"/>
+              <dgm:constr type="t" for="ch" forName="Parent2" refType="h" fact="0.2906"/>
+              <dgm:constr type="w" for="ch" forName="Parent2" refType="w" fact="0.2975"/>
+              <dgm:constr type="h" for="ch" forName="Parent2" refType="h" fact="0.0864"/>
+              <dgm:constr type="l" for="ch" forName="Parent3" refType="w" fact="0.1171"/>
+              <dgm:constr type="t" for="ch" forName="Parent3" refType="h" fact="0.4689"/>
+              <dgm:constr type="w" for="ch" forName="Parent3" refType="w" fact="0.2975"/>
+              <dgm:constr type="h" for="ch" forName="Parent3" refType="h" fact="0.0864"/>
+              <dgm:constr type="l" for="ch" forName="Parent4" refType="w" fact="0.2658"/>
+              <dgm:constr type="t" for="ch" forName="Parent4" refType="h" fact="0.6473"/>
+              <dgm:constr type="w" for="ch" forName="Parent4" refType="w" fact="0.2975"/>
+              <dgm:constr type="h" for="ch" forName="Parent4" refType="h" fact="0.0864"/>
+              <dgm:constr type="l" for="ch" forName="Parent5" refType="w" fact="0.1171"/>
+              <dgm:constr type="t" for="ch" forName="Parent5" refType="h" fact="0.8257"/>
+              <dgm:constr type="w" for="ch" forName="Parent5" refType="w" fact="0.2975"/>
+              <dgm:constr type="h" for="ch" forName="Parent5" refType="h" fact="0.0864"/>
+              <dgm:constr type="l" for="ch" forName="Child1" refType="w" fact="0.5348"/>
+              <dgm:constr type="t" for="ch" forName="Child1" refType="h" fact="0.0919"/>
+              <dgm:constr type="w" for="ch" forName="Child1" refType="w" fact="0.3196"/>
+              <dgm:constr type="h" for="ch" forName="Child1" refType="h" fact="0.1232"/>
+              <dgm:constr type="l" for="ch" forName="Child2" refType="w" fact="0.6804"/>
+              <dgm:constr type="t" for="ch" forName="Child2" refType="h" fact="0.2722"/>
+              <dgm:constr type="w" for="ch" forName="Child2" refType="w" fact="0.3196"/>
+              <dgm:constr type="h" for="ch" forName="Child2" refType="h" fact="0.1232"/>
+              <dgm:constr type="l" for="ch" forName="Child3" refType="w" fact="0.5348"/>
+              <dgm:constr type="t" for="ch" forName="Child3" refType="h" fact="0.4487"/>
+              <dgm:constr type="w" for="ch" forName="Child3" refType="w" fact="0.3196"/>
+              <dgm:constr type="h" for="ch" forName="Child3" refType="h" fact="0.1232"/>
+              <dgm:constr type="l" for="ch" forName="Child4" refType="w" fact="0.6804"/>
+              <dgm:constr type="t" for="ch" forName="Child4" refType="h" fact="0.6271"/>
+              <dgm:constr type="w" for="ch" forName="Child4" refType="w" fact="0.3196"/>
+              <dgm:constr type="h" for="ch" forName="Child4" refType="h" fact="0.1232"/>
+              <dgm:constr type="l" for="ch" forName="Child5" refType="w" fact="0.5348"/>
+              <dgm:constr type="t" for="ch" forName="Child5" refType="h" fact="0.8073"/>
+              <dgm:constr type="w" for="ch" forName="Child5" refType="w" fact="0.3196"/>
+              <dgm:constr type="h" for="ch" forName="Child5" refType="h" fact="0.1232"/>
+            </dgm:constrLst>
+          </dgm:if>
+          <dgm:if name="Name18" axis="ch" ptType="node" func="cnt" op="equ" val="6">
+            <dgm:alg type="composite">
+              <dgm:param type="ar" val="0.4931"/>
+            </dgm:alg>
+            <dgm:constrLst>
+              <dgm:constr type="primFontSz" for="des" forName="Child1" val="65"/>
+              <dgm:constr type="primFontSz" for="des" forName="Parent1" val="65"/>
+              <dgm:constr type="primFontSz" for="des" forName="Child1" refType="primFontSz" refFor="des" refForName="Parent1" op="lte"/>
+              <dgm:constr type="primFontSz" for="des" forName="Child2" refType="primFontSz" refFor="des" refForName="Parent1" op="lte"/>
+              <dgm:constr type="primFontSz" for="des" forName="Child3" refType="primFontSz" refFor="des" refForName="Parent1" op="lte"/>
+              <dgm:constr type="primFontSz" for="des" forName="Child4" refType="primFontSz" refFor="des" refForName="Parent1" op="lte"/>
+              <dgm:constr type="primFontSz" for="des" forName="Child5" refType="primFontSz" refFor="des" refForName="Parent1" op="lte"/>
+              <dgm:constr type="primFontSz" for="des" forName="Child6" refType="primFontSz" refFor="des" refForName="Parent1" op="lte"/>
+              <dgm:constr type="primFontSz" for="des" forName="Child1" refType="primFontSz" refFor="des" refForName="Parent2" op="lte"/>
+              <dgm:constr type="primFontSz" for="des" forName="Child2" refType="primFontSz" refFor="des" refForName="Parent2" op="lte"/>
+              <dgm:constr type="primFontSz" for="des" forName="Child3" refType="primFontSz" refFor="des" refForName="Parent2" op="lte"/>
+              <dgm:constr type="primFontSz" for="des" forName="Child4" refType="primFontSz" refFor="des" refForName="Parent2" op="lte"/>
+              <dgm:constr type="primFontSz" for="des" forName="Child5" refType="primFontSz" refFor="des" refForName="Parent2" op="lte"/>
+              <dgm:constr type="primFontSz" for="des" forName="Child6" refType="primFontSz" refFor="des" refForName="Parent2" op="lte"/>
+              <dgm:constr type="primFontSz" for="des" forName="Child1" refType="primFontSz" refFor="des" refForName="Parent3" op="lte"/>
+              <dgm:constr type="primFontSz" for="des" forName="Child2" refType="primFontSz" refFor="des" refForName="Parent3" op="lte"/>
+              <dgm:constr type="primFontSz" for="des" forName="Child3" refType="primFontSz" refFor="des" refForName="Parent3" op="lte"/>
+              <dgm:constr type="primFontSz" for="des" forName="Child4" refType="primFontSz" refFor="des" refForName="Parent3" op="lte"/>
+              <dgm:constr type="primFontSz" for="des" forName="Child5" refType="primFontSz" refFor="des" refForName="Parent3" op="lte"/>
+              <dgm:constr type="primFontSz" for="des" forName="Child6" refType="primFontSz" refFor="des" refForName="Parent3" op="lte"/>
+              <dgm:constr type="primFontSz" for="des" forName="Child1" refType="primFontSz" refFor="des" refForName="Parent4" op="lte"/>
+              <dgm:constr type="primFontSz" for="des" forName="Child2" refType="primFontSz" refFor="des" refForName="Parent4" op="lte"/>
+              <dgm:constr type="primFontSz" for="des" forName="Child3" refType="primFontSz" refFor="des" refForName="Parent4" op="lte"/>
+              <dgm:constr type="primFontSz" for="des" forName="Child4" refType="primFontSz" refFor="des" refForName="Parent4" op="lte"/>
+              <dgm:constr type="primFontSz" for="des" forName="Child5" refType="primFontSz" refFor="des" refForName="Parent4" op="lte"/>
+              <dgm:constr type="primFontSz" for="des" forName="Child6" refType="primFontSz" refFor="des" refForName="Parent4" op="lte"/>
+              <dgm:constr type="primFontSz" for="des" forName="Child1" refType="primFontSz" refFor="des" refForName="Parent5" op="lte"/>
+              <dgm:constr type="primFontSz" for="des" forName="Child2" refType="primFontSz" refFor="des" refForName="Parent5" op="lte"/>
+              <dgm:constr type="primFontSz" for="des" forName="Child3" refType="primFontSz" refFor="des" refForName="Parent5" op="lte"/>
+              <dgm:constr type="primFontSz" for="des" forName="Child4" refType="primFontSz" refFor="des" refForName="Parent5" op="lte"/>
+              <dgm:constr type="primFontSz" for="des" forName="Child5" refType="primFontSz" refFor="des" refForName="Parent5" op="lte"/>
+              <dgm:constr type="primFontSz" for="des" forName="Child6" refType="primFontSz" refFor="des" refForName="Parent5" op="lte"/>
+              <dgm:constr type="primFontSz" for="des" forName="Child1" refType="primFontSz" refFor="des" refForName="Parent6" op="lte"/>
+              <dgm:constr type="primFontSz" for="des" forName="Child2" refType="primFontSz" refFor="des" refForName="Parent6" op="lte"/>
+              <dgm:constr type="primFontSz" for="des" forName="Child3" refType="primFontSz" refFor="des" refForName="Parent6" op="lte"/>
+              <dgm:constr type="primFontSz" for="des" forName="Child4" refType="primFontSz" refFor="des" refForName="Parent6" op="lte"/>
+              <dgm:constr type="primFontSz" for="des" forName="Child5" refType="primFontSz" refFor="des" refForName="Parent6" op="lte"/>
+              <dgm:constr type="primFontSz" for="des" forName="Child6" refType="primFontSz" refFor="des" refForName="Parent6" op="lte"/>
+              <dgm:constr type="primFontSz" for="des" forName="Parent2" refType="primFontSz" refFor="des" refForName="Parent1" op="equ"/>
+              <dgm:constr type="primFontSz" for="des" forName="Parent3" refType="primFontSz" refFor="des" refForName="Parent1" op="equ"/>
+              <dgm:constr type="primFontSz" for="des" forName="Parent4" refType="primFontSz" refFor="des" refForName="Parent1" op="equ"/>
+              <dgm:constr type="primFontSz" for="des" forName="Parent5" refType="primFontSz" refFor="des" refForName="Parent1" op="equ"/>
+              <dgm:constr type="primFontSz" for="des" forName="Parent6" refType="primFontSz" refFor="des" refForName="Parent1" op="equ"/>
+              <dgm:constr type="primFontSz" for="des" forName="Child2" refType="primFontSz" refFor="des" refForName="Child1" op="equ"/>
+              <dgm:constr type="primFontSz" for="des" forName="Child3" refType="primFontSz" refFor="des" refForName="Child1" op="equ"/>
+              <dgm:constr type="primFontSz" for="des" forName="Child4" refType="primFontSz" refFor="des" refForName="Child1" op="equ"/>
+              <dgm:constr type="primFontSz" for="des" forName="Child5" refType="primFontSz" refFor="des" refForName="Child1" op="equ"/>
+              <dgm:constr type="primFontSz" for="des" forName="Child6" refType="primFontSz" refFor="des" refForName="Child1" op="equ"/>
+              <dgm:constr type="l" for="ch" forName="Accent1" refType="w" fact="0"/>
+              <dgm:constr type="t" for="ch" forName="Accent1" refType="h" fact="0"/>
+              <dgm:constr type="w" for="ch" forName="Accent1" refType="w" fact="0.5331"/>
+              <dgm:constr type="h" for="ch" forName="Accent1" refType="h" fact="0.2629"/>
+              <dgm:constr type="l" for="ch" forName="Accent2" refType="w" fact="0.1481"/>
+              <dgm:constr type="t" for="ch" forName="Accent2" refType="h" fact="0.1511"/>
+              <dgm:constr type="w" for="ch" forName="Accent2" refType="w" fact="0.5331"/>
+              <dgm:constr type="h" for="ch" forName="Accent2" refType="h" fact="0.2629"/>
+              <dgm:constr type="l" for="ch" forName="Accent3" refType="w" fact="0"/>
+              <dgm:constr type="t" for="ch" forName="Accent3" refType="h" fact="0.3027"/>
+              <dgm:constr type="w" for="ch" forName="Accent3" refType="w" fact="0.5331"/>
+              <dgm:constr type="h" for="ch" forName="Accent3" refType="h" fact="0.2629"/>
+              <dgm:constr type="l" for="ch" forName="Accent4" refType="w" fact="0.1481"/>
+              <dgm:constr type="t" for="ch" forName="Accent4" refType="h" fact="0.4541"/>
+              <dgm:constr type="w" for="ch" forName="Accent4" refType="w" fact="0.5331"/>
+              <dgm:constr type="h" for="ch" forName="Accent4" refType="h" fact="0.2629"/>
+              <dgm:constr type="l" for="ch" forName="Accent5" refType="w" fact="0"/>
+              <dgm:constr type="t" for="ch" forName="Accent5" refType="h" fact="0.6053"/>
+              <dgm:constr type="w" for="ch" forName="Accent5" refType="w" fact="0.5331"/>
+              <dgm:constr type="h" for="ch" forName="Accent5" refType="h" fact="0.2629"/>
+              <dgm:constr type="l" for="ch" forName="Accent6" refType="w" fact="0.186"/>
+              <dgm:constr type="t" for="ch" forName="Accent6" refType="h" fact="0.774"/>
+              <dgm:constr type="w" for="ch" forName="Accent6" refType="w" fact="0.458"/>
+              <dgm:constr type="h" for="ch" forName="Accent6" refType="h" fact="0.226"/>
+              <dgm:constr type="l" for="ch" forName="Parent1" refType="w" fact="0.1171"/>
+              <dgm:constr type="t" for="ch" forName="Parent1" refType="h" fact="0.0952"/>
+              <dgm:constr type="w" for="ch" forName="Parent1" refType="w" fact="0.2975"/>
+              <dgm:constr type="h" for="ch" forName="Parent1" refType="h" fact="0.0733"/>
+              <dgm:constr type="l" for="ch" forName="Parent2" refType="w" fact="0.2658"/>
+              <dgm:constr type="t" for="ch" forName="Parent2" refType="h" fact="0.2466"/>
+              <dgm:constr type="w" for="ch" forName="Parent2" refType="w" fact="0.2975"/>
+              <dgm:constr type="h" for="ch" forName="Parent2" refType="h" fact="0.0733"/>
+              <dgm:constr type="l" for="ch" forName="Parent3" refType="w" fact="0.1171"/>
+              <dgm:constr type="t" for="ch" forName="Parent3" refType="h" fact="0.3979"/>
+              <dgm:constr type="w" for="ch" forName="Parent3" refType="w" fact="0.2975"/>
+              <dgm:constr type="h" for="ch" forName="Parent3" refType="h" fact="0.0733"/>
+              <dgm:constr type="l" for="ch" forName="Parent4" refType="w" fact="0.2658"/>
+              <dgm:constr type="t" for="ch" forName="Parent4" refType="h" fact="0.5493"/>
+              <dgm:constr type="w" for="ch" forName="Parent4" refType="w" fact="0.2975"/>
+              <dgm:constr type="h" for="ch" forName="Parent4" refType="h" fact="0.0733"/>
+              <dgm:constr type="l" for="ch" forName="Parent5" refType="w" fact="0.1171"/>
+              <dgm:constr type="t" for="ch" forName="Parent5" refType="h" fact="0.7005"/>
+              <dgm:constr type="w" for="ch" forName="Parent5" refType="w" fact="0.2975"/>
+              <dgm:constr type="h" for="ch" forName="Parent5" refType="h" fact="0.0733"/>
+              <dgm:constr type="l" for="ch" forName="Parent6" refType="w" fact="0.2658"/>
+              <dgm:constr type="t" for="ch" forName="Parent6" refType="h" fact="0.8519"/>
+              <dgm:constr type="w" for="ch" forName="Parent6" refType="w" fact="0.2975"/>
+              <dgm:constr type="h" for="ch" forName="Parent6" refType="h" fact="0.0733"/>
+              <dgm:constr type="l" for="ch" forName="Child1" refType="w" fact="0.5348"/>
+              <dgm:constr type="t" for="ch" forName="Child1" refType="h" fact="0.078"/>
+              <dgm:constr type="w" for="ch" forName="Child1" refType="w" fact="0.3196"/>
+              <dgm:constr type="h" for="ch" forName="Child1" refType="h" fact="0.1046"/>
+              <dgm:constr type="l" for="ch" forName="Child2" refType="w" fact="0.6804"/>
+              <dgm:constr type="t" for="ch" forName="Child2" refType="h" fact="0.231"/>
+              <dgm:constr type="w" for="ch" forName="Child2" refType="w" fact="0.3196"/>
+              <dgm:constr type="h" for="ch" forName="Child2" refType="h" fact="0.1046"/>
+              <dgm:constr type="l" for="ch" forName="Child3" refType="w" fact="0.5348"/>
+              <dgm:constr type="t" for="ch" forName="Child3" refType="h" fact="0.3808"/>
+              <dgm:constr type="w" for="ch" forName="Child3" refType="w" fact="0.3196"/>
+              <dgm:constr type="h" for="ch" forName="Child3" refType="h" fact="0.1046"/>
+              <dgm:constr type="l" for="ch" forName="Child4" refType="w" fact="0.6804"/>
+              <dgm:constr type="t" for="ch" forName="Child4" refType="h" fact="0.5322"/>
+              <dgm:constr type="w" for="ch" forName="Child4" refType="w" fact="0.3196"/>
+              <dgm:constr type="h" for="ch" forName="Child4" refType="h" fact="0.1046"/>
+              <dgm:constr type="l" for="ch" forName="Child5" refType="w" fact="0.5348"/>
+              <dgm:constr type="t" for="ch" forName="Child5" refType="h" fact="0.6833"/>
+              <dgm:constr type="w" for="ch" forName="Child5" refType="w" fact="0.3196"/>
+              <dgm:constr type="h" for="ch" forName="Child5" refType="h" fact="0.1046"/>
+              <dgm:constr type="l" for="ch" forName="Child6" refType="w" fact="0.6804"/>
+              <dgm:constr type="t" for="ch" forName="Child6" refType="h" fact="0.8347"/>
+              <dgm:constr type="w" for="ch" forName="Child6" refType="w" fact="0.3196"/>
+              <dgm:constr type="h" for="ch" forName="Child6" refType="h" fact="0.1046"/>
+            </dgm:constrLst>
+          </dgm:if>
+          <dgm:else name="Name19">
+            <dgm:alg type="composite">
+              <dgm:param type="ar" val="0.4284"/>
+            </dgm:alg>
+            <dgm:constrLst>
+              <dgm:constr type="primFontSz" for="des" forName="Child1" val="65"/>
+              <dgm:constr type="primFontSz" for="des" forName="Parent1" val="65"/>
+              <dgm:constr type="primFontSz" for="des" forName="Child1" refType="primFontSz" refFor="des" refForName="Parent1" op="lte"/>
+              <dgm:constr type="primFontSz" for="des" forName="Child2" refType="primFontSz" refFor="des" refForName="Parent1" op="lte"/>
+              <dgm:constr type="primFontSz" for="des" forName="Child3" refType="primFontSz" refFor="des" refForName="Parent1" op="lte"/>
+              <dgm:constr type="primFontSz" for="des" forName="Child4" refType="primFontSz" refFor="des" refForName="Parent1" op="lte"/>
+              <dgm:constr type="primFontSz" for="des" forName="Child5" refType="primFontSz" refFor="des" refForName="Parent1" op="lte"/>
+              <dgm:constr type="primFontSz" for="des" forName="Child6" refType="primFontSz" refFor="des" refForName="Parent1" op="lte"/>
+              <dgm:constr type="primFontSz" for="des" forName="Child7" refType="primFontSz" refFor="des" refForName="Parent1" op="lte"/>
+              <dgm:constr type="primFontSz" for="des" forName="Child1" refType="primFontSz" refFor="des" refForName="Parent2" op="lte"/>
+              <dgm:constr type="primFontSz" for="des" forName="Child2" refType="primFontSz" refFor="des" refForName="Parent2" op="lte"/>
+              <dgm:constr type="primFontSz" for="des" forName="Child3" refType="primFontSz" refFor="des" refForName="Parent2" op="lte"/>
+              <dgm:constr type="primFontSz" for="des" forName="Child4" refType="primFontSz" refFor="des" refForName="Parent2" op="lte"/>
+              <dgm:constr type="primFontSz" for="des" forName="Child5" refType="primFontSz" refFor="des" refForName="Parent2" op="lte"/>
+              <dgm:constr type="primFontSz" for="des" forName="Child6" refType="primFontSz" refFor="des" refForName="Parent2" op="lte"/>
+              <dgm:constr type="primFontSz" for="des" forName="Child7" refType="primFontSz" refFor="des" refForName="Parent2" op="lte"/>
+              <dgm:constr type="primFontSz" for="des" forName="Child1" refType="primFontSz" refFor="des" refForName="Parent3" op="lte"/>
+              <dgm:constr type="primFontSz" for="des" forName="Child2" refType="primFontSz" refFor="des" refForName="Parent3" op="lte"/>
+              <dgm:constr type="primFontSz" for="des" forName="Child3" refType="primFontSz" refFor="des" refForName="Parent3" op="lte"/>
+              <dgm:constr type="primFontSz" for="des" forName="Child4" refType="primFontSz" refFor="des" refForName="Parent3" op="lte"/>
+              <dgm:constr type="primFontSz" for="des" forName="Child5" refType="primFontSz" refFor="des" refForName="Parent3" op="lte"/>
+              <dgm:constr type="primFontSz" for="des" forName="Child6" refType="primFontSz" refFor="des" refForName="Parent3" op="lte"/>
+              <dgm:constr type="primFontSz" for="des" forName="Child7" refType="primFontSz" refFor="des" refForName="Parent3" op="lte"/>
+              <dgm:constr type="primFontSz" for="des" forName="Child1" refType="primFontSz" refFor="des" refForName="Parent4" op="lte"/>
+              <dgm:constr type="primFontSz" for="des" forName="Child2" refType="primFontSz" refFor="des" refForName="Parent4" op="lte"/>
+              <dgm:constr type="primFontSz" for="des" forName="Child3" refType="primFontSz" refFor="des" refForName="Parent4" op="lte"/>
+              <dgm:constr type="primFontSz" for="des" forName="Child4" refType="primFontSz" refFor="des" refForName="Parent4" op="lte"/>
+              <dgm:constr type="primFontSz" for="des" forName="Child5" refType="primFontSz" refFor="des" refForName="Parent4" op="lte"/>
+              <dgm:constr type="primFontSz" for="des" forName="Child6" refType="primFontSz" refFor="des" refForName="Parent4" op="lte"/>
+              <dgm:constr type="primFontSz" for="des" forName="Child7" refType="primFontSz" refFor="des" refForName="Parent4" op="lte"/>
+              <dgm:constr type="primFontSz" for="des" forName="Child1" refType="primFontSz" refFor="des" refForName="Parent5" op="lte"/>
+              <dgm:constr type="primFontSz" for="des" forName="Child2" refType="primFontSz" refFor="des" refForName="Parent5" op="lte"/>
+              <dgm:constr type="primFontSz" for="des" forName="Child3" refType="primFontSz" refFor="des" refForName="Parent5" op="lte"/>
+              <dgm:constr type="primFontSz" for="des" forName="Child4" refType="primFontSz" refFor="des" refForName="Parent5" op="lte"/>
+              <dgm:constr type="primFontSz" for="des" forName="Child5" refType="primFontSz" refFor="des" refForName="Parent5" op="lte"/>
+              <dgm:constr type="primFontSz" for="des" forName="Child6" refType="primFontSz" refFor="des" refForName="Parent5" op="lte"/>
+              <dgm:constr type="primFontSz" for="des" forName="Child7" refType="primFontSz" refFor="des" refForName="Parent5" op="lte"/>
+              <dgm:constr type="primFontSz" for="des" forName="Child1" refType="primFontSz" refFor="des" refForName="Parent6" op="lte"/>
+              <dgm:constr type="primFontSz" for="des" forName="Child2" refType="primFontSz" refFor="des" refForName="Parent6" op="lte"/>
+              <dgm:constr type="primFontSz" for="des" forName="Child3" refType="primFontSz" refFor="des" refForName="Parent6" op="lte"/>
+              <dgm:constr type="primFontSz" for="des" forName="Child4" refType="primFontSz" refFor="des" refForName="Parent6" op="lte"/>
+              <dgm:constr type="primFontSz" for="des" forName="Child5" refType="primFontSz" refFor="des" refForName="Parent6" op="lte"/>
+              <dgm:constr type="primFontSz" for="des" forName="Child6" refType="primFontSz" refFor="des" refForName="Parent6" op="lte"/>
+              <dgm:constr type="primFontSz" for="des" forName="Child7" refType="primFontSz" refFor="des" refForName="Parent6" op="lte"/>
+              <dgm:constr type="primFontSz" for="des" forName="Child1" refType="primFontSz" refFor="des" refForName="Parent7" op="lte"/>
+              <dgm:constr type="primFontSz" for="des" forName="Child2" refType="primFontSz" refFor="des" refForName="Parent7" op="lte"/>
+              <dgm:constr type="primFontSz" for="des" forName="Child3" refType="primFontSz" refFor="des" refForName="Parent7" op="lte"/>
+              <dgm:constr type="primFontSz" for="des" forName="Child4" refType="primFontSz" refFor="des" refForName="Parent7" op="lte"/>
+              <dgm:constr type="primFontSz" for="des" forName="Child5" refType="primFontSz" refFor="des" refForName="Parent7" op="lte"/>
+              <dgm:constr type="primFontSz" for="des" forName="Child6" refType="primFontSz" refFor="des" refForName="Parent7" op="lte"/>
+              <dgm:constr type="primFontSz" for="des" forName="Child7" refType="primFontSz" refFor="des" refForName="Parent7" op="lte"/>
+              <dgm:constr type="primFontSz" for="des" forName="Parent2" refType="primFontSz" refFor="des" refForName="Parent1" op="equ"/>
+              <dgm:constr type="primFontSz" for="des" forName="Parent3" refType="primFontSz" refFor="des" refForName="Parent1" op="equ"/>
+              <dgm:constr type="primFontSz" for="des" forName="Parent4" refType="primFontSz" refFor="des" refForName="Parent1" op="equ"/>
+              <dgm:constr type="primFontSz" for="des" forName="Parent5" refType="primFontSz" refFor="des" refForName="Parent1" op="equ"/>
+              <dgm:constr type="primFontSz" for="des" forName="Parent6" refType="primFontSz" refFor="des" refForName="Parent1" op="equ"/>
+              <dgm:constr type="primFontSz" for="des" forName="Parent7" refType="primFontSz" refFor="des" refForName="Parent1" op="equ"/>
+              <dgm:constr type="primFontSz" for="des" forName="Child2" refType="primFontSz" refFor="des" refForName="Child1" op="equ"/>
+              <dgm:constr type="primFontSz" for="des" forName="Child3" refType="primFontSz" refFor="des" refForName="Child1" op="equ"/>
+              <dgm:constr type="primFontSz" for="des" forName="Child4" refType="primFontSz" refFor="des" refForName="Child1" op="equ"/>
+              <dgm:constr type="primFontSz" for="des" forName="Child5" refType="primFontSz" refFor="des" refForName="Child1" op="equ"/>
+              <dgm:constr type="primFontSz" for="des" forName="Child6" refType="primFontSz" refFor="des" refForName="Child1" op="equ"/>
+              <dgm:constr type="primFontSz" for="des" forName="Child7" refType="primFontSz" refFor="des" refForName="Child1" op="equ"/>
+              <dgm:constr type="l" for="ch" forName="Accent1" refType="w" fact="0"/>
+              <dgm:constr type="t" for="ch" forName="Accent1" refType="h" fact="0"/>
+              <dgm:constr type="w" for="ch" forName="Accent1" refType="w" fact="0.5331"/>
+              <dgm:constr type="h" for="ch" forName="Accent1" refType="h" fact="0.2284"/>
+              <dgm:constr type="l" for="ch" forName="Accent2" refType="w" fact="0.1481"/>
+              <dgm:constr type="t" for="ch" forName="Accent2" refType="h" fact="0.1312"/>
+              <dgm:constr type="w" for="ch" forName="Accent2" refType="w" fact="0.5331"/>
+              <dgm:constr type="h" for="ch" forName="Accent2" refType="h" fact="0.2284"/>
+              <dgm:constr type="l" for="ch" forName="Accent3" refType="w" fact="0"/>
+              <dgm:constr type="t" for="ch" forName="Accent3" refType="h" fact="0.263"/>
+              <dgm:constr type="w" for="ch" forName="Accent3" refType="w" fact="0.5331"/>
+              <dgm:constr type="h" for="ch" forName="Accent3" refType="h" fact="0.2284"/>
+              <dgm:constr type="l" for="ch" forName="Accent4" refType="w" fact="0.1481"/>
+              <dgm:constr type="t" for="ch" forName="Accent4" refType="h" fact="0.3945"/>
+              <dgm:constr type="w" for="ch" forName="Accent4" refType="w" fact="0.5331"/>
+              <dgm:constr type="h" for="ch" forName="Accent4" refType="h" fact="0.2284"/>
+              <dgm:constr type="l" for="ch" forName="Accent5" refType="w" fact="0"/>
+              <dgm:constr type="t" for="ch" forName="Accent5" refType="h" fact="0.5258"/>
+              <dgm:constr type="w" for="ch" forName="Accent5" refType="w" fact="0.5331"/>
+              <dgm:constr type="h" for="ch" forName="Accent5" refType="h" fact="0.2284"/>
+              <dgm:constr type="l" for="ch" forName="Accent6" refType="w" fact="0.1481"/>
+              <dgm:constr type="t" for="ch" forName="Accent6" refType="h" fact="0.6573"/>
+              <dgm:constr type="w" for="ch" forName="Accent6" refType="w" fact="0.5331"/>
+              <dgm:constr type="h" for="ch" forName="Accent6" refType="h" fact="0.2284"/>
+              <dgm:constr type="l" for="ch" forName="Accent7" refType="w" fact="0.0378"/>
+              <dgm:constr type="t" for="ch" forName="Accent7" refType="h" fact="0.8037"/>
+              <dgm:constr type="w" for="ch" forName="Accent7" refType="w" fact="0.458"/>
+              <dgm:constr type="h" for="ch" forName="Accent7" refType="h" fact="0.1963"/>
+              <dgm:constr type="l" for="ch" forName="Parent1" refType="w" fact="0.1171"/>
+              <dgm:constr type="t" for="ch" forName="Parent1" refType="h" fact="0.0827"/>
+              <dgm:constr type="w" for="ch" forName="Parent1" refType="w" fact="0.2975"/>
+              <dgm:constr type="h" for="ch" forName="Parent1" refType="h" fact="0.0637"/>
+              <dgm:constr type="l" for="ch" forName="Parent2" refType="w" fact="0.2658"/>
+              <dgm:constr type="t" for="ch" forName="Parent2" refType="h" fact="0.2142"/>
+              <dgm:constr type="w" for="ch" forName="Parent2" refType="w" fact="0.2975"/>
+              <dgm:constr type="h" for="ch" forName="Parent2" refType="h" fact="0.0637"/>
+              <dgm:constr type="l" for="ch" forName="Parent3" refType="w" fact="0.1171"/>
+              <dgm:constr type="t" for="ch" forName="Parent3" refType="h" fact="0.3457"/>
+              <dgm:constr type="w" for="ch" forName="Parent3" refType="w" fact="0.2975"/>
+              <dgm:constr type="h" for="ch" forName="Parent3" refType="h" fact="0.0637"/>
+              <dgm:constr type="l" for="ch" forName="Parent4" refType="w" fact="0.2658"/>
+              <dgm:constr type="t" for="ch" forName="Parent4" refType="h" fact="0.4772"/>
+              <dgm:constr type="w" for="ch" forName="Parent4" refType="w" fact="0.2975"/>
+              <dgm:constr type="h" for="ch" forName="Parent4" refType="h" fact="0.0637"/>
+              <dgm:constr type="l" for="ch" forName="Parent5" refType="w" fact="0.1171"/>
+              <dgm:constr type="t" for="ch" forName="Parent5" refType="h" fact="0.6085"/>
+              <dgm:constr type="w" for="ch" forName="Parent5" refType="w" fact="0.2975"/>
+              <dgm:constr type="h" for="ch" forName="Parent5" refType="h" fact="0.0637"/>
+              <dgm:constr type="l" for="ch" forName="Parent6" refType="w" fact="0.2658"/>
+              <dgm:constr type="t" for="ch" forName="Parent6" refType="h" fact="0.74"/>
+              <dgm:constr type="w" for="ch" forName="Parent6" refType="w" fact="0.2975"/>
+              <dgm:constr type="h" for="ch" forName="Parent6" refType="h" fact="0.0637"/>
+              <dgm:constr type="l" for="ch" forName="Parent7" refType="w" fact="0.1171"/>
+              <dgm:constr type="t" for="ch" forName="Parent7" refType="h" fact="0.8715"/>
+              <dgm:constr type="w" for="ch" forName="Parent7" refType="w" fact="0.2975"/>
+              <dgm:constr type="h" for="ch" forName="Parent7" refType="h" fact="0.0637"/>
+              <dgm:constr type="l" for="ch" forName="Child1" refType="w" fact="0.5348"/>
+              <dgm:constr type="t" for="ch" forName="Child1" refType="h" fact="0.0678"/>
+              <dgm:constr type="w" for="ch" forName="Child1" refType="w" fact="0.3196"/>
+              <dgm:constr type="h" for="ch" forName="Child1" refType="h" fact="0.0908"/>
+              <dgm:constr type="l" for="ch" forName="Child2" refType="w" fact="0.6804"/>
+              <dgm:constr type="t" for="ch" forName="Child2" refType="h" fact="0.2006"/>
+              <dgm:constr type="w" for="ch" forName="Child2" refType="w" fact="0.3196"/>
+              <dgm:constr type="h" for="ch" forName="Child2" refType="h" fact="0.0908"/>
+              <dgm:constr type="l" for="ch" forName="Child3" refType="w" fact="0.5348"/>
+              <dgm:constr type="t" for="ch" forName="Child3" refType="h" fact="0.3308"/>
+              <dgm:constr type="w" for="ch" forName="Child3" refType="w" fact="0.3196"/>
+              <dgm:constr type="h" for="ch" forName="Child3" refType="h" fact="0.0908"/>
+              <dgm:constr type="l" for="ch" forName="Child4" refType="w" fact="0.6804"/>
+              <dgm:constr type="t" for="ch" forName="Child4" refType="h" fact="0.4623"/>
+              <dgm:constr type="w" for="ch" forName="Child4" refType="w" fact="0.3196"/>
+              <dgm:constr type="h" for="ch" forName="Child4" refType="h" fact="0.0908"/>
+              <dgm:constr type="l" for="ch" forName="Child5" refType="w" fact="0.5348"/>
+              <dgm:constr type="t" for="ch" forName="Child5" refType="h" fact="0.5936"/>
+              <dgm:constr type="w" for="ch" forName="Child5" refType="w" fact="0.3196"/>
+              <dgm:constr type="h" for="ch" forName="Child5" refType="h" fact="0.0908"/>
+              <dgm:constr type="l" for="ch" forName="Child6" refType="w" fact="0.6804"/>
+              <dgm:constr type="t" for="ch" forName="Child6" refType="h" fact="0.7251"/>
+              <dgm:constr type="w" for="ch" forName="Child6" refType="w" fact="0.3196"/>
+              <dgm:constr type="h" for="ch" forName="Child6" refType="h" fact="0.0908"/>
+              <dgm:constr type="l" for="ch" forName="Child7" refType="w" fact="0.5348"/>
+              <dgm:constr type="t" for="ch" forName="Child7" refType="h" fact="0.8579"/>
+              <dgm:constr type="w" for="ch" forName="Child7" refType="w" fact="0.3196"/>
+              <dgm:constr type="h" for="ch" forName="Child7" refType="h" fact="0.0908"/>
+            </dgm:constrLst>
+          </dgm:else>
+        </dgm:choose>
+      </dgm:else>
+    </dgm:choose>
+    <dgm:forEach name="wrapper" axis="self" ptType="parTrans">
+      <dgm:forEach name="accentRepeat" axis="self">
+        <dgm:layoutNode name="Accent" styleLbl="node1">
+          <dgm:alg type="sp"/>
+          <dgm:choose name="Name20">
+            <dgm:if name="Name21" func="var" arg="dir" op="equ" val="norm">
+              <dgm:choose name="Name22">
+                <dgm:if name="Name23" axis="precedSib" ptType="node" func="cnt" op="equ" val="0">
+                  <dgm:choose name="Name24">
+                    <dgm:if name="Name25" axis="followSib" ptType="node" func="cnt" op="equ" val="0">
+                      <dgm:shape xmlns:r="http://schemas.openxmlformats.org/officeDocument/2006/relationships" type="circularArrow" r:blip="">
+                        <dgm:adjLst>
+                          <dgm:adj idx="1" val="0.1098"/>
+                          <dgm:adj idx="2" val="19.0387"/>
+                          <dgm:adj idx="3" val="150"/>
+                          <dgm:adj idx="4" val="180"/>
+                          <dgm:adj idx="5" val="0.125"/>
+                        </dgm:adjLst>
+                      </dgm:shape>
+                    </dgm:if>
+                    <dgm:else name="Name26">
+                      <dgm:shape xmlns:r="http://schemas.openxmlformats.org/officeDocument/2006/relationships" type="circularArrow" r:blip="">
+                        <dgm:adjLst>
+                          <dgm:adj idx="1" val="0.1098"/>
+                          <dgm:adj idx="2" val="19.0387"/>
+                          <dgm:adj idx="3" val="75"/>
+                          <dgm:adj idx="4" val="180"/>
+                          <dgm:adj idx="5" val="0.125"/>
+                        </dgm:adjLst>
+                      </dgm:shape>
+                    </dgm:else>
+                  </dgm:choose>
+                </dgm:if>
+                <dgm:else name="Name27">
+                  <dgm:choose name="Name28">
+                    <dgm:if name="Name29" axis="followSib" ptType="node" func="cnt" op="equ" val="0">
+                      <dgm:choose name="Name30">
+                        <dgm:if name="Name31" axis="precedSib" ptType="node" func="cnt" op="equ" val="1">
+                          <dgm:shape xmlns:r="http://schemas.openxmlformats.org/officeDocument/2006/relationships" type="blockArc" r:blip="">
+                            <dgm:adjLst>
+                              <dgm:adj idx="1" val="0"/>
+                              <dgm:adj idx="2" val="-45"/>
+                              <dgm:adj idx="3" val="0.1274"/>
+                            </dgm:adjLst>
+                          </dgm:shape>
+                        </dgm:if>
+                        <dgm:if name="Name32" axis="precedSib" ptType="node" func="cnt" op="equ" val="2">
+                          <dgm:shape xmlns:r="http://schemas.openxmlformats.org/officeDocument/2006/relationships" type="blockArc" r:blip="">
+                            <dgm:adjLst>
+                              <dgm:adj idx="1" val="-135"/>
+                              <dgm:adj idx="2" val="180"/>
+                              <dgm:adj idx="3" val="0.1274"/>
+                            </dgm:adjLst>
+                          </dgm:shape>
+                        </dgm:if>
+                        <dgm:if name="Name33" axis="precedSib" ptType="node" func="cnt" op="equ" val="3">
+                          <dgm:shape xmlns:r="http://schemas.openxmlformats.org/officeDocument/2006/relationships" type="blockArc" r:blip="">
+                            <dgm:adjLst>
+                              <dgm:adj idx="1" val="0"/>
+                              <dgm:adj idx="2" val="-45"/>
+                              <dgm:adj idx="3" val="0.1274"/>
+                            </dgm:adjLst>
+                          </dgm:shape>
+                        </dgm:if>
+                        <dgm:if name="Name34" axis="precedSib" ptType="node" func="cnt" op="equ" val="4">
+                          <dgm:shape xmlns:r="http://schemas.openxmlformats.org/officeDocument/2006/relationships" type="blockArc" r:blip="">
+                            <dgm:adjLst>
+                              <dgm:adj idx="1" val="-135"/>
+                              <dgm:adj idx="2" val="180"/>
+                              <dgm:adj idx="3" val="0.1274"/>
+                            </dgm:adjLst>
+                          </dgm:shape>
+                        </dgm:if>
+                        <dgm:if name="Name35" axis="precedSib" ptType="node" func="cnt" op="equ" val="5">
+                          <dgm:shape xmlns:r="http://schemas.openxmlformats.org/officeDocument/2006/relationships" type="blockArc" r:blip="">
+                            <dgm:adjLst>
+                              <dgm:adj idx="1" val="0"/>
+                              <dgm:adj idx="2" val="-45"/>
+                              <dgm:adj idx="3" val="0.1274"/>
+                            </dgm:adjLst>
+                          </dgm:shape>
+                        </dgm:if>
+                        <dgm:if name="Name36" axis="precedSib" ptType="node" func="cnt" op="equ" val="6">
+                          <dgm:shape xmlns:r="http://schemas.openxmlformats.org/officeDocument/2006/relationships" type="blockArc" r:blip="">
+                            <dgm:adjLst>
+                              <dgm:adj idx="1" val="-135"/>
+                              <dgm:adj idx="2" val="180"/>
+                              <dgm:adj idx="3" val="0.1274"/>
+                            </dgm:adjLst>
+                          </dgm:shape>
+                        </dgm:if>
+                        <dgm:else name="Name37"/>
+                      </dgm:choose>
+                    </dgm:if>
+                    <dgm:else name="Name38">
+                      <dgm:choose name="Name39">
+                        <dgm:if name="Name40" axis="precedSib" ptType="node" func="cnt" op="equ" val="0">
+                          <dgm:shape xmlns:r="http://schemas.openxmlformats.org/officeDocument/2006/relationships" type="blockArc" r:blip="">
+                            <dgm:adjLst>
+                              <dgm:adj idx="1" val="-133.1632"/>
+                              <dgm:adj idx="2" val="65"/>
+                              <dgm:adj idx="3" val="0.13"/>
+                            </dgm:adjLst>
+                          </dgm:shape>
+                        </dgm:if>
+                        <dgm:if name="Name41" axis="precedSib" ptType="node" func="cnt" op="equ" val="1">
+                          <dgm:shape xmlns:r="http://schemas.openxmlformats.org/officeDocument/2006/relationships" type="leftCircularArrow" r:blip="">
+                            <dgm:adjLst>
+                              <dgm:adj idx="1" val="0.1098"/>
+                              <dgm:adj idx="2" val="19.0387"/>
+                              <dgm:adj idx="3" val="105"/>
+                              <dgm:adj idx="4" val="-45"/>
+                              <dgm:adj idx="5" val="0.125"/>
+                            </dgm:adjLst>
+                          </dgm:shape>
+                        </dgm:if>
+                        <dgm:if name="Name42" axis="precedSib" ptType="node" func="cnt" op="equ" val="2">
+                          <dgm:shape xmlns:r="http://schemas.openxmlformats.org/officeDocument/2006/relationships" type="circularArrow" r:blip="">
+                            <dgm:adjLst>
+                              <dgm:adj idx="1" val="0.1098"/>
+                              <dgm:adj idx="2" val="19.0387"/>
+                              <dgm:adj idx="3" val="75"/>
+                              <dgm:adj idx="4" val="-135"/>
+                              <dgm:adj idx="5" val="0.125"/>
+                            </dgm:adjLst>
+                          </dgm:shape>
+                        </dgm:if>
+                        <dgm:if name="Name43" axis="precedSib" ptType="node" func="cnt" op="equ" val="3">
+                          <dgm:shape xmlns:r="http://schemas.openxmlformats.org/officeDocument/2006/relationships" type="leftCircularArrow" r:blip="">
+                            <dgm:adjLst>
+                              <dgm:adj idx="1" val="0.1098"/>
+                              <dgm:adj idx="2" val="19.0387"/>
+                              <dgm:adj idx="3" val="105"/>
+                              <dgm:adj idx="4" val="-45"/>
+                              <dgm:adj idx="5" val="0.125"/>
+                            </dgm:adjLst>
+                          </dgm:shape>
+                        </dgm:if>
+                        <dgm:if name="Name44" axis="precedSib" ptType="node" func="cnt" op="equ" val="4">
+                          <dgm:shape xmlns:r="http://schemas.openxmlformats.org/officeDocument/2006/relationships" type="circularArrow" r:blip="">
+                            <dgm:adjLst>
+                              <dgm:adj idx="1" val="0.1098"/>
+                              <dgm:adj idx="2" val="19.0387"/>
+                              <dgm:adj idx="3" val="75"/>
+                              <dgm:adj idx="4" val="-135"/>
+                              <dgm:adj idx="5" val="0.125"/>
+                            </dgm:adjLst>
+                          </dgm:shape>
+                        </dgm:if>
+                        <dgm:if name="Name45" axis="precedSib" ptType="node" func="cnt" op="equ" val="5">
+                          <dgm:shape xmlns:r="http://schemas.openxmlformats.org/officeDocument/2006/relationships" type="leftCircularArrow" r:blip="">
+                            <dgm:adjLst>
+                              <dgm:adj idx="1" val="0.1098"/>
+                              <dgm:adj idx="2" val="19.0387"/>
+                              <dgm:adj idx="3" val="105"/>
+                              <dgm:adj idx="4" val="-45"/>
+                              <dgm:adj idx="5" val="0.125"/>
+                            </dgm:adjLst>
+                          </dgm:shape>
+                        </dgm:if>
+                        <dgm:if name="Name46" axis="precedSib" ptType="node" func="cnt" op="equ" val="6">
+                          <dgm:shape xmlns:r="http://schemas.openxmlformats.org/officeDocument/2006/relationships" type="blockArc" r:blip="">
+                            <dgm:adjLst>
+                              <dgm:adj idx="1" val="-135"/>
+                              <dgm:adj idx="2" val="180"/>
+                              <dgm:adj idx="3" val="0.1274"/>
+                            </dgm:adjLst>
+                          </dgm:shape>
+                        </dgm:if>
+                        <dgm:else name="Name47"/>
+                      </dgm:choose>
+                    </dgm:else>
+                  </dgm:choose>
+                </dgm:else>
+              </dgm:choose>
+            </dgm:if>
+            <dgm:else name="Name48">
+              <dgm:choose name="Name49">
+                <dgm:if name="Name50" axis="precedSib" ptType="node" func="cnt" op="equ" val="0">
+                  <dgm:choose name="Name51">
+                    <dgm:if name="Name52" axis="followSib" ptType="node" func="cnt" op="equ" val="0">
+                      <dgm:shape xmlns:r="http://schemas.openxmlformats.org/officeDocument/2006/relationships" type="leftCircularArrow" r:blip="">
+                        <dgm:adjLst>
+                          <dgm:adj idx="1" val="0.1098"/>
+                          <dgm:adj idx="2" val="19.0387"/>
+                          <dgm:adj idx="3" val="30"/>
+                          <dgm:adj idx="4" val="0"/>
+                          <dgm:adj idx="5" val="0.125"/>
+                        </dgm:adjLst>
+                      </dgm:shape>
+                    </dgm:if>
+                    <dgm:else name="Name53">
+                      <dgm:shape xmlns:r="http://schemas.openxmlformats.org/officeDocument/2006/relationships" type="leftCircularArrow" r:blip="">
+                        <dgm:adjLst>
+                          <dgm:adj idx="1" val="0.1098"/>
+                          <dgm:adj idx="2" val="19.0387"/>
+                          <dgm:adj idx="3" val="105"/>
+                          <dgm:adj idx="4" val="0"/>
+                          <dgm:adj idx="5" val="0.125"/>
+                        </dgm:adjLst>
+                      </dgm:shape>
+                    </dgm:else>
+                  </dgm:choose>
+                </dgm:if>
+                <dgm:else name="Name54">
+                  <dgm:choose name="Name55">
+                    <dgm:if name="Name56" axis="followSib" ptType="node" func="cnt" op="equ" val="0">
+                      <dgm:choose name="Name57">
+                        <dgm:if name="Name58" axis="precedSib" ptType="node" func="cnt" op="equ" val="1">
+                          <dgm:shape xmlns:r="http://schemas.openxmlformats.org/officeDocument/2006/relationships" type="blockArc" r:blip="">
+                            <dgm:adjLst>
+                              <dgm:adj idx="1" val="-135"/>
+                              <dgm:adj idx="2" val="180"/>
+                              <dgm:adj idx="3" val="0.1274"/>
+                            </dgm:adjLst>
+                          </dgm:shape>
+                        </dgm:if>
+                        <dgm:if name="Name59" axis="precedSib" ptType="node" func="cnt" op="equ" val="2">
+                          <dgm:shape xmlns:r="http://schemas.openxmlformats.org/officeDocument/2006/relationships" type="blockArc" r:blip="">
+                            <dgm:adjLst>
+                              <dgm:adj idx="1" val="0"/>
+                              <dgm:adj idx="2" val="-45"/>
+                              <dgm:adj idx="3" val="0.1274"/>
+                            </dgm:adjLst>
+                          </dgm:shape>
+                        </dgm:if>
+                        <dgm:if name="Name60" axis="precedSib" ptType="node" func="cnt" op="equ" val="3">
+                          <dgm:shape xmlns:r="http://schemas.openxmlformats.org/officeDocument/2006/relationships" type="blockArc" r:blip="">
+                            <dgm:adjLst>
+                              <dgm:adj idx="1" val="-135"/>
+                              <dgm:adj idx="2" val="180"/>
+                              <dgm:adj idx="3" val="0.1274"/>
+                            </dgm:adjLst>
+                          </dgm:shape>
+                        </dgm:if>
+                        <dgm:if name="Name61" axis="precedSib" ptType="node" func="cnt" op="equ" val="4">
+                          <dgm:shape xmlns:r="http://schemas.openxmlformats.org/officeDocument/2006/relationships" type="blockArc" r:blip="">
+                            <dgm:adjLst>
+                              <dgm:adj idx="1" val="0"/>
+                              <dgm:adj idx="2" val="-45"/>
+                              <dgm:adj idx="3" val="0.1274"/>
+                            </dgm:adjLst>
+                          </dgm:shape>
+                        </dgm:if>
+                        <dgm:if name="Name62" axis="precedSib" ptType="node" func="cnt" op="equ" val="5">
+                          <dgm:shape xmlns:r="http://schemas.openxmlformats.org/officeDocument/2006/relationships" type="blockArc" r:blip="">
+                            <dgm:adjLst>
+                              <dgm:adj idx="1" val="-135"/>
+                              <dgm:adj idx="2" val="180"/>
+                              <dgm:adj idx="3" val="0.1274"/>
+                            </dgm:adjLst>
+                          </dgm:shape>
+                        </dgm:if>
+                        <dgm:if name="Name63" axis="precedSib" ptType="node" func="cnt" op="equ" val="6">
+                          <dgm:shape xmlns:r="http://schemas.openxmlformats.org/officeDocument/2006/relationships" type="blockArc" r:blip="">
+                            <dgm:adjLst>
+                              <dgm:adj idx="1" val="0"/>
+                              <dgm:adj idx="2" val="-45"/>
+                              <dgm:adj idx="3" val="0.1274"/>
+                            </dgm:adjLst>
+                          </dgm:shape>
+                        </dgm:if>
+                        <dgm:else name="Name64"/>
+                      </dgm:choose>
+                    </dgm:if>
+                    <dgm:else name="Name65">
+                      <dgm:choose name="Name66">
+                        <dgm:if name="Name67" axis="precedSib" ptType="node" func="cnt" op="equ" val="0">
+                          <dgm:shape xmlns:r="http://schemas.openxmlformats.org/officeDocument/2006/relationships" type="blockArc" r:blip="">
+                            <dgm:adjLst>
+                              <dgm:adj idx="1" val="-133.1632"/>
+                              <dgm:adj idx="2" val="65"/>
+                              <dgm:adj idx="3" val="0.13"/>
+                            </dgm:adjLst>
+                          </dgm:shape>
+                        </dgm:if>
+                        <dgm:if name="Name68" axis="precedSib" ptType="node" func="cnt" op="equ" val="1">
+                          <dgm:shape xmlns:r="http://schemas.openxmlformats.org/officeDocument/2006/relationships" type="circularArrow" r:blip="">
+                            <dgm:adjLst>
+                              <dgm:adj idx="1" val="0.1098"/>
+                              <dgm:adj idx="2" val="19.0387"/>
+                              <dgm:adj idx="3" val="75"/>
+                              <dgm:adj idx="4" val="-135"/>
+                              <dgm:adj idx="5" val="0.125"/>
+                            </dgm:adjLst>
+                          </dgm:shape>
+                        </dgm:if>
+                        <dgm:if name="Name69" axis="precedSib" ptType="node" func="cnt" op="equ" val="2">
+                          <dgm:shape xmlns:r="http://schemas.openxmlformats.org/officeDocument/2006/relationships" type="leftCircularArrow" r:blip="">
+                            <dgm:adjLst>
+                              <dgm:adj idx="1" val="0.1098"/>
+                              <dgm:adj idx="2" val="19.0387"/>
+                              <dgm:adj idx="3" val="105"/>
+                              <dgm:adj idx="4" val="-45"/>
+                              <dgm:adj idx="5" val="0.125"/>
+                            </dgm:adjLst>
+                          </dgm:shape>
+                        </dgm:if>
+                        <dgm:if name="Name70" axis="precedSib" ptType="node" func="cnt" op="equ" val="3">
+                          <dgm:shape xmlns:r="http://schemas.openxmlformats.org/officeDocument/2006/relationships" type="circularArrow" r:blip="">
+                            <dgm:adjLst>
+                              <dgm:adj idx="1" val="0.1098"/>
+                              <dgm:adj idx="2" val="19.0387"/>
+                              <dgm:adj idx="3" val="75"/>
+                              <dgm:adj idx="4" val="-135"/>
+                              <dgm:adj idx="5" val="0.125"/>
+                            </dgm:adjLst>
+                          </dgm:shape>
+                        </dgm:if>
+                        <dgm:if name="Name71" axis="precedSib" ptType="node" func="cnt" op="equ" val="4">
+                          <dgm:shape xmlns:r="http://schemas.openxmlformats.org/officeDocument/2006/relationships" type="leftCircularArrow" r:blip="">
+                            <dgm:adjLst>
+                              <dgm:adj idx="1" val="0.1098"/>
+                              <dgm:adj idx="2" val="19.0387"/>
+                              <dgm:adj idx="3" val="105"/>
+                              <dgm:adj idx="4" val="-45"/>
+                              <dgm:adj idx="5" val="0.125"/>
+                            </dgm:adjLst>
+                          </dgm:shape>
+                        </dgm:if>
+                        <dgm:if name="Name72" axis="precedSib" ptType="node" func="cnt" op="equ" val="5">
+                          <dgm:shape xmlns:r="http://schemas.openxmlformats.org/officeDocument/2006/relationships" type="circularArrow" r:blip="">
+                            <dgm:adjLst>
+                              <dgm:adj idx="1" val="0.1098"/>
+                              <dgm:adj idx="2" val="19.0387"/>
+                              <dgm:adj idx="3" val="75"/>
+                              <dgm:adj idx="4" val="-135"/>
+                              <dgm:adj idx="5" val="0.125"/>
+                            </dgm:adjLst>
+                          </dgm:shape>
+                        </dgm:if>
+                        <dgm:if name="Name73" axis="precedSib" ptType="node" func="cnt" op="equ" val="6">
+                          <dgm:shape xmlns:r="http://schemas.openxmlformats.org/officeDocument/2006/relationships" type="blockArc" r:blip="">
+                            <dgm:adjLst>
+                              <dgm:adj idx="1" val="0"/>
+                              <dgm:adj idx="2" val="-45"/>
+                              <dgm:adj idx="3" val="0.1274"/>
+                            </dgm:adjLst>
+                          </dgm:shape>
+                        </dgm:if>
+                        <dgm:else name="Name74"/>
+                      </dgm:choose>
+                    </dgm:else>
+                  </dgm:choose>
+                </dgm:else>
+              </dgm:choose>
+            </dgm:else>
+          </dgm:choose>
+          <dgm:presOf/>
+        </dgm:layoutNode>
+      </dgm:forEach>
+    </dgm:forEach>
+    <dgm:forEach name="Name75" axis="ch" ptType="node" cnt="1">
+      <dgm:layoutNode name="Accent1">
+        <dgm:alg type="sp"/>
+        <dgm:shape xmlns:r="http://schemas.openxmlformats.org/officeDocument/2006/relationships" r:blip="">
+          <dgm:adjLst/>
+        </dgm:shape>
+        <dgm:presOf/>
+        <dgm:constrLst/>
+        <dgm:forEach name="Name76" ref="accentRepeat"/>
+      </dgm:layoutNode>
+      <dgm:choose name="Name77">
+        <dgm:if name="Name78" axis="ch" ptType="node" func="cnt" op="gte" val="1">
+          <dgm:layoutNode name="Child1" styleLbl="revTx">
+            <dgm:varLst>
+              <dgm:chMax val="0"/>
+              <dgm:chPref val="0"/>
+              <dgm:bulletEnabled val="1"/>
+            </dgm:varLst>
+            <dgm:alg type="tx">
+              <dgm:param type="stBulletLvl" val="1"/>
+              <dgm:param type="parTxLTRAlign" val="l"/>
+              <dgm:param type="txAnchorVertCh" val="mid"/>
+            </dgm:alg>
+            <dgm:shape xmlns:r="http://schemas.openxmlformats.org/officeDocument/2006/relationships" type="rect" r:blip="">
+              <dgm:adjLst/>
+            </dgm:shape>
+            <dgm:presOf axis="des" ptType="node"/>
+            <dgm:constrLst>
+              <dgm:constr type="lMarg" refType="primFontSz" fact="0.05"/>
+              <dgm:constr type="rMarg" refType="primFontSz" fact="0.05"/>
+              <dgm:constr type="tMarg" refType="primFontSz" fact="0.05"/>
+              <dgm:constr type="bMarg" refType="primFontSz" fact="0.05"/>
+            </dgm:constrLst>
+            <dgm:ruleLst>
+              <dgm:rule type="primFontSz" val="5" fact="NaN" max="NaN"/>
+            </dgm:ruleLst>
+          </dgm:layoutNode>
+        </dgm:if>
+        <dgm:else name="Name79"/>
+      </dgm:choose>
+      <dgm:layoutNode name="Parent1" styleLbl="revTx">
+        <dgm:varLst>
+          <dgm:chMax val="1"/>
+          <dgm:chPref val="1"/>
+          <dgm:bulletEnabled val="1"/>
+        </dgm:varLst>
+        <dgm:alg type="tx">
+          <dgm:param type="shpTxLTRAlignCh" val="ctr"/>
+          <dgm:param type="txAnchorVertCh" val="mid"/>
+        </dgm:alg>
+        <dgm:shape xmlns:r="http://schemas.openxmlformats.org/officeDocument/2006/relationships" type="rect" r:blip="">
+          <dgm:adjLst/>
+        </dgm:shape>
+        <dgm:presOf axis="self" ptType="node"/>
+        <dgm:constrLst>
+          <dgm:constr type="lMarg" refType="primFontSz" fact="0.05"/>
+          <dgm:constr type="rMarg" refType="primFontSz" fact="0.05"/>
+          <dgm:constr type="tMarg" refType="primFontSz" fact="0.05"/>
+          <dgm:constr type="bMarg" refType="primFontSz" fact="0.05"/>
+        </dgm:constrLst>
+        <dgm:ruleLst>
+          <dgm:rule type="primFontSz" val="5" fact="NaN" max="NaN"/>
+        </dgm:ruleLst>
+      </dgm:layoutNode>
+    </dgm:forEach>
+    <dgm:forEach name="Name80" axis="ch" ptType="node" st="2" cnt="1">
+      <dgm:layoutNode name="Accent2">
+        <dgm:alg type="sp"/>
+        <dgm:shape xmlns:r="http://schemas.openxmlformats.org/officeDocument/2006/relationships" r:blip="">
+          <dgm:adjLst/>
+        </dgm:shape>
+        <dgm:presOf/>
+        <dgm:constrLst/>
+        <dgm:forEach name="Name81" ref="accentRepeat"/>
+      </dgm:layoutNode>
+      <dgm:choose name="Name82">
+        <dgm:if name="Name83" axis="ch" ptType="node" func="cnt" op="gte" val="1">
+          <dgm:layoutNode name="Child2" styleLbl="revTx">
+            <dgm:varLst>
+              <dgm:chMax val="0"/>
+              <dgm:chPref val="0"/>
+              <dgm:bulletEnabled val="1"/>
+            </dgm:varLst>
+            <dgm:alg type="tx">
+              <dgm:param type="stBulletLvl" val="1"/>
+              <dgm:param type="parTxLTRAlign" val="l"/>
+              <dgm:param type="txAnchorVertCh" val="mid"/>
+            </dgm:alg>
+            <dgm:shape xmlns:r="http://schemas.openxmlformats.org/officeDocument/2006/relationships" type="rect" r:blip="">
+              <dgm:adjLst/>
+            </dgm:shape>
+            <dgm:presOf axis="des" ptType="node"/>
+            <dgm:constrLst>
+              <dgm:constr type="lMarg" refType="primFontSz" fact="0.05"/>
+              <dgm:constr type="rMarg" refType="primFontSz" fact="0.05"/>
+              <dgm:constr type="tMarg" refType="primFontSz" fact="0.05"/>
+              <dgm:constr type="bMarg" refType="primFontSz" fact="0.05"/>
+            </dgm:constrLst>
+            <dgm:ruleLst>
+              <dgm:rule type="primFontSz" val="5" fact="NaN" max="NaN"/>
+            </dgm:ruleLst>
+          </dgm:layoutNode>
+        </dgm:if>
+        <dgm:else name="Name84"/>
+      </dgm:choose>
+      <dgm:layoutNode name="Parent2" styleLbl="revTx">
+        <dgm:varLst>
+          <dgm:chMax val="1"/>
+          <dgm:chPref val="1"/>
+          <dgm:bulletEnabled val="1"/>
+        </dgm:varLst>
+        <dgm:alg type="tx">
+          <dgm:param type="shpTxLTRAlignCh" val="ctr"/>
+          <dgm:param type="txAnchorVertCh" val="mid"/>
+        </dgm:alg>
+        <dgm:shape xmlns:r="http://schemas.openxmlformats.org/officeDocument/2006/relationships" type="rect" r:blip="">
+          <dgm:adjLst/>
+        </dgm:shape>
+        <dgm:presOf axis="self" ptType="node"/>
+        <dgm:constrLst>
+          <dgm:constr type="lMarg" refType="primFontSz" fact="0.05"/>
+          <dgm:constr type="rMarg" refType="primFontSz" fact="0.05"/>
+          <dgm:constr type="tMarg" refType="primFontSz" fact="0.05"/>
+          <dgm:constr type="bMarg" refType="primFontSz" fact="0.05"/>
+        </dgm:constrLst>
+        <dgm:ruleLst>
+          <dgm:rule type="primFontSz" val="5" fact="NaN" max="NaN"/>
+        </dgm:ruleLst>
+      </dgm:layoutNode>
+    </dgm:forEach>
+    <dgm:forEach name="Name85" axis="ch" ptType="node" st="3" cnt="1">
+      <dgm:layoutNode name="Accent3">
+        <dgm:alg type="sp"/>
+        <dgm:shape xmlns:r="http://schemas.openxmlformats.org/officeDocument/2006/relationships" r:blip="">
+          <dgm:adjLst/>
+        </dgm:shape>
+        <dgm:presOf/>
+        <dgm:constrLst/>
+        <dgm:forEach name="Name86" ref="accentRepeat"/>
+      </dgm:layoutNode>
+      <dgm:choose name="Name87">
+        <dgm:if name="Name88" axis="ch" ptType="node" func="cnt" op="gte" val="1">
+          <dgm:layoutNode name="Child3" styleLbl="revTx">
+            <dgm:varLst>
+              <dgm:chMax val="0"/>
+              <dgm:chPref val="0"/>
+              <dgm:bulletEnabled val="1"/>
+            </dgm:varLst>
+            <dgm:alg type="tx">
+              <dgm:param type="stBulletLvl" val="1"/>
+              <dgm:param type="parTxLTRAlign" val="l"/>
+              <dgm:param type="txAnchorVertCh" val="mid"/>
+            </dgm:alg>
+            <dgm:shape xmlns:r="http://schemas.openxmlformats.org/officeDocument/2006/relationships" type="rect" r:blip="">
+              <dgm:adjLst/>
+            </dgm:shape>
+            <dgm:presOf axis="des" ptType="node"/>
+            <dgm:constrLst>
+              <dgm:constr type="lMarg" refType="primFontSz" fact="0.05"/>
+              <dgm:constr type="rMarg" refType="primFontSz" fact="0.05"/>
+              <dgm:constr type="tMarg" refType="primFontSz" fact="0.05"/>
+              <dgm:constr type="bMarg" refType="primFontSz" fact="0.05"/>
+            </dgm:constrLst>
+            <dgm:ruleLst>
+              <dgm:rule type="primFontSz" val="5" fact="NaN" max="NaN"/>
+            </dgm:ruleLst>
+          </dgm:layoutNode>
+        </dgm:if>
+        <dgm:else name="Name89"/>
+      </dgm:choose>
+      <dgm:layoutNode name="Parent3" styleLbl="revTx">
+        <dgm:varLst>
+          <dgm:chMax val="1"/>
+          <dgm:chPref val="1"/>
+          <dgm:bulletEnabled val="1"/>
+        </dgm:varLst>
+        <dgm:alg type="tx">
+          <dgm:param type="shpTxLTRAlignCh" val="ctr"/>
+          <dgm:param type="txAnchorVertCh" val="mid"/>
+        </dgm:alg>
+        <dgm:shape xmlns:r="http://schemas.openxmlformats.org/officeDocument/2006/relationships" type="rect" r:blip="">
+          <dgm:adjLst/>
+        </dgm:shape>
+        <dgm:presOf axis="self" ptType="node"/>
+        <dgm:constrLst>
+          <dgm:constr type="lMarg" refType="primFontSz" fact="0.05"/>
+          <dgm:constr type="rMarg" refType="primFontSz" fact="0.05"/>
+          <dgm:constr type="tMarg" refType="primFontSz" fact="0.05"/>
+          <dgm:constr type="bMarg" refType="primFontSz" fact="0.05"/>
+        </dgm:constrLst>
+        <dgm:ruleLst>
+          <dgm:rule type="primFontSz" val="5" fact="NaN" max="NaN"/>
+        </dgm:ruleLst>
+      </dgm:layoutNode>
+    </dgm:forEach>
+    <dgm:forEach name="Name90" axis="ch" ptType="node" st="4" cnt="1">
+      <dgm:layoutNode name="Accent4">
+        <dgm:alg type="sp"/>
+        <dgm:shape xmlns:r="http://schemas.openxmlformats.org/officeDocument/2006/relationships" r:blip="">
+          <dgm:adjLst/>
+        </dgm:shape>
+        <dgm:presOf/>
+        <dgm:constrLst/>
+        <dgm:forEach name="Name91" ref="accentRepeat"/>
+      </dgm:layoutNode>
+      <dgm:choose name="Name92">
+        <dgm:if name="Name93" axis="ch" ptType="node" func="cnt" op="gte" val="1">
+          <dgm:layoutNode name="Child4" styleLbl="revTx">
+            <dgm:varLst>
+              <dgm:chMax val="0"/>
+              <dgm:chPref val="0"/>
+              <dgm:bulletEnabled val="1"/>
+            </dgm:varLst>
+            <dgm:alg type="tx">
+              <dgm:param type="stBulletLvl" val="1"/>
+              <dgm:param type="parTxLTRAlign" val="l"/>
+              <dgm:param type="txAnchorVertCh" val="mid"/>
+            </dgm:alg>
+            <dgm:shape xmlns:r="http://schemas.openxmlformats.org/officeDocument/2006/relationships" type="rect" r:blip="">
+              <dgm:adjLst/>
+            </dgm:shape>
+            <dgm:presOf axis="des" ptType="node"/>
+            <dgm:constrLst>
+              <dgm:constr type="lMarg" refType="primFontSz" fact="0.05"/>
+              <dgm:constr type="rMarg" refType="primFontSz" fact="0.05"/>
+              <dgm:constr type="tMarg" refType="primFontSz" fact="0.05"/>
+              <dgm:constr type="bMarg" refType="primFontSz" fact="0.05"/>
+            </dgm:constrLst>
+            <dgm:ruleLst>
+              <dgm:rule type="primFontSz" val="5" fact="NaN" max="NaN"/>
+            </dgm:ruleLst>
+          </dgm:layoutNode>
+        </dgm:if>
+        <dgm:else name="Name94"/>
+      </dgm:choose>
+      <dgm:layoutNode name="Parent4" styleLbl="revTx">
+        <dgm:varLst>
+          <dgm:chMax val="1"/>
+          <dgm:chPref val="1"/>
+          <dgm:bulletEnabled val="1"/>
+        </dgm:varLst>
+        <dgm:alg type="tx">
+          <dgm:param type="shpTxLTRAlignCh" val="ctr"/>
+          <dgm:param type="txAnchorVertCh" val="mid"/>
+        </dgm:alg>
+        <dgm:shape xmlns:r="http://schemas.openxmlformats.org/officeDocument/2006/relationships" type="rect" r:blip="">
+          <dgm:adjLst/>
+        </dgm:shape>
+        <dgm:presOf axis="self" ptType="node"/>
+        <dgm:constrLst>
+          <dgm:constr type="lMarg" refType="primFontSz" fact="0.05"/>
+          <dgm:constr type="rMarg" refType="primFontSz" fact="0.05"/>
+          <dgm:constr type="tMarg" refType="primFontSz" fact="0.05"/>
+          <dgm:constr type="bMarg" refType="primFontSz" fact="0.05"/>
+        </dgm:constrLst>
+        <dgm:ruleLst>
+          <dgm:rule type="primFontSz" val="5" fact="NaN" max="NaN"/>
+        </dgm:ruleLst>
+      </dgm:layoutNode>
+    </dgm:forEach>
+    <dgm:forEach name="Name95" axis="ch" ptType="node" st="5" cnt="1">
+      <dgm:layoutNode name="Accent5">
+        <dgm:alg type="sp"/>
+        <dgm:shape xmlns:r="http://schemas.openxmlformats.org/officeDocument/2006/relationships" r:blip="">
+          <dgm:adjLst/>
+        </dgm:shape>
+        <dgm:presOf/>
+        <dgm:constrLst/>
+        <dgm:forEach name="Name96" ref="accentRepeat"/>
+      </dgm:layoutNode>
+      <dgm:choose name="Name97">
+        <dgm:if name="Name98" axis="ch" ptType="node" func="cnt" op="gte" val="1">
+          <dgm:layoutNode name="Child5" styleLbl="revTx">
+            <dgm:varLst>
+              <dgm:chMax val="0"/>
+              <dgm:chPref val="0"/>
+              <dgm:bulletEnabled val="1"/>
+            </dgm:varLst>
+            <dgm:alg type="tx">
+              <dgm:param type="stBulletLvl" val="1"/>
+              <dgm:param type="parTxLTRAlign" val="l"/>
+              <dgm:param type="txAnchorVertCh" val="mid"/>
+            </dgm:alg>
+            <dgm:shape xmlns:r="http://schemas.openxmlformats.org/officeDocument/2006/relationships" type="rect" r:blip="">
+              <dgm:adjLst/>
+            </dgm:shape>
+            <dgm:presOf axis="des" ptType="node"/>
+            <dgm:constrLst>
+              <dgm:constr type="lMarg" refType="primFontSz" fact="0.05"/>
+              <dgm:constr type="rMarg" refType="primFontSz" fact="0.05"/>
+              <dgm:constr type="tMarg" refType="primFontSz" fact="0.05"/>
+              <dgm:constr type="bMarg" refType="primFontSz" fact="0.05"/>
+            </dgm:constrLst>
+            <dgm:ruleLst>
+              <dgm:rule type="primFontSz" val="5" fact="NaN" max="NaN"/>
+            </dgm:ruleLst>
+          </dgm:layoutNode>
+        </dgm:if>
+        <dgm:else name="Name99"/>
+      </dgm:choose>
+      <dgm:layoutNode name="Parent5" styleLbl="revTx">
+        <dgm:varLst>
+          <dgm:chMax val="1"/>
+          <dgm:chPref val="1"/>
+          <dgm:bulletEnabled val="1"/>
+        </dgm:varLst>
+        <dgm:alg type="tx">
+          <dgm:param type="shpTxLTRAlignCh" val="ctr"/>
+          <dgm:param type="txAnchorVertCh" val="mid"/>
+        </dgm:alg>
+        <dgm:shape xmlns:r="http://schemas.openxmlformats.org/officeDocument/2006/relationships" type="rect" r:blip="">
+          <dgm:adjLst/>
+        </dgm:shape>
+        <dgm:presOf axis="self" ptType="node"/>
+        <dgm:constrLst>
+          <dgm:constr type="lMarg" refType="primFontSz" fact="0.05"/>
+          <dgm:constr type="rMarg" refType="primFontSz" fact="0.05"/>
+          <dgm:constr type="tMarg" refType="primFontSz" fact="0.05"/>
+          <dgm:constr type="bMarg" refType="primFontSz" fact="0.05"/>
+        </dgm:constrLst>
+        <dgm:ruleLst>
+          <dgm:rule type="primFontSz" val="5" fact="NaN" max="NaN"/>
+        </dgm:ruleLst>
+      </dgm:layoutNode>
+    </dgm:forEach>
+    <dgm:forEach name="Name100" axis="ch" ptType="node" st="6" cnt="1">
+      <dgm:layoutNode name="Accent6">
+        <dgm:alg type="sp"/>
+        <dgm:shape xmlns:r="http://schemas.openxmlformats.org/officeDocument/2006/relationships" r:blip="">
+          <dgm:adjLst/>
+        </dgm:shape>
+        <dgm:presOf/>
+        <dgm:constrLst/>
+        <dgm:forEach name="Name101" ref="accentRepeat"/>
+      </dgm:layoutNode>
+      <dgm:choose name="Name102">
+        <dgm:if name="Name103" axis="ch" ptType="node" func="cnt" op="gte" val="1">
+          <dgm:layoutNode name="Child6" styleLbl="revTx">
+            <dgm:varLst>
+              <dgm:chMax val="0"/>
+              <dgm:chPref val="0"/>
+              <dgm:bulletEnabled val="1"/>
+            </dgm:varLst>
+            <dgm:alg type="tx">
+              <dgm:param type="stBulletLvl" val="1"/>
+              <dgm:param type="parTxLTRAlign" val="l"/>
+              <dgm:param type="txAnchorVertCh" val="mid"/>
+            </dgm:alg>
+            <dgm:shape xmlns:r="http://schemas.openxmlformats.org/officeDocument/2006/relationships" type="rect" r:blip="">
+              <dgm:adjLst/>
+            </dgm:shape>
+            <dgm:presOf axis="des" ptType="node"/>
+            <dgm:constrLst>
+              <dgm:constr type="lMarg" refType="primFontSz" fact="0.05"/>
+              <dgm:constr type="rMarg" refType="primFontSz" fact="0.05"/>
+              <dgm:constr type="tMarg" refType="primFontSz" fact="0.05"/>
+              <dgm:constr type="bMarg" refType="primFontSz" fact="0.05"/>
+            </dgm:constrLst>
+            <dgm:ruleLst>
+              <dgm:rule type="primFontSz" val="5" fact="NaN" max="NaN"/>
+            </dgm:ruleLst>
+          </dgm:layoutNode>
+        </dgm:if>
+        <dgm:else name="Name104"/>
+      </dgm:choose>
+      <dgm:layoutNode name="Parent6" styleLbl="revTx">
+        <dgm:varLst>
+          <dgm:chMax val="1"/>
+          <dgm:chPref val="1"/>
+          <dgm:bulletEnabled val="1"/>
+        </dgm:varLst>
+        <dgm:alg type="tx">
+          <dgm:param type="shpTxLTRAlignCh" val="ctr"/>
+          <dgm:param type="txAnchorVertCh" val="mid"/>
+        </dgm:alg>
+        <dgm:shape xmlns:r="http://schemas.openxmlformats.org/officeDocument/2006/relationships" type="rect" r:blip="">
+          <dgm:adjLst/>
+        </dgm:shape>
+        <dgm:presOf axis="self" ptType="node"/>
+        <dgm:constrLst>
+          <dgm:constr type="lMarg" refType="primFontSz" fact="0.05"/>
+          <dgm:constr type="rMarg" refType="primFontSz" fact="0.05"/>
+          <dgm:constr type="tMarg" refType="primFontSz" fact="0.05"/>
+          <dgm:constr type="bMarg" refType="primFontSz" fact="0.05"/>
+        </dgm:constrLst>
+        <dgm:ruleLst>
+          <dgm:rule type="primFontSz" val="5" fact="NaN" max="NaN"/>
+        </dgm:ruleLst>
+      </dgm:layoutNode>
+    </dgm:forEach>
+    <dgm:forEach name="Name105" axis="ch" ptType="node" st="7" cnt="1">
+      <dgm:layoutNode name="Accent7">
+        <dgm:alg type="sp"/>
+        <dgm:shape xmlns:r="http://schemas.openxmlformats.org/officeDocument/2006/relationships" r:blip="">
+          <dgm:adjLst/>
+        </dgm:shape>
+        <dgm:presOf/>
+        <dgm:constrLst/>
+        <dgm:forEach name="Name106" ref="accentRepeat"/>
+      </dgm:layoutNode>
+      <dgm:choose name="Name107">
+        <dgm:if name="Name108" axis="ch" ptType="node" func="cnt" op="gte" val="1">
+          <dgm:layoutNode name="Child7" styleLbl="revTx">
+            <dgm:varLst>
+              <dgm:chMax val="0"/>
+              <dgm:chPref val="0"/>
+              <dgm:bulletEnabled val="1"/>
+            </dgm:varLst>
+            <dgm:alg type="tx">
+              <dgm:param type="stBulletLvl" val="1"/>
+              <dgm:param type="parTxLTRAlign" val="l"/>
+              <dgm:param type="txAnchorVertCh" val="mid"/>
+            </dgm:alg>
+            <dgm:shape xmlns:r="http://schemas.openxmlformats.org/officeDocument/2006/relationships" type="rect" r:blip="">
+              <dgm:adjLst/>
+            </dgm:shape>
+            <dgm:presOf axis="des" ptType="node"/>
+            <dgm:constrLst>
+              <dgm:constr type="lMarg" refType="primFontSz" fact="0.05"/>
+              <dgm:constr type="rMarg" refType="primFontSz" fact="0.05"/>
+              <dgm:constr type="tMarg" refType="primFontSz" fact="0.05"/>
+              <dgm:constr type="bMarg" refType="primFontSz" fact="0.05"/>
+            </dgm:constrLst>
+            <dgm:ruleLst>
+              <dgm:rule type="primFontSz" val="5" fact="NaN" max="NaN"/>
+            </dgm:ruleLst>
+          </dgm:layoutNode>
+        </dgm:if>
+        <dgm:else name="Name109"/>
+      </dgm:choose>
+      <dgm:layoutNode name="Parent7" styleLbl="revTx">
+        <dgm:varLst>
+          <dgm:chMax val="1"/>
+          <dgm:chPref val="1"/>
+          <dgm:bulletEnabled val="1"/>
+        </dgm:varLst>
+        <dgm:alg type="tx">
+          <dgm:param type="shpTxLTRAlignCh" val="ctr"/>
+          <dgm:param type="txAnchorVertCh" val="mid"/>
+        </dgm:alg>
+        <dgm:shape xmlns:r="http://schemas.openxmlformats.org/officeDocument/2006/relationships" type="rect" r:blip="">
+          <dgm:adjLst/>
+        </dgm:shape>
+        <dgm:presOf axis="self" ptType="node"/>
+        <dgm:constrLst>
+          <dgm:constr type="lMarg" refType="primFontSz" fact="0.05"/>
+          <dgm:constr type="rMarg" refType="primFontSz" fact="0.05"/>
+          <dgm:constr type="tMarg" refType="primFontSz" fact="0.05"/>
+          <dgm:constr type="bMarg" refType="primFontSz" fact="0.05"/>
+        </dgm:constrLst>
+        <dgm:ruleLst>
+          <dgm:rule type="primFontSz" val="5" fact="NaN" max="NaN"/>
+        </dgm:ruleLst>
+      </dgm:layoutNode>
+    </dgm:forEach>
+  </dgm:layoutNode>
+</dgm:layoutDef>
+</file>
+
+<file path=ppt/diagrams/quickStyle1.xml><?xml version="1.0" encoding="utf-8"?>
+<dgm:styleDef xmlns:dgm="http://schemas.openxmlformats.org/drawingml/2006/diagram" xmlns:a="http://schemas.openxmlformats.org/drawingml/2006/main" uniqueId="urn:microsoft.com/office/officeart/2005/8/quickstyle/simple1">
+  <dgm:title val=""/>
+  <dgm:desc val=""/>
+  <dgm:catLst>
+    <dgm:cat type="simple" pri="10100"/>
+  </dgm:catLst>
+  <dgm:scene3d>
+    <a:camera prst="orthographicFront"/>
+    <a:lightRig rig="threePt" dir="t"/>
+  </dgm:scene3d>
+  <dgm:styleLbl name="node0">
+    <dgm:scene3d>
+      <a:camera prst="orthographicFront"/>
+      <a:lightRig rig="threePt" dir="t"/>
+    </dgm:scene3d>
+    <dgm:sp3d/>
+    <dgm:txPr/>
+    <dgm:style>
+      <a:lnRef idx="2">
+        <a:scrgbClr r="0" g="0" b="0"/>
+      </a:lnRef>
+      <a:fillRef idx="1">
+        <a:scrgbClr r="0" g="0" b="0"/>
+      </a:fillRef>
+      <a:effectRef idx="0">
+        <a:scrgbClr r="0" g="0" b="0"/>
+      </a:effectRef>
+      <a:fontRef idx="minor">
+        <a:schemeClr val="lt1"/>
+      </a:fontRef>
+    </dgm:style>
+  </dgm:styleLbl>
+  <dgm:styleLbl name="lnNode1">
+    <dgm:scene3d>
+      <a:camera prst="orthographicFront"/>
+      <a:lightRig rig="threePt" dir="t"/>
+    </dgm:scene3d>
+    <dgm:sp3d/>
+    <dgm:txPr/>
+    <dgm:style>
+      <a:lnRef idx="2">
+        <a:scrgbClr r="0" g="0" b="0"/>
+      </a:lnRef>
+      <a:fillRef idx="1">
+        <a:scrgbClr r="0" g="0" b="0"/>
+      </a:fillRef>
+      <a:effectRef idx="0">
+        <a:scrgbClr r="0" g="0" b="0"/>
+      </a:effectRef>
+      <a:fontRef idx="minor">
+        <a:schemeClr val="lt1"/>
+      </a:fontRef>
+    </dgm:style>
+  </dgm:styleLbl>
+  <dgm:styleLbl name="vennNode1">
+    <dgm:scene3d>
+      <a:camera prst="orthographicFront"/>
+      <a:lightRig rig="threePt" dir="t"/>
+    </dgm:scene3d>
+    <dgm:sp3d/>
+    <dgm:txPr/>
+    <dgm:style>
+      <a:lnRef idx="2">
+        <a:scrgbClr r="0" g="0" b="0"/>
+      </a:lnRef>
+      <a:fillRef idx="1">
+        <a:scrgbClr r="0" g="0" b="0"/>
+      </a:fillRef>
+      <a:effectRef idx="0">
+        <a:scrgbClr r="0" g="0" b="0"/>
+      </a:effectRef>
+      <a:fontRef idx="minor">
+        <a:schemeClr val="tx1"/>
+      </a:fontRef>
+    </dgm:style>
+  </dgm:styleLbl>
+  <dgm:styleLbl name="alignNode1">
+    <dgm:scene3d>
+      <a:camera prst="orthographicFront"/>
+      <a:lightRig rig="threePt" dir="t"/>
+    </dgm:scene3d>
+    <dgm:sp3d/>
+    <dgm:txPr/>
+    <dgm:style>
+      <a:lnRef idx="2">
+        <a:scrgbClr r="0" g="0" b="0"/>
+      </a:lnRef>
+      <a:fillRef idx="1">
+        <a:scrgbClr r="0" g="0" b="0"/>
+      </a:fillRef>
+      <a:effectRef idx="0">
+        <a:scrgbClr r="0" g="0" b="0"/>
+      </a:effectRef>
+      <a:fontRef idx="minor">
+        <a:schemeClr val="lt1"/>
+      </a:fontRef>
+    </dgm:style>
+  </dgm:styleLbl>
+  <dgm:styleLbl name="node1">
+    <dgm:scene3d>
+      <a:camera prst="orthographicFront"/>
+      <a:lightRig rig="threePt" dir="t"/>
+    </dgm:scene3d>
+    <dgm:sp3d/>
+    <dgm:txPr/>
+    <dgm:style>
+      <a:lnRef idx="2">
+        <a:scrgbClr r="0" g="0" b="0"/>
+      </a:lnRef>
+      <a:fillRef idx="1">
+        <a:scrgbClr r="0" g="0" b="0"/>
+      </a:fillRef>
+      <a:effectRef idx="0">
+        <a:scrgbClr r="0" g="0" b="0"/>
+      </a:effectRef>
+      <a:fontRef idx="minor">
+        <a:schemeClr val="lt1"/>
+      </a:fontRef>
+    </dgm:style>
+  </dgm:styleLbl>
+  <dgm:styleLbl name="node2">
+    <dgm:scene3d>
+      <a:camera prst="orthographicFront"/>
+      <a:lightRig rig="threePt" dir="t"/>
+    </dgm:scene3d>
+    <dgm:sp3d/>
+    <dgm:txPr/>
+    <dgm:style>
+      <a:lnRef idx="2">
+        <a:scrgbClr r="0" g="0" b="0"/>
+      </a:lnRef>
+      <a:fillRef idx="1">
+        <a:scrgbClr r="0" g="0" b="0"/>
+      </a:fillRef>
+      <a:effectRef idx="0">
+        <a:scrgbClr r="0" g="0" b="0"/>
+      </a:effectRef>
+      <a:fontRef idx="minor">
+        <a:schemeClr val="lt1"/>
+      </a:fontRef>
+    </dgm:style>
+  </dgm:styleLbl>
+  <dgm:styleLbl name="node3">
+    <dgm:scene3d>
+      <a:camera prst="orthographicFront"/>
+      <a:lightRig rig="threePt" dir="t"/>
+    </dgm:scene3d>
+    <dgm:sp3d/>
+    <dgm:txPr/>
+    <dgm:style>
+      <a:lnRef idx="2">
+        <a:scrgbClr r="0" g="0" b="0"/>
+      </a:lnRef>
+      <a:fillRef idx="1">
+        <a:scrgbClr r="0" g="0" b="0"/>
+      </a:fillRef>
+      <a:effectRef idx="0">
+        <a:scrgbClr r="0" g="0" b="0"/>
+      </a:effectRef>
+      <a:fontRef idx="minor">
+        <a:schemeClr val="lt1"/>
+      </a:fontRef>
+    </dgm:style>
+  </dgm:styleLbl>
+  <dgm:styleLbl name="node4">
+    <dgm:scene3d>
+      <a:camera prst="orthographicFront"/>
+      <a:lightRig rig="threePt" dir="t"/>
+    </dgm:scene3d>
+    <dgm:sp3d/>
+    <dgm:txPr/>
+    <dgm:style>
+      <a:lnRef idx="2">
+        <a:scrgbClr r="0" g="0" b="0"/>
+      </a:lnRef>
+      <a:fillRef idx="1">
+        <a:scrgbClr r="0" g="0" b="0"/>
+      </a:fillRef>
+      <a:effectRef idx="0">
+        <a:scrgbClr r="0" g="0" b="0"/>
+      </a:effectRef>
+      <a:fontRef idx="minor">
+        <a:schemeClr val="lt1"/>
+      </a:fontRef>
+    </dgm:style>
+  </dgm:styleLbl>
+  <dgm:styleLbl name="fgImgPlace1">
+    <dgm:scene3d>
+      <a:camera prst="orthographicFront"/>
+      <a:lightRig rig="threePt" dir="t"/>
+    </dgm:scene3d>
+    <dgm:sp3d/>
+    <dgm:txPr/>
+    <dgm:style>
+      <a:lnRef idx="2">
+        <a:scrgbClr r="0" g="0" b="0"/>
+      </a:lnRef>
+      <a:fillRef idx="1">
+        <a:scrgbClr r="0" g="0" b="0"/>
+      </a:fillRef>
+      <a:effectRef idx="0">
+        <a:scrgbClr r="0" g="0" b="0"/>
+      </a:effectRef>
+      <a:fontRef idx="minor"/>
+    </dgm:style>
+  </dgm:styleLbl>
+  <dgm:styleLbl name="alignImgPlace1">
+    <dgm:scene3d>
+      <a:camera prst="orthographicFront"/>
+      <a:lightRig rig="threePt" dir="t"/>
+    </dgm:scene3d>
+    <dgm:sp3d/>
+    <dgm:txPr/>
+    <dgm:style>
+      <a:lnRef idx="2">
+        <a:scrgbClr r="0" g="0" b="0"/>
+      </a:lnRef>
+      <a:fillRef idx="1">
+        <a:scrgbClr r="0" g="0" b="0"/>
+      </a:fillRef>
+      <a:effectRef idx="0">
+        <a:scrgbClr r="0" g="0" b="0"/>
+      </a:effectRef>
+      <a:fontRef idx="minor"/>
+    </dgm:style>
+  </dgm:styleLbl>
+  <dgm:styleLbl name="bgImgPlace1">
+    <dgm:scene3d>
+      <a:camera prst="orthographicFront"/>
+      <a:lightRig rig="threePt" dir="t"/>
+    </dgm:scene3d>
+    <dgm:sp3d/>
+    <dgm:txPr/>
+    <dgm:style>
+      <a:lnRef idx="2">
+        <a:scrgbClr r="0" g="0" b="0"/>
+      </a:lnRef>
+      <a:fillRef idx="1">
+        <a:scrgbClr r="0" g="0" b="0"/>
+      </a:fillRef>
+      <a:effectRef idx="0">
+        <a:scrgbClr r="0" g="0" b="0"/>
+      </a:effectRef>
+      <a:fontRef idx="minor"/>
+    </dgm:style>
+  </dgm:styleLbl>
+  <dgm:styleLbl name="sibTrans2D1">
+    <dgm:scene3d>
+      <a:camera prst="orthographicFront"/>
+      <a:lightRig rig="threePt" dir="t"/>
+    </dgm:scene3d>
+    <dgm:sp3d/>
+    <dgm:txPr/>
+    <dgm:style>
+      <a:lnRef idx="0">
+        <a:scrgbClr r="0" g="0" b="0"/>
+      </a:lnRef>
+      <a:fillRef idx="1">
+        <a:scrgbClr r="0" g="0" b="0"/>
+      </a:fillRef>
+      <a:effectRef idx="0">
+        <a:scrgbClr r="0" g="0" b="0"/>
+      </a:effectRef>
+      <a:fontRef idx="minor">
+        <a:schemeClr val="lt1"/>
+      </a:fontRef>
+    </dgm:style>
+  </dgm:styleLbl>
+  <dgm:styleLbl name="fgSibTrans2D1">
+    <dgm:scene3d>
+      <a:camera prst="orthographicFront"/>
+      <a:lightRig rig="threePt" dir="t"/>
+    </dgm:scene3d>
+    <dgm:sp3d/>
+    <dgm:txPr/>
+    <dgm:style>
+      <a:lnRef idx="0">
+        <a:scrgbClr r="0" g="0" b="0"/>
+      </a:lnRef>
+      <a:fillRef idx="1">
+        <a:scrgbClr r="0" g="0" b="0"/>
+      </a:fillRef>
+      <a:effectRef idx="0">
+        <a:scrgbClr r="0" g="0" b="0"/>
+      </a:effectRef>
+      <a:fontRef idx="minor">
+        <a:schemeClr val="lt1"/>
+      </a:fontRef>
+    </dgm:style>
+  </dgm:styleLbl>
+  <dgm:styleLbl name="bgSibTrans2D1">
+    <dgm:scene3d>
+      <a:camera prst="orthographicFront"/>
+      <a:lightRig rig="threePt" dir="t"/>
+    </dgm:scene3d>
+    <dgm:sp3d/>
+    <dgm:txPr/>
+    <dgm:style>
+      <a:lnRef idx="0">
+        <a:scrgbClr r="0" g="0" b="0"/>
+      </a:lnRef>
+      <a:fillRef idx="1">
+        <a:scrgbClr r="0" g="0" b="0"/>
+      </a:fillRef>
+      <a:effectRef idx="0">
+        <a:scrgbClr r="0" g="0" b="0"/>
+      </a:effectRef>
+      <a:fontRef idx="minor">
+        <a:schemeClr val="lt1"/>
+      </a:fontRef>
+    </dgm:style>
+  </dgm:styleLbl>
+  <dgm:styleLbl name="sibTrans1D1">
+    <dgm:scene3d>
+      <a:camera prst="orthographicFront"/>
+      <a:lightRig rig="threePt" dir="t"/>
+    </dgm:scene3d>
+    <dgm:sp3d/>
+    <dgm:txPr/>
+    <dgm:style>
+      <a:lnRef idx="1">
+        <a:scrgbClr r="0" g="0" b="0"/>
+      </a:lnRef>
+      <a:fillRef idx="0">
+        <a:scrgbClr r="0" g="0" b="0"/>
+      </a:fillRef>
+      <a:effectRef idx="0">
+        <a:scrgbClr r="0" g="0" b="0"/>
+      </a:effectRef>
+      <a:fontRef idx="minor"/>
+    </dgm:style>
+  </dgm:styleLbl>
+  <dgm:styleLbl name="callout">
+    <dgm:scene3d>
+      <a:camera prst="orthographicFront"/>
+      <a:lightRig rig="threePt" dir="t"/>
+    </dgm:scene3d>
+    <dgm:sp3d/>
+    <dgm:txPr/>
+    <dgm:style>
+      <a:lnRef idx="2">
+        <a:scrgbClr r="0" g="0" b="0"/>
+      </a:lnRef>
+      <a:fillRef idx="1">
+        <a:scrgbClr r="0" g="0" b="0"/>
+      </a:fillRef>
+      <a:effectRef idx="0">
+        <a:scrgbClr r="0" g="0" b="0"/>
+      </a:effectRef>
+      <a:fontRef idx="minor"/>
+    </dgm:style>
+  </dgm:styleLbl>
+  <dgm:styleLbl name="asst0">
+    <dgm:scene3d>
+      <a:camera prst="orthographicFront"/>
+      <a:lightRig rig="threePt" dir="t"/>
+    </dgm:scene3d>
+    <dgm:sp3d/>
+    <dgm:txPr/>
+    <dgm:style>
+      <a:lnRef idx="2">
+        <a:scrgbClr r="0" g="0" b="0"/>
+      </a:lnRef>
+      <a:fillRef idx="1">
+        <a:scrgbClr r="0" g="0" b="0"/>
+      </a:fillRef>
+      <a:effectRef idx="0">
+        <a:scrgbClr r="0" g="0" b="0"/>
+      </a:effectRef>
+      <a:fontRef idx="minor">
+        <a:schemeClr val="lt1"/>
+      </a:fontRef>
+    </dgm:style>
+  </dgm:styleLbl>
+  <dgm:styleLbl name="asst1">
+    <dgm:scene3d>
+      <a:camera prst="orthographicFront"/>
+      <a:lightRig rig="threePt" dir="t"/>
+    </dgm:scene3d>
+    <dgm:sp3d/>
+    <dgm:txPr/>
+    <dgm:style>
+      <a:lnRef idx="2">
+        <a:scrgbClr r="0" g="0" b="0"/>
+      </a:lnRef>
+      <a:fillRef idx="1">
+        <a:scrgbClr r="0" g="0" b="0"/>
+      </a:fillRef>
+      <a:effectRef idx="0">
+        <a:scrgbClr r="0" g="0" b="0"/>
+      </a:effectRef>
+      <a:fontRef idx="minor">
+        <a:schemeClr val="lt1"/>
+      </a:fontRef>
+    </dgm:style>
+  </dgm:styleLbl>
+  <dgm:styleLbl name="asst2">
+    <dgm:scene3d>
+      <a:camera prst="orthographicFront"/>
+      <a:lightRig rig="threePt" dir="t"/>
+    </dgm:scene3d>
+    <dgm:sp3d/>
+    <dgm:txPr/>
+    <dgm:style>
+      <a:lnRef idx="2">
+        <a:scrgbClr r="0" g="0" b="0"/>
+      </a:lnRef>
+      <a:fillRef idx="1">
+        <a:scrgbClr r="0" g="0" b="0"/>
+      </a:fillRef>
+      <a:effectRef idx="0">
+        <a:scrgbClr r="0" g="0" b="0"/>
+      </a:effectRef>
+      <a:fontRef idx="minor">
+        <a:schemeClr val="lt1"/>
+      </a:fontRef>
+    </dgm:style>
+  </dgm:styleLbl>
+  <dgm:styleLbl name="asst3">
+    <dgm:scene3d>
+      <a:camera prst="orthographicFront"/>
+      <a:lightRig rig="threePt" dir="t"/>
+    </dgm:scene3d>
+    <dgm:sp3d/>
+    <dgm:txPr/>
+    <dgm:style>
+      <a:lnRef idx="2">
+        <a:scrgbClr r="0" g="0" b="0"/>
+      </a:lnRef>
+      <a:fillRef idx="1">
+        <a:scrgbClr r="0" g="0" b="0"/>
+      </a:fillRef>
+      <a:effectRef idx="0">
+        <a:scrgbClr r="0" g="0" b="0"/>
+      </a:effectRef>
+      <a:fontRef idx="minor">
+        <a:schemeClr val="lt1"/>
+      </a:fontRef>
+    </dgm:style>
+  </dgm:styleLbl>
+  <dgm:styleLbl name="asst4">
+    <dgm:scene3d>
+      <a:camera prst="orthographicFront"/>
+      <a:lightRig rig="threePt" dir="t"/>
+    </dgm:scene3d>
+    <dgm:sp3d/>
+    <dgm:txPr/>
+    <dgm:style>
+      <a:lnRef idx="2">
+        <a:scrgbClr r="0" g="0" b="0"/>
+      </a:lnRef>
+      <a:fillRef idx="1">
+        <a:scrgbClr r="0" g="0" b="0"/>
+      </a:fillRef>
+      <a:effectRef idx="0">
+        <a:scrgbClr r="0" g="0" b="0"/>
+      </a:effectRef>
+      <a:fontRef idx="minor">
+        <a:schemeClr val="lt1"/>
+      </a:fontRef>
+    </dgm:style>
+  </dgm:styleLbl>
+  <dgm:styleLbl name="parChTrans2D1">
+    <dgm:scene3d>
+      <a:camera prst="orthographicFront"/>
+      <a:lightRig rig="threePt" dir="t"/>
+    </dgm:scene3d>
+    <dgm:sp3d/>
+    <dgm:txPr/>
+    <dgm:style>
+      <a:lnRef idx="2">
+        <a:scrgbClr r="0" g="0" b="0"/>
+      </a:lnRef>
+      <a:fillRef idx="1">
+        <a:scrgbClr r="0" g="0" b="0"/>
+      </a:fillRef>
+      <a:effectRef idx="0">
+        <a:scrgbClr r="0" g="0" b="0"/>
+      </a:effectRef>
+      <a:fontRef idx="minor">
+        <a:schemeClr val="lt1"/>
+      </a:fontRef>
+    </dgm:style>
+  </dgm:styleLbl>
+  <dgm:styleLbl name="parChTrans2D2">
+    <dgm:scene3d>
+      <a:camera prst="orthographicFront"/>
+      <a:lightRig rig="threePt" dir="t"/>
+    </dgm:scene3d>
+    <dgm:sp3d/>
+    <dgm:txPr/>
+    <dgm:style>
+      <a:lnRef idx="2">
+        <a:scrgbClr r="0" g="0" b="0"/>
+      </a:lnRef>
+      <a:fillRef idx="1">
+        <a:scrgbClr r="0" g="0" b="0"/>
+      </a:fillRef>
+      <a:effectRef idx="0">
+        <a:scrgbClr r="0" g="0" b="0"/>
+      </a:effectRef>
+      <a:fontRef idx="minor">
+        <a:schemeClr val="lt1"/>
+      </a:fontRef>
+    </dgm:style>
+  </dgm:styleLbl>
+  <dgm:styleLbl name="parChTrans2D3">
+    <dgm:scene3d>
+      <a:camera prst="orthographicFront"/>
+      <a:lightRig rig="threePt" dir="t"/>
+    </dgm:scene3d>
+    <dgm:sp3d/>
+    <dgm:txPr/>
+    <dgm:style>
+      <a:lnRef idx="2">
+        <a:scrgbClr r="0" g="0" b="0"/>
+      </a:lnRef>
+      <a:fillRef idx="1">
+        <a:scrgbClr r="0" g="0" b="0"/>
+      </a:fillRef>
+      <a:effectRef idx="0">
+        <a:scrgbClr r="0" g="0" b="0"/>
+      </a:effectRef>
+      <a:fontRef idx="minor">
+        <a:schemeClr val="lt1"/>
+      </a:fontRef>
+    </dgm:style>
+  </dgm:styleLbl>
+  <dgm:styleLbl name="parChTrans2D4">
+    <dgm:scene3d>
+      <a:camera prst="orthographicFront"/>
+      <a:lightRig rig="threePt" dir="t"/>
+    </dgm:scene3d>
+    <dgm:sp3d/>
+    <dgm:txPr/>
+    <dgm:style>
+      <a:lnRef idx="2">
+        <a:scrgbClr r="0" g="0" b="0"/>
+      </a:lnRef>
+      <a:fillRef idx="1">
+        <a:scrgbClr r="0" g="0" b="0"/>
+      </a:fillRef>
+      <a:effectRef idx="0">
+        <a:scrgbClr r="0" g="0" b="0"/>
+      </a:effectRef>
+      <a:fontRef idx="minor">
+        <a:schemeClr val="lt1"/>
+      </a:fontRef>
+    </dgm:style>
+  </dgm:styleLbl>
+  <dgm:styleLbl name="parChTrans1D1">
+    <dgm:scene3d>
+      <a:camera prst="orthographicFront"/>
+      <a:lightRig rig="threePt" dir="t"/>
+    </dgm:scene3d>
+    <dgm:sp3d/>
+    <dgm:txPr/>
+    <dgm:style>
+      <a:lnRef idx="2">
+        <a:scrgbClr r="0" g="0" b="0"/>
+      </a:lnRef>
+      <a:fillRef idx="0">
+        <a:scrgbClr r="0" g="0" b="0"/>
+      </a:fillRef>
+      <a:effectRef idx="0">
+        <a:scrgbClr r="0" g="0" b="0"/>
+      </a:effectRef>
+      <a:fontRef idx="minor"/>
+    </dgm:style>
+  </dgm:styleLbl>
+  <dgm:styleLbl name="parChTrans1D2">
+    <dgm:scene3d>
+      <a:camera prst="orthographicFront"/>
+      <a:lightRig rig="threePt" dir="t"/>
+    </dgm:scene3d>
+    <dgm:sp3d/>
+    <dgm:txPr/>
+    <dgm:style>
+      <a:lnRef idx="2">
+        <a:scrgbClr r="0" g="0" b="0"/>
+      </a:lnRef>
+      <a:fillRef idx="0">
+        <a:scrgbClr r="0" g="0" b="0"/>
+      </a:fillRef>
+      <a:effectRef idx="0">
+        <a:scrgbClr r="0" g="0" b="0"/>
+      </a:effectRef>
+      <a:fontRef idx="minor"/>
+    </dgm:style>
+  </dgm:styleLbl>
+  <dgm:styleLbl name="parChTrans1D3">
+    <dgm:scene3d>
+      <a:camera prst="orthographicFront"/>
+      <a:lightRig rig="threePt" dir="t"/>
+    </dgm:scene3d>
+    <dgm:sp3d/>
+    <dgm:txPr/>
+    <dgm:style>
+      <a:lnRef idx="2">
+        <a:scrgbClr r="0" g="0" b="0"/>
+      </a:lnRef>
+      <a:fillRef idx="0">
+        <a:scrgbClr r="0" g="0" b="0"/>
+      </a:fillRef>
+      <a:effectRef idx="0">
+        <a:scrgbClr r="0" g="0" b="0"/>
+      </a:effectRef>
+      <a:fontRef idx="minor"/>
+    </dgm:style>
+  </dgm:styleLbl>
+  <dgm:styleLbl name="parChTrans1D4">
+    <dgm:scene3d>
+      <a:camera prst="orthographicFront"/>
+      <a:lightRig rig="threePt" dir="t"/>
+    </dgm:scene3d>
+    <dgm:sp3d/>
+    <dgm:txPr/>
+    <dgm:style>
+      <a:lnRef idx="2">
+        <a:scrgbClr r="0" g="0" b="0"/>
+      </a:lnRef>
+      <a:fillRef idx="0">
+        <a:scrgbClr r="0" g="0" b="0"/>
+      </a:fillRef>
+      <a:effectRef idx="0">
+        <a:scrgbClr r="0" g="0" b="0"/>
+      </a:effectRef>
+      <a:fontRef idx="minor"/>
+    </dgm:style>
+  </dgm:styleLbl>
+  <dgm:styleLbl name="fgAcc1">
+    <dgm:scene3d>
+      <a:camera prst="orthographicFront"/>
+      <a:lightRig rig="threePt" dir="t"/>
+    </dgm:scene3d>
+    <dgm:sp3d/>
+    <dgm:txPr/>
+    <dgm:style>
+      <a:lnRef idx="2">
+        <a:scrgbClr r="0" g="0" b="0"/>
+      </a:lnRef>
+      <a:fillRef idx="1">
+        <a:scrgbClr r="0" g="0" b="0"/>
+      </a:fillRef>
+      <a:effectRef idx="0">
+        <a:scrgbClr r="0" g="0" b="0"/>
+      </a:effectRef>
+      <a:fontRef idx="minor"/>
+    </dgm:style>
+  </dgm:styleLbl>
+  <dgm:styleLbl name="conFgAcc1">
+    <dgm:scene3d>
+      <a:camera prst="orthographicFront"/>
+      <a:lightRig rig="threePt" dir="t"/>
+    </dgm:scene3d>
+    <dgm:sp3d/>
+    <dgm:txPr/>
+    <dgm:style>
+      <a:lnRef idx="2">
+        <a:scrgbClr r="0" g="0" b="0"/>
+      </a:lnRef>
+      <a:fillRef idx="1">
+        <a:scrgbClr r="0" g="0" b="0"/>
+      </a:fillRef>
+      <a:effectRef idx="0">
+        <a:scrgbClr r="0" g="0" b="0"/>
+      </a:effectRef>
+      <a:fontRef idx="minor"/>
+    </dgm:style>
+  </dgm:styleLbl>
+  <dgm:styleLbl name="alignAcc1">
+    <dgm:scene3d>
+      <a:camera prst="orthographicFront"/>
+      <a:lightRig rig="threePt" dir="t"/>
+    </dgm:scene3d>
+    <dgm:sp3d/>
+    <dgm:txPr/>
+    <dgm:style>
+      <a:lnRef idx="2">
+        <a:scrgbClr r="0" g="0" b="0"/>
+      </a:lnRef>
+      <a:fillRef idx="1">
+        <a:scrgbClr r="0" g="0" b="0"/>
+      </a:fillRef>
+      <a:effectRef idx="0">
+        <a:scrgbClr r="0" g="0" b="0"/>
+      </a:effectRef>
+      <a:fontRef idx="minor"/>
+    </dgm:style>
+  </dgm:styleLbl>
+  <dgm:styleLbl name="trAlignAcc1">
+    <dgm:scene3d>
+      <a:camera prst="orthographicFront"/>
+      <a:lightRig rig="threePt" dir="t"/>
+    </dgm:scene3d>
+    <dgm:sp3d/>
+    <dgm:txPr/>
+    <dgm:style>
+      <a:lnRef idx="1">
+        <a:scrgbClr r="0" g="0" b="0"/>
+      </a:lnRef>
+      <a:fillRef idx="1">
+        <a:scrgbClr r="0" g="0" b="0"/>
+      </a:fillRef>
+      <a:effectRef idx="0">
+        <a:scrgbClr r="0" g="0" b="0"/>
+      </a:effectRef>
+      <a:fontRef idx="minor"/>
+    </dgm:style>
+  </dgm:styleLbl>
+  <dgm:styleLbl name="bgAcc1">
+    <dgm:scene3d>
+      <a:camera prst="orthographicFront"/>
+      <a:lightRig rig="threePt" dir="t"/>
+    </dgm:scene3d>
+    <dgm:sp3d/>
+    <dgm:txPr/>
+    <dgm:style>
+      <a:lnRef idx="2">
+        <a:scrgbClr r="0" g="0" b="0"/>
+      </a:lnRef>
+      <a:fillRef idx="1">
+        <a:scrgbClr r="0" g="0" b="0"/>
+      </a:fillRef>
+      <a:effectRef idx="0">
+        <a:scrgbClr r="0" g="0" b="0"/>
+      </a:effectRef>
+      <a:fontRef idx="minor"/>
+    </dgm:style>
+  </dgm:styleLbl>
+  <dgm:styleLbl name="solidFgAcc1">
+    <dgm:scene3d>
+      <a:camera prst="orthographicFront"/>
+      <a:lightRig rig="threePt" dir="t"/>
+    </dgm:scene3d>
+    <dgm:sp3d/>
+    <dgm:txPr/>
+    <dgm:style>
+      <a:lnRef idx="2">
+        <a:scrgbClr r="0" g="0" b="0"/>
+      </a:lnRef>
+      <a:fillRef idx="1">
+        <a:scrgbClr r="0" g="0" b="0"/>
+      </a:fillRef>
+      <a:effectRef idx="0">
+        <a:scrgbClr r="0" g="0" b="0"/>
+      </a:effectRef>
+      <a:fontRef idx="minor"/>
+    </dgm:style>
+  </dgm:styleLbl>
+  <dgm:styleLbl name="solidAlignAcc1">
+    <dgm:scene3d>
+      <a:camera prst="orthographicFront"/>
+      <a:lightRig rig="threePt" dir="t"/>
+    </dgm:scene3d>
+    <dgm:sp3d/>
+    <dgm:txPr/>
+    <dgm:style>
+      <a:lnRef idx="2">
+        <a:scrgbClr r="0" g="0" b="0"/>
+      </a:lnRef>
+      <a:fillRef idx="1">
+        <a:scrgbClr r="0" g="0" b="0"/>
+      </a:fillRef>
+      <a:effectRef idx="0">
+        <a:scrgbClr r="0" g="0" b="0"/>
+      </a:effectRef>
+      <a:fontRef idx="minor"/>
+    </dgm:style>
+  </dgm:styleLbl>
+  <dgm:styleLbl name="solidBgAcc1">
+    <dgm:scene3d>
+      <a:camera prst="orthographicFront"/>
+      <a:lightRig rig="threePt" dir="t"/>
+    </dgm:scene3d>
+    <dgm:sp3d/>
+    <dgm:txPr/>
+    <dgm:style>
+      <a:lnRef idx="2">
+        <a:scrgbClr r="0" g="0" b="0"/>
+      </a:lnRef>
+      <a:fillRef idx="1">
+        <a:scrgbClr r="0" g="0" b="0"/>
+      </a:fillRef>
+      <a:effectRef idx="0">
+        <a:scrgbClr r="0" g="0" b="0"/>
+      </a:effectRef>
+      <a:fontRef idx="minor"/>
+    </dgm:style>
+  </dgm:styleLbl>
+  <dgm:styleLbl name="fgAccFollowNode1">
+    <dgm:scene3d>
+      <a:camera prst="orthographicFront"/>
+      <a:lightRig rig="threePt" dir="t"/>
+    </dgm:scene3d>
+    <dgm:sp3d/>
+    <dgm:txPr/>
+    <dgm:style>
+      <a:lnRef idx="2">
+        <a:scrgbClr r="0" g="0" b="0"/>
+      </a:lnRef>
+      <a:fillRef idx="1">
+        <a:scrgbClr r="0" g="0" b="0"/>
+      </a:fillRef>
+      <a:effectRef idx="0">
+        <a:scrgbClr r="0" g="0" b="0"/>
+      </a:effectRef>
+      <a:fontRef idx="minor"/>
+    </dgm:style>
+  </dgm:styleLbl>
+  <dgm:styleLbl name="alignAccFollowNode1">
+    <dgm:scene3d>
+      <a:camera prst="orthographicFront"/>
+      <a:lightRig rig="threePt" dir="t"/>
+    </dgm:scene3d>
+    <dgm:sp3d/>
+    <dgm:txPr/>
+    <dgm:style>
+      <a:lnRef idx="2">
+        <a:scrgbClr r="0" g="0" b="0"/>
+      </a:lnRef>
+      <a:fillRef idx="1">
+        <a:scrgbClr r="0" g="0" b="0"/>
+      </a:fillRef>
+      <a:effectRef idx="0">
+        <a:scrgbClr r="0" g="0" b="0"/>
+      </a:effectRef>
+      <a:fontRef idx="minor"/>
+    </dgm:style>
+  </dgm:styleLbl>
+  <dgm:styleLbl name="bgAccFollowNode1">
+    <dgm:scene3d>
+      <a:camera prst="orthographicFront"/>
+      <a:lightRig rig="threePt" dir="t"/>
+    </dgm:scene3d>
+    <dgm:sp3d/>
+    <dgm:txPr/>
+    <dgm:style>
+      <a:lnRef idx="2">
+        <a:scrgbClr r="0" g="0" b="0"/>
+      </a:lnRef>
+      <a:fillRef idx="1">
+        <a:scrgbClr r="0" g="0" b="0"/>
+      </a:fillRef>
+      <a:effectRef idx="0">
+        <a:scrgbClr r="0" g="0" b="0"/>
+      </a:effectRef>
+      <a:fontRef idx="minor"/>
+    </dgm:style>
+  </dgm:styleLbl>
+  <dgm:styleLbl name="fgAcc0">
+    <dgm:scene3d>
+      <a:camera prst="orthographicFront"/>
+      <a:lightRig rig="threePt" dir="t"/>
+    </dgm:scene3d>
+    <dgm:sp3d/>
+    <dgm:txPr/>
+    <dgm:style>
+      <a:lnRef idx="2">
+        <a:scrgbClr r="0" g="0" b="0"/>
+      </a:lnRef>
+      <a:fillRef idx="1">
+        <a:scrgbClr r="0" g="0" b="0"/>
+      </a:fillRef>
+      <a:effectRef idx="0">
+        <a:scrgbClr r="0" g="0" b="0"/>
+      </a:effectRef>
+      <a:fontRef idx="minor"/>
+    </dgm:style>
+  </dgm:styleLbl>
+  <dgm:styleLbl name="fgAcc2">
+    <dgm:scene3d>
+      <a:camera prst="orthographicFront"/>
+      <a:lightRig rig="threePt" dir="t"/>
+    </dgm:scene3d>
+    <dgm:sp3d/>
+    <dgm:txPr/>
+    <dgm:style>
+      <a:lnRef idx="2">
+        <a:scrgbClr r="0" g="0" b="0"/>
+      </a:lnRef>
+      <a:fillRef idx="1">
+        <a:scrgbClr r="0" g="0" b="0"/>
+      </a:fillRef>
+      <a:effectRef idx="0">
+        <a:scrgbClr r="0" g="0" b="0"/>
+      </a:effectRef>
+      <a:fontRef idx="minor"/>
+    </dgm:style>
+  </dgm:styleLbl>
+  <dgm:styleLbl name="fgAcc3">
+    <dgm:scene3d>
+      <a:camera prst="orthographicFront"/>
+      <a:lightRig rig="threePt" dir="t"/>
+    </dgm:scene3d>
+    <dgm:sp3d/>
+    <dgm:txPr/>
+    <dgm:style>
+      <a:lnRef idx="2">
+        <a:scrgbClr r="0" g="0" b="0"/>
+      </a:lnRef>
+      <a:fillRef idx="1">
+        <a:scrgbClr r="0" g="0" b="0"/>
+      </a:fillRef>
+      <a:effectRef idx="0">
+        <a:scrgbClr r="0" g="0" b="0"/>
+      </a:effectRef>
+      <a:fontRef idx="minor"/>
+    </dgm:style>
+  </dgm:styleLbl>
+  <dgm:styleLbl name="fgAcc4">
+    <dgm:scene3d>
+      <a:camera prst="orthographicFront"/>
+      <a:lightRig rig="threePt" dir="t"/>
+    </dgm:scene3d>
+    <dgm:sp3d/>
+    <dgm:txPr/>
+    <dgm:style>
+      <a:lnRef idx="2">
+        <a:scrgbClr r="0" g="0" b="0"/>
+      </a:lnRef>
+      <a:fillRef idx="1">
+        <a:scrgbClr r="0" g="0" b="0"/>
+      </a:fillRef>
+      <a:effectRef idx="0">
+        <a:scrgbClr r="0" g="0" b="0"/>
+      </a:effectRef>
+      <a:fontRef idx="minor"/>
+    </dgm:style>
+  </dgm:styleLbl>
+  <dgm:styleLbl name="bgShp">
+    <dgm:scene3d>
+      <a:camera prst="orthographicFront"/>
+      <a:lightRig rig="threePt" dir="t"/>
+    </dgm:scene3d>
+    <dgm:sp3d/>
+    <dgm:txPr/>
+    <dgm:style>
+      <a:lnRef idx="0">
+        <a:scrgbClr r="0" g="0" b="0"/>
+      </a:lnRef>
+      <a:fillRef idx="1">
+        <a:scrgbClr r="0" g="0" b="0"/>
+      </a:fillRef>
+      <a:effectRef idx="0">
+        <a:scrgbClr r="0" g="0" b="0"/>
+      </a:effectRef>
+      <a:fontRef idx="minor"/>
+    </dgm:style>
+  </dgm:styleLbl>
+  <dgm:styleLbl name="dkBgShp">
+    <dgm:scene3d>
+      <a:camera prst="orthographicFront"/>
+      <a:lightRig rig="threePt" dir="t"/>
+    </dgm:scene3d>
+    <dgm:sp3d/>
+    <dgm:txPr/>
+    <dgm:style>
+      <a:lnRef idx="0">
+        <a:scrgbClr r="0" g="0" b="0"/>
+      </a:lnRef>
+      <a:fillRef idx="1">
+        <a:scrgbClr r="0" g="0" b="0"/>
+      </a:fillRef>
+      <a:effectRef idx="0">
+        <a:scrgbClr r="0" g="0" b="0"/>
+      </a:effectRef>
+      <a:fontRef idx="minor"/>
+    </dgm:style>
+  </dgm:styleLbl>
+  <dgm:styleLbl name="trBgShp">
+    <dgm:scene3d>
+      <a:camera prst="orthographicFront"/>
+      <a:lightRig rig="threePt" dir="t"/>
+    </dgm:scene3d>
+    <dgm:sp3d/>
+    <dgm:txPr/>
+    <dgm:style>
+      <a:lnRef idx="0">
+        <a:scrgbClr r="0" g="0" b="0"/>
+      </a:lnRef>
+      <a:fillRef idx="1">
+        <a:scrgbClr r="0" g="0" b="0"/>
+      </a:fillRef>
+      <a:effectRef idx="0">
+        <a:scrgbClr r="0" g="0" b="0"/>
+      </a:effectRef>
+      <a:fontRef idx="minor"/>
+    </dgm:style>
+  </dgm:styleLbl>
+  <dgm:styleLbl name="fgShp">
+    <dgm:scene3d>
+      <a:camera prst="orthographicFront"/>
+      <a:lightRig rig="threePt" dir="t"/>
+    </dgm:scene3d>
+    <dgm:sp3d/>
+    <dgm:txPr/>
+    <dgm:style>
+      <a:lnRef idx="2">
+        <a:scrgbClr r="0" g="0" b="0"/>
+      </a:lnRef>
+      <a:fillRef idx="1">
+        <a:scrgbClr r="0" g="0" b="0"/>
+      </a:fillRef>
+      <a:effectRef idx="0">
+        <a:scrgbClr r="0" g="0" b="0"/>
+      </a:effectRef>
+      <a:fontRef idx="minor"/>
+    </dgm:style>
+  </dgm:styleLbl>
+  <dgm:styleLbl name="revTx">
+    <dgm:scene3d>
+      <a:camera prst="orthographicFront"/>
+      <a:lightRig rig="threePt" dir="t"/>
+    </dgm:scene3d>
+    <dgm:sp3d/>
+    <dgm:txPr/>
+    <dgm:style>
+      <a:lnRef idx="0">
+        <a:scrgbClr r="0" g="0" b="0"/>
+      </a:lnRef>
+      <a:fillRef idx="0">
+        <a:scrgbClr r="0" g="0" b="0"/>
+      </a:fillRef>
+      <a:effectRef idx="0">
+        <a:scrgbClr r="0" g="0" b="0"/>
+      </a:effectRef>
+      <a:fontRef idx="minor"/>
+    </dgm:style>
+  </dgm:styleLbl>
+</dgm:styleDef>
 </file>
 
 <file path=ppt/slideLayouts/slideLayout1.xml><?xml version="1.0" encoding="utf-8"?>
@@ -170,7 +4745,7 @@
           <a:p>
             <a:fld id="{208EE90E-2504-4826-81E4-66C7B83B9CAF}" type="datetimeFigureOut">
               <a:rPr lang="en-US" smtClean="0"/>
-              <a:t>1/21/2018</a:t>
+              <a:t>1/22/2018</a:t>
             </a:fld>
             <a:endParaRPr lang="en-US" dirty="0"/>
           </a:p>
@@ -486,7 +5061,7 @@
           <a:p>
             <a:fld id="{208EE90E-2504-4826-81E4-66C7B83B9CAF}" type="datetimeFigureOut">
               <a:rPr lang="en-US" smtClean="0"/>
-              <a:t>1/21/2018</a:t>
+              <a:t>1/22/2018</a:t>
             </a:fld>
             <a:endParaRPr lang="en-US" dirty="0"/>
           </a:p>
@@ -661,7 +5236,7 @@
           <a:p>
             <a:fld id="{208EE90E-2504-4826-81E4-66C7B83B9CAF}" type="datetimeFigureOut">
               <a:rPr lang="en-US" smtClean="0"/>
-              <a:t>1/21/2018</a:t>
+              <a:t>1/22/2018</a:t>
             </a:fld>
             <a:endParaRPr lang="en-US" dirty="0"/>
           </a:p>
@@ -898,7 +5473,7 @@
           <a:p>
             <a:fld id="{208EE90E-2504-4826-81E4-66C7B83B9CAF}" type="datetimeFigureOut">
               <a:rPr lang="en-US" smtClean="0"/>
-              <a:t>1/21/2018</a:t>
+              <a:t>1/22/2018</a:t>
             </a:fld>
             <a:endParaRPr lang="en-US" dirty="0"/>
           </a:p>
@@ -1068,7 +5643,7 @@
           <a:p>
             <a:fld id="{208EE90E-2504-4826-81E4-66C7B83B9CAF}" type="datetimeFigureOut">
               <a:rPr lang="en-US" smtClean="0"/>
-              <a:t>1/21/2018</a:t>
+              <a:t>1/22/2018</a:t>
             </a:fld>
             <a:endParaRPr lang="en-US" dirty="0"/>
           </a:p>
@@ -1314,7 +5889,7 @@
           <a:p>
             <a:fld id="{208EE90E-2504-4826-81E4-66C7B83B9CAF}" type="datetimeFigureOut">
               <a:rPr lang="en-US" smtClean="0"/>
-              <a:t>1/21/2018</a:t>
+              <a:t>1/22/2018</a:t>
             </a:fld>
             <a:endParaRPr lang="en-US" dirty="0"/>
           </a:p>
@@ -1602,7 +6177,7 @@
           <a:p>
             <a:fld id="{208EE90E-2504-4826-81E4-66C7B83B9CAF}" type="datetimeFigureOut">
               <a:rPr lang="en-US" smtClean="0"/>
-              <a:t>1/21/2018</a:t>
+              <a:t>1/22/2018</a:t>
             </a:fld>
             <a:endParaRPr lang="en-US" dirty="0"/>
           </a:p>
@@ -2024,7 +6599,7 @@
           <a:p>
             <a:fld id="{208EE90E-2504-4826-81E4-66C7B83B9CAF}" type="datetimeFigureOut">
               <a:rPr lang="en-US" smtClean="0"/>
-              <a:t>1/21/2018</a:t>
+              <a:t>1/22/2018</a:t>
             </a:fld>
             <a:endParaRPr lang="en-US" dirty="0"/>
           </a:p>
@@ -2142,7 +6717,7 @@
           <a:p>
             <a:fld id="{208EE90E-2504-4826-81E4-66C7B83B9CAF}" type="datetimeFigureOut">
               <a:rPr lang="en-US" smtClean="0"/>
-              <a:t>1/21/2018</a:t>
+              <a:t>1/22/2018</a:t>
             </a:fld>
             <a:endParaRPr lang="en-US" dirty="0"/>
           </a:p>
@@ -2237,7 +6812,7 @@
           <a:p>
             <a:fld id="{208EE90E-2504-4826-81E4-66C7B83B9CAF}" type="datetimeFigureOut">
               <a:rPr lang="en-US" smtClean="0"/>
-              <a:t>1/21/2018</a:t>
+              <a:t>1/22/2018</a:t>
             </a:fld>
             <a:endParaRPr lang="en-US" dirty="0"/>
           </a:p>
@@ -2514,7 +7089,7 @@
           <a:p>
             <a:fld id="{208EE90E-2504-4826-81E4-66C7B83B9CAF}" type="datetimeFigureOut">
               <a:rPr lang="en-US" smtClean="0"/>
-              <a:t>1/21/2018</a:t>
+              <a:t>1/22/2018</a:t>
             </a:fld>
             <a:endParaRPr lang="en-US" dirty="0"/>
           </a:p>
@@ -2637,7 +7212,7 @@
           <a:p>
             <a:fld id="{208EE90E-2504-4826-81E4-66C7B83B9CAF}" type="datetimeFigureOut">
               <a:rPr lang="en-US" smtClean="0"/>
-              <a:t>1/21/2018</a:t>
+              <a:t>1/22/2018</a:t>
             </a:fld>
             <a:endParaRPr lang="en-US" dirty="0"/>
           </a:p>
@@ -2942,7 +7517,7 @@
           <a:p>
             <a:fld id="{208EE90E-2504-4826-81E4-66C7B83B9CAF}" type="datetimeFigureOut">
               <a:rPr lang="en-US" smtClean="0"/>
-              <a:t>1/21/2018</a:t>
+              <a:t>1/22/2018</a:t>
             </a:fld>
             <a:endParaRPr lang="en-US" dirty="0"/>
           </a:p>
@@ -3112,7 +7687,7 @@
           <a:p>
             <a:fld id="{208EE90E-2504-4826-81E4-66C7B83B9CAF}" type="datetimeFigureOut">
               <a:rPr lang="en-US" smtClean="0"/>
-              <a:t>1/21/2018</a:t>
+              <a:t>1/22/2018</a:t>
             </a:fld>
             <a:endParaRPr lang="en-US" dirty="0"/>
           </a:p>
@@ -3292,7 +7867,7 @@
           <a:p>
             <a:fld id="{208EE90E-2504-4826-81E4-66C7B83B9CAF}" type="datetimeFigureOut">
               <a:rPr lang="en-US" smtClean="0"/>
-              <a:t>1/21/2018</a:t>
+              <a:t>1/22/2018</a:t>
             </a:fld>
             <a:endParaRPr lang="en-US" dirty="0"/>
           </a:p>
@@ -3538,7 +8113,7 @@
           <a:p>
             <a:fld id="{208EE90E-2504-4826-81E4-66C7B83B9CAF}" type="datetimeFigureOut">
               <a:rPr lang="en-US" smtClean="0"/>
-              <a:t>1/21/2018</a:t>
+              <a:t>1/22/2018</a:t>
             </a:fld>
             <a:endParaRPr lang="en-US" dirty="0"/>
           </a:p>
@@ -3831,7 +8406,7 @@
           <a:p>
             <a:fld id="{208EE90E-2504-4826-81E4-66C7B83B9CAF}" type="datetimeFigureOut">
               <a:rPr lang="en-US" smtClean="0"/>
-              <a:t>1/21/2018</a:t>
+              <a:t>1/22/2018</a:t>
             </a:fld>
             <a:endParaRPr lang="en-US" dirty="0"/>
           </a:p>
@@ -4259,7 +8834,7 @@
           <a:p>
             <a:fld id="{208EE90E-2504-4826-81E4-66C7B83B9CAF}" type="datetimeFigureOut">
               <a:rPr lang="en-US" smtClean="0"/>
-              <a:t>1/21/2018</a:t>
+              <a:t>1/22/2018</a:t>
             </a:fld>
             <a:endParaRPr lang="en-US" dirty="0"/>
           </a:p>
@@ -4377,7 +8952,7 @@
           <a:p>
             <a:fld id="{208EE90E-2504-4826-81E4-66C7B83B9CAF}" type="datetimeFigureOut">
               <a:rPr lang="en-US" smtClean="0"/>
-              <a:t>1/21/2018</a:t>
+              <a:t>1/22/2018</a:t>
             </a:fld>
             <a:endParaRPr lang="en-US" dirty="0"/>
           </a:p>
@@ -4467,7 +9042,7 @@
           <a:p>
             <a:fld id="{208EE90E-2504-4826-81E4-66C7B83B9CAF}" type="datetimeFigureOut">
               <a:rPr lang="en-US" smtClean="0"/>
-              <a:t>1/21/2018</a:t>
+              <a:t>1/22/2018</a:t>
             </a:fld>
             <a:endParaRPr lang="en-US" dirty="0"/>
           </a:p>
@@ -4717,7 +9292,7 @@
           <a:p>
             <a:fld id="{208EE90E-2504-4826-81E4-66C7B83B9CAF}" type="datetimeFigureOut">
               <a:rPr lang="en-US" smtClean="0"/>
-              <a:t>1/21/2018</a:t>
+              <a:t>1/22/2018</a:t>
             </a:fld>
             <a:endParaRPr lang="en-US" dirty="0"/>
           </a:p>
@@ -5233,7 +9808,7 @@
           <a:p>
             <a:fld id="{208EE90E-2504-4826-81E4-66C7B83B9CAF}" type="datetimeFigureOut">
               <a:rPr lang="en-US" smtClean="0"/>
-              <a:t>1/21/2018</a:t>
+              <a:t>1/22/2018</a:t>
             </a:fld>
             <a:endParaRPr lang="en-US" dirty="0"/>
           </a:p>
@@ -5463,7 +10038,7 @@
           <a:p>
             <a:fld id="{208EE90E-2504-4826-81E4-66C7B83B9CAF}" type="datetimeFigureOut">
               <a:rPr lang="en-US" smtClean="0"/>
-              <a:t>1/21/2018</a:t>
+              <a:t>1/22/2018</a:t>
             </a:fld>
             <a:endParaRPr lang="en-US" dirty="0"/>
           </a:p>
@@ -6101,7 +10676,7 @@
           <a:p>
             <a:fld id="{208EE90E-2504-4826-81E4-66C7B83B9CAF}" type="datetimeFigureOut">
               <a:rPr lang="en-US" smtClean="0"/>
-              <a:t>1/21/2018</a:t>
+              <a:t>1/22/2018</a:t>
             </a:fld>
             <a:endParaRPr lang="en-US" dirty="0"/>
           </a:p>
@@ -6641,8 +11216,8 @@
         </p:nvSpPr>
         <p:spPr>
           <a:xfrm>
-            <a:off x="609600" y="1752599"/>
-            <a:ext cx="7924800" cy="3970318"/>
+            <a:off x="609600" y="2209800"/>
+            <a:ext cx="7924800" cy="3785652"/>
           </a:xfrm>
           <a:prstGeom prst="rect">
             <a:avLst/>
@@ -6655,15 +11230,15 @@
           </a:bodyPr>
           <a:lstStyle/>
           <a:p>
-            <a:pPr marL="342900" indent="-342900">
+            <a:pPr marL="400050" indent="-400050">
               <a:lnSpc>
                 <a:spcPct val="200000"/>
               </a:lnSpc>
               <a:buFont typeface="+mj-lt"/>
-              <a:buAutoNum type="arabicPeriod"/>
+              <a:buAutoNum type="romanUcPeriod"/>
             </a:pPr>
             <a:r>
-              <a:rPr lang="en-US" b="1" dirty="0" smtClean="0">
+              <a:rPr lang="en-US" sz="2000" b="1" dirty="0" smtClean="0">
                 <a:latin typeface="Arial" pitchFamily="34" charset="0"/>
                 <a:cs typeface="Arial" pitchFamily="34" charset="0"/>
               </a:rPr>
@@ -6671,172 +11246,167 @@
             </a:r>
           </a:p>
           <a:p>
-            <a:pPr marL="342900" lvl="0" indent="-342900">
+            <a:pPr marL="400050" lvl="0" indent="-400050">
               <a:lnSpc>
                 <a:spcPct val="200000"/>
               </a:lnSpc>
               <a:buFont typeface="+mj-lt"/>
-              <a:buAutoNum type="arabicPeriod"/>
+              <a:buAutoNum type="romanUcPeriod"/>
             </a:pPr>
             <a:r>
-              <a:rPr lang="en-US" b="1" dirty="0">
+              <a:rPr lang="en-US" sz="2000" b="1" dirty="0">
                 <a:latin typeface="Arial" pitchFamily="34" charset="0"/>
                 <a:cs typeface="Arial" pitchFamily="34" charset="0"/>
               </a:rPr>
-              <a:t>Gesture Responder</a:t>
-            </a:r>
-          </a:p>
-          <a:p>
-            <a:pPr marL="342900" lvl="0" indent="-342900">
+              <a:t>Gesture </a:t>
+            </a:r>
+            <a:r>
+              <a:rPr lang="en-US" sz="2000" b="1" dirty="0" smtClean="0">
+                <a:latin typeface="Arial" pitchFamily="34" charset="0"/>
+                <a:cs typeface="Arial" pitchFamily="34" charset="0"/>
+              </a:rPr>
+              <a:t>Responder &amp; Pan </a:t>
+            </a:r>
+            <a:r>
+              <a:rPr lang="en-US" sz="2000" b="1" dirty="0">
+                <a:latin typeface="Arial" pitchFamily="34" charset="0"/>
+                <a:cs typeface="Arial" pitchFamily="34" charset="0"/>
+              </a:rPr>
+              <a:t>Responder</a:t>
+            </a:r>
+          </a:p>
+          <a:p>
+            <a:pPr marL="400050" lvl="0" indent="-400050">
               <a:lnSpc>
                 <a:spcPct val="200000"/>
               </a:lnSpc>
               <a:buFont typeface="+mj-lt"/>
-              <a:buAutoNum type="arabicPeriod"/>
+              <a:buAutoNum type="romanUcPeriod"/>
             </a:pPr>
             <a:r>
-              <a:rPr lang="en-US" b="1" dirty="0">
+              <a:rPr lang="en-US" sz="2000" b="1" dirty="0">
                 <a:latin typeface="Arial" pitchFamily="34" charset="0"/>
                 <a:cs typeface="Arial" pitchFamily="34" charset="0"/>
               </a:rPr>
-              <a:t>Pan Responder</a:t>
-            </a:r>
-          </a:p>
-          <a:p>
-            <a:pPr marL="342900" lvl="0" indent="-342900">
+              <a:t>List V</a:t>
+            </a:r>
+            <a:r>
+              <a:rPr lang="en-US" sz="2000" b="1" dirty="0" smtClean="0">
+                <a:latin typeface="Arial" pitchFamily="34" charset="0"/>
+                <a:cs typeface="Arial" pitchFamily="34" charset="0"/>
+              </a:rPr>
+              <a:t>iew</a:t>
+            </a:r>
+            <a:endParaRPr lang="en-US" sz="2000" b="1" dirty="0">
+              <a:latin typeface="Arial" pitchFamily="34" charset="0"/>
+              <a:cs typeface="Arial" pitchFamily="34" charset="0"/>
+            </a:endParaRPr>
+          </a:p>
+          <a:p>
+            <a:pPr marL="400050" indent="-400050">
               <a:lnSpc>
                 <a:spcPct val="200000"/>
               </a:lnSpc>
               <a:buFont typeface="+mj-lt"/>
-              <a:buAutoNum type="arabicPeriod"/>
+              <a:buAutoNum type="romanUcPeriod"/>
             </a:pPr>
             <a:r>
-              <a:rPr lang="en-US" b="1" dirty="0">
+              <a:rPr lang="en-US" sz="2000" b="1" dirty="0" err="1" smtClean="0">
                 <a:latin typeface="Arial" pitchFamily="34" charset="0"/>
                 <a:cs typeface="Arial" pitchFamily="34" charset="0"/>
               </a:rPr>
-              <a:t>List View</a:t>
-            </a:r>
-          </a:p>
-          <a:p>
-            <a:pPr marL="342900" lvl="0" indent="-342900">
+              <a:t>Truyền</a:t>
+            </a:r>
+            <a:r>
+              <a:rPr lang="en-US" sz="2000" b="1" dirty="0" smtClean="0">
+                <a:latin typeface="Arial" pitchFamily="34" charset="0"/>
+                <a:cs typeface="Arial" pitchFamily="34" charset="0"/>
+              </a:rPr>
+              <a:t> </a:t>
+            </a:r>
+            <a:r>
+              <a:rPr lang="en-US" sz="2000" b="1" dirty="0" err="1" smtClean="0">
+                <a:latin typeface="Arial" pitchFamily="34" charset="0"/>
+                <a:cs typeface="Arial" pitchFamily="34" charset="0"/>
+              </a:rPr>
+              <a:t>tham</a:t>
+            </a:r>
+            <a:r>
+              <a:rPr lang="en-US" sz="2000" b="1" dirty="0" smtClean="0">
+                <a:latin typeface="Arial" pitchFamily="34" charset="0"/>
+                <a:cs typeface="Arial" pitchFamily="34" charset="0"/>
+              </a:rPr>
+              <a:t> </a:t>
+            </a:r>
+            <a:r>
+              <a:rPr lang="en-US" sz="2000" b="1" dirty="0" err="1">
+                <a:latin typeface="Arial" pitchFamily="34" charset="0"/>
+                <a:cs typeface="Arial" pitchFamily="34" charset="0"/>
+              </a:rPr>
+              <a:t>số</a:t>
+            </a:r>
+            <a:r>
+              <a:rPr lang="en-US" sz="2000" b="1" dirty="0">
+                <a:latin typeface="Arial" pitchFamily="34" charset="0"/>
+                <a:cs typeface="Arial" pitchFamily="34" charset="0"/>
+              </a:rPr>
+              <a:t> </a:t>
+            </a:r>
+            <a:r>
+              <a:rPr lang="en-US" sz="2000" b="1" dirty="0" err="1">
+                <a:latin typeface="Arial" pitchFamily="34" charset="0"/>
+                <a:cs typeface="Arial" pitchFamily="34" charset="0"/>
+              </a:rPr>
+              <a:t>cho</a:t>
+            </a:r>
+            <a:r>
+              <a:rPr lang="en-US" sz="2000" b="1" dirty="0">
+                <a:latin typeface="Arial" pitchFamily="34" charset="0"/>
+                <a:cs typeface="Arial" pitchFamily="34" charset="0"/>
+              </a:rPr>
+              <a:t> Component</a:t>
+            </a:r>
+          </a:p>
+          <a:p>
+            <a:pPr marL="400050" lvl="0" indent="-400050">
               <a:lnSpc>
                 <a:spcPct val="200000"/>
               </a:lnSpc>
               <a:buFont typeface="+mj-lt"/>
-              <a:buAutoNum type="arabicPeriod"/>
+              <a:buAutoNum type="romanUcPeriod"/>
             </a:pPr>
             <a:r>
-              <a:rPr lang="en-US" b="1" dirty="0" smtClean="0">
+              <a:rPr lang="en-US" sz="2000" b="1" dirty="0">
                 <a:latin typeface="Arial" pitchFamily="34" charset="0"/>
                 <a:cs typeface="Arial" pitchFamily="34" charset="0"/>
               </a:rPr>
-              <a:t>Export </a:t>
-            </a:r>
-            <a:r>
-              <a:rPr lang="en-US" b="1" dirty="0">
-                <a:latin typeface="Arial" pitchFamily="34" charset="0"/>
-                <a:cs typeface="Arial" pitchFamily="34" charset="0"/>
-              </a:rPr>
-              <a:t>Component</a:t>
-            </a:r>
-          </a:p>
-          <a:p>
-            <a:pPr marL="342900" lvl="0" indent="-342900">
+              <a:t>Export Component</a:t>
+            </a:r>
+          </a:p>
+          <a:p>
+            <a:pPr marL="400050" indent="-400050">
               <a:lnSpc>
                 <a:spcPct val="200000"/>
               </a:lnSpc>
               <a:buFont typeface="+mj-lt"/>
-              <a:buAutoNum type="arabicPeriod"/>
+              <a:buAutoNum type="romanUcPeriod"/>
             </a:pPr>
             <a:r>
-              <a:rPr lang="en-US" b="1" dirty="0" err="1">
-                <a:latin typeface="Arial" pitchFamily="34" charset="0"/>
-                <a:cs typeface="Arial" pitchFamily="34" charset="0"/>
-              </a:rPr>
-              <a:t>Truyền</a:t>
-            </a:r>
-            <a:r>
-              <a:rPr lang="en-US" b="1" dirty="0">
-                <a:latin typeface="Arial" pitchFamily="34" charset="0"/>
-                <a:cs typeface="Arial" pitchFamily="34" charset="0"/>
-              </a:rPr>
-              <a:t> </a:t>
-            </a:r>
-            <a:r>
-              <a:rPr lang="en-US" b="1" dirty="0" err="1">
-                <a:latin typeface="Arial" pitchFamily="34" charset="0"/>
-                <a:cs typeface="Arial" pitchFamily="34" charset="0"/>
-              </a:rPr>
-              <a:t>tham</a:t>
-            </a:r>
-            <a:r>
-              <a:rPr lang="en-US" b="1" dirty="0">
-                <a:latin typeface="Arial" pitchFamily="34" charset="0"/>
-                <a:cs typeface="Arial" pitchFamily="34" charset="0"/>
-              </a:rPr>
-              <a:t> </a:t>
-            </a:r>
-            <a:r>
-              <a:rPr lang="en-US" b="1" dirty="0" err="1">
-                <a:latin typeface="Arial" pitchFamily="34" charset="0"/>
-                <a:cs typeface="Arial" pitchFamily="34" charset="0"/>
-              </a:rPr>
-              <a:t>số</a:t>
-            </a:r>
-            <a:r>
-              <a:rPr lang="en-US" b="1" dirty="0">
-                <a:latin typeface="Arial" pitchFamily="34" charset="0"/>
-                <a:cs typeface="Arial" pitchFamily="34" charset="0"/>
-              </a:rPr>
-              <a:t> </a:t>
-            </a:r>
-            <a:r>
-              <a:rPr lang="en-US" b="1" dirty="0" err="1">
-                <a:latin typeface="Arial" pitchFamily="34" charset="0"/>
-                <a:cs typeface="Arial" pitchFamily="34" charset="0"/>
-              </a:rPr>
-              <a:t>cho</a:t>
-            </a:r>
-            <a:r>
-              <a:rPr lang="en-US" b="1" dirty="0">
-                <a:latin typeface="Arial" pitchFamily="34" charset="0"/>
-                <a:cs typeface="Arial" pitchFamily="34" charset="0"/>
-              </a:rPr>
-              <a:t> </a:t>
-            </a:r>
-            <a:r>
-              <a:rPr lang="en-US" b="1" dirty="0" smtClean="0">
-                <a:latin typeface="Arial" pitchFamily="34" charset="0"/>
-                <a:cs typeface="Arial" pitchFamily="34" charset="0"/>
-              </a:rPr>
-              <a:t>Component</a:t>
-            </a:r>
-          </a:p>
-          <a:p>
-            <a:pPr marL="342900" indent="-342900">
-              <a:lnSpc>
-                <a:spcPct val="200000"/>
-              </a:lnSpc>
-              <a:buFont typeface="+mj-lt"/>
-              <a:buAutoNum type="arabicPeriod"/>
-            </a:pPr>
-            <a:r>
-              <a:rPr lang="en-US" b="1" dirty="0" smtClean="0">
+              <a:rPr lang="en-US" sz="2000" b="1" dirty="0" smtClean="0">
                 <a:latin typeface="Arial" pitchFamily="34" charset="0"/>
                 <a:cs typeface="Arial" pitchFamily="34" charset="0"/>
               </a:rPr>
               <a:t>Navigators </a:t>
             </a:r>
             <a:r>
-              <a:rPr lang="en-US" b="1" dirty="0" err="1" smtClean="0">
+              <a:rPr lang="en-US" sz="2000" b="1" dirty="0" err="1" smtClean="0">
                 <a:latin typeface="Arial" pitchFamily="34" charset="0"/>
                 <a:cs typeface="Arial" pitchFamily="34" charset="0"/>
               </a:rPr>
               <a:t>và</a:t>
             </a:r>
             <a:r>
-              <a:rPr lang="en-US" b="1" dirty="0" smtClean="0">
+              <a:rPr lang="en-US" sz="2000" b="1" dirty="0" smtClean="0">
                 <a:latin typeface="Arial" pitchFamily="34" charset="0"/>
                 <a:cs typeface="Arial" pitchFamily="34" charset="0"/>
               </a:rPr>
@@ -6892,7 +11462,12 @@
             <p:ph type="title"/>
           </p:nvPr>
         </p:nvSpPr>
-        <p:spPr/>
+        <p:spPr>
+          <a:xfrm>
+            <a:off x="609600" y="274638"/>
+            <a:ext cx="8077200" cy="1143000"/>
+          </a:xfrm>
+        </p:spPr>
         <p:txBody>
           <a:bodyPr/>
           <a:lstStyle/>
@@ -6906,11 +11481,18 @@
               <a:t>I. </a:t>
             </a:r>
             <a:r>
+              <a:rPr lang="en-US" b="1" dirty="0" err="1" smtClean="0">
+                <a:latin typeface="Arial" pitchFamily="34" charset="0"/>
+                <a:cs typeface="Arial" pitchFamily="34" charset="0"/>
+              </a:rPr>
+              <a:t>Tappable</a:t>
+            </a:r>
+            <a:r>
               <a:rPr lang="en-US" b="1" dirty="0" smtClean="0">
                 <a:latin typeface="Arial" pitchFamily="34" charset="0"/>
                 <a:cs typeface="Arial" pitchFamily="34" charset="0"/>
               </a:rPr>
-              <a:t>Touchable Components</a:t>
+              <a:t> Components</a:t>
             </a:r>
             <a:endParaRPr lang="en-US" b="1" dirty="0">
               <a:latin typeface="Arial" pitchFamily="34" charset="0"/>
@@ -6928,7 +11510,7 @@
         <p:spPr>
           <a:xfrm>
             <a:off x="609600" y="2241176"/>
-            <a:ext cx="8001000" cy="2459071"/>
+            <a:ext cx="8001000" cy="2554545"/>
           </a:xfrm>
           <a:prstGeom prst="rect">
             <a:avLst/>
@@ -6949,21 +11531,21 @@
               <a:buChar char="•"/>
             </a:pPr>
             <a:r>
-              <a:rPr lang="en-US" sz="2000" b="1" dirty="0" smtClean="0">
+              <a:rPr lang="en-US" sz="2000" dirty="0" smtClean="0">
                 <a:latin typeface="Arial" pitchFamily="34" charset="0"/>
                 <a:cs typeface="Arial" pitchFamily="34" charset="0"/>
               </a:rPr>
               <a:t>&lt;</a:t>
             </a:r>
             <a:r>
-              <a:rPr lang="en-US" sz="2000" b="1" dirty="0" err="1" smtClean="0">
+              <a:rPr lang="en-US" sz="2000" dirty="0" err="1" smtClean="0">
                 <a:latin typeface="Arial" pitchFamily="34" charset="0"/>
                 <a:cs typeface="Arial" pitchFamily="34" charset="0"/>
               </a:rPr>
               <a:t>TouchableHighLight</a:t>
             </a:r>
             <a:r>
-              <a:rPr lang="en-US" sz="2000" b="1" dirty="0" smtClean="0">
+              <a:rPr lang="en-US" sz="2000" dirty="0" smtClean="0">
                 <a:latin typeface="Arial" pitchFamily="34" charset="0"/>
                 <a:cs typeface="Arial" pitchFamily="34" charset="0"/>
               </a:rPr>
@@ -6979,21 +11561,21 @@
               <a:buChar char="•"/>
             </a:pPr>
             <a:r>
-              <a:rPr lang="en-US" sz="2000" b="1" dirty="0">
+              <a:rPr lang="en-US" sz="2000" dirty="0">
                 <a:latin typeface="Arial" pitchFamily="34" charset="0"/>
                 <a:cs typeface="Arial" pitchFamily="34" charset="0"/>
               </a:rPr>
               <a:t>&lt;</a:t>
             </a:r>
             <a:r>
-              <a:rPr lang="en-US" sz="2000" b="1" dirty="0" err="1" smtClean="0">
+              <a:rPr lang="en-US" sz="2000" dirty="0" err="1" smtClean="0">
                 <a:latin typeface="Arial" pitchFamily="34" charset="0"/>
                 <a:cs typeface="Arial" pitchFamily="34" charset="0"/>
               </a:rPr>
               <a:t>TouchableOpacity</a:t>
             </a:r>
             <a:r>
-              <a:rPr lang="en-US" sz="2000" b="1" dirty="0" smtClean="0">
+              <a:rPr lang="en-US" sz="2000" dirty="0" smtClean="0">
                 <a:latin typeface="Arial" pitchFamily="34" charset="0"/>
                 <a:cs typeface="Arial" pitchFamily="34" charset="0"/>
               </a:rPr>
@@ -7009,21 +11591,21 @@
               <a:buChar char="•"/>
             </a:pPr>
             <a:r>
-              <a:rPr lang="en-US" sz="2000" b="1" dirty="0" smtClean="0">
+              <a:rPr lang="en-US" sz="2000" dirty="0" smtClean="0">
                 <a:latin typeface="Arial" pitchFamily="34" charset="0"/>
                 <a:cs typeface="Arial" pitchFamily="34" charset="0"/>
               </a:rPr>
               <a:t>&lt;</a:t>
             </a:r>
             <a:r>
-              <a:rPr lang="en-US" sz="2000" b="1" dirty="0" err="1" smtClean="0">
+              <a:rPr lang="en-US" sz="2000" dirty="0" err="1" smtClean="0">
                 <a:latin typeface="Arial" pitchFamily="34" charset="0"/>
                 <a:cs typeface="Arial" pitchFamily="34" charset="0"/>
               </a:rPr>
               <a:t>TouchableWithoutFeedback</a:t>
             </a:r>
             <a:r>
-              <a:rPr lang="en-US" sz="2000" b="1" dirty="0" smtClean="0">
+              <a:rPr lang="en-US" sz="2000" dirty="0" smtClean="0">
                 <a:latin typeface="Arial" pitchFamily="34" charset="0"/>
                 <a:cs typeface="Arial" pitchFamily="34" charset="0"/>
               </a:rPr>
@@ -7039,49 +11621,34 @@
               <a:buChar char="•"/>
             </a:pPr>
             <a:r>
-              <a:rPr lang="en-US" sz="2000" b="1" dirty="0">
-                <a:solidFill>
-                  <a:srgbClr val="FF0000"/>
-                </a:solidFill>
+              <a:rPr lang="en-US" sz="2000" dirty="0">
                 <a:latin typeface="Arial" pitchFamily="34" charset="0"/>
                 <a:cs typeface="Arial" pitchFamily="34" charset="0"/>
               </a:rPr>
               <a:t>&lt;</a:t>
             </a:r>
             <a:r>
-              <a:rPr lang="en-US" sz="2000" b="1" dirty="0" err="1">
-                <a:solidFill>
-                  <a:srgbClr val="FF0000"/>
-                </a:solidFill>
+              <a:rPr lang="en-US" sz="2000" dirty="0" err="1">
                 <a:latin typeface="Arial" pitchFamily="34" charset="0"/>
                 <a:cs typeface="Arial" pitchFamily="34" charset="0"/>
               </a:rPr>
               <a:t>TouchableNativeFeedback</a:t>
             </a:r>
             <a:r>
-              <a:rPr lang="en-US" sz="2000" b="1" dirty="0">
-                <a:solidFill>
-                  <a:srgbClr val="FF0000"/>
-                </a:solidFill>
+              <a:rPr lang="en-US" sz="2000" dirty="0">
                 <a:latin typeface="Arial" pitchFamily="34" charset="0"/>
                 <a:cs typeface="Arial" pitchFamily="34" charset="0"/>
               </a:rPr>
               <a:t>  </a:t>
             </a:r>
             <a:r>
-              <a:rPr lang="en-US" sz="2000" b="1" dirty="0" smtClean="0">
-                <a:solidFill>
-                  <a:srgbClr val="FF0000"/>
-                </a:solidFill>
+              <a:rPr lang="en-US" sz="2000" dirty="0" smtClean="0">
                 <a:latin typeface="Arial" pitchFamily="34" charset="0"/>
                 <a:cs typeface="Arial" pitchFamily="34" charset="0"/>
               </a:rPr>
-              <a:t>/&gt; Work only Android</a:t>
-            </a:r>
-            <a:endParaRPr lang="en-US" sz="2000" b="1" dirty="0">
-              <a:solidFill>
-                <a:srgbClr val="FF0000"/>
-              </a:solidFill>
+              <a:t>/&gt;</a:t>
+            </a:r>
+            <a:endParaRPr lang="en-US" sz="2000" dirty="0">
               <a:latin typeface="Arial" pitchFamily="34" charset="0"/>
               <a:cs typeface="Arial" pitchFamily="34" charset="0"/>
             </a:endParaRPr>
@@ -7110,7 +11677,7 @@
         </p:blipFill>
         <p:spPr>
           <a:xfrm>
-            <a:off x="4572252" y="1447800"/>
+            <a:off x="4267200" y="1329965"/>
             <a:ext cx="4571748" cy="3428811"/>
           </a:xfrm>
           <a:prstGeom prst="rect">
@@ -7118,10 +11685,1105 @@
           </a:prstGeom>
         </p:spPr>
       </p:pic>
+      <p:sp>
+        <p:nvSpPr>
+          <p:cNvPr id="4" name="TextBox 3"/>
+          <p:cNvSpPr txBox="1"/>
+          <p:nvPr/>
+        </p:nvSpPr>
+        <p:spPr>
+          <a:xfrm>
+            <a:off x="7284596" y="4038600"/>
+            <a:ext cx="1326004" cy="646331"/>
+          </a:xfrm>
+          <a:prstGeom prst="rect">
+            <a:avLst/>
+          </a:prstGeom>
+          <a:noFill/>
+        </p:spPr>
+        <p:txBody>
+          <a:bodyPr wrap="none" rtlCol="0">
+            <a:spAutoFit/>
+          </a:bodyPr>
+          <a:lstStyle/>
+          <a:p>
+            <a:pPr algn="ctr"/>
+            <a:r>
+              <a:rPr lang="en-US" b="1" dirty="0" smtClean="0">
+                <a:solidFill>
+                  <a:srgbClr val="C00000"/>
+                </a:solidFill>
+                <a:latin typeface="Arial" panose="020B0604020202020204" pitchFamily="34" charset="0"/>
+                <a:cs typeface="Arial" panose="020B0604020202020204" pitchFamily="34" charset="0"/>
+              </a:rPr>
+              <a:t>&lt;Button /&gt;</a:t>
+            </a:r>
+          </a:p>
+          <a:p>
+            <a:pPr algn="ctr"/>
+            <a:r>
+              <a:rPr lang="en-US" b="1" dirty="0" smtClean="0">
+                <a:solidFill>
+                  <a:srgbClr val="C00000"/>
+                </a:solidFill>
+                <a:latin typeface="Arial" panose="020B0604020202020204" pitchFamily="34" charset="0"/>
+                <a:cs typeface="Arial" panose="020B0604020202020204" pitchFamily="34" charset="0"/>
+              </a:rPr>
+              <a:t>v0.37</a:t>
+            </a:r>
+            <a:endParaRPr lang="en-US" b="1" dirty="0">
+              <a:solidFill>
+                <a:srgbClr val="C00000"/>
+              </a:solidFill>
+              <a:latin typeface="Arial" panose="020B0604020202020204" pitchFamily="34" charset="0"/>
+              <a:cs typeface="Arial" panose="020B0604020202020204" pitchFamily="34" charset="0"/>
+            </a:endParaRPr>
+          </a:p>
+        </p:txBody>
+      </p:sp>
     </p:spTree>
     <p:extLst>
       <p:ext uri="{BB962C8B-B14F-4D97-AF65-F5344CB8AC3E}">
         <p14:creationId xmlns:p14="http://schemas.microsoft.com/office/powerpoint/2010/main" val="2536257220"/>
+      </p:ext>
+    </p:extLst>
+  </p:cSld>
+  <p:clrMapOvr>
+    <a:masterClrMapping/>
+  </p:clrMapOvr>
+  <p:timing>
+    <p:tnLst>
+      <p:par>
+        <p:cTn id="1" dur="indefinite" restart="never" nodeType="tmRoot">
+          <p:childTnLst>
+            <p:seq concurrent="1" nextAc="seek">
+              <p:cTn id="2" dur="indefinite" nodeType="mainSeq">
+                <p:childTnLst>
+                  <p:par>
+                    <p:cTn id="3" fill="hold">
+                      <p:stCondLst>
+                        <p:cond delay="indefinite"/>
+                      </p:stCondLst>
+                      <p:childTnLst>
+                        <p:par>
+                          <p:cTn id="4" fill="hold">
+                            <p:stCondLst>
+                              <p:cond delay="0"/>
+                            </p:stCondLst>
+                            <p:childTnLst>
+                              <p:par>
+                                <p:cTn id="5" presetID="2" presetClass="entr" presetSubtype="4" fill="hold" nodeType="clickEffect">
+                                  <p:stCondLst>
+                                    <p:cond delay="0"/>
+                                  </p:stCondLst>
+                                  <p:childTnLst>
+                                    <p:set>
+                                      <p:cBhvr>
+                                        <p:cTn id="6" dur="1" fill="hold">
+                                          <p:stCondLst>
+                                            <p:cond delay="0"/>
+                                          </p:stCondLst>
+                                        </p:cTn>
+                                        <p:tgtEl>
+                                          <p:spTgt spid="5"/>
+                                        </p:tgtEl>
+                                        <p:attrNameLst>
+                                          <p:attrName>style.visibility</p:attrName>
+                                        </p:attrNameLst>
+                                      </p:cBhvr>
+                                      <p:to>
+                                        <p:strVal val="visible"/>
+                                      </p:to>
+                                    </p:set>
+                                    <p:anim calcmode="lin" valueType="num">
+                                      <p:cBhvr additive="base">
+                                        <p:cTn id="7" dur="500" fill="hold"/>
+                                        <p:tgtEl>
+                                          <p:spTgt spid="5"/>
+                                        </p:tgtEl>
+                                        <p:attrNameLst>
+                                          <p:attrName>ppt_x</p:attrName>
+                                        </p:attrNameLst>
+                                      </p:cBhvr>
+                                      <p:tavLst>
+                                        <p:tav tm="0">
+                                          <p:val>
+                                            <p:strVal val="#ppt_x"/>
+                                          </p:val>
+                                        </p:tav>
+                                        <p:tav tm="100000">
+                                          <p:val>
+                                            <p:strVal val="#ppt_x"/>
+                                          </p:val>
+                                        </p:tav>
+                                      </p:tavLst>
+                                    </p:anim>
+                                    <p:anim calcmode="lin" valueType="num">
+                                      <p:cBhvr additive="base">
+                                        <p:cTn id="8" dur="500" fill="hold"/>
+                                        <p:tgtEl>
+                                          <p:spTgt spid="5"/>
+                                        </p:tgtEl>
+                                        <p:attrNameLst>
+                                          <p:attrName>ppt_y</p:attrName>
+                                        </p:attrNameLst>
+                                      </p:cBhvr>
+                                      <p:tavLst>
+                                        <p:tav tm="0">
+                                          <p:val>
+                                            <p:strVal val="1+#ppt_h/2"/>
+                                          </p:val>
+                                        </p:tav>
+                                        <p:tav tm="100000">
+                                          <p:val>
+                                            <p:strVal val="#ppt_y"/>
+                                          </p:val>
+                                        </p:tav>
+                                      </p:tavLst>
+                                    </p:anim>
+                                  </p:childTnLst>
+                                </p:cTn>
+                              </p:par>
+                            </p:childTnLst>
+                          </p:cTn>
+                        </p:par>
+                      </p:childTnLst>
+                    </p:cTn>
+                  </p:par>
+                  <p:par>
+                    <p:cTn id="9" fill="hold">
+                      <p:stCondLst>
+                        <p:cond delay="indefinite"/>
+                      </p:stCondLst>
+                      <p:childTnLst>
+                        <p:par>
+                          <p:cTn id="10" fill="hold">
+                            <p:stCondLst>
+                              <p:cond delay="0"/>
+                            </p:stCondLst>
+                            <p:childTnLst>
+                              <p:par>
+                                <p:cTn id="11" presetID="14" presetClass="entr" presetSubtype="10" fill="hold" grpId="0" nodeType="clickEffect">
+                                  <p:stCondLst>
+                                    <p:cond delay="0"/>
+                                  </p:stCondLst>
+                                  <p:childTnLst>
+                                    <p:set>
+                                      <p:cBhvr>
+                                        <p:cTn id="12" dur="1" fill="hold">
+                                          <p:stCondLst>
+                                            <p:cond delay="0"/>
+                                          </p:stCondLst>
+                                        </p:cTn>
+                                        <p:tgtEl>
+                                          <p:spTgt spid="4"/>
+                                        </p:tgtEl>
+                                        <p:attrNameLst>
+                                          <p:attrName>style.visibility</p:attrName>
+                                        </p:attrNameLst>
+                                      </p:cBhvr>
+                                      <p:to>
+                                        <p:strVal val="visible"/>
+                                      </p:to>
+                                    </p:set>
+                                    <p:animEffect transition="in" filter="randombar(horizontal)">
+                                      <p:cBhvr>
+                                        <p:cTn id="13" dur="500"/>
+                                        <p:tgtEl>
+                                          <p:spTgt spid="4"/>
+                                        </p:tgtEl>
+                                      </p:cBhvr>
+                                    </p:animEffect>
+                                  </p:childTnLst>
+                                </p:cTn>
+                              </p:par>
+                            </p:childTnLst>
+                          </p:cTn>
+                        </p:par>
+                      </p:childTnLst>
+                    </p:cTn>
+                  </p:par>
+                </p:childTnLst>
+              </p:cTn>
+              <p:prevCondLst>
+                <p:cond evt="onPrev" delay="0">
+                  <p:tgtEl>
+                    <p:sldTgt/>
+                  </p:tgtEl>
+                </p:cond>
+              </p:prevCondLst>
+              <p:nextCondLst>
+                <p:cond evt="onNext" delay="0">
+                  <p:tgtEl>
+                    <p:sldTgt/>
+                  </p:tgtEl>
+                </p:cond>
+              </p:nextCondLst>
+            </p:seq>
+          </p:childTnLst>
+        </p:cTn>
+      </p:par>
+    </p:tnLst>
+    <p:bldLst>
+      <p:bldP spid="4" grpId="0"/>
+    </p:bldLst>
+  </p:timing>
+</p:sld>
+</file>
+
+<file path=ppt/slides/slide4.xml><?xml version="1.0" encoding="utf-8"?>
+<p:sld xmlns:a="http://schemas.openxmlformats.org/drawingml/2006/main" xmlns:r="http://schemas.openxmlformats.org/officeDocument/2006/relationships" xmlns:p="http://schemas.openxmlformats.org/presentationml/2006/main">
+  <p:cSld>
+    <p:spTree>
+      <p:nvGrpSpPr>
+        <p:cNvPr id="1" name=""/>
+        <p:cNvGrpSpPr/>
+        <p:nvPr/>
+      </p:nvGrpSpPr>
+      <p:grpSpPr>
+        <a:xfrm>
+          <a:off x="0" y="0"/>
+          <a:ext cx="0" cy="0"/>
+          <a:chOff x="0" y="0"/>
+          <a:chExt cx="0" cy="0"/>
+        </a:xfrm>
+      </p:grpSpPr>
+      <p:graphicFrame>
+        <p:nvGraphicFramePr>
+          <p:cNvPr id="3" name="Table 2"/>
+          <p:cNvGraphicFramePr>
+            <a:graphicFrameLocks noGrp="1"/>
+          </p:cNvGraphicFramePr>
+          <p:nvPr>
+            <p:extLst>
+              <p:ext uri="{D42A27DB-BD31-4B8C-83A1-F6EECF244321}">
+                <p14:modId xmlns:p14="http://schemas.microsoft.com/office/powerpoint/2010/main" val="3476881387"/>
+              </p:ext>
+            </p:extLst>
+          </p:nvPr>
+        </p:nvGraphicFramePr>
+        <p:xfrm>
+          <a:off x="914400" y="2667000"/>
+          <a:ext cx="7467600" cy="3033708"/>
+        </p:xfrm>
+        <a:graphic>
+          <a:graphicData uri="http://schemas.openxmlformats.org/drawingml/2006/table">
+            <a:tbl>
+              <a:tblPr firstRow="1" bandRow="1">
+                <a:tableStyleId>{D7AC3CCA-C797-4891-BE02-D94E43425B78}</a:tableStyleId>
+              </a:tblPr>
+              <a:tblGrid>
+                <a:gridCol w="2819400"/>
+                <a:gridCol w="1676400"/>
+                <a:gridCol w="1143000"/>
+                <a:gridCol w="990600"/>
+                <a:gridCol w="838200"/>
+              </a:tblGrid>
+              <a:tr h="461332">
+                <a:tc rowSpan="2">
+                  <a:txBody>
+                    <a:bodyPr/>
+                    <a:lstStyle/>
+                    <a:p>
+                      <a:pPr algn="ctr"/>
+                      <a:r>
+                        <a:rPr lang="en-US" dirty="0" smtClean="0"/>
+                        <a:t>KIND</a:t>
+                      </a:r>
+                      <a:endParaRPr lang="en-US" dirty="0"/>
+                    </a:p>
+                  </a:txBody>
+                  <a:tcPr anchor="ctr">
+                    <a:solidFill>
+                      <a:schemeClr val="bg1">
+                        <a:lumMod val="75000"/>
+                      </a:schemeClr>
+                    </a:solidFill>
+                  </a:tcPr>
+                </a:tc>
+                <a:tc rowSpan="2">
+                  <a:txBody>
+                    <a:bodyPr/>
+                    <a:lstStyle/>
+                    <a:p>
+                      <a:pPr marL="0" indent="0" algn="ctr">
+                        <a:buFont typeface="+mj-lt"/>
+                        <a:buNone/>
+                      </a:pPr>
+                      <a:r>
+                        <a:rPr lang="en-US" dirty="0" smtClean="0"/>
+                        <a:t>PURPOSE</a:t>
+                      </a:r>
+                      <a:endParaRPr lang="en-US" dirty="0"/>
+                    </a:p>
+                  </a:txBody>
+                  <a:tcPr anchor="ctr">
+                    <a:solidFill>
+                      <a:schemeClr val="bg1">
+                        <a:lumMod val="75000"/>
+                      </a:schemeClr>
+                    </a:solidFill>
+                  </a:tcPr>
+                </a:tc>
+                <a:tc gridSpan="3">
+                  <a:txBody>
+                    <a:bodyPr/>
+                    <a:lstStyle/>
+                    <a:p>
+                      <a:pPr algn="ctr"/>
+                      <a:r>
+                        <a:rPr lang="en-US" dirty="0" smtClean="0"/>
+                        <a:t>DIFFERENCE</a:t>
+                      </a:r>
+                      <a:r>
+                        <a:rPr lang="en-US" baseline="0" dirty="0" smtClean="0"/>
+                        <a:t> </a:t>
+                      </a:r>
+                      <a:endParaRPr lang="en-US" dirty="0"/>
+                    </a:p>
+                  </a:txBody>
+                  <a:tcPr anchor="ctr">
+                    <a:solidFill>
+                      <a:schemeClr val="bg1">
+                        <a:lumMod val="75000"/>
+                      </a:schemeClr>
+                    </a:solidFill>
+                  </a:tcPr>
+                </a:tc>
+                <a:tc hMerge="1">
+                  <a:txBody>
+                    <a:bodyPr/>
+                    <a:lstStyle/>
+                    <a:p>
+                      <a:endParaRPr lang="en-US" dirty="0"/>
+                    </a:p>
+                  </a:txBody>
+                  <a:tcPr/>
+                </a:tc>
+                <a:tc hMerge="1">
+                  <a:txBody>
+                    <a:bodyPr/>
+                    <a:lstStyle/>
+                    <a:p>
+                      <a:endParaRPr lang="en-US" dirty="0"/>
+                    </a:p>
+                  </a:txBody>
+                  <a:tcPr/>
+                </a:tc>
+              </a:tr>
+              <a:tr h="503868">
+                <a:tc vMerge="1">
+                  <a:txBody>
+                    <a:bodyPr/>
+                    <a:lstStyle/>
+                    <a:p>
+                      <a:endParaRPr lang="en-US" sz="1400" dirty="0"/>
+                    </a:p>
+                  </a:txBody>
+                  <a:tcPr/>
+                </a:tc>
+                <a:tc vMerge="1">
+                  <a:txBody>
+                    <a:bodyPr/>
+                    <a:lstStyle/>
+                    <a:p>
+                      <a:pPr marL="342900" marR="0" indent="-342900" algn="l" defTabSz="914400" rtl="0" eaLnBrk="1" fontAlgn="auto" latinLnBrk="0" hangingPunct="1">
+                        <a:lnSpc>
+                          <a:spcPct val="100000"/>
+                        </a:lnSpc>
+                        <a:spcBef>
+                          <a:spcPts val="0"/>
+                        </a:spcBef>
+                        <a:spcAft>
+                          <a:spcPts val="0"/>
+                        </a:spcAft>
+                        <a:buClrTx/>
+                        <a:buSzTx/>
+                        <a:buFont typeface="+mj-lt"/>
+                        <a:buAutoNum type="arabicPeriod"/>
+                        <a:tabLst/>
+                        <a:defRPr/>
+                      </a:pPr>
+                      <a:endParaRPr lang="en-US" sz="1800" b="1" i="0" kern="1200" dirty="0" smtClean="0">
+                        <a:solidFill>
+                          <a:schemeClr val="dk1"/>
+                        </a:solidFill>
+                        <a:effectLst/>
+                        <a:latin typeface="+mn-lt"/>
+                        <a:ea typeface="+mn-ea"/>
+                        <a:cs typeface="+mn-cs"/>
+                      </a:endParaRPr>
+                    </a:p>
+                  </a:txBody>
+                  <a:tcPr/>
+                </a:tc>
+                <a:tc>
+                  <a:txBody>
+                    <a:bodyPr/>
+                    <a:lstStyle/>
+                    <a:p>
+                      <a:pPr algn="ctr"/>
+                      <a:r>
+                        <a:rPr lang="en-US" dirty="0" smtClean="0"/>
+                        <a:t>UI Feedback</a:t>
+                      </a:r>
+                      <a:endParaRPr lang="en-US" dirty="0"/>
+                    </a:p>
+                  </a:txBody>
+                  <a:tcPr anchor="ctr">
+                    <a:solidFill>
+                      <a:schemeClr val="bg1">
+                        <a:lumMod val="75000"/>
+                      </a:schemeClr>
+                    </a:solidFill>
+                  </a:tcPr>
+                </a:tc>
+                <a:tc>
+                  <a:txBody>
+                    <a:bodyPr/>
+                    <a:lstStyle/>
+                    <a:p>
+                      <a:pPr algn="ctr"/>
+                      <a:r>
+                        <a:rPr lang="en-US" dirty="0" smtClean="0"/>
+                        <a:t>Android</a:t>
+                      </a:r>
+                      <a:endParaRPr lang="en-US" dirty="0"/>
+                    </a:p>
+                  </a:txBody>
+                  <a:tcPr anchor="ctr">
+                    <a:solidFill>
+                      <a:schemeClr val="bg1">
+                        <a:lumMod val="75000"/>
+                      </a:schemeClr>
+                    </a:solidFill>
+                  </a:tcPr>
+                </a:tc>
+                <a:tc>
+                  <a:txBody>
+                    <a:bodyPr/>
+                    <a:lstStyle/>
+                    <a:p>
+                      <a:pPr algn="ctr"/>
+                      <a:r>
+                        <a:rPr lang="en-US" dirty="0" err="1" smtClean="0"/>
+                        <a:t>iOS</a:t>
+                      </a:r>
+                      <a:endParaRPr lang="en-US" dirty="0"/>
+                    </a:p>
+                  </a:txBody>
+                  <a:tcPr anchor="ctr">
+                    <a:solidFill>
+                      <a:schemeClr val="bg1">
+                        <a:lumMod val="75000"/>
+                      </a:schemeClr>
+                    </a:solidFill>
+                  </a:tcPr>
+                </a:tc>
+              </a:tr>
+              <a:tr h="503868">
+                <a:tc>
+                  <a:txBody>
+                    <a:bodyPr/>
+                    <a:lstStyle/>
+                    <a:p>
+                      <a:pPr algn="l"/>
+                      <a:r>
+                        <a:rPr lang="en-US" sz="1400" dirty="0" smtClean="0"/>
+                        <a:t>&lt;</a:t>
+                      </a:r>
+                      <a:r>
+                        <a:rPr lang="en-US" sz="1400" dirty="0" err="1" smtClean="0"/>
+                        <a:t>TouchableHighLight</a:t>
+                      </a:r>
+                      <a:r>
+                        <a:rPr lang="en-US" sz="1400" dirty="0" smtClean="0"/>
+                        <a:t> /&gt;</a:t>
+                      </a:r>
+                      <a:endParaRPr lang="en-US" sz="1400" dirty="0"/>
+                    </a:p>
+                  </a:txBody>
+                  <a:tcPr anchor="ctr">
+                    <a:solidFill>
+                      <a:schemeClr val="bg1"/>
+                    </a:solidFill>
+                  </a:tcPr>
+                </a:tc>
+                <a:tc rowSpan="4">
+                  <a:txBody>
+                    <a:bodyPr/>
+                    <a:lstStyle/>
+                    <a:p>
+                      <a:pPr marL="0" marR="0" indent="0" algn="ctr" defTabSz="914400" rtl="0" eaLnBrk="1" fontAlgn="auto" latinLnBrk="0" hangingPunct="1">
+                        <a:lnSpc>
+                          <a:spcPct val="100000"/>
+                        </a:lnSpc>
+                        <a:spcBef>
+                          <a:spcPts val="0"/>
+                        </a:spcBef>
+                        <a:spcAft>
+                          <a:spcPts val="0"/>
+                        </a:spcAft>
+                        <a:buClrTx/>
+                        <a:buSzTx/>
+                        <a:buFontTx/>
+                        <a:buNone/>
+                        <a:tabLst/>
+                        <a:defRPr/>
+                      </a:pPr>
+                      <a:r>
+                        <a:rPr lang="en-US" sz="1800" kern="1200" dirty="0" smtClean="0">
+                          <a:effectLst/>
+                        </a:rPr>
+                        <a:t>Handle Touches</a:t>
+                      </a:r>
+                      <a:endParaRPr lang="en-US" sz="1800" b="1" i="0" kern="1200" dirty="0" smtClean="0">
+                        <a:solidFill>
+                          <a:schemeClr val="dk1"/>
+                        </a:solidFill>
+                        <a:effectLst/>
+                        <a:latin typeface="+mn-lt"/>
+                        <a:ea typeface="+mn-ea"/>
+                        <a:cs typeface="+mn-cs"/>
+                      </a:endParaRPr>
+                    </a:p>
+                  </a:txBody>
+                  <a:tcPr anchor="ctr">
+                    <a:solidFill>
+                      <a:schemeClr val="bg1"/>
+                    </a:solidFill>
+                  </a:tcPr>
+                </a:tc>
+                <a:tc>
+                  <a:txBody>
+                    <a:bodyPr/>
+                    <a:lstStyle/>
+                    <a:p>
+                      <a:pPr algn="ctr"/>
+                      <a:r>
+                        <a:rPr lang="en-US" dirty="0" smtClean="0">
+                          <a:sym typeface="Wingdings" panose="05000000000000000000" pitchFamily="2" charset="2"/>
+                        </a:rPr>
+                        <a:t></a:t>
+                      </a:r>
+                      <a:endParaRPr lang="en-US" dirty="0"/>
+                    </a:p>
+                  </a:txBody>
+                  <a:tcPr anchor="ctr">
+                    <a:solidFill>
+                      <a:schemeClr val="bg1"/>
+                    </a:solidFill>
+                  </a:tcPr>
+                </a:tc>
+                <a:tc>
+                  <a:txBody>
+                    <a:bodyPr/>
+                    <a:lstStyle/>
+                    <a:p>
+                      <a:pPr algn="ctr"/>
+                      <a:r>
+                        <a:rPr lang="en-US" dirty="0" smtClean="0">
+                          <a:sym typeface="Wingdings" panose="05000000000000000000" pitchFamily="2" charset="2"/>
+                        </a:rPr>
+                        <a:t></a:t>
+                      </a:r>
+                      <a:endParaRPr lang="en-US" dirty="0"/>
+                    </a:p>
+                  </a:txBody>
+                  <a:tcPr anchor="ctr">
+                    <a:solidFill>
+                      <a:schemeClr val="bg1"/>
+                    </a:solidFill>
+                  </a:tcPr>
+                </a:tc>
+                <a:tc>
+                  <a:txBody>
+                    <a:bodyPr/>
+                    <a:lstStyle/>
+                    <a:p>
+                      <a:pPr algn="ctr"/>
+                      <a:r>
+                        <a:rPr lang="en-US" dirty="0" smtClean="0">
+                          <a:sym typeface="Wingdings" panose="05000000000000000000" pitchFamily="2" charset="2"/>
+                        </a:rPr>
+                        <a:t></a:t>
+                      </a:r>
+                      <a:endParaRPr lang="en-US" dirty="0"/>
+                    </a:p>
+                  </a:txBody>
+                  <a:tcPr anchor="ctr">
+                    <a:solidFill>
+                      <a:schemeClr val="bg1"/>
+                    </a:solidFill>
+                  </a:tcPr>
+                </a:tc>
+              </a:tr>
+              <a:tr h="462280">
+                <a:tc>
+                  <a:txBody>
+                    <a:bodyPr/>
+                    <a:lstStyle/>
+                    <a:p>
+                      <a:pPr marL="0" marR="0" indent="0" algn="l" defTabSz="914400" rtl="0" eaLnBrk="1" fontAlgn="auto" latinLnBrk="0" hangingPunct="1">
+                        <a:lnSpc>
+                          <a:spcPct val="100000"/>
+                        </a:lnSpc>
+                        <a:spcBef>
+                          <a:spcPts val="0"/>
+                        </a:spcBef>
+                        <a:spcAft>
+                          <a:spcPts val="0"/>
+                        </a:spcAft>
+                        <a:buClrTx/>
+                        <a:buSzTx/>
+                        <a:buFontTx/>
+                        <a:buNone/>
+                        <a:tabLst/>
+                        <a:defRPr/>
+                      </a:pPr>
+                      <a:r>
+                        <a:rPr lang="en-US" sz="1400" dirty="0" smtClean="0"/>
+                        <a:t>&lt;</a:t>
+                      </a:r>
+                      <a:r>
+                        <a:rPr lang="en-US" sz="1400" dirty="0" err="1" smtClean="0"/>
+                        <a:t>TouchableOpacity</a:t>
+                      </a:r>
+                      <a:r>
+                        <a:rPr lang="en-US" sz="1400" dirty="0" smtClean="0"/>
+                        <a:t> /&gt;</a:t>
+                      </a:r>
+                      <a:endParaRPr lang="en-US" sz="1400" b="1" dirty="0" smtClean="0">
+                        <a:latin typeface="Arial" pitchFamily="34" charset="0"/>
+                        <a:cs typeface="Arial" pitchFamily="34" charset="0"/>
+                      </a:endParaRPr>
+                    </a:p>
+                  </a:txBody>
+                  <a:tcPr anchor="ctr">
+                    <a:solidFill>
+                      <a:schemeClr val="bg1"/>
+                    </a:solidFill>
+                  </a:tcPr>
+                </a:tc>
+                <a:tc vMerge="1">
+                  <a:txBody>
+                    <a:bodyPr/>
+                    <a:lstStyle/>
+                    <a:p>
+                      <a:endParaRPr lang="en-US"/>
+                    </a:p>
+                  </a:txBody>
+                  <a:tcPr/>
+                </a:tc>
+                <a:tc>
+                  <a:txBody>
+                    <a:bodyPr/>
+                    <a:lstStyle/>
+                    <a:p>
+                      <a:pPr algn="ctr"/>
+                      <a:r>
+                        <a:rPr lang="en-US" dirty="0" smtClean="0">
+                          <a:sym typeface="Wingdings" panose="05000000000000000000" pitchFamily="2" charset="2"/>
+                        </a:rPr>
+                        <a:t></a:t>
+                      </a:r>
+                      <a:endParaRPr lang="en-US" dirty="0"/>
+                    </a:p>
+                  </a:txBody>
+                  <a:tcPr anchor="ctr">
+                    <a:solidFill>
+                      <a:schemeClr val="bg1"/>
+                    </a:solidFill>
+                  </a:tcPr>
+                </a:tc>
+                <a:tc>
+                  <a:txBody>
+                    <a:bodyPr/>
+                    <a:lstStyle/>
+                    <a:p>
+                      <a:pPr algn="ctr"/>
+                      <a:r>
+                        <a:rPr lang="en-US" dirty="0" smtClean="0">
+                          <a:sym typeface="Wingdings" panose="05000000000000000000" pitchFamily="2" charset="2"/>
+                        </a:rPr>
+                        <a:t></a:t>
+                      </a:r>
+                      <a:endParaRPr lang="en-US" dirty="0"/>
+                    </a:p>
+                  </a:txBody>
+                  <a:tcPr anchor="ctr">
+                    <a:solidFill>
+                      <a:schemeClr val="bg1"/>
+                    </a:solidFill>
+                  </a:tcPr>
+                </a:tc>
+                <a:tc>
+                  <a:txBody>
+                    <a:bodyPr/>
+                    <a:lstStyle/>
+                    <a:p>
+                      <a:pPr algn="ctr"/>
+                      <a:r>
+                        <a:rPr lang="en-US" dirty="0" smtClean="0">
+                          <a:sym typeface="Wingdings" panose="05000000000000000000" pitchFamily="2" charset="2"/>
+                        </a:rPr>
+                        <a:t></a:t>
+                      </a:r>
+                      <a:endParaRPr lang="en-US" dirty="0"/>
+                    </a:p>
+                  </a:txBody>
+                  <a:tcPr anchor="ctr">
+                    <a:solidFill>
+                      <a:schemeClr val="bg1"/>
+                    </a:solidFill>
+                  </a:tcPr>
+                </a:tc>
+              </a:tr>
+              <a:tr h="508948">
+                <a:tc>
+                  <a:txBody>
+                    <a:bodyPr/>
+                    <a:lstStyle/>
+                    <a:p>
+                      <a:pPr marL="0" marR="0" indent="0" algn="l" defTabSz="914400" rtl="0" eaLnBrk="1" fontAlgn="auto" latinLnBrk="0" hangingPunct="1">
+                        <a:lnSpc>
+                          <a:spcPct val="100000"/>
+                        </a:lnSpc>
+                        <a:spcBef>
+                          <a:spcPts val="0"/>
+                        </a:spcBef>
+                        <a:spcAft>
+                          <a:spcPts val="0"/>
+                        </a:spcAft>
+                        <a:buClrTx/>
+                        <a:buSzTx/>
+                        <a:buFontTx/>
+                        <a:buNone/>
+                        <a:tabLst/>
+                        <a:defRPr/>
+                      </a:pPr>
+                      <a:r>
+                        <a:rPr lang="en-US" sz="1400" dirty="0" smtClean="0"/>
+                        <a:t>&lt;</a:t>
+                      </a:r>
+                      <a:r>
+                        <a:rPr lang="en-US" sz="1400" dirty="0" err="1" smtClean="0"/>
+                        <a:t>TouchableWithoutFeedback</a:t>
+                      </a:r>
+                      <a:r>
+                        <a:rPr lang="en-US" sz="1400" dirty="0" smtClean="0"/>
+                        <a:t>  /&gt;</a:t>
+                      </a:r>
+                      <a:endParaRPr lang="en-US" sz="1400" b="1" dirty="0" smtClean="0">
+                        <a:latin typeface="Arial" pitchFamily="34" charset="0"/>
+                        <a:cs typeface="Arial" pitchFamily="34" charset="0"/>
+                      </a:endParaRPr>
+                    </a:p>
+                  </a:txBody>
+                  <a:tcPr anchor="ctr">
+                    <a:solidFill>
+                      <a:schemeClr val="bg1"/>
+                    </a:solidFill>
+                  </a:tcPr>
+                </a:tc>
+                <a:tc vMerge="1">
+                  <a:txBody>
+                    <a:bodyPr/>
+                    <a:lstStyle/>
+                    <a:p>
+                      <a:endParaRPr lang="en-US"/>
+                    </a:p>
+                  </a:txBody>
+                  <a:tcPr/>
+                </a:tc>
+                <a:tc>
+                  <a:txBody>
+                    <a:bodyPr/>
+                    <a:lstStyle/>
+                    <a:p>
+                      <a:pPr marL="0" marR="0" indent="0" algn="ctr" defTabSz="914400" rtl="0" eaLnBrk="1" fontAlgn="auto" latinLnBrk="0" hangingPunct="1">
+                        <a:lnSpc>
+                          <a:spcPct val="100000"/>
+                        </a:lnSpc>
+                        <a:spcBef>
+                          <a:spcPts val="0"/>
+                        </a:spcBef>
+                        <a:spcAft>
+                          <a:spcPts val="0"/>
+                        </a:spcAft>
+                        <a:buClrTx/>
+                        <a:buSzTx/>
+                        <a:buFontTx/>
+                        <a:buNone/>
+                        <a:tabLst/>
+                        <a:defRPr/>
+                      </a:pPr>
+                      <a:r>
+                        <a:rPr lang="en-US" dirty="0" smtClean="0">
+                          <a:solidFill>
+                            <a:srgbClr val="FF0000"/>
+                          </a:solidFill>
+                          <a:sym typeface="Wingdings" panose="05000000000000000000" pitchFamily="2" charset="2"/>
+                        </a:rPr>
+                        <a:t></a:t>
+                      </a:r>
+                      <a:endParaRPr lang="en-US" dirty="0" smtClean="0">
+                        <a:solidFill>
+                          <a:srgbClr val="FF0000"/>
+                        </a:solidFill>
+                      </a:endParaRPr>
+                    </a:p>
+                  </a:txBody>
+                  <a:tcPr anchor="ctr">
+                    <a:solidFill>
+                      <a:schemeClr val="bg1"/>
+                    </a:solidFill>
+                  </a:tcPr>
+                </a:tc>
+                <a:tc>
+                  <a:txBody>
+                    <a:bodyPr/>
+                    <a:lstStyle/>
+                    <a:p>
+                      <a:pPr algn="ctr"/>
+                      <a:r>
+                        <a:rPr lang="en-US" dirty="0" smtClean="0">
+                          <a:sym typeface="Wingdings" panose="05000000000000000000" pitchFamily="2" charset="2"/>
+                        </a:rPr>
+                        <a:t></a:t>
+                      </a:r>
+                      <a:endParaRPr lang="en-US" dirty="0"/>
+                    </a:p>
+                  </a:txBody>
+                  <a:tcPr anchor="ctr">
+                    <a:solidFill>
+                      <a:schemeClr val="bg1"/>
+                    </a:solidFill>
+                  </a:tcPr>
+                </a:tc>
+                <a:tc>
+                  <a:txBody>
+                    <a:bodyPr/>
+                    <a:lstStyle/>
+                    <a:p>
+                      <a:pPr marL="0" marR="0" indent="0" algn="ctr" defTabSz="914400" rtl="0" eaLnBrk="1" fontAlgn="auto" latinLnBrk="0" hangingPunct="1">
+                        <a:lnSpc>
+                          <a:spcPct val="100000"/>
+                        </a:lnSpc>
+                        <a:spcBef>
+                          <a:spcPts val="0"/>
+                        </a:spcBef>
+                        <a:spcAft>
+                          <a:spcPts val="0"/>
+                        </a:spcAft>
+                        <a:buClrTx/>
+                        <a:buSzTx/>
+                        <a:buFontTx/>
+                        <a:buNone/>
+                        <a:tabLst/>
+                        <a:defRPr/>
+                      </a:pPr>
+                      <a:r>
+                        <a:rPr lang="en-US" dirty="0" smtClean="0">
+                          <a:sym typeface="Wingdings" panose="05000000000000000000" pitchFamily="2" charset="2"/>
+                        </a:rPr>
+                        <a:t></a:t>
+                      </a:r>
+                      <a:endParaRPr lang="en-US" dirty="0" smtClean="0">
+                        <a:solidFill>
+                          <a:srgbClr val="FF0000"/>
+                        </a:solidFill>
+                      </a:endParaRPr>
+                    </a:p>
+                  </a:txBody>
+                  <a:tcPr anchor="ctr">
+                    <a:solidFill>
+                      <a:schemeClr val="bg1"/>
+                    </a:solidFill>
+                  </a:tcPr>
+                </a:tc>
+              </a:tr>
+              <a:tr h="457200">
+                <a:tc>
+                  <a:txBody>
+                    <a:bodyPr/>
+                    <a:lstStyle/>
+                    <a:p>
+                      <a:pPr algn="l"/>
+                      <a:r>
+                        <a:rPr lang="en-US" sz="1400" dirty="0" smtClean="0"/>
+                        <a:t>&lt;</a:t>
+                      </a:r>
+                      <a:r>
+                        <a:rPr lang="en-US" sz="1400" dirty="0" err="1" smtClean="0"/>
+                        <a:t>TouchableNativeFeedback</a:t>
+                      </a:r>
+                      <a:r>
+                        <a:rPr lang="en-US" sz="1400" dirty="0" smtClean="0"/>
+                        <a:t>  /&gt; </a:t>
+                      </a:r>
+                      <a:endParaRPr lang="en-US" sz="1400" dirty="0"/>
+                    </a:p>
+                  </a:txBody>
+                  <a:tcPr anchor="ctr">
+                    <a:solidFill>
+                      <a:schemeClr val="bg1"/>
+                    </a:solidFill>
+                  </a:tcPr>
+                </a:tc>
+                <a:tc vMerge="1">
+                  <a:txBody>
+                    <a:bodyPr/>
+                    <a:lstStyle/>
+                    <a:p>
+                      <a:endParaRPr lang="en-US"/>
+                    </a:p>
+                  </a:txBody>
+                  <a:tcPr/>
+                </a:tc>
+                <a:tc>
+                  <a:txBody>
+                    <a:bodyPr/>
+                    <a:lstStyle/>
+                    <a:p>
+                      <a:pPr algn="ctr"/>
+                      <a:r>
+                        <a:rPr lang="en-US" dirty="0" smtClean="0">
+                          <a:sym typeface="Wingdings" panose="05000000000000000000" pitchFamily="2" charset="2"/>
+                        </a:rPr>
+                        <a:t></a:t>
+                      </a:r>
+                      <a:endParaRPr lang="en-US" dirty="0">
+                        <a:solidFill>
+                          <a:srgbClr val="FF0000"/>
+                        </a:solidFill>
+                      </a:endParaRPr>
+                    </a:p>
+                  </a:txBody>
+                  <a:tcPr anchor="ctr">
+                    <a:solidFill>
+                      <a:schemeClr val="bg1"/>
+                    </a:solidFill>
+                  </a:tcPr>
+                </a:tc>
+                <a:tc>
+                  <a:txBody>
+                    <a:bodyPr/>
+                    <a:lstStyle/>
+                    <a:p>
+                      <a:pPr algn="ctr"/>
+                      <a:r>
+                        <a:rPr lang="en-US" dirty="0" smtClean="0">
+                          <a:sym typeface="Wingdings" panose="05000000000000000000" pitchFamily="2" charset="2"/>
+                        </a:rPr>
+                        <a:t></a:t>
+                      </a:r>
+                      <a:endParaRPr lang="en-US" dirty="0"/>
+                    </a:p>
+                  </a:txBody>
+                  <a:tcPr anchor="ctr">
+                    <a:solidFill>
+                      <a:schemeClr val="bg1"/>
+                    </a:solidFill>
+                  </a:tcPr>
+                </a:tc>
+                <a:tc>
+                  <a:txBody>
+                    <a:bodyPr/>
+                    <a:lstStyle/>
+                    <a:p>
+                      <a:pPr marL="0" marR="0" indent="0" algn="ctr" defTabSz="914400" rtl="0" eaLnBrk="1" fontAlgn="auto" latinLnBrk="0" hangingPunct="1">
+                        <a:lnSpc>
+                          <a:spcPct val="100000"/>
+                        </a:lnSpc>
+                        <a:spcBef>
+                          <a:spcPts val="0"/>
+                        </a:spcBef>
+                        <a:spcAft>
+                          <a:spcPts val="0"/>
+                        </a:spcAft>
+                        <a:buClrTx/>
+                        <a:buSzTx/>
+                        <a:buFontTx/>
+                        <a:buNone/>
+                        <a:tabLst/>
+                        <a:defRPr/>
+                      </a:pPr>
+                      <a:r>
+                        <a:rPr lang="en-US" dirty="0" smtClean="0">
+                          <a:solidFill>
+                            <a:srgbClr val="FF0000"/>
+                          </a:solidFill>
+                          <a:sym typeface="Wingdings" panose="05000000000000000000" pitchFamily="2" charset="2"/>
+                        </a:rPr>
+                        <a:t></a:t>
+                      </a:r>
+                      <a:endParaRPr lang="en-US" dirty="0" smtClean="0">
+                        <a:solidFill>
+                          <a:srgbClr val="FF0000"/>
+                        </a:solidFill>
+                      </a:endParaRPr>
+                    </a:p>
+                  </a:txBody>
+                  <a:tcPr anchor="ctr">
+                    <a:solidFill>
+                      <a:schemeClr val="bg1"/>
+                    </a:solidFill>
+                  </a:tcPr>
+                </a:tc>
+              </a:tr>
+            </a:tbl>
+          </a:graphicData>
+        </a:graphic>
+      </p:graphicFrame>
+      <p:sp>
+        <p:nvSpPr>
+          <p:cNvPr id="4" name="TextBox 3"/>
+          <p:cNvSpPr txBox="1"/>
+          <p:nvPr/>
+        </p:nvSpPr>
+        <p:spPr>
+          <a:xfrm>
+            <a:off x="914400" y="1066800"/>
+            <a:ext cx="7467600" cy="769441"/>
+          </a:xfrm>
+          <a:prstGeom prst="rect">
+            <a:avLst/>
+          </a:prstGeom>
+          <a:noFill/>
+        </p:spPr>
+        <p:txBody>
+          <a:bodyPr wrap="square" rtlCol="0">
+            <a:spAutoFit/>
+          </a:bodyPr>
+          <a:lstStyle/>
+          <a:p>
+            <a:pPr algn="ctr"/>
+            <a:r>
+              <a:rPr lang="en-US" sz="4400" dirty="0" err="1" smtClean="0">
+                <a:latin typeface="Arial" panose="020B0604020202020204" pitchFamily="34" charset="0"/>
+                <a:cs typeface="Arial" panose="020B0604020202020204" pitchFamily="34" charset="0"/>
+              </a:rPr>
+              <a:t>Tappable</a:t>
+            </a:r>
+            <a:r>
+              <a:rPr lang="en-US" sz="4400" dirty="0" smtClean="0">
+                <a:latin typeface="Arial" panose="020B0604020202020204" pitchFamily="34" charset="0"/>
+                <a:cs typeface="Arial" panose="020B0604020202020204" pitchFamily="34" charset="0"/>
+              </a:rPr>
+              <a:t> Components</a:t>
+            </a:r>
+            <a:endParaRPr lang="en-US" sz="4400" dirty="0">
+              <a:latin typeface="Arial" panose="020B0604020202020204" pitchFamily="34" charset="0"/>
+              <a:cs typeface="Arial" panose="020B0604020202020204" pitchFamily="34" charset="0"/>
+            </a:endParaRPr>
+          </a:p>
+        </p:txBody>
+      </p:sp>
+    </p:spTree>
+    <p:extLst>
+      <p:ext uri="{BB962C8B-B14F-4D97-AF65-F5344CB8AC3E}">
+        <p14:creationId xmlns:p14="http://schemas.microsoft.com/office/powerpoint/2010/main" val="3601957281"/>
       </p:ext>
     </p:extLst>
   </p:cSld>
@@ -7138,7 +12800,7 @@
 </p:sld>
 </file>
 
-<file path=ppt/slides/slide4.xml><?xml version="1.0" encoding="utf-8"?>
+<file path=ppt/slides/slide5.xml><?xml version="1.0" encoding="utf-8"?>
 <p:sld xmlns:a="http://schemas.openxmlformats.org/drawingml/2006/main" xmlns:r="http://schemas.openxmlformats.org/officeDocument/2006/relationships" xmlns:p="http://schemas.openxmlformats.org/presentationml/2006/main">
   <p:cSld>
     <p:spTree>
@@ -7167,8 +12829,8 @@
         </p:nvSpPr>
         <p:spPr>
           <a:xfrm>
-            <a:off x="457200" y="457200"/>
-            <a:ext cx="8229600" cy="1143000"/>
+            <a:off x="963426" y="381000"/>
+            <a:ext cx="7086600" cy="1143000"/>
           </a:xfrm>
         </p:spPr>
         <p:txBody>
@@ -7231,8 +12893,655 @@
         </p:blipFill>
         <p:spPr>
           <a:xfrm>
-            <a:off x="1187824" y="2362200"/>
+            <a:off x="1142999" y="3200400"/>
             <a:ext cx="7110076" cy="2834886"/>
+          </a:xfrm>
+          <a:prstGeom prst="rect">
+            <a:avLst/>
+          </a:prstGeom>
+        </p:spPr>
+      </p:pic>
+      <p:sp>
+        <p:nvSpPr>
+          <p:cNvPr id="4" name="TextBox 3"/>
+          <p:cNvSpPr txBox="1"/>
+          <p:nvPr/>
+        </p:nvSpPr>
+        <p:spPr>
+          <a:xfrm>
+            <a:off x="1175326" y="1524000"/>
+            <a:ext cx="6312947" cy="1420325"/>
+          </a:xfrm>
+          <a:prstGeom prst="rect">
+            <a:avLst/>
+          </a:prstGeom>
+          <a:noFill/>
+        </p:spPr>
+        <p:txBody>
+          <a:bodyPr wrap="none" rtlCol="0">
+            <a:spAutoFit/>
+          </a:bodyPr>
+          <a:lstStyle/>
+          <a:p>
+            <a:pPr marL="342900" indent="-342900">
+              <a:lnSpc>
+                <a:spcPct val="150000"/>
+              </a:lnSpc>
+              <a:buFont typeface="Arial" panose="020B0604020202020204" pitchFamily="34" charset="0"/>
+              <a:buChar char="•"/>
+            </a:pPr>
+            <a:r>
+              <a:rPr lang="en-US" sz="2000" dirty="0">
+                <a:latin typeface="Arial" panose="020B0604020202020204" pitchFamily="34" charset="0"/>
+                <a:cs typeface="Arial" panose="020B0604020202020204" pitchFamily="34" charset="0"/>
+              </a:rPr>
+              <a:t>M</a:t>
+            </a:r>
+            <a:r>
+              <a:rPr lang="en-US" sz="2000" dirty="0" smtClean="0">
+                <a:latin typeface="Arial" panose="020B0604020202020204" pitchFamily="34" charset="0"/>
+                <a:cs typeface="Arial" panose="020B0604020202020204" pitchFamily="34" charset="0"/>
+              </a:rPr>
+              <a:t>ust </a:t>
+            </a:r>
+            <a:r>
+              <a:rPr lang="en-US" sz="2000" dirty="0">
+                <a:latin typeface="Arial" panose="020B0604020202020204" pitchFamily="34" charset="0"/>
+                <a:cs typeface="Arial" panose="020B0604020202020204" pitchFamily="34" charset="0"/>
+              </a:rPr>
+              <a:t>have one child (not zero or more than one</a:t>
+            </a:r>
+            <a:r>
+              <a:rPr lang="en-US" sz="2000" dirty="0" smtClean="0">
+                <a:latin typeface="Arial" panose="020B0604020202020204" pitchFamily="34" charset="0"/>
+                <a:cs typeface="Arial" panose="020B0604020202020204" pitchFamily="34" charset="0"/>
+              </a:rPr>
+              <a:t>)</a:t>
+            </a:r>
+          </a:p>
+          <a:p>
+            <a:pPr marL="342900" indent="-342900">
+              <a:lnSpc>
+                <a:spcPct val="150000"/>
+              </a:lnSpc>
+              <a:buFont typeface="Arial" panose="020B0604020202020204" pitchFamily="34" charset="0"/>
+              <a:buChar char="•"/>
+            </a:pPr>
+            <a:r>
+              <a:rPr lang="en-US" sz="2000" dirty="0">
+                <a:latin typeface="Arial" panose="020B0604020202020204" pitchFamily="34" charset="0"/>
+                <a:cs typeface="Arial" panose="020B0604020202020204" pitchFamily="34" charset="0"/>
+              </a:rPr>
+              <a:t>If you wish to have several child components, </a:t>
+            </a:r>
+            <a:r>
+              <a:rPr lang="en-US" sz="2000" dirty="0" smtClean="0">
+                <a:latin typeface="Arial" panose="020B0604020202020204" pitchFamily="34" charset="0"/>
+                <a:cs typeface="Arial" panose="020B0604020202020204" pitchFamily="34" charset="0"/>
+              </a:rPr>
+              <a:t>wrap</a:t>
+            </a:r>
+          </a:p>
+          <a:p>
+            <a:pPr>
+              <a:lnSpc>
+                <a:spcPct val="150000"/>
+              </a:lnSpc>
+            </a:pPr>
+            <a:r>
+              <a:rPr lang="en-US" sz="2000" dirty="0" smtClean="0">
+                <a:latin typeface="Arial" panose="020B0604020202020204" pitchFamily="34" charset="0"/>
+                <a:cs typeface="Arial" panose="020B0604020202020204" pitchFamily="34" charset="0"/>
+              </a:rPr>
+              <a:t>them in </a:t>
+            </a:r>
+            <a:r>
+              <a:rPr lang="en-US" sz="2000" dirty="0">
+                <a:latin typeface="Arial" panose="020B0604020202020204" pitchFamily="34" charset="0"/>
+                <a:cs typeface="Arial" panose="020B0604020202020204" pitchFamily="34" charset="0"/>
+              </a:rPr>
+              <a:t>a </a:t>
+            </a:r>
+            <a:r>
+              <a:rPr lang="en-US" sz="2000" dirty="0" smtClean="0">
+                <a:latin typeface="Arial" panose="020B0604020202020204" pitchFamily="34" charset="0"/>
+                <a:cs typeface="Arial" panose="020B0604020202020204" pitchFamily="34" charset="0"/>
+              </a:rPr>
+              <a:t>&lt;View /&gt;.</a:t>
+            </a:r>
+            <a:endParaRPr lang="en-US" sz="2000" dirty="0">
+              <a:latin typeface="Arial" panose="020B0604020202020204" pitchFamily="34" charset="0"/>
+              <a:cs typeface="Arial" panose="020B0604020202020204" pitchFamily="34" charset="0"/>
+            </a:endParaRPr>
+          </a:p>
+        </p:txBody>
+      </p:sp>
+    </p:spTree>
+    <p:extLst>
+      <p:ext uri="{BB962C8B-B14F-4D97-AF65-F5344CB8AC3E}">
+        <p14:creationId xmlns:p14="http://schemas.microsoft.com/office/powerpoint/2010/main" val="3964880576"/>
+      </p:ext>
+    </p:extLst>
+  </p:cSld>
+  <p:clrMapOvr>
+    <a:masterClrMapping/>
+  </p:clrMapOvr>
+  <p:timing>
+    <p:tnLst>
+      <p:par>
+        <p:cTn id="1" dur="indefinite" restart="never" nodeType="tmRoot"/>
+      </p:par>
+    </p:tnLst>
+  </p:timing>
+</p:sld>
+</file>
+
+<file path=ppt/slides/slide6.xml><?xml version="1.0" encoding="utf-8"?>
+<p:sld xmlns:a="http://schemas.openxmlformats.org/drawingml/2006/main" xmlns:r="http://schemas.openxmlformats.org/officeDocument/2006/relationships" xmlns:p="http://schemas.openxmlformats.org/presentationml/2006/main">
+  <p:cSld>
+    <p:spTree>
+      <p:nvGrpSpPr>
+        <p:cNvPr id="1" name=""/>
+        <p:cNvGrpSpPr/>
+        <p:nvPr/>
+      </p:nvGrpSpPr>
+      <p:grpSpPr>
+        <a:xfrm>
+          <a:off x="0" y="0"/>
+          <a:ext cx="0" cy="0"/>
+          <a:chOff x="0" y="0"/>
+          <a:chExt cx="0" cy="0"/>
+        </a:xfrm>
+      </p:grpSpPr>
+      <p:sp>
+        <p:nvSpPr>
+          <p:cNvPr id="2" name="Title 1"/>
+          <p:cNvSpPr>
+            <a:spLocks noGrp="1"/>
+          </p:cNvSpPr>
+          <p:nvPr>
+            <p:ph type="title"/>
+          </p:nvPr>
+        </p:nvSpPr>
+        <p:spPr>
+          <a:xfrm>
+            <a:off x="457200" y="20782"/>
+            <a:ext cx="8229600" cy="1143000"/>
+          </a:xfrm>
+        </p:spPr>
+        <p:txBody>
+          <a:bodyPr>
+            <a:normAutofit fontScale="90000"/>
+          </a:bodyPr>
+          <a:lstStyle/>
+          <a:p>
+            <a:pPr lvl="0"/>
+            <a:r>
+              <a:rPr lang="en-US" sz="3600" b="1" dirty="0" smtClean="0">
+                <a:latin typeface="Arial" pitchFamily="34" charset="0"/>
+                <a:cs typeface="Arial" pitchFamily="34" charset="0"/>
+              </a:rPr>
+              <a:t>II. Gesture </a:t>
+            </a:r>
+            <a:r>
+              <a:rPr lang="en-US" sz="3600" b="1" dirty="0">
+                <a:latin typeface="Arial" pitchFamily="34" charset="0"/>
+                <a:cs typeface="Arial" pitchFamily="34" charset="0"/>
+              </a:rPr>
+              <a:t>Responder &amp; Pan </a:t>
+            </a:r>
+            <a:r>
+              <a:rPr lang="en-US" sz="3600" b="1" dirty="0" smtClean="0">
+                <a:latin typeface="Arial" pitchFamily="34" charset="0"/>
+                <a:cs typeface="Arial" pitchFamily="34" charset="0"/>
+              </a:rPr>
+              <a:t>Responder</a:t>
+            </a:r>
+            <a:endParaRPr lang="en-US" dirty="0"/>
+          </a:p>
+        </p:txBody>
+      </p:sp>
+      <p:sp>
+        <p:nvSpPr>
+          <p:cNvPr id="4" name="TextBox 3"/>
+          <p:cNvSpPr txBox="1"/>
+          <p:nvPr/>
+        </p:nvSpPr>
+        <p:spPr>
+          <a:xfrm>
+            <a:off x="6324600" y="5867400"/>
+            <a:ext cx="2509020" cy="400110"/>
+          </a:xfrm>
+          <a:prstGeom prst="rect">
+            <a:avLst/>
+          </a:prstGeom>
+          <a:noFill/>
+        </p:spPr>
+        <p:txBody>
+          <a:bodyPr wrap="none" rtlCol="0">
+            <a:spAutoFit/>
+          </a:bodyPr>
+          <a:lstStyle/>
+          <a:p>
+            <a:r>
+              <a:rPr lang="en-US" sz="2000" dirty="0">
+                <a:solidFill>
+                  <a:srgbClr val="C00000"/>
+                </a:solidFill>
+                <a:latin typeface="Arial" panose="020B0604020202020204" pitchFamily="34" charset="0"/>
+                <a:cs typeface="Arial" panose="020B0604020202020204" pitchFamily="34" charset="0"/>
+              </a:rPr>
+              <a:t>Responder </a:t>
+            </a:r>
+            <a:r>
+              <a:rPr lang="en-US" sz="2000" dirty="0" smtClean="0">
+                <a:solidFill>
+                  <a:srgbClr val="C00000"/>
+                </a:solidFill>
+                <a:latin typeface="Arial" panose="020B0604020202020204" pitchFamily="34" charset="0"/>
+                <a:cs typeface="Arial" panose="020B0604020202020204" pitchFamily="34" charset="0"/>
+              </a:rPr>
+              <a:t>Lifecycle</a:t>
+            </a:r>
+            <a:endParaRPr lang="en-US" sz="2000" dirty="0">
+              <a:solidFill>
+                <a:srgbClr val="C00000"/>
+              </a:solidFill>
+              <a:latin typeface="Arial" panose="020B0604020202020204" pitchFamily="34" charset="0"/>
+              <a:cs typeface="Arial" panose="020B0604020202020204" pitchFamily="34" charset="0"/>
+            </a:endParaRPr>
+          </a:p>
+        </p:txBody>
+      </p:sp>
+      <p:graphicFrame>
+        <p:nvGraphicFramePr>
+          <p:cNvPr id="5" name="Diagram 4"/>
+          <p:cNvGraphicFramePr/>
+          <p:nvPr>
+            <p:extLst>
+              <p:ext uri="{D42A27DB-BD31-4B8C-83A1-F6EECF244321}">
+                <p14:modId xmlns:p14="http://schemas.microsoft.com/office/powerpoint/2010/main" val="2585648252"/>
+              </p:ext>
+            </p:extLst>
+          </p:nvPr>
+        </p:nvGraphicFramePr>
+        <p:xfrm>
+          <a:off x="2945732" y="1163783"/>
+          <a:ext cx="6122067" cy="4398818"/>
+        </p:xfrm>
+        <a:graphic>
+          <a:graphicData uri="http://schemas.openxmlformats.org/drawingml/2006/diagram">
+            <dgm:relIds xmlns:dgm="http://schemas.openxmlformats.org/drawingml/2006/diagram" xmlns:r="http://schemas.openxmlformats.org/officeDocument/2006/relationships" r:dm="rId2" r:lo="rId3" r:qs="rId4" r:cs="rId5"/>
+          </a:graphicData>
+        </a:graphic>
+      </p:graphicFrame>
+      <p:sp>
+        <p:nvSpPr>
+          <p:cNvPr id="7" name="TextBox 6"/>
+          <p:cNvSpPr txBox="1"/>
+          <p:nvPr/>
+        </p:nvSpPr>
+        <p:spPr>
+          <a:xfrm>
+            <a:off x="457200" y="1828800"/>
+            <a:ext cx="4871847" cy="1231106"/>
+          </a:xfrm>
+          <a:prstGeom prst="rect">
+            <a:avLst/>
+          </a:prstGeom>
+          <a:noFill/>
+        </p:spPr>
+        <p:txBody>
+          <a:bodyPr wrap="none" rtlCol="0">
+            <a:spAutoFit/>
+          </a:bodyPr>
+          <a:lstStyle/>
+          <a:p>
+            <a:pPr lvl="0"/>
+            <a:r>
+              <a:rPr lang="en-US" b="1" dirty="0">
+                <a:latin typeface="Arial" panose="020B0604020202020204" pitchFamily="34" charset="0"/>
+                <a:cs typeface="Arial" panose="020B0604020202020204" pitchFamily="34" charset="0"/>
+              </a:rPr>
+              <a:t>Authorized</a:t>
+            </a:r>
+          </a:p>
+          <a:p>
+            <a:pPr marL="285750" indent="-285750">
+              <a:lnSpc>
+                <a:spcPct val="150000"/>
+              </a:lnSpc>
+              <a:buFont typeface="Arial" panose="020B0604020202020204" pitchFamily="34" charset="0"/>
+              <a:buChar char="•"/>
+            </a:pPr>
+            <a:r>
+              <a:rPr lang="en-US" dirty="0" err="1" smtClean="0">
+                <a:latin typeface="Arial" panose="020B0604020202020204" pitchFamily="34" charset="0"/>
+                <a:cs typeface="Arial" panose="020B0604020202020204" pitchFamily="34" charset="0"/>
+              </a:rPr>
+              <a:t>onStartShouldSetResponder</a:t>
+            </a:r>
+            <a:r>
+              <a:rPr lang="en-US" dirty="0" smtClean="0">
+                <a:latin typeface="Arial" panose="020B0604020202020204" pitchFamily="34" charset="0"/>
+                <a:cs typeface="Arial" panose="020B0604020202020204" pitchFamily="34" charset="0"/>
+              </a:rPr>
+              <a:t>: (</a:t>
+            </a:r>
+            <a:r>
+              <a:rPr lang="en-US" dirty="0" err="1" smtClean="0">
+                <a:latin typeface="Arial" panose="020B0604020202020204" pitchFamily="34" charset="0"/>
+                <a:cs typeface="Arial" panose="020B0604020202020204" pitchFamily="34" charset="0"/>
+              </a:rPr>
+              <a:t>evt</a:t>
+            </a:r>
+            <a:r>
+              <a:rPr lang="en-US" dirty="0" smtClean="0">
+                <a:latin typeface="Arial" panose="020B0604020202020204" pitchFamily="34" charset="0"/>
+                <a:cs typeface="Arial" panose="020B0604020202020204" pitchFamily="34" charset="0"/>
+              </a:rPr>
+              <a:t>) =&gt; true</a:t>
+            </a:r>
+          </a:p>
+          <a:p>
+            <a:pPr marL="285750" indent="-285750">
+              <a:lnSpc>
+                <a:spcPct val="150000"/>
+              </a:lnSpc>
+              <a:buFont typeface="Arial" panose="020B0604020202020204" pitchFamily="34" charset="0"/>
+              <a:buChar char="•"/>
+            </a:pPr>
+            <a:r>
+              <a:rPr lang="en-US" dirty="0" err="1" smtClean="0">
+                <a:latin typeface="Arial" panose="020B0604020202020204" pitchFamily="34" charset="0"/>
+                <a:cs typeface="Arial" panose="020B0604020202020204" pitchFamily="34" charset="0"/>
+              </a:rPr>
+              <a:t>onMoveShouldSetResponder</a:t>
+            </a:r>
+            <a:r>
+              <a:rPr lang="en-US" dirty="0">
+                <a:latin typeface="Arial" panose="020B0604020202020204" pitchFamily="34" charset="0"/>
+                <a:cs typeface="Arial" panose="020B0604020202020204" pitchFamily="34" charset="0"/>
+              </a:rPr>
+              <a:t>: (</a:t>
+            </a:r>
+            <a:r>
+              <a:rPr lang="en-US" dirty="0" err="1">
+                <a:latin typeface="Arial" panose="020B0604020202020204" pitchFamily="34" charset="0"/>
+                <a:cs typeface="Arial" panose="020B0604020202020204" pitchFamily="34" charset="0"/>
+              </a:rPr>
+              <a:t>evt</a:t>
+            </a:r>
+            <a:r>
+              <a:rPr lang="en-US" dirty="0">
+                <a:latin typeface="Arial" panose="020B0604020202020204" pitchFamily="34" charset="0"/>
+                <a:cs typeface="Arial" panose="020B0604020202020204" pitchFamily="34" charset="0"/>
+              </a:rPr>
+              <a:t>) =&gt; true</a:t>
+            </a:r>
+          </a:p>
+        </p:txBody>
+      </p:sp>
+      <p:sp>
+        <p:nvSpPr>
+          <p:cNvPr id="8" name="TextBox 7"/>
+          <p:cNvSpPr txBox="1"/>
+          <p:nvPr/>
+        </p:nvSpPr>
+        <p:spPr>
+          <a:xfrm>
+            <a:off x="457199" y="4038600"/>
+            <a:ext cx="5234382" cy="1754326"/>
+          </a:xfrm>
+          <a:prstGeom prst="rect">
+            <a:avLst/>
+          </a:prstGeom>
+          <a:noFill/>
+        </p:spPr>
+        <p:txBody>
+          <a:bodyPr wrap="none" rtlCol="0">
+            <a:spAutoFit/>
+          </a:bodyPr>
+          <a:lstStyle/>
+          <a:p>
+            <a:pPr>
+              <a:lnSpc>
+                <a:spcPct val="150000"/>
+              </a:lnSpc>
+            </a:pPr>
+            <a:r>
+              <a:rPr lang="en-US" b="1" dirty="0">
+                <a:latin typeface="Arial" panose="020B0604020202020204" pitchFamily="34" charset="0"/>
+                <a:cs typeface="Arial" panose="020B0604020202020204" pitchFamily="34" charset="0"/>
+              </a:rPr>
+              <a:t>P</a:t>
+            </a:r>
+            <a:r>
+              <a:rPr lang="en-US" b="1" dirty="0" smtClean="0">
+                <a:latin typeface="Arial" panose="020B0604020202020204" pitchFamily="34" charset="0"/>
+                <a:cs typeface="Arial" panose="020B0604020202020204" pitchFamily="34" charset="0"/>
+              </a:rPr>
+              <a:t>arent </a:t>
+            </a:r>
+            <a:r>
+              <a:rPr lang="en-US" b="1" dirty="0">
+                <a:latin typeface="Arial" panose="020B0604020202020204" pitchFamily="34" charset="0"/>
+                <a:cs typeface="Arial" panose="020B0604020202020204" pitchFamily="34" charset="0"/>
+              </a:rPr>
+              <a:t>View wants to prevent the child </a:t>
+            </a:r>
+            <a:r>
+              <a:rPr lang="en-US" b="1" dirty="0" smtClean="0">
+                <a:latin typeface="Arial" panose="020B0604020202020204" pitchFamily="34" charset="0"/>
+                <a:cs typeface="Arial" panose="020B0604020202020204" pitchFamily="34" charset="0"/>
+              </a:rPr>
+              <a:t>from</a:t>
+            </a:r>
+          </a:p>
+          <a:p>
+            <a:pPr>
+              <a:lnSpc>
+                <a:spcPct val="150000"/>
+              </a:lnSpc>
+            </a:pPr>
+            <a:r>
+              <a:rPr lang="en-US" b="1" dirty="0">
+                <a:latin typeface="Arial" panose="020B0604020202020204" pitchFamily="34" charset="0"/>
+                <a:cs typeface="Arial" panose="020B0604020202020204" pitchFamily="34" charset="0"/>
+              </a:rPr>
+              <a:t>b</a:t>
+            </a:r>
+            <a:r>
+              <a:rPr lang="en-US" b="1" dirty="0" smtClean="0">
+                <a:latin typeface="Arial" panose="020B0604020202020204" pitchFamily="34" charset="0"/>
+                <a:cs typeface="Arial" panose="020B0604020202020204" pitchFamily="34" charset="0"/>
+              </a:rPr>
+              <a:t>ecoming responder </a:t>
+            </a:r>
+            <a:r>
+              <a:rPr lang="en-US" b="1" dirty="0">
+                <a:latin typeface="Arial" panose="020B0604020202020204" pitchFamily="34" charset="0"/>
+                <a:cs typeface="Arial" panose="020B0604020202020204" pitchFamily="34" charset="0"/>
+              </a:rPr>
+              <a:t>on a touch </a:t>
+            </a:r>
+            <a:r>
+              <a:rPr lang="en-US" b="1" dirty="0" smtClean="0">
+                <a:latin typeface="Arial" panose="020B0604020202020204" pitchFamily="34" charset="0"/>
+                <a:cs typeface="Arial" panose="020B0604020202020204" pitchFamily="34" charset="0"/>
+              </a:rPr>
+              <a:t>start</a:t>
+            </a:r>
+          </a:p>
+          <a:p>
+            <a:pPr marL="285750" indent="-285750">
+              <a:lnSpc>
+                <a:spcPct val="150000"/>
+              </a:lnSpc>
+              <a:buFont typeface="Arial" panose="020B0604020202020204" pitchFamily="34" charset="0"/>
+              <a:buChar char="•"/>
+            </a:pPr>
+            <a:r>
+              <a:rPr lang="en-US" dirty="0" err="1" smtClean="0"/>
+              <a:t>onStartShouldSetResponderCapture</a:t>
+            </a:r>
+            <a:r>
+              <a:rPr lang="en-US" dirty="0"/>
+              <a:t>: (</a:t>
+            </a:r>
+            <a:r>
+              <a:rPr lang="en-US" dirty="0" err="1"/>
+              <a:t>evt</a:t>
+            </a:r>
+            <a:r>
+              <a:rPr lang="en-US" dirty="0"/>
+              <a:t>) =&gt; </a:t>
+            </a:r>
+            <a:r>
+              <a:rPr lang="en-US" dirty="0" smtClean="0"/>
+              <a:t>true</a:t>
+            </a:r>
+          </a:p>
+          <a:p>
+            <a:pPr marL="285750" indent="-285750">
+              <a:lnSpc>
+                <a:spcPct val="150000"/>
+              </a:lnSpc>
+              <a:buFont typeface="Arial" panose="020B0604020202020204" pitchFamily="34" charset="0"/>
+              <a:buChar char="•"/>
+            </a:pPr>
+            <a:r>
+              <a:rPr lang="en-US" dirty="0" err="1"/>
+              <a:t>onMoveShouldSetResponderCapture</a:t>
+            </a:r>
+            <a:r>
+              <a:rPr lang="en-US" dirty="0"/>
+              <a:t>: (</a:t>
+            </a:r>
+            <a:r>
+              <a:rPr lang="en-US" dirty="0" err="1"/>
+              <a:t>evt</a:t>
+            </a:r>
+            <a:r>
+              <a:rPr lang="en-US" dirty="0"/>
+              <a:t>) =&gt; true</a:t>
+            </a:r>
+            <a:endParaRPr lang="en-US" dirty="0">
+              <a:latin typeface="Arial" panose="020B0604020202020204" pitchFamily="34" charset="0"/>
+              <a:cs typeface="Arial" panose="020B0604020202020204" pitchFamily="34" charset="0"/>
+            </a:endParaRPr>
+          </a:p>
+        </p:txBody>
+      </p:sp>
+    </p:spTree>
+    <p:extLst>
+      <p:ext uri="{BB962C8B-B14F-4D97-AF65-F5344CB8AC3E}">
+        <p14:creationId xmlns:p14="http://schemas.microsoft.com/office/powerpoint/2010/main" val="2044373562"/>
+      </p:ext>
+    </p:extLst>
+  </p:cSld>
+  <p:clrMapOvr>
+    <a:masterClrMapping/>
+  </p:clrMapOvr>
+  <p:timing>
+    <p:tnLst>
+      <p:par>
+        <p:cTn id="1" dur="indefinite" restart="never" nodeType="tmRoot"/>
+      </p:par>
+    </p:tnLst>
+  </p:timing>
+</p:sld>
+</file>
+
+<file path=ppt/slides/slide7.xml><?xml version="1.0" encoding="utf-8"?>
+<p:sld xmlns:a="http://schemas.openxmlformats.org/drawingml/2006/main" xmlns:r="http://schemas.openxmlformats.org/officeDocument/2006/relationships" xmlns:p="http://schemas.openxmlformats.org/presentationml/2006/main">
+  <p:cSld>
+    <p:spTree>
+      <p:nvGrpSpPr>
+        <p:cNvPr id="1" name=""/>
+        <p:cNvGrpSpPr/>
+        <p:nvPr/>
+      </p:nvGrpSpPr>
+      <p:grpSpPr>
+        <a:xfrm>
+          <a:off x="0" y="0"/>
+          <a:ext cx="0" cy="0"/>
+          <a:chOff x="0" y="0"/>
+          <a:chExt cx="0" cy="0"/>
+        </a:xfrm>
+      </p:grpSpPr>
+      <p:sp>
+        <p:nvSpPr>
+          <p:cNvPr id="2" name="Title 1"/>
+          <p:cNvSpPr>
+            <a:spLocks noGrp="1"/>
+          </p:cNvSpPr>
+          <p:nvPr>
+            <p:ph type="title"/>
+          </p:nvPr>
+        </p:nvSpPr>
+        <p:spPr>
+          <a:xfrm>
+            <a:off x="457199" y="685800"/>
+            <a:ext cx="8229600" cy="1143000"/>
+          </a:xfrm>
+        </p:spPr>
+        <p:txBody>
+          <a:bodyPr>
+            <a:normAutofit fontScale="90000"/>
+          </a:bodyPr>
+          <a:lstStyle/>
+          <a:p>
+            <a:pPr lvl="0"/>
+            <a:r>
+              <a:rPr lang="en-US" sz="3600" b="1" dirty="0" smtClean="0">
+                <a:latin typeface="Arial" pitchFamily="34" charset="0"/>
+                <a:cs typeface="Arial" pitchFamily="34" charset="0"/>
+              </a:rPr>
+              <a:t>II. Gesture </a:t>
+            </a:r>
+            <a:r>
+              <a:rPr lang="en-US" sz="3600" b="1" dirty="0">
+                <a:latin typeface="Arial" pitchFamily="34" charset="0"/>
+                <a:cs typeface="Arial" pitchFamily="34" charset="0"/>
+              </a:rPr>
+              <a:t>Responder &amp; Pan </a:t>
+            </a:r>
+            <a:r>
+              <a:rPr lang="en-US" sz="3600" b="1" dirty="0" smtClean="0">
+                <a:latin typeface="Arial" pitchFamily="34" charset="0"/>
+                <a:cs typeface="Arial" pitchFamily="34" charset="0"/>
+              </a:rPr>
+              <a:t>Responder</a:t>
+            </a:r>
+            <a:endParaRPr lang="en-US" dirty="0"/>
+          </a:p>
+        </p:txBody>
+      </p:sp>
+      <p:pic>
+        <p:nvPicPr>
+          <p:cNvPr id="4" name="Picture 3"/>
+          <p:cNvPicPr>
+            <a:picLocks noChangeAspect="1"/>
+          </p:cNvPicPr>
+          <p:nvPr/>
+        </p:nvPicPr>
+        <p:blipFill>
+          <a:blip r:embed="rId2">
+            <a:extLst>
+              <a:ext uri="{28A0092B-C50C-407E-A947-70E740481C1C}">
+                <a14:useLocalDpi xmlns:a14="http://schemas.microsoft.com/office/drawing/2010/main" val="0"/>
+              </a:ext>
+            </a:extLst>
+          </a:blip>
+          <a:stretch>
+            <a:fillRect/>
+          </a:stretch>
+        </p:blipFill>
+        <p:spPr>
+          <a:xfrm>
+            <a:off x="709611" y="2514600"/>
+            <a:ext cx="7724775" cy="3105150"/>
           </a:xfrm>
           <a:prstGeom prst="rect">
             <a:avLst/>
@@ -7242,7 +13551,485 @@
     </p:spTree>
     <p:extLst>
       <p:ext uri="{BB962C8B-B14F-4D97-AF65-F5344CB8AC3E}">
-        <p14:creationId xmlns:p14="http://schemas.microsoft.com/office/powerpoint/2010/main" val="3964880576"/>
+        <p14:creationId xmlns:p14="http://schemas.microsoft.com/office/powerpoint/2010/main" val="4244869215"/>
+      </p:ext>
+    </p:extLst>
+  </p:cSld>
+  <p:clrMapOvr>
+    <a:masterClrMapping/>
+  </p:clrMapOvr>
+  <p:timing>
+    <p:tnLst>
+      <p:par>
+        <p:cTn id="1" dur="indefinite" restart="never" nodeType="tmRoot"/>
+      </p:par>
+    </p:tnLst>
+  </p:timing>
+</p:sld>
+</file>
+
+<file path=ppt/slides/slide8.xml><?xml version="1.0" encoding="utf-8"?>
+<p:sld xmlns:a="http://schemas.openxmlformats.org/drawingml/2006/main" xmlns:r="http://schemas.openxmlformats.org/officeDocument/2006/relationships" xmlns:p="http://schemas.openxmlformats.org/presentationml/2006/main">
+  <p:cSld>
+    <p:spTree>
+      <p:nvGrpSpPr>
+        <p:cNvPr id="1" name=""/>
+        <p:cNvGrpSpPr/>
+        <p:nvPr/>
+      </p:nvGrpSpPr>
+      <p:grpSpPr>
+        <a:xfrm>
+          <a:off x="0" y="0"/>
+          <a:ext cx="0" cy="0"/>
+          <a:chOff x="0" y="0"/>
+          <a:chExt cx="0" cy="0"/>
+        </a:xfrm>
+      </p:grpSpPr>
+      <p:sp>
+        <p:nvSpPr>
+          <p:cNvPr id="2" name="Title 1"/>
+          <p:cNvSpPr>
+            <a:spLocks noGrp="1"/>
+          </p:cNvSpPr>
+          <p:nvPr>
+            <p:ph type="title"/>
+          </p:nvPr>
+        </p:nvSpPr>
+        <p:spPr>
+          <a:xfrm>
+            <a:off x="838200" y="304800"/>
+            <a:ext cx="7543800" cy="1143000"/>
+          </a:xfrm>
+        </p:spPr>
+        <p:txBody>
+          <a:bodyPr>
+            <a:normAutofit/>
+          </a:bodyPr>
+          <a:lstStyle/>
+          <a:p>
+            <a:pPr lvl="0" algn="l"/>
+            <a:r>
+              <a:rPr lang="en-US" sz="3600" b="1" dirty="0" smtClean="0">
+                <a:latin typeface="Arial" pitchFamily="34" charset="0"/>
+                <a:cs typeface="Arial" pitchFamily="34" charset="0"/>
+              </a:rPr>
+              <a:t>III. List View Components</a:t>
+            </a:r>
+            <a:endParaRPr lang="en-US" dirty="0"/>
+          </a:p>
+        </p:txBody>
+      </p:sp>
+      <p:sp>
+        <p:nvSpPr>
+          <p:cNvPr id="3" name="TextBox 2"/>
+          <p:cNvSpPr txBox="1"/>
+          <p:nvPr/>
+        </p:nvSpPr>
+        <p:spPr>
+          <a:xfrm>
+            <a:off x="1219200" y="2590800"/>
+            <a:ext cx="2493824" cy="2308324"/>
+          </a:xfrm>
+          <a:prstGeom prst="rect">
+            <a:avLst/>
+          </a:prstGeom>
+          <a:noFill/>
+        </p:spPr>
+        <p:txBody>
+          <a:bodyPr wrap="none" rtlCol="0">
+            <a:spAutoFit/>
+          </a:bodyPr>
+          <a:lstStyle/>
+          <a:p>
+            <a:pPr marL="342900" indent="-342900">
+              <a:lnSpc>
+                <a:spcPct val="200000"/>
+              </a:lnSpc>
+              <a:buFont typeface="Arial" panose="020B0604020202020204" pitchFamily="34" charset="0"/>
+              <a:buChar char="•"/>
+            </a:pPr>
+            <a:r>
+              <a:rPr lang="en-US" sz="2400" dirty="0" smtClean="0">
+                <a:latin typeface="Arial" panose="020B0604020202020204" pitchFamily="34" charset="0"/>
+                <a:cs typeface="Arial" panose="020B0604020202020204" pitchFamily="34" charset="0"/>
+              </a:rPr>
+              <a:t>&lt;</a:t>
+            </a:r>
+            <a:r>
+              <a:rPr lang="en-US" sz="2400" dirty="0" err="1" smtClean="0">
+                <a:latin typeface="Arial" panose="020B0604020202020204" pitchFamily="34" charset="0"/>
+                <a:cs typeface="Arial" panose="020B0604020202020204" pitchFamily="34" charset="0"/>
+              </a:rPr>
+              <a:t>ScrollView</a:t>
+            </a:r>
+            <a:r>
+              <a:rPr lang="en-US" sz="2400" dirty="0" smtClean="0">
+                <a:latin typeface="Arial" panose="020B0604020202020204" pitchFamily="34" charset="0"/>
+                <a:cs typeface="Arial" panose="020B0604020202020204" pitchFamily="34" charset="0"/>
+              </a:rPr>
+              <a:t> /&gt;</a:t>
+            </a:r>
+          </a:p>
+          <a:p>
+            <a:pPr marL="342900" indent="-342900">
+              <a:lnSpc>
+                <a:spcPct val="200000"/>
+              </a:lnSpc>
+              <a:buFont typeface="Arial" panose="020B0604020202020204" pitchFamily="34" charset="0"/>
+              <a:buChar char="•"/>
+            </a:pPr>
+            <a:r>
+              <a:rPr lang="en-US" sz="2400" dirty="0" smtClean="0">
+                <a:latin typeface="Arial" panose="020B0604020202020204" pitchFamily="34" charset="0"/>
+                <a:cs typeface="Arial" panose="020B0604020202020204" pitchFamily="34" charset="0"/>
+              </a:rPr>
+              <a:t>&lt;</a:t>
+            </a:r>
+            <a:r>
+              <a:rPr lang="en-US" sz="2400" dirty="0" err="1" smtClean="0">
+                <a:latin typeface="Arial" panose="020B0604020202020204" pitchFamily="34" charset="0"/>
+                <a:cs typeface="Arial" panose="020B0604020202020204" pitchFamily="34" charset="0"/>
+              </a:rPr>
+              <a:t>ListView</a:t>
+            </a:r>
+            <a:r>
+              <a:rPr lang="en-US" sz="2400" dirty="0" smtClean="0">
+                <a:latin typeface="Arial" panose="020B0604020202020204" pitchFamily="34" charset="0"/>
+                <a:cs typeface="Arial" panose="020B0604020202020204" pitchFamily="34" charset="0"/>
+              </a:rPr>
+              <a:t> /&gt;</a:t>
+            </a:r>
+          </a:p>
+          <a:p>
+            <a:pPr marL="342900" indent="-342900">
+              <a:lnSpc>
+                <a:spcPct val="200000"/>
+              </a:lnSpc>
+              <a:buFont typeface="Arial" panose="020B0604020202020204" pitchFamily="34" charset="0"/>
+              <a:buChar char="•"/>
+            </a:pPr>
+            <a:r>
+              <a:rPr lang="en-US" sz="2400" dirty="0" smtClean="0">
+                <a:latin typeface="Arial" panose="020B0604020202020204" pitchFamily="34" charset="0"/>
+                <a:cs typeface="Arial" panose="020B0604020202020204" pitchFamily="34" charset="0"/>
+              </a:rPr>
+              <a:t>&lt;</a:t>
+            </a:r>
+            <a:r>
+              <a:rPr lang="en-US" sz="2400" dirty="0" err="1" smtClean="0">
+                <a:latin typeface="Arial" panose="020B0604020202020204" pitchFamily="34" charset="0"/>
+                <a:cs typeface="Arial" panose="020B0604020202020204" pitchFamily="34" charset="0"/>
+              </a:rPr>
+              <a:t>FlatList</a:t>
+            </a:r>
+            <a:r>
+              <a:rPr lang="en-US" sz="2400" dirty="0" smtClean="0">
+                <a:latin typeface="Arial" panose="020B0604020202020204" pitchFamily="34" charset="0"/>
+                <a:cs typeface="Arial" panose="020B0604020202020204" pitchFamily="34" charset="0"/>
+              </a:rPr>
+              <a:t> /&gt;</a:t>
+            </a:r>
+            <a:endParaRPr lang="en-US" sz="2400" dirty="0">
+              <a:latin typeface="Arial" panose="020B0604020202020204" pitchFamily="34" charset="0"/>
+              <a:cs typeface="Arial" panose="020B0604020202020204" pitchFamily="34" charset="0"/>
+            </a:endParaRPr>
+          </a:p>
+        </p:txBody>
+      </p:sp>
+      <p:pic>
+        <p:nvPicPr>
+          <p:cNvPr id="6" name="Picture 5"/>
+          <p:cNvPicPr>
+            <a:picLocks noChangeAspect="1"/>
+          </p:cNvPicPr>
+          <p:nvPr/>
+        </p:nvPicPr>
+        <p:blipFill>
+          <a:blip r:embed="rId2" cstate="print">
+            <a:extLst>
+              <a:ext uri="{28A0092B-C50C-407E-A947-70E740481C1C}">
+                <a14:useLocalDpi xmlns:a14="http://schemas.microsoft.com/office/drawing/2010/main" val="0"/>
+              </a:ext>
+            </a:extLst>
+          </a:blip>
+          <a:stretch>
+            <a:fillRect/>
+          </a:stretch>
+        </p:blipFill>
+        <p:spPr>
+          <a:xfrm>
+            <a:off x="5105400" y="1524000"/>
+            <a:ext cx="2799645" cy="4724400"/>
+          </a:xfrm>
+          <a:prstGeom prst="rect">
+            <a:avLst/>
+          </a:prstGeom>
+        </p:spPr>
+      </p:pic>
+      <p:sp>
+        <p:nvSpPr>
+          <p:cNvPr id="8" name="TextBox 7"/>
+          <p:cNvSpPr txBox="1"/>
+          <p:nvPr/>
+        </p:nvSpPr>
+        <p:spPr>
+          <a:xfrm>
+            <a:off x="3261973" y="4371108"/>
+            <a:ext cx="761747" cy="369332"/>
+          </a:xfrm>
+          <a:prstGeom prst="rect">
+            <a:avLst/>
+          </a:prstGeom>
+          <a:noFill/>
+        </p:spPr>
+        <p:txBody>
+          <a:bodyPr wrap="none" rtlCol="0">
+            <a:spAutoFit/>
+          </a:bodyPr>
+          <a:lstStyle/>
+          <a:p>
+            <a:r>
+              <a:rPr lang="en-US" b="1" dirty="0" smtClean="0">
+                <a:solidFill>
+                  <a:srgbClr val="C00000"/>
+                </a:solidFill>
+                <a:latin typeface="Arial" panose="020B0604020202020204" pitchFamily="34" charset="0"/>
+                <a:cs typeface="Arial" panose="020B0604020202020204" pitchFamily="34" charset="0"/>
+              </a:rPr>
+              <a:t>v0.44</a:t>
+            </a:r>
+            <a:endParaRPr lang="en-US" b="1" dirty="0">
+              <a:solidFill>
+                <a:srgbClr val="C00000"/>
+              </a:solidFill>
+              <a:latin typeface="Arial" panose="020B0604020202020204" pitchFamily="34" charset="0"/>
+              <a:cs typeface="Arial" panose="020B0604020202020204" pitchFamily="34" charset="0"/>
+            </a:endParaRPr>
+          </a:p>
+        </p:txBody>
+      </p:sp>
+    </p:spTree>
+    <p:extLst>
+      <p:ext uri="{BB962C8B-B14F-4D97-AF65-F5344CB8AC3E}">
+        <p14:creationId xmlns:p14="http://schemas.microsoft.com/office/powerpoint/2010/main" val="2213834390"/>
+      </p:ext>
+    </p:extLst>
+  </p:cSld>
+  <p:clrMapOvr>
+    <a:masterClrMapping/>
+  </p:clrMapOvr>
+  <mc:AlternateContent xmlns:mc="http://schemas.openxmlformats.org/markup-compatibility/2006" xmlns:p14="http://schemas.microsoft.com/office/powerpoint/2010/main">
+    <mc:Choice Requires="p14">
+      <p:transition spd="slow" p14:dur="2000"/>
+    </mc:Choice>
+    <mc:Fallback xmlns="">
+      <p:transition spd="slow"/>
+    </mc:Fallback>
+  </mc:AlternateContent>
+  <p:timing>
+    <p:tnLst>
+      <p:par>
+        <p:cTn id="1" dur="indefinite" restart="never" nodeType="tmRoot">
+          <p:childTnLst>
+            <p:seq concurrent="1" nextAc="seek">
+              <p:cTn id="2" dur="indefinite" nodeType="mainSeq">
+                <p:childTnLst>
+                  <p:par>
+                    <p:cTn id="3" fill="hold">
+                      <p:stCondLst>
+                        <p:cond delay="indefinite"/>
+                      </p:stCondLst>
+                      <p:childTnLst>
+                        <p:par>
+                          <p:cTn id="4" fill="hold">
+                            <p:stCondLst>
+                              <p:cond delay="0"/>
+                            </p:stCondLst>
+                            <p:childTnLst>
+                              <p:par>
+                                <p:cTn id="5" presetID="42" presetClass="entr" presetSubtype="0" fill="hold" grpId="0" nodeType="clickEffect">
+                                  <p:stCondLst>
+                                    <p:cond delay="0"/>
+                                  </p:stCondLst>
+                                  <p:childTnLst>
+                                    <p:set>
+                                      <p:cBhvr>
+                                        <p:cTn id="6" dur="1" fill="hold">
+                                          <p:stCondLst>
+                                            <p:cond delay="0"/>
+                                          </p:stCondLst>
+                                        </p:cTn>
+                                        <p:tgtEl>
+                                          <p:spTgt spid="8"/>
+                                        </p:tgtEl>
+                                        <p:attrNameLst>
+                                          <p:attrName>style.visibility</p:attrName>
+                                        </p:attrNameLst>
+                                      </p:cBhvr>
+                                      <p:to>
+                                        <p:strVal val="visible"/>
+                                      </p:to>
+                                    </p:set>
+                                    <p:animEffect transition="in" filter="fade">
+                                      <p:cBhvr>
+                                        <p:cTn id="7" dur="1000"/>
+                                        <p:tgtEl>
+                                          <p:spTgt spid="8"/>
+                                        </p:tgtEl>
+                                      </p:cBhvr>
+                                    </p:animEffect>
+                                    <p:anim calcmode="lin" valueType="num">
+                                      <p:cBhvr>
+                                        <p:cTn id="8" dur="1000" fill="hold"/>
+                                        <p:tgtEl>
+                                          <p:spTgt spid="8"/>
+                                        </p:tgtEl>
+                                        <p:attrNameLst>
+                                          <p:attrName>ppt_x</p:attrName>
+                                        </p:attrNameLst>
+                                      </p:cBhvr>
+                                      <p:tavLst>
+                                        <p:tav tm="0">
+                                          <p:val>
+                                            <p:strVal val="#ppt_x"/>
+                                          </p:val>
+                                        </p:tav>
+                                        <p:tav tm="100000">
+                                          <p:val>
+                                            <p:strVal val="#ppt_x"/>
+                                          </p:val>
+                                        </p:tav>
+                                      </p:tavLst>
+                                    </p:anim>
+                                    <p:anim calcmode="lin" valueType="num">
+                                      <p:cBhvr>
+                                        <p:cTn id="9" dur="1000" fill="hold"/>
+                                        <p:tgtEl>
+                                          <p:spTgt spid="8"/>
+                                        </p:tgtEl>
+                                        <p:attrNameLst>
+                                          <p:attrName>ppt_y</p:attrName>
+                                        </p:attrNameLst>
+                                      </p:cBhvr>
+                                      <p:tavLst>
+                                        <p:tav tm="0">
+                                          <p:val>
+                                            <p:strVal val="#ppt_y+.1"/>
+                                          </p:val>
+                                        </p:tav>
+                                        <p:tav tm="100000">
+                                          <p:val>
+                                            <p:strVal val="#ppt_y"/>
+                                          </p:val>
+                                        </p:tav>
+                                      </p:tavLst>
+                                    </p:anim>
+                                  </p:childTnLst>
+                                </p:cTn>
+                              </p:par>
+                            </p:childTnLst>
+                          </p:cTn>
+                        </p:par>
+                      </p:childTnLst>
+                    </p:cTn>
+                  </p:par>
+                </p:childTnLst>
+              </p:cTn>
+              <p:prevCondLst>
+                <p:cond evt="onPrev" delay="0">
+                  <p:tgtEl>
+                    <p:sldTgt/>
+                  </p:tgtEl>
+                </p:cond>
+              </p:prevCondLst>
+              <p:nextCondLst>
+                <p:cond evt="onNext" delay="0">
+                  <p:tgtEl>
+                    <p:sldTgt/>
+                  </p:tgtEl>
+                </p:cond>
+              </p:nextCondLst>
+            </p:seq>
+          </p:childTnLst>
+        </p:cTn>
+      </p:par>
+    </p:tnLst>
+    <p:bldLst>
+      <p:bldP spid="8" grpId="0"/>
+    </p:bldLst>
+  </p:timing>
+</p:sld>
+</file>
+
+<file path=ppt/slides/slide9.xml><?xml version="1.0" encoding="utf-8"?>
+<p:sld xmlns:a="http://schemas.openxmlformats.org/drawingml/2006/main" xmlns:r="http://schemas.openxmlformats.org/officeDocument/2006/relationships" xmlns:p="http://schemas.openxmlformats.org/presentationml/2006/main">
+  <p:cSld>
+    <p:spTree>
+      <p:nvGrpSpPr>
+        <p:cNvPr id="1" name=""/>
+        <p:cNvGrpSpPr/>
+        <p:nvPr/>
+      </p:nvGrpSpPr>
+      <p:grpSpPr>
+        <a:xfrm>
+          <a:off x="0" y="0"/>
+          <a:ext cx="0" cy="0"/>
+          <a:chOff x="0" y="0"/>
+          <a:chExt cx="0" cy="0"/>
+        </a:xfrm>
+      </p:grpSpPr>
+      <p:sp>
+        <p:nvSpPr>
+          <p:cNvPr id="2" name="Title 1"/>
+          <p:cNvSpPr>
+            <a:spLocks noGrp="1"/>
+          </p:cNvSpPr>
+          <p:nvPr>
+            <p:ph type="title"/>
+          </p:nvPr>
+        </p:nvSpPr>
+        <p:spPr>
+          <a:xfrm>
+            <a:off x="838200" y="304800"/>
+            <a:ext cx="7543800" cy="1143000"/>
+          </a:xfrm>
+        </p:spPr>
+        <p:txBody>
+          <a:bodyPr>
+            <a:normAutofit/>
+          </a:bodyPr>
+          <a:lstStyle/>
+          <a:p>
+            <a:pPr lvl="0" algn="l"/>
+            <a:r>
+              <a:rPr lang="en-US" sz="3600" b="1" dirty="0" smtClean="0">
+                <a:latin typeface="Arial" pitchFamily="34" charset="0"/>
+                <a:cs typeface="Arial" pitchFamily="34" charset="0"/>
+              </a:rPr>
+              <a:t>&lt;</a:t>
+            </a:r>
+            <a:r>
+              <a:rPr lang="en-US" sz="3600" b="1" dirty="0" err="1" smtClean="0">
+                <a:latin typeface="Arial" pitchFamily="34" charset="0"/>
+                <a:cs typeface="Arial" pitchFamily="34" charset="0"/>
+              </a:rPr>
+              <a:t>FlatList</a:t>
+            </a:r>
+            <a:r>
+              <a:rPr lang="en-US" sz="3600" b="1" dirty="0" smtClean="0">
+                <a:latin typeface="Arial" pitchFamily="34" charset="0"/>
+                <a:cs typeface="Arial" pitchFamily="34" charset="0"/>
+              </a:rPr>
+              <a:t> /&gt;</a:t>
+            </a:r>
+            <a:endParaRPr lang="en-US" dirty="0"/>
+          </a:p>
+        </p:txBody>
+      </p:sp>
+    </p:spTree>
+    <p:extLst>
+      <p:ext uri="{BB962C8B-B14F-4D97-AF65-F5344CB8AC3E}">
+        <p14:creationId xmlns:p14="http://schemas.microsoft.com/office/powerpoint/2010/main" val="3519556545"/>
       </p:ext>
     </p:extLst>
   </p:cSld>

--- a/PowerPoint/REACT-NATIVE.pptx
+++ b/PowerPoint/REACT-NATIVE.pptx
@@ -14,7 +14,11 @@
     <p:sldId id="261" r:id="rId8"/>
     <p:sldId id="263" r:id="rId9"/>
     <p:sldId id="264" r:id="rId10"/>
-    <p:sldId id="265" r:id="rId11"/>
+    <p:sldId id="266" r:id="rId11"/>
+    <p:sldId id="265" r:id="rId12"/>
+    <p:sldId id="267" r:id="rId13"/>
+    <p:sldId id="268" r:id="rId14"/>
+    <p:sldId id="269" r:id="rId15"/>
   </p:sldIdLst>
   <p:sldSz cx="9144000" cy="6858000" type="screen4x3"/>
   <p:notesSz cx="6858000" cy="9144000"/>
@@ -145,6 +149,1500 @@
 </file>
 
 <file path=ppt/diagrams/colors1.xml><?xml version="1.0" encoding="utf-8"?>
+<dgm:colorsDef xmlns:dgm="http://schemas.openxmlformats.org/drawingml/2006/diagram" xmlns:a="http://schemas.openxmlformats.org/drawingml/2006/main" uniqueId="urn:microsoft.com/office/officeart/2005/8/colors/accent1_2">
+  <dgm:title val=""/>
+  <dgm:desc val=""/>
+  <dgm:catLst>
+    <dgm:cat type="accent1" pri="11200"/>
+  </dgm:catLst>
+  <dgm:styleLbl name="node0">
+    <dgm:fillClrLst meth="repeat">
+      <a:schemeClr val="accent1"/>
+    </dgm:fillClrLst>
+    <dgm:linClrLst meth="repeat">
+      <a:schemeClr val="lt1"/>
+    </dgm:linClrLst>
+    <dgm:effectClrLst/>
+    <dgm:txLinClrLst/>
+    <dgm:txFillClrLst/>
+    <dgm:txEffectClrLst/>
+  </dgm:styleLbl>
+  <dgm:styleLbl name="alignNode1">
+    <dgm:fillClrLst meth="repeat">
+      <a:schemeClr val="accent1"/>
+    </dgm:fillClrLst>
+    <dgm:linClrLst meth="repeat">
+      <a:schemeClr val="accent1"/>
+    </dgm:linClrLst>
+    <dgm:effectClrLst/>
+    <dgm:txLinClrLst/>
+    <dgm:txFillClrLst/>
+    <dgm:txEffectClrLst/>
+  </dgm:styleLbl>
+  <dgm:styleLbl name="node1">
+    <dgm:fillClrLst meth="repeat">
+      <a:schemeClr val="accent1"/>
+    </dgm:fillClrLst>
+    <dgm:linClrLst meth="repeat">
+      <a:schemeClr val="lt1"/>
+    </dgm:linClrLst>
+    <dgm:effectClrLst/>
+    <dgm:txLinClrLst/>
+    <dgm:txFillClrLst/>
+    <dgm:txEffectClrLst/>
+  </dgm:styleLbl>
+  <dgm:styleLbl name="lnNode1">
+    <dgm:fillClrLst meth="repeat">
+      <a:schemeClr val="accent1"/>
+    </dgm:fillClrLst>
+    <dgm:linClrLst meth="repeat">
+      <a:schemeClr val="lt1"/>
+    </dgm:linClrLst>
+    <dgm:effectClrLst/>
+    <dgm:txLinClrLst/>
+    <dgm:txFillClrLst/>
+    <dgm:txEffectClrLst/>
+  </dgm:styleLbl>
+  <dgm:styleLbl name="vennNode1">
+    <dgm:fillClrLst meth="repeat">
+      <a:schemeClr val="accent1">
+        <a:alpha val="50000"/>
+      </a:schemeClr>
+    </dgm:fillClrLst>
+    <dgm:linClrLst meth="repeat">
+      <a:schemeClr val="lt1"/>
+    </dgm:linClrLst>
+    <dgm:effectClrLst/>
+    <dgm:txLinClrLst/>
+    <dgm:txFillClrLst/>
+    <dgm:txEffectClrLst/>
+  </dgm:styleLbl>
+  <dgm:styleLbl name="node2">
+    <dgm:fillClrLst meth="repeat">
+      <a:schemeClr val="accent1"/>
+    </dgm:fillClrLst>
+    <dgm:linClrLst meth="repeat">
+      <a:schemeClr val="lt1"/>
+    </dgm:linClrLst>
+    <dgm:effectClrLst/>
+    <dgm:txLinClrLst/>
+    <dgm:txFillClrLst/>
+    <dgm:txEffectClrLst/>
+  </dgm:styleLbl>
+  <dgm:styleLbl name="node3">
+    <dgm:fillClrLst meth="repeat">
+      <a:schemeClr val="accent1"/>
+    </dgm:fillClrLst>
+    <dgm:linClrLst meth="repeat">
+      <a:schemeClr val="lt1"/>
+    </dgm:linClrLst>
+    <dgm:effectClrLst/>
+    <dgm:txLinClrLst/>
+    <dgm:txFillClrLst/>
+    <dgm:txEffectClrLst/>
+  </dgm:styleLbl>
+  <dgm:styleLbl name="node4">
+    <dgm:fillClrLst meth="repeat">
+      <a:schemeClr val="accent1"/>
+    </dgm:fillClrLst>
+    <dgm:linClrLst meth="repeat">
+      <a:schemeClr val="lt1"/>
+    </dgm:linClrLst>
+    <dgm:effectClrLst/>
+    <dgm:txLinClrLst/>
+    <dgm:txFillClrLst/>
+    <dgm:txEffectClrLst/>
+  </dgm:styleLbl>
+  <dgm:styleLbl name="fgImgPlace1">
+    <dgm:fillClrLst meth="repeat">
+      <a:schemeClr val="accent1">
+        <a:tint val="50000"/>
+      </a:schemeClr>
+    </dgm:fillClrLst>
+    <dgm:linClrLst meth="repeat">
+      <a:schemeClr val="lt1"/>
+    </dgm:linClrLst>
+    <dgm:effectClrLst/>
+    <dgm:txLinClrLst/>
+    <dgm:txFillClrLst meth="repeat">
+      <a:schemeClr val="lt1"/>
+    </dgm:txFillClrLst>
+    <dgm:txEffectClrLst/>
+  </dgm:styleLbl>
+  <dgm:styleLbl name="alignImgPlace1">
+    <dgm:fillClrLst meth="repeat">
+      <a:schemeClr val="accent1">
+        <a:tint val="50000"/>
+      </a:schemeClr>
+    </dgm:fillClrLst>
+    <dgm:linClrLst meth="repeat">
+      <a:schemeClr val="lt1"/>
+    </dgm:linClrLst>
+    <dgm:effectClrLst/>
+    <dgm:txLinClrLst/>
+    <dgm:txFillClrLst meth="repeat">
+      <a:schemeClr val="lt1"/>
+    </dgm:txFillClrLst>
+    <dgm:txEffectClrLst/>
+  </dgm:styleLbl>
+  <dgm:styleLbl name="bgImgPlace1">
+    <dgm:fillClrLst meth="repeat">
+      <a:schemeClr val="accent1">
+        <a:tint val="50000"/>
+      </a:schemeClr>
+    </dgm:fillClrLst>
+    <dgm:linClrLst meth="repeat">
+      <a:schemeClr val="lt1"/>
+    </dgm:linClrLst>
+    <dgm:effectClrLst/>
+    <dgm:txLinClrLst/>
+    <dgm:txFillClrLst meth="repeat">
+      <a:schemeClr val="lt1"/>
+    </dgm:txFillClrLst>
+    <dgm:txEffectClrLst/>
+  </dgm:styleLbl>
+  <dgm:styleLbl name="sibTrans2D1">
+    <dgm:fillClrLst meth="repeat">
+      <a:schemeClr val="accent1">
+        <a:tint val="60000"/>
+      </a:schemeClr>
+    </dgm:fillClrLst>
+    <dgm:linClrLst meth="repeat">
+      <a:schemeClr val="accent1">
+        <a:tint val="60000"/>
+      </a:schemeClr>
+    </dgm:linClrLst>
+    <dgm:effectClrLst/>
+    <dgm:txLinClrLst/>
+    <dgm:txFillClrLst/>
+    <dgm:txEffectClrLst/>
+  </dgm:styleLbl>
+  <dgm:styleLbl name="fgSibTrans2D1">
+    <dgm:fillClrLst meth="repeat">
+      <a:schemeClr val="accent1">
+        <a:tint val="60000"/>
+      </a:schemeClr>
+    </dgm:fillClrLst>
+    <dgm:linClrLst meth="repeat">
+      <a:schemeClr val="accent1">
+        <a:tint val="60000"/>
+      </a:schemeClr>
+    </dgm:linClrLst>
+    <dgm:effectClrLst/>
+    <dgm:txLinClrLst/>
+    <dgm:txFillClrLst/>
+    <dgm:txEffectClrLst/>
+  </dgm:styleLbl>
+  <dgm:styleLbl name="bgSibTrans2D1">
+    <dgm:fillClrLst meth="repeat">
+      <a:schemeClr val="accent1">
+        <a:tint val="60000"/>
+      </a:schemeClr>
+    </dgm:fillClrLst>
+    <dgm:linClrLst meth="repeat">
+      <a:schemeClr val="accent1">
+        <a:tint val="60000"/>
+      </a:schemeClr>
+    </dgm:linClrLst>
+    <dgm:effectClrLst/>
+    <dgm:txLinClrLst/>
+    <dgm:txFillClrLst/>
+    <dgm:txEffectClrLst/>
+  </dgm:styleLbl>
+  <dgm:styleLbl name="sibTrans1D1">
+    <dgm:fillClrLst meth="repeat">
+      <a:schemeClr val="accent1"/>
+    </dgm:fillClrLst>
+    <dgm:linClrLst meth="repeat">
+      <a:schemeClr val="accent1"/>
+    </dgm:linClrLst>
+    <dgm:effectClrLst/>
+    <dgm:txLinClrLst/>
+    <dgm:txFillClrLst meth="repeat">
+      <a:schemeClr val="tx1"/>
+    </dgm:txFillClrLst>
+    <dgm:txEffectClrLst/>
+  </dgm:styleLbl>
+  <dgm:styleLbl name="callout">
+    <dgm:fillClrLst meth="repeat">
+      <a:schemeClr val="accent1"/>
+    </dgm:fillClrLst>
+    <dgm:linClrLst meth="repeat">
+      <a:schemeClr val="accent1">
+        <a:tint val="50000"/>
+      </a:schemeClr>
+    </dgm:linClrLst>
+    <dgm:effectClrLst/>
+    <dgm:txLinClrLst/>
+    <dgm:txFillClrLst meth="repeat">
+      <a:schemeClr val="tx1"/>
+    </dgm:txFillClrLst>
+    <dgm:txEffectClrLst/>
+  </dgm:styleLbl>
+  <dgm:styleLbl name="asst0">
+    <dgm:fillClrLst meth="repeat">
+      <a:schemeClr val="accent1"/>
+    </dgm:fillClrLst>
+    <dgm:linClrLst meth="repeat">
+      <a:schemeClr val="lt1"/>
+    </dgm:linClrLst>
+    <dgm:effectClrLst/>
+    <dgm:txLinClrLst/>
+    <dgm:txFillClrLst/>
+    <dgm:txEffectClrLst/>
+  </dgm:styleLbl>
+  <dgm:styleLbl name="asst1">
+    <dgm:fillClrLst meth="repeat">
+      <a:schemeClr val="accent1"/>
+    </dgm:fillClrLst>
+    <dgm:linClrLst meth="repeat">
+      <a:schemeClr val="lt1"/>
+    </dgm:linClrLst>
+    <dgm:effectClrLst/>
+    <dgm:txLinClrLst/>
+    <dgm:txFillClrLst/>
+    <dgm:txEffectClrLst/>
+  </dgm:styleLbl>
+  <dgm:styleLbl name="asst2">
+    <dgm:fillClrLst meth="repeat">
+      <a:schemeClr val="accent1"/>
+    </dgm:fillClrLst>
+    <dgm:linClrLst meth="repeat">
+      <a:schemeClr val="lt1"/>
+    </dgm:linClrLst>
+    <dgm:effectClrLst/>
+    <dgm:txLinClrLst/>
+    <dgm:txFillClrLst/>
+    <dgm:txEffectClrLst/>
+  </dgm:styleLbl>
+  <dgm:styleLbl name="asst3">
+    <dgm:fillClrLst meth="repeat">
+      <a:schemeClr val="accent1"/>
+    </dgm:fillClrLst>
+    <dgm:linClrLst meth="repeat">
+      <a:schemeClr val="lt1"/>
+    </dgm:linClrLst>
+    <dgm:effectClrLst/>
+    <dgm:txLinClrLst/>
+    <dgm:txFillClrLst/>
+    <dgm:txEffectClrLst/>
+  </dgm:styleLbl>
+  <dgm:styleLbl name="asst4">
+    <dgm:fillClrLst meth="repeat">
+      <a:schemeClr val="accent1"/>
+    </dgm:fillClrLst>
+    <dgm:linClrLst meth="repeat">
+      <a:schemeClr val="lt1"/>
+    </dgm:linClrLst>
+    <dgm:effectClrLst/>
+    <dgm:txLinClrLst/>
+    <dgm:txFillClrLst/>
+    <dgm:txEffectClrLst/>
+  </dgm:styleLbl>
+  <dgm:styleLbl name="parChTrans2D1">
+    <dgm:fillClrLst meth="repeat">
+      <a:schemeClr val="accent1">
+        <a:tint val="60000"/>
+      </a:schemeClr>
+    </dgm:fillClrLst>
+    <dgm:linClrLst meth="repeat">
+      <a:schemeClr val="accent1">
+        <a:tint val="60000"/>
+      </a:schemeClr>
+    </dgm:linClrLst>
+    <dgm:effectClrLst/>
+    <dgm:txLinClrLst/>
+    <dgm:txFillClrLst meth="repeat">
+      <a:schemeClr val="lt1"/>
+    </dgm:txFillClrLst>
+    <dgm:txEffectClrLst/>
+  </dgm:styleLbl>
+  <dgm:styleLbl name="parChTrans2D2">
+    <dgm:fillClrLst meth="repeat">
+      <a:schemeClr val="accent1"/>
+    </dgm:fillClrLst>
+    <dgm:linClrLst meth="repeat">
+      <a:schemeClr val="accent1"/>
+    </dgm:linClrLst>
+    <dgm:effectClrLst/>
+    <dgm:txLinClrLst/>
+    <dgm:txFillClrLst meth="repeat">
+      <a:schemeClr val="lt1"/>
+    </dgm:txFillClrLst>
+    <dgm:txEffectClrLst/>
+  </dgm:styleLbl>
+  <dgm:styleLbl name="parChTrans2D3">
+    <dgm:fillClrLst meth="repeat">
+      <a:schemeClr val="accent1"/>
+    </dgm:fillClrLst>
+    <dgm:linClrLst meth="repeat">
+      <a:schemeClr val="accent1"/>
+    </dgm:linClrLst>
+    <dgm:effectClrLst/>
+    <dgm:txLinClrLst/>
+    <dgm:txFillClrLst meth="repeat">
+      <a:schemeClr val="lt1"/>
+    </dgm:txFillClrLst>
+    <dgm:txEffectClrLst/>
+  </dgm:styleLbl>
+  <dgm:styleLbl name="parChTrans2D4">
+    <dgm:fillClrLst meth="repeat">
+      <a:schemeClr val="accent1"/>
+    </dgm:fillClrLst>
+    <dgm:linClrLst meth="repeat">
+      <a:schemeClr val="accent1"/>
+    </dgm:linClrLst>
+    <dgm:effectClrLst/>
+    <dgm:txLinClrLst/>
+    <dgm:txFillClrLst meth="repeat">
+      <a:schemeClr val="lt1"/>
+    </dgm:txFillClrLst>
+    <dgm:txEffectClrLst/>
+  </dgm:styleLbl>
+  <dgm:styleLbl name="parChTrans1D1">
+    <dgm:fillClrLst meth="repeat">
+      <a:schemeClr val="accent1"/>
+    </dgm:fillClrLst>
+    <dgm:linClrLst meth="repeat">
+      <a:schemeClr val="accent1">
+        <a:shade val="60000"/>
+      </a:schemeClr>
+    </dgm:linClrLst>
+    <dgm:effectClrLst/>
+    <dgm:txLinClrLst/>
+    <dgm:txFillClrLst meth="repeat">
+      <a:schemeClr val="tx1"/>
+    </dgm:txFillClrLst>
+    <dgm:txEffectClrLst/>
+  </dgm:styleLbl>
+  <dgm:styleLbl name="parChTrans1D2">
+    <dgm:fillClrLst meth="repeat">
+      <a:schemeClr val="accent1"/>
+    </dgm:fillClrLst>
+    <dgm:linClrLst meth="repeat">
+      <a:schemeClr val="accent1">
+        <a:shade val="60000"/>
+      </a:schemeClr>
+    </dgm:linClrLst>
+    <dgm:effectClrLst/>
+    <dgm:txLinClrLst/>
+    <dgm:txFillClrLst meth="repeat">
+      <a:schemeClr val="tx1"/>
+    </dgm:txFillClrLst>
+    <dgm:txEffectClrLst/>
+  </dgm:styleLbl>
+  <dgm:styleLbl name="parChTrans1D3">
+    <dgm:fillClrLst meth="repeat">
+      <a:schemeClr val="accent1"/>
+    </dgm:fillClrLst>
+    <dgm:linClrLst meth="repeat">
+      <a:schemeClr val="accent1">
+        <a:shade val="80000"/>
+      </a:schemeClr>
+    </dgm:linClrLst>
+    <dgm:effectClrLst/>
+    <dgm:txLinClrLst/>
+    <dgm:txFillClrLst meth="repeat">
+      <a:schemeClr val="tx1"/>
+    </dgm:txFillClrLst>
+    <dgm:txEffectClrLst/>
+  </dgm:styleLbl>
+  <dgm:styleLbl name="parChTrans1D4">
+    <dgm:fillClrLst meth="repeat">
+      <a:schemeClr val="accent1"/>
+    </dgm:fillClrLst>
+    <dgm:linClrLst meth="repeat">
+      <a:schemeClr val="accent1">
+        <a:shade val="80000"/>
+      </a:schemeClr>
+    </dgm:linClrLst>
+    <dgm:effectClrLst/>
+    <dgm:txLinClrLst/>
+    <dgm:txFillClrLst meth="repeat">
+      <a:schemeClr val="tx1"/>
+    </dgm:txFillClrLst>
+    <dgm:txEffectClrLst/>
+  </dgm:styleLbl>
+  <dgm:styleLbl name="fgAcc1">
+    <dgm:fillClrLst meth="repeat">
+      <a:schemeClr val="lt1">
+        <a:alpha val="90000"/>
+      </a:schemeClr>
+    </dgm:fillClrLst>
+    <dgm:linClrLst meth="repeat">
+      <a:schemeClr val="accent1"/>
+    </dgm:linClrLst>
+    <dgm:effectClrLst/>
+    <dgm:txLinClrLst/>
+    <dgm:txFillClrLst meth="repeat">
+      <a:schemeClr val="dk1"/>
+    </dgm:txFillClrLst>
+    <dgm:txEffectClrLst/>
+  </dgm:styleLbl>
+  <dgm:styleLbl name="conFgAcc1">
+    <dgm:fillClrLst meth="repeat">
+      <a:schemeClr val="lt1">
+        <a:alpha val="90000"/>
+      </a:schemeClr>
+    </dgm:fillClrLst>
+    <dgm:linClrLst meth="repeat">
+      <a:schemeClr val="accent1"/>
+    </dgm:linClrLst>
+    <dgm:effectClrLst/>
+    <dgm:txLinClrLst/>
+    <dgm:txFillClrLst meth="repeat">
+      <a:schemeClr val="dk1"/>
+    </dgm:txFillClrLst>
+    <dgm:txEffectClrLst/>
+  </dgm:styleLbl>
+  <dgm:styleLbl name="alignAcc1">
+    <dgm:fillClrLst meth="repeat">
+      <a:schemeClr val="lt1">
+        <a:alpha val="90000"/>
+      </a:schemeClr>
+    </dgm:fillClrLst>
+    <dgm:linClrLst meth="repeat">
+      <a:schemeClr val="accent1"/>
+    </dgm:linClrLst>
+    <dgm:effectClrLst/>
+    <dgm:txLinClrLst/>
+    <dgm:txFillClrLst meth="repeat">
+      <a:schemeClr val="dk1"/>
+    </dgm:txFillClrLst>
+    <dgm:txEffectClrLst/>
+  </dgm:styleLbl>
+  <dgm:styleLbl name="trAlignAcc1">
+    <dgm:fillClrLst meth="repeat">
+      <a:schemeClr val="lt1">
+        <a:alpha val="40000"/>
+      </a:schemeClr>
+    </dgm:fillClrLst>
+    <dgm:linClrLst meth="repeat">
+      <a:schemeClr val="accent1"/>
+    </dgm:linClrLst>
+    <dgm:effectClrLst/>
+    <dgm:txLinClrLst/>
+    <dgm:txFillClrLst meth="repeat">
+      <a:schemeClr val="dk1"/>
+    </dgm:txFillClrLst>
+    <dgm:txEffectClrLst/>
+  </dgm:styleLbl>
+  <dgm:styleLbl name="bgAcc1">
+    <dgm:fillClrLst meth="repeat">
+      <a:schemeClr val="lt1">
+        <a:alpha val="90000"/>
+      </a:schemeClr>
+    </dgm:fillClrLst>
+    <dgm:linClrLst meth="repeat">
+      <a:schemeClr val="accent1"/>
+    </dgm:linClrLst>
+    <dgm:effectClrLst/>
+    <dgm:txLinClrLst/>
+    <dgm:txFillClrLst meth="repeat">
+      <a:schemeClr val="dk1"/>
+    </dgm:txFillClrLst>
+    <dgm:txEffectClrLst/>
+  </dgm:styleLbl>
+  <dgm:styleLbl name="solidFgAcc1">
+    <dgm:fillClrLst meth="repeat">
+      <a:schemeClr val="lt1"/>
+    </dgm:fillClrLst>
+    <dgm:linClrLst meth="repeat">
+      <a:schemeClr val="accent1"/>
+    </dgm:linClrLst>
+    <dgm:effectClrLst/>
+    <dgm:txLinClrLst/>
+    <dgm:txFillClrLst meth="repeat">
+      <a:schemeClr val="dk1"/>
+    </dgm:txFillClrLst>
+    <dgm:txEffectClrLst/>
+  </dgm:styleLbl>
+  <dgm:styleLbl name="solidAlignAcc1">
+    <dgm:fillClrLst meth="repeat">
+      <a:schemeClr val="lt1"/>
+    </dgm:fillClrLst>
+    <dgm:linClrLst meth="repeat">
+      <a:schemeClr val="accent1"/>
+    </dgm:linClrLst>
+    <dgm:effectClrLst/>
+    <dgm:txLinClrLst/>
+    <dgm:txFillClrLst meth="repeat">
+      <a:schemeClr val="dk1"/>
+    </dgm:txFillClrLst>
+    <dgm:txEffectClrLst/>
+  </dgm:styleLbl>
+  <dgm:styleLbl name="solidBgAcc1">
+    <dgm:fillClrLst meth="repeat">
+      <a:schemeClr val="lt1"/>
+    </dgm:fillClrLst>
+    <dgm:linClrLst meth="repeat">
+      <a:schemeClr val="accent1"/>
+    </dgm:linClrLst>
+    <dgm:effectClrLst/>
+    <dgm:txLinClrLst/>
+    <dgm:txFillClrLst meth="repeat">
+      <a:schemeClr val="dk1"/>
+    </dgm:txFillClrLst>
+    <dgm:txEffectClrLst/>
+  </dgm:styleLbl>
+  <dgm:styleLbl name="fgAccFollowNode1">
+    <dgm:fillClrLst meth="repeat">
+      <a:schemeClr val="accent1">
+        <a:alpha val="90000"/>
+        <a:tint val="40000"/>
+      </a:schemeClr>
+    </dgm:fillClrLst>
+    <dgm:linClrLst meth="repeat">
+      <a:schemeClr val="accent1">
+        <a:alpha val="90000"/>
+        <a:tint val="40000"/>
+      </a:schemeClr>
+    </dgm:linClrLst>
+    <dgm:effectClrLst/>
+    <dgm:txLinClrLst/>
+    <dgm:txFillClrLst meth="repeat">
+      <a:schemeClr val="dk1"/>
+    </dgm:txFillClrLst>
+    <dgm:txEffectClrLst/>
+  </dgm:styleLbl>
+  <dgm:styleLbl name="alignAccFollowNode1">
+    <dgm:fillClrLst meth="repeat">
+      <a:schemeClr val="accent1">
+        <a:alpha val="90000"/>
+        <a:tint val="40000"/>
+      </a:schemeClr>
+    </dgm:fillClrLst>
+    <dgm:linClrLst meth="repeat">
+      <a:schemeClr val="accent1">
+        <a:alpha val="90000"/>
+        <a:tint val="40000"/>
+      </a:schemeClr>
+    </dgm:linClrLst>
+    <dgm:effectClrLst/>
+    <dgm:txLinClrLst/>
+    <dgm:txFillClrLst meth="repeat">
+      <a:schemeClr val="dk1"/>
+    </dgm:txFillClrLst>
+    <dgm:txEffectClrLst/>
+  </dgm:styleLbl>
+  <dgm:styleLbl name="bgAccFollowNode1">
+    <dgm:fillClrLst meth="repeat">
+      <a:schemeClr val="accent1">
+        <a:alpha val="90000"/>
+        <a:tint val="40000"/>
+      </a:schemeClr>
+    </dgm:fillClrLst>
+    <dgm:linClrLst meth="repeat">
+      <a:schemeClr val="accent1">
+        <a:alpha val="90000"/>
+        <a:tint val="40000"/>
+      </a:schemeClr>
+    </dgm:linClrLst>
+    <dgm:effectClrLst/>
+    <dgm:txLinClrLst/>
+    <dgm:txFillClrLst meth="repeat">
+      <a:schemeClr val="dk1"/>
+    </dgm:txFillClrLst>
+    <dgm:txEffectClrLst/>
+  </dgm:styleLbl>
+  <dgm:styleLbl name="fgAcc0">
+    <dgm:fillClrLst meth="repeat">
+      <a:schemeClr val="lt1">
+        <a:alpha val="90000"/>
+      </a:schemeClr>
+    </dgm:fillClrLst>
+    <dgm:linClrLst meth="repeat">
+      <a:schemeClr val="accent1"/>
+    </dgm:linClrLst>
+    <dgm:effectClrLst/>
+    <dgm:txLinClrLst/>
+    <dgm:txFillClrLst meth="repeat">
+      <a:schemeClr val="dk1"/>
+    </dgm:txFillClrLst>
+    <dgm:txEffectClrLst/>
+  </dgm:styleLbl>
+  <dgm:styleLbl name="fgAcc2">
+    <dgm:fillClrLst meth="repeat">
+      <a:schemeClr val="lt1">
+        <a:alpha val="90000"/>
+      </a:schemeClr>
+    </dgm:fillClrLst>
+    <dgm:linClrLst meth="repeat">
+      <a:schemeClr val="accent1"/>
+    </dgm:linClrLst>
+    <dgm:effectClrLst/>
+    <dgm:txLinClrLst/>
+    <dgm:txFillClrLst meth="repeat">
+      <a:schemeClr val="dk1"/>
+    </dgm:txFillClrLst>
+    <dgm:txEffectClrLst/>
+  </dgm:styleLbl>
+  <dgm:styleLbl name="fgAcc3">
+    <dgm:fillClrLst meth="repeat">
+      <a:schemeClr val="lt1">
+        <a:alpha val="90000"/>
+      </a:schemeClr>
+    </dgm:fillClrLst>
+    <dgm:linClrLst meth="repeat">
+      <a:schemeClr val="accent1"/>
+    </dgm:linClrLst>
+    <dgm:effectClrLst/>
+    <dgm:txLinClrLst/>
+    <dgm:txFillClrLst meth="repeat">
+      <a:schemeClr val="dk1"/>
+    </dgm:txFillClrLst>
+    <dgm:txEffectClrLst/>
+  </dgm:styleLbl>
+  <dgm:styleLbl name="fgAcc4">
+    <dgm:fillClrLst meth="repeat">
+      <a:schemeClr val="lt1">
+        <a:alpha val="90000"/>
+      </a:schemeClr>
+    </dgm:fillClrLst>
+    <dgm:linClrLst meth="repeat">
+      <a:schemeClr val="accent1"/>
+    </dgm:linClrLst>
+    <dgm:effectClrLst/>
+    <dgm:txLinClrLst/>
+    <dgm:txFillClrLst meth="repeat">
+      <a:schemeClr val="dk1"/>
+    </dgm:txFillClrLst>
+    <dgm:txEffectClrLst/>
+  </dgm:styleLbl>
+  <dgm:styleLbl name="bgShp">
+    <dgm:fillClrLst meth="repeat">
+      <a:schemeClr val="accent1">
+        <a:tint val="40000"/>
+      </a:schemeClr>
+    </dgm:fillClrLst>
+    <dgm:linClrLst meth="repeat">
+      <a:schemeClr val="accent1"/>
+    </dgm:linClrLst>
+    <dgm:effectClrLst/>
+    <dgm:txLinClrLst/>
+    <dgm:txFillClrLst meth="repeat">
+      <a:schemeClr val="dk1"/>
+    </dgm:txFillClrLst>
+    <dgm:txEffectClrLst/>
+  </dgm:styleLbl>
+  <dgm:styleLbl name="dkBgShp">
+    <dgm:fillClrLst meth="repeat">
+      <a:schemeClr val="accent1">
+        <a:shade val="80000"/>
+      </a:schemeClr>
+    </dgm:fillClrLst>
+    <dgm:linClrLst meth="repeat">
+      <a:schemeClr val="accent1"/>
+    </dgm:linClrLst>
+    <dgm:effectClrLst/>
+    <dgm:txLinClrLst/>
+    <dgm:txFillClrLst meth="repeat">
+      <a:schemeClr val="lt1"/>
+    </dgm:txFillClrLst>
+    <dgm:txEffectClrLst/>
+  </dgm:styleLbl>
+  <dgm:styleLbl name="trBgShp">
+    <dgm:fillClrLst meth="repeat">
+      <a:schemeClr val="accent1">
+        <a:tint val="50000"/>
+        <a:alpha val="40000"/>
+      </a:schemeClr>
+    </dgm:fillClrLst>
+    <dgm:linClrLst meth="repeat">
+      <a:schemeClr val="accent1"/>
+    </dgm:linClrLst>
+    <dgm:effectClrLst/>
+    <dgm:txLinClrLst/>
+    <dgm:txFillClrLst meth="repeat">
+      <a:schemeClr val="lt1"/>
+    </dgm:txFillClrLst>
+    <dgm:txEffectClrLst/>
+  </dgm:styleLbl>
+  <dgm:styleLbl name="fgShp">
+    <dgm:fillClrLst meth="repeat">
+      <a:schemeClr val="accent1">
+        <a:tint val="60000"/>
+      </a:schemeClr>
+    </dgm:fillClrLst>
+    <dgm:linClrLst meth="repeat">
+      <a:schemeClr val="lt1"/>
+    </dgm:linClrLst>
+    <dgm:effectClrLst/>
+    <dgm:txLinClrLst/>
+    <dgm:txFillClrLst meth="repeat">
+      <a:schemeClr val="dk1"/>
+    </dgm:txFillClrLst>
+    <dgm:txEffectClrLst/>
+  </dgm:styleLbl>
+  <dgm:styleLbl name="revTx">
+    <dgm:fillClrLst meth="repeat">
+      <a:schemeClr val="lt1">
+        <a:alpha val="0"/>
+      </a:schemeClr>
+    </dgm:fillClrLst>
+    <dgm:linClrLst meth="repeat">
+      <a:schemeClr val="dk1">
+        <a:alpha val="0"/>
+      </a:schemeClr>
+    </dgm:linClrLst>
+    <dgm:effectClrLst/>
+    <dgm:txLinClrLst/>
+    <dgm:txFillClrLst meth="repeat">
+      <a:schemeClr val="tx1"/>
+    </dgm:txFillClrLst>
+    <dgm:txEffectClrLst/>
+  </dgm:styleLbl>
+</dgm:colorsDef>
+</file>
+
+<file path=ppt/diagrams/colors2.xml><?xml version="1.0" encoding="utf-8"?>
+<dgm:colorsDef xmlns:dgm="http://schemas.openxmlformats.org/drawingml/2006/diagram" xmlns:a="http://schemas.openxmlformats.org/drawingml/2006/main" uniqueId="urn:microsoft.com/office/officeart/2005/8/colors/accent1_2">
+  <dgm:title val=""/>
+  <dgm:desc val=""/>
+  <dgm:catLst>
+    <dgm:cat type="accent1" pri="11200"/>
+  </dgm:catLst>
+  <dgm:styleLbl name="node0">
+    <dgm:fillClrLst meth="repeat">
+      <a:schemeClr val="accent1"/>
+    </dgm:fillClrLst>
+    <dgm:linClrLst meth="repeat">
+      <a:schemeClr val="lt1"/>
+    </dgm:linClrLst>
+    <dgm:effectClrLst/>
+    <dgm:txLinClrLst/>
+    <dgm:txFillClrLst/>
+    <dgm:txEffectClrLst/>
+  </dgm:styleLbl>
+  <dgm:styleLbl name="alignNode1">
+    <dgm:fillClrLst meth="repeat">
+      <a:schemeClr val="accent1"/>
+    </dgm:fillClrLst>
+    <dgm:linClrLst meth="repeat">
+      <a:schemeClr val="accent1"/>
+    </dgm:linClrLst>
+    <dgm:effectClrLst/>
+    <dgm:txLinClrLst/>
+    <dgm:txFillClrLst/>
+    <dgm:txEffectClrLst/>
+  </dgm:styleLbl>
+  <dgm:styleLbl name="node1">
+    <dgm:fillClrLst meth="repeat">
+      <a:schemeClr val="accent1"/>
+    </dgm:fillClrLst>
+    <dgm:linClrLst meth="repeat">
+      <a:schemeClr val="lt1"/>
+    </dgm:linClrLst>
+    <dgm:effectClrLst/>
+    <dgm:txLinClrLst/>
+    <dgm:txFillClrLst/>
+    <dgm:txEffectClrLst/>
+  </dgm:styleLbl>
+  <dgm:styleLbl name="lnNode1">
+    <dgm:fillClrLst meth="repeat">
+      <a:schemeClr val="accent1"/>
+    </dgm:fillClrLst>
+    <dgm:linClrLst meth="repeat">
+      <a:schemeClr val="lt1"/>
+    </dgm:linClrLst>
+    <dgm:effectClrLst/>
+    <dgm:txLinClrLst/>
+    <dgm:txFillClrLst/>
+    <dgm:txEffectClrLst/>
+  </dgm:styleLbl>
+  <dgm:styleLbl name="vennNode1">
+    <dgm:fillClrLst meth="repeat">
+      <a:schemeClr val="accent1">
+        <a:alpha val="50000"/>
+      </a:schemeClr>
+    </dgm:fillClrLst>
+    <dgm:linClrLst meth="repeat">
+      <a:schemeClr val="lt1"/>
+    </dgm:linClrLst>
+    <dgm:effectClrLst/>
+    <dgm:txLinClrLst/>
+    <dgm:txFillClrLst/>
+    <dgm:txEffectClrLst/>
+  </dgm:styleLbl>
+  <dgm:styleLbl name="node2">
+    <dgm:fillClrLst meth="repeat">
+      <a:schemeClr val="accent1"/>
+    </dgm:fillClrLst>
+    <dgm:linClrLst meth="repeat">
+      <a:schemeClr val="lt1"/>
+    </dgm:linClrLst>
+    <dgm:effectClrLst/>
+    <dgm:txLinClrLst/>
+    <dgm:txFillClrLst/>
+    <dgm:txEffectClrLst/>
+  </dgm:styleLbl>
+  <dgm:styleLbl name="node3">
+    <dgm:fillClrLst meth="repeat">
+      <a:schemeClr val="accent1"/>
+    </dgm:fillClrLst>
+    <dgm:linClrLst meth="repeat">
+      <a:schemeClr val="lt1"/>
+    </dgm:linClrLst>
+    <dgm:effectClrLst/>
+    <dgm:txLinClrLst/>
+    <dgm:txFillClrLst/>
+    <dgm:txEffectClrLst/>
+  </dgm:styleLbl>
+  <dgm:styleLbl name="node4">
+    <dgm:fillClrLst meth="repeat">
+      <a:schemeClr val="accent1"/>
+    </dgm:fillClrLst>
+    <dgm:linClrLst meth="repeat">
+      <a:schemeClr val="lt1"/>
+    </dgm:linClrLst>
+    <dgm:effectClrLst/>
+    <dgm:txLinClrLst/>
+    <dgm:txFillClrLst/>
+    <dgm:txEffectClrLst/>
+  </dgm:styleLbl>
+  <dgm:styleLbl name="fgImgPlace1">
+    <dgm:fillClrLst meth="repeat">
+      <a:schemeClr val="accent1">
+        <a:tint val="50000"/>
+      </a:schemeClr>
+    </dgm:fillClrLst>
+    <dgm:linClrLst meth="repeat">
+      <a:schemeClr val="lt1"/>
+    </dgm:linClrLst>
+    <dgm:effectClrLst/>
+    <dgm:txLinClrLst/>
+    <dgm:txFillClrLst meth="repeat">
+      <a:schemeClr val="lt1"/>
+    </dgm:txFillClrLst>
+    <dgm:txEffectClrLst/>
+  </dgm:styleLbl>
+  <dgm:styleLbl name="alignImgPlace1">
+    <dgm:fillClrLst meth="repeat">
+      <a:schemeClr val="accent1">
+        <a:tint val="50000"/>
+      </a:schemeClr>
+    </dgm:fillClrLst>
+    <dgm:linClrLst meth="repeat">
+      <a:schemeClr val="lt1"/>
+    </dgm:linClrLst>
+    <dgm:effectClrLst/>
+    <dgm:txLinClrLst/>
+    <dgm:txFillClrLst meth="repeat">
+      <a:schemeClr val="lt1"/>
+    </dgm:txFillClrLst>
+    <dgm:txEffectClrLst/>
+  </dgm:styleLbl>
+  <dgm:styleLbl name="bgImgPlace1">
+    <dgm:fillClrLst meth="repeat">
+      <a:schemeClr val="accent1">
+        <a:tint val="50000"/>
+      </a:schemeClr>
+    </dgm:fillClrLst>
+    <dgm:linClrLst meth="repeat">
+      <a:schemeClr val="lt1"/>
+    </dgm:linClrLst>
+    <dgm:effectClrLst/>
+    <dgm:txLinClrLst/>
+    <dgm:txFillClrLst meth="repeat">
+      <a:schemeClr val="lt1"/>
+    </dgm:txFillClrLst>
+    <dgm:txEffectClrLst/>
+  </dgm:styleLbl>
+  <dgm:styleLbl name="sibTrans2D1">
+    <dgm:fillClrLst meth="repeat">
+      <a:schemeClr val="accent1">
+        <a:tint val="60000"/>
+      </a:schemeClr>
+    </dgm:fillClrLst>
+    <dgm:linClrLst meth="repeat">
+      <a:schemeClr val="accent1">
+        <a:tint val="60000"/>
+      </a:schemeClr>
+    </dgm:linClrLst>
+    <dgm:effectClrLst/>
+    <dgm:txLinClrLst/>
+    <dgm:txFillClrLst/>
+    <dgm:txEffectClrLst/>
+  </dgm:styleLbl>
+  <dgm:styleLbl name="fgSibTrans2D1">
+    <dgm:fillClrLst meth="repeat">
+      <a:schemeClr val="accent1">
+        <a:tint val="60000"/>
+      </a:schemeClr>
+    </dgm:fillClrLst>
+    <dgm:linClrLst meth="repeat">
+      <a:schemeClr val="accent1">
+        <a:tint val="60000"/>
+      </a:schemeClr>
+    </dgm:linClrLst>
+    <dgm:effectClrLst/>
+    <dgm:txLinClrLst/>
+    <dgm:txFillClrLst/>
+    <dgm:txEffectClrLst/>
+  </dgm:styleLbl>
+  <dgm:styleLbl name="bgSibTrans2D1">
+    <dgm:fillClrLst meth="repeat">
+      <a:schemeClr val="accent1">
+        <a:tint val="60000"/>
+      </a:schemeClr>
+    </dgm:fillClrLst>
+    <dgm:linClrLst meth="repeat">
+      <a:schemeClr val="accent1">
+        <a:tint val="60000"/>
+      </a:schemeClr>
+    </dgm:linClrLst>
+    <dgm:effectClrLst/>
+    <dgm:txLinClrLst/>
+    <dgm:txFillClrLst/>
+    <dgm:txEffectClrLst/>
+  </dgm:styleLbl>
+  <dgm:styleLbl name="sibTrans1D1">
+    <dgm:fillClrLst meth="repeat">
+      <a:schemeClr val="accent1"/>
+    </dgm:fillClrLst>
+    <dgm:linClrLst meth="repeat">
+      <a:schemeClr val="accent1"/>
+    </dgm:linClrLst>
+    <dgm:effectClrLst/>
+    <dgm:txLinClrLst/>
+    <dgm:txFillClrLst meth="repeat">
+      <a:schemeClr val="tx1"/>
+    </dgm:txFillClrLst>
+    <dgm:txEffectClrLst/>
+  </dgm:styleLbl>
+  <dgm:styleLbl name="callout">
+    <dgm:fillClrLst meth="repeat">
+      <a:schemeClr val="accent1"/>
+    </dgm:fillClrLst>
+    <dgm:linClrLst meth="repeat">
+      <a:schemeClr val="accent1">
+        <a:tint val="50000"/>
+      </a:schemeClr>
+    </dgm:linClrLst>
+    <dgm:effectClrLst/>
+    <dgm:txLinClrLst/>
+    <dgm:txFillClrLst meth="repeat">
+      <a:schemeClr val="tx1"/>
+    </dgm:txFillClrLst>
+    <dgm:txEffectClrLst/>
+  </dgm:styleLbl>
+  <dgm:styleLbl name="asst0">
+    <dgm:fillClrLst meth="repeat">
+      <a:schemeClr val="accent1"/>
+    </dgm:fillClrLst>
+    <dgm:linClrLst meth="repeat">
+      <a:schemeClr val="lt1"/>
+    </dgm:linClrLst>
+    <dgm:effectClrLst/>
+    <dgm:txLinClrLst/>
+    <dgm:txFillClrLst/>
+    <dgm:txEffectClrLst/>
+  </dgm:styleLbl>
+  <dgm:styleLbl name="asst1">
+    <dgm:fillClrLst meth="repeat">
+      <a:schemeClr val="accent1"/>
+    </dgm:fillClrLst>
+    <dgm:linClrLst meth="repeat">
+      <a:schemeClr val="lt1"/>
+    </dgm:linClrLst>
+    <dgm:effectClrLst/>
+    <dgm:txLinClrLst/>
+    <dgm:txFillClrLst/>
+    <dgm:txEffectClrLst/>
+  </dgm:styleLbl>
+  <dgm:styleLbl name="asst2">
+    <dgm:fillClrLst meth="repeat">
+      <a:schemeClr val="accent1"/>
+    </dgm:fillClrLst>
+    <dgm:linClrLst meth="repeat">
+      <a:schemeClr val="lt1"/>
+    </dgm:linClrLst>
+    <dgm:effectClrLst/>
+    <dgm:txLinClrLst/>
+    <dgm:txFillClrLst/>
+    <dgm:txEffectClrLst/>
+  </dgm:styleLbl>
+  <dgm:styleLbl name="asst3">
+    <dgm:fillClrLst meth="repeat">
+      <a:schemeClr val="accent1"/>
+    </dgm:fillClrLst>
+    <dgm:linClrLst meth="repeat">
+      <a:schemeClr val="lt1"/>
+    </dgm:linClrLst>
+    <dgm:effectClrLst/>
+    <dgm:txLinClrLst/>
+    <dgm:txFillClrLst/>
+    <dgm:txEffectClrLst/>
+  </dgm:styleLbl>
+  <dgm:styleLbl name="asst4">
+    <dgm:fillClrLst meth="repeat">
+      <a:schemeClr val="accent1"/>
+    </dgm:fillClrLst>
+    <dgm:linClrLst meth="repeat">
+      <a:schemeClr val="lt1"/>
+    </dgm:linClrLst>
+    <dgm:effectClrLst/>
+    <dgm:txLinClrLst/>
+    <dgm:txFillClrLst/>
+    <dgm:txEffectClrLst/>
+  </dgm:styleLbl>
+  <dgm:styleLbl name="parChTrans2D1">
+    <dgm:fillClrLst meth="repeat">
+      <a:schemeClr val="accent1">
+        <a:tint val="60000"/>
+      </a:schemeClr>
+    </dgm:fillClrLst>
+    <dgm:linClrLst meth="repeat">
+      <a:schemeClr val="accent1">
+        <a:tint val="60000"/>
+      </a:schemeClr>
+    </dgm:linClrLst>
+    <dgm:effectClrLst/>
+    <dgm:txLinClrLst/>
+    <dgm:txFillClrLst meth="repeat">
+      <a:schemeClr val="lt1"/>
+    </dgm:txFillClrLst>
+    <dgm:txEffectClrLst/>
+  </dgm:styleLbl>
+  <dgm:styleLbl name="parChTrans2D2">
+    <dgm:fillClrLst meth="repeat">
+      <a:schemeClr val="accent1"/>
+    </dgm:fillClrLst>
+    <dgm:linClrLst meth="repeat">
+      <a:schemeClr val="accent1"/>
+    </dgm:linClrLst>
+    <dgm:effectClrLst/>
+    <dgm:txLinClrLst/>
+    <dgm:txFillClrLst meth="repeat">
+      <a:schemeClr val="lt1"/>
+    </dgm:txFillClrLst>
+    <dgm:txEffectClrLst/>
+  </dgm:styleLbl>
+  <dgm:styleLbl name="parChTrans2D3">
+    <dgm:fillClrLst meth="repeat">
+      <a:schemeClr val="accent1"/>
+    </dgm:fillClrLst>
+    <dgm:linClrLst meth="repeat">
+      <a:schemeClr val="accent1"/>
+    </dgm:linClrLst>
+    <dgm:effectClrLst/>
+    <dgm:txLinClrLst/>
+    <dgm:txFillClrLst meth="repeat">
+      <a:schemeClr val="lt1"/>
+    </dgm:txFillClrLst>
+    <dgm:txEffectClrLst/>
+  </dgm:styleLbl>
+  <dgm:styleLbl name="parChTrans2D4">
+    <dgm:fillClrLst meth="repeat">
+      <a:schemeClr val="accent1"/>
+    </dgm:fillClrLst>
+    <dgm:linClrLst meth="repeat">
+      <a:schemeClr val="accent1"/>
+    </dgm:linClrLst>
+    <dgm:effectClrLst/>
+    <dgm:txLinClrLst/>
+    <dgm:txFillClrLst meth="repeat">
+      <a:schemeClr val="lt1"/>
+    </dgm:txFillClrLst>
+    <dgm:txEffectClrLst/>
+  </dgm:styleLbl>
+  <dgm:styleLbl name="parChTrans1D1">
+    <dgm:fillClrLst meth="repeat">
+      <a:schemeClr val="accent1"/>
+    </dgm:fillClrLst>
+    <dgm:linClrLst meth="repeat">
+      <a:schemeClr val="accent1">
+        <a:shade val="60000"/>
+      </a:schemeClr>
+    </dgm:linClrLst>
+    <dgm:effectClrLst/>
+    <dgm:txLinClrLst/>
+    <dgm:txFillClrLst meth="repeat">
+      <a:schemeClr val="tx1"/>
+    </dgm:txFillClrLst>
+    <dgm:txEffectClrLst/>
+  </dgm:styleLbl>
+  <dgm:styleLbl name="parChTrans1D2">
+    <dgm:fillClrLst meth="repeat">
+      <a:schemeClr val="accent1"/>
+    </dgm:fillClrLst>
+    <dgm:linClrLst meth="repeat">
+      <a:schemeClr val="accent1">
+        <a:shade val="60000"/>
+      </a:schemeClr>
+    </dgm:linClrLst>
+    <dgm:effectClrLst/>
+    <dgm:txLinClrLst/>
+    <dgm:txFillClrLst meth="repeat">
+      <a:schemeClr val="tx1"/>
+    </dgm:txFillClrLst>
+    <dgm:txEffectClrLst/>
+  </dgm:styleLbl>
+  <dgm:styleLbl name="parChTrans1D3">
+    <dgm:fillClrLst meth="repeat">
+      <a:schemeClr val="accent1"/>
+    </dgm:fillClrLst>
+    <dgm:linClrLst meth="repeat">
+      <a:schemeClr val="accent1">
+        <a:shade val="80000"/>
+      </a:schemeClr>
+    </dgm:linClrLst>
+    <dgm:effectClrLst/>
+    <dgm:txLinClrLst/>
+    <dgm:txFillClrLst meth="repeat">
+      <a:schemeClr val="tx1"/>
+    </dgm:txFillClrLst>
+    <dgm:txEffectClrLst/>
+  </dgm:styleLbl>
+  <dgm:styleLbl name="parChTrans1D4">
+    <dgm:fillClrLst meth="repeat">
+      <a:schemeClr val="accent1"/>
+    </dgm:fillClrLst>
+    <dgm:linClrLst meth="repeat">
+      <a:schemeClr val="accent1">
+        <a:shade val="80000"/>
+      </a:schemeClr>
+    </dgm:linClrLst>
+    <dgm:effectClrLst/>
+    <dgm:txLinClrLst/>
+    <dgm:txFillClrLst meth="repeat">
+      <a:schemeClr val="tx1"/>
+    </dgm:txFillClrLst>
+    <dgm:txEffectClrLst/>
+  </dgm:styleLbl>
+  <dgm:styleLbl name="fgAcc1">
+    <dgm:fillClrLst meth="repeat">
+      <a:schemeClr val="lt1">
+        <a:alpha val="90000"/>
+      </a:schemeClr>
+    </dgm:fillClrLst>
+    <dgm:linClrLst meth="repeat">
+      <a:schemeClr val="accent1"/>
+    </dgm:linClrLst>
+    <dgm:effectClrLst/>
+    <dgm:txLinClrLst/>
+    <dgm:txFillClrLst meth="repeat">
+      <a:schemeClr val="dk1"/>
+    </dgm:txFillClrLst>
+    <dgm:txEffectClrLst/>
+  </dgm:styleLbl>
+  <dgm:styleLbl name="conFgAcc1">
+    <dgm:fillClrLst meth="repeat">
+      <a:schemeClr val="lt1">
+        <a:alpha val="90000"/>
+      </a:schemeClr>
+    </dgm:fillClrLst>
+    <dgm:linClrLst meth="repeat">
+      <a:schemeClr val="accent1"/>
+    </dgm:linClrLst>
+    <dgm:effectClrLst/>
+    <dgm:txLinClrLst/>
+    <dgm:txFillClrLst meth="repeat">
+      <a:schemeClr val="dk1"/>
+    </dgm:txFillClrLst>
+    <dgm:txEffectClrLst/>
+  </dgm:styleLbl>
+  <dgm:styleLbl name="alignAcc1">
+    <dgm:fillClrLst meth="repeat">
+      <a:schemeClr val="lt1">
+        <a:alpha val="90000"/>
+      </a:schemeClr>
+    </dgm:fillClrLst>
+    <dgm:linClrLst meth="repeat">
+      <a:schemeClr val="accent1"/>
+    </dgm:linClrLst>
+    <dgm:effectClrLst/>
+    <dgm:txLinClrLst/>
+    <dgm:txFillClrLst meth="repeat">
+      <a:schemeClr val="dk1"/>
+    </dgm:txFillClrLst>
+    <dgm:txEffectClrLst/>
+  </dgm:styleLbl>
+  <dgm:styleLbl name="trAlignAcc1">
+    <dgm:fillClrLst meth="repeat">
+      <a:schemeClr val="lt1">
+        <a:alpha val="40000"/>
+      </a:schemeClr>
+    </dgm:fillClrLst>
+    <dgm:linClrLst meth="repeat">
+      <a:schemeClr val="accent1"/>
+    </dgm:linClrLst>
+    <dgm:effectClrLst/>
+    <dgm:txLinClrLst/>
+    <dgm:txFillClrLst meth="repeat">
+      <a:schemeClr val="dk1"/>
+    </dgm:txFillClrLst>
+    <dgm:txEffectClrLst/>
+  </dgm:styleLbl>
+  <dgm:styleLbl name="bgAcc1">
+    <dgm:fillClrLst meth="repeat">
+      <a:schemeClr val="lt1">
+        <a:alpha val="90000"/>
+      </a:schemeClr>
+    </dgm:fillClrLst>
+    <dgm:linClrLst meth="repeat">
+      <a:schemeClr val="accent1"/>
+    </dgm:linClrLst>
+    <dgm:effectClrLst/>
+    <dgm:txLinClrLst/>
+    <dgm:txFillClrLst meth="repeat">
+      <a:schemeClr val="dk1"/>
+    </dgm:txFillClrLst>
+    <dgm:txEffectClrLst/>
+  </dgm:styleLbl>
+  <dgm:styleLbl name="solidFgAcc1">
+    <dgm:fillClrLst meth="repeat">
+      <a:schemeClr val="lt1"/>
+    </dgm:fillClrLst>
+    <dgm:linClrLst meth="repeat">
+      <a:schemeClr val="accent1"/>
+    </dgm:linClrLst>
+    <dgm:effectClrLst/>
+    <dgm:txLinClrLst/>
+    <dgm:txFillClrLst meth="repeat">
+      <a:schemeClr val="dk1"/>
+    </dgm:txFillClrLst>
+    <dgm:txEffectClrLst/>
+  </dgm:styleLbl>
+  <dgm:styleLbl name="solidAlignAcc1">
+    <dgm:fillClrLst meth="repeat">
+      <a:schemeClr val="lt1"/>
+    </dgm:fillClrLst>
+    <dgm:linClrLst meth="repeat">
+      <a:schemeClr val="accent1"/>
+    </dgm:linClrLst>
+    <dgm:effectClrLst/>
+    <dgm:txLinClrLst/>
+    <dgm:txFillClrLst meth="repeat">
+      <a:schemeClr val="dk1"/>
+    </dgm:txFillClrLst>
+    <dgm:txEffectClrLst/>
+  </dgm:styleLbl>
+  <dgm:styleLbl name="solidBgAcc1">
+    <dgm:fillClrLst meth="repeat">
+      <a:schemeClr val="lt1"/>
+    </dgm:fillClrLst>
+    <dgm:linClrLst meth="repeat">
+      <a:schemeClr val="accent1"/>
+    </dgm:linClrLst>
+    <dgm:effectClrLst/>
+    <dgm:txLinClrLst/>
+    <dgm:txFillClrLst meth="repeat">
+      <a:schemeClr val="dk1"/>
+    </dgm:txFillClrLst>
+    <dgm:txEffectClrLst/>
+  </dgm:styleLbl>
+  <dgm:styleLbl name="fgAccFollowNode1">
+    <dgm:fillClrLst meth="repeat">
+      <a:schemeClr val="accent1">
+        <a:alpha val="90000"/>
+        <a:tint val="40000"/>
+      </a:schemeClr>
+    </dgm:fillClrLst>
+    <dgm:linClrLst meth="repeat">
+      <a:schemeClr val="accent1">
+        <a:alpha val="90000"/>
+        <a:tint val="40000"/>
+      </a:schemeClr>
+    </dgm:linClrLst>
+    <dgm:effectClrLst/>
+    <dgm:txLinClrLst/>
+    <dgm:txFillClrLst meth="repeat">
+      <a:schemeClr val="dk1"/>
+    </dgm:txFillClrLst>
+    <dgm:txEffectClrLst/>
+  </dgm:styleLbl>
+  <dgm:styleLbl name="alignAccFollowNode1">
+    <dgm:fillClrLst meth="repeat">
+      <a:schemeClr val="accent1">
+        <a:alpha val="90000"/>
+        <a:tint val="40000"/>
+      </a:schemeClr>
+    </dgm:fillClrLst>
+    <dgm:linClrLst meth="repeat">
+      <a:schemeClr val="accent1">
+        <a:alpha val="90000"/>
+        <a:tint val="40000"/>
+      </a:schemeClr>
+    </dgm:linClrLst>
+    <dgm:effectClrLst/>
+    <dgm:txLinClrLst/>
+    <dgm:txFillClrLst meth="repeat">
+      <a:schemeClr val="dk1"/>
+    </dgm:txFillClrLst>
+    <dgm:txEffectClrLst/>
+  </dgm:styleLbl>
+  <dgm:styleLbl name="bgAccFollowNode1">
+    <dgm:fillClrLst meth="repeat">
+      <a:schemeClr val="accent1">
+        <a:alpha val="90000"/>
+        <a:tint val="40000"/>
+      </a:schemeClr>
+    </dgm:fillClrLst>
+    <dgm:linClrLst meth="repeat">
+      <a:schemeClr val="accent1">
+        <a:alpha val="90000"/>
+        <a:tint val="40000"/>
+      </a:schemeClr>
+    </dgm:linClrLst>
+    <dgm:effectClrLst/>
+    <dgm:txLinClrLst/>
+    <dgm:txFillClrLst meth="repeat">
+      <a:schemeClr val="dk1"/>
+    </dgm:txFillClrLst>
+    <dgm:txEffectClrLst/>
+  </dgm:styleLbl>
+  <dgm:styleLbl name="fgAcc0">
+    <dgm:fillClrLst meth="repeat">
+      <a:schemeClr val="lt1">
+        <a:alpha val="90000"/>
+      </a:schemeClr>
+    </dgm:fillClrLst>
+    <dgm:linClrLst meth="repeat">
+      <a:schemeClr val="accent1"/>
+    </dgm:linClrLst>
+    <dgm:effectClrLst/>
+    <dgm:txLinClrLst/>
+    <dgm:txFillClrLst meth="repeat">
+      <a:schemeClr val="dk1"/>
+    </dgm:txFillClrLst>
+    <dgm:txEffectClrLst/>
+  </dgm:styleLbl>
+  <dgm:styleLbl name="fgAcc2">
+    <dgm:fillClrLst meth="repeat">
+      <a:schemeClr val="lt1">
+        <a:alpha val="90000"/>
+      </a:schemeClr>
+    </dgm:fillClrLst>
+    <dgm:linClrLst meth="repeat">
+      <a:schemeClr val="accent1"/>
+    </dgm:linClrLst>
+    <dgm:effectClrLst/>
+    <dgm:txLinClrLst/>
+    <dgm:txFillClrLst meth="repeat">
+      <a:schemeClr val="dk1"/>
+    </dgm:txFillClrLst>
+    <dgm:txEffectClrLst/>
+  </dgm:styleLbl>
+  <dgm:styleLbl name="fgAcc3">
+    <dgm:fillClrLst meth="repeat">
+      <a:schemeClr val="lt1">
+        <a:alpha val="90000"/>
+      </a:schemeClr>
+    </dgm:fillClrLst>
+    <dgm:linClrLst meth="repeat">
+      <a:schemeClr val="accent1"/>
+    </dgm:linClrLst>
+    <dgm:effectClrLst/>
+    <dgm:txLinClrLst/>
+    <dgm:txFillClrLst meth="repeat">
+      <a:schemeClr val="dk1"/>
+    </dgm:txFillClrLst>
+    <dgm:txEffectClrLst/>
+  </dgm:styleLbl>
+  <dgm:styleLbl name="fgAcc4">
+    <dgm:fillClrLst meth="repeat">
+      <a:schemeClr val="lt1">
+        <a:alpha val="90000"/>
+      </a:schemeClr>
+    </dgm:fillClrLst>
+    <dgm:linClrLst meth="repeat">
+      <a:schemeClr val="accent1"/>
+    </dgm:linClrLst>
+    <dgm:effectClrLst/>
+    <dgm:txLinClrLst/>
+    <dgm:txFillClrLst meth="repeat">
+      <a:schemeClr val="dk1"/>
+    </dgm:txFillClrLst>
+    <dgm:txEffectClrLst/>
+  </dgm:styleLbl>
+  <dgm:styleLbl name="bgShp">
+    <dgm:fillClrLst meth="repeat">
+      <a:schemeClr val="accent1">
+        <a:tint val="40000"/>
+      </a:schemeClr>
+    </dgm:fillClrLst>
+    <dgm:linClrLst meth="repeat">
+      <a:schemeClr val="accent1"/>
+    </dgm:linClrLst>
+    <dgm:effectClrLst/>
+    <dgm:txLinClrLst/>
+    <dgm:txFillClrLst meth="repeat">
+      <a:schemeClr val="dk1"/>
+    </dgm:txFillClrLst>
+    <dgm:txEffectClrLst/>
+  </dgm:styleLbl>
+  <dgm:styleLbl name="dkBgShp">
+    <dgm:fillClrLst meth="repeat">
+      <a:schemeClr val="accent1">
+        <a:shade val="80000"/>
+      </a:schemeClr>
+    </dgm:fillClrLst>
+    <dgm:linClrLst meth="repeat">
+      <a:schemeClr val="accent1"/>
+    </dgm:linClrLst>
+    <dgm:effectClrLst/>
+    <dgm:txLinClrLst/>
+    <dgm:txFillClrLst meth="repeat">
+      <a:schemeClr val="lt1"/>
+    </dgm:txFillClrLst>
+    <dgm:txEffectClrLst/>
+  </dgm:styleLbl>
+  <dgm:styleLbl name="trBgShp">
+    <dgm:fillClrLst meth="repeat">
+      <a:schemeClr val="accent1">
+        <a:tint val="50000"/>
+        <a:alpha val="40000"/>
+      </a:schemeClr>
+    </dgm:fillClrLst>
+    <dgm:linClrLst meth="repeat">
+      <a:schemeClr val="accent1"/>
+    </dgm:linClrLst>
+    <dgm:effectClrLst/>
+    <dgm:txLinClrLst/>
+    <dgm:txFillClrLst meth="repeat">
+      <a:schemeClr val="lt1"/>
+    </dgm:txFillClrLst>
+    <dgm:txEffectClrLst/>
+  </dgm:styleLbl>
+  <dgm:styleLbl name="fgShp">
+    <dgm:fillClrLst meth="repeat">
+      <a:schemeClr val="accent1">
+        <a:tint val="60000"/>
+      </a:schemeClr>
+    </dgm:fillClrLst>
+    <dgm:linClrLst meth="repeat">
+      <a:schemeClr val="lt1"/>
+    </dgm:linClrLst>
+    <dgm:effectClrLst/>
+    <dgm:txLinClrLst/>
+    <dgm:txFillClrLst meth="repeat">
+      <a:schemeClr val="dk1"/>
+    </dgm:txFillClrLst>
+    <dgm:txEffectClrLst/>
+  </dgm:styleLbl>
+  <dgm:styleLbl name="revTx">
+    <dgm:fillClrLst meth="repeat">
+      <a:schemeClr val="lt1">
+        <a:alpha val="0"/>
+      </a:schemeClr>
+    </dgm:fillClrLst>
+    <dgm:linClrLst meth="repeat">
+      <a:schemeClr val="dk1">
+        <a:alpha val="0"/>
+      </a:schemeClr>
+    </dgm:linClrLst>
+    <dgm:effectClrLst/>
+    <dgm:txLinClrLst/>
+    <dgm:txFillClrLst meth="repeat">
+      <a:schemeClr val="tx1"/>
+    </dgm:txFillClrLst>
+    <dgm:txEffectClrLst/>
+  </dgm:styleLbl>
+</dgm:colorsDef>
+</file>
+
+<file path=ppt/diagrams/colors3.xml><?xml version="1.0" encoding="utf-8"?>
 <dgm:colorsDef xmlns:dgm="http://schemas.openxmlformats.org/drawingml/2006/diagram" xmlns:a="http://schemas.openxmlformats.org/drawingml/2006/main" uniqueId="urn:microsoft.com/office/officeart/2005/8/colors/accent1_2">
   <dgm:title val=""/>
   <dgm:desc val=""/>
@@ -1187,6 +2685,964 @@
     <dgm:cxn modelId="{D9BBEA43-A077-4A09-A4BB-66584D5CD208}" type="presParOf" srcId="{D200FAA2-DA41-431E-99B4-CE852F239D5B}" destId="{1C979A83-14B3-44A0-832C-ADB78DDC31D2}" srcOrd="4" destOrd="0" presId="urn:microsoft.com/office/officeart/2009/layout/CircleArrowProcess"/>
     <dgm:cxn modelId="{6E6ADA73-61A0-49F0-A85F-E8408D1DAAC8}" type="presParOf" srcId="{1C979A83-14B3-44A0-832C-ADB78DDC31D2}" destId="{9BE3160D-F3B8-42D5-A32E-AB018494B2C5}" srcOrd="0" destOrd="0" presId="urn:microsoft.com/office/officeart/2009/layout/CircleArrowProcess"/>
     <dgm:cxn modelId="{D578ECBB-D459-468F-8CAF-FEF9B2469F6B}" type="presParOf" srcId="{D200FAA2-DA41-431E-99B4-CE852F239D5B}" destId="{E2917357-A89F-4B66-BC6B-1AA85F9E97AD}" srcOrd="5" destOrd="0" presId="urn:microsoft.com/office/officeart/2009/layout/CircleArrowProcess"/>
+  </dgm:cxnLst>
+  <dgm:bg/>
+  <dgm:whole/>
+  <dgm:extLst>
+    <a:ext uri="http://schemas.microsoft.com/office/drawing/2008/diagram">
+      <dsp:dataModelExt xmlns:dsp="http://schemas.microsoft.com/office/drawing/2008/diagram" relId="rId6" minVer="http://schemas.openxmlformats.org/drawingml/2006/diagram"/>
+    </a:ext>
+  </dgm:extLst>
+</dgm:dataModel>
+</file>
+
+<file path=ppt/diagrams/data2.xml><?xml version="1.0" encoding="utf-8"?>
+<dgm:dataModel xmlns:dgm="http://schemas.openxmlformats.org/drawingml/2006/diagram" xmlns:a="http://schemas.openxmlformats.org/drawingml/2006/main">
+  <dgm:ptLst>
+    <dgm:pt modelId="{C8143B2A-6029-4E46-AE15-A9E9B6D82DEA}" type="doc">
+      <dgm:prSet loTypeId="urn:microsoft.com/office/officeart/2005/8/layout/process3" loCatId="process" qsTypeId="urn:microsoft.com/office/officeart/2005/8/quickstyle/simple1" qsCatId="simple" csTypeId="urn:microsoft.com/office/officeart/2005/8/colors/accent1_2" csCatId="accent1" phldr="1"/>
+      <dgm:spPr/>
+      <dgm:t>
+        <a:bodyPr/>
+        <a:lstStyle/>
+        <a:p>
+          <a:endParaRPr lang="en-US"/>
+        </a:p>
+      </dgm:t>
+    </dgm:pt>
+    <dgm:pt modelId="{AC48287F-26D5-43AE-A35E-FAEC7EBD513B}">
+      <dgm:prSet phldrT="[Text]"/>
+      <dgm:spPr>
+        <a:solidFill>
+          <a:schemeClr val="tx1">
+            <a:lumMod val="75000"/>
+            <a:lumOff val="25000"/>
+          </a:schemeClr>
+        </a:solidFill>
+      </dgm:spPr>
+      <dgm:t>
+        <a:bodyPr/>
+        <a:lstStyle/>
+        <a:p>
+          <a:r>
+            <a:rPr lang="en-US" dirty="0" smtClean="0"/>
+            <a:t>Parent </a:t>
+          </a:r>
+          <a:r>
+            <a:rPr lang="en-US" dirty="0" smtClean="0"/>
+            <a:t>Component</a:t>
+          </a:r>
+          <a:endParaRPr lang="en-US" dirty="0"/>
+        </a:p>
+      </dgm:t>
+    </dgm:pt>
+    <dgm:pt modelId="{762B2969-D348-444B-AD18-497DFE87DC8B}" type="parTrans" cxnId="{4F038AD7-EE4A-4C7D-B357-C783986E2C16}">
+      <dgm:prSet/>
+      <dgm:spPr/>
+      <dgm:t>
+        <a:bodyPr/>
+        <a:lstStyle/>
+        <a:p>
+          <a:endParaRPr lang="en-US"/>
+        </a:p>
+      </dgm:t>
+    </dgm:pt>
+    <dgm:pt modelId="{E2A7478D-CBA9-4EFD-98DD-21107FF80A0D}" type="sibTrans" cxnId="{4F038AD7-EE4A-4C7D-B357-C783986E2C16}">
+      <dgm:prSet/>
+      <dgm:spPr>
+        <a:solidFill>
+          <a:srgbClr val="C00000"/>
+        </a:solidFill>
+      </dgm:spPr>
+      <dgm:t>
+        <a:bodyPr/>
+        <a:lstStyle/>
+        <a:p>
+          <a:endParaRPr lang="en-US"/>
+        </a:p>
+      </dgm:t>
+    </dgm:pt>
+    <dgm:pt modelId="{380E06AE-98AB-4E40-8142-2218477C1999}">
+      <dgm:prSet phldrT="[Text]" custT="1"/>
+      <dgm:spPr>
+        <a:ln>
+          <a:solidFill>
+            <a:schemeClr val="tx1">
+              <a:lumMod val="75000"/>
+              <a:lumOff val="25000"/>
+            </a:schemeClr>
+          </a:solidFill>
+        </a:ln>
+      </dgm:spPr>
+      <dgm:t>
+        <a:bodyPr anchor="ctr"/>
+        <a:lstStyle/>
+        <a:p>
+          <a:r>
+            <a:rPr lang="en-US" sz="2000" dirty="0" smtClean="0">
+              <a:latin typeface="Arial" panose="020B0604020202020204" pitchFamily="34" charset="0"/>
+              <a:cs typeface="Arial" panose="020B0604020202020204" pitchFamily="34" charset="0"/>
+            </a:rPr>
+            <a:t>Assign value</a:t>
+          </a:r>
+          <a:endParaRPr lang="en-US" sz="2000" dirty="0">
+            <a:latin typeface="Arial" panose="020B0604020202020204" pitchFamily="34" charset="0"/>
+            <a:cs typeface="Arial" panose="020B0604020202020204" pitchFamily="34" charset="0"/>
+          </a:endParaRPr>
+        </a:p>
+      </dgm:t>
+    </dgm:pt>
+    <dgm:pt modelId="{E0F2FE52-6C7A-4B05-9E0B-30D5289828EF}" type="parTrans" cxnId="{EF8CB938-76FB-4300-A35C-F2907699B8BF}">
+      <dgm:prSet/>
+      <dgm:spPr/>
+      <dgm:t>
+        <a:bodyPr/>
+        <a:lstStyle/>
+        <a:p>
+          <a:endParaRPr lang="en-US"/>
+        </a:p>
+      </dgm:t>
+    </dgm:pt>
+    <dgm:pt modelId="{31AA7775-2C46-4B5A-A466-C5CA3286FA14}" type="sibTrans" cxnId="{EF8CB938-76FB-4300-A35C-F2907699B8BF}">
+      <dgm:prSet/>
+      <dgm:spPr/>
+      <dgm:t>
+        <a:bodyPr/>
+        <a:lstStyle/>
+        <a:p>
+          <a:endParaRPr lang="en-US"/>
+        </a:p>
+      </dgm:t>
+    </dgm:pt>
+    <dgm:pt modelId="{E88674FC-A9BD-4E7F-A313-36F5D9DC9D3D}">
+      <dgm:prSet phldrT="[Text]"/>
+      <dgm:spPr>
+        <a:solidFill>
+          <a:schemeClr val="tx1">
+            <a:lumMod val="75000"/>
+            <a:lumOff val="25000"/>
+          </a:schemeClr>
+        </a:solidFill>
+      </dgm:spPr>
+      <dgm:t>
+        <a:bodyPr/>
+        <a:lstStyle/>
+        <a:p>
+          <a:r>
+            <a:rPr lang="en-US" dirty="0" smtClean="0"/>
+            <a:t>Child Component</a:t>
+          </a:r>
+          <a:endParaRPr lang="en-US" dirty="0"/>
+        </a:p>
+      </dgm:t>
+    </dgm:pt>
+    <dgm:pt modelId="{6AAE62B8-0174-4507-8DD2-C0D12302BD7F}" type="parTrans" cxnId="{3DC69DD6-4B2A-4349-AA89-669AA2C4EFE0}">
+      <dgm:prSet/>
+      <dgm:spPr/>
+      <dgm:t>
+        <a:bodyPr/>
+        <a:lstStyle/>
+        <a:p>
+          <a:endParaRPr lang="en-US"/>
+        </a:p>
+      </dgm:t>
+    </dgm:pt>
+    <dgm:pt modelId="{DA68619C-807E-4FD3-B506-FE9C124BE0F8}" type="sibTrans" cxnId="{3DC69DD6-4B2A-4349-AA89-669AA2C4EFE0}">
+      <dgm:prSet/>
+      <dgm:spPr/>
+      <dgm:t>
+        <a:bodyPr/>
+        <a:lstStyle/>
+        <a:p>
+          <a:endParaRPr lang="en-US"/>
+        </a:p>
+      </dgm:t>
+    </dgm:pt>
+    <dgm:pt modelId="{4C2E7620-8C83-432E-951B-E1C00D5B0F42}">
+      <dgm:prSet phldrT="[Text]" custT="1"/>
+      <dgm:spPr>
+        <a:ln>
+          <a:solidFill>
+            <a:schemeClr val="tx1">
+              <a:lumMod val="75000"/>
+              <a:lumOff val="25000"/>
+            </a:schemeClr>
+          </a:solidFill>
+        </a:ln>
+      </dgm:spPr>
+      <dgm:t>
+        <a:bodyPr anchor="ctr"/>
+        <a:lstStyle/>
+        <a:p>
+          <a:pPr algn="l"/>
+          <a:r>
+            <a:rPr lang="en-US" sz="2000" dirty="0" smtClean="0">
+              <a:latin typeface="Arial" panose="020B0604020202020204" pitchFamily="34" charset="0"/>
+              <a:cs typeface="Arial" panose="020B0604020202020204" pitchFamily="34" charset="0"/>
+            </a:rPr>
+            <a:t>Define </a:t>
+          </a:r>
+          <a:r>
+            <a:rPr lang="en-US" sz="2000" dirty="0" err="1" smtClean="0">
+              <a:latin typeface="Arial" panose="020B0604020202020204" pitchFamily="34" charset="0"/>
+              <a:cs typeface="Arial" panose="020B0604020202020204" pitchFamily="34" charset="0"/>
+            </a:rPr>
+            <a:t>params</a:t>
+          </a:r>
+          <a:r>
+            <a:rPr lang="en-US" sz="2000" dirty="0" smtClean="0">
+              <a:latin typeface="Arial" panose="020B0604020202020204" pitchFamily="34" charset="0"/>
+              <a:cs typeface="Arial" panose="020B0604020202020204" pitchFamily="34" charset="0"/>
+            </a:rPr>
+            <a:t> (string, </a:t>
+          </a:r>
+          <a:r>
+            <a:rPr lang="en-US" sz="2000" dirty="0" err="1" smtClean="0">
+              <a:latin typeface="Arial" panose="020B0604020202020204" pitchFamily="34" charset="0"/>
+              <a:cs typeface="Arial" panose="020B0604020202020204" pitchFamily="34" charset="0"/>
+            </a:rPr>
+            <a:t>func</a:t>
+          </a:r>
+          <a:r>
+            <a:rPr lang="en-US" sz="2000" dirty="0" smtClean="0">
+              <a:latin typeface="Arial" panose="020B0604020202020204" pitchFamily="34" charset="0"/>
+              <a:cs typeface="Arial" panose="020B0604020202020204" pitchFamily="34" charset="0"/>
+            </a:rPr>
+            <a:t>, …)</a:t>
+          </a:r>
+          <a:endParaRPr lang="en-US" sz="2000" dirty="0">
+            <a:latin typeface="Arial" panose="020B0604020202020204" pitchFamily="34" charset="0"/>
+            <a:cs typeface="Arial" panose="020B0604020202020204" pitchFamily="34" charset="0"/>
+          </a:endParaRPr>
+        </a:p>
+      </dgm:t>
+    </dgm:pt>
+    <dgm:pt modelId="{1DD162A2-9B3B-4843-8243-7DF156565BB0}" type="parTrans" cxnId="{4772B99A-CC1F-4C5B-897F-8FE365B173C8}">
+      <dgm:prSet/>
+      <dgm:spPr/>
+      <dgm:t>
+        <a:bodyPr/>
+        <a:lstStyle/>
+        <a:p>
+          <a:endParaRPr lang="en-US"/>
+        </a:p>
+      </dgm:t>
+    </dgm:pt>
+    <dgm:pt modelId="{D6602F0A-3B58-4549-B356-BB1072CED668}" type="sibTrans" cxnId="{4772B99A-CC1F-4C5B-897F-8FE365B173C8}">
+      <dgm:prSet/>
+      <dgm:spPr/>
+      <dgm:t>
+        <a:bodyPr/>
+        <a:lstStyle/>
+        <a:p>
+          <a:endParaRPr lang="en-US"/>
+        </a:p>
+      </dgm:t>
+    </dgm:pt>
+    <dgm:pt modelId="{9C8F5C24-21DB-4B32-922B-A09C2A30061B}">
+      <dgm:prSet phldrT="[Text]" custT="1"/>
+      <dgm:spPr>
+        <a:ln>
+          <a:solidFill>
+            <a:schemeClr val="tx1">
+              <a:lumMod val="75000"/>
+              <a:lumOff val="25000"/>
+            </a:schemeClr>
+          </a:solidFill>
+        </a:ln>
+      </dgm:spPr>
+      <dgm:t>
+        <a:bodyPr anchor="ctr"/>
+        <a:lstStyle/>
+        <a:p>
+          <a:pPr algn="l"/>
+          <a:r>
+            <a:rPr lang="en-US" sz="2000" dirty="0" smtClean="0">
+              <a:latin typeface="Arial" panose="020B0604020202020204" pitchFamily="34" charset="0"/>
+              <a:cs typeface="Arial" panose="020B0604020202020204" pitchFamily="34" charset="0"/>
+            </a:rPr>
+            <a:t>Render View</a:t>
+          </a:r>
+          <a:endParaRPr lang="en-US" sz="2000" dirty="0">
+            <a:latin typeface="Arial" panose="020B0604020202020204" pitchFamily="34" charset="0"/>
+            <a:cs typeface="Arial" panose="020B0604020202020204" pitchFamily="34" charset="0"/>
+          </a:endParaRPr>
+        </a:p>
+      </dgm:t>
+    </dgm:pt>
+    <dgm:pt modelId="{52BBF014-F645-4EA8-91FE-CE1129919FB2}" type="parTrans" cxnId="{8D0F4E70-7578-4000-BEA5-867A7A5541C4}">
+      <dgm:prSet/>
+      <dgm:spPr/>
+      <dgm:t>
+        <a:bodyPr/>
+        <a:lstStyle/>
+        <a:p>
+          <a:endParaRPr lang="en-US"/>
+        </a:p>
+      </dgm:t>
+    </dgm:pt>
+    <dgm:pt modelId="{1B76521A-8952-4360-8BA0-DFFE839E1897}" type="sibTrans" cxnId="{8D0F4E70-7578-4000-BEA5-867A7A5541C4}">
+      <dgm:prSet/>
+      <dgm:spPr/>
+      <dgm:t>
+        <a:bodyPr/>
+        <a:lstStyle/>
+        <a:p>
+          <a:endParaRPr lang="en-US"/>
+        </a:p>
+      </dgm:t>
+    </dgm:pt>
+    <dgm:pt modelId="{55155AA9-0AEC-40D6-864B-15B3E9E5DC2A}" type="pres">
+      <dgm:prSet presAssocID="{C8143B2A-6029-4E46-AE15-A9E9B6D82DEA}" presName="linearFlow" presStyleCnt="0">
+        <dgm:presLayoutVars>
+          <dgm:dir/>
+          <dgm:animLvl val="lvl"/>
+          <dgm:resizeHandles val="exact"/>
+        </dgm:presLayoutVars>
+      </dgm:prSet>
+      <dgm:spPr/>
+      <dgm:t>
+        <a:bodyPr/>
+        <a:lstStyle/>
+        <a:p>
+          <a:endParaRPr lang="en-US"/>
+        </a:p>
+      </dgm:t>
+    </dgm:pt>
+    <dgm:pt modelId="{5353930A-9E49-450C-8DE4-0356A331E2C8}" type="pres">
+      <dgm:prSet presAssocID="{AC48287F-26D5-43AE-A35E-FAEC7EBD513B}" presName="composite" presStyleCnt="0"/>
+      <dgm:spPr/>
+    </dgm:pt>
+    <dgm:pt modelId="{A164400F-7528-40C3-BCA7-F5BC68B4C6E6}" type="pres">
+      <dgm:prSet presAssocID="{AC48287F-26D5-43AE-A35E-FAEC7EBD513B}" presName="parTx" presStyleLbl="node1" presStyleIdx="0" presStyleCnt="2">
+        <dgm:presLayoutVars>
+          <dgm:chMax val="0"/>
+          <dgm:chPref val="0"/>
+          <dgm:bulletEnabled val="1"/>
+        </dgm:presLayoutVars>
+      </dgm:prSet>
+      <dgm:spPr/>
+      <dgm:t>
+        <a:bodyPr/>
+        <a:lstStyle/>
+        <a:p>
+          <a:endParaRPr lang="en-US"/>
+        </a:p>
+      </dgm:t>
+    </dgm:pt>
+    <dgm:pt modelId="{43E1E82C-0E11-430E-A2A5-4ABCC38B1434}" type="pres">
+      <dgm:prSet presAssocID="{AC48287F-26D5-43AE-A35E-FAEC7EBD513B}" presName="parSh" presStyleLbl="node1" presStyleIdx="0" presStyleCnt="2"/>
+      <dgm:spPr/>
+      <dgm:t>
+        <a:bodyPr/>
+        <a:lstStyle/>
+        <a:p>
+          <a:endParaRPr lang="en-US"/>
+        </a:p>
+      </dgm:t>
+    </dgm:pt>
+    <dgm:pt modelId="{F4CEEAEC-B895-4CEB-B47B-5309E514593F}" type="pres">
+      <dgm:prSet presAssocID="{AC48287F-26D5-43AE-A35E-FAEC7EBD513B}" presName="desTx" presStyleLbl="fgAcc1" presStyleIdx="0" presStyleCnt="2">
+        <dgm:presLayoutVars>
+          <dgm:bulletEnabled val="1"/>
+        </dgm:presLayoutVars>
+      </dgm:prSet>
+      <dgm:spPr/>
+      <dgm:t>
+        <a:bodyPr/>
+        <a:lstStyle/>
+        <a:p>
+          <a:endParaRPr lang="en-US"/>
+        </a:p>
+      </dgm:t>
+    </dgm:pt>
+    <dgm:pt modelId="{5668F55E-AEDC-497E-8978-813AC6239A89}" type="pres">
+      <dgm:prSet presAssocID="{E2A7478D-CBA9-4EFD-98DD-21107FF80A0D}" presName="sibTrans" presStyleLbl="sibTrans2D1" presStyleIdx="0" presStyleCnt="1"/>
+      <dgm:spPr/>
+      <dgm:t>
+        <a:bodyPr/>
+        <a:lstStyle/>
+        <a:p>
+          <a:endParaRPr lang="en-US"/>
+        </a:p>
+      </dgm:t>
+    </dgm:pt>
+    <dgm:pt modelId="{7D963356-9A7A-4BEC-BC21-833825754F3B}" type="pres">
+      <dgm:prSet presAssocID="{E2A7478D-CBA9-4EFD-98DD-21107FF80A0D}" presName="connTx" presStyleLbl="sibTrans2D1" presStyleIdx="0" presStyleCnt="1"/>
+      <dgm:spPr/>
+      <dgm:t>
+        <a:bodyPr/>
+        <a:lstStyle/>
+        <a:p>
+          <a:endParaRPr lang="en-US"/>
+        </a:p>
+      </dgm:t>
+    </dgm:pt>
+    <dgm:pt modelId="{E6D0BE91-33B7-45DC-BB98-B2D8A0369448}" type="pres">
+      <dgm:prSet presAssocID="{E88674FC-A9BD-4E7F-A313-36F5D9DC9D3D}" presName="composite" presStyleCnt="0"/>
+      <dgm:spPr/>
+    </dgm:pt>
+    <dgm:pt modelId="{4A28988C-352F-43B7-BFC8-65EA11A0A711}" type="pres">
+      <dgm:prSet presAssocID="{E88674FC-A9BD-4E7F-A313-36F5D9DC9D3D}" presName="parTx" presStyleLbl="node1" presStyleIdx="0" presStyleCnt="2">
+        <dgm:presLayoutVars>
+          <dgm:chMax val="0"/>
+          <dgm:chPref val="0"/>
+          <dgm:bulletEnabled val="1"/>
+        </dgm:presLayoutVars>
+      </dgm:prSet>
+      <dgm:spPr/>
+      <dgm:t>
+        <a:bodyPr/>
+        <a:lstStyle/>
+        <a:p>
+          <a:endParaRPr lang="en-US"/>
+        </a:p>
+      </dgm:t>
+    </dgm:pt>
+    <dgm:pt modelId="{16E1D311-34ED-467B-8B7A-5EC6C7B2DAE7}" type="pres">
+      <dgm:prSet presAssocID="{E88674FC-A9BD-4E7F-A313-36F5D9DC9D3D}" presName="parSh" presStyleLbl="node1" presStyleIdx="1" presStyleCnt="2"/>
+      <dgm:spPr/>
+      <dgm:t>
+        <a:bodyPr/>
+        <a:lstStyle/>
+        <a:p>
+          <a:endParaRPr lang="en-US"/>
+        </a:p>
+      </dgm:t>
+    </dgm:pt>
+    <dgm:pt modelId="{2F03AD03-2306-4572-BA39-22F458EFF5E2}" type="pres">
+      <dgm:prSet presAssocID="{E88674FC-A9BD-4E7F-A313-36F5D9DC9D3D}" presName="desTx" presStyleLbl="fgAcc1" presStyleIdx="1" presStyleCnt="2">
+        <dgm:presLayoutVars>
+          <dgm:bulletEnabled val="1"/>
+        </dgm:presLayoutVars>
+      </dgm:prSet>
+      <dgm:spPr/>
+      <dgm:t>
+        <a:bodyPr/>
+        <a:lstStyle/>
+        <a:p>
+          <a:endParaRPr lang="en-US"/>
+        </a:p>
+      </dgm:t>
+    </dgm:pt>
+  </dgm:ptLst>
+  <dgm:cxnLst>
+    <dgm:cxn modelId="{D41F0321-28FF-43FC-A234-58A7B6E8AAC9}" type="presOf" srcId="{9C8F5C24-21DB-4B32-922B-A09C2A30061B}" destId="{2F03AD03-2306-4572-BA39-22F458EFF5E2}" srcOrd="0" destOrd="1" presId="urn:microsoft.com/office/officeart/2005/8/layout/process3"/>
+    <dgm:cxn modelId="{B7D57D5D-AB53-4384-977D-0F3C3910E6CB}" type="presOf" srcId="{4C2E7620-8C83-432E-951B-E1C00D5B0F42}" destId="{2F03AD03-2306-4572-BA39-22F458EFF5E2}" srcOrd="0" destOrd="0" presId="urn:microsoft.com/office/officeart/2005/8/layout/process3"/>
+    <dgm:cxn modelId="{03F01233-E1FF-4F80-BEA0-73CBDEC71810}" type="presOf" srcId="{AC48287F-26D5-43AE-A35E-FAEC7EBD513B}" destId="{43E1E82C-0E11-430E-A2A5-4ABCC38B1434}" srcOrd="1" destOrd="0" presId="urn:microsoft.com/office/officeart/2005/8/layout/process3"/>
+    <dgm:cxn modelId="{8D0F4E70-7578-4000-BEA5-867A7A5541C4}" srcId="{E88674FC-A9BD-4E7F-A313-36F5D9DC9D3D}" destId="{9C8F5C24-21DB-4B32-922B-A09C2A30061B}" srcOrd="1" destOrd="0" parTransId="{52BBF014-F645-4EA8-91FE-CE1129919FB2}" sibTransId="{1B76521A-8952-4360-8BA0-DFFE839E1897}"/>
+    <dgm:cxn modelId="{4F038AD7-EE4A-4C7D-B357-C783986E2C16}" srcId="{C8143B2A-6029-4E46-AE15-A9E9B6D82DEA}" destId="{AC48287F-26D5-43AE-A35E-FAEC7EBD513B}" srcOrd="0" destOrd="0" parTransId="{762B2969-D348-444B-AD18-497DFE87DC8B}" sibTransId="{E2A7478D-CBA9-4EFD-98DD-21107FF80A0D}"/>
+    <dgm:cxn modelId="{E3EDB982-E9A1-46A8-A2EB-10916AE41929}" type="presOf" srcId="{AC48287F-26D5-43AE-A35E-FAEC7EBD513B}" destId="{A164400F-7528-40C3-BCA7-F5BC68B4C6E6}" srcOrd="0" destOrd="0" presId="urn:microsoft.com/office/officeart/2005/8/layout/process3"/>
+    <dgm:cxn modelId="{EF8CB938-76FB-4300-A35C-F2907699B8BF}" srcId="{AC48287F-26D5-43AE-A35E-FAEC7EBD513B}" destId="{380E06AE-98AB-4E40-8142-2218477C1999}" srcOrd="0" destOrd="0" parTransId="{E0F2FE52-6C7A-4B05-9E0B-30D5289828EF}" sibTransId="{31AA7775-2C46-4B5A-A466-C5CA3286FA14}"/>
+    <dgm:cxn modelId="{D52AC1D7-1B32-4501-835E-60644B7E3237}" type="presOf" srcId="{E2A7478D-CBA9-4EFD-98DD-21107FF80A0D}" destId="{5668F55E-AEDC-497E-8978-813AC6239A89}" srcOrd="0" destOrd="0" presId="urn:microsoft.com/office/officeart/2005/8/layout/process3"/>
+    <dgm:cxn modelId="{4772B99A-CC1F-4C5B-897F-8FE365B173C8}" srcId="{E88674FC-A9BD-4E7F-A313-36F5D9DC9D3D}" destId="{4C2E7620-8C83-432E-951B-E1C00D5B0F42}" srcOrd="0" destOrd="0" parTransId="{1DD162A2-9B3B-4843-8243-7DF156565BB0}" sibTransId="{D6602F0A-3B58-4549-B356-BB1072CED668}"/>
+    <dgm:cxn modelId="{E873CC10-DFFD-4A3E-A968-9CA99C67FC92}" type="presOf" srcId="{C8143B2A-6029-4E46-AE15-A9E9B6D82DEA}" destId="{55155AA9-0AEC-40D6-864B-15B3E9E5DC2A}" srcOrd="0" destOrd="0" presId="urn:microsoft.com/office/officeart/2005/8/layout/process3"/>
+    <dgm:cxn modelId="{BBDAE545-9B39-46AC-91D7-66583C341B03}" type="presOf" srcId="{E2A7478D-CBA9-4EFD-98DD-21107FF80A0D}" destId="{7D963356-9A7A-4BEC-BC21-833825754F3B}" srcOrd="1" destOrd="0" presId="urn:microsoft.com/office/officeart/2005/8/layout/process3"/>
+    <dgm:cxn modelId="{C930CA56-6957-4E69-9A5C-B98A4A1B7739}" type="presOf" srcId="{E88674FC-A9BD-4E7F-A313-36F5D9DC9D3D}" destId="{16E1D311-34ED-467B-8B7A-5EC6C7B2DAE7}" srcOrd="1" destOrd="0" presId="urn:microsoft.com/office/officeart/2005/8/layout/process3"/>
+    <dgm:cxn modelId="{3DC69DD6-4B2A-4349-AA89-669AA2C4EFE0}" srcId="{C8143B2A-6029-4E46-AE15-A9E9B6D82DEA}" destId="{E88674FC-A9BD-4E7F-A313-36F5D9DC9D3D}" srcOrd="1" destOrd="0" parTransId="{6AAE62B8-0174-4507-8DD2-C0D12302BD7F}" sibTransId="{DA68619C-807E-4FD3-B506-FE9C124BE0F8}"/>
+    <dgm:cxn modelId="{C7ECF1AD-5A28-4D69-A4C4-53510586DE80}" type="presOf" srcId="{380E06AE-98AB-4E40-8142-2218477C1999}" destId="{F4CEEAEC-B895-4CEB-B47B-5309E514593F}" srcOrd="0" destOrd="0" presId="urn:microsoft.com/office/officeart/2005/8/layout/process3"/>
+    <dgm:cxn modelId="{62821455-E2FE-4375-883F-D99F9222689F}" type="presOf" srcId="{E88674FC-A9BD-4E7F-A313-36F5D9DC9D3D}" destId="{4A28988C-352F-43B7-BFC8-65EA11A0A711}" srcOrd="0" destOrd="0" presId="urn:microsoft.com/office/officeart/2005/8/layout/process3"/>
+    <dgm:cxn modelId="{CED8C0E4-81AE-49C6-8BD2-129494B7DD85}" type="presParOf" srcId="{55155AA9-0AEC-40D6-864B-15B3E9E5DC2A}" destId="{5353930A-9E49-450C-8DE4-0356A331E2C8}" srcOrd="0" destOrd="0" presId="urn:microsoft.com/office/officeart/2005/8/layout/process3"/>
+    <dgm:cxn modelId="{5B5F2BE1-1ABC-419F-A48C-A54456D2D275}" type="presParOf" srcId="{5353930A-9E49-450C-8DE4-0356A331E2C8}" destId="{A164400F-7528-40C3-BCA7-F5BC68B4C6E6}" srcOrd="0" destOrd="0" presId="urn:microsoft.com/office/officeart/2005/8/layout/process3"/>
+    <dgm:cxn modelId="{A875F4C6-11EA-4FBE-80A5-49B3F61D2379}" type="presParOf" srcId="{5353930A-9E49-450C-8DE4-0356A331E2C8}" destId="{43E1E82C-0E11-430E-A2A5-4ABCC38B1434}" srcOrd="1" destOrd="0" presId="urn:microsoft.com/office/officeart/2005/8/layout/process3"/>
+    <dgm:cxn modelId="{77BDF84E-AA4A-4545-A47C-B56EFFADFBA9}" type="presParOf" srcId="{5353930A-9E49-450C-8DE4-0356A331E2C8}" destId="{F4CEEAEC-B895-4CEB-B47B-5309E514593F}" srcOrd="2" destOrd="0" presId="urn:microsoft.com/office/officeart/2005/8/layout/process3"/>
+    <dgm:cxn modelId="{E64640B9-1FA4-4CC9-882C-D9B9FD80CF33}" type="presParOf" srcId="{55155AA9-0AEC-40D6-864B-15B3E9E5DC2A}" destId="{5668F55E-AEDC-497E-8978-813AC6239A89}" srcOrd="1" destOrd="0" presId="urn:microsoft.com/office/officeart/2005/8/layout/process3"/>
+    <dgm:cxn modelId="{A5A02C57-C517-4ADC-BECB-1CDDB11A2698}" type="presParOf" srcId="{5668F55E-AEDC-497E-8978-813AC6239A89}" destId="{7D963356-9A7A-4BEC-BC21-833825754F3B}" srcOrd="0" destOrd="0" presId="urn:microsoft.com/office/officeart/2005/8/layout/process3"/>
+    <dgm:cxn modelId="{8A293588-F261-4A0D-A451-A1C20E8F8BA4}" type="presParOf" srcId="{55155AA9-0AEC-40D6-864B-15B3E9E5DC2A}" destId="{E6D0BE91-33B7-45DC-BB98-B2D8A0369448}" srcOrd="2" destOrd="0" presId="urn:microsoft.com/office/officeart/2005/8/layout/process3"/>
+    <dgm:cxn modelId="{191CD81F-6AC9-4FC4-B122-5E1694F6F5BF}" type="presParOf" srcId="{E6D0BE91-33B7-45DC-BB98-B2D8A0369448}" destId="{4A28988C-352F-43B7-BFC8-65EA11A0A711}" srcOrd="0" destOrd="0" presId="urn:microsoft.com/office/officeart/2005/8/layout/process3"/>
+    <dgm:cxn modelId="{392FD311-93FE-47E5-A627-CE17740E2591}" type="presParOf" srcId="{E6D0BE91-33B7-45DC-BB98-B2D8A0369448}" destId="{16E1D311-34ED-467B-8B7A-5EC6C7B2DAE7}" srcOrd="1" destOrd="0" presId="urn:microsoft.com/office/officeart/2005/8/layout/process3"/>
+    <dgm:cxn modelId="{F52EBC73-70DF-4992-89E2-C55FD4291C92}" type="presParOf" srcId="{E6D0BE91-33B7-45DC-BB98-B2D8A0369448}" destId="{2F03AD03-2306-4572-BA39-22F458EFF5E2}" srcOrd="2" destOrd="0" presId="urn:microsoft.com/office/officeart/2005/8/layout/process3"/>
+  </dgm:cxnLst>
+  <dgm:bg/>
+  <dgm:whole/>
+  <dgm:extLst>
+    <a:ext uri="http://schemas.microsoft.com/office/drawing/2008/diagram">
+      <dsp:dataModelExt xmlns:dsp="http://schemas.microsoft.com/office/drawing/2008/diagram" relId="rId6" minVer="http://schemas.openxmlformats.org/drawingml/2006/diagram"/>
+    </a:ext>
+  </dgm:extLst>
+</dgm:dataModel>
+</file>
+
+<file path=ppt/diagrams/data3.xml><?xml version="1.0" encoding="utf-8"?>
+<dgm:dataModel xmlns:dgm="http://schemas.openxmlformats.org/drawingml/2006/diagram" xmlns:a="http://schemas.openxmlformats.org/drawingml/2006/main">
+  <dgm:ptLst>
+    <dgm:pt modelId="{DEA027DB-DACA-489C-9D36-557FCCF43A77}" type="doc">
+      <dgm:prSet loTypeId="urn:microsoft.com/office/officeart/2005/8/layout/hierarchy3" loCatId="list" qsTypeId="urn:microsoft.com/office/officeart/2005/8/quickstyle/simple1" qsCatId="simple" csTypeId="urn:microsoft.com/office/officeart/2005/8/colors/accent1_2" csCatId="accent1" phldr="1"/>
+      <dgm:spPr/>
+      <dgm:t>
+        <a:bodyPr/>
+        <a:lstStyle/>
+        <a:p>
+          <a:endParaRPr lang="en-US"/>
+        </a:p>
+      </dgm:t>
+    </dgm:pt>
+    <dgm:pt modelId="{EA36CA61-CDC5-4D05-968E-B1ADA5D7A1A2}">
+      <dgm:prSet phldrT="[Text]" custT="1"/>
+      <dgm:spPr>
+        <a:solidFill>
+          <a:schemeClr val="tx1">
+            <a:lumMod val="75000"/>
+            <a:lumOff val="25000"/>
+          </a:schemeClr>
+        </a:solidFill>
+      </dgm:spPr>
+      <dgm:t>
+        <a:bodyPr/>
+        <a:lstStyle/>
+        <a:p>
+          <a:r>
+            <a:rPr lang="en-US" sz="2400" dirty="0" smtClean="0">
+              <a:latin typeface="Arial" panose="020B0604020202020204" pitchFamily="34" charset="0"/>
+              <a:cs typeface="Arial" panose="020B0604020202020204" pitchFamily="34" charset="0"/>
+            </a:rPr>
+            <a:t>Export </a:t>
+          </a:r>
+          <a:r>
+            <a:rPr lang="en-US" sz="2400" b="1" dirty="0" smtClean="0">
+              <a:solidFill>
+                <a:srgbClr val="FFFF00"/>
+              </a:solidFill>
+              <a:latin typeface="Arial" panose="020B0604020202020204" pitchFamily="34" charset="0"/>
+              <a:cs typeface="Arial" panose="020B0604020202020204" pitchFamily="34" charset="0"/>
+            </a:rPr>
+            <a:t>default</a:t>
+          </a:r>
+          <a:r>
+            <a:rPr lang="en-US" sz="2400" dirty="0" smtClean="0">
+              <a:latin typeface="Arial" panose="020B0604020202020204" pitchFamily="34" charset="0"/>
+              <a:cs typeface="Arial" panose="020B0604020202020204" pitchFamily="34" charset="0"/>
+            </a:rPr>
+            <a:t> class </a:t>
+          </a:r>
+          <a:r>
+            <a:rPr lang="en-US" sz="2400" dirty="0" err="1" smtClean="0">
+              <a:latin typeface="Arial" panose="020B0604020202020204" pitchFamily="34" charset="0"/>
+              <a:cs typeface="Arial" panose="020B0604020202020204" pitchFamily="34" charset="0"/>
+            </a:rPr>
+            <a:t>ClassName</a:t>
+          </a:r>
+          <a:endParaRPr lang="en-US" sz="2400" dirty="0">
+            <a:latin typeface="Arial" panose="020B0604020202020204" pitchFamily="34" charset="0"/>
+            <a:cs typeface="Arial" panose="020B0604020202020204" pitchFamily="34" charset="0"/>
+          </a:endParaRPr>
+        </a:p>
+      </dgm:t>
+    </dgm:pt>
+    <dgm:pt modelId="{0E6F26FD-249A-4BC4-81A4-B31AC8B08A19}" type="parTrans" cxnId="{3375DEBE-D05E-4C0B-B504-DF8E029BB1CE}">
+      <dgm:prSet/>
+      <dgm:spPr/>
+      <dgm:t>
+        <a:bodyPr/>
+        <a:lstStyle/>
+        <a:p>
+          <a:endParaRPr lang="en-US"/>
+        </a:p>
+      </dgm:t>
+    </dgm:pt>
+    <dgm:pt modelId="{A4D77DF2-98A1-4DF0-8E31-F66B4D99AB79}" type="sibTrans" cxnId="{3375DEBE-D05E-4C0B-B504-DF8E029BB1CE}">
+      <dgm:prSet/>
+      <dgm:spPr/>
+      <dgm:t>
+        <a:bodyPr/>
+        <a:lstStyle/>
+        <a:p>
+          <a:endParaRPr lang="en-US"/>
+        </a:p>
+      </dgm:t>
+    </dgm:pt>
+    <dgm:pt modelId="{33E9EF72-D72A-44EF-9C33-EA386861F20E}">
+      <dgm:prSet phldrT="[Text]" custT="1"/>
+      <dgm:spPr>
+        <a:solidFill>
+          <a:schemeClr val="tx1">
+            <a:lumMod val="75000"/>
+            <a:lumOff val="25000"/>
+            <a:alpha val="90000"/>
+          </a:schemeClr>
+        </a:solidFill>
+        <a:ln>
+          <a:solidFill>
+            <a:schemeClr val="tx1">
+              <a:lumMod val="75000"/>
+              <a:lumOff val="25000"/>
+            </a:schemeClr>
+          </a:solidFill>
+        </a:ln>
+      </dgm:spPr>
+      <dgm:t>
+        <a:bodyPr/>
+        <a:lstStyle/>
+        <a:p>
+          <a:r>
+            <a:rPr lang="en-US" sz="1800" dirty="0" smtClean="0">
+              <a:solidFill>
+                <a:schemeClr val="bg1"/>
+              </a:solidFill>
+              <a:latin typeface="Arial" panose="020B0604020202020204" pitchFamily="34" charset="0"/>
+              <a:cs typeface="Arial" panose="020B0604020202020204" pitchFamily="34" charset="0"/>
+            </a:rPr>
+            <a:t>Import </a:t>
+          </a:r>
+          <a:r>
+            <a:rPr lang="en-US" sz="1800" dirty="0" err="1" smtClean="0">
+              <a:solidFill>
+                <a:schemeClr val="bg1"/>
+              </a:solidFill>
+              <a:latin typeface="Arial" panose="020B0604020202020204" pitchFamily="34" charset="0"/>
+              <a:cs typeface="Arial" panose="020B0604020202020204" pitchFamily="34" charset="0"/>
+            </a:rPr>
+            <a:t>ClassName</a:t>
+          </a:r>
+          <a:endParaRPr lang="en-US" sz="1800" dirty="0">
+            <a:solidFill>
+              <a:schemeClr val="bg1"/>
+            </a:solidFill>
+            <a:latin typeface="Arial" panose="020B0604020202020204" pitchFamily="34" charset="0"/>
+            <a:cs typeface="Arial" panose="020B0604020202020204" pitchFamily="34" charset="0"/>
+          </a:endParaRPr>
+        </a:p>
+      </dgm:t>
+    </dgm:pt>
+    <dgm:pt modelId="{1EF6BC92-C75B-44C2-A8B3-68804A942C62}" type="parTrans" cxnId="{2BD68847-3C75-4739-B8EB-3C3A04A29CF0}">
+      <dgm:prSet/>
+      <dgm:spPr>
+        <a:ln>
+          <a:solidFill>
+            <a:srgbClr val="C00000"/>
+          </a:solidFill>
+        </a:ln>
+      </dgm:spPr>
+      <dgm:t>
+        <a:bodyPr/>
+        <a:lstStyle/>
+        <a:p>
+          <a:endParaRPr lang="en-US"/>
+        </a:p>
+      </dgm:t>
+    </dgm:pt>
+    <dgm:pt modelId="{A85AE2DC-3DC2-4385-AAC3-367259254CB1}" type="sibTrans" cxnId="{2BD68847-3C75-4739-B8EB-3C3A04A29CF0}">
+      <dgm:prSet/>
+      <dgm:spPr/>
+      <dgm:t>
+        <a:bodyPr/>
+        <a:lstStyle/>
+        <a:p>
+          <a:endParaRPr lang="en-US"/>
+        </a:p>
+      </dgm:t>
+    </dgm:pt>
+    <dgm:pt modelId="{9F6BB777-E81E-4ACC-BE5E-BFA75C1211BD}">
+      <dgm:prSet phldrT="[Text]" custT="1"/>
+      <dgm:spPr>
+        <a:solidFill>
+          <a:schemeClr val="tx1">
+            <a:lumMod val="75000"/>
+            <a:lumOff val="25000"/>
+          </a:schemeClr>
+        </a:solidFill>
+      </dgm:spPr>
+      <dgm:t>
+        <a:bodyPr/>
+        <a:lstStyle/>
+        <a:p>
+          <a:r>
+            <a:rPr lang="en-US" sz="2400" dirty="0" smtClean="0">
+              <a:latin typeface="Arial" panose="020B0604020202020204" pitchFamily="34" charset="0"/>
+              <a:cs typeface="Arial" panose="020B0604020202020204" pitchFamily="34" charset="0"/>
+            </a:rPr>
+            <a:t>Export class </a:t>
+          </a:r>
+          <a:r>
+            <a:rPr lang="en-US" sz="2400" dirty="0" err="1" smtClean="0">
+              <a:latin typeface="Arial" panose="020B0604020202020204" pitchFamily="34" charset="0"/>
+              <a:cs typeface="Arial" panose="020B0604020202020204" pitchFamily="34" charset="0"/>
+            </a:rPr>
+            <a:t>ClassName</a:t>
+          </a:r>
+          <a:endParaRPr lang="en-US" sz="2400" dirty="0">
+            <a:latin typeface="Arial" panose="020B0604020202020204" pitchFamily="34" charset="0"/>
+            <a:cs typeface="Arial" panose="020B0604020202020204" pitchFamily="34" charset="0"/>
+          </a:endParaRPr>
+        </a:p>
+      </dgm:t>
+    </dgm:pt>
+    <dgm:pt modelId="{07B39AFF-FC38-4CFE-A134-0CD7B39A5E9F}" type="parTrans" cxnId="{7EC97442-C69C-40A6-9AF9-36939A65D97E}">
+      <dgm:prSet/>
+      <dgm:spPr/>
+      <dgm:t>
+        <a:bodyPr/>
+        <a:lstStyle/>
+        <a:p>
+          <a:endParaRPr lang="en-US"/>
+        </a:p>
+      </dgm:t>
+    </dgm:pt>
+    <dgm:pt modelId="{DC74B31B-76AC-4473-AD20-F8BAD0E512DA}" type="sibTrans" cxnId="{7EC97442-C69C-40A6-9AF9-36939A65D97E}">
+      <dgm:prSet/>
+      <dgm:spPr/>
+      <dgm:t>
+        <a:bodyPr/>
+        <a:lstStyle/>
+        <a:p>
+          <a:endParaRPr lang="en-US"/>
+        </a:p>
+      </dgm:t>
+    </dgm:pt>
+    <dgm:pt modelId="{E1D59B1C-A3E5-48D3-98DD-706DD9378A07}">
+      <dgm:prSet phldrT="[Text]" custT="1"/>
+      <dgm:spPr>
+        <a:solidFill>
+          <a:schemeClr val="tx1">
+            <a:lumMod val="75000"/>
+            <a:lumOff val="25000"/>
+            <a:alpha val="90000"/>
+          </a:schemeClr>
+        </a:solidFill>
+        <a:ln>
+          <a:solidFill>
+            <a:schemeClr val="tx1">
+              <a:lumMod val="75000"/>
+              <a:lumOff val="25000"/>
+            </a:schemeClr>
+          </a:solidFill>
+        </a:ln>
+      </dgm:spPr>
+      <dgm:t>
+        <a:bodyPr/>
+        <a:lstStyle/>
+        <a:p>
+          <a:r>
+            <a:rPr lang="en-US" sz="1800" dirty="0" smtClean="0">
+              <a:solidFill>
+                <a:schemeClr val="bg1"/>
+              </a:solidFill>
+              <a:latin typeface="Arial" panose="020B0604020202020204" pitchFamily="34" charset="0"/>
+              <a:cs typeface="Arial" panose="020B0604020202020204" pitchFamily="34" charset="0"/>
+            </a:rPr>
+            <a:t>Import </a:t>
+          </a:r>
+          <a:r>
+            <a:rPr lang="en-US" sz="1800" b="1" dirty="0" smtClean="0">
+              <a:solidFill>
+                <a:srgbClr val="FFFF00"/>
+              </a:solidFill>
+              <a:latin typeface="Arial" panose="020B0604020202020204" pitchFamily="34" charset="0"/>
+              <a:cs typeface="Arial" panose="020B0604020202020204" pitchFamily="34" charset="0"/>
+            </a:rPr>
+            <a:t>{</a:t>
+          </a:r>
+          <a:r>
+            <a:rPr lang="en-US" sz="1800" dirty="0" smtClean="0">
+              <a:solidFill>
+                <a:schemeClr val="bg1"/>
+              </a:solidFill>
+              <a:latin typeface="Arial" panose="020B0604020202020204" pitchFamily="34" charset="0"/>
+              <a:cs typeface="Arial" panose="020B0604020202020204" pitchFamily="34" charset="0"/>
+            </a:rPr>
+            <a:t> </a:t>
+          </a:r>
+          <a:r>
+            <a:rPr lang="en-US" sz="1800" dirty="0" err="1" smtClean="0">
+              <a:solidFill>
+                <a:schemeClr val="bg1"/>
+              </a:solidFill>
+              <a:latin typeface="Arial" panose="020B0604020202020204" pitchFamily="34" charset="0"/>
+              <a:cs typeface="Arial" panose="020B0604020202020204" pitchFamily="34" charset="0"/>
+            </a:rPr>
+            <a:t>ClassName</a:t>
+          </a:r>
+          <a:r>
+            <a:rPr lang="en-US" sz="1800" dirty="0" smtClean="0">
+              <a:solidFill>
+                <a:schemeClr val="bg1"/>
+              </a:solidFill>
+              <a:latin typeface="Arial" panose="020B0604020202020204" pitchFamily="34" charset="0"/>
+              <a:cs typeface="Arial" panose="020B0604020202020204" pitchFamily="34" charset="0"/>
+            </a:rPr>
+            <a:t> </a:t>
+          </a:r>
+          <a:r>
+            <a:rPr lang="en-US" sz="1800" b="1" dirty="0" smtClean="0">
+              <a:solidFill>
+                <a:srgbClr val="FFFF00"/>
+              </a:solidFill>
+              <a:latin typeface="Arial" panose="020B0604020202020204" pitchFamily="34" charset="0"/>
+              <a:cs typeface="Arial" panose="020B0604020202020204" pitchFamily="34" charset="0"/>
+            </a:rPr>
+            <a:t>}</a:t>
+          </a:r>
+          <a:endParaRPr lang="en-US" sz="1800" b="1" dirty="0">
+            <a:solidFill>
+              <a:srgbClr val="FFFF00"/>
+            </a:solidFill>
+            <a:latin typeface="Arial" panose="020B0604020202020204" pitchFamily="34" charset="0"/>
+            <a:cs typeface="Arial" panose="020B0604020202020204" pitchFamily="34" charset="0"/>
+          </a:endParaRPr>
+        </a:p>
+      </dgm:t>
+    </dgm:pt>
+    <dgm:pt modelId="{AE54EE3E-23D7-4920-A6F0-22A0C8504803}" type="parTrans" cxnId="{6192F8AB-BD4B-4FC1-85B1-3A93193B7B12}">
+      <dgm:prSet/>
+      <dgm:spPr>
+        <a:ln>
+          <a:solidFill>
+            <a:srgbClr val="C00000"/>
+          </a:solidFill>
+        </a:ln>
+      </dgm:spPr>
+      <dgm:t>
+        <a:bodyPr/>
+        <a:lstStyle/>
+        <a:p>
+          <a:endParaRPr lang="en-US"/>
+        </a:p>
+      </dgm:t>
+    </dgm:pt>
+    <dgm:pt modelId="{46AC46E9-48D5-40EF-B852-869602E1FD7C}" type="sibTrans" cxnId="{6192F8AB-BD4B-4FC1-85B1-3A93193B7B12}">
+      <dgm:prSet/>
+      <dgm:spPr/>
+      <dgm:t>
+        <a:bodyPr/>
+        <a:lstStyle/>
+        <a:p>
+          <a:endParaRPr lang="en-US"/>
+        </a:p>
+      </dgm:t>
+    </dgm:pt>
+    <dgm:pt modelId="{97DDE6CC-C3A4-499A-97D0-9A330FF6AB88}" type="pres">
+      <dgm:prSet presAssocID="{DEA027DB-DACA-489C-9D36-557FCCF43A77}" presName="diagram" presStyleCnt="0">
+        <dgm:presLayoutVars>
+          <dgm:chPref val="1"/>
+          <dgm:dir/>
+          <dgm:animOne val="branch"/>
+          <dgm:animLvl val="lvl"/>
+          <dgm:resizeHandles/>
+        </dgm:presLayoutVars>
+      </dgm:prSet>
+      <dgm:spPr/>
+    </dgm:pt>
+    <dgm:pt modelId="{D77DD30F-2DEB-400A-8DC9-BE3189261164}" type="pres">
+      <dgm:prSet presAssocID="{EA36CA61-CDC5-4D05-968E-B1ADA5D7A1A2}" presName="root" presStyleCnt="0"/>
+      <dgm:spPr/>
+    </dgm:pt>
+    <dgm:pt modelId="{B9C89296-C39C-4A02-A6A9-17AD12761503}" type="pres">
+      <dgm:prSet presAssocID="{EA36CA61-CDC5-4D05-968E-B1ADA5D7A1A2}" presName="rootComposite" presStyleCnt="0"/>
+      <dgm:spPr/>
+    </dgm:pt>
+    <dgm:pt modelId="{F8D57ACA-2F5D-49D1-AE7B-8F5FE9F94EF0}" type="pres">
+      <dgm:prSet presAssocID="{EA36CA61-CDC5-4D05-968E-B1ADA5D7A1A2}" presName="rootText" presStyleLbl="node1" presStyleIdx="0" presStyleCnt="2"/>
+      <dgm:spPr/>
+      <dgm:t>
+        <a:bodyPr/>
+        <a:lstStyle/>
+        <a:p>
+          <a:endParaRPr lang="en-US"/>
+        </a:p>
+      </dgm:t>
+    </dgm:pt>
+    <dgm:pt modelId="{5A3EBD35-4366-4CA4-8B43-F9C0D597F659}" type="pres">
+      <dgm:prSet presAssocID="{EA36CA61-CDC5-4D05-968E-B1ADA5D7A1A2}" presName="rootConnector" presStyleLbl="node1" presStyleIdx="0" presStyleCnt="2"/>
+      <dgm:spPr/>
+    </dgm:pt>
+    <dgm:pt modelId="{1E318464-7E26-4ADA-9841-3011B7EEDC80}" type="pres">
+      <dgm:prSet presAssocID="{EA36CA61-CDC5-4D05-968E-B1ADA5D7A1A2}" presName="childShape" presStyleCnt="0"/>
+      <dgm:spPr/>
+    </dgm:pt>
+    <dgm:pt modelId="{479DDB34-2941-4C36-95A1-D4BF9A0567B7}" type="pres">
+      <dgm:prSet presAssocID="{1EF6BC92-C75B-44C2-A8B3-68804A942C62}" presName="Name13" presStyleLbl="parChTrans1D2" presStyleIdx="0" presStyleCnt="2"/>
+      <dgm:spPr/>
+    </dgm:pt>
+    <dgm:pt modelId="{8989EA6E-529A-4656-BCAF-E6BACCC73738}" type="pres">
+      <dgm:prSet presAssocID="{33E9EF72-D72A-44EF-9C33-EA386861F20E}" presName="childText" presStyleLbl="bgAcc1" presStyleIdx="0" presStyleCnt="2" custScaleX="96199" custScaleY="57781">
+        <dgm:presLayoutVars>
+          <dgm:bulletEnabled val="1"/>
+        </dgm:presLayoutVars>
+      </dgm:prSet>
+      <dgm:spPr/>
+      <dgm:t>
+        <a:bodyPr/>
+        <a:lstStyle/>
+        <a:p>
+          <a:endParaRPr lang="en-US"/>
+        </a:p>
+      </dgm:t>
+    </dgm:pt>
+    <dgm:pt modelId="{9379D5CE-FE62-405C-B18C-BDEC005631DC}" type="pres">
+      <dgm:prSet presAssocID="{9F6BB777-E81E-4ACC-BE5E-BFA75C1211BD}" presName="root" presStyleCnt="0"/>
+      <dgm:spPr/>
+    </dgm:pt>
+    <dgm:pt modelId="{C4F67C15-6361-4EFA-AB74-76CB220FA06B}" type="pres">
+      <dgm:prSet presAssocID="{9F6BB777-E81E-4ACC-BE5E-BFA75C1211BD}" presName="rootComposite" presStyleCnt="0"/>
+      <dgm:spPr/>
+    </dgm:pt>
+    <dgm:pt modelId="{5074D994-86C5-44F9-A7AB-F07C02845B1D}" type="pres">
+      <dgm:prSet presAssocID="{9F6BB777-E81E-4ACC-BE5E-BFA75C1211BD}" presName="rootText" presStyleLbl="node1" presStyleIdx="1" presStyleCnt="2" custLinFactNeighborX="1703" custLinFactNeighborY="2534"/>
+      <dgm:spPr/>
+      <dgm:t>
+        <a:bodyPr/>
+        <a:lstStyle/>
+        <a:p>
+          <a:endParaRPr lang="en-US"/>
+        </a:p>
+      </dgm:t>
+    </dgm:pt>
+    <dgm:pt modelId="{18A8BD65-2EF6-495F-BFF6-DD92D75395C0}" type="pres">
+      <dgm:prSet presAssocID="{9F6BB777-E81E-4ACC-BE5E-BFA75C1211BD}" presName="rootConnector" presStyleLbl="node1" presStyleIdx="1" presStyleCnt="2"/>
+      <dgm:spPr/>
+    </dgm:pt>
+    <dgm:pt modelId="{37735DF5-C97B-4B8B-A3AF-7D128BBB628F}" type="pres">
+      <dgm:prSet presAssocID="{9F6BB777-E81E-4ACC-BE5E-BFA75C1211BD}" presName="childShape" presStyleCnt="0"/>
+      <dgm:spPr/>
+    </dgm:pt>
+    <dgm:pt modelId="{409F2B00-78E3-4896-9E24-21CD021CE403}" type="pres">
+      <dgm:prSet presAssocID="{AE54EE3E-23D7-4920-A6F0-22A0C8504803}" presName="Name13" presStyleLbl="parChTrans1D2" presStyleIdx="1" presStyleCnt="2"/>
+      <dgm:spPr/>
+    </dgm:pt>
+    <dgm:pt modelId="{B5C3A1FE-3272-4138-87DA-E815315C7BA6}" type="pres">
+      <dgm:prSet presAssocID="{E1D59B1C-A3E5-48D3-98DD-706DD9378A07}" presName="childText" presStyleLbl="bgAcc1" presStyleIdx="1" presStyleCnt="2" custScaleX="95972" custScaleY="57781">
+        <dgm:presLayoutVars>
+          <dgm:bulletEnabled val="1"/>
+        </dgm:presLayoutVars>
+      </dgm:prSet>
+      <dgm:spPr/>
+      <dgm:t>
+        <a:bodyPr/>
+        <a:lstStyle/>
+        <a:p>
+          <a:endParaRPr lang="en-US"/>
+        </a:p>
+      </dgm:t>
+    </dgm:pt>
+  </dgm:ptLst>
+  <dgm:cxnLst>
+    <dgm:cxn modelId="{60218DE9-639E-4D80-AE1B-F86209C76E55}" type="presOf" srcId="{1EF6BC92-C75B-44C2-A8B3-68804A942C62}" destId="{479DDB34-2941-4C36-95A1-D4BF9A0567B7}" srcOrd="0" destOrd="0" presId="urn:microsoft.com/office/officeart/2005/8/layout/hierarchy3"/>
+    <dgm:cxn modelId="{00B00987-2C0C-4392-9814-2C94D3004BF1}" type="presOf" srcId="{9F6BB777-E81E-4ACC-BE5E-BFA75C1211BD}" destId="{18A8BD65-2EF6-495F-BFF6-DD92D75395C0}" srcOrd="1" destOrd="0" presId="urn:microsoft.com/office/officeart/2005/8/layout/hierarchy3"/>
+    <dgm:cxn modelId="{38BB7397-10A7-4B8B-AD83-3E57427FE98D}" type="presOf" srcId="{EA36CA61-CDC5-4D05-968E-B1ADA5D7A1A2}" destId="{5A3EBD35-4366-4CA4-8B43-F9C0D597F659}" srcOrd="1" destOrd="0" presId="urn:microsoft.com/office/officeart/2005/8/layout/hierarchy3"/>
+    <dgm:cxn modelId="{3FF09597-B436-4FC8-A8A8-3377FE16AAF8}" type="presOf" srcId="{E1D59B1C-A3E5-48D3-98DD-706DD9378A07}" destId="{B5C3A1FE-3272-4138-87DA-E815315C7BA6}" srcOrd="0" destOrd="0" presId="urn:microsoft.com/office/officeart/2005/8/layout/hierarchy3"/>
+    <dgm:cxn modelId="{2BD68847-3C75-4739-B8EB-3C3A04A29CF0}" srcId="{EA36CA61-CDC5-4D05-968E-B1ADA5D7A1A2}" destId="{33E9EF72-D72A-44EF-9C33-EA386861F20E}" srcOrd="0" destOrd="0" parTransId="{1EF6BC92-C75B-44C2-A8B3-68804A942C62}" sibTransId="{A85AE2DC-3DC2-4385-AAC3-367259254CB1}"/>
+    <dgm:cxn modelId="{FB182395-6316-406F-B720-5FF0CDFFB60E}" type="presOf" srcId="{DEA027DB-DACA-489C-9D36-557FCCF43A77}" destId="{97DDE6CC-C3A4-499A-97D0-9A330FF6AB88}" srcOrd="0" destOrd="0" presId="urn:microsoft.com/office/officeart/2005/8/layout/hierarchy3"/>
+    <dgm:cxn modelId="{7EC97442-C69C-40A6-9AF9-36939A65D97E}" srcId="{DEA027DB-DACA-489C-9D36-557FCCF43A77}" destId="{9F6BB777-E81E-4ACC-BE5E-BFA75C1211BD}" srcOrd="1" destOrd="0" parTransId="{07B39AFF-FC38-4CFE-A134-0CD7B39A5E9F}" sibTransId="{DC74B31B-76AC-4473-AD20-F8BAD0E512DA}"/>
+    <dgm:cxn modelId="{2387A7DC-0FFC-4A5D-BF71-61DDE11B8422}" type="presOf" srcId="{AE54EE3E-23D7-4920-A6F0-22A0C8504803}" destId="{409F2B00-78E3-4896-9E24-21CD021CE403}" srcOrd="0" destOrd="0" presId="urn:microsoft.com/office/officeart/2005/8/layout/hierarchy3"/>
+    <dgm:cxn modelId="{49944365-1AEB-4820-A018-DACF336DD624}" type="presOf" srcId="{EA36CA61-CDC5-4D05-968E-B1ADA5D7A1A2}" destId="{F8D57ACA-2F5D-49D1-AE7B-8F5FE9F94EF0}" srcOrd="0" destOrd="0" presId="urn:microsoft.com/office/officeart/2005/8/layout/hierarchy3"/>
+    <dgm:cxn modelId="{3375DEBE-D05E-4C0B-B504-DF8E029BB1CE}" srcId="{DEA027DB-DACA-489C-9D36-557FCCF43A77}" destId="{EA36CA61-CDC5-4D05-968E-B1ADA5D7A1A2}" srcOrd="0" destOrd="0" parTransId="{0E6F26FD-249A-4BC4-81A4-B31AC8B08A19}" sibTransId="{A4D77DF2-98A1-4DF0-8E31-F66B4D99AB79}"/>
+    <dgm:cxn modelId="{815837D2-8CFB-48E1-80AD-D85437689406}" type="presOf" srcId="{33E9EF72-D72A-44EF-9C33-EA386861F20E}" destId="{8989EA6E-529A-4656-BCAF-E6BACCC73738}" srcOrd="0" destOrd="0" presId="urn:microsoft.com/office/officeart/2005/8/layout/hierarchy3"/>
+    <dgm:cxn modelId="{B401F647-FF70-4CCF-BE94-A27B5322186E}" type="presOf" srcId="{9F6BB777-E81E-4ACC-BE5E-BFA75C1211BD}" destId="{5074D994-86C5-44F9-A7AB-F07C02845B1D}" srcOrd="0" destOrd="0" presId="urn:microsoft.com/office/officeart/2005/8/layout/hierarchy3"/>
+    <dgm:cxn modelId="{6192F8AB-BD4B-4FC1-85B1-3A93193B7B12}" srcId="{9F6BB777-E81E-4ACC-BE5E-BFA75C1211BD}" destId="{E1D59B1C-A3E5-48D3-98DD-706DD9378A07}" srcOrd="0" destOrd="0" parTransId="{AE54EE3E-23D7-4920-A6F0-22A0C8504803}" sibTransId="{46AC46E9-48D5-40EF-B852-869602E1FD7C}"/>
+    <dgm:cxn modelId="{25B72728-4092-4D73-8FE2-51745F3C71ED}" type="presParOf" srcId="{97DDE6CC-C3A4-499A-97D0-9A330FF6AB88}" destId="{D77DD30F-2DEB-400A-8DC9-BE3189261164}" srcOrd="0" destOrd="0" presId="urn:microsoft.com/office/officeart/2005/8/layout/hierarchy3"/>
+    <dgm:cxn modelId="{9A690148-3437-45B6-969E-456A60C6DE8F}" type="presParOf" srcId="{D77DD30F-2DEB-400A-8DC9-BE3189261164}" destId="{B9C89296-C39C-4A02-A6A9-17AD12761503}" srcOrd="0" destOrd="0" presId="urn:microsoft.com/office/officeart/2005/8/layout/hierarchy3"/>
+    <dgm:cxn modelId="{478F7522-9AC0-453E-8869-823807CF1BEC}" type="presParOf" srcId="{B9C89296-C39C-4A02-A6A9-17AD12761503}" destId="{F8D57ACA-2F5D-49D1-AE7B-8F5FE9F94EF0}" srcOrd="0" destOrd="0" presId="urn:microsoft.com/office/officeart/2005/8/layout/hierarchy3"/>
+    <dgm:cxn modelId="{13845BAE-3554-44D6-9EAC-FE2B7B559455}" type="presParOf" srcId="{B9C89296-C39C-4A02-A6A9-17AD12761503}" destId="{5A3EBD35-4366-4CA4-8B43-F9C0D597F659}" srcOrd="1" destOrd="0" presId="urn:microsoft.com/office/officeart/2005/8/layout/hierarchy3"/>
+    <dgm:cxn modelId="{5AD632A2-9DC0-4C1D-8E54-638C8B6E45E9}" type="presParOf" srcId="{D77DD30F-2DEB-400A-8DC9-BE3189261164}" destId="{1E318464-7E26-4ADA-9841-3011B7EEDC80}" srcOrd="1" destOrd="0" presId="urn:microsoft.com/office/officeart/2005/8/layout/hierarchy3"/>
+    <dgm:cxn modelId="{3D6826C7-7442-4F8F-A1A6-0507CA21FEB7}" type="presParOf" srcId="{1E318464-7E26-4ADA-9841-3011B7EEDC80}" destId="{479DDB34-2941-4C36-95A1-D4BF9A0567B7}" srcOrd="0" destOrd="0" presId="urn:microsoft.com/office/officeart/2005/8/layout/hierarchy3"/>
+    <dgm:cxn modelId="{F6834680-C1F0-443C-B275-6C9DD4784C19}" type="presParOf" srcId="{1E318464-7E26-4ADA-9841-3011B7EEDC80}" destId="{8989EA6E-529A-4656-BCAF-E6BACCC73738}" srcOrd="1" destOrd="0" presId="urn:microsoft.com/office/officeart/2005/8/layout/hierarchy3"/>
+    <dgm:cxn modelId="{D1AAF007-9C1B-4F14-B8A4-3DA17A98C5CF}" type="presParOf" srcId="{97DDE6CC-C3A4-499A-97D0-9A330FF6AB88}" destId="{9379D5CE-FE62-405C-B18C-BDEC005631DC}" srcOrd="1" destOrd="0" presId="urn:microsoft.com/office/officeart/2005/8/layout/hierarchy3"/>
+    <dgm:cxn modelId="{727C30D9-0398-4A15-A4D3-34FC4F9F317A}" type="presParOf" srcId="{9379D5CE-FE62-405C-B18C-BDEC005631DC}" destId="{C4F67C15-6361-4EFA-AB74-76CB220FA06B}" srcOrd="0" destOrd="0" presId="urn:microsoft.com/office/officeart/2005/8/layout/hierarchy3"/>
+    <dgm:cxn modelId="{5808F10E-E37B-4CF0-A8DA-5F414B09C97B}" type="presParOf" srcId="{C4F67C15-6361-4EFA-AB74-76CB220FA06B}" destId="{5074D994-86C5-44F9-A7AB-F07C02845B1D}" srcOrd="0" destOrd="0" presId="urn:microsoft.com/office/officeart/2005/8/layout/hierarchy3"/>
+    <dgm:cxn modelId="{949A646C-ED0A-44E4-B00E-054B40E9A99B}" type="presParOf" srcId="{C4F67C15-6361-4EFA-AB74-76CB220FA06B}" destId="{18A8BD65-2EF6-495F-BFF6-DD92D75395C0}" srcOrd="1" destOrd="0" presId="urn:microsoft.com/office/officeart/2005/8/layout/hierarchy3"/>
+    <dgm:cxn modelId="{22D5E705-2184-403D-B914-F5D5027BD471}" type="presParOf" srcId="{9379D5CE-FE62-405C-B18C-BDEC005631DC}" destId="{37735DF5-C97B-4B8B-A3AF-7D128BBB628F}" srcOrd="1" destOrd="0" presId="urn:microsoft.com/office/officeart/2005/8/layout/hierarchy3"/>
+    <dgm:cxn modelId="{20D03348-AA62-4B42-A26B-0BD0DDB37A08}" type="presParOf" srcId="{37735DF5-C97B-4B8B-A3AF-7D128BBB628F}" destId="{409F2B00-78E3-4896-9E24-21CD021CE403}" srcOrd="0" destOrd="0" presId="urn:microsoft.com/office/officeart/2005/8/layout/hierarchy3"/>
+    <dgm:cxn modelId="{1672FAE6-94B6-48B9-9C9F-7668194F08C2}" type="presParOf" srcId="{37735DF5-C97B-4B8B-A3AF-7D128BBB628F}" destId="{B5C3A1FE-3272-4138-87DA-E815315C7BA6}" srcOrd="1" destOrd="0" presId="urn:microsoft.com/office/officeart/2005/8/layout/hierarchy3"/>
   </dgm:cxnLst>
   <dgm:bg/>
   <dgm:whole/>
@@ -1570,6 +4026,1003 @@
       <dsp:txXfrm>
         <a:off x="4149406" y="3178530"/>
         <a:ext cx="1176525" cy="588121"/>
+      </dsp:txXfrm>
+    </dsp:sp>
+  </dsp:spTree>
+</dsp:drawing>
+</file>
+
+<file path=ppt/diagrams/drawing2.xml><?xml version="1.0" encoding="utf-8"?>
+<dsp:drawing xmlns:dgm="http://schemas.openxmlformats.org/drawingml/2006/diagram" xmlns:dsp="http://schemas.microsoft.com/office/drawing/2008/diagram" xmlns:a="http://schemas.openxmlformats.org/drawingml/2006/main">
+  <dsp:spTree>
+    <dsp:nvGrpSpPr>
+      <dsp:cNvPr id="0" name=""/>
+      <dsp:cNvGrpSpPr/>
+    </dsp:nvGrpSpPr>
+    <dsp:grpSpPr/>
+    <dsp:sp modelId="{43E1E82C-0E11-430E-A2A5-4ABCC38B1434}">
+      <dsp:nvSpPr>
+        <dsp:cNvPr id="0" name=""/>
+        <dsp:cNvSpPr/>
+      </dsp:nvSpPr>
+      <dsp:spPr>
+        <a:xfrm>
+          <a:off x="3091" y="728004"/>
+          <a:ext cx="2654170" cy="1579186"/>
+        </a:xfrm>
+        <a:prstGeom prst="roundRect">
+          <a:avLst>
+            <a:gd name="adj" fmla="val 10000"/>
+          </a:avLst>
+        </a:prstGeom>
+        <a:solidFill>
+          <a:schemeClr val="tx1">
+            <a:lumMod val="75000"/>
+            <a:lumOff val="25000"/>
+          </a:schemeClr>
+        </a:solidFill>
+        <a:ln w="25400" cap="flat" cmpd="sng" algn="ctr">
+          <a:solidFill>
+            <a:schemeClr val="lt1">
+              <a:hueOff val="0"/>
+              <a:satOff val="0"/>
+              <a:lumOff val="0"/>
+              <a:alphaOff val="0"/>
+            </a:schemeClr>
+          </a:solidFill>
+          <a:prstDash val="solid"/>
+        </a:ln>
+        <a:effectLst/>
+      </dsp:spPr>
+      <dsp:style>
+        <a:lnRef idx="2">
+          <a:scrgbClr r="0" g="0" b="0"/>
+        </a:lnRef>
+        <a:fillRef idx="1">
+          <a:scrgbClr r="0" g="0" b="0"/>
+        </a:fillRef>
+        <a:effectRef idx="0">
+          <a:scrgbClr r="0" g="0" b="0"/>
+        </a:effectRef>
+        <a:fontRef idx="minor">
+          <a:schemeClr val="lt1"/>
+        </a:fontRef>
+      </dsp:style>
+      <dsp:txBody>
+        <a:bodyPr spcFirstLastPara="0" vert="horz" wrap="square" lIns="192024" tIns="192024" rIns="192024" bIns="102870" numCol="1" spcCol="1270" anchor="t" anchorCtr="0">
+          <a:noAutofit/>
+        </a:bodyPr>
+        <a:lstStyle/>
+        <a:p>
+          <a:pPr lvl="0" algn="l" defTabSz="1200150">
+            <a:lnSpc>
+              <a:spcPct val="90000"/>
+            </a:lnSpc>
+            <a:spcBef>
+              <a:spcPct val="0"/>
+            </a:spcBef>
+            <a:spcAft>
+              <a:spcPct val="35000"/>
+            </a:spcAft>
+          </a:pPr>
+          <a:r>
+            <a:rPr lang="en-US" sz="2700" kern="1200" dirty="0" smtClean="0"/>
+            <a:t>Parent </a:t>
+          </a:r>
+          <a:r>
+            <a:rPr lang="en-US" sz="2700" kern="1200" dirty="0" smtClean="0"/>
+            <a:t>Component</a:t>
+          </a:r>
+          <a:endParaRPr lang="en-US" sz="2700" kern="1200" dirty="0"/>
+        </a:p>
+      </dsp:txBody>
+      <dsp:txXfrm>
+        <a:off x="3091" y="728004"/>
+        <a:ext cx="2654170" cy="1052790"/>
+      </dsp:txXfrm>
+    </dsp:sp>
+    <dsp:sp modelId="{F4CEEAEC-B895-4CEB-B47B-5309E514593F}">
+      <dsp:nvSpPr>
+        <dsp:cNvPr id="0" name=""/>
+        <dsp:cNvSpPr/>
+      </dsp:nvSpPr>
+      <dsp:spPr>
+        <a:xfrm>
+          <a:off x="546717" y="1780795"/>
+          <a:ext cx="2654170" cy="1555200"/>
+        </a:xfrm>
+        <a:prstGeom prst="roundRect">
+          <a:avLst>
+            <a:gd name="adj" fmla="val 10000"/>
+          </a:avLst>
+        </a:prstGeom>
+        <a:solidFill>
+          <a:schemeClr val="lt1">
+            <a:alpha val="90000"/>
+            <a:hueOff val="0"/>
+            <a:satOff val="0"/>
+            <a:lumOff val="0"/>
+            <a:alphaOff val="0"/>
+          </a:schemeClr>
+        </a:solidFill>
+        <a:ln w="25400" cap="flat" cmpd="sng" algn="ctr">
+          <a:solidFill>
+            <a:schemeClr val="tx1">
+              <a:lumMod val="75000"/>
+              <a:lumOff val="25000"/>
+            </a:schemeClr>
+          </a:solidFill>
+          <a:prstDash val="solid"/>
+        </a:ln>
+        <a:effectLst/>
+      </dsp:spPr>
+      <dsp:style>
+        <a:lnRef idx="2">
+          <a:scrgbClr r="0" g="0" b="0"/>
+        </a:lnRef>
+        <a:fillRef idx="1">
+          <a:scrgbClr r="0" g="0" b="0"/>
+        </a:fillRef>
+        <a:effectRef idx="0">
+          <a:scrgbClr r="0" g="0" b="0"/>
+        </a:effectRef>
+        <a:fontRef idx="minor"/>
+      </dsp:style>
+      <dsp:txBody>
+        <a:bodyPr spcFirstLastPara="0" vert="horz" wrap="square" lIns="142240" tIns="142240" rIns="142240" bIns="142240" numCol="1" spcCol="1270" anchor="ctr" anchorCtr="0">
+          <a:noAutofit/>
+        </a:bodyPr>
+        <a:lstStyle/>
+        <a:p>
+          <a:pPr marL="228600" lvl="1" indent="-228600" algn="l" defTabSz="889000">
+            <a:lnSpc>
+              <a:spcPct val="90000"/>
+            </a:lnSpc>
+            <a:spcBef>
+              <a:spcPct val="0"/>
+            </a:spcBef>
+            <a:spcAft>
+              <a:spcPct val="15000"/>
+            </a:spcAft>
+            <a:buChar char="••"/>
+          </a:pPr>
+          <a:r>
+            <a:rPr lang="en-US" sz="2000" kern="1200" dirty="0" smtClean="0">
+              <a:latin typeface="Arial" panose="020B0604020202020204" pitchFamily="34" charset="0"/>
+              <a:cs typeface="Arial" panose="020B0604020202020204" pitchFamily="34" charset="0"/>
+            </a:rPr>
+            <a:t>Assign value</a:t>
+          </a:r>
+          <a:endParaRPr lang="en-US" sz="2000" kern="1200" dirty="0">
+            <a:latin typeface="Arial" panose="020B0604020202020204" pitchFamily="34" charset="0"/>
+            <a:cs typeface="Arial" panose="020B0604020202020204" pitchFamily="34" charset="0"/>
+          </a:endParaRPr>
+        </a:p>
+      </dsp:txBody>
+      <dsp:txXfrm>
+        <a:off x="592267" y="1826345"/>
+        <a:ext cx="2563070" cy="1464100"/>
+      </dsp:txXfrm>
+    </dsp:sp>
+    <dsp:sp modelId="{5668F55E-AEDC-497E-8978-813AC6239A89}">
+      <dsp:nvSpPr>
+        <dsp:cNvPr id="0" name=""/>
+        <dsp:cNvSpPr/>
+      </dsp:nvSpPr>
+      <dsp:spPr>
+        <a:xfrm>
+          <a:off x="3059624" y="923994"/>
+          <a:ext cx="853008" cy="660811"/>
+        </a:xfrm>
+        <a:prstGeom prst="rightArrow">
+          <a:avLst>
+            <a:gd name="adj1" fmla="val 60000"/>
+            <a:gd name="adj2" fmla="val 50000"/>
+          </a:avLst>
+        </a:prstGeom>
+        <a:solidFill>
+          <a:srgbClr val="C00000"/>
+        </a:solidFill>
+        <a:ln>
+          <a:noFill/>
+        </a:ln>
+        <a:effectLst/>
+      </dsp:spPr>
+      <dsp:style>
+        <a:lnRef idx="0">
+          <a:scrgbClr r="0" g="0" b="0"/>
+        </a:lnRef>
+        <a:fillRef idx="1">
+          <a:scrgbClr r="0" g="0" b="0"/>
+        </a:fillRef>
+        <a:effectRef idx="0">
+          <a:scrgbClr r="0" g="0" b="0"/>
+        </a:effectRef>
+        <a:fontRef idx="minor">
+          <a:schemeClr val="lt1"/>
+        </a:fontRef>
+      </dsp:style>
+      <dsp:txBody>
+        <a:bodyPr spcFirstLastPara="0" vert="horz" wrap="square" lIns="0" tIns="0" rIns="0" bIns="0" numCol="1" spcCol="1270" anchor="ctr" anchorCtr="0">
+          <a:noAutofit/>
+        </a:bodyPr>
+        <a:lstStyle/>
+        <a:p>
+          <a:pPr lvl="0" algn="ctr" defTabSz="977900">
+            <a:lnSpc>
+              <a:spcPct val="90000"/>
+            </a:lnSpc>
+            <a:spcBef>
+              <a:spcPct val="0"/>
+            </a:spcBef>
+            <a:spcAft>
+              <a:spcPct val="35000"/>
+            </a:spcAft>
+          </a:pPr>
+          <a:endParaRPr lang="en-US" sz="2200" kern="1200"/>
+        </a:p>
+      </dsp:txBody>
+      <dsp:txXfrm>
+        <a:off x="3059624" y="1056156"/>
+        <a:ext cx="654765" cy="396487"/>
+      </dsp:txXfrm>
+    </dsp:sp>
+    <dsp:sp modelId="{16E1D311-34ED-467B-8B7A-5EC6C7B2DAE7}">
+      <dsp:nvSpPr>
+        <dsp:cNvPr id="0" name=""/>
+        <dsp:cNvSpPr/>
+      </dsp:nvSpPr>
+      <dsp:spPr>
+        <a:xfrm>
+          <a:off x="4266712" y="728004"/>
+          <a:ext cx="2654170" cy="1579186"/>
+        </a:xfrm>
+        <a:prstGeom prst="roundRect">
+          <a:avLst>
+            <a:gd name="adj" fmla="val 10000"/>
+          </a:avLst>
+        </a:prstGeom>
+        <a:solidFill>
+          <a:schemeClr val="tx1">
+            <a:lumMod val="75000"/>
+            <a:lumOff val="25000"/>
+          </a:schemeClr>
+        </a:solidFill>
+        <a:ln w="25400" cap="flat" cmpd="sng" algn="ctr">
+          <a:solidFill>
+            <a:schemeClr val="lt1">
+              <a:hueOff val="0"/>
+              <a:satOff val="0"/>
+              <a:lumOff val="0"/>
+              <a:alphaOff val="0"/>
+            </a:schemeClr>
+          </a:solidFill>
+          <a:prstDash val="solid"/>
+        </a:ln>
+        <a:effectLst/>
+      </dsp:spPr>
+      <dsp:style>
+        <a:lnRef idx="2">
+          <a:scrgbClr r="0" g="0" b="0"/>
+        </a:lnRef>
+        <a:fillRef idx="1">
+          <a:scrgbClr r="0" g="0" b="0"/>
+        </a:fillRef>
+        <a:effectRef idx="0">
+          <a:scrgbClr r="0" g="0" b="0"/>
+        </a:effectRef>
+        <a:fontRef idx="minor">
+          <a:schemeClr val="lt1"/>
+        </a:fontRef>
+      </dsp:style>
+      <dsp:txBody>
+        <a:bodyPr spcFirstLastPara="0" vert="horz" wrap="square" lIns="192024" tIns="192024" rIns="192024" bIns="102870" numCol="1" spcCol="1270" anchor="t" anchorCtr="0">
+          <a:noAutofit/>
+        </a:bodyPr>
+        <a:lstStyle/>
+        <a:p>
+          <a:pPr lvl="0" algn="l" defTabSz="1200150">
+            <a:lnSpc>
+              <a:spcPct val="90000"/>
+            </a:lnSpc>
+            <a:spcBef>
+              <a:spcPct val="0"/>
+            </a:spcBef>
+            <a:spcAft>
+              <a:spcPct val="35000"/>
+            </a:spcAft>
+          </a:pPr>
+          <a:r>
+            <a:rPr lang="en-US" sz="2700" kern="1200" dirty="0" smtClean="0"/>
+            <a:t>Child Component</a:t>
+          </a:r>
+          <a:endParaRPr lang="en-US" sz="2700" kern="1200" dirty="0"/>
+        </a:p>
+      </dsp:txBody>
+      <dsp:txXfrm>
+        <a:off x="4266712" y="728004"/>
+        <a:ext cx="2654170" cy="1052790"/>
+      </dsp:txXfrm>
+    </dsp:sp>
+    <dsp:sp modelId="{2F03AD03-2306-4572-BA39-22F458EFF5E2}">
+      <dsp:nvSpPr>
+        <dsp:cNvPr id="0" name=""/>
+        <dsp:cNvSpPr/>
+      </dsp:nvSpPr>
+      <dsp:spPr>
+        <a:xfrm>
+          <a:off x="4810337" y="1780795"/>
+          <a:ext cx="2654170" cy="1555200"/>
+        </a:xfrm>
+        <a:prstGeom prst="roundRect">
+          <a:avLst>
+            <a:gd name="adj" fmla="val 10000"/>
+          </a:avLst>
+        </a:prstGeom>
+        <a:solidFill>
+          <a:schemeClr val="lt1">
+            <a:alpha val="90000"/>
+            <a:hueOff val="0"/>
+            <a:satOff val="0"/>
+            <a:lumOff val="0"/>
+            <a:alphaOff val="0"/>
+          </a:schemeClr>
+        </a:solidFill>
+        <a:ln w="25400" cap="flat" cmpd="sng" algn="ctr">
+          <a:solidFill>
+            <a:schemeClr val="tx1">
+              <a:lumMod val="75000"/>
+              <a:lumOff val="25000"/>
+            </a:schemeClr>
+          </a:solidFill>
+          <a:prstDash val="solid"/>
+        </a:ln>
+        <a:effectLst/>
+      </dsp:spPr>
+      <dsp:style>
+        <a:lnRef idx="2">
+          <a:scrgbClr r="0" g="0" b="0"/>
+        </a:lnRef>
+        <a:fillRef idx="1">
+          <a:scrgbClr r="0" g="0" b="0"/>
+        </a:fillRef>
+        <a:effectRef idx="0">
+          <a:scrgbClr r="0" g="0" b="0"/>
+        </a:effectRef>
+        <a:fontRef idx="minor"/>
+      </dsp:style>
+      <dsp:txBody>
+        <a:bodyPr spcFirstLastPara="0" vert="horz" wrap="square" lIns="142240" tIns="142240" rIns="142240" bIns="142240" numCol="1" spcCol="1270" anchor="ctr" anchorCtr="0">
+          <a:noAutofit/>
+        </a:bodyPr>
+        <a:lstStyle/>
+        <a:p>
+          <a:pPr marL="228600" lvl="1" indent="-228600" algn="l" defTabSz="889000">
+            <a:lnSpc>
+              <a:spcPct val="90000"/>
+            </a:lnSpc>
+            <a:spcBef>
+              <a:spcPct val="0"/>
+            </a:spcBef>
+            <a:spcAft>
+              <a:spcPct val="15000"/>
+            </a:spcAft>
+            <a:buChar char="••"/>
+          </a:pPr>
+          <a:r>
+            <a:rPr lang="en-US" sz="2000" kern="1200" dirty="0" smtClean="0">
+              <a:latin typeface="Arial" panose="020B0604020202020204" pitchFamily="34" charset="0"/>
+              <a:cs typeface="Arial" panose="020B0604020202020204" pitchFamily="34" charset="0"/>
+            </a:rPr>
+            <a:t>Define </a:t>
+          </a:r>
+          <a:r>
+            <a:rPr lang="en-US" sz="2000" kern="1200" dirty="0" err="1" smtClean="0">
+              <a:latin typeface="Arial" panose="020B0604020202020204" pitchFamily="34" charset="0"/>
+              <a:cs typeface="Arial" panose="020B0604020202020204" pitchFamily="34" charset="0"/>
+            </a:rPr>
+            <a:t>params</a:t>
+          </a:r>
+          <a:r>
+            <a:rPr lang="en-US" sz="2000" kern="1200" dirty="0" smtClean="0">
+              <a:latin typeface="Arial" panose="020B0604020202020204" pitchFamily="34" charset="0"/>
+              <a:cs typeface="Arial" panose="020B0604020202020204" pitchFamily="34" charset="0"/>
+            </a:rPr>
+            <a:t> (string, </a:t>
+          </a:r>
+          <a:r>
+            <a:rPr lang="en-US" sz="2000" kern="1200" dirty="0" err="1" smtClean="0">
+              <a:latin typeface="Arial" panose="020B0604020202020204" pitchFamily="34" charset="0"/>
+              <a:cs typeface="Arial" panose="020B0604020202020204" pitchFamily="34" charset="0"/>
+            </a:rPr>
+            <a:t>func</a:t>
+          </a:r>
+          <a:r>
+            <a:rPr lang="en-US" sz="2000" kern="1200" dirty="0" smtClean="0">
+              <a:latin typeface="Arial" panose="020B0604020202020204" pitchFamily="34" charset="0"/>
+              <a:cs typeface="Arial" panose="020B0604020202020204" pitchFamily="34" charset="0"/>
+            </a:rPr>
+            <a:t>, …)</a:t>
+          </a:r>
+          <a:endParaRPr lang="en-US" sz="2000" kern="1200" dirty="0">
+            <a:latin typeface="Arial" panose="020B0604020202020204" pitchFamily="34" charset="0"/>
+            <a:cs typeface="Arial" panose="020B0604020202020204" pitchFamily="34" charset="0"/>
+          </a:endParaRPr>
+        </a:p>
+        <a:p>
+          <a:pPr marL="228600" lvl="1" indent="-228600" algn="l" defTabSz="889000">
+            <a:lnSpc>
+              <a:spcPct val="90000"/>
+            </a:lnSpc>
+            <a:spcBef>
+              <a:spcPct val="0"/>
+            </a:spcBef>
+            <a:spcAft>
+              <a:spcPct val="15000"/>
+            </a:spcAft>
+            <a:buChar char="••"/>
+          </a:pPr>
+          <a:r>
+            <a:rPr lang="en-US" sz="2000" kern="1200" dirty="0" smtClean="0">
+              <a:latin typeface="Arial" panose="020B0604020202020204" pitchFamily="34" charset="0"/>
+              <a:cs typeface="Arial" panose="020B0604020202020204" pitchFamily="34" charset="0"/>
+            </a:rPr>
+            <a:t>Render View</a:t>
+          </a:r>
+          <a:endParaRPr lang="en-US" sz="2000" kern="1200" dirty="0">
+            <a:latin typeface="Arial" panose="020B0604020202020204" pitchFamily="34" charset="0"/>
+            <a:cs typeface="Arial" panose="020B0604020202020204" pitchFamily="34" charset="0"/>
+          </a:endParaRPr>
+        </a:p>
+      </dsp:txBody>
+      <dsp:txXfrm>
+        <a:off x="4855887" y="1826345"/>
+        <a:ext cx="2563070" cy="1464100"/>
+      </dsp:txXfrm>
+    </dsp:sp>
+  </dsp:spTree>
+</dsp:drawing>
+</file>
+
+<file path=ppt/diagrams/drawing3.xml><?xml version="1.0" encoding="utf-8"?>
+<dsp:drawing xmlns:dgm="http://schemas.openxmlformats.org/drawingml/2006/diagram" xmlns:dsp="http://schemas.microsoft.com/office/drawing/2008/diagram" xmlns:a="http://schemas.openxmlformats.org/drawingml/2006/main">
+  <dsp:spTree>
+    <dsp:nvGrpSpPr>
+      <dsp:cNvPr id="0" name=""/>
+      <dsp:cNvGrpSpPr/>
+    </dsp:nvGrpSpPr>
+    <dsp:grpSpPr/>
+    <dsp:sp modelId="{F8D57ACA-2F5D-49D1-AE7B-8F5FE9F94EF0}">
+      <dsp:nvSpPr>
+        <dsp:cNvPr id="0" name=""/>
+        <dsp:cNvSpPr/>
+      </dsp:nvSpPr>
+      <dsp:spPr>
+        <a:xfrm>
+          <a:off x="958" y="717816"/>
+          <a:ext cx="3487415" cy="1743707"/>
+        </a:xfrm>
+        <a:prstGeom prst="roundRect">
+          <a:avLst>
+            <a:gd name="adj" fmla="val 10000"/>
+          </a:avLst>
+        </a:prstGeom>
+        <a:solidFill>
+          <a:schemeClr val="tx1">
+            <a:lumMod val="75000"/>
+            <a:lumOff val="25000"/>
+          </a:schemeClr>
+        </a:solidFill>
+        <a:ln w="25400" cap="flat" cmpd="sng" algn="ctr">
+          <a:solidFill>
+            <a:schemeClr val="lt1">
+              <a:hueOff val="0"/>
+              <a:satOff val="0"/>
+              <a:lumOff val="0"/>
+              <a:alphaOff val="0"/>
+            </a:schemeClr>
+          </a:solidFill>
+          <a:prstDash val="solid"/>
+        </a:ln>
+        <a:effectLst/>
+      </dsp:spPr>
+      <dsp:style>
+        <a:lnRef idx="2">
+          <a:scrgbClr r="0" g="0" b="0"/>
+        </a:lnRef>
+        <a:fillRef idx="1">
+          <a:scrgbClr r="0" g="0" b="0"/>
+        </a:fillRef>
+        <a:effectRef idx="0">
+          <a:scrgbClr r="0" g="0" b="0"/>
+        </a:effectRef>
+        <a:fontRef idx="minor">
+          <a:schemeClr val="lt1"/>
+        </a:fontRef>
+      </dsp:style>
+      <dsp:txBody>
+        <a:bodyPr spcFirstLastPara="0" vert="horz" wrap="square" lIns="45720" tIns="30480" rIns="45720" bIns="30480" numCol="1" spcCol="1270" anchor="ctr" anchorCtr="0">
+          <a:noAutofit/>
+        </a:bodyPr>
+        <a:lstStyle/>
+        <a:p>
+          <a:pPr lvl="0" algn="ctr" defTabSz="1066800">
+            <a:lnSpc>
+              <a:spcPct val="90000"/>
+            </a:lnSpc>
+            <a:spcBef>
+              <a:spcPct val="0"/>
+            </a:spcBef>
+            <a:spcAft>
+              <a:spcPct val="35000"/>
+            </a:spcAft>
+          </a:pPr>
+          <a:r>
+            <a:rPr lang="en-US" sz="2400" kern="1200" dirty="0" smtClean="0">
+              <a:latin typeface="Arial" panose="020B0604020202020204" pitchFamily="34" charset="0"/>
+              <a:cs typeface="Arial" panose="020B0604020202020204" pitchFamily="34" charset="0"/>
+            </a:rPr>
+            <a:t>Export </a:t>
+          </a:r>
+          <a:r>
+            <a:rPr lang="en-US" sz="2400" b="1" kern="1200" dirty="0" smtClean="0">
+              <a:solidFill>
+                <a:srgbClr val="FFFF00"/>
+              </a:solidFill>
+              <a:latin typeface="Arial" panose="020B0604020202020204" pitchFamily="34" charset="0"/>
+              <a:cs typeface="Arial" panose="020B0604020202020204" pitchFamily="34" charset="0"/>
+            </a:rPr>
+            <a:t>default</a:t>
+          </a:r>
+          <a:r>
+            <a:rPr lang="en-US" sz="2400" kern="1200" dirty="0" smtClean="0">
+              <a:latin typeface="Arial" panose="020B0604020202020204" pitchFamily="34" charset="0"/>
+              <a:cs typeface="Arial" panose="020B0604020202020204" pitchFamily="34" charset="0"/>
+            </a:rPr>
+            <a:t> class </a:t>
+          </a:r>
+          <a:r>
+            <a:rPr lang="en-US" sz="2400" kern="1200" dirty="0" err="1" smtClean="0">
+              <a:latin typeface="Arial" panose="020B0604020202020204" pitchFamily="34" charset="0"/>
+              <a:cs typeface="Arial" panose="020B0604020202020204" pitchFamily="34" charset="0"/>
+            </a:rPr>
+            <a:t>ClassName</a:t>
+          </a:r>
+          <a:endParaRPr lang="en-US" sz="2400" kern="1200" dirty="0">
+            <a:latin typeface="Arial" panose="020B0604020202020204" pitchFamily="34" charset="0"/>
+            <a:cs typeface="Arial" panose="020B0604020202020204" pitchFamily="34" charset="0"/>
+          </a:endParaRPr>
+        </a:p>
+      </dsp:txBody>
+      <dsp:txXfrm>
+        <a:off x="52029" y="768887"/>
+        <a:ext cx="3385273" cy="1641565"/>
+      </dsp:txXfrm>
+    </dsp:sp>
+    <dsp:sp modelId="{479DDB34-2941-4C36-95A1-D4BF9A0567B7}">
+      <dsp:nvSpPr>
+        <dsp:cNvPr id="0" name=""/>
+        <dsp:cNvSpPr/>
+      </dsp:nvSpPr>
+      <dsp:spPr>
+        <a:xfrm>
+          <a:off x="349699" y="2461524"/>
+          <a:ext cx="348741" cy="939692"/>
+        </a:xfrm>
+        <a:custGeom>
+          <a:avLst/>
+          <a:gdLst/>
+          <a:ahLst/>
+          <a:cxnLst/>
+          <a:rect l="0" t="0" r="0" b="0"/>
+          <a:pathLst>
+            <a:path>
+              <a:moveTo>
+                <a:pt x="0" y="0"/>
+              </a:moveTo>
+              <a:lnTo>
+                <a:pt x="0" y="939692"/>
+              </a:lnTo>
+              <a:lnTo>
+                <a:pt x="348741" y="939692"/>
+              </a:lnTo>
+            </a:path>
+          </a:pathLst>
+        </a:custGeom>
+        <a:noFill/>
+        <a:ln w="25400" cap="flat" cmpd="sng" algn="ctr">
+          <a:solidFill>
+            <a:srgbClr val="C00000"/>
+          </a:solidFill>
+          <a:prstDash val="solid"/>
+        </a:ln>
+        <a:effectLst/>
+      </dsp:spPr>
+      <dsp:style>
+        <a:lnRef idx="2">
+          <a:scrgbClr r="0" g="0" b="0"/>
+        </a:lnRef>
+        <a:fillRef idx="0">
+          <a:scrgbClr r="0" g="0" b="0"/>
+        </a:fillRef>
+        <a:effectRef idx="0">
+          <a:scrgbClr r="0" g="0" b="0"/>
+        </a:effectRef>
+        <a:fontRef idx="minor"/>
+      </dsp:style>
+    </dsp:sp>
+    <dsp:sp modelId="{8989EA6E-529A-4656-BCAF-E6BACCC73738}">
+      <dsp:nvSpPr>
+        <dsp:cNvPr id="0" name=""/>
+        <dsp:cNvSpPr/>
+      </dsp:nvSpPr>
+      <dsp:spPr>
+        <a:xfrm>
+          <a:off x="698441" y="2897451"/>
+          <a:ext cx="2683886" cy="1007531"/>
+        </a:xfrm>
+        <a:prstGeom prst="roundRect">
+          <a:avLst>
+            <a:gd name="adj" fmla="val 10000"/>
+          </a:avLst>
+        </a:prstGeom>
+        <a:solidFill>
+          <a:schemeClr val="tx1">
+            <a:lumMod val="75000"/>
+            <a:lumOff val="25000"/>
+            <a:alpha val="90000"/>
+          </a:schemeClr>
+        </a:solidFill>
+        <a:ln w="25400" cap="flat" cmpd="sng" algn="ctr">
+          <a:solidFill>
+            <a:schemeClr val="tx1">
+              <a:lumMod val="75000"/>
+              <a:lumOff val="25000"/>
+            </a:schemeClr>
+          </a:solidFill>
+          <a:prstDash val="solid"/>
+        </a:ln>
+        <a:effectLst/>
+      </dsp:spPr>
+      <dsp:style>
+        <a:lnRef idx="2">
+          <a:scrgbClr r="0" g="0" b="0"/>
+        </a:lnRef>
+        <a:fillRef idx="1">
+          <a:scrgbClr r="0" g="0" b="0"/>
+        </a:fillRef>
+        <a:effectRef idx="0">
+          <a:scrgbClr r="0" g="0" b="0"/>
+        </a:effectRef>
+        <a:fontRef idx="minor"/>
+      </dsp:style>
+      <dsp:txBody>
+        <a:bodyPr spcFirstLastPara="0" vert="horz" wrap="square" lIns="34290" tIns="22860" rIns="34290" bIns="22860" numCol="1" spcCol="1270" anchor="ctr" anchorCtr="0">
+          <a:noAutofit/>
+        </a:bodyPr>
+        <a:lstStyle/>
+        <a:p>
+          <a:pPr lvl="0" algn="ctr" defTabSz="800100">
+            <a:lnSpc>
+              <a:spcPct val="90000"/>
+            </a:lnSpc>
+            <a:spcBef>
+              <a:spcPct val="0"/>
+            </a:spcBef>
+            <a:spcAft>
+              <a:spcPct val="35000"/>
+            </a:spcAft>
+          </a:pPr>
+          <a:r>
+            <a:rPr lang="en-US" sz="1800" kern="1200" dirty="0" smtClean="0">
+              <a:solidFill>
+                <a:schemeClr val="bg1"/>
+              </a:solidFill>
+              <a:latin typeface="Arial" panose="020B0604020202020204" pitchFamily="34" charset="0"/>
+              <a:cs typeface="Arial" panose="020B0604020202020204" pitchFamily="34" charset="0"/>
+            </a:rPr>
+            <a:t>Import </a:t>
+          </a:r>
+          <a:r>
+            <a:rPr lang="en-US" sz="1800" kern="1200" dirty="0" err="1" smtClean="0">
+              <a:solidFill>
+                <a:schemeClr val="bg1"/>
+              </a:solidFill>
+              <a:latin typeface="Arial" panose="020B0604020202020204" pitchFamily="34" charset="0"/>
+              <a:cs typeface="Arial" panose="020B0604020202020204" pitchFamily="34" charset="0"/>
+            </a:rPr>
+            <a:t>ClassName</a:t>
+          </a:r>
+          <a:endParaRPr lang="en-US" sz="1800" kern="1200" dirty="0">
+            <a:solidFill>
+              <a:schemeClr val="bg1"/>
+            </a:solidFill>
+            <a:latin typeface="Arial" panose="020B0604020202020204" pitchFamily="34" charset="0"/>
+            <a:cs typeface="Arial" panose="020B0604020202020204" pitchFamily="34" charset="0"/>
+          </a:endParaRPr>
+        </a:p>
+      </dsp:txBody>
+      <dsp:txXfrm>
+        <a:off x="727951" y="2926961"/>
+        <a:ext cx="2624866" cy="948511"/>
+      </dsp:txXfrm>
+    </dsp:sp>
+    <dsp:sp modelId="{5074D994-86C5-44F9-A7AB-F07C02845B1D}">
+      <dsp:nvSpPr>
+        <dsp:cNvPr id="0" name=""/>
+        <dsp:cNvSpPr/>
+      </dsp:nvSpPr>
+      <dsp:spPr>
+        <a:xfrm>
+          <a:off x="4361184" y="762002"/>
+          <a:ext cx="3487415" cy="1743707"/>
+        </a:xfrm>
+        <a:prstGeom prst="roundRect">
+          <a:avLst>
+            <a:gd name="adj" fmla="val 10000"/>
+          </a:avLst>
+        </a:prstGeom>
+        <a:solidFill>
+          <a:schemeClr val="tx1">
+            <a:lumMod val="75000"/>
+            <a:lumOff val="25000"/>
+          </a:schemeClr>
+        </a:solidFill>
+        <a:ln w="25400" cap="flat" cmpd="sng" algn="ctr">
+          <a:solidFill>
+            <a:schemeClr val="lt1">
+              <a:hueOff val="0"/>
+              <a:satOff val="0"/>
+              <a:lumOff val="0"/>
+              <a:alphaOff val="0"/>
+            </a:schemeClr>
+          </a:solidFill>
+          <a:prstDash val="solid"/>
+        </a:ln>
+        <a:effectLst/>
+      </dsp:spPr>
+      <dsp:style>
+        <a:lnRef idx="2">
+          <a:scrgbClr r="0" g="0" b="0"/>
+        </a:lnRef>
+        <a:fillRef idx="1">
+          <a:scrgbClr r="0" g="0" b="0"/>
+        </a:fillRef>
+        <a:effectRef idx="0">
+          <a:scrgbClr r="0" g="0" b="0"/>
+        </a:effectRef>
+        <a:fontRef idx="minor">
+          <a:schemeClr val="lt1"/>
+        </a:fontRef>
+      </dsp:style>
+      <dsp:txBody>
+        <a:bodyPr spcFirstLastPara="0" vert="horz" wrap="square" lIns="45720" tIns="30480" rIns="45720" bIns="30480" numCol="1" spcCol="1270" anchor="ctr" anchorCtr="0">
+          <a:noAutofit/>
+        </a:bodyPr>
+        <a:lstStyle/>
+        <a:p>
+          <a:pPr lvl="0" algn="ctr" defTabSz="1066800">
+            <a:lnSpc>
+              <a:spcPct val="90000"/>
+            </a:lnSpc>
+            <a:spcBef>
+              <a:spcPct val="0"/>
+            </a:spcBef>
+            <a:spcAft>
+              <a:spcPct val="35000"/>
+            </a:spcAft>
+          </a:pPr>
+          <a:r>
+            <a:rPr lang="en-US" sz="2400" kern="1200" dirty="0" smtClean="0">
+              <a:latin typeface="Arial" panose="020B0604020202020204" pitchFamily="34" charset="0"/>
+              <a:cs typeface="Arial" panose="020B0604020202020204" pitchFamily="34" charset="0"/>
+            </a:rPr>
+            <a:t>Export class </a:t>
+          </a:r>
+          <a:r>
+            <a:rPr lang="en-US" sz="2400" kern="1200" dirty="0" err="1" smtClean="0">
+              <a:latin typeface="Arial" panose="020B0604020202020204" pitchFamily="34" charset="0"/>
+              <a:cs typeface="Arial" panose="020B0604020202020204" pitchFamily="34" charset="0"/>
+            </a:rPr>
+            <a:t>ClassName</a:t>
+          </a:r>
+          <a:endParaRPr lang="en-US" sz="2400" kern="1200" dirty="0">
+            <a:latin typeface="Arial" panose="020B0604020202020204" pitchFamily="34" charset="0"/>
+            <a:cs typeface="Arial" panose="020B0604020202020204" pitchFamily="34" charset="0"/>
+          </a:endParaRPr>
+        </a:p>
+      </dsp:txBody>
+      <dsp:txXfrm>
+        <a:off x="4412255" y="813073"/>
+        <a:ext cx="3385273" cy="1641565"/>
+      </dsp:txXfrm>
+    </dsp:sp>
+    <dsp:sp modelId="{409F2B00-78E3-4896-9E24-21CD021CE403}">
+      <dsp:nvSpPr>
+        <dsp:cNvPr id="0" name=""/>
+        <dsp:cNvSpPr/>
+      </dsp:nvSpPr>
+      <dsp:spPr>
+        <a:xfrm>
+          <a:off x="4709926" y="2505710"/>
+          <a:ext cx="347783" cy="895507"/>
+        </a:xfrm>
+        <a:custGeom>
+          <a:avLst/>
+          <a:gdLst/>
+          <a:ahLst/>
+          <a:cxnLst/>
+          <a:rect l="0" t="0" r="0" b="0"/>
+          <a:pathLst>
+            <a:path>
+              <a:moveTo>
+                <a:pt x="0" y="0"/>
+              </a:moveTo>
+              <a:lnTo>
+                <a:pt x="0" y="895507"/>
+              </a:lnTo>
+              <a:lnTo>
+                <a:pt x="347783" y="895507"/>
+              </a:lnTo>
+            </a:path>
+          </a:pathLst>
+        </a:custGeom>
+        <a:noFill/>
+        <a:ln w="25400" cap="flat" cmpd="sng" algn="ctr">
+          <a:solidFill>
+            <a:srgbClr val="C00000"/>
+          </a:solidFill>
+          <a:prstDash val="solid"/>
+        </a:ln>
+        <a:effectLst/>
+      </dsp:spPr>
+      <dsp:style>
+        <a:lnRef idx="2">
+          <a:scrgbClr r="0" g="0" b="0"/>
+        </a:lnRef>
+        <a:fillRef idx="0">
+          <a:scrgbClr r="0" g="0" b="0"/>
+        </a:fillRef>
+        <a:effectRef idx="0">
+          <a:scrgbClr r="0" g="0" b="0"/>
+        </a:effectRef>
+        <a:fontRef idx="minor"/>
+      </dsp:style>
+    </dsp:sp>
+    <dsp:sp modelId="{B5C3A1FE-3272-4138-87DA-E815315C7BA6}">
+      <dsp:nvSpPr>
+        <dsp:cNvPr id="0" name=""/>
+        <dsp:cNvSpPr/>
+      </dsp:nvSpPr>
+      <dsp:spPr>
+        <a:xfrm>
+          <a:off x="5057709" y="2897451"/>
+          <a:ext cx="2677553" cy="1007531"/>
+        </a:xfrm>
+        <a:prstGeom prst="roundRect">
+          <a:avLst>
+            <a:gd name="adj" fmla="val 10000"/>
+          </a:avLst>
+        </a:prstGeom>
+        <a:solidFill>
+          <a:schemeClr val="tx1">
+            <a:lumMod val="75000"/>
+            <a:lumOff val="25000"/>
+            <a:alpha val="90000"/>
+          </a:schemeClr>
+        </a:solidFill>
+        <a:ln w="25400" cap="flat" cmpd="sng" algn="ctr">
+          <a:solidFill>
+            <a:schemeClr val="tx1">
+              <a:lumMod val="75000"/>
+              <a:lumOff val="25000"/>
+            </a:schemeClr>
+          </a:solidFill>
+          <a:prstDash val="solid"/>
+        </a:ln>
+        <a:effectLst/>
+      </dsp:spPr>
+      <dsp:style>
+        <a:lnRef idx="2">
+          <a:scrgbClr r="0" g="0" b="0"/>
+        </a:lnRef>
+        <a:fillRef idx="1">
+          <a:scrgbClr r="0" g="0" b="0"/>
+        </a:fillRef>
+        <a:effectRef idx="0">
+          <a:scrgbClr r="0" g="0" b="0"/>
+        </a:effectRef>
+        <a:fontRef idx="minor"/>
+      </dsp:style>
+      <dsp:txBody>
+        <a:bodyPr spcFirstLastPara="0" vert="horz" wrap="square" lIns="34290" tIns="22860" rIns="34290" bIns="22860" numCol="1" spcCol="1270" anchor="ctr" anchorCtr="0">
+          <a:noAutofit/>
+        </a:bodyPr>
+        <a:lstStyle/>
+        <a:p>
+          <a:pPr lvl="0" algn="ctr" defTabSz="800100">
+            <a:lnSpc>
+              <a:spcPct val="90000"/>
+            </a:lnSpc>
+            <a:spcBef>
+              <a:spcPct val="0"/>
+            </a:spcBef>
+            <a:spcAft>
+              <a:spcPct val="35000"/>
+            </a:spcAft>
+          </a:pPr>
+          <a:r>
+            <a:rPr lang="en-US" sz="1800" kern="1200" dirty="0" smtClean="0">
+              <a:solidFill>
+                <a:schemeClr val="bg1"/>
+              </a:solidFill>
+              <a:latin typeface="Arial" panose="020B0604020202020204" pitchFamily="34" charset="0"/>
+              <a:cs typeface="Arial" panose="020B0604020202020204" pitchFamily="34" charset="0"/>
+            </a:rPr>
+            <a:t>Import </a:t>
+          </a:r>
+          <a:r>
+            <a:rPr lang="en-US" sz="1800" b="1" kern="1200" dirty="0" smtClean="0">
+              <a:solidFill>
+                <a:srgbClr val="FFFF00"/>
+              </a:solidFill>
+              <a:latin typeface="Arial" panose="020B0604020202020204" pitchFamily="34" charset="0"/>
+              <a:cs typeface="Arial" panose="020B0604020202020204" pitchFamily="34" charset="0"/>
+            </a:rPr>
+            <a:t>{</a:t>
+          </a:r>
+          <a:r>
+            <a:rPr lang="en-US" sz="1800" kern="1200" dirty="0" smtClean="0">
+              <a:solidFill>
+                <a:schemeClr val="bg1"/>
+              </a:solidFill>
+              <a:latin typeface="Arial" panose="020B0604020202020204" pitchFamily="34" charset="0"/>
+              <a:cs typeface="Arial" panose="020B0604020202020204" pitchFamily="34" charset="0"/>
+            </a:rPr>
+            <a:t> </a:t>
+          </a:r>
+          <a:r>
+            <a:rPr lang="en-US" sz="1800" kern="1200" dirty="0" err="1" smtClean="0">
+              <a:solidFill>
+                <a:schemeClr val="bg1"/>
+              </a:solidFill>
+              <a:latin typeface="Arial" panose="020B0604020202020204" pitchFamily="34" charset="0"/>
+              <a:cs typeface="Arial" panose="020B0604020202020204" pitchFamily="34" charset="0"/>
+            </a:rPr>
+            <a:t>ClassName</a:t>
+          </a:r>
+          <a:r>
+            <a:rPr lang="en-US" sz="1800" kern="1200" dirty="0" smtClean="0">
+              <a:solidFill>
+                <a:schemeClr val="bg1"/>
+              </a:solidFill>
+              <a:latin typeface="Arial" panose="020B0604020202020204" pitchFamily="34" charset="0"/>
+              <a:cs typeface="Arial" panose="020B0604020202020204" pitchFamily="34" charset="0"/>
+            </a:rPr>
+            <a:t> </a:t>
+          </a:r>
+          <a:r>
+            <a:rPr lang="en-US" sz="1800" b="1" kern="1200" dirty="0" smtClean="0">
+              <a:solidFill>
+                <a:srgbClr val="FFFF00"/>
+              </a:solidFill>
+              <a:latin typeface="Arial" panose="020B0604020202020204" pitchFamily="34" charset="0"/>
+              <a:cs typeface="Arial" panose="020B0604020202020204" pitchFamily="34" charset="0"/>
+            </a:rPr>
+            <a:t>}</a:t>
+          </a:r>
+          <a:endParaRPr lang="en-US" sz="1800" b="1" kern="1200" dirty="0">
+            <a:solidFill>
+              <a:srgbClr val="FFFF00"/>
+            </a:solidFill>
+            <a:latin typeface="Arial" panose="020B0604020202020204" pitchFamily="34" charset="0"/>
+            <a:cs typeface="Arial" panose="020B0604020202020204" pitchFamily="34" charset="0"/>
+          </a:endParaRPr>
+        </a:p>
+      </dsp:txBody>
+      <dsp:txXfrm>
+        <a:off x="5087219" y="2926961"/>
+        <a:ext cx="2618533" cy="948511"/>
       </dsp:txXfrm>
     </dsp:sp>
   </dsp:spTree>
@@ -3652,7 +7105,2668 @@
 </dgm:layoutDef>
 </file>
 
+<file path=ppt/diagrams/layout2.xml><?xml version="1.0" encoding="utf-8"?>
+<dgm:layoutDef xmlns:dgm="http://schemas.openxmlformats.org/drawingml/2006/diagram" xmlns:a="http://schemas.openxmlformats.org/drawingml/2006/main" uniqueId="urn:microsoft.com/office/officeart/2005/8/layout/process3">
+  <dgm:title val=""/>
+  <dgm:desc val=""/>
+  <dgm:catLst>
+    <dgm:cat type="process" pri="2000"/>
+  </dgm:catLst>
+  <dgm:sampData>
+    <dgm:dataModel>
+      <dgm:ptLst>
+        <dgm:pt modelId="0" type="doc"/>
+        <dgm:pt modelId="1">
+          <dgm:prSet phldr="1"/>
+        </dgm:pt>
+        <dgm:pt modelId="11">
+          <dgm:prSet phldr="1"/>
+        </dgm:pt>
+        <dgm:pt modelId="2">
+          <dgm:prSet phldr="1"/>
+        </dgm:pt>
+        <dgm:pt modelId="21">
+          <dgm:prSet phldr="1"/>
+        </dgm:pt>
+        <dgm:pt modelId="3">
+          <dgm:prSet phldr="1"/>
+        </dgm:pt>
+        <dgm:pt modelId="31">
+          <dgm:prSet phldr="1"/>
+        </dgm:pt>
+      </dgm:ptLst>
+      <dgm:cxnLst>
+        <dgm:cxn modelId="4" srcId="0" destId="1" srcOrd="0" destOrd="0"/>
+        <dgm:cxn modelId="5" srcId="0" destId="2" srcOrd="1" destOrd="0"/>
+        <dgm:cxn modelId="6" srcId="0" destId="3" srcOrd="3" destOrd="0"/>
+        <dgm:cxn modelId="12" srcId="1" destId="11" srcOrd="0" destOrd="0"/>
+        <dgm:cxn modelId="23" srcId="2" destId="21" srcOrd="0" destOrd="0"/>
+        <dgm:cxn modelId="34" srcId="3" destId="31" srcOrd="0" destOrd="0"/>
+      </dgm:cxnLst>
+      <dgm:bg/>
+      <dgm:whole/>
+    </dgm:dataModel>
+  </dgm:sampData>
+  <dgm:styleData>
+    <dgm:dataModel>
+      <dgm:ptLst>
+        <dgm:pt modelId="0" type="doc"/>
+        <dgm:pt modelId="1">
+          <dgm:prSet phldr="1"/>
+        </dgm:pt>
+        <dgm:pt modelId="11">
+          <dgm:prSet phldr="1"/>
+        </dgm:pt>
+        <dgm:pt modelId="2">
+          <dgm:prSet phldr="1"/>
+        </dgm:pt>
+        <dgm:pt modelId="21">
+          <dgm:prSet phldr="1"/>
+        </dgm:pt>
+      </dgm:ptLst>
+      <dgm:cxnLst>
+        <dgm:cxn modelId="4" srcId="0" destId="1" srcOrd="0" destOrd="0"/>
+        <dgm:cxn modelId="5" srcId="0" destId="2" srcOrd="1" destOrd="0"/>
+        <dgm:cxn modelId="13" srcId="1" destId="11" srcOrd="0" destOrd="0"/>
+        <dgm:cxn modelId="23" srcId="2" destId="21" srcOrd="0" destOrd="0"/>
+      </dgm:cxnLst>
+      <dgm:bg/>
+      <dgm:whole/>
+    </dgm:dataModel>
+  </dgm:styleData>
+  <dgm:clrData>
+    <dgm:dataModel>
+      <dgm:ptLst>
+        <dgm:pt modelId="0" type="doc"/>
+        <dgm:pt modelId="1">
+          <dgm:prSet phldr="1"/>
+        </dgm:pt>
+        <dgm:pt modelId="11">
+          <dgm:prSet phldr="1"/>
+        </dgm:pt>
+        <dgm:pt modelId="2">
+          <dgm:prSet phldr="1"/>
+        </dgm:pt>
+        <dgm:pt modelId="21">
+          <dgm:prSet phldr="1"/>
+        </dgm:pt>
+        <dgm:pt modelId="3">
+          <dgm:prSet phldr="1"/>
+        </dgm:pt>
+        <dgm:pt modelId="31">
+          <dgm:prSet phldr="1"/>
+        </dgm:pt>
+        <dgm:pt modelId="4">
+          <dgm:prSet phldr="1"/>
+        </dgm:pt>
+        <dgm:pt modelId="41">
+          <dgm:prSet phldr="1"/>
+        </dgm:pt>
+      </dgm:ptLst>
+      <dgm:cxnLst>
+        <dgm:cxn modelId="5" srcId="0" destId="1" srcOrd="0" destOrd="0"/>
+        <dgm:cxn modelId="6" srcId="0" destId="2" srcOrd="1" destOrd="0"/>
+        <dgm:cxn modelId="7" srcId="0" destId="3" srcOrd="2" destOrd="0"/>
+        <dgm:cxn modelId="8" srcId="0" destId="4" srcOrd="3" destOrd="0"/>
+        <dgm:cxn modelId="13" srcId="1" destId="11" srcOrd="0" destOrd="0"/>
+        <dgm:cxn modelId="23" srcId="2" destId="21" srcOrd="0" destOrd="0"/>
+        <dgm:cxn modelId="33" srcId="3" destId="31" srcOrd="0" destOrd="0"/>
+        <dgm:cxn modelId="43" srcId="4" destId="41" srcOrd="0" destOrd="0"/>
+      </dgm:cxnLst>
+      <dgm:bg/>
+      <dgm:whole/>
+    </dgm:dataModel>
+  </dgm:clrData>
+  <dgm:layoutNode name="linearFlow">
+    <dgm:varLst>
+      <dgm:dir/>
+      <dgm:animLvl val="lvl"/>
+      <dgm:resizeHandles val="exact"/>
+    </dgm:varLst>
+    <dgm:choose name="Name0">
+      <dgm:if name="Name1" func="var" arg="dir" op="equ" val="norm">
+        <dgm:alg type="lin"/>
+      </dgm:if>
+      <dgm:else name="Name2">
+        <dgm:alg type="lin">
+          <dgm:param type="linDir" val="fromR"/>
+        </dgm:alg>
+      </dgm:else>
+    </dgm:choose>
+    <dgm:shape xmlns:r="http://schemas.openxmlformats.org/officeDocument/2006/relationships" r:blip="">
+      <dgm:adjLst/>
+    </dgm:shape>
+    <dgm:presOf/>
+    <dgm:constrLst>
+      <dgm:constr type="w" for="ch" forName="composite" refType="w"/>
+      <dgm:constr type="w" for="ch" ptType="sibTrans" refType="w" refFor="ch" refForName="composite" fact="0.3333"/>
+      <dgm:constr type="w" for="des" forName="parTx"/>
+      <dgm:constr type="h" for="des" forName="parTx" op="equ"/>
+      <dgm:constr type="h" for="des" forName="parSh" op="equ"/>
+      <dgm:constr type="w" for="des" forName="desTx"/>
+      <dgm:constr type="h" for="des" forName="desTx" op="equ"/>
+      <dgm:constr type="w" for="des" forName="parSh"/>
+      <dgm:constr type="primFontSz" for="des" forName="parTx" val="65"/>
+      <dgm:constr type="secFontSz" for="des" forName="desTx" refType="primFontSz" refFor="des" refForName="parTx" op="equ"/>
+      <dgm:constr type="primFontSz" for="des" forName="connTx" refType="primFontSz" refFor="des" refForName="parTx" fact="0.8"/>
+      <dgm:constr type="primFontSz" for="des" forName="connTx" refType="primFontSz" refFor="des" refForName="parTx" op="lte" fact="0.8"/>
+      <dgm:constr type="h" for="des" forName="parTx" refType="primFontSz" refFor="des" refForName="parTx" fact="0.8"/>
+      <dgm:constr type="h" for="des" forName="parSh" refType="primFontSz" refFor="des" refForName="parTx" fact="1.2"/>
+      <dgm:constr type="h" for="des" forName="desTx" refType="primFontSz" refFor="des" refForName="parTx" fact="1.6"/>
+      <dgm:constr type="h" for="des" forName="parSh" refType="h" refFor="des" refForName="parTx" op="lte" fact="1.5"/>
+      <dgm:constr type="h" for="des" forName="parSh" refType="h" refFor="des" refForName="parTx" op="gte" fact="1.5"/>
+    </dgm:constrLst>
+    <dgm:ruleLst>
+      <dgm:rule type="w" for="ch" forName="composite" val="0" fact="NaN" max="NaN"/>
+      <dgm:rule type="primFontSz" for="des" forName="parTx" val="5" fact="NaN" max="NaN"/>
+    </dgm:ruleLst>
+    <dgm:forEach name="Name3" axis="ch" ptType="node">
+      <dgm:layoutNode name="composite">
+        <dgm:alg type="composite"/>
+        <dgm:shape xmlns:r="http://schemas.openxmlformats.org/officeDocument/2006/relationships" r:blip="">
+          <dgm:adjLst/>
+        </dgm:shape>
+        <dgm:presOf/>
+        <dgm:choose name="Name4">
+          <dgm:if name="Name5" func="var" arg="dir" op="equ" val="norm">
+            <dgm:constrLst>
+              <dgm:constr type="h" refType="w" fact="1000"/>
+              <dgm:constr type="l" for="ch" forName="parTx"/>
+              <dgm:constr type="w" for="ch" forName="parTx" refType="w" fact="0.83"/>
+              <dgm:constr type="t" for="ch" forName="parTx"/>
+              <dgm:constr type="l" for="ch" forName="parSh"/>
+              <dgm:constr type="w" for="ch" forName="parSh" refType="w" refFor="ch" refForName="parTx"/>
+              <dgm:constr type="t" for="ch" forName="parSh"/>
+              <dgm:constr type="l" for="ch" forName="desTx" refType="w" fact="0.17"/>
+              <dgm:constr type="w" for="ch" forName="desTx" refType="w" refFor="ch" refForName="parTx"/>
+              <dgm:constr type="t" for="ch" forName="desTx" refType="h" refFor="ch" refForName="parTx"/>
+            </dgm:constrLst>
+          </dgm:if>
+          <dgm:else name="Name6">
+            <dgm:constrLst>
+              <dgm:constr type="h" refType="w" fact="1000"/>
+              <dgm:constr type="l" for="ch" forName="parTx" refType="w" fact="0.17"/>
+              <dgm:constr type="w" for="ch" forName="parTx" refType="w" fact="0.83"/>
+              <dgm:constr type="t" for="ch" forName="parTx"/>
+              <dgm:constr type="l" for="ch" forName="parSh" refType="w" fact="0.15"/>
+              <dgm:constr type="w" for="ch" forName="parSh" refType="w" refFor="ch" refForName="parTx"/>
+              <dgm:constr type="t" for="ch" forName="parSh"/>
+              <dgm:constr type="l" for="ch" forName="desTx"/>
+              <dgm:constr type="w" for="ch" forName="desTx" refType="w" refFor="ch" refForName="parTx"/>
+              <dgm:constr type="t" for="ch" forName="desTx" refType="h" refFor="ch" refForName="parTx"/>
+            </dgm:constrLst>
+          </dgm:else>
+        </dgm:choose>
+        <dgm:ruleLst>
+          <dgm:rule type="h" val="INF" fact="NaN" max="NaN"/>
+        </dgm:ruleLst>
+        <dgm:layoutNode name="parTx">
+          <dgm:varLst>
+            <dgm:chMax val="0"/>
+            <dgm:chPref val="0"/>
+            <dgm:bulletEnabled val="1"/>
+          </dgm:varLst>
+          <dgm:alg type="tx">
+            <dgm:param type="parTxLTRAlign" val="l"/>
+            <dgm:param type="parTxRTLAlign" val="r"/>
+            <dgm:param type="txAnchorVert" val="t"/>
+          </dgm:alg>
+          <dgm:shape xmlns:r="http://schemas.openxmlformats.org/officeDocument/2006/relationships" type="rect" r:blip="" zOrderOff="1" hideGeom="1">
+            <dgm:adjLst>
+              <dgm:adj idx="1" val="0.1"/>
+            </dgm:adjLst>
+          </dgm:shape>
+          <dgm:presOf axis="self" ptType="node"/>
+          <dgm:constrLst>
+            <dgm:constr type="h" refType="w" op="lte" fact="0.4"/>
+            <dgm:constr type="bMarg" refType="primFontSz" fact="0.3"/>
+            <dgm:constr type="h"/>
+          </dgm:constrLst>
+          <dgm:ruleLst>
+            <dgm:rule type="h" val="INF" fact="NaN" max="NaN"/>
+          </dgm:ruleLst>
+        </dgm:layoutNode>
+        <dgm:layoutNode name="parSh">
+          <dgm:alg type="sp"/>
+          <dgm:shape xmlns:r="http://schemas.openxmlformats.org/officeDocument/2006/relationships" type="roundRect" r:blip="">
+            <dgm:adjLst>
+              <dgm:adj idx="1" val="0.1"/>
+            </dgm:adjLst>
+          </dgm:shape>
+          <dgm:presOf axis="self" ptType="node"/>
+          <dgm:constrLst>
+            <dgm:constr type="h"/>
+          </dgm:constrLst>
+          <dgm:ruleLst/>
+        </dgm:layoutNode>
+        <dgm:layoutNode name="desTx" styleLbl="fgAcc1">
+          <dgm:varLst>
+            <dgm:bulletEnabled val="1"/>
+          </dgm:varLst>
+          <dgm:alg type="tx">
+            <dgm:param type="stBulletLvl" val="1"/>
+          </dgm:alg>
+          <dgm:shape xmlns:r="http://schemas.openxmlformats.org/officeDocument/2006/relationships" type="roundRect" r:blip="">
+            <dgm:adjLst>
+              <dgm:adj idx="1" val="0.1"/>
+            </dgm:adjLst>
+          </dgm:shape>
+          <dgm:presOf axis="des" ptType="node"/>
+          <dgm:constrLst>
+            <dgm:constr type="secFontSz" val="65"/>
+            <dgm:constr type="primFontSz" refType="secFontSz"/>
+            <dgm:constr type="h"/>
+          </dgm:constrLst>
+          <dgm:ruleLst>
+            <dgm:rule type="h" val="INF" fact="NaN" max="NaN"/>
+          </dgm:ruleLst>
+        </dgm:layoutNode>
+      </dgm:layoutNode>
+      <dgm:forEach name="sibTransForEach" axis="followSib" ptType="sibTrans" cnt="1">
+        <dgm:layoutNode name="sibTrans">
+          <dgm:alg type="conn">
+            <dgm:param type="begPts" val="auto"/>
+            <dgm:param type="endPts" val="auto"/>
+            <dgm:param type="srcNode" val="parTx"/>
+            <dgm:param type="dstNode" val="parTx"/>
+          </dgm:alg>
+          <dgm:shape xmlns:r="http://schemas.openxmlformats.org/officeDocument/2006/relationships" type="conn" r:blip="">
+            <dgm:adjLst/>
+          </dgm:shape>
+          <dgm:presOf axis="self"/>
+          <dgm:constrLst>
+            <dgm:constr type="h" refType="w" fact="0.62"/>
+            <dgm:constr type="connDist"/>
+            <dgm:constr type="begPad" refType="connDist" fact="0.25"/>
+            <dgm:constr type="endPad" refType="connDist" fact="0.22"/>
+          </dgm:constrLst>
+          <dgm:ruleLst/>
+          <dgm:layoutNode name="connTx">
+            <dgm:alg type="tx">
+              <dgm:param type="autoTxRot" val="grav"/>
+            </dgm:alg>
+            <dgm:shape xmlns:r="http://schemas.openxmlformats.org/officeDocument/2006/relationships" type="conn" r:blip="" hideGeom="1">
+              <dgm:adjLst/>
+            </dgm:shape>
+            <dgm:presOf axis="self"/>
+            <dgm:constrLst>
+              <dgm:constr type="lMarg"/>
+              <dgm:constr type="rMarg"/>
+              <dgm:constr type="tMarg"/>
+              <dgm:constr type="bMarg"/>
+            </dgm:constrLst>
+            <dgm:ruleLst>
+              <dgm:rule type="primFontSz" val="5" fact="NaN" max="NaN"/>
+            </dgm:ruleLst>
+          </dgm:layoutNode>
+        </dgm:layoutNode>
+      </dgm:forEach>
+    </dgm:forEach>
+  </dgm:layoutNode>
+</dgm:layoutDef>
+</file>
+
+<file path=ppt/diagrams/layout3.xml><?xml version="1.0" encoding="utf-8"?>
+<dgm:layoutDef xmlns:dgm="http://schemas.openxmlformats.org/drawingml/2006/diagram" xmlns:a="http://schemas.openxmlformats.org/drawingml/2006/main" uniqueId="urn:microsoft.com/office/officeart/2005/8/layout/hierarchy3">
+  <dgm:title val=""/>
+  <dgm:desc val=""/>
+  <dgm:catLst>
+    <dgm:cat type="hierarchy" pri="7000"/>
+    <dgm:cat type="list" pri="23000"/>
+    <dgm:cat type="relationship" pri="15000"/>
+    <dgm:cat type="convert" pri="7000"/>
+  </dgm:catLst>
+  <dgm:sampData>
+    <dgm:dataModel>
+      <dgm:ptLst>
+        <dgm:pt modelId="0" type="doc"/>
+        <dgm:pt modelId="1">
+          <dgm:prSet phldr="1"/>
+        </dgm:pt>
+        <dgm:pt modelId="11">
+          <dgm:prSet phldr="1"/>
+        </dgm:pt>
+        <dgm:pt modelId="12">
+          <dgm:prSet phldr="1"/>
+        </dgm:pt>
+        <dgm:pt modelId="2">
+          <dgm:prSet phldr="1"/>
+        </dgm:pt>
+        <dgm:pt modelId="21">
+          <dgm:prSet phldr="1"/>
+        </dgm:pt>
+        <dgm:pt modelId="22">
+          <dgm:prSet phldr="1"/>
+        </dgm:pt>
+      </dgm:ptLst>
+      <dgm:cxnLst>
+        <dgm:cxn modelId="4" srcId="0" destId="1" srcOrd="0" destOrd="0"/>
+        <dgm:cxn modelId="5" srcId="1" destId="11" srcOrd="0" destOrd="0"/>
+        <dgm:cxn modelId="6" srcId="1" destId="12" srcOrd="1" destOrd="0"/>
+        <dgm:cxn modelId="7" srcId="0" destId="2" srcOrd="1" destOrd="0"/>
+        <dgm:cxn modelId="8" srcId="2" destId="21" srcOrd="0" destOrd="0"/>
+        <dgm:cxn modelId="9" srcId="2" destId="22" srcOrd="1" destOrd="0"/>
+      </dgm:cxnLst>
+      <dgm:bg/>
+      <dgm:whole/>
+    </dgm:dataModel>
+  </dgm:sampData>
+  <dgm:styleData>
+    <dgm:dataModel>
+      <dgm:ptLst>
+        <dgm:pt modelId="0" type="doc"/>
+        <dgm:pt modelId="1"/>
+        <dgm:pt modelId="11"/>
+        <dgm:pt modelId="2"/>
+        <dgm:pt modelId="21"/>
+      </dgm:ptLst>
+      <dgm:cxnLst>
+        <dgm:cxn modelId="4" srcId="0" destId="1" srcOrd="0" destOrd="0"/>
+        <dgm:cxn modelId="5" srcId="0" destId="2" srcOrd="1" destOrd="0"/>
+        <dgm:cxn modelId="13" srcId="1" destId="11" srcOrd="0" destOrd="0"/>
+        <dgm:cxn modelId="23" srcId="2" destId="21" srcOrd="0" destOrd="0"/>
+      </dgm:cxnLst>
+      <dgm:bg/>
+      <dgm:whole/>
+    </dgm:dataModel>
+  </dgm:styleData>
+  <dgm:clrData>
+    <dgm:dataModel>
+      <dgm:ptLst>
+        <dgm:pt modelId="0" type="doc"/>
+        <dgm:pt modelId="1"/>
+        <dgm:pt modelId="11"/>
+        <dgm:pt modelId="2"/>
+        <dgm:pt modelId="21"/>
+        <dgm:pt modelId="3"/>
+        <dgm:pt modelId="31"/>
+        <dgm:pt modelId="4"/>
+        <dgm:pt modelId="41"/>
+      </dgm:ptLst>
+      <dgm:cxnLst>
+        <dgm:cxn modelId="5" srcId="0" destId="1" srcOrd="0" destOrd="0"/>
+        <dgm:cxn modelId="6" srcId="0" destId="2" srcOrd="1" destOrd="0"/>
+        <dgm:cxn modelId="7" srcId="0" destId="3" srcOrd="2" destOrd="0"/>
+        <dgm:cxn modelId="8" srcId="0" destId="4" srcOrd="3" destOrd="0"/>
+        <dgm:cxn modelId="13" srcId="1" destId="11" srcOrd="0" destOrd="0"/>
+        <dgm:cxn modelId="23" srcId="2" destId="21" srcOrd="0" destOrd="0"/>
+        <dgm:cxn modelId="33" srcId="3" destId="31" srcOrd="0" destOrd="0"/>
+        <dgm:cxn modelId="43" srcId="4" destId="41" srcOrd="0" destOrd="0"/>
+      </dgm:cxnLst>
+      <dgm:bg/>
+      <dgm:whole/>
+    </dgm:dataModel>
+  </dgm:clrData>
+  <dgm:layoutNode name="diagram">
+    <dgm:varLst>
+      <dgm:chPref val="1"/>
+      <dgm:dir/>
+      <dgm:animOne val="branch"/>
+      <dgm:animLvl val="lvl"/>
+      <dgm:resizeHandles/>
+    </dgm:varLst>
+    <dgm:choose name="Name0">
+      <dgm:if name="Name1" func="var" arg="dir" op="equ" val="norm">
+        <dgm:alg type="hierChild">
+          <dgm:param type="linDir" val="fromL"/>
+        </dgm:alg>
+      </dgm:if>
+      <dgm:else name="Name2">
+        <dgm:alg type="hierChild">
+          <dgm:param type="linDir" val="fromR"/>
+        </dgm:alg>
+      </dgm:else>
+    </dgm:choose>
+    <dgm:shape xmlns:r="http://schemas.openxmlformats.org/officeDocument/2006/relationships" r:blip="">
+      <dgm:adjLst/>
+    </dgm:shape>
+    <dgm:presOf/>
+    <dgm:constrLst>
+      <dgm:constr type="primFontSz" for="des" forName="rootText" op="equ" val="65"/>
+      <dgm:constr type="primFontSz" for="des" forName="childText" op="equ" val="65"/>
+      <dgm:constr type="w" for="des" forName="rootComposite" refType="w"/>
+      <dgm:constr type="h" for="des" forName="rootComposite" refType="w" fact="0.5"/>
+      <dgm:constr type="w" for="des" forName="childText" refType="w" refFor="des" refForName="rootComposite" fact="0.8"/>
+      <dgm:constr type="h" for="des" forName="childText" refType="h" refFor="des" refForName="rootComposite"/>
+      <dgm:constr type="sibSp" refType="w" refFor="des" refForName="rootComposite" fact="0.25"/>
+      <dgm:constr type="sibSp" for="des" forName="childShape" refType="h" refFor="des" refForName="childText" fact="0.25"/>
+      <dgm:constr type="sp" for="des" forName="root" refType="h" refFor="des" refForName="childText" fact="0.25"/>
+    </dgm:constrLst>
+    <dgm:ruleLst/>
+    <dgm:forEach name="Name3" axis="ch">
+      <dgm:forEach name="Name4" axis="self" ptType="node" cnt="1">
+        <dgm:layoutNode name="root">
+          <dgm:choose name="Name5">
+            <dgm:if name="Name6" func="var" arg="dir" op="equ" val="norm">
+              <dgm:alg type="hierRoot">
+                <dgm:param type="hierAlign" val="tL"/>
+              </dgm:alg>
+            </dgm:if>
+            <dgm:else name="Name7">
+              <dgm:alg type="hierRoot">
+                <dgm:param type="hierAlign" val="tR"/>
+              </dgm:alg>
+            </dgm:else>
+          </dgm:choose>
+          <dgm:shape xmlns:r="http://schemas.openxmlformats.org/officeDocument/2006/relationships" r:blip="">
+            <dgm:adjLst/>
+          </dgm:shape>
+          <dgm:presOf/>
+          <dgm:constrLst>
+            <dgm:constr type="alignOff" val="0.2"/>
+          </dgm:constrLst>
+          <dgm:ruleLst/>
+          <dgm:layoutNode name="rootComposite">
+            <dgm:alg type="composite"/>
+            <dgm:shape xmlns:r="http://schemas.openxmlformats.org/officeDocument/2006/relationships" r:blip="">
+              <dgm:adjLst/>
+            </dgm:shape>
+            <dgm:presOf axis="self" ptType="node" cnt="1"/>
+            <dgm:choose name="Name8">
+              <dgm:if name="Name9" func="var" arg="dir" op="equ" val="norm">
+                <dgm:constrLst>
+                  <dgm:constr type="l" for="ch" forName="rootText"/>
+                  <dgm:constr type="t" for="ch" forName="rootText"/>
+                  <dgm:constr type="w" for="ch" forName="rootText" refType="w"/>
+                  <dgm:constr type="h" for="ch" forName="rootText" refType="h"/>
+                  <dgm:constr type="l" for="ch" forName="rootConnector"/>
+                  <dgm:constr type="t" for="ch" forName="rootConnector"/>
+                  <dgm:constr type="w" for="ch" forName="rootConnector" refType="w" refFor="ch" refForName="rootText" fact="0.2"/>
+                  <dgm:constr type="h" for="ch" forName="rootConnector" refType="h" refFor="ch" refForName="rootText"/>
+                </dgm:constrLst>
+              </dgm:if>
+              <dgm:else name="Name10">
+                <dgm:constrLst>
+                  <dgm:constr type="l" for="ch" forName="rootText"/>
+                  <dgm:constr type="t" for="ch" forName="rootText"/>
+                  <dgm:constr type="w" for="ch" forName="rootText" refType="w"/>
+                  <dgm:constr type="h" for="ch" forName="rootText" refType="h"/>
+                  <dgm:constr type="r" for="ch" forName="rootConnector" refType="w"/>
+                  <dgm:constr type="t" for="ch" forName="rootConnector"/>
+                  <dgm:constr type="w" for="ch" forName="rootConnector" refType="w" refFor="ch" refForName="rootText" fact="0.2"/>
+                  <dgm:constr type="h" for="ch" forName="rootConnector" refType="h" refFor="ch" refForName="rootText"/>
+                </dgm:constrLst>
+              </dgm:else>
+            </dgm:choose>
+            <dgm:ruleLst/>
+            <dgm:layoutNode name="rootText" styleLbl="node1">
+              <dgm:alg type="tx"/>
+              <dgm:shape xmlns:r="http://schemas.openxmlformats.org/officeDocument/2006/relationships" type="roundRect" r:blip="">
+                <dgm:adjLst>
+                  <dgm:adj idx="1" val="0.1"/>
+                </dgm:adjLst>
+              </dgm:shape>
+              <dgm:presOf axis="self" ptType="node" cnt="1"/>
+              <dgm:constrLst>
+                <dgm:constr type="tMarg" refType="primFontSz" fact="0.1"/>
+                <dgm:constr type="bMarg" refType="primFontSz" fact="0.1"/>
+                <dgm:constr type="lMarg" refType="primFontSz" fact="0.15"/>
+                <dgm:constr type="rMarg" refType="primFontSz" fact="0.15"/>
+              </dgm:constrLst>
+              <dgm:ruleLst>
+                <dgm:rule type="primFontSz" val="5" fact="NaN" max="NaN"/>
+              </dgm:ruleLst>
+            </dgm:layoutNode>
+            <dgm:layoutNode name="rootConnector" moveWith="rootText">
+              <dgm:alg type="sp"/>
+              <dgm:shape xmlns:r="http://schemas.openxmlformats.org/officeDocument/2006/relationships" type="roundRect" r:blip="" hideGeom="1">
+                <dgm:adjLst>
+                  <dgm:adj idx="1" val="0.1"/>
+                </dgm:adjLst>
+              </dgm:shape>
+              <dgm:presOf axis="self" ptType="node" cnt="1"/>
+              <dgm:constrLst/>
+              <dgm:ruleLst/>
+            </dgm:layoutNode>
+          </dgm:layoutNode>
+          <dgm:layoutNode name="childShape">
+            <dgm:alg type="hierChild">
+              <dgm:param type="chAlign" val="l"/>
+              <dgm:param type="linDir" val="fromT"/>
+            </dgm:alg>
+            <dgm:shape xmlns:r="http://schemas.openxmlformats.org/officeDocument/2006/relationships" r:blip="">
+              <dgm:adjLst/>
+            </dgm:shape>
+            <dgm:presOf/>
+            <dgm:constrLst/>
+            <dgm:ruleLst/>
+            <dgm:forEach name="Name11" axis="ch">
+              <dgm:forEach name="Name12" axis="self" ptType="parTrans" cnt="1">
+                <dgm:layoutNode name="Name13">
+                  <dgm:choose name="Name14">
+                    <dgm:if name="Name15" func="var" arg="dir" op="equ" val="norm">
+                      <dgm:alg type="conn">
+                        <dgm:param type="dim" val="1D"/>
+                        <dgm:param type="endSty" val="noArr"/>
+                        <dgm:param type="connRout" val="bend"/>
+                        <dgm:param type="srcNode" val="rootConnector"/>
+                        <dgm:param type="begPts" val="bCtr"/>
+                        <dgm:param type="endPts" val="midL"/>
+                      </dgm:alg>
+                    </dgm:if>
+                    <dgm:else name="Name16">
+                      <dgm:alg type="conn">
+                        <dgm:param type="dim" val="1D"/>
+                        <dgm:param type="endSty" val="noArr"/>
+                        <dgm:param type="connRout" val="bend"/>
+                        <dgm:param type="srcNode" val="rootConnector"/>
+                        <dgm:param type="begPts" val="bCtr"/>
+                        <dgm:param type="endPts" val="midR"/>
+                      </dgm:alg>
+                    </dgm:else>
+                  </dgm:choose>
+                  <dgm:shape xmlns:r="http://schemas.openxmlformats.org/officeDocument/2006/relationships" type="conn" r:blip="">
+                    <dgm:adjLst/>
+                  </dgm:shape>
+                  <dgm:presOf axis="self"/>
+                  <dgm:constrLst>
+                    <dgm:constr type="begPad"/>
+                    <dgm:constr type="endPad"/>
+                  </dgm:constrLst>
+                  <dgm:ruleLst/>
+                </dgm:layoutNode>
+              </dgm:forEach>
+              <dgm:forEach name="Name17" axis="self" ptType="node">
+                <dgm:layoutNode name="childText" styleLbl="bgAcc1">
+                  <dgm:varLst>
+                    <dgm:bulletEnabled val="1"/>
+                  </dgm:varLst>
+                  <dgm:alg type="tx"/>
+                  <dgm:shape xmlns:r="http://schemas.openxmlformats.org/officeDocument/2006/relationships" type="roundRect" r:blip="">
+                    <dgm:adjLst>
+                      <dgm:adj idx="1" val="0.1"/>
+                    </dgm:adjLst>
+                  </dgm:shape>
+                  <dgm:presOf axis="self desOrSelf" ptType="node node" st="1 1" cnt="1 0"/>
+                  <dgm:constrLst>
+                    <dgm:constr type="tMarg" refType="primFontSz" fact="0.1"/>
+                    <dgm:constr type="bMarg" refType="primFontSz" fact="0.1"/>
+                    <dgm:constr type="lMarg" refType="primFontSz" fact="0.15"/>
+                    <dgm:constr type="rMarg" refType="primFontSz" fact="0.15"/>
+                  </dgm:constrLst>
+                  <dgm:ruleLst>
+                    <dgm:rule type="primFontSz" val="5" fact="NaN" max="NaN"/>
+                  </dgm:ruleLst>
+                </dgm:layoutNode>
+              </dgm:forEach>
+            </dgm:forEach>
+          </dgm:layoutNode>
+        </dgm:layoutNode>
+      </dgm:forEach>
+    </dgm:forEach>
+  </dgm:layoutNode>
+</dgm:layoutDef>
+</file>
+
 <file path=ppt/diagrams/quickStyle1.xml><?xml version="1.0" encoding="utf-8"?>
+<dgm:styleDef xmlns:dgm="http://schemas.openxmlformats.org/drawingml/2006/diagram" xmlns:a="http://schemas.openxmlformats.org/drawingml/2006/main" uniqueId="urn:microsoft.com/office/officeart/2005/8/quickstyle/simple1">
+  <dgm:title val=""/>
+  <dgm:desc val=""/>
+  <dgm:catLst>
+    <dgm:cat type="simple" pri="10100"/>
+  </dgm:catLst>
+  <dgm:scene3d>
+    <a:camera prst="orthographicFront"/>
+    <a:lightRig rig="threePt" dir="t"/>
+  </dgm:scene3d>
+  <dgm:styleLbl name="node0">
+    <dgm:scene3d>
+      <a:camera prst="orthographicFront"/>
+      <a:lightRig rig="threePt" dir="t"/>
+    </dgm:scene3d>
+    <dgm:sp3d/>
+    <dgm:txPr/>
+    <dgm:style>
+      <a:lnRef idx="2">
+        <a:scrgbClr r="0" g="0" b="0"/>
+      </a:lnRef>
+      <a:fillRef idx="1">
+        <a:scrgbClr r="0" g="0" b="0"/>
+      </a:fillRef>
+      <a:effectRef idx="0">
+        <a:scrgbClr r="0" g="0" b="0"/>
+      </a:effectRef>
+      <a:fontRef idx="minor">
+        <a:schemeClr val="lt1"/>
+      </a:fontRef>
+    </dgm:style>
+  </dgm:styleLbl>
+  <dgm:styleLbl name="lnNode1">
+    <dgm:scene3d>
+      <a:camera prst="orthographicFront"/>
+      <a:lightRig rig="threePt" dir="t"/>
+    </dgm:scene3d>
+    <dgm:sp3d/>
+    <dgm:txPr/>
+    <dgm:style>
+      <a:lnRef idx="2">
+        <a:scrgbClr r="0" g="0" b="0"/>
+      </a:lnRef>
+      <a:fillRef idx="1">
+        <a:scrgbClr r="0" g="0" b="0"/>
+      </a:fillRef>
+      <a:effectRef idx="0">
+        <a:scrgbClr r="0" g="0" b="0"/>
+      </a:effectRef>
+      <a:fontRef idx="minor">
+        <a:schemeClr val="lt1"/>
+      </a:fontRef>
+    </dgm:style>
+  </dgm:styleLbl>
+  <dgm:styleLbl name="vennNode1">
+    <dgm:scene3d>
+      <a:camera prst="orthographicFront"/>
+      <a:lightRig rig="threePt" dir="t"/>
+    </dgm:scene3d>
+    <dgm:sp3d/>
+    <dgm:txPr/>
+    <dgm:style>
+      <a:lnRef idx="2">
+        <a:scrgbClr r="0" g="0" b="0"/>
+      </a:lnRef>
+      <a:fillRef idx="1">
+        <a:scrgbClr r="0" g="0" b="0"/>
+      </a:fillRef>
+      <a:effectRef idx="0">
+        <a:scrgbClr r="0" g="0" b="0"/>
+      </a:effectRef>
+      <a:fontRef idx="minor">
+        <a:schemeClr val="tx1"/>
+      </a:fontRef>
+    </dgm:style>
+  </dgm:styleLbl>
+  <dgm:styleLbl name="alignNode1">
+    <dgm:scene3d>
+      <a:camera prst="orthographicFront"/>
+      <a:lightRig rig="threePt" dir="t"/>
+    </dgm:scene3d>
+    <dgm:sp3d/>
+    <dgm:txPr/>
+    <dgm:style>
+      <a:lnRef idx="2">
+        <a:scrgbClr r="0" g="0" b="0"/>
+      </a:lnRef>
+      <a:fillRef idx="1">
+        <a:scrgbClr r="0" g="0" b="0"/>
+      </a:fillRef>
+      <a:effectRef idx="0">
+        <a:scrgbClr r="0" g="0" b="0"/>
+      </a:effectRef>
+      <a:fontRef idx="minor">
+        <a:schemeClr val="lt1"/>
+      </a:fontRef>
+    </dgm:style>
+  </dgm:styleLbl>
+  <dgm:styleLbl name="node1">
+    <dgm:scene3d>
+      <a:camera prst="orthographicFront"/>
+      <a:lightRig rig="threePt" dir="t"/>
+    </dgm:scene3d>
+    <dgm:sp3d/>
+    <dgm:txPr/>
+    <dgm:style>
+      <a:lnRef idx="2">
+        <a:scrgbClr r="0" g="0" b="0"/>
+      </a:lnRef>
+      <a:fillRef idx="1">
+        <a:scrgbClr r="0" g="0" b="0"/>
+      </a:fillRef>
+      <a:effectRef idx="0">
+        <a:scrgbClr r="0" g="0" b="0"/>
+      </a:effectRef>
+      <a:fontRef idx="minor">
+        <a:schemeClr val="lt1"/>
+      </a:fontRef>
+    </dgm:style>
+  </dgm:styleLbl>
+  <dgm:styleLbl name="node2">
+    <dgm:scene3d>
+      <a:camera prst="orthographicFront"/>
+      <a:lightRig rig="threePt" dir="t"/>
+    </dgm:scene3d>
+    <dgm:sp3d/>
+    <dgm:txPr/>
+    <dgm:style>
+      <a:lnRef idx="2">
+        <a:scrgbClr r="0" g="0" b="0"/>
+      </a:lnRef>
+      <a:fillRef idx="1">
+        <a:scrgbClr r="0" g="0" b="0"/>
+      </a:fillRef>
+      <a:effectRef idx="0">
+        <a:scrgbClr r="0" g="0" b="0"/>
+      </a:effectRef>
+      <a:fontRef idx="minor">
+        <a:schemeClr val="lt1"/>
+      </a:fontRef>
+    </dgm:style>
+  </dgm:styleLbl>
+  <dgm:styleLbl name="node3">
+    <dgm:scene3d>
+      <a:camera prst="orthographicFront"/>
+      <a:lightRig rig="threePt" dir="t"/>
+    </dgm:scene3d>
+    <dgm:sp3d/>
+    <dgm:txPr/>
+    <dgm:style>
+      <a:lnRef idx="2">
+        <a:scrgbClr r="0" g="0" b="0"/>
+      </a:lnRef>
+      <a:fillRef idx="1">
+        <a:scrgbClr r="0" g="0" b="0"/>
+      </a:fillRef>
+      <a:effectRef idx="0">
+        <a:scrgbClr r="0" g="0" b="0"/>
+      </a:effectRef>
+      <a:fontRef idx="minor">
+        <a:schemeClr val="lt1"/>
+      </a:fontRef>
+    </dgm:style>
+  </dgm:styleLbl>
+  <dgm:styleLbl name="node4">
+    <dgm:scene3d>
+      <a:camera prst="orthographicFront"/>
+      <a:lightRig rig="threePt" dir="t"/>
+    </dgm:scene3d>
+    <dgm:sp3d/>
+    <dgm:txPr/>
+    <dgm:style>
+      <a:lnRef idx="2">
+        <a:scrgbClr r="0" g="0" b="0"/>
+      </a:lnRef>
+      <a:fillRef idx="1">
+        <a:scrgbClr r="0" g="0" b="0"/>
+      </a:fillRef>
+      <a:effectRef idx="0">
+        <a:scrgbClr r="0" g="0" b="0"/>
+      </a:effectRef>
+      <a:fontRef idx="minor">
+        <a:schemeClr val="lt1"/>
+      </a:fontRef>
+    </dgm:style>
+  </dgm:styleLbl>
+  <dgm:styleLbl name="fgImgPlace1">
+    <dgm:scene3d>
+      <a:camera prst="orthographicFront"/>
+      <a:lightRig rig="threePt" dir="t"/>
+    </dgm:scene3d>
+    <dgm:sp3d/>
+    <dgm:txPr/>
+    <dgm:style>
+      <a:lnRef idx="2">
+        <a:scrgbClr r="0" g="0" b="0"/>
+      </a:lnRef>
+      <a:fillRef idx="1">
+        <a:scrgbClr r="0" g="0" b="0"/>
+      </a:fillRef>
+      <a:effectRef idx="0">
+        <a:scrgbClr r="0" g="0" b="0"/>
+      </a:effectRef>
+      <a:fontRef idx="minor"/>
+    </dgm:style>
+  </dgm:styleLbl>
+  <dgm:styleLbl name="alignImgPlace1">
+    <dgm:scene3d>
+      <a:camera prst="orthographicFront"/>
+      <a:lightRig rig="threePt" dir="t"/>
+    </dgm:scene3d>
+    <dgm:sp3d/>
+    <dgm:txPr/>
+    <dgm:style>
+      <a:lnRef idx="2">
+        <a:scrgbClr r="0" g="0" b="0"/>
+      </a:lnRef>
+      <a:fillRef idx="1">
+        <a:scrgbClr r="0" g="0" b="0"/>
+      </a:fillRef>
+      <a:effectRef idx="0">
+        <a:scrgbClr r="0" g="0" b="0"/>
+      </a:effectRef>
+      <a:fontRef idx="minor"/>
+    </dgm:style>
+  </dgm:styleLbl>
+  <dgm:styleLbl name="bgImgPlace1">
+    <dgm:scene3d>
+      <a:camera prst="orthographicFront"/>
+      <a:lightRig rig="threePt" dir="t"/>
+    </dgm:scene3d>
+    <dgm:sp3d/>
+    <dgm:txPr/>
+    <dgm:style>
+      <a:lnRef idx="2">
+        <a:scrgbClr r="0" g="0" b="0"/>
+      </a:lnRef>
+      <a:fillRef idx="1">
+        <a:scrgbClr r="0" g="0" b="0"/>
+      </a:fillRef>
+      <a:effectRef idx="0">
+        <a:scrgbClr r="0" g="0" b="0"/>
+      </a:effectRef>
+      <a:fontRef idx="minor"/>
+    </dgm:style>
+  </dgm:styleLbl>
+  <dgm:styleLbl name="sibTrans2D1">
+    <dgm:scene3d>
+      <a:camera prst="orthographicFront"/>
+      <a:lightRig rig="threePt" dir="t"/>
+    </dgm:scene3d>
+    <dgm:sp3d/>
+    <dgm:txPr/>
+    <dgm:style>
+      <a:lnRef idx="0">
+        <a:scrgbClr r="0" g="0" b="0"/>
+      </a:lnRef>
+      <a:fillRef idx="1">
+        <a:scrgbClr r="0" g="0" b="0"/>
+      </a:fillRef>
+      <a:effectRef idx="0">
+        <a:scrgbClr r="0" g="0" b="0"/>
+      </a:effectRef>
+      <a:fontRef idx="minor">
+        <a:schemeClr val="lt1"/>
+      </a:fontRef>
+    </dgm:style>
+  </dgm:styleLbl>
+  <dgm:styleLbl name="fgSibTrans2D1">
+    <dgm:scene3d>
+      <a:camera prst="orthographicFront"/>
+      <a:lightRig rig="threePt" dir="t"/>
+    </dgm:scene3d>
+    <dgm:sp3d/>
+    <dgm:txPr/>
+    <dgm:style>
+      <a:lnRef idx="0">
+        <a:scrgbClr r="0" g="0" b="0"/>
+      </a:lnRef>
+      <a:fillRef idx="1">
+        <a:scrgbClr r="0" g="0" b="0"/>
+      </a:fillRef>
+      <a:effectRef idx="0">
+        <a:scrgbClr r="0" g="0" b="0"/>
+      </a:effectRef>
+      <a:fontRef idx="minor">
+        <a:schemeClr val="lt1"/>
+      </a:fontRef>
+    </dgm:style>
+  </dgm:styleLbl>
+  <dgm:styleLbl name="bgSibTrans2D1">
+    <dgm:scene3d>
+      <a:camera prst="orthographicFront"/>
+      <a:lightRig rig="threePt" dir="t"/>
+    </dgm:scene3d>
+    <dgm:sp3d/>
+    <dgm:txPr/>
+    <dgm:style>
+      <a:lnRef idx="0">
+        <a:scrgbClr r="0" g="0" b="0"/>
+      </a:lnRef>
+      <a:fillRef idx="1">
+        <a:scrgbClr r="0" g="0" b="0"/>
+      </a:fillRef>
+      <a:effectRef idx="0">
+        <a:scrgbClr r="0" g="0" b="0"/>
+      </a:effectRef>
+      <a:fontRef idx="minor">
+        <a:schemeClr val="lt1"/>
+      </a:fontRef>
+    </dgm:style>
+  </dgm:styleLbl>
+  <dgm:styleLbl name="sibTrans1D1">
+    <dgm:scene3d>
+      <a:camera prst="orthographicFront"/>
+      <a:lightRig rig="threePt" dir="t"/>
+    </dgm:scene3d>
+    <dgm:sp3d/>
+    <dgm:txPr/>
+    <dgm:style>
+      <a:lnRef idx="1">
+        <a:scrgbClr r="0" g="0" b="0"/>
+      </a:lnRef>
+      <a:fillRef idx="0">
+        <a:scrgbClr r="0" g="0" b="0"/>
+      </a:fillRef>
+      <a:effectRef idx="0">
+        <a:scrgbClr r="0" g="0" b="0"/>
+      </a:effectRef>
+      <a:fontRef idx="minor"/>
+    </dgm:style>
+  </dgm:styleLbl>
+  <dgm:styleLbl name="callout">
+    <dgm:scene3d>
+      <a:camera prst="orthographicFront"/>
+      <a:lightRig rig="threePt" dir="t"/>
+    </dgm:scene3d>
+    <dgm:sp3d/>
+    <dgm:txPr/>
+    <dgm:style>
+      <a:lnRef idx="2">
+        <a:scrgbClr r="0" g="0" b="0"/>
+      </a:lnRef>
+      <a:fillRef idx="1">
+        <a:scrgbClr r="0" g="0" b="0"/>
+      </a:fillRef>
+      <a:effectRef idx="0">
+        <a:scrgbClr r="0" g="0" b="0"/>
+      </a:effectRef>
+      <a:fontRef idx="minor"/>
+    </dgm:style>
+  </dgm:styleLbl>
+  <dgm:styleLbl name="asst0">
+    <dgm:scene3d>
+      <a:camera prst="orthographicFront"/>
+      <a:lightRig rig="threePt" dir="t"/>
+    </dgm:scene3d>
+    <dgm:sp3d/>
+    <dgm:txPr/>
+    <dgm:style>
+      <a:lnRef idx="2">
+        <a:scrgbClr r="0" g="0" b="0"/>
+      </a:lnRef>
+      <a:fillRef idx="1">
+        <a:scrgbClr r="0" g="0" b="0"/>
+      </a:fillRef>
+      <a:effectRef idx="0">
+        <a:scrgbClr r="0" g="0" b="0"/>
+      </a:effectRef>
+      <a:fontRef idx="minor">
+        <a:schemeClr val="lt1"/>
+      </a:fontRef>
+    </dgm:style>
+  </dgm:styleLbl>
+  <dgm:styleLbl name="asst1">
+    <dgm:scene3d>
+      <a:camera prst="orthographicFront"/>
+      <a:lightRig rig="threePt" dir="t"/>
+    </dgm:scene3d>
+    <dgm:sp3d/>
+    <dgm:txPr/>
+    <dgm:style>
+      <a:lnRef idx="2">
+        <a:scrgbClr r="0" g="0" b="0"/>
+      </a:lnRef>
+      <a:fillRef idx="1">
+        <a:scrgbClr r="0" g="0" b="0"/>
+      </a:fillRef>
+      <a:effectRef idx="0">
+        <a:scrgbClr r="0" g="0" b="0"/>
+      </a:effectRef>
+      <a:fontRef idx="minor">
+        <a:schemeClr val="lt1"/>
+      </a:fontRef>
+    </dgm:style>
+  </dgm:styleLbl>
+  <dgm:styleLbl name="asst2">
+    <dgm:scene3d>
+      <a:camera prst="orthographicFront"/>
+      <a:lightRig rig="threePt" dir="t"/>
+    </dgm:scene3d>
+    <dgm:sp3d/>
+    <dgm:txPr/>
+    <dgm:style>
+      <a:lnRef idx="2">
+        <a:scrgbClr r="0" g="0" b="0"/>
+      </a:lnRef>
+      <a:fillRef idx="1">
+        <a:scrgbClr r="0" g="0" b="0"/>
+      </a:fillRef>
+      <a:effectRef idx="0">
+        <a:scrgbClr r="0" g="0" b="0"/>
+      </a:effectRef>
+      <a:fontRef idx="minor">
+        <a:schemeClr val="lt1"/>
+      </a:fontRef>
+    </dgm:style>
+  </dgm:styleLbl>
+  <dgm:styleLbl name="asst3">
+    <dgm:scene3d>
+      <a:camera prst="orthographicFront"/>
+      <a:lightRig rig="threePt" dir="t"/>
+    </dgm:scene3d>
+    <dgm:sp3d/>
+    <dgm:txPr/>
+    <dgm:style>
+      <a:lnRef idx="2">
+        <a:scrgbClr r="0" g="0" b="0"/>
+      </a:lnRef>
+      <a:fillRef idx="1">
+        <a:scrgbClr r="0" g="0" b="0"/>
+      </a:fillRef>
+      <a:effectRef idx="0">
+        <a:scrgbClr r="0" g="0" b="0"/>
+      </a:effectRef>
+      <a:fontRef idx="minor">
+        <a:schemeClr val="lt1"/>
+      </a:fontRef>
+    </dgm:style>
+  </dgm:styleLbl>
+  <dgm:styleLbl name="asst4">
+    <dgm:scene3d>
+      <a:camera prst="orthographicFront"/>
+      <a:lightRig rig="threePt" dir="t"/>
+    </dgm:scene3d>
+    <dgm:sp3d/>
+    <dgm:txPr/>
+    <dgm:style>
+      <a:lnRef idx="2">
+        <a:scrgbClr r="0" g="0" b="0"/>
+      </a:lnRef>
+      <a:fillRef idx="1">
+        <a:scrgbClr r="0" g="0" b="0"/>
+      </a:fillRef>
+      <a:effectRef idx="0">
+        <a:scrgbClr r="0" g="0" b="0"/>
+      </a:effectRef>
+      <a:fontRef idx="minor">
+        <a:schemeClr val="lt1"/>
+      </a:fontRef>
+    </dgm:style>
+  </dgm:styleLbl>
+  <dgm:styleLbl name="parChTrans2D1">
+    <dgm:scene3d>
+      <a:camera prst="orthographicFront"/>
+      <a:lightRig rig="threePt" dir="t"/>
+    </dgm:scene3d>
+    <dgm:sp3d/>
+    <dgm:txPr/>
+    <dgm:style>
+      <a:lnRef idx="2">
+        <a:scrgbClr r="0" g="0" b="0"/>
+      </a:lnRef>
+      <a:fillRef idx="1">
+        <a:scrgbClr r="0" g="0" b="0"/>
+      </a:fillRef>
+      <a:effectRef idx="0">
+        <a:scrgbClr r="0" g="0" b="0"/>
+      </a:effectRef>
+      <a:fontRef idx="minor">
+        <a:schemeClr val="lt1"/>
+      </a:fontRef>
+    </dgm:style>
+  </dgm:styleLbl>
+  <dgm:styleLbl name="parChTrans2D2">
+    <dgm:scene3d>
+      <a:camera prst="orthographicFront"/>
+      <a:lightRig rig="threePt" dir="t"/>
+    </dgm:scene3d>
+    <dgm:sp3d/>
+    <dgm:txPr/>
+    <dgm:style>
+      <a:lnRef idx="2">
+        <a:scrgbClr r="0" g="0" b="0"/>
+      </a:lnRef>
+      <a:fillRef idx="1">
+        <a:scrgbClr r="0" g="0" b="0"/>
+      </a:fillRef>
+      <a:effectRef idx="0">
+        <a:scrgbClr r="0" g="0" b="0"/>
+      </a:effectRef>
+      <a:fontRef idx="minor">
+        <a:schemeClr val="lt1"/>
+      </a:fontRef>
+    </dgm:style>
+  </dgm:styleLbl>
+  <dgm:styleLbl name="parChTrans2D3">
+    <dgm:scene3d>
+      <a:camera prst="orthographicFront"/>
+      <a:lightRig rig="threePt" dir="t"/>
+    </dgm:scene3d>
+    <dgm:sp3d/>
+    <dgm:txPr/>
+    <dgm:style>
+      <a:lnRef idx="2">
+        <a:scrgbClr r="0" g="0" b="0"/>
+      </a:lnRef>
+      <a:fillRef idx="1">
+        <a:scrgbClr r="0" g="0" b="0"/>
+      </a:fillRef>
+      <a:effectRef idx="0">
+        <a:scrgbClr r="0" g="0" b="0"/>
+      </a:effectRef>
+      <a:fontRef idx="minor">
+        <a:schemeClr val="lt1"/>
+      </a:fontRef>
+    </dgm:style>
+  </dgm:styleLbl>
+  <dgm:styleLbl name="parChTrans2D4">
+    <dgm:scene3d>
+      <a:camera prst="orthographicFront"/>
+      <a:lightRig rig="threePt" dir="t"/>
+    </dgm:scene3d>
+    <dgm:sp3d/>
+    <dgm:txPr/>
+    <dgm:style>
+      <a:lnRef idx="2">
+        <a:scrgbClr r="0" g="0" b="0"/>
+      </a:lnRef>
+      <a:fillRef idx="1">
+        <a:scrgbClr r="0" g="0" b="0"/>
+      </a:fillRef>
+      <a:effectRef idx="0">
+        <a:scrgbClr r="0" g="0" b="0"/>
+      </a:effectRef>
+      <a:fontRef idx="minor">
+        <a:schemeClr val="lt1"/>
+      </a:fontRef>
+    </dgm:style>
+  </dgm:styleLbl>
+  <dgm:styleLbl name="parChTrans1D1">
+    <dgm:scene3d>
+      <a:camera prst="orthographicFront"/>
+      <a:lightRig rig="threePt" dir="t"/>
+    </dgm:scene3d>
+    <dgm:sp3d/>
+    <dgm:txPr/>
+    <dgm:style>
+      <a:lnRef idx="2">
+        <a:scrgbClr r="0" g="0" b="0"/>
+      </a:lnRef>
+      <a:fillRef idx="0">
+        <a:scrgbClr r="0" g="0" b="0"/>
+      </a:fillRef>
+      <a:effectRef idx="0">
+        <a:scrgbClr r="0" g="0" b="0"/>
+      </a:effectRef>
+      <a:fontRef idx="minor"/>
+    </dgm:style>
+  </dgm:styleLbl>
+  <dgm:styleLbl name="parChTrans1D2">
+    <dgm:scene3d>
+      <a:camera prst="orthographicFront"/>
+      <a:lightRig rig="threePt" dir="t"/>
+    </dgm:scene3d>
+    <dgm:sp3d/>
+    <dgm:txPr/>
+    <dgm:style>
+      <a:lnRef idx="2">
+        <a:scrgbClr r="0" g="0" b="0"/>
+      </a:lnRef>
+      <a:fillRef idx="0">
+        <a:scrgbClr r="0" g="0" b="0"/>
+      </a:fillRef>
+      <a:effectRef idx="0">
+        <a:scrgbClr r="0" g="0" b="0"/>
+      </a:effectRef>
+      <a:fontRef idx="minor"/>
+    </dgm:style>
+  </dgm:styleLbl>
+  <dgm:styleLbl name="parChTrans1D3">
+    <dgm:scene3d>
+      <a:camera prst="orthographicFront"/>
+      <a:lightRig rig="threePt" dir="t"/>
+    </dgm:scene3d>
+    <dgm:sp3d/>
+    <dgm:txPr/>
+    <dgm:style>
+      <a:lnRef idx="2">
+        <a:scrgbClr r="0" g="0" b="0"/>
+      </a:lnRef>
+      <a:fillRef idx="0">
+        <a:scrgbClr r="0" g="0" b="0"/>
+      </a:fillRef>
+      <a:effectRef idx="0">
+        <a:scrgbClr r="0" g="0" b="0"/>
+      </a:effectRef>
+      <a:fontRef idx="minor"/>
+    </dgm:style>
+  </dgm:styleLbl>
+  <dgm:styleLbl name="parChTrans1D4">
+    <dgm:scene3d>
+      <a:camera prst="orthographicFront"/>
+      <a:lightRig rig="threePt" dir="t"/>
+    </dgm:scene3d>
+    <dgm:sp3d/>
+    <dgm:txPr/>
+    <dgm:style>
+      <a:lnRef idx="2">
+        <a:scrgbClr r="0" g="0" b="0"/>
+      </a:lnRef>
+      <a:fillRef idx="0">
+        <a:scrgbClr r="0" g="0" b="0"/>
+      </a:fillRef>
+      <a:effectRef idx="0">
+        <a:scrgbClr r="0" g="0" b="0"/>
+      </a:effectRef>
+      <a:fontRef idx="minor"/>
+    </dgm:style>
+  </dgm:styleLbl>
+  <dgm:styleLbl name="fgAcc1">
+    <dgm:scene3d>
+      <a:camera prst="orthographicFront"/>
+      <a:lightRig rig="threePt" dir="t"/>
+    </dgm:scene3d>
+    <dgm:sp3d/>
+    <dgm:txPr/>
+    <dgm:style>
+      <a:lnRef idx="2">
+        <a:scrgbClr r="0" g="0" b="0"/>
+      </a:lnRef>
+      <a:fillRef idx="1">
+        <a:scrgbClr r="0" g="0" b="0"/>
+      </a:fillRef>
+      <a:effectRef idx="0">
+        <a:scrgbClr r="0" g="0" b="0"/>
+      </a:effectRef>
+      <a:fontRef idx="minor"/>
+    </dgm:style>
+  </dgm:styleLbl>
+  <dgm:styleLbl name="conFgAcc1">
+    <dgm:scene3d>
+      <a:camera prst="orthographicFront"/>
+      <a:lightRig rig="threePt" dir="t"/>
+    </dgm:scene3d>
+    <dgm:sp3d/>
+    <dgm:txPr/>
+    <dgm:style>
+      <a:lnRef idx="2">
+        <a:scrgbClr r="0" g="0" b="0"/>
+      </a:lnRef>
+      <a:fillRef idx="1">
+        <a:scrgbClr r="0" g="0" b="0"/>
+      </a:fillRef>
+      <a:effectRef idx="0">
+        <a:scrgbClr r="0" g="0" b="0"/>
+      </a:effectRef>
+      <a:fontRef idx="minor"/>
+    </dgm:style>
+  </dgm:styleLbl>
+  <dgm:styleLbl name="alignAcc1">
+    <dgm:scene3d>
+      <a:camera prst="orthographicFront"/>
+      <a:lightRig rig="threePt" dir="t"/>
+    </dgm:scene3d>
+    <dgm:sp3d/>
+    <dgm:txPr/>
+    <dgm:style>
+      <a:lnRef idx="2">
+        <a:scrgbClr r="0" g="0" b="0"/>
+      </a:lnRef>
+      <a:fillRef idx="1">
+        <a:scrgbClr r="0" g="0" b="0"/>
+      </a:fillRef>
+      <a:effectRef idx="0">
+        <a:scrgbClr r="0" g="0" b="0"/>
+      </a:effectRef>
+      <a:fontRef idx="minor"/>
+    </dgm:style>
+  </dgm:styleLbl>
+  <dgm:styleLbl name="trAlignAcc1">
+    <dgm:scene3d>
+      <a:camera prst="orthographicFront"/>
+      <a:lightRig rig="threePt" dir="t"/>
+    </dgm:scene3d>
+    <dgm:sp3d/>
+    <dgm:txPr/>
+    <dgm:style>
+      <a:lnRef idx="1">
+        <a:scrgbClr r="0" g="0" b="0"/>
+      </a:lnRef>
+      <a:fillRef idx="1">
+        <a:scrgbClr r="0" g="0" b="0"/>
+      </a:fillRef>
+      <a:effectRef idx="0">
+        <a:scrgbClr r="0" g="0" b="0"/>
+      </a:effectRef>
+      <a:fontRef idx="minor"/>
+    </dgm:style>
+  </dgm:styleLbl>
+  <dgm:styleLbl name="bgAcc1">
+    <dgm:scene3d>
+      <a:camera prst="orthographicFront"/>
+      <a:lightRig rig="threePt" dir="t"/>
+    </dgm:scene3d>
+    <dgm:sp3d/>
+    <dgm:txPr/>
+    <dgm:style>
+      <a:lnRef idx="2">
+        <a:scrgbClr r="0" g="0" b="0"/>
+      </a:lnRef>
+      <a:fillRef idx="1">
+        <a:scrgbClr r="0" g="0" b="0"/>
+      </a:fillRef>
+      <a:effectRef idx="0">
+        <a:scrgbClr r="0" g="0" b="0"/>
+      </a:effectRef>
+      <a:fontRef idx="minor"/>
+    </dgm:style>
+  </dgm:styleLbl>
+  <dgm:styleLbl name="solidFgAcc1">
+    <dgm:scene3d>
+      <a:camera prst="orthographicFront"/>
+      <a:lightRig rig="threePt" dir="t"/>
+    </dgm:scene3d>
+    <dgm:sp3d/>
+    <dgm:txPr/>
+    <dgm:style>
+      <a:lnRef idx="2">
+        <a:scrgbClr r="0" g="0" b="0"/>
+      </a:lnRef>
+      <a:fillRef idx="1">
+        <a:scrgbClr r="0" g="0" b="0"/>
+      </a:fillRef>
+      <a:effectRef idx="0">
+        <a:scrgbClr r="0" g="0" b="0"/>
+      </a:effectRef>
+      <a:fontRef idx="minor"/>
+    </dgm:style>
+  </dgm:styleLbl>
+  <dgm:styleLbl name="solidAlignAcc1">
+    <dgm:scene3d>
+      <a:camera prst="orthographicFront"/>
+      <a:lightRig rig="threePt" dir="t"/>
+    </dgm:scene3d>
+    <dgm:sp3d/>
+    <dgm:txPr/>
+    <dgm:style>
+      <a:lnRef idx="2">
+        <a:scrgbClr r="0" g="0" b="0"/>
+      </a:lnRef>
+      <a:fillRef idx="1">
+        <a:scrgbClr r="0" g="0" b="0"/>
+      </a:fillRef>
+      <a:effectRef idx="0">
+        <a:scrgbClr r="0" g="0" b="0"/>
+      </a:effectRef>
+      <a:fontRef idx="minor"/>
+    </dgm:style>
+  </dgm:styleLbl>
+  <dgm:styleLbl name="solidBgAcc1">
+    <dgm:scene3d>
+      <a:camera prst="orthographicFront"/>
+      <a:lightRig rig="threePt" dir="t"/>
+    </dgm:scene3d>
+    <dgm:sp3d/>
+    <dgm:txPr/>
+    <dgm:style>
+      <a:lnRef idx="2">
+        <a:scrgbClr r="0" g="0" b="0"/>
+      </a:lnRef>
+      <a:fillRef idx="1">
+        <a:scrgbClr r="0" g="0" b="0"/>
+      </a:fillRef>
+      <a:effectRef idx="0">
+        <a:scrgbClr r="0" g="0" b="0"/>
+      </a:effectRef>
+      <a:fontRef idx="minor"/>
+    </dgm:style>
+  </dgm:styleLbl>
+  <dgm:styleLbl name="fgAccFollowNode1">
+    <dgm:scene3d>
+      <a:camera prst="orthographicFront"/>
+      <a:lightRig rig="threePt" dir="t"/>
+    </dgm:scene3d>
+    <dgm:sp3d/>
+    <dgm:txPr/>
+    <dgm:style>
+      <a:lnRef idx="2">
+        <a:scrgbClr r="0" g="0" b="0"/>
+      </a:lnRef>
+      <a:fillRef idx="1">
+        <a:scrgbClr r="0" g="0" b="0"/>
+      </a:fillRef>
+      <a:effectRef idx="0">
+        <a:scrgbClr r="0" g="0" b="0"/>
+      </a:effectRef>
+      <a:fontRef idx="minor"/>
+    </dgm:style>
+  </dgm:styleLbl>
+  <dgm:styleLbl name="alignAccFollowNode1">
+    <dgm:scene3d>
+      <a:camera prst="orthographicFront"/>
+      <a:lightRig rig="threePt" dir="t"/>
+    </dgm:scene3d>
+    <dgm:sp3d/>
+    <dgm:txPr/>
+    <dgm:style>
+      <a:lnRef idx="2">
+        <a:scrgbClr r="0" g="0" b="0"/>
+      </a:lnRef>
+      <a:fillRef idx="1">
+        <a:scrgbClr r="0" g="0" b="0"/>
+      </a:fillRef>
+      <a:effectRef idx="0">
+        <a:scrgbClr r="0" g="0" b="0"/>
+      </a:effectRef>
+      <a:fontRef idx="minor"/>
+    </dgm:style>
+  </dgm:styleLbl>
+  <dgm:styleLbl name="bgAccFollowNode1">
+    <dgm:scene3d>
+      <a:camera prst="orthographicFront"/>
+      <a:lightRig rig="threePt" dir="t"/>
+    </dgm:scene3d>
+    <dgm:sp3d/>
+    <dgm:txPr/>
+    <dgm:style>
+      <a:lnRef idx="2">
+        <a:scrgbClr r="0" g="0" b="0"/>
+      </a:lnRef>
+      <a:fillRef idx="1">
+        <a:scrgbClr r="0" g="0" b="0"/>
+      </a:fillRef>
+      <a:effectRef idx="0">
+        <a:scrgbClr r="0" g="0" b="0"/>
+      </a:effectRef>
+      <a:fontRef idx="minor"/>
+    </dgm:style>
+  </dgm:styleLbl>
+  <dgm:styleLbl name="fgAcc0">
+    <dgm:scene3d>
+      <a:camera prst="orthographicFront"/>
+      <a:lightRig rig="threePt" dir="t"/>
+    </dgm:scene3d>
+    <dgm:sp3d/>
+    <dgm:txPr/>
+    <dgm:style>
+      <a:lnRef idx="2">
+        <a:scrgbClr r="0" g="0" b="0"/>
+      </a:lnRef>
+      <a:fillRef idx="1">
+        <a:scrgbClr r="0" g="0" b="0"/>
+      </a:fillRef>
+      <a:effectRef idx="0">
+        <a:scrgbClr r="0" g="0" b="0"/>
+      </a:effectRef>
+      <a:fontRef idx="minor"/>
+    </dgm:style>
+  </dgm:styleLbl>
+  <dgm:styleLbl name="fgAcc2">
+    <dgm:scene3d>
+      <a:camera prst="orthographicFront"/>
+      <a:lightRig rig="threePt" dir="t"/>
+    </dgm:scene3d>
+    <dgm:sp3d/>
+    <dgm:txPr/>
+    <dgm:style>
+      <a:lnRef idx="2">
+        <a:scrgbClr r="0" g="0" b="0"/>
+      </a:lnRef>
+      <a:fillRef idx="1">
+        <a:scrgbClr r="0" g="0" b="0"/>
+      </a:fillRef>
+      <a:effectRef idx="0">
+        <a:scrgbClr r="0" g="0" b="0"/>
+      </a:effectRef>
+      <a:fontRef idx="minor"/>
+    </dgm:style>
+  </dgm:styleLbl>
+  <dgm:styleLbl name="fgAcc3">
+    <dgm:scene3d>
+      <a:camera prst="orthographicFront"/>
+      <a:lightRig rig="threePt" dir="t"/>
+    </dgm:scene3d>
+    <dgm:sp3d/>
+    <dgm:txPr/>
+    <dgm:style>
+      <a:lnRef idx="2">
+        <a:scrgbClr r="0" g="0" b="0"/>
+      </a:lnRef>
+      <a:fillRef idx="1">
+        <a:scrgbClr r="0" g="0" b="0"/>
+      </a:fillRef>
+      <a:effectRef idx="0">
+        <a:scrgbClr r="0" g="0" b="0"/>
+      </a:effectRef>
+      <a:fontRef idx="minor"/>
+    </dgm:style>
+  </dgm:styleLbl>
+  <dgm:styleLbl name="fgAcc4">
+    <dgm:scene3d>
+      <a:camera prst="orthographicFront"/>
+      <a:lightRig rig="threePt" dir="t"/>
+    </dgm:scene3d>
+    <dgm:sp3d/>
+    <dgm:txPr/>
+    <dgm:style>
+      <a:lnRef idx="2">
+        <a:scrgbClr r="0" g="0" b="0"/>
+      </a:lnRef>
+      <a:fillRef idx="1">
+        <a:scrgbClr r="0" g="0" b="0"/>
+      </a:fillRef>
+      <a:effectRef idx="0">
+        <a:scrgbClr r="0" g="0" b="0"/>
+      </a:effectRef>
+      <a:fontRef idx="minor"/>
+    </dgm:style>
+  </dgm:styleLbl>
+  <dgm:styleLbl name="bgShp">
+    <dgm:scene3d>
+      <a:camera prst="orthographicFront"/>
+      <a:lightRig rig="threePt" dir="t"/>
+    </dgm:scene3d>
+    <dgm:sp3d/>
+    <dgm:txPr/>
+    <dgm:style>
+      <a:lnRef idx="0">
+        <a:scrgbClr r="0" g="0" b="0"/>
+      </a:lnRef>
+      <a:fillRef idx="1">
+        <a:scrgbClr r="0" g="0" b="0"/>
+      </a:fillRef>
+      <a:effectRef idx="0">
+        <a:scrgbClr r="0" g="0" b="0"/>
+      </a:effectRef>
+      <a:fontRef idx="minor"/>
+    </dgm:style>
+  </dgm:styleLbl>
+  <dgm:styleLbl name="dkBgShp">
+    <dgm:scene3d>
+      <a:camera prst="orthographicFront"/>
+      <a:lightRig rig="threePt" dir="t"/>
+    </dgm:scene3d>
+    <dgm:sp3d/>
+    <dgm:txPr/>
+    <dgm:style>
+      <a:lnRef idx="0">
+        <a:scrgbClr r="0" g="0" b="0"/>
+      </a:lnRef>
+      <a:fillRef idx="1">
+        <a:scrgbClr r="0" g="0" b="0"/>
+      </a:fillRef>
+      <a:effectRef idx="0">
+        <a:scrgbClr r="0" g="0" b="0"/>
+      </a:effectRef>
+      <a:fontRef idx="minor"/>
+    </dgm:style>
+  </dgm:styleLbl>
+  <dgm:styleLbl name="trBgShp">
+    <dgm:scene3d>
+      <a:camera prst="orthographicFront"/>
+      <a:lightRig rig="threePt" dir="t"/>
+    </dgm:scene3d>
+    <dgm:sp3d/>
+    <dgm:txPr/>
+    <dgm:style>
+      <a:lnRef idx="0">
+        <a:scrgbClr r="0" g="0" b="0"/>
+      </a:lnRef>
+      <a:fillRef idx="1">
+        <a:scrgbClr r="0" g="0" b="0"/>
+      </a:fillRef>
+      <a:effectRef idx="0">
+        <a:scrgbClr r="0" g="0" b="0"/>
+      </a:effectRef>
+      <a:fontRef idx="minor"/>
+    </dgm:style>
+  </dgm:styleLbl>
+  <dgm:styleLbl name="fgShp">
+    <dgm:scene3d>
+      <a:camera prst="orthographicFront"/>
+      <a:lightRig rig="threePt" dir="t"/>
+    </dgm:scene3d>
+    <dgm:sp3d/>
+    <dgm:txPr/>
+    <dgm:style>
+      <a:lnRef idx="2">
+        <a:scrgbClr r="0" g="0" b="0"/>
+      </a:lnRef>
+      <a:fillRef idx="1">
+        <a:scrgbClr r="0" g="0" b="0"/>
+      </a:fillRef>
+      <a:effectRef idx="0">
+        <a:scrgbClr r="0" g="0" b="0"/>
+      </a:effectRef>
+      <a:fontRef idx="minor"/>
+    </dgm:style>
+  </dgm:styleLbl>
+  <dgm:styleLbl name="revTx">
+    <dgm:scene3d>
+      <a:camera prst="orthographicFront"/>
+      <a:lightRig rig="threePt" dir="t"/>
+    </dgm:scene3d>
+    <dgm:sp3d/>
+    <dgm:txPr/>
+    <dgm:style>
+      <a:lnRef idx="0">
+        <a:scrgbClr r="0" g="0" b="0"/>
+      </a:lnRef>
+      <a:fillRef idx="0">
+        <a:scrgbClr r="0" g="0" b="0"/>
+      </a:fillRef>
+      <a:effectRef idx="0">
+        <a:scrgbClr r="0" g="0" b="0"/>
+      </a:effectRef>
+      <a:fontRef idx="minor"/>
+    </dgm:style>
+  </dgm:styleLbl>
+</dgm:styleDef>
+</file>
+
+<file path=ppt/diagrams/quickStyle2.xml><?xml version="1.0" encoding="utf-8"?>
+<dgm:styleDef xmlns:dgm="http://schemas.openxmlformats.org/drawingml/2006/diagram" xmlns:a="http://schemas.openxmlformats.org/drawingml/2006/main" uniqueId="urn:microsoft.com/office/officeart/2005/8/quickstyle/simple1">
+  <dgm:title val=""/>
+  <dgm:desc val=""/>
+  <dgm:catLst>
+    <dgm:cat type="simple" pri="10100"/>
+  </dgm:catLst>
+  <dgm:scene3d>
+    <a:camera prst="orthographicFront"/>
+    <a:lightRig rig="threePt" dir="t"/>
+  </dgm:scene3d>
+  <dgm:styleLbl name="node0">
+    <dgm:scene3d>
+      <a:camera prst="orthographicFront"/>
+      <a:lightRig rig="threePt" dir="t"/>
+    </dgm:scene3d>
+    <dgm:sp3d/>
+    <dgm:txPr/>
+    <dgm:style>
+      <a:lnRef idx="2">
+        <a:scrgbClr r="0" g="0" b="0"/>
+      </a:lnRef>
+      <a:fillRef idx="1">
+        <a:scrgbClr r="0" g="0" b="0"/>
+      </a:fillRef>
+      <a:effectRef idx="0">
+        <a:scrgbClr r="0" g="0" b="0"/>
+      </a:effectRef>
+      <a:fontRef idx="minor">
+        <a:schemeClr val="lt1"/>
+      </a:fontRef>
+    </dgm:style>
+  </dgm:styleLbl>
+  <dgm:styleLbl name="lnNode1">
+    <dgm:scene3d>
+      <a:camera prst="orthographicFront"/>
+      <a:lightRig rig="threePt" dir="t"/>
+    </dgm:scene3d>
+    <dgm:sp3d/>
+    <dgm:txPr/>
+    <dgm:style>
+      <a:lnRef idx="2">
+        <a:scrgbClr r="0" g="0" b="0"/>
+      </a:lnRef>
+      <a:fillRef idx="1">
+        <a:scrgbClr r="0" g="0" b="0"/>
+      </a:fillRef>
+      <a:effectRef idx="0">
+        <a:scrgbClr r="0" g="0" b="0"/>
+      </a:effectRef>
+      <a:fontRef idx="minor">
+        <a:schemeClr val="lt1"/>
+      </a:fontRef>
+    </dgm:style>
+  </dgm:styleLbl>
+  <dgm:styleLbl name="vennNode1">
+    <dgm:scene3d>
+      <a:camera prst="orthographicFront"/>
+      <a:lightRig rig="threePt" dir="t"/>
+    </dgm:scene3d>
+    <dgm:sp3d/>
+    <dgm:txPr/>
+    <dgm:style>
+      <a:lnRef idx="2">
+        <a:scrgbClr r="0" g="0" b="0"/>
+      </a:lnRef>
+      <a:fillRef idx="1">
+        <a:scrgbClr r="0" g="0" b="0"/>
+      </a:fillRef>
+      <a:effectRef idx="0">
+        <a:scrgbClr r="0" g="0" b="0"/>
+      </a:effectRef>
+      <a:fontRef idx="minor">
+        <a:schemeClr val="tx1"/>
+      </a:fontRef>
+    </dgm:style>
+  </dgm:styleLbl>
+  <dgm:styleLbl name="alignNode1">
+    <dgm:scene3d>
+      <a:camera prst="orthographicFront"/>
+      <a:lightRig rig="threePt" dir="t"/>
+    </dgm:scene3d>
+    <dgm:sp3d/>
+    <dgm:txPr/>
+    <dgm:style>
+      <a:lnRef idx="2">
+        <a:scrgbClr r="0" g="0" b="0"/>
+      </a:lnRef>
+      <a:fillRef idx="1">
+        <a:scrgbClr r="0" g="0" b="0"/>
+      </a:fillRef>
+      <a:effectRef idx="0">
+        <a:scrgbClr r="0" g="0" b="0"/>
+      </a:effectRef>
+      <a:fontRef idx="minor">
+        <a:schemeClr val="lt1"/>
+      </a:fontRef>
+    </dgm:style>
+  </dgm:styleLbl>
+  <dgm:styleLbl name="node1">
+    <dgm:scene3d>
+      <a:camera prst="orthographicFront"/>
+      <a:lightRig rig="threePt" dir="t"/>
+    </dgm:scene3d>
+    <dgm:sp3d/>
+    <dgm:txPr/>
+    <dgm:style>
+      <a:lnRef idx="2">
+        <a:scrgbClr r="0" g="0" b="0"/>
+      </a:lnRef>
+      <a:fillRef idx="1">
+        <a:scrgbClr r="0" g="0" b="0"/>
+      </a:fillRef>
+      <a:effectRef idx="0">
+        <a:scrgbClr r="0" g="0" b="0"/>
+      </a:effectRef>
+      <a:fontRef idx="minor">
+        <a:schemeClr val="lt1"/>
+      </a:fontRef>
+    </dgm:style>
+  </dgm:styleLbl>
+  <dgm:styleLbl name="node2">
+    <dgm:scene3d>
+      <a:camera prst="orthographicFront"/>
+      <a:lightRig rig="threePt" dir="t"/>
+    </dgm:scene3d>
+    <dgm:sp3d/>
+    <dgm:txPr/>
+    <dgm:style>
+      <a:lnRef idx="2">
+        <a:scrgbClr r="0" g="0" b="0"/>
+      </a:lnRef>
+      <a:fillRef idx="1">
+        <a:scrgbClr r="0" g="0" b="0"/>
+      </a:fillRef>
+      <a:effectRef idx="0">
+        <a:scrgbClr r="0" g="0" b="0"/>
+      </a:effectRef>
+      <a:fontRef idx="minor">
+        <a:schemeClr val="lt1"/>
+      </a:fontRef>
+    </dgm:style>
+  </dgm:styleLbl>
+  <dgm:styleLbl name="node3">
+    <dgm:scene3d>
+      <a:camera prst="orthographicFront"/>
+      <a:lightRig rig="threePt" dir="t"/>
+    </dgm:scene3d>
+    <dgm:sp3d/>
+    <dgm:txPr/>
+    <dgm:style>
+      <a:lnRef idx="2">
+        <a:scrgbClr r="0" g="0" b="0"/>
+      </a:lnRef>
+      <a:fillRef idx="1">
+        <a:scrgbClr r="0" g="0" b="0"/>
+      </a:fillRef>
+      <a:effectRef idx="0">
+        <a:scrgbClr r="0" g="0" b="0"/>
+      </a:effectRef>
+      <a:fontRef idx="minor">
+        <a:schemeClr val="lt1"/>
+      </a:fontRef>
+    </dgm:style>
+  </dgm:styleLbl>
+  <dgm:styleLbl name="node4">
+    <dgm:scene3d>
+      <a:camera prst="orthographicFront"/>
+      <a:lightRig rig="threePt" dir="t"/>
+    </dgm:scene3d>
+    <dgm:sp3d/>
+    <dgm:txPr/>
+    <dgm:style>
+      <a:lnRef idx="2">
+        <a:scrgbClr r="0" g="0" b="0"/>
+      </a:lnRef>
+      <a:fillRef idx="1">
+        <a:scrgbClr r="0" g="0" b="0"/>
+      </a:fillRef>
+      <a:effectRef idx="0">
+        <a:scrgbClr r="0" g="0" b="0"/>
+      </a:effectRef>
+      <a:fontRef idx="minor">
+        <a:schemeClr val="lt1"/>
+      </a:fontRef>
+    </dgm:style>
+  </dgm:styleLbl>
+  <dgm:styleLbl name="fgImgPlace1">
+    <dgm:scene3d>
+      <a:camera prst="orthographicFront"/>
+      <a:lightRig rig="threePt" dir="t"/>
+    </dgm:scene3d>
+    <dgm:sp3d/>
+    <dgm:txPr/>
+    <dgm:style>
+      <a:lnRef idx="2">
+        <a:scrgbClr r="0" g="0" b="0"/>
+      </a:lnRef>
+      <a:fillRef idx="1">
+        <a:scrgbClr r="0" g="0" b="0"/>
+      </a:fillRef>
+      <a:effectRef idx="0">
+        <a:scrgbClr r="0" g="0" b="0"/>
+      </a:effectRef>
+      <a:fontRef idx="minor"/>
+    </dgm:style>
+  </dgm:styleLbl>
+  <dgm:styleLbl name="alignImgPlace1">
+    <dgm:scene3d>
+      <a:camera prst="orthographicFront"/>
+      <a:lightRig rig="threePt" dir="t"/>
+    </dgm:scene3d>
+    <dgm:sp3d/>
+    <dgm:txPr/>
+    <dgm:style>
+      <a:lnRef idx="2">
+        <a:scrgbClr r="0" g="0" b="0"/>
+      </a:lnRef>
+      <a:fillRef idx="1">
+        <a:scrgbClr r="0" g="0" b="0"/>
+      </a:fillRef>
+      <a:effectRef idx="0">
+        <a:scrgbClr r="0" g="0" b="0"/>
+      </a:effectRef>
+      <a:fontRef idx="minor"/>
+    </dgm:style>
+  </dgm:styleLbl>
+  <dgm:styleLbl name="bgImgPlace1">
+    <dgm:scene3d>
+      <a:camera prst="orthographicFront"/>
+      <a:lightRig rig="threePt" dir="t"/>
+    </dgm:scene3d>
+    <dgm:sp3d/>
+    <dgm:txPr/>
+    <dgm:style>
+      <a:lnRef idx="2">
+        <a:scrgbClr r="0" g="0" b="0"/>
+      </a:lnRef>
+      <a:fillRef idx="1">
+        <a:scrgbClr r="0" g="0" b="0"/>
+      </a:fillRef>
+      <a:effectRef idx="0">
+        <a:scrgbClr r="0" g="0" b="0"/>
+      </a:effectRef>
+      <a:fontRef idx="minor"/>
+    </dgm:style>
+  </dgm:styleLbl>
+  <dgm:styleLbl name="sibTrans2D1">
+    <dgm:scene3d>
+      <a:camera prst="orthographicFront"/>
+      <a:lightRig rig="threePt" dir="t"/>
+    </dgm:scene3d>
+    <dgm:sp3d/>
+    <dgm:txPr/>
+    <dgm:style>
+      <a:lnRef idx="0">
+        <a:scrgbClr r="0" g="0" b="0"/>
+      </a:lnRef>
+      <a:fillRef idx="1">
+        <a:scrgbClr r="0" g="0" b="0"/>
+      </a:fillRef>
+      <a:effectRef idx="0">
+        <a:scrgbClr r="0" g="0" b="0"/>
+      </a:effectRef>
+      <a:fontRef idx="minor">
+        <a:schemeClr val="lt1"/>
+      </a:fontRef>
+    </dgm:style>
+  </dgm:styleLbl>
+  <dgm:styleLbl name="fgSibTrans2D1">
+    <dgm:scene3d>
+      <a:camera prst="orthographicFront"/>
+      <a:lightRig rig="threePt" dir="t"/>
+    </dgm:scene3d>
+    <dgm:sp3d/>
+    <dgm:txPr/>
+    <dgm:style>
+      <a:lnRef idx="0">
+        <a:scrgbClr r="0" g="0" b="0"/>
+      </a:lnRef>
+      <a:fillRef idx="1">
+        <a:scrgbClr r="0" g="0" b="0"/>
+      </a:fillRef>
+      <a:effectRef idx="0">
+        <a:scrgbClr r="0" g="0" b="0"/>
+      </a:effectRef>
+      <a:fontRef idx="minor">
+        <a:schemeClr val="lt1"/>
+      </a:fontRef>
+    </dgm:style>
+  </dgm:styleLbl>
+  <dgm:styleLbl name="bgSibTrans2D1">
+    <dgm:scene3d>
+      <a:camera prst="orthographicFront"/>
+      <a:lightRig rig="threePt" dir="t"/>
+    </dgm:scene3d>
+    <dgm:sp3d/>
+    <dgm:txPr/>
+    <dgm:style>
+      <a:lnRef idx="0">
+        <a:scrgbClr r="0" g="0" b="0"/>
+      </a:lnRef>
+      <a:fillRef idx="1">
+        <a:scrgbClr r="0" g="0" b="0"/>
+      </a:fillRef>
+      <a:effectRef idx="0">
+        <a:scrgbClr r="0" g="0" b="0"/>
+      </a:effectRef>
+      <a:fontRef idx="minor">
+        <a:schemeClr val="lt1"/>
+      </a:fontRef>
+    </dgm:style>
+  </dgm:styleLbl>
+  <dgm:styleLbl name="sibTrans1D1">
+    <dgm:scene3d>
+      <a:camera prst="orthographicFront"/>
+      <a:lightRig rig="threePt" dir="t"/>
+    </dgm:scene3d>
+    <dgm:sp3d/>
+    <dgm:txPr/>
+    <dgm:style>
+      <a:lnRef idx="1">
+        <a:scrgbClr r="0" g="0" b="0"/>
+      </a:lnRef>
+      <a:fillRef idx="0">
+        <a:scrgbClr r="0" g="0" b="0"/>
+      </a:fillRef>
+      <a:effectRef idx="0">
+        <a:scrgbClr r="0" g="0" b="0"/>
+      </a:effectRef>
+      <a:fontRef idx="minor"/>
+    </dgm:style>
+  </dgm:styleLbl>
+  <dgm:styleLbl name="callout">
+    <dgm:scene3d>
+      <a:camera prst="orthographicFront"/>
+      <a:lightRig rig="threePt" dir="t"/>
+    </dgm:scene3d>
+    <dgm:sp3d/>
+    <dgm:txPr/>
+    <dgm:style>
+      <a:lnRef idx="2">
+        <a:scrgbClr r="0" g="0" b="0"/>
+      </a:lnRef>
+      <a:fillRef idx="1">
+        <a:scrgbClr r="0" g="0" b="0"/>
+      </a:fillRef>
+      <a:effectRef idx="0">
+        <a:scrgbClr r="0" g="0" b="0"/>
+      </a:effectRef>
+      <a:fontRef idx="minor"/>
+    </dgm:style>
+  </dgm:styleLbl>
+  <dgm:styleLbl name="asst0">
+    <dgm:scene3d>
+      <a:camera prst="orthographicFront"/>
+      <a:lightRig rig="threePt" dir="t"/>
+    </dgm:scene3d>
+    <dgm:sp3d/>
+    <dgm:txPr/>
+    <dgm:style>
+      <a:lnRef idx="2">
+        <a:scrgbClr r="0" g="0" b="0"/>
+      </a:lnRef>
+      <a:fillRef idx="1">
+        <a:scrgbClr r="0" g="0" b="0"/>
+      </a:fillRef>
+      <a:effectRef idx="0">
+        <a:scrgbClr r="0" g="0" b="0"/>
+      </a:effectRef>
+      <a:fontRef idx="minor">
+        <a:schemeClr val="lt1"/>
+      </a:fontRef>
+    </dgm:style>
+  </dgm:styleLbl>
+  <dgm:styleLbl name="asst1">
+    <dgm:scene3d>
+      <a:camera prst="orthographicFront"/>
+      <a:lightRig rig="threePt" dir="t"/>
+    </dgm:scene3d>
+    <dgm:sp3d/>
+    <dgm:txPr/>
+    <dgm:style>
+      <a:lnRef idx="2">
+        <a:scrgbClr r="0" g="0" b="0"/>
+      </a:lnRef>
+      <a:fillRef idx="1">
+        <a:scrgbClr r="0" g="0" b="0"/>
+      </a:fillRef>
+      <a:effectRef idx="0">
+        <a:scrgbClr r="0" g="0" b="0"/>
+      </a:effectRef>
+      <a:fontRef idx="minor">
+        <a:schemeClr val="lt1"/>
+      </a:fontRef>
+    </dgm:style>
+  </dgm:styleLbl>
+  <dgm:styleLbl name="asst2">
+    <dgm:scene3d>
+      <a:camera prst="orthographicFront"/>
+      <a:lightRig rig="threePt" dir="t"/>
+    </dgm:scene3d>
+    <dgm:sp3d/>
+    <dgm:txPr/>
+    <dgm:style>
+      <a:lnRef idx="2">
+        <a:scrgbClr r="0" g="0" b="0"/>
+      </a:lnRef>
+      <a:fillRef idx="1">
+        <a:scrgbClr r="0" g="0" b="0"/>
+      </a:fillRef>
+      <a:effectRef idx="0">
+        <a:scrgbClr r="0" g="0" b="0"/>
+      </a:effectRef>
+      <a:fontRef idx="minor">
+        <a:schemeClr val="lt1"/>
+      </a:fontRef>
+    </dgm:style>
+  </dgm:styleLbl>
+  <dgm:styleLbl name="asst3">
+    <dgm:scene3d>
+      <a:camera prst="orthographicFront"/>
+      <a:lightRig rig="threePt" dir="t"/>
+    </dgm:scene3d>
+    <dgm:sp3d/>
+    <dgm:txPr/>
+    <dgm:style>
+      <a:lnRef idx="2">
+        <a:scrgbClr r="0" g="0" b="0"/>
+      </a:lnRef>
+      <a:fillRef idx="1">
+        <a:scrgbClr r="0" g="0" b="0"/>
+      </a:fillRef>
+      <a:effectRef idx="0">
+        <a:scrgbClr r="0" g="0" b="0"/>
+      </a:effectRef>
+      <a:fontRef idx="minor">
+        <a:schemeClr val="lt1"/>
+      </a:fontRef>
+    </dgm:style>
+  </dgm:styleLbl>
+  <dgm:styleLbl name="asst4">
+    <dgm:scene3d>
+      <a:camera prst="orthographicFront"/>
+      <a:lightRig rig="threePt" dir="t"/>
+    </dgm:scene3d>
+    <dgm:sp3d/>
+    <dgm:txPr/>
+    <dgm:style>
+      <a:lnRef idx="2">
+        <a:scrgbClr r="0" g="0" b="0"/>
+      </a:lnRef>
+      <a:fillRef idx="1">
+        <a:scrgbClr r="0" g="0" b="0"/>
+      </a:fillRef>
+      <a:effectRef idx="0">
+        <a:scrgbClr r="0" g="0" b="0"/>
+      </a:effectRef>
+      <a:fontRef idx="minor">
+        <a:schemeClr val="lt1"/>
+      </a:fontRef>
+    </dgm:style>
+  </dgm:styleLbl>
+  <dgm:styleLbl name="parChTrans2D1">
+    <dgm:scene3d>
+      <a:camera prst="orthographicFront"/>
+      <a:lightRig rig="threePt" dir="t"/>
+    </dgm:scene3d>
+    <dgm:sp3d/>
+    <dgm:txPr/>
+    <dgm:style>
+      <a:lnRef idx="2">
+        <a:scrgbClr r="0" g="0" b="0"/>
+      </a:lnRef>
+      <a:fillRef idx="1">
+        <a:scrgbClr r="0" g="0" b="0"/>
+      </a:fillRef>
+      <a:effectRef idx="0">
+        <a:scrgbClr r="0" g="0" b="0"/>
+      </a:effectRef>
+      <a:fontRef idx="minor">
+        <a:schemeClr val="lt1"/>
+      </a:fontRef>
+    </dgm:style>
+  </dgm:styleLbl>
+  <dgm:styleLbl name="parChTrans2D2">
+    <dgm:scene3d>
+      <a:camera prst="orthographicFront"/>
+      <a:lightRig rig="threePt" dir="t"/>
+    </dgm:scene3d>
+    <dgm:sp3d/>
+    <dgm:txPr/>
+    <dgm:style>
+      <a:lnRef idx="2">
+        <a:scrgbClr r="0" g="0" b="0"/>
+      </a:lnRef>
+      <a:fillRef idx="1">
+        <a:scrgbClr r="0" g="0" b="0"/>
+      </a:fillRef>
+      <a:effectRef idx="0">
+        <a:scrgbClr r="0" g="0" b="0"/>
+      </a:effectRef>
+      <a:fontRef idx="minor">
+        <a:schemeClr val="lt1"/>
+      </a:fontRef>
+    </dgm:style>
+  </dgm:styleLbl>
+  <dgm:styleLbl name="parChTrans2D3">
+    <dgm:scene3d>
+      <a:camera prst="orthographicFront"/>
+      <a:lightRig rig="threePt" dir="t"/>
+    </dgm:scene3d>
+    <dgm:sp3d/>
+    <dgm:txPr/>
+    <dgm:style>
+      <a:lnRef idx="2">
+        <a:scrgbClr r="0" g="0" b="0"/>
+      </a:lnRef>
+      <a:fillRef idx="1">
+        <a:scrgbClr r="0" g="0" b="0"/>
+      </a:fillRef>
+      <a:effectRef idx="0">
+        <a:scrgbClr r="0" g="0" b="0"/>
+      </a:effectRef>
+      <a:fontRef idx="minor">
+        <a:schemeClr val="lt1"/>
+      </a:fontRef>
+    </dgm:style>
+  </dgm:styleLbl>
+  <dgm:styleLbl name="parChTrans2D4">
+    <dgm:scene3d>
+      <a:camera prst="orthographicFront"/>
+      <a:lightRig rig="threePt" dir="t"/>
+    </dgm:scene3d>
+    <dgm:sp3d/>
+    <dgm:txPr/>
+    <dgm:style>
+      <a:lnRef idx="2">
+        <a:scrgbClr r="0" g="0" b="0"/>
+      </a:lnRef>
+      <a:fillRef idx="1">
+        <a:scrgbClr r="0" g="0" b="0"/>
+      </a:fillRef>
+      <a:effectRef idx="0">
+        <a:scrgbClr r="0" g="0" b="0"/>
+      </a:effectRef>
+      <a:fontRef idx="minor">
+        <a:schemeClr val="lt1"/>
+      </a:fontRef>
+    </dgm:style>
+  </dgm:styleLbl>
+  <dgm:styleLbl name="parChTrans1D1">
+    <dgm:scene3d>
+      <a:camera prst="orthographicFront"/>
+      <a:lightRig rig="threePt" dir="t"/>
+    </dgm:scene3d>
+    <dgm:sp3d/>
+    <dgm:txPr/>
+    <dgm:style>
+      <a:lnRef idx="2">
+        <a:scrgbClr r="0" g="0" b="0"/>
+      </a:lnRef>
+      <a:fillRef idx="0">
+        <a:scrgbClr r="0" g="0" b="0"/>
+      </a:fillRef>
+      <a:effectRef idx="0">
+        <a:scrgbClr r="0" g="0" b="0"/>
+      </a:effectRef>
+      <a:fontRef idx="minor"/>
+    </dgm:style>
+  </dgm:styleLbl>
+  <dgm:styleLbl name="parChTrans1D2">
+    <dgm:scene3d>
+      <a:camera prst="orthographicFront"/>
+      <a:lightRig rig="threePt" dir="t"/>
+    </dgm:scene3d>
+    <dgm:sp3d/>
+    <dgm:txPr/>
+    <dgm:style>
+      <a:lnRef idx="2">
+        <a:scrgbClr r="0" g="0" b="0"/>
+      </a:lnRef>
+      <a:fillRef idx="0">
+        <a:scrgbClr r="0" g="0" b="0"/>
+      </a:fillRef>
+      <a:effectRef idx="0">
+        <a:scrgbClr r="0" g="0" b="0"/>
+      </a:effectRef>
+      <a:fontRef idx="minor"/>
+    </dgm:style>
+  </dgm:styleLbl>
+  <dgm:styleLbl name="parChTrans1D3">
+    <dgm:scene3d>
+      <a:camera prst="orthographicFront"/>
+      <a:lightRig rig="threePt" dir="t"/>
+    </dgm:scene3d>
+    <dgm:sp3d/>
+    <dgm:txPr/>
+    <dgm:style>
+      <a:lnRef idx="2">
+        <a:scrgbClr r="0" g="0" b="0"/>
+      </a:lnRef>
+      <a:fillRef idx="0">
+        <a:scrgbClr r="0" g="0" b="0"/>
+      </a:fillRef>
+      <a:effectRef idx="0">
+        <a:scrgbClr r="0" g="0" b="0"/>
+      </a:effectRef>
+      <a:fontRef idx="minor"/>
+    </dgm:style>
+  </dgm:styleLbl>
+  <dgm:styleLbl name="parChTrans1D4">
+    <dgm:scene3d>
+      <a:camera prst="orthographicFront"/>
+      <a:lightRig rig="threePt" dir="t"/>
+    </dgm:scene3d>
+    <dgm:sp3d/>
+    <dgm:txPr/>
+    <dgm:style>
+      <a:lnRef idx="2">
+        <a:scrgbClr r="0" g="0" b="0"/>
+      </a:lnRef>
+      <a:fillRef idx="0">
+        <a:scrgbClr r="0" g="0" b="0"/>
+      </a:fillRef>
+      <a:effectRef idx="0">
+        <a:scrgbClr r="0" g="0" b="0"/>
+      </a:effectRef>
+      <a:fontRef idx="minor"/>
+    </dgm:style>
+  </dgm:styleLbl>
+  <dgm:styleLbl name="fgAcc1">
+    <dgm:scene3d>
+      <a:camera prst="orthographicFront"/>
+      <a:lightRig rig="threePt" dir="t"/>
+    </dgm:scene3d>
+    <dgm:sp3d/>
+    <dgm:txPr/>
+    <dgm:style>
+      <a:lnRef idx="2">
+        <a:scrgbClr r="0" g="0" b="0"/>
+      </a:lnRef>
+      <a:fillRef idx="1">
+        <a:scrgbClr r="0" g="0" b="0"/>
+      </a:fillRef>
+      <a:effectRef idx="0">
+        <a:scrgbClr r="0" g="0" b="0"/>
+      </a:effectRef>
+      <a:fontRef idx="minor"/>
+    </dgm:style>
+  </dgm:styleLbl>
+  <dgm:styleLbl name="conFgAcc1">
+    <dgm:scene3d>
+      <a:camera prst="orthographicFront"/>
+      <a:lightRig rig="threePt" dir="t"/>
+    </dgm:scene3d>
+    <dgm:sp3d/>
+    <dgm:txPr/>
+    <dgm:style>
+      <a:lnRef idx="2">
+        <a:scrgbClr r="0" g="0" b="0"/>
+      </a:lnRef>
+      <a:fillRef idx="1">
+        <a:scrgbClr r="0" g="0" b="0"/>
+      </a:fillRef>
+      <a:effectRef idx="0">
+        <a:scrgbClr r="0" g="0" b="0"/>
+      </a:effectRef>
+      <a:fontRef idx="minor"/>
+    </dgm:style>
+  </dgm:styleLbl>
+  <dgm:styleLbl name="alignAcc1">
+    <dgm:scene3d>
+      <a:camera prst="orthographicFront"/>
+      <a:lightRig rig="threePt" dir="t"/>
+    </dgm:scene3d>
+    <dgm:sp3d/>
+    <dgm:txPr/>
+    <dgm:style>
+      <a:lnRef idx="2">
+        <a:scrgbClr r="0" g="0" b="0"/>
+      </a:lnRef>
+      <a:fillRef idx="1">
+        <a:scrgbClr r="0" g="0" b="0"/>
+      </a:fillRef>
+      <a:effectRef idx="0">
+        <a:scrgbClr r="0" g="0" b="0"/>
+      </a:effectRef>
+      <a:fontRef idx="minor"/>
+    </dgm:style>
+  </dgm:styleLbl>
+  <dgm:styleLbl name="trAlignAcc1">
+    <dgm:scene3d>
+      <a:camera prst="orthographicFront"/>
+      <a:lightRig rig="threePt" dir="t"/>
+    </dgm:scene3d>
+    <dgm:sp3d/>
+    <dgm:txPr/>
+    <dgm:style>
+      <a:lnRef idx="1">
+        <a:scrgbClr r="0" g="0" b="0"/>
+      </a:lnRef>
+      <a:fillRef idx="1">
+        <a:scrgbClr r="0" g="0" b="0"/>
+      </a:fillRef>
+      <a:effectRef idx="0">
+        <a:scrgbClr r="0" g="0" b="0"/>
+      </a:effectRef>
+      <a:fontRef idx="minor"/>
+    </dgm:style>
+  </dgm:styleLbl>
+  <dgm:styleLbl name="bgAcc1">
+    <dgm:scene3d>
+      <a:camera prst="orthographicFront"/>
+      <a:lightRig rig="threePt" dir="t"/>
+    </dgm:scene3d>
+    <dgm:sp3d/>
+    <dgm:txPr/>
+    <dgm:style>
+      <a:lnRef idx="2">
+        <a:scrgbClr r="0" g="0" b="0"/>
+      </a:lnRef>
+      <a:fillRef idx="1">
+        <a:scrgbClr r="0" g="0" b="0"/>
+      </a:fillRef>
+      <a:effectRef idx="0">
+        <a:scrgbClr r="0" g="0" b="0"/>
+      </a:effectRef>
+      <a:fontRef idx="minor"/>
+    </dgm:style>
+  </dgm:styleLbl>
+  <dgm:styleLbl name="solidFgAcc1">
+    <dgm:scene3d>
+      <a:camera prst="orthographicFront"/>
+      <a:lightRig rig="threePt" dir="t"/>
+    </dgm:scene3d>
+    <dgm:sp3d/>
+    <dgm:txPr/>
+    <dgm:style>
+      <a:lnRef idx="2">
+        <a:scrgbClr r="0" g="0" b="0"/>
+      </a:lnRef>
+      <a:fillRef idx="1">
+        <a:scrgbClr r="0" g="0" b="0"/>
+      </a:fillRef>
+      <a:effectRef idx="0">
+        <a:scrgbClr r="0" g="0" b="0"/>
+      </a:effectRef>
+      <a:fontRef idx="minor"/>
+    </dgm:style>
+  </dgm:styleLbl>
+  <dgm:styleLbl name="solidAlignAcc1">
+    <dgm:scene3d>
+      <a:camera prst="orthographicFront"/>
+      <a:lightRig rig="threePt" dir="t"/>
+    </dgm:scene3d>
+    <dgm:sp3d/>
+    <dgm:txPr/>
+    <dgm:style>
+      <a:lnRef idx="2">
+        <a:scrgbClr r="0" g="0" b="0"/>
+      </a:lnRef>
+      <a:fillRef idx="1">
+        <a:scrgbClr r="0" g="0" b="0"/>
+      </a:fillRef>
+      <a:effectRef idx="0">
+        <a:scrgbClr r="0" g="0" b="0"/>
+      </a:effectRef>
+      <a:fontRef idx="minor"/>
+    </dgm:style>
+  </dgm:styleLbl>
+  <dgm:styleLbl name="solidBgAcc1">
+    <dgm:scene3d>
+      <a:camera prst="orthographicFront"/>
+      <a:lightRig rig="threePt" dir="t"/>
+    </dgm:scene3d>
+    <dgm:sp3d/>
+    <dgm:txPr/>
+    <dgm:style>
+      <a:lnRef idx="2">
+        <a:scrgbClr r="0" g="0" b="0"/>
+      </a:lnRef>
+      <a:fillRef idx="1">
+        <a:scrgbClr r="0" g="0" b="0"/>
+      </a:fillRef>
+      <a:effectRef idx="0">
+        <a:scrgbClr r="0" g="0" b="0"/>
+      </a:effectRef>
+      <a:fontRef idx="minor"/>
+    </dgm:style>
+  </dgm:styleLbl>
+  <dgm:styleLbl name="fgAccFollowNode1">
+    <dgm:scene3d>
+      <a:camera prst="orthographicFront"/>
+      <a:lightRig rig="threePt" dir="t"/>
+    </dgm:scene3d>
+    <dgm:sp3d/>
+    <dgm:txPr/>
+    <dgm:style>
+      <a:lnRef idx="2">
+        <a:scrgbClr r="0" g="0" b="0"/>
+      </a:lnRef>
+      <a:fillRef idx="1">
+        <a:scrgbClr r="0" g="0" b="0"/>
+      </a:fillRef>
+      <a:effectRef idx="0">
+        <a:scrgbClr r="0" g="0" b="0"/>
+      </a:effectRef>
+      <a:fontRef idx="minor"/>
+    </dgm:style>
+  </dgm:styleLbl>
+  <dgm:styleLbl name="alignAccFollowNode1">
+    <dgm:scene3d>
+      <a:camera prst="orthographicFront"/>
+      <a:lightRig rig="threePt" dir="t"/>
+    </dgm:scene3d>
+    <dgm:sp3d/>
+    <dgm:txPr/>
+    <dgm:style>
+      <a:lnRef idx="2">
+        <a:scrgbClr r="0" g="0" b="0"/>
+      </a:lnRef>
+      <a:fillRef idx="1">
+        <a:scrgbClr r="0" g="0" b="0"/>
+      </a:fillRef>
+      <a:effectRef idx="0">
+        <a:scrgbClr r="0" g="0" b="0"/>
+      </a:effectRef>
+      <a:fontRef idx="minor"/>
+    </dgm:style>
+  </dgm:styleLbl>
+  <dgm:styleLbl name="bgAccFollowNode1">
+    <dgm:scene3d>
+      <a:camera prst="orthographicFront"/>
+      <a:lightRig rig="threePt" dir="t"/>
+    </dgm:scene3d>
+    <dgm:sp3d/>
+    <dgm:txPr/>
+    <dgm:style>
+      <a:lnRef idx="2">
+        <a:scrgbClr r="0" g="0" b="0"/>
+      </a:lnRef>
+      <a:fillRef idx="1">
+        <a:scrgbClr r="0" g="0" b="0"/>
+      </a:fillRef>
+      <a:effectRef idx="0">
+        <a:scrgbClr r="0" g="0" b="0"/>
+      </a:effectRef>
+      <a:fontRef idx="minor"/>
+    </dgm:style>
+  </dgm:styleLbl>
+  <dgm:styleLbl name="fgAcc0">
+    <dgm:scene3d>
+      <a:camera prst="orthographicFront"/>
+      <a:lightRig rig="threePt" dir="t"/>
+    </dgm:scene3d>
+    <dgm:sp3d/>
+    <dgm:txPr/>
+    <dgm:style>
+      <a:lnRef idx="2">
+        <a:scrgbClr r="0" g="0" b="0"/>
+      </a:lnRef>
+      <a:fillRef idx="1">
+        <a:scrgbClr r="0" g="0" b="0"/>
+      </a:fillRef>
+      <a:effectRef idx="0">
+        <a:scrgbClr r="0" g="0" b="0"/>
+      </a:effectRef>
+      <a:fontRef idx="minor"/>
+    </dgm:style>
+  </dgm:styleLbl>
+  <dgm:styleLbl name="fgAcc2">
+    <dgm:scene3d>
+      <a:camera prst="orthographicFront"/>
+      <a:lightRig rig="threePt" dir="t"/>
+    </dgm:scene3d>
+    <dgm:sp3d/>
+    <dgm:txPr/>
+    <dgm:style>
+      <a:lnRef idx="2">
+        <a:scrgbClr r="0" g="0" b="0"/>
+      </a:lnRef>
+      <a:fillRef idx="1">
+        <a:scrgbClr r="0" g="0" b="0"/>
+      </a:fillRef>
+      <a:effectRef idx="0">
+        <a:scrgbClr r="0" g="0" b="0"/>
+      </a:effectRef>
+      <a:fontRef idx="minor"/>
+    </dgm:style>
+  </dgm:styleLbl>
+  <dgm:styleLbl name="fgAcc3">
+    <dgm:scene3d>
+      <a:camera prst="orthographicFront"/>
+      <a:lightRig rig="threePt" dir="t"/>
+    </dgm:scene3d>
+    <dgm:sp3d/>
+    <dgm:txPr/>
+    <dgm:style>
+      <a:lnRef idx="2">
+        <a:scrgbClr r="0" g="0" b="0"/>
+      </a:lnRef>
+      <a:fillRef idx="1">
+        <a:scrgbClr r="0" g="0" b="0"/>
+      </a:fillRef>
+      <a:effectRef idx="0">
+        <a:scrgbClr r="0" g="0" b="0"/>
+      </a:effectRef>
+      <a:fontRef idx="minor"/>
+    </dgm:style>
+  </dgm:styleLbl>
+  <dgm:styleLbl name="fgAcc4">
+    <dgm:scene3d>
+      <a:camera prst="orthographicFront"/>
+      <a:lightRig rig="threePt" dir="t"/>
+    </dgm:scene3d>
+    <dgm:sp3d/>
+    <dgm:txPr/>
+    <dgm:style>
+      <a:lnRef idx="2">
+        <a:scrgbClr r="0" g="0" b="0"/>
+      </a:lnRef>
+      <a:fillRef idx="1">
+        <a:scrgbClr r="0" g="0" b="0"/>
+      </a:fillRef>
+      <a:effectRef idx="0">
+        <a:scrgbClr r="0" g="0" b="0"/>
+      </a:effectRef>
+      <a:fontRef idx="minor"/>
+    </dgm:style>
+  </dgm:styleLbl>
+  <dgm:styleLbl name="bgShp">
+    <dgm:scene3d>
+      <a:camera prst="orthographicFront"/>
+      <a:lightRig rig="threePt" dir="t"/>
+    </dgm:scene3d>
+    <dgm:sp3d/>
+    <dgm:txPr/>
+    <dgm:style>
+      <a:lnRef idx="0">
+        <a:scrgbClr r="0" g="0" b="0"/>
+      </a:lnRef>
+      <a:fillRef idx="1">
+        <a:scrgbClr r="0" g="0" b="0"/>
+      </a:fillRef>
+      <a:effectRef idx="0">
+        <a:scrgbClr r="0" g="0" b="0"/>
+      </a:effectRef>
+      <a:fontRef idx="minor"/>
+    </dgm:style>
+  </dgm:styleLbl>
+  <dgm:styleLbl name="dkBgShp">
+    <dgm:scene3d>
+      <a:camera prst="orthographicFront"/>
+      <a:lightRig rig="threePt" dir="t"/>
+    </dgm:scene3d>
+    <dgm:sp3d/>
+    <dgm:txPr/>
+    <dgm:style>
+      <a:lnRef idx="0">
+        <a:scrgbClr r="0" g="0" b="0"/>
+      </a:lnRef>
+      <a:fillRef idx="1">
+        <a:scrgbClr r="0" g="0" b="0"/>
+      </a:fillRef>
+      <a:effectRef idx="0">
+        <a:scrgbClr r="0" g="0" b="0"/>
+      </a:effectRef>
+      <a:fontRef idx="minor"/>
+    </dgm:style>
+  </dgm:styleLbl>
+  <dgm:styleLbl name="trBgShp">
+    <dgm:scene3d>
+      <a:camera prst="orthographicFront"/>
+      <a:lightRig rig="threePt" dir="t"/>
+    </dgm:scene3d>
+    <dgm:sp3d/>
+    <dgm:txPr/>
+    <dgm:style>
+      <a:lnRef idx="0">
+        <a:scrgbClr r="0" g="0" b="0"/>
+      </a:lnRef>
+      <a:fillRef idx="1">
+        <a:scrgbClr r="0" g="0" b="0"/>
+      </a:fillRef>
+      <a:effectRef idx="0">
+        <a:scrgbClr r="0" g="0" b="0"/>
+      </a:effectRef>
+      <a:fontRef idx="minor"/>
+    </dgm:style>
+  </dgm:styleLbl>
+  <dgm:styleLbl name="fgShp">
+    <dgm:scene3d>
+      <a:camera prst="orthographicFront"/>
+      <a:lightRig rig="threePt" dir="t"/>
+    </dgm:scene3d>
+    <dgm:sp3d/>
+    <dgm:txPr/>
+    <dgm:style>
+      <a:lnRef idx="2">
+        <a:scrgbClr r="0" g="0" b="0"/>
+      </a:lnRef>
+      <a:fillRef idx="1">
+        <a:scrgbClr r="0" g="0" b="0"/>
+      </a:fillRef>
+      <a:effectRef idx="0">
+        <a:scrgbClr r="0" g="0" b="0"/>
+      </a:effectRef>
+      <a:fontRef idx="minor"/>
+    </dgm:style>
+  </dgm:styleLbl>
+  <dgm:styleLbl name="revTx">
+    <dgm:scene3d>
+      <a:camera prst="orthographicFront"/>
+      <a:lightRig rig="threePt" dir="t"/>
+    </dgm:scene3d>
+    <dgm:sp3d/>
+    <dgm:txPr/>
+    <dgm:style>
+      <a:lnRef idx="0">
+        <a:scrgbClr r="0" g="0" b="0"/>
+      </a:lnRef>
+      <a:fillRef idx="0">
+        <a:scrgbClr r="0" g="0" b="0"/>
+      </a:fillRef>
+      <a:effectRef idx="0">
+        <a:scrgbClr r="0" g="0" b="0"/>
+      </a:effectRef>
+      <a:fontRef idx="minor"/>
+    </dgm:style>
+  </dgm:styleLbl>
+</dgm:styleDef>
+</file>
+
+<file path=ppt/diagrams/quickStyle3.xml><?xml version="1.0" encoding="utf-8"?>
 <dgm:styleDef xmlns:dgm="http://schemas.openxmlformats.org/drawingml/2006/diagram" xmlns:a="http://schemas.openxmlformats.org/drawingml/2006/main" uniqueId="urn:microsoft.com/office/officeart/2005/8/quickstyle/simple1">
   <dgm:title val=""/>
   <dgm:desc val=""/>
@@ -4745,7 +10859,7 @@
           <a:p>
             <a:fld id="{208EE90E-2504-4826-81E4-66C7B83B9CAF}" type="datetimeFigureOut">
               <a:rPr lang="en-US" smtClean="0"/>
-              <a:t>1/22/2018</a:t>
+              <a:t>1/23/2018</a:t>
             </a:fld>
             <a:endParaRPr lang="en-US" dirty="0"/>
           </a:p>
@@ -5061,7 +11175,7 @@
           <a:p>
             <a:fld id="{208EE90E-2504-4826-81E4-66C7B83B9CAF}" type="datetimeFigureOut">
               <a:rPr lang="en-US" smtClean="0"/>
-              <a:t>1/22/2018</a:t>
+              <a:t>1/23/2018</a:t>
             </a:fld>
             <a:endParaRPr lang="en-US" dirty="0"/>
           </a:p>
@@ -5236,7 +11350,7 @@
           <a:p>
             <a:fld id="{208EE90E-2504-4826-81E4-66C7B83B9CAF}" type="datetimeFigureOut">
               <a:rPr lang="en-US" smtClean="0"/>
-              <a:t>1/22/2018</a:t>
+              <a:t>1/23/2018</a:t>
             </a:fld>
             <a:endParaRPr lang="en-US" dirty="0"/>
           </a:p>
@@ -5473,7 +11587,7 @@
           <a:p>
             <a:fld id="{208EE90E-2504-4826-81E4-66C7B83B9CAF}" type="datetimeFigureOut">
               <a:rPr lang="en-US" smtClean="0"/>
-              <a:t>1/22/2018</a:t>
+              <a:t>1/23/2018</a:t>
             </a:fld>
             <a:endParaRPr lang="en-US" dirty="0"/>
           </a:p>
@@ -5643,7 +11757,7 @@
           <a:p>
             <a:fld id="{208EE90E-2504-4826-81E4-66C7B83B9CAF}" type="datetimeFigureOut">
               <a:rPr lang="en-US" smtClean="0"/>
-              <a:t>1/22/2018</a:t>
+              <a:t>1/23/2018</a:t>
             </a:fld>
             <a:endParaRPr lang="en-US" dirty="0"/>
           </a:p>
@@ -5889,7 +12003,7 @@
           <a:p>
             <a:fld id="{208EE90E-2504-4826-81E4-66C7B83B9CAF}" type="datetimeFigureOut">
               <a:rPr lang="en-US" smtClean="0"/>
-              <a:t>1/22/2018</a:t>
+              <a:t>1/23/2018</a:t>
             </a:fld>
             <a:endParaRPr lang="en-US" dirty="0"/>
           </a:p>
@@ -6177,7 +12291,7 @@
           <a:p>
             <a:fld id="{208EE90E-2504-4826-81E4-66C7B83B9CAF}" type="datetimeFigureOut">
               <a:rPr lang="en-US" smtClean="0"/>
-              <a:t>1/22/2018</a:t>
+              <a:t>1/23/2018</a:t>
             </a:fld>
             <a:endParaRPr lang="en-US" dirty="0"/>
           </a:p>
@@ -6599,7 +12713,7 @@
           <a:p>
             <a:fld id="{208EE90E-2504-4826-81E4-66C7B83B9CAF}" type="datetimeFigureOut">
               <a:rPr lang="en-US" smtClean="0"/>
-              <a:t>1/22/2018</a:t>
+              <a:t>1/23/2018</a:t>
             </a:fld>
             <a:endParaRPr lang="en-US" dirty="0"/>
           </a:p>
@@ -6717,7 +12831,7 @@
           <a:p>
             <a:fld id="{208EE90E-2504-4826-81E4-66C7B83B9CAF}" type="datetimeFigureOut">
               <a:rPr lang="en-US" smtClean="0"/>
-              <a:t>1/22/2018</a:t>
+              <a:t>1/23/2018</a:t>
             </a:fld>
             <a:endParaRPr lang="en-US" dirty="0"/>
           </a:p>
@@ -6812,7 +12926,7 @@
           <a:p>
             <a:fld id="{208EE90E-2504-4826-81E4-66C7B83B9CAF}" type="datetimeFigureOut">
               <a:rPr lang="en-US" smtClean="0"/>
-              <a:t>1/22/2018</a:t>
+              <a:t>1/23/2018</a:t>
             </a:fld>
             <a:endParaRPr lang="en-US" dirty="0"/>
           </a:p>
@@ -7089,7 +13203,7 @@
           <a:p>
             <a:fld id="{208EE90E-2504-4826-81E4-66C7B83B9CAF}" type="datetimeFigureOut">
               <a:rPr lang="en-US" smtClean="0"/>
-              <a:t>1/22/2018</a:t>
+              <a:t>1/23/2018</a:t>
             </a:fld>
             <a:endParaRPr lang="en-US" dirty="0"/>
           </a:p>
@@ -7212,7 +13326,7 @@
           <a:p>
             <a:fld id="{208EE90E-2504-4826-81E4-66C7B83B9CAF}" type="datetimeFigureOut">
               <a:rPr lang="en-US" smtClean="0"/>
-              <a:t>1/22/2018</a:t>
+              <a:t>1/23/2018</a:t>
             </a:fld>
             <a:endParaRPr lang="en-US" dirty="0"/>
           </a:p>
@@ -7517,7 +13631,7 @@
           <a:p>
             <a:fld id="{208EE90E-2504-4826-81E4-66C7B83B9CAF}" type="datetimeFigureOut">
               <a:rPr lang="en-US" smtClean="0"/>
-              <a:t>1/22/2018</a:t>
+              <a:t>1/23/2018</a:t>
             </a:fld>
             <a:endParaRPr lang="en-US" dirty="0"/>
           </a:p>
@@ -7687,7 +13801,7 @@
           <a:p>
             <a:fld id="{208EE90E-2504-4826-81E4-66C7B83B9CAF}" type="datetimeFigureOut">
               <a:rPr lang="en-US" smtClean="0"/>
-              <a:t>1/22/2018</a:t>
+              <a:t>1/23/2018</a:t>
             </a:fld>
             <a:endParaRPr lang="en-US" dirty="0"/>
           </a:p>
@@ -7867,7 +13981,7 @@
           <a:p>
             <a:fld id="{208EE90E-2504-4826-81E4-66C7B83B9CAF}" type="datetimeFigureOut">
               <a:rPr lang="en-US" smtClean="0"/>
-              <a:t>1/22/2018</a:t>
+              <a:t>1/23/2018</a:t>
             </a:fld>
             <a:endParaRPr lang="en-US" dirty="0"/>
           </a:p>
@@ -8113,7 +14227,7 @@
           <a:p>
             <a:fld id="{208EE90E-2504-4826-81E4-66C7B83B9CAF}" type="datetimeFigureOut">
               <a:rPr lang="en-US" smtClean="0"/>
-              <a:t>1/22/2018</a:t>
+              <a:t>1/23/2018</a:t>
             </a:fld>
             <a:endParaRPr lang="en-US" dirty="0"/>
           </a:p>
@@ -8406,7 +14520,7 @@
           <a:p>
             <a:fld id="{208EE90E-2504-4826-81E4-66C7B83B9CAF}" type="datetimeFigureOut">
               <a:rPr lang="en-US" smtClean="0"/>
-              <a:t>1/22/2018</a:t>
+              <a:t>1/23/2018</a:t>
             </a:fld>
             <a:endParaRPr lang="en-US" dirty="0"/>
           </a:p>
@@ -8834,7 +14948,7 @@
           <a:p>
             <a:fld id="{208EE90E-2504-4826-81E4-66C7B83B9CAF}" type="datetimeFigureOut">
               <a:rPr lang="en-US" smtClean="0"/>
-              <a:t>1/22/2018</a:t>
+              <a:t>1/23/2018</a:t>
             </a:fld>
             <a:endParaRPr lang="en-US" dirty="0"/>
           </a:p>
@@ -8952,7 +15066,7 @@
           <a:p>
             <a:fld id="{208EE90E-2504-4826-81E4-66C7B83B9CAF}" type="datetimeFigureOut">
               <a:rPr lang="en-US" smtClean="0"/>
-              <a:t>1/22/2018</a:t>
+              <a:t>1/23/2018</a:t>
             </a:fld>
             <a:endParaRPr lang="en-US" dirty="0"/>
           </a:p>
@@ -9042,7 +15156,7 @@
           <a:p>
             <a:fld id="{208EE90E-2504-4826-81E4-66C7B83B9CAF}" type="datetimeFigureOut">
               <a:rPr lang="en-US" smtClean="0"/>
-              <a:t>1/22/2018</a:t>
+              <a:t>1/23/2018</a:t>
             </a:fld>
             <a:endParaRPr lang="en-US" dirty="0"/>
           </a:p>
@@ -9292,7 +15406,7 @@
           <a:p>
             <a:fld id="{208EE90E-2504-4826-81E4-66C7B83B9CAF}" type="datetimeFigureOut">
               <a:rPr lang="en-US" smtClean="0"/>
-              <a:t>1/22/2018</a:t>
+              <a:t>1/23/2018</a:t>
             </a:fld>
             <a:endParaRPr lang="en-US" dirty="0"/>
           </a:p>
@@ -9808,7 +15922,7 @@
           <a:p>
             <a:fld id="{208EE90E-2504-4826-81E4-66C7B83B9CAF}" type="datetimeFigureOut">
               <a:rPr lang="en-US" smtClean="0"/>
-              <a:t>1/22/2018</a:t>
+              <a:t>1/23/2018</a:t>
             </a:fld>
             <a:endParaRPr lang="en-US" dirty="0"/>
           </a:p>
@@ -10038,7 +16152,7 @@
           <a:p>
             <a:fld id="{208EE90E-2504-4826-81E4-66C7B83B9CAF}" type="datetimeFigureOut">
               <a:rPr lang="en-US" smtClean="0"/>
-              <a:t>1/22/2018</a:t>
+              <a:t>1/23/2018</a:t>
             </a:fld>
             <a:endParaRPr lang="en-US" dirty="0"/>
           </a:p>
@@ -10676,7 +16790,7 @@
           <a:p>
             <a:fld id="{208EE90E-2504-4826-81E4-66C7B83B9CAF}" type="datetimeFigureOut">
               <a:rPr lang="en-US" smtClean="0"/>
-              <a:t>1/22/2018</a:t>
+              <a:t>1/23/2018</a:t>
             </a:fld>
             <a:endParaRPr lang="en-US" dirty="0"/>
           </a:p>
@@ -11118,10 +17232,9 @@
               <a:rPr lang="en-US" sz="3600" dirty="0" smtClean="0"/>
             </a:br>
             <a:r>
-              <a:rPr lang="en-US" sz="3600" dirty="0" smtClean="0"/>
-              <a:t>TRANING CLASS</a:t>
-            </a:r>
-            <a:endParaRPr lang="en-US" sz="3600" dirty="0"/>
+              <a:rPr lang="en-US" sz="3600" dirty="0"/>
+              <a:t>share knowledge</a:t>
+            </a:r>
           </a:p>
         </p:txBody>
       </p:sp>
@@ -11129,6 +17242,467 @@
     <p:extLst>
       <p:ext uri="{BB962C8B-B14F-4D97-AF65-F5344CB8AC3E}">
         <p14:creationId xmlns:p14="http://schemas.microsoft.com/office/powerpoint/2010/main" val="1611629988"/>
+      </p:ext>
+    </p:extLst>
+  </p:cSld>
+  <p:clrMapOvr>
+    <a:masterClrMapping/>
+  </p:clrMapOvr>
+  <p:timing>
+    <p:tnLst>
+      <p:par>
+        <p:cTn id="1" dur="indefinite" restart="never" nodeType="tmRoot"/>
+      </p:par>
+    </p:tnLst>
+  </p:timing>
+</p:sld>
+</file>
+
+<file path=ppt/slides/slide10.xml><?xml version="1.0" encoding="utf-8"?>
+<p:sld xmlns:a="http://schemas.openxmlformats.org/drawingml/2006/main" xmlns:r="http://schemas.openxmlformats.org/officeDocument/2006/relationships" xmlns:p="http://schemas.openxmlformats.org/presentationml/2006/main">
+  <p:cSld>
+    <p:spTree>
+      <p:nvGrpSpPr>
+        <p:cNvPr id="1" name=""/>
+        <p:cNvGrpSpPr/>
+        <p:nvPr/>
+      </p:nvGrpSpPr>
+      <p:grpSpPr>
+        <a:xfrm>
+          <a:off x="0" y="0"/>
+          <a:ext cx="0" cy="0"/>
+          <a:chOff x="0" y="0"/>
+          <a:chExt cx="0" cy="0"/>
+        </a:xfrm>
+      </p:grpSpPr>
+      <p:sp>
+        <p:nvSpPr>
+          <p:cNvPr id="2" name="Title 1"/>
+          <p:cNvSpPr>
+            <a:spLocks noGrp="1"/>
+          </p:cNvSpPr>
+          <p:nvPr>
+            <p:ph type="title"/>
+          </p:nvPr>
+        </p:nvSpPr>
+        <p:spPr>
+          <a:xfrm>
+            <a:off x="762000" y="1524000"/>
+            <a:ext cx="7543800" cy="381000"/>
+          </a:xfrm>
+        </p:spPr>
+        <p:txBody>
+          <a:bodyPr>
+            <a:noAutofit/>
+          </a:bodyPr>
+          <a:lstStyle/>
+          <a:p>
+            <a:pPr lvl="0" algn="l"/>
+            <a:r>
+              <a:rPr lang="en-US" sz="2500" b="1" dirty="0" smtClean="0">
+                <a:latin typeface="Arial" pitchFamily="34" charset="0"/>
+                <a:cs typeface="Arial" pitchFamily="34" charset="0"/>
+              </a:rPr>
+              <a:t>&lt;</a:t>
+            </a:r>
+            <a:r>
+              <a:rPr lang="en-US" sz="2500" b="1" dirty="0" err="1" smtClean="0">
+                <a:latin typeface="Arial" pitchFamily="34" charset="0"/>
+                <a:cs typeface="Arial" pitchFamily="34" charset="0"/>
+              </a:rPr>
+              <a:t>FlatList</a:t>
+            </a:r>
+            <a:r>
+              <a:rPr lang="en-US" sz="2500" b="1" dirty="0" smtClean="0">
+                <a:latin typeface="Arial" pitchFamily="34" charset="0"/>
+                <a:cs typeface="Arial" pitchFamily="34" charset="0"/>
+              </a:rPr>
+              <a:t> /&gt;</a:t>
+            </a:r>
+            <a:endParaRPr lang="en-US" sz="2500" dirty="0"/>
+          </a:p>
+        </p:txBody>
+      </p:sp>
+      <p:pic>
+        <p:nvPicPr>
+          <p:cNvPr id="3" name="Picture 2"/>
+          <p:cNvPicPr>
+            <a:picLocks noChangeAspect="1"/>
+          </p:cNvPicPr>
+          <p:nvPr/>
+        </p:nvPicPr>
+        <p:blipFill>
+          <a:blip r:embed="rId2">
+            <a:extLst>
+              <a:ext uri="{28A0092B-C50C-407E-A947-70E740481C1C}">
+                <a14:useLocalDpi xmlns:a14="http://schemas.microsoft.com/office/drawing/2010/main" val="0"/>
+              </a:ext>
+            </a:extLst>
+          </a:blip>
+          <a:stretch>
+            <a:fillRect/>
+          </a:stretch>
+        </p:blipFill>
+        <p:spPr>
+          <a:xfrm>
+            <a:off x="762000" y="2590800"/>
+            <a:ext cx="7821116" cy="2172003"/>
+          </a:xfrm>
+          <a:prstGeom prst="rect">
+            <a:avLst/>
+          </a:prstGeom>
+        </p:spPr>
+      </p:pic>
+    </p:spTree>
+    <p:extLst>
+      <p:ext uri="{BB962C8B-B14F-4D97-AF65-F5344CB8AC3E}">
+        <p14:creationId xmlns:p14="http://schemas.microsoft.com/office/powerpoint/2010/main" val="3519556545"/>
+      </p:ext>
+    </p:extLst>
+  </p:cSld>
+  <p:clrMapOvr>
+    <a:masterClrMapping/>
+  </p:clrMapOvr>
+  <p:timing>
+    <p:tnLst>
+      <p:par>
+        <p:cTn id="1" dur="indefinite" restart="never" nodeType="tmRoot"/>
+      </p:par>
+    </p:tnLst>
+  </p:timing>
+</p:sld>
+</file>
+
+<file path=ppt/slides/slide11.xml><?xml version="1.0" encoding="utf-8"?>
+<p:sld xmlns:a="http://schemas.openxmlformats.org/drawingml/2006/main" xmlns:r="http://schemas.openxmlformats.org/officeDocument/2006/relationships" xmlns:p="http://schemas.openxmlformats.org/presentationml/2006/main">
+  <p:cSld>
+    <p:spTree>
+      <p:nvGrpSpPr>
+        <p:cNvPr id="1" name=""/>
+        <p:cNvGrpSpPr/>
+        <p:nvPr/>
+      </p:nvGrpSpPr>
+      <p:grpSpPr>
+        <a:xfrm>
+          <a:off x="0" y="0"/>
+          <a:ext cx="0" cy="0"/>
+          <a:chOff x="0" y="0"/>
+          <a:chExt cx="0" cy="0"/>
+        </a:xfrm>
+      </p:grpSpPr>
+      <p:sp>
+        <p:nvSpPr>
+          <p:cNvPr id="2" name="Title 1"/>
+          <p:cNvSpPr>
+            <a:spLocks noGrp="1"/>
+          </p:cNvSpPr>
+          <p:nvPr>
+            <p:ph type="title"/>
+          </p:nvPr>
+        </p:nvSpPr>
+        <p:spPr>
+          <a:xfrm>
+            <a:off x="457200" y="152400"/>
+            <a:ext cx="8229600" cy="1143000"/>
+          </a:xfrm>
+        </p:spPr>
+        <p:txBody>
+          <a:bodyPr>
+            <a:normAutofit/>
+          </a:bodyPr>
+          <a:lstStyle/>
+          <a:p>
+            <a:pPr lvl="0"/>
+            <a:r>
+              <a:rPr lang="en-US" sz="3600" b="1" dirty="0" smtClean="0">
+                <a:latin typeface="Arial" pitchFamily="34" charset="0"/>
+                <a:cs typeface="Arial" pitchFamily="34" charset="0"/>
+              </a:rPr>
+              <a:t>IV. </a:t>
+            </a:r>
+            <a:r>
+              <a:rPr lang="en-US" sz="3600" b="1" dirty="0" err="1" smtClean="0">
+                <a:latin typeface="Arial" pitchFamily="34" charset="0"/>
+                <a:cs typeface="Arial" pitchFamily="34" charset="0"/>
+              </a:rPr>
+              <a:t>Truyền</a:t>
+            </a:r>
+            <a:r>
+              <a:rPr lang="en-US" sz="3600" b="1" dirty="0" smtClean="0">
+                <a:latin typeface="Arial" pitchFamily="34" charset="0"/>
+                <a:cs typeface="Arial" pitchFamily="34" charset="0"/>
+              </a:rPr>
+              <a:t> </a:t>
+            </a:r>
+            <a:r>
+              <a:rPr lang="en-US" sz="3600" b="1" dirty="0" err="1" smtClean="0">
+                <a:latin typeface="Arial" pitchFamily="34" charset="0"/>
+                <a:cs typeface="Arial" pitchFamily="34" charset="0"/>
+              </a:rPr>
+              <a:t>tham</a:t>
+            </a:r>
+            <a:r>
+              <a:rPr lang="en-US" sz="3600" b="1" dirty="0" smtClean="0">
+                <a:latin typeface="Arial" pitchFamily="34" charset="0"/>
+                <a:cs typeface="Arial" pitchFamily="34" charset="0"/>
+              </a:rPr>
+              <a:t> </a:t>
+            </a:r>
+            <a:r>
+              <a:rPr lang="en-US" sz="3600" b="1" dirty="0" err="1" smtClean="0">
+                <a:latin typeface="Arial" pitchFamily="34" charset="0"/>
+                <a:cs typeface="Arial" pitchFamily="34" charset="0"/>
+              </a:rPr>
+              <a:t>số</a:t>
+            </a:r>
+            <a:r>
+              <a:rPr lang="en-US" sz="3600" b="1" dirty="0" smtClean="0">
+                <a:latin typeface="Arial" pitchFamily="34" charset="0"/>
+                <a:cs typeface="Arial" pitchFamily="34" charset="0"/>
+              </a:rPr>
+              <a:t> </a:t>
+            </a:r>
+            <a:r>
+              <a:rPr lang="en-US" sz="3600" b="1" dirty="0" err="1" smtClean="0">
+                <a:latin typeface="Arial" pitchFamily="34" charset="0"/>
+                <a:cs typeface="Arial" pitchFamily="34" charset="0"/>
+              </a:rPr>
+              <a:t>cho</a:t>
+            </a:r>
+            <a:r>
+              <a:rPr lang="en-US" sz="3600" b="1" dirty="0" smtClean="0">
+                <a:latin typeface="Arial" pitchFamily="34" charset="0"/>
+                <a:cs typeface="Arial" pitchFamily="34" charset="0"/>
+              </a:rPr>
+              <a:t> Component</a:t>
+            </a:r>
+            <a:endParaRPr lang="en-US" dirty="0"/>
+          </a:p>
+        </p:txBody>
+      </p:sp>
+      <p:graphicFrame>
+        <p:nvGraphicFramePr>
+          <p:cNvPr id="3" name="Diagram 2"/>
+          <p:cNvGraphicFramePr/>
+          <p:nvPr>
+            <p:extLst>
+              <p:ext uri="{D42A27DB-BD31-4B8C-83A1-F6EECF244321}">
+                <p14:modId xmlns:p14="http://schemas.microsoft.com/office/powerpoint/2010/main" val="212166363"/>
+              </p:ext>
+            </p:extLst>
+          </p:nvPr>
+        </p:nvGraphicFramePr>
+        <p:xfrm>
+          <a:off x="762000" y="1752600"/>
+          <a:ext cx="7467600" cy="4064000"/>
+        </p:xfrm>
+        <a:graphic>
+          <a:graphicData uri="http://schemas.openxmlformats.org/drawingml/2006/diagram">
+            <dgm:relIds xmlns:dgm="http://schemas.openxmlformats.org/drawingml/2006/diagram" xmlns:r="http://schemas.openxmlformats.org/officeDocument/2006/relationships" r:dm="rId2" r:lo="rId3" r:qs="rId4" r:cs="rId5"/>
+          </a:graphicData>
+        </a:graphic>
+      </p:graphicFrame>
+    </p:spTree>
+    <p:extLst>
+      <p:ext uri="{BB962C8B-B14F-4D97-AF65-F5344CB8AC3E}">
+        <p14:creationId xmlns:p14="http://schemas.microsoft.com/office/powerpoint/2010/main" val="2229724737"/>
+      </p:ext>
+    </p:extLst>
+  </p:cSld>
+  <p:clrMapOvr>
+    <a:masterClrMapping/>
+  </p:clrMapOvr>
+  <p:timing>
+    <p:tnLst>
+      <p:par>
+        <p:cTn id="1" dur="indefinite" restart="never" nodeType="tmRoot"/>
+      </p:par>
+    </p:tnLst>
+  </p:timing>
+</p:sld>
+</file>
+
+<file path=ppt/slides/slide12.xml><?xml version="1.0" encoding="utf-8"?>
+<p:sld xmlns:a="http://schemas.openxmlformats.org/drawingml/2006/main" xmlns:r="http://schemas.openxmlformats.org/officeDocument/2006/relationships" xmlns:p="http://schemas.openxmlformats.org/presentationml/2006/main">
+  <p:cSld>
+    <p:spTree>
+      <p:nvGrpSpPr>
+        <p:cNvPr id="1" name=""/>
+        <p:cNvGrpSpPr/>
+        <p:nvPr/>
+      </p:nvGrpSpPr>
+      <p:grpSpPr>
+        <a:xfrm>
+          <a:off x="0" y="0"/>
+          <a:ext cx="0" cy="0"/>
+          <a:chOff x="0" y="0"/>
+          <a:chExt cx="0" cy="0"/>
+        </a:xfrm>
+      </p:grpSpPr>
+      <p:pic>
+        <p:nvPicPr>
+          <p:cNvPr id="6" name="Picture 5"/>
+          <p:cNvPicPr>
+            <a:picLocks noChangeAspect="1"/>
+          </p:cNvPicPr>
+          <p:nvPr/>
+        </p:nvPicPr>
+        <p:blipFill>
+          <a:blip r:embed="rId2">
+            <a:extLst>
+              <a:ext uri="{28A0092B-C50C-407E-A947-70E740481C1C}">
+                <a14:useLocalDpi xmlns:a14="http://schemas.microsoft.com/office/drawing/2010/main" val="0"/>
+              </a:ext>
+            </a:extLst>
+          </a:blip>
+          <a:stretch>
+            <a:fillRect/>
+          </a:stretch>
+        </p:blipFill>
+        <p:spPr>
+          <a:xfrm>
+            <a:off x="1283854" y="3962400"/>
+            <a:ext cx="6668431" cy="2410161"/>
+          </a:xfrm>
+          <a:prstGeom prst="rect">
+            <a:avLst/>
+          </a:prstGeom>
+        </p:spPr>
+      </p:pic>
+      <p:pic>
+        <p:nvPicPr>
+          <p:cNvPr id="7" name="Picture 6"/>
+          <p:cNvPicPr>
+            <a:picLocks noChangeAspect="1"/>
+          </p:cNvPicPr>
+          <p:nvPr/>
+        </p:nvPicPr>
+        <p:blipFill>
+          <a:blip r:embed="rId3">
+            <a:extLst>
+              <a:ext uri="{28A0092B-C50C-407E-A947-70E740481C1C}">
+                <a14:useLocalDpi xmlns:a14="http://schemas.microsoft.com/office/drawing/2010/main" val="0"/>
+              </a:ext>
+            </a:extLst>
+          </a:blip>
+          <a:stretch>
+            <a:fillRect/>
+          </a:stretch>
+        </p:blipFill>
+        <p:spPr>
+          <a:xfrm>
+            <a:off x="1290781" y="457200"/>
+            <a:ext cx="6668431" cy="3000794"/>
+          </a:xfrm>
+          <a:prstGeom prst="rect">
+            <a:avLst/>
+          </a:prstGeom>
+        </p:spPr>
+      </p:pic>
+    </p:spTree>
+    <p:extLst>
+      <p:ext uri="{BB962C8B-B14F-4D97-AF65-F5344CB8AC3E}">
+        <p14:creationId xmlns:p14="http://schemas.microsoft.com/office/powerpoint/2010/main" val="118545284"/>
+      </p:ext>
+    </p:extLst>
+  </p:cSld>
+  <p:clrMapOvr>
+    <a:masterClrMapping/>
+  </p:clrMapOvr>
+  <p:timing>
+    <p:tnLst>
+      <p:par>
+        <p:cTn id="1" dur="indefinite" restart="never" nodeType="tmRoot"/>
+      </p:par>
+    </p:tnLst>
+  </p:timing>
+</p:sld>
+</file>
+
+<file path=ppt/slides/slide13.xml><?xml version="1.0" encoding="utf-8"?>
+<p:sld xmlns:a="http://schemas.openxmlformats.org/drawingml/2006/main" xmlns:r="http://schemas.openxmlformats.org/officeDocument/2006/relationships" xmlns:p="http://schemas.openxmlformats.org/presentationml/2006/main">
+  <p:cSld>
+    <p:spTree>
+      <p:nvGrpSpPr>
+        <p:cNvPr id="1" name=""/>
+        <p:cNvGrpSpPr/>
+        <p:nvPr/>
+      </p:nvGrpSpPr>
+      <p:grpSpPr>
+        <a:xfrm>
+          <a:off x="0" y="0"/>
+          <a:ext cx="0" cy="0"/>
+          <a:chOff x="0" y="0"/>
+          <a:chExt cx="0" cy="0"/>
+        </a:xfrm>
+      </p:grpSpPr>
+      <p:sp>
+        <p:nvSpPr>
+          <p:cNvPr id="2" name="Title 1"/>
+          <p:cNvSpPr>
+            <a:spLocks noGrp="1"/>
+          </p:cNvSpPr>
+          <p:nvPr>
+            <p:ph type="title"/>
+          </p:nvPr>
+        </p:nvSpPr>
+        <p:spPr>
+          <a:xfrm>
+            <a:off x="457200" y="152400"/>
+            <a:ext cx="8229600" cy="1143000"/>
+          </a:xfrm>
+        </p:spPr>
+        <p:txBody>
+          <a:bodyPr>
+            <a:normAutofit/>
+          </a:bodyPr>
+          <a:lstStyle/>
+          <a:p>
+            <a:pPr lvl="0"/>
+            <a:r>
+              <a:rPr lang="en-US" sz="3600" b="1" dirty="0" smtClean="0">
+                <a:latin typeface="Arial" pitchFamily="34" charset="0"/>
+                <a:cs typeface="Arial" pitchFamily="34" charset="0"/>
+              </a:rPr>
+              <a:t>IV. </a:t>
+            </a:r>
+            <a:r>
+              <a:rPr lang="en-US" sz="3600" b="1" dirty="0" smtClean="0">
+                <a:latin typeface="Arial" pitchFamily="34" charset="0"/>
+                <a:cs typeface="Arial" pitchFamily="34" charset="0"/>
+              </a:rPr>
+              <a:t>Export Component</a:t>
+            </a:r>
+            <a:endParaRPr lang="en-US" dirty="0"/>
+          </a:p>
+        </p:txBody>
+      </p:sp>
+      <p:graphicFrame>
+        <p:nvGraphicFramePr>
+          <p:cNvPr id="10" name="Diagram 9"/>
+          <p:cNvGraphicFramePr/>
+          <p:nvPr>
+            <p:extLst>
+              <p:ext uri="{D42A27DB-BD31-4B8C-83A1-F6EECF244321}">
+                <p14:modId xmlns:p14="http://schemas.microsoft.com/office/powerpoint/2010/main" val="2729158575"/>
+              </p:ext>
+            </p:extLst>
+          </p:nvPr>
+        </p:nvGraphicFramePr>
+        <p:xfrm>
+          <a:off x="609600" y="1304636"/>
+          <a:ext cx="7848600" cy="4622800"/>
+        </p:xfrm>
+        <a:graphic>
+          <a:graphicData uri="http://schemas.openxmlformats.org/drawingml/2006/diagram">
+            <dgm:relIds xmlns:dgm="http://schemas.openxmlformats.org/drawingml/2006/diagram" xmlns:r="http://schemas.openxmlformats.org/officeDocument/2006/relationships" r:dm="rId2" r:lo="rId3" r:qs="rId4" r:cs="rId5"/>
+          </a:graphicData>
+        </a:graphic>
+      </p:graphicFrame>
+    </p:spTree>
+    <p:extLst>
+      <p:ext uri="{BB962C8B-B14F-4D97-AF65-F5344CB8AC3E}">
+        <p14:creationId xmlns:p14="http://schemas.microsoft.com/office/powerpoint/2010/main" val="784333501"/>
       </p:ext>
     </p:extLst>
   </p:cSld>
@@ -13990,46 +20564,76 @@
         </p:nvSpPr>
         <p:spPr>
           <a:xfrm>
-            <a:off x="838200" y="304800"/>
-            <a:ext cx="7543800" cy="1143000"/>
+            <a:off x="381000" y="533400"/>
+            <a:ext cx="7543800" cy="381000"/>
           </a:xfrm>
         </p:spPr>
         <p:txBody>
           <a:bodyPr>
-            <a:normAutofit/>
+            <a:noAutofit/>
           </a:bodyPr>
           <a:lstStyle/>
           <a:p>
             <a:pPr lvl="0" algn="l"/>
             <a:r>
-              <a:rPr lang="en-US" sz="3600" b="1" dirty="0" smtClean="0">
+              <a:rPr lang="en-US" sz="2500" b="1" dirty="0" smtClean="0">
                 <a:latin typeface="Arial" pitchFamily="34" charset="0"/>
                 <a:cs typeface="Arial" pitchFamily="34" charset="0"/>
               </a:rPr>
               <a:t>&lt;</a:t>
             </a:r>
             <a:r>
-              <a:rPr lang="en-US" sz="3600" b="1" dirty="0" err="1" smtClean="0">
+              <a:rPr lang="en-US" sz="2500" b="1" dirty="0" err="1" smtClean="0">
                 <a:latin typeface="Arial" pitchFamily="34" charset="0"/>
                 <a:cs typeface="Arial" pitchFamily="34" charset="0"/>
               </a:rPr>
-              <a:t>FlatList</a:t>
-            </a:r>
-            <a:r>
-              <a:rPr lang="en-US" sz="3600" b="1" dirty="0" smtClean="0">
+              <a:t>ListView</a:t>
+            </a:r>
+            <a:r>
+              <a:rPr lang="en-US" sz="2500" b="1" dirty="0" smtClean="0">
                 <a:latin typeface="Arial" pitchFamily="34" charset="0"/>
                 <a:cs typeface="Arial" pitchFamily="34" charset="0"/>
               </a:rPr>
               <a:t> /&gt;</a:t>
             </a:r>
-            <a:endParaRPr lang="en-US" dirty="0"/>
+            <a:endParaRPr lang="en-US" sz="2500" dirty="0"/>
           </a:p>
         </p:txBody>
       </p:sp>
+      <p:pic>
+        <p:nvPicPr>
+          <p:cNvPr id="4" name="Picture 3"/>
+          <p:cNvPicPr>
+            <a:picLocks noChangeAspect="1"/>
+          </p:cNvPicPr>
+          <p:nvPr/>
+        </p:nvPicPr>
+        <p:blipFill>
+          <a:blip r:embed="rId2">
+            <a:extLst>
+              <a:ext uri="{28A0092B-C50C-407E-A947-70E740481C1C}">
+                <a14:useLocalDpi xmlns:a14="http://schemas.microsoft.com/office/drawing/2010/main" val="0"/>
+              </a:ext>
+            </a:extLst>
+          </a:blip>
+          <a:stretch>
+            <a:fillRect/>
+          </a:stretch>
+        </p:blipFill>
+        <p:spPr>
+          <a:xfrm>
+            <a:off x="383309" y="1295400"/>
+            <a:ext cx="8373644" cy="4896533"/>
+          </a:xfrm>
+          <a:prstGeom prst="rect">
+            <a:avLst/>
+          </a:prstGeom>
+        </p:spPr>
+      </p:pic>
     </p:spTree>
     <p:extLst>
       <p:ext uri="{BB962C8B-B14F-4D97-AF65-F5344CB8AC3E}">
-        <p14:creationId xmlns:p14="http://schemas.microsoft.com/office/powerpoint/2010/main" val="3519556545"/>
+        <p14:creationId xmlns:p14="http://schemas.microsoft.com/office/powerpoint/2010/main" val="823921210"/>
       </p:ext>
     </p:extLst>
   </p:cSld>

--- a/PowerPoint/REACT-NATIVE.pptx
+++ b/PowerPoint/REACT-NATIVE.pptx
@@ -19,6 +19,8 @@
     <p:sldId id="267" r:id="rId13"/>
     <p:sldId id="268" r:id="rId14"/>
     <p:sldId id="269" r:id="rId15"/>
+    <p:sldId id="270" r:id="rId16"/>
+    <p:sldId id="271" r:id="rId17"/>
   </p:sldIdLst>
   <p:sldSz cx="9144000" cy="6858000" type="screen4x3"/>
   <p:notesSz cx="6858000" cy="9144000"/>
@@ -1643,6 +1645,753 @@
 </file>
 
 <file path=ppt/diagrams/colors3.xml><?xml version="1.0" encoding="utf-8"?>
+<dgm:colorsDef xmlns:dgm="http://schemas.openxmlformats.org/drawingml/2006/diagram" xmlns:a="http://schemas.openxmlformats.org/drawingml/2006/main" uniqueId="urn:microsoft.com/office/officeart/2005/8/colors/accent1_2">
+  <dgm:title val=""/>
+  <dgm:desc val=""/>
+  <dgm:catLst>
+    <dgm:cat type="accent1" pri="11200"/>
+  </dgm:catLst>
+  <dgm:styleLbl name="node0">
+    <dgm:fillClrLst meth="repeat">
+      <a:schemeClr val="accent1"/>
+    </dgm:fillClrLst>
+    <dgm:linClrLst meth="repeat">
+      <a:schemeClr val="lt1"/>
+    </dgm:linClrLst>
+    <dgm:effectClrLst/>
+    <dgm:txLinClrLst/>
+    <dgm:txFillClrLst/>
+    <dgm:txEffectClrLst/>
+  </dgm:styleLbl>
+  <dgm:styleLbl name="alignNode1">
+    <dgm:fillClrLst meth="repeat">
+      <a:schemeClr val="accent1"/>
+    </dgm:fillClrLst>
+    <dgm:linClrLst meth="repeat">
+      <a:schemeClr val="accent1"/>
+    </dgm:linClrLst>
+    <dgm:effectClrLst/>
+    <dgm:txLinClrLst/>
+    <dgm:txFillClrLst/>
+    <dgm:txEffectClrLst/>
+  </dgm:styleLbl>
+  <dgm:styleLbl name="node1">
+    <dgm:fillClrLst meth="repeat">
+      <a:schemeClr val="accent1"/>
+    </dgm:fillClrLst>
+    <dgm:linClrLst meth="repeat">
+      <a:schemeClr val="lt1"/>
+    </dgm:linClrLst>
+    <dgm:effectClrLst/>
+    <dgm:txLinClrLst/>
+    <dgm:txFillClrLst/>
+    <dgm:txEffectClrLst/>
+  </dgm:styleLbl>
+  <dgm:styleLbl name="lnNode1">
+    <dgm:fillClrLst meth="repeat">
+      <a:schemeClr val="accent1"/>
+    </dgm:fillClrLst>
+    <dgm:linClrLst meth="repeat">
+      <a:schemeClr val="lt1"/>
+    </dgm:linClrLst>
+    <dgm:effectClrLst/>
+    <dgm:txLinClrLst/>
+    <dgm:txFillClrLst/>
+    <dgm:txEffectClrLst/>
+  </dgm:styleLbl>
+  <dgm:styleLbl name="vennNode1">
+    <dgm:fillClrLst meth="repeat">
+      <a:schemeClr val="accent1">
+        <a:alpha val="50000"/>
+      </a:schemeClr>
+    </dgm:fillClrLst>
+    <dgm:linClrLst meth="repeat">
+      <a:schemeClr val="lt1"/>
+    </dgm:linClrLst>
+    <dgm:effectClrLst/>
+    <dgm:txLinClrLst/>
+    <dgm:txFillClrLst/>
+    <dgm:txEffectClrLst/>
+  </dgm:styleLbl>
+  <dgm:styleLbl name="node2">
+    <dgm:fillClrLst meth="repeat">
+      <a:schemeClr val="accent1"/>
+    </dgm:fillClrLst>
+    <dgm:linClrLst meth="repeat">
+      <a:schemeClr val="lt1"/>
+    </dgm:linClrLst>
+    <dgm:effectClrLst/>
+    <dgm:txLinClrLst/>
+    <dgm:txFillClrLst/>
+    <dgm:txEffectClrLst/>
+  </dgm:styleLbl>
+  <dgm:styleLbl name="node3">
+    <dgm:fillClrLst meth="repeat">
+      <a:schemeClr val="accent1"/>
+    </dgm:fillClrLst>
+    <dgm:linClrLst meth="repeat">
+      <a:schemeClr val="lt1"/>
+    </dgm:linClrLst>
+    <dgm:effectClrLst/>
+    <dgm:txLinClrLst/>
+    <dgm:txFillClrLst/>
+    <dgm:txEffectClrLst/>
+  </dgm:styleLbl>
+  <dgm:styleLbl name="node4">
+    <dgm:fillClrLst meth="repeat">
+      <a:schemeClr val="accent1"/>
+    </dgm:fillClrLst>
+    <dgm:linClrLst meth="repeat">
+      <a:schemeClr val="lt1"/>
+    </dgm:linClrLst>
+    <dgm:effectClrLst/>
+    <dgm:txLinClrLst/>
+    <dgm:txFillClrLst/>
+    <dgm:txEffectClrLst/>
+  </dgm:styleLbl>
+  <dgm:styleLbl name="fgImgPlace1">
+    <dgm:fillClrLst meth="repeat">
+      <a:schemeClr val="accent1">
+        <a:tint val="50000"/>
+      </a:schemeClr>
+    </dgm:fillClrLst>
+    <dgm:linClrLst meth="repeat">
+      <a:schemeClr val="lt1"/>
+    </dgm:linClrLst>
+    <dgm:effectClrLst/>
+    <dgm:txLinClrLst/>
+    <dgm:txFillClrLst meth="repeat">
+      <a:schemeClr val="lt1"/>
+    </dgm:txFillClrLst>
+    <dgm:txEffectClrLst/>
+  </dgm:styleLbl>
+  <dgm:styleLbl name="alignImgPlace1">
+    <dgm:fillClrLst meth="repeat">
+      <a:schemeClr val="accent1">
+        <a:tint val="50000"/>
+      </a:schemeClr>
+    </dgm:fillClrLst>
+    <dgm:linClrLst meth="repeat">
+      <a:schemeClr val="lt1"/>
+    </dgm:linClrLst>
+    <dgm:effectClrLst/>
+    <dgm:txLinClrLst/>
+    <dgm:txFillClrLst meth="repeat">
+      <a:schemeClr val="lt1"/>
+    </dgm:txFillClrLst>
+    <dgm:txEffectClrLst/>
+  </dgm:styleLbl>
+  <dgm:styleLbl name="bgImgPlace1">
+    <dgm:fillClrLst meth="repeat">
+      <a:schemeClr val="accent1">
+        <a:tint val="50000"/>
+      </a:schemeClr>
+    </dgm:fillClrLst>
+    <dgm:linClrLst meth="repeat">
+      <a:schemeClr val="lt1"/>
+    </dgm:linClrLst>
+    <dgm:effectClrLst/>
+    <dgm:txLinClrLst/>
+    <dgm:txFillClrLst meth="repeat">
+      <a:schemeClr val="lt1"/>
+    </dgm:txFillClrLst>
+    <dgm:txEffectClrLst/>
+  </dgm:styleLbl>
+  <dgm:styleLbl name="sibTrans2D1">
+    <dgm:fillClrLst meth="repeat">
+      <a:schemeClr val="accent1">
+        <a:tint val="60000"/>
+      </a:schemeClr>
+    </dgm:fillClrLst>
+    <dgm:linClrLst meth="repeat">
+      <a:schemeClr val="accent1">
+        <a:tint val="60000"/>
+      </a:schemeClr>
+    </dgm:linClrLst>
+    <dgm:effectClrLst/>
+    <dgm:txLinClrLst/>
+    <dgm:txFillClrLst/>
+    <dgm:txEffectClrLst/>
+  </dgm:styleLbl>
+  <dgm:styleLbl name="fgSibTrans2D1">
+    <dgm:fillClrLst meth="repeat">
+      <a:schemeClr val="accent1">
+        <a:tint val="60000"/>
+      </a:schemeClr>
+    </dgm:fillClrLst>
+    <dgm:linClrLst meth="repeat">
+      <a:schemeClr val="accent1">
+        <a:tint val="60000"/>
+      </a:schemeClr>
+    </dgm:linClrLst>
+    <dgm:effectClrLst/>
+    <dgm:txLinClrLst/>
+    <dgm:txFillClrLst/>
+    <dgm:txEffectClrLst/>
+  </dgm:styleLbl>
+  <dgm:styleLbl name="bgSibTrans2D1">
+    <dgm:fillClrLst meth="repeat">
+      <a:schemeClr val="accent1">
+        <a:tint val="60000"/>
+      </a:schemeClr>
+    </dgm:fillClrLst>
+    <dgm:linClrLst meth="repeat">
+      <a:schemeClr val="accent1">
+        <a:tint val="60000"/>
+      </a:schemeClr>
+    </dgm:linClrLst>
+    <dgm:effectClrLst/>
+    <dgm:txLinClrLst/>
+    <dgm:txFillClrLst/>
+    <dgm:txEffectClrLst/>
+  </dgm:styleLbl>
+  <dgm:styleLbl name="sibTrans1D1">
+    <dgm:fillClrLst meth="repeat">
+      <a:schemeClr val="accent1"/>
+    </dgm:fillClrLst>
+    <dgm:linClrLst meth="repeat">
+      <a:schemeClr val="accent1"/>
+    </dgm:linClrLst>
+    <dgm:effectClrLst/>
+    <dgm:txLinClrLst/>
+    <dgm:txFillClrLst meth="repeat">
+      <a:schemeClr val="tx1"/>
+    </dgm:txFillClrLst>
+    <dgm:txEffectClrLst/>
+  </dgm:styleLbl>
+  <dgm:styleLbl name="callout">
+    <dgm:fillClrLst meth="repeat">
+      <a:schemeClr val="accent1"/>
+    </dgm:fillClrLst>
+    <dgm:linClrLst meth="repeat">
+      <a:schemeClr val="accent1">
+        <a:tint val="50000"/>
+      </a:schemeClr>
+    </dgm:linClrLst>
+    <dgm:effectClrLst/>
+    <dgm:txLinClrLst/>
+    <dgm:txFillClrLst meth="repeat">
+      <a:schemeClr val="tx1"/>
+    </dgm:txFillClrLst>
+    <dgm:txEffectClrLst/>
+  </dgm:styleLbl>
+  <dgm:styleLbl name="asst0">
+    <dgm:fillClrLst meth="repeat">
+      <a:schemeClr val="accent1"/>
+    </dgm:fillClrLst>
+    <dgm:linClrLst meth="repeat">
+      <a:schemeClr val="lt1"/>
+    </dgm:linClrLst>
+    <dgm:effectClrLst/>
+    <dgm:txLinClrLst/>
+    <dgm:txFillClrLst/>
+    <dgm:txEffectClrLst/>
+  </dgm:styleLbl>
+  <dgm:styleLbl name="asst1">
+    <dgm:fillClrLst meth="repeat">
+      <a:schemeClr val="accent1"/>
+    </dgm:fillClrLst>
+    <dgm:linClrLst meth="repeat">
+      <a:schemeClr val="lt1"/>
+    </dgm:linClrLst>
+    <dgm:effectClrLst/>
+    <dgm:txLinClrLst/>
+    <dgm:txFillClrLst/>
+    <dgm:txEffectClrLst/>
+  </dgm:styleLbl>
+  <dgm:styleLbl name="asst2">
+    <dgm:fillClrLst meth="repeat">
+      <a:schemeClr val="accent1"/>
+    </dgm:fillClrLst>
+    <dgm:linClrLst meth="repeat">
+      <a:schemeClr val="lt1"/>
+    </dgm:linClrLst>
+    <dgm:effectClrLst/>
+    <dgm:txLinClrLst/>
+    <dgm:txFillClrLst/>
+    <dgm:txEffectClrLst/>
+  </dgm:styleLbl>
+  <dgm:styleLbl name="asst3">
+    <dgm:fillClrLst meth="repeat">
+      <a:schemeClr val="accent1"/>
+    </dgm:fillClrLst>
+    <dgm:linClrLst meth="repeat">
+      <a:schemeClr val="lt1"/>
+    </dgm:linClrLst>
+    <dgm:effectClrLst/>
+    <dgm:txLinClrLst/>
+    <dgm:txFillClrLst/>
+    <dgm:txEffectClrLst/>
+  </dgm:styleLbl>
+  <dgm:styleLbl name="asst4">
+    <dgm:fillClrLst meth="repeat">
+      <a:schemeClr val="accent1"/>
+    </dgm:fillClrLst>
+    <dgm:linClrLst meth="repeat">
+      <a:schemeClr val="lt1"/>
+    </dgm:linClrLst>
+    <dgm:effectClrLst/>
+    <dgm:txLinClrLst/>
+    <dgm:txFillClrLst/>
+    <dgm:txEffectClrLst/>
+  </dgm:styleLbl>
+  <dgm:styleLbl name="parChTrans2D1">
+    <dgm:fillClrLst meth="repeat">
+      <a:schemeClr val="accent1">
+        <a:tint val="60000"/>
+      </a:schemeClr>
+    </dgm:fillClrLst>
+    <dgm:linClrLst meth="repeat">
+      <a:schemeClr val="accent1">
+        <a:tint val="60000"/>
+      </a:schemeClr>
+    </dgm:linClrLst>
+    <dgm:effectClrLst/>
+    <dgm:txLinClrLst/>
+    <dgm:txFillClrLst meth="repeat">
+      <a:schemeClr val="lt1"/>
+    </dgm:txFillClrLst>
+    <dgm:txEffectClrLst/>
+  </dgm:styleLbl>
+  <dgm:styleLbl name="parChTrans2D2">
+    <dgm:fillClrLst meth="repeat">
+      <a:schemeClr val="accent1"/>
+    </dgm:fillClrLst>
+    <dgm:linClrLst meth="repeat">
+      <a:schemeClr val="accent1"/>
+    </dgm:linClrLst>
+    <dgm:effectClrLst/>
+    <dgm:txLinClrLst/>
+    <dgm:txFillClrLst meth="repeat">
+      <a:schemeClr val="lt1"/>
+    </dgm:txFillClrLst>
+    <dgm:txEffectClrLst/>
+  </dgm:styleLbl>
+  <dgm:styleLbl name="parChTrans2D3">
+    <dgm:fillClrLst meth="repeat">
+      <a:schemeClr val="accent1"/>
+    </dgm:fillClrLst>
+    <dgm:linClrLst meth="repeat">
+      <a:schemeClr val="accent1"/>
+    </dgm:linClrLst>
+    <dgm:effectClrLst/>
+    <dgm:txLinClrLst/>
+    <dgm:txFillClrLst meth="repeat">
+      <a:schemeClr val="lt1"/>
+    </dgm:txFillClrLst>
+    <dgm:txEffectClrLst/>
+  </dgm:styleLbl>
+  <dgm:styleLbl name="parChTrans2D4">
+    <dgm:fillClrLst meth="repeat">
+      <a:schemeClr val="accent1"/>
+    </dgm:fillClrLst>
+    <dgm:linClrLst meth="repeat">
+      <a:schemeClr val="accent1"/>
+    </dgm:linClrLst>
+    <dgm:effectClrLst/>
+    <dgm:txLinClrLst/>
+    <dgm:txFillClrLst meth="repeat">
+      <a:schemeClr val="lt1"/>
+    </dgm:txFillClrLst>
+    <dgm:txEffectClrLst/>
+  </dgm:styleLbl>
+  <dgm:styleLbl name="parChTrans1D1">
+    <dgm:fillClrLst meth="repeat">
+      <a:schemeClr val="accent1"/>
+    </dgm:fillClrLst>
+    <dgm:linClrLst meth="repeat">
+      <a:schemeClr val="accent1">
+        <a:shade val="60000"/>
+      </a:schemeClr>
+    </dgm:linClrLst>
+    <dgm:effectClrLst/>
+    <dgm:txLinClrLst/>
+    <dgm:txFillClrLst meth="repeat">
+      <a:schemeClr val="tx1"/>
+    </dgm:txFillClrLst>
+    <dgm:txEffectClrLst/>
+  </dgm:styleLbl>
+  <dgm:styleLbl name="parChTrans1D2">
+    <dgm:fillClrLst meth="repeat">
+      <a:schemeClr val="accent1"/>
+    </dgm:fillClrLst>
+    <dgm:linClrLst meth="repeat">
+      <a:schemeClr val="accent1">
+        <a:shade val="60000"/>
+      </a:schemeClr>
+    </dgm:linClrLst>
+    <dgm:effectClrLst/>
+    <dgm:txLinClrLst/>
+    <dgm:txFillClrLst meth="repeat">
+      <a:schemeClr val="tx1"/>
+    </dgm:txFillClrLst>
+    <dgm:txEffectClrLst/>
+  </dgm:styleLbl>
+  <dgm:styleLbl name="parChTrans1D3">
+    <dgm:fillClrLst meth="repeat">
+      <a:schemeClr val="accent1"/>
+    </dgm:fillClrLst>
+    <dgm:linClrLst meth="repeat">
+      <a:schemeClr val="accent1">
+        <a:shade val="80000"/>
+      </a:schemeClr>
+    </dgm:linClrLst>
+    <dgm:effectClrLst/>
+    <dgm:txLinClrLst/>
+    <dgm:txFillClrLst meth="repeat">
+      <a:schemeClr val="tx1"/>
+    </dgm:txFillClrLst>
+    <dgm:txEffectClrLst/>
+  </dgm:styleLbl>
+  <dgm:styleLbl name="parChTrans1D4">
+    <dgm:fillClrLst meth="repeat">
+      <a:schemeClr val="accent1"/>
+    </dgm:fillClrLst>
+    <dgm:linClrLst meth="repeat">
+      <a:schemeClr val="accent1">
+        <a:shade val="80000"/>
+      </a:schemeClr>
+    </dgm:linClrLst>
+    <dgm:effectClrLst/>
+    <dgm:txLinClrLst/>
+    <dgm:txFillClrLst meth="repeat">
+      <a:schemeClr val="tx1"/>
+    </dgm:txFillClrLst>
+    <dgm:txEffectClrLst/>
+  </dgm:styleLbl>
+  <dgm:styleLbl name="fgAcc1">
+    <dgm:fillClrLst meth="repeat">
+      <a:schemeClr val="lt1">
+        <a:alpha val="90000"/>
+      </a:schemeClr>
+    </dgm:fillClrLst>
+    <dgm:linClrLst meth="repeat">
+      <a:schemeClr val="accent1"/>
+    </dgm:linClrLst>
+    <dgm:effectClrLst/>
+    <dgm:txLinClrLst/>
+    <dgm:txFillClrLst meth="repeat">
+      <a:schemeClr val="dk1"/>
+    </dgm:txFillClrLst>
+    <dgm:txEffectClrLst/>
+  </dgm:styleLbl>
+  <dgm:styleLbl name="conFgAcc1">
+    <dgm:fillClrLst meth="repeat">
+      <a:schemeClr val="lt1">
+        <a:alpha val="90000"/>
+      </a:schemeClr>
+    </dgm:fillClrLst>
+    <dgm:linClrLst meth="repeat">
+      <a:schemeClr val="accent1"/>
+    </dgm:linClrLst>
+    <dgm:effectClrLst/>
+    <dgm:txLinClrLst/>
+    <dgm:txFillClrLst meth="repeat">
+      <a:schemeClr val="dk1"/>
+    </dgm:txFillClrLst>
+    <dgm:txEffectClrLst/>
+  </dgm:styleLbl>
+  <dgm:styleLbl name="alignAcc1">
+    <dgm:fillClrLst meth="repeat">
+      <a:schemeClr val="lt1">
+        <a:alpha val="90000"/>
+      </a:schemeClr>
+    </dgm:fillClrLst>
+    <dgm:linClrLst meth="repeat">
+      <a:schemeClr val="accent1"/>
+    </dgm:linClrLst>
+    <dgm:effectClrLst/>
+    <dgm:txLinClrLst/>
+    <dgm:txFillClrLst meth="repeat">
+      <a:schemeClr val="dk1"/>
+    </dgm:txFillClrLst>
+    <dgm:txEffectClrLst/>
+  </dgm:styleLbl>
+  <dgm:styleLbl name="trAlignAcc1">
+    <dgm:fillClrLst meth="repeat">
+      <a:schemeClr val="lt1">
+        <a:alpha val="40000"/>
+      </a:schemeClr>
+    </dgm:fillClrLst>
+    <dgm:linClrLst meth="repeat">
+      <a:schemeClr val="accent1"/>
+    </dgm:linClrLst>
+    <dgm:effectClrLst/>
+    <dgm:txLinClrLst/>
+    <dgm:txFillClrLst meth="repeat">
+      <a:schemeClr val="dk1"/>
+    </dgm:txFillClrLst>
+    <dgm:txEffectClrLst/>
+  </dgm:styleLbl>
+  <dgm:styleLbl name="bgAcc1">
+    <dgm:fillClrLst meth="repeat">
+      <a:schemeClr val="lt1">
+        <a:alpha val="90000"/>
+      </a:schemeClr>
+    </dgm:fillClrLst>
+    <dgm:linClrLst meth="repeat">
+      <a:schemeClr val="accent1"/>
+    </dgm:linClrLst>
+    <dgm:effectClrLst/>
+    <dgm:txLinClrLst/>
+    <dgm:txFillClrLst meth="repeat">
+      <a:schemeClr val="dk1"/>
+    </dgm:txFillClrLst>
+    <dgm:txEffectClrLst/>
+  </dgm:styleLbl>
+  <dgm:styleLbl name="solidFgAcc1">
+    <dgm:fillClrLst meth="repeat">
+      <a:schemeClr val="lt1"/>
+    </dgm:fillClrLst>
+    <dgm:linClrLst meth="repeat">
+      <a:schemeClr val="accent1"/>
+    </dgm:linClrLst>
+    <dgm:effectClrLst/>
+    <dgm:txLinClrLst/>
+    <dgm:txFillClrLst meth="repeat">
+      <a:schemeClr val="dk1"/>
+    </dgm:txFillClrLst>
+    <dgm:txEffectClrLst/>
+  </dgm:styleLbl>
+  <dgm:styleLbl name="solidAlignAcc1">
+    <dgm:fillClrLst meth="repeat">
+      <a:schemeClr val="lt1"/>
+    </dgm:fillClrLst>
+    <dgm:linClrLst meth="repeat">
+      <a:schemeClr val="accent1"/>
+    </dgm:linClrLst>
+    <dgm:effectClrLst/>
+    <dgm:txLinClrLst/>
+    <dgm:txFillClrLst meth="repeat">
+      <a:schemeClr val="dk1"/>
+    </dgm:txFillClrLst>
+    <dgm:txEffectClrLst/>
+  </dgm:styleLbl>
+  <dgm:styleLbl name="solidBgAcc1">
+    <dgm:fillClrLst meth="repeat">
+      <a:schemeClr val="lt1"/>
+    </dgm:fillClrLst>
+    <dgm:linClrLst meth="repeat">
+      <a:schemeClr val="accent1"/>
+    </dgm:linClrLst>
+    <dgm:effectClrLst/>
+    <dgm:txLinClrLst/>
+    <dgm:txFillClrLst meth="repeat">
+      <a:schemeClr val="dk1"/>
+    </dgm:txFillClrLst>
+    <dgm:txEffectClrLst/>
+  </dgm:styleLbl>
+  <dgm:styleLbl name="fgAccFollowNode1">
+    <dgm:fillClrLst meth="repeat">
+      <a:schemeClr val="accent1">
+        <a:alpha val="90000"/>
+        <a:tint val="40000"/>
+      </a:schemeClr>
+    </dgm:fillClrLst>
+    <dgm:linClrLst meth="repeat">
+      <a:schemeClr val="accent1">
+        <a:alpha val="90000"/>
+        <a:tint val="40000"/>
+      </a:schemeClr>
+    </dgm:linClrLst>
+    <dgm:effectClrLst/>
+    <dgm:txLinClrLst/>
+    <dgm:txFillClrLst meth="repeat">
+      <a:schemeClr val="dk1"/>
+    </dgm:txFillClrLst>
+    <dgm:txEffectClrLst/>
+  </dgm:styleLbl>
+  <dgm:styleLbl name="alignAccFollowNode1">
+    <dgm:fillClrLst meth="repeat">
+      <a:schemeClr val="accent1">
+        <a:alpha val="90000"/>
+        <a:tint val="40000"/>
+      </a:schemeClr>
+    </dgm:fillClrLst>
+    <dgm:linClrLst meth="repeat">
+      <a:schemeClr val="accent1">
+        <a:alpha val="90000"/>
+        <a:tint val="40000"/>
+      </a:schemeClr>
+    </dgm:linClrLst>
+    <dgm:effectClrLst/>
+    <dgm:txLinClrLst/>
+    <dgm:txFillClrLst meth="repeat">
+      <a:schemeClr val="dk1"/>
+    </dgm:txFillClrLst>
+    <dgm:txEffectClrLst/>
+  </dgm:styleLbl>
+  <dgm:styleLbl name="bgAccFollowNode1">
+    <dgm:fillClrLst meth="repeat">
+      <a:schemeClr val="accent1">
+        <a:alpha val="90000"/>
+        <a:tint val="40000"/>
+      </a:schemeClr>
+    </dgm:fillClrLst>
+    <dgm:linClrLst meth="repeat">
+      <a:schemeClr val="accent1">
+        <a:alpha val="90000"/>
+        <a:tint val="40000"/>
+      </a:schemeClr>
+    </dgm:linClrLst>
+    <dgm:effectClrLst/>
+    <dgm:txLinClrLst/>
+    <dgm:txFillClrLst meth="repeat">
+      <a:schemeClr val="dk1"/>
+    </dgm:txFillClrLst>
+    <dgm:txEffectClrLst/>
+  </dgm:styleLbl>
+  <dgm:styleLbl name="fgAcc0">
+    <dgm:fillClrLst meth="repeat">
+      <a:schemeClr val="lt1">
+        <a:alpha val="90000"/>
+      </a:schemeClr>
+    </dgm:fillClrLst>
+    <dgm:linClrLst meth="repeat">
+      <a:schemeClr val="accent1"/>
+    </dgm:linClrLst>
+    <dgm:effectClrLst/>
+    <dgm:txLinClrLst/>
+    <dgm:txFillClrLst meth="repeat">
+      <a:schemeClr val="dk1"/>
+    </dgm:txFillClrLst>
+    <dgm:txEffectClrLst/>
+  </dgm:styleLbl>
+  <dgm:styleLbl name="fgAcc2">
+    <dgm:fillClrLst meth="repeat">
+      <a:schemeClr val="lt1">
+        <a:alpha val="90000"/>
+      </a:schemeClr>
+    </dgm:fillClrLst>
+    <dgm:linClrLst meth="repeat">
+      <a:schemeClr val="accent1"/>
+    </dgm:linClrLst>
+    <dgm:effectClrLst/>
+    <dgm:txLinClrLst/>
+    <dgm:txFillClrLst meth="repeat">
+      <a:schemeClr val="dk1"/>
+    </dgm:txFillClrLst>
+    <dgm:txEffectClrLst/>
+  </dgm:styleLbl>
+  <dgm:styleLbl name="fgAcc3">
+    <dgm:fillClrLst meth="repeat">
+      <a:schemeClr val="lt1">
+        <a:alpha val="90000"/>
+      </a:schemeClr>
+    </dgm:fillClrLst>
+    <dgm:linClrLst meth="repeat">
+      <a:schemeClr val="accent1"/>
+    </dgm:linClrLst>
+    <dgm:effectClrLst/>
+    <dgm:txLinClrLst/>
+    <dgm:txFillClrLst meth="repeat">
+      <a:schemeClr val="dk1"/>
+    </dgm:txFillClrLst>
+    <dgm:txEffectClrLst/>
+  </dgm:styleLbl>
+  <dgm:styleLbl name="fgAcc4">
+    <dgm:fillClrLst meth="repeat">
+      <a:schemeClr val="lt1">
+        <a:alpha val="90000"/>
+      </a:schemeClr>
+    </dgm:fillClrLst>
+    <dgm:linClrLst meth="repeat">
+      <a:schemeClr val="accent1"/>
+    </dgm:linClrLst>
+    <dgm:effectClrLst/>
+    <dgm:txLinClrLst/>
+    <dgm:txFillClrLst meth="repeat">
+      <a:schemeClr val="dk1"/>
+    </dgm:txFillClrLst>
+    <dgm:txEffectClrLst/>
+  </dgm:styleLbl>
+  <dgm:styleLbl name="bgShp">
+    <dgm:fillClrLst meth="repeat">
+      <a:schemeClr val="accent1">
+        <a:tint val="40000"/>
+      </a:schemeClr>
+    </dgm:fillClrLst>
+    <dgm:linClrLst meth="repeat">
+      <a:schemeClr val="accent1"/>
+    </dgm:linClrLst>
+    <dgm:effectClrLst/>
+    <dgm:txLinClrLst/>
+    <dgm:txFillClrLst meth="repeat">
+      <a:schemeClr val="dk1"/>
+    </dgm:txFillClrLst>
+    <dgm:txEffectClrLst/>
+  </dgm:styleLbl>
+  <dgm:styleLbl name="dkBgShp">
+    <dgm:fillClrLst meth="repeat">
+      <a:schemeClr val="accent1">
+        <a:shade val="80000"/>
+      </a:schemeClr>
+    </dgm:fillClrLst>
+    <dgm:linClrLst meth="repeat">
+      <a:schemeClr val="accent1"/>
+    </dgm:linClrLst>
+    <dgm:effectClrLst/>
+    <dgm:txLinClrLst/>
+    <dgm:txFillClrLst meth="repeat">
+      <a:schemeClr val="lt1"/>
+    </dgm:txFillClrLst>
+    <dgm:txEffectClrLst/>
+  </dgm:styleLbl>
+  <dgm:styleLbl name="trBgShp">
+    <dgm:fillClrLst meth="repeat">
+      <a:schemeClr val="accent1">
+        <a:tint val="50000"/>
+        <a:alpha val="40000"/>
+      </a:schemeClr>
+    </dgm:fillClrLst>
+    <dgm:linClrLst meth="repeat">
+      <a:schemeClr val="accent1"/>
+    </dgm:linClrLst>
+    <dgm:effectClrLst/>
+    <dgm:txLinClrLst/>
+    <dgm:txFillClrLst meth="repeat">
+      <a:schemeClr val="lt1"/>
+    </dgm:txFillClrLst>
+    <dgm:txEffectClrLst/>
+  </dgm:styleLbl>
+  <dgm:styleLbl name="fgShp">
+    <dgm:fillClrLst meth="repeat">
+      <a:schemeClr val="accent1">
+        <a:tint val="60000"/>
+      </a:schemeClr>
+    </dgm:fillClrLst>
+    <dgm:linClrLst meth="repeat">
+      <a:schemeClr val="lt1"/>
+    </dgm:linClrLst>
+    <dgm:effectClrLst/>
+    <dgm:txLinClrLst/>
+    <dgm:txFillClrLst meth="repeat">
+      <a:schemeClr val="dk1"/>
+    </dgm:txFillClrLst>
+    <dgm:txEffectClrLst/>
+  </dgm:styleLbl>
+  <dgm:styleLbl name="revTx">
+    <dgm:fillClrLst meth="repeat">
+      <a:schemeClr val="lt1">
+        <a:alpha val="0"/>
+      </a:schemeClr>
+    </dgm:fillClrLst>
+    <dgm:linClrLst meth="repeat">
+      <a:schemeClr val="dk1">
+        <a:alpha val="0"/>
+      </a:schemeClr>
+    </dgm:linClrLst>
+    <dgm:effectClrLst/>
+    <dgm:txLinClrLst/>
+    <dgm:txFillClrLst meth="repeat">
+      <a:schemeClr val="tx1"/>
+    </dgm:txFillClrLst>
+    <dgm:txEffectClrLst/>
+  </dgm:styleLbl>
+</dgm:colorsDef>
+</file>
+
+<file path=ppt/diagrams/colors4.xml><?xml version="1.0" encoding="utf-8"?>
 <dgm:colorsDef xmlns:dgm="http://schemas.openxmlformats.org/drawingml/2006/diagram" xmlns:a="http://schemas.openxmlformats.org/drawingml/2006/main" uniqueId="urn:microsoft.com/office/officeart/2005/8/colors/accent1_2">
   <dgm:title val=""/>
   <dgm:desc val=""/>
@@ -2725,14 +3474,16 @@
         <a:lstStyle/>
         <a:p>
           <a:r>
-            <a:rPr lang="en-US" dirty="0" smtClean="0"/>
-            <a:t>Parent </a:t>
+            <a:rPr lang="en-US" dirty="0" smtClean="0">
+              <a:latin typeface="Arial" panose="020B0604020202020204" pitchFamily="34" charset="0"/>
+              <a:cs typeface="Arial" panose="020B0604020202020204" pitchFamily="34" charset="0"/>
+            </a:rPr>
+            <a:t>Parent Component</a:t>
           </a:r>
-          <a:r>
-            <a:rPr lang="en-US" dirty="0" smtClean="0"/>
-            <a:t>Component</a:t>
-          </a:r>
-          <a:endParaRPr lang="en-US" dirty="0"/>
+          <a:endParaRPr lang="en-US" dirty="0">
+            <a:latin typeface="Arial" panose="020B0604020202020204" pitchFamily="34" charset="0"/>
+            <a:cs typeface="Arial" panose="020B0604020202020204" pitchFamily="34" charset="0"/>
+          </a:endParaRPr>
         </a:p>
       </dgm:t>
     </dgm:pt>
@@ -2829,10 +3580,16 @@
         <a:lstStyle/>
         <a:p>
           <a:r>
-            <a:rPr lang="en-US" dirty="0" smtClean="0"/>
+            <a:rPr lang="en-US" dirty="0" smtClean="0">
+              <a:latin typeface="Arial" panose="020B0604020202020204" pitchFamily="34" charset="0"/>
+              <a:cs typeface="Arial" panose="020B0604020202020204" pitchFamily="34" charset="0"/>
+            </a:rPr>
             <a:t>Child Component</a:t>
           </a:r>
-          <a:endParaRPr lang="en-US" dirty="0"/>
+          <a:endParaRPr lang="en-US" dirty="0">
+            <a:latin typeface="Arial" panose="020B0604020202020204" pitchFamily="34" charset="0"/>
+            <a:cs typeface="Arial" panose="020B0604020202020204" pitchFamily="34" charset="0"/>
+          </a:endParaRPr>
         </a:p>
       </dgm:t>
     </dgm:pt>
@@ -3521,6 +4278,13 @@
         </dgm:presLayoutVars>
       </dgm:prSet>
       <dgm:spPr/>
+      <dgm:t>
+        <a:bodyPr/>
+        <a:lstStyle/>
+        <a:p>
+          <a:endParaRPr lang="en-US"/>
+        </a:p>
+      </dgm:t>
     </dgm:pt>
     <dgm:pt modelId="{D77DD30F-2DEB-400A-8DC9-BE3189261164}" type="pres">
       <dgm:prSet presAssocID="{EA36CA61-CDC5-4D05-968E-B1ADA5D7A1A2}" presName="root" presStyleCnt="0"/>
@@ -3544,6 +4308,13 @@
     <dgm:pt modelId="{5A3EBD35-4366-4CA4-8B43-F9C0D597F659}" type="pres">
       <dgm:prSet presAssocID="{EA36CA61-CDC5-4D05-968E-B1ADA5D7A1A2}" presName="rootConnector" presStyleLbl="node1" presStyleIdx="0" presStyleCnt="2"/>
       <dgm:spPr/>
+      <dgm:t>
+        <a:bodyPr/>
+        <a:lstStyle/>
+        <a:p>
+          <a:endParaRPr lang="en-US"/>
+        </a:p>
+      </dgm:t>
     </dgm:pt>
     <dgm:pt modelId="{1E318464-7E26-4ADA-9841-3011B7EEDC80}" type="pres">
       <dgm:prSet presAssocID="{EA36CA61-CDC5-4D05-968E-B1ADA5D7A1A2}" presName="childShape" presStyleCnt="0"/>
@@ -3552,6 +4323,13 @@
     <dgm:pt modelId="{479DDB34-2941-4C36-95A1-D4BF9A0567B7}" type="pres">
       <dgm:prSet presAssocID="{1EF6BC92-C75B-44C2-A8B3-68804A942C62}" presName="Name13" presStyleLbl="parChTrans1D2" presStyleIdx="0" presStyleCnt="2"/>
       <dgm:spPr/>
+      <dgm:t>
+        <a:bodyPr/>
+        <a:lstStyle/>
+        <a:p>
+          <a:endParaRPr lang="en-US"/>
+        </a:p>
+      </dgm:t>
     </dgm:pt>
     <dgm:pt modelId="{8989EA6E-529A-4656-BCAF-E6BACCC73738}" type="pres">
       <dgm:prSet presAssocID="{33E9EF72-D72A-44EF-9C33-EA386861F20E}" presName="childText" presStyleLbl="bgAcc1" presStyleIdx="0" presStyleCnt="2" custScaleX="96199" custScaleY="57781">
@@ -3590,6 +4368,13 @@
     <dgm:pt modelId="{18A8BD65-2EF6-495F-BFF6-DD92D75395C0}" type="pres">
       <dgm:prSet presAssocID="{9F6BB777-E81E-4ACC-BE5E-BFA75C1211BD}" presName="rootConnector" presStyleLbl="node1" presStyleIdx="1" presStyleCnt="2"/>
       <dgm:spPr/>
+      <dgm:t>
+        <a:bodyPr/>
+        <a:lstStyle/>
+        <a:p>
+          <a:endParaRPr lang="en-US"/>
+        </a:p>
+      </dgm:t>
     </dgm:pt>
     <dgm:pt modelId="{37735DF5-C97B-4B8B-A3AF-7D128BBB628F}" type="pres">
       <dgm:prSet presAssocID="{9F6BB777-E81E-4ACC-BE5E-BFA75C1211BD}" presName="childShape" presStyleCnt="0"/>
@@ -3598,6 +4383,13 @@
     <dgm:pt modelId="{409F2B00-78E3-4896-9E24-21CD021CE403}" type="pres">
       <dgm:prSet presAssocID="{AE54EE3E-23D7-4920-A6F0-22A0C8504803}" presName="Name13" presStyleLbl="parChTrans1D2" presStyleIdx="1" presStyleCnt="2"/>
       <dgm:spPr/>
+      <dgm:t>
+        <a:bodyPr/>
+        <a:lstStyle/>
+        <a:p>
+          <a:endParaRPr lang="en-US"/>
+        </a:p>
+      </dgm:t>
     </dgm:pt>
     <dgm:pt modelId="{B5C3A1FE-3272-4138-87DA-E815315C7BA6}" type="pres">
       <dgm:prSet presAssocID="{E1D59B1C-A3E5-48D3-98DD-706DD9378A07}" presName="childText" presStyleLbl="bgAcc1" presStyleIdx="1" presStyleCnt="2" custScaleX="95972" custScaleY="57781">
@@ -3622,8 +4414,8 @@
     <dgm:cxn modelId="{3FF09597-B436-4FC8-A8A8-3377FE16AAF8}" type="presOf" srcId="{E1D59B1C-A3E5-48D3-98DD-706DD9378A07}" destId="{B5C3A1FE-3272-4138-87DA-E815315C7BA6}" srcOrd="0" destOrd="0" presId="urn:microsoft.com/office/officeart/2005/8/layout/hierarchy3"/>
     <dgm:cxn modelId="{2BD68847-3C75-4739-B8EB-3C3A04A29CF0}" srcId="{EA36CA61-CDC5-4D05-968E-B1ADA5D7A1A2}" destId="{33E9EF72-D72A-44EF-9C33-EA386861F20E}" srcOrd="0" destOrd="0" parTransId="{1EF6BC92-C75B-44C2-A8B3-68804A942C62}" sibTransId="{A85AE2DC-3DC2-4385-AAC3-367259254CB1}"/>
     <dgm:cxn modelId="{FB182395-6316-406F-B720-5FF0CDFFB60E}" type="presOf" srcId="{DEA027DB-DACA-489C-9D36-557FCCF43A77}" destId="{97DDE6CC-C3A4-499A-97D0-9A330FF6AB88}" srcOrd="0" destOrd="0" presId="urn:microsoft.com/office/officeart/2005/8/layout/hierarchy3"/>
+    <dgm:cxn modelId="{2387A7DC-0FFC-4A5D-BF71-61DDE11B8422}" type="presOf" srcId="{AE54EE3E-23D7-4920-A6F0-22A0C8504803}" destId="{409F2B00-78E3-4896-9E24-21CD021CE403}" srcOrd="0" destOrd="0" presId="urn:microsoft.com/office/officeart/2005/8/layout/hierarchy3"/>
     <dgm:cxn modelId="{7EC97442-C69C-40A6-9AF9-36939A65D97E}" srcId="{DEA027DB-DACA-489C-9D36-557FCCF43A77}" destId="{9F6BB777-E81E-4ACC-BE5E-BFA75C1211BD}" srcOrd="1" destOrd="0" parTransId="{07B39AFF-FC38-4CFE-A134-0CD7B39A5E9F}" sibTransId="{DC74B31B-76AC-4473-AD20-F8BAD0E512DA}"/>
-    <dgm:cxn modelId="{2387A7DC-0FFC-4A5D-BF71-61DDE11B8422}" type="presOf" srcId="{AE54EE3E-23D7-4920-A6F0-22A0C8504803}" destId="{409F2B00-78E3-4896-9E24-21CD021CE403}" srcOrd="0" destOrd="0" presId="urn:microsoft.com/office/officeart/2005/8/layout/hierarchy3"/>
     <dgm:cxn modelId="{49944365-1AEB-4820-A018-DACF336DD624}" type="presOf" srcId="{EA36CA61-CDC5-4D05-968E-B1ADA5D7A1A2}" destId="{F8D57ACA-2F5D-49D1-AE7B-8F5FE9F94EF0}" srcOrd="0" destOrd="0" presId="urn:microsoft.com/office/officeart/2005/8/layout/hierarchy3"/>
     <dgm:cxn modelId="{3375DEBE-D05E-4C0B-B504-DF8E029BB1CE}" srcId="{DEA027DB-DACA-489C-9D36-557FCCF43A77}" destId="{EA36CA61-CDC5-4D05-968E-B1ADA5D7A1A2}" srcOrd="0" destOrd="0" parTransId="{0E6F26FD-249A-4BC4-81A4-B31AC8B08A19}" sibTransId="{A4D77DF2-98A1-4DF0-8E31-F66B4D99AB79}"/>
     <dgm:cxn modelId="{815837D2-8CFB-48E1-80AD-D85437689406}" type="presOf" srcId="{33E9EF72-D72A-44EF-9C33-EA386861F20E}" destId="{8989EA6E-529A-4656-BCAF-E6BACCC73738}" srcOrd="0" destOrd="0" presId="urn:microsoft.com/office/officeart/2005/8/layout/hierarchy3"/>
@@ -3654,6 +4446,545 @@
 </dgm:dataModel>
 </file>
 
+<file path=ppt/diagrams/data4.xml><?xml version="1.0" encoding="utf-8"?>
+<dgm:dataModel xmlns:dgm="http://schemas.openxmlformats.org/drawingml/2006/diagram" xmlns:a="http://schemas.openxmlformats.org/drawingml/2006/main">
+  <dgm:ptLst>
+    <dgm:pt modelId="{21746B13-6959-4778-BF22-66A345683AC4}" type="doc">
+      <dgm:prSet loTypeId="urn:microsoft.com/office/officeart/2005/8/layout/vList5" loCatId="list" qsTypeId="urn:microsoft.com/office/officeart/2005/8/quickstyle/simple1" qsCatId="simple" csTypeId="urn:microsoft.com/office/officeart/2005/8/colors/accent1_2" csCatId="accent1" phldr="1"/>
+      <dgm:spPr/>
+      <dgm:t>
+        <a:bodyPr/>
+        <a:lstStyle/>
+        <a:p>
+          <a:endParaRPr lang="en-US"/>
+        </a:p>
+      </dgm:t>
+    </dgm:pt>
+    <dgm:pt modelId="{F288CB3F-1FEA-4884-A577-CF276A21159D}">
+      <dgm:prSet phldrT="[Text]"/>
+      <dgm:spPr>
+        <a:solidFill>
+          <a:schemeClr val="tx1">
+            <a:lumMod val="75000"/>
+            <a:lumOff val="25000"/>
+          </a:schemeClr>
+        </a:solidFill>
+      </dgm:spPr>
+      <dgm:t>
+        <a:bodyPr/>
+        <a:lstStyle/>
+        <a:p>
+          <a:r>
+            <a:rPr lang="en-US" b="0" i="0" dirty="0" err="1" smtClean="0">
+              <a:latin typeface="Arial" panose="020B0604020202020204" pitchFamily="34" charset="0"/>
+              <a:cs typeface="Arial" panose="020B0604020202020204" pitchFamily="34" charset="0"/>
+            </a:rPr>
+            <a:t>StackNavigator</a:t>
+          </a:r>
+          <a:endParaRPr lang="en-US" dirty="0">
+            <a:latin typeface="Arial" panose="020B0604020202020204" pitchFamily="34" charset="0"/>
+            <a:cs typeface="Arial" panose="020B0604020202020204" pitchFamily="34" charset="0"/>
+          </a:endParaRPr>
+        </a:p>
+      </dgm:t>
+    </dgm:pt>
+    <dgm:pt modelId="{D4A552A3-7A77-4CE7-9216-1C62E2EC8CE1}" type="parTrans" cxnId="{4462535D-74E0-4744-B448-DEDA6008520F}">
+      <dgm:prSet/>
+      <dgm:spPr/>
+      <dgm:t>
+        <a:bodyPr/>
+        <a:lstStyle/>
+        <a:p>
+          <a:endParaRPr lang="en-US">
+            <a:latin typeface="Arial" panose="020B0604020202020204" pitchFamily="34" charset="0"/>
+            <a:cs typeface="Arial" panose="020B0604020202020204" pitchFamily="34" charset="0"/>
+          </a:endParaRPr>
+        </a:p>
+      </dgm:t>
+    </dgm:pt>
+    <dgm:pt modelId="{684C2722-A040-4340-8331-B7A91C5FB5C0}" type="sibTrans" cxnId="{4462535D-74E0-4744-B448-DEDA6008520F}">
+      <dgm:prSet/>
+      <dgm:spPr/>
+      <dgm:t>
+        <a:bodyPr/>
+        <a:lstStyle/>
+        <a:p>
+          <a:endParaRPr lang="en-US">
+            <a:latin typeface="Arial" panose="020B0604020202020204" pitchFamily="34" charset="0"/>
+            <a:cs typeface="Arial" panose="020B0604020202020204" pitchFamily="34" charset="0"/>
+          </a:endParaRPr>
+        </a:p>
+      </dgm:t>
+    </dgm:pt>
+    <dgm:pt modelId="{E260DAC3-CC09-46A2-A713-F2BE3FFE5C18}">
+      <dgm:prSet phldrT="[Text]"/>
+      <dgm:spPr/>
+      <dgm:t>
+        <a:bodyPr/>
+        <a:lstStyle/>
+        <a:p>
+          <a:r>
+            <a:rPr lang="en-US" b="0" i="0" dirty="0" smtClean="0">
+              <a:latin typeface="Arial" panose="020B0604020202020204" pitchFamily="34" charset="0"/>
+              <a:cs typeface="Arial" panose="020B0604020202020204" pitchFamily="34" charset="0"/>
+            </a:rPr>
+            <a:t>Provides a way for your app to transition between screens where each </a:t>
+          </a:r>
+          <a:r>
+            <a:rPr lang="en-US" b="0" i="0" dirty="0" smtClean="0">
+              <a:solidFill>
+                <a:srgbClr val="C00000"/>
+              </a:solidFill>
+              <a:latin typeface="Arial" panose="020B0604020202020204" pitchFamily="34" charset="0"/>
+              <a:cs typeface="Arial" panose="020B0604020202020204" pitchFamily="34" charset="0"/>
+            </a:rPr>
+            <a:t>new screen is placed on top of a stack</a:t>
+          </a:r>
+          <a:endParaRPr lang="en-US" dirty="0">
+            <a:solidFill>
+              <a:srgbClr val="C00000"/>
+            </a:solidFill>
+            <a:latin typeface="Arial" panose="020B0604020202020204" pitchFamily="34" charset="0"/>
+            <a:cs typeface="Arial" panose="020B0604020202020204" pitchFamily="34" charset="0"/>
+          </a:endParaRPr>
+        </a:p>
+      </dgm:t>
+    </dgm:pt>
+    <dgm:pt modelId="{08215AA9-34F1-48A7-8296-7E124BB3669D}" type="parTrans" cxnId="{1033C992-32E1-47A8-BFCF-B39C945A12DF}">
+      <dgm:prSet/>
+      <dgm:spPr/>
+      <dgm:t>
+        <a:bodyPr/>
+        <a:lstStyle/>
+        <a:p>
+          <a:endParaRPr lang="en-US">
+            <a:latin typeface="Arial" panose="020B0604020202020204" pitchFamily="34" charset="0"/>
+            <a:cs typeface="Arial" panose="020B0604020202020204" pitchFamily="34" charset="0"/>
+          </a:endParaRPr>
+        </a:p>
+      </dgm:t>
+    </dgm:pt>
+    <dgm:pt modelId="{E8B5C0FF-3AE7-4EA6-81C1-F521B79FBAC2}" type="sibTrans" cxnId="{1033C992-32E1-47A8-BFCF-B39C945A12DF}">
+      <dgm:prSet/>
+      <dgm:spPr/>
+      <dgm:t>
+        <a:bodyPr/>
+        <a:lstStyle/>
+        <a:p>
+          <a:endParaRPr lang="en-US">
+            <a:latin typeface="Arial" panose="020B0604020202020204" pitchFamily="34" charset="0"/>
+            <a:cs typeface="Arial" panose="020B0604020202020204" pitchFamily="34" charset="0"/>
+          </a:endParaRPr>
+        </a:p>
+      </dgm:t>
+    </dgm:pt>
+    <dgm:pt modelId="{9899873B-F995-4826-B02A-D67AF0CDAD71}">
+      <dgm:prSet phldrT="[Text]"/>
+      <dgm:spPr>
+        <a:solidFill>
+          <a:schemeClr val="tx1">
+            <a:lumMod val="75000"/>
+            <a:lumOff val="25000"/>
+          </a:schemeClr>
+        </a:solidFill>
+      </dgm:spPr>
+      <dgm:t>
+        <a:bodyPr/>
+        <a:lstStyle/>
+        <a:p>
+          <a:r>
+            <a:rPr lang="en-US" b="0" i="0" dirty="0" err="1" smtClean="0">
+              <a:latin typeface="Arial" panose="020B0604020202020204" pitchFamily="34" charset="0"/>
+              <a:cs typeface="Arial" panose="020B0604020202020204" pitchFamily="34" charset="0"/>
+            </a:rPr>
+            <a:t>DrawerNavigator</a:t>
+          </a:r>
+          <a:endParaRPr lang="en-US" dirty="0">
+            <a:latin typeface="Arial" panose="020B0604020202020204" pitchFamily="34" charset="0"/>
+            <a:cs typeface="Arial" panose="020B0604020202020204" pitchFamily="34" charset="0"/>
+          </a:endParaRPr>
+        </a:p>
+      </dgm:t>
+    </dgm:pt>
+    <dgm:pt modelId="{DF2DC0A1-E611-4303-8A86-F06673DAAC6C}" type="parTrans" cxnId="{15C989BC-3F87-472B-A2DD-42C82FDE12D8}">
+      <dgm:prSet/>
+      <dgm:spPr/>
+      <dgm:t>
+        <a:bodyPr/>
+        <a:lstStyle/>
+        <a:p>
+          <a:endParaRPr lang="en-US">
+            <a:latin typeface="Arial" panose="020B0604020202020204" pitchFamily="34" charset="0"/>
+            <a:cs typeface="Arial" panose="020B0604020202020204" pitchFamily="34" charset="0"/>
+          </a:endParaRPr>
+        </a:p>
+      </dgm:t>
+    </dgm:pt>
+    <dgm:pt modelId="{734024E9-6B90-4DEE-9549-5BBB340F8E47}" type="sibTrans" cxnId="{15C989BC-3F87-472B-A2DD-42C82FDE12D8}">
+      <dgm:prSet/>
+      <dgm:spPr/>
+      <dgm:t>
+        <a:bodyPr/>
+        <a:lstStyle/>
+        <a:p>
+          <a:endParaRPr lang="en-US">
+            <a:latin typeface="Arial" panose="020B0604020202020204" pitchFamily="34" charset="0"/>
+            <a:cs typeface="Arial" panose="020B0604020202020204" pitchFamily="34" charset="0"/>
+          </a:endParaRPr>
+        </a:p>
+      </dgm:t>
+    </dgm:pt>
+    <dgm:pt modelId="{E844294B-F09C-4340-A8D8-6B1B6F15297C}">
+      <dgm:prSet phldrT="[Text]"/>
+      <dgm:spPr/>
+      <dgm:t>
+        <a:bodyPr/>
+        <a:lstStyle/>
+        <a:p>
+          <a:r>
+            <a:rPr lang="en-US" b="0" i="0" dirty="0" smtClean="0">
+              <a:latin typeface="Arial" panose="020B0604020202020204" pitchFamily="34" charset="0"/>
+              <a:cs typeface="Arial" panose="020B0604020202020204" pitchFamily="34" charset="0"/>
+            </a:rPr>
+            <a:t>Used to set up a screen with </a:t>
+          </a:r>
+          <a:r>
+            <a:rPr lang="en-US" b="0" i="0" dirty="0" smtClean="0">
+              <a:solidFill>
+                <a:srgbClr val="C00000"/>
+              </a:solidFill>
+              <a:latin typeface="Arial" panose="020B0604020202020204" pitchFamily="34" charset="0"/>
+              <a:cs typeface="Arial" panose="020B0604020202020204" pitchFamily="34" charset="0"/>
+            </a:rPr>
+            <a:t>drawer</a:t>
+          </a:r>
+          <a:r>
+            <a:rPr lang="en-US" b="0" i="0" dirty="0" smtClean="0">
+              <a:latin typeface="Arial" panose="020B0604020202020204" pitchFamily="34" charset="0"/>
+              <a:cs typeface="Arial" panose="020B0604020202020204" pitchFamily="34" charset="0"/>
+            </a:rPr>
+            <a:t> navigation</a:t>
+          </a:r>
+          <a:endParaRPr lang="en-US" dirty="0">
+            <a:latin typeface="Arial" panose="020B0604020202020204" pitchFamily="34" charset="0"/>
+            <a:cs typeface="Arial" panose="020B0604020202020204" pitchFamily="34" charset="0"/>
+          </a:endParaRPr>
+        </a:p>
+      </dgm:t>
+    </dgm:pt>
+    <dgm:pt modelId="{AC732AFF-FC0C-4F83-A767-097A5F18EC56}" type="parTrans" cxnId="{CB4C01EB-A471-488F-86C3-8D82513BB6BB}">
+      <dgm:prSet/>
+      <dgm:spPr/>
+      <dgm:t>
+        <a:bodyPr/>
+        <a:lstStyle/>
+        <a:p>
+          <a:endParaRPr lang="en-US">
+            <a:latin typeface="Arial" panose="020B0604020202020204" pitchFamily="34" charset="0"/>
+            <a:cs typeface="Arial" panose="020B0604020202020204" pitchFamily="34" charset="0"/>
+          </a:endParaRPr>
+        </a:p>
+      </dgm:t>
+    </dgm:pt>
+    <dgm:pt modelId="{F5BAC34D-23D9-4164-9C95-E6F8163458F2}" type="sibTrans" cxnId="{CB4C01EB-A471-488F-86C3-8D82513BB6BB}">
+      <dgm:prSet/>
+      <dgm:spPr/>
+      <dgm:t>
+        <a:bodyPr/>
+        <a:lstStyle/>
+        <a:p>
+          <a:endParaRPr lang="en-US">
+            <a:latin typeface="Arial" panose="020B0604020202020204" pitchFamily="34" charset="0"/>
+            <a:cs typeface="Arial" panose="020B0604020202020204" pitchFamily="34" charset="0"/>
+          </a:endParaRPr>
+        </a:p>
+      </dgm:t>
+    </dgm:pt>
+    <dgm:pt modelId="{FFC2A4B6-F4F8-41E3-83A2-9F7C0017DD82}">
+      <dgm:prSet phldrT="[Text]"/>
+      <dgm:spPr>
+        <a:solidFill>
+          <a:schemeClr val="tx1">
+            <a:lumMod val="75000"/>
+            <a:lumOff val="25000"/>
+          </a:schemeClr>
+        </a:solidFill>
+      </dgm:spPr>
+      <dgm:t>
+        <a:bodyPr/>
+        <a:lstStyle/>
+        <a:p>
+          <a:r>
+            <a:rPr lang="en-US" b="0" i="0" dirty="0" err="1" smtClean="0">
+              <a:latin typeface="Arial" panose="020B0604020202020204" pitchFamily="34" charset="0"/>
+              <a:cs typeface="Arial" panose="020B0604020202020204" pitchFamily="34" charset="0"/>
+            </a:rPr>
+            <a:t>TabNavigator</a:t>
+          </a:r>
+          <a:endParaRPr lang="en-US" dirty="0">
+            <a:latin typeface="Arial" panose="020B0604020202020204" pitchFamily="34" charset="0"/>
+            <a:cs typeface="Arial" panose="020B0604020202020204" pitchFamily="34" charset="0"/>
+          </a:endParaRPr>
+        </a:p>
+      </dgm:t>
+    </dgm:pt>
+    <dgm:pt modelId="{B2B67F98-2A52-47FE-A4C4-10B450FBE76D}" type="parTrans" cxnId="{32568593-857A-4949-9C15-3303A0365716}">
+      <dgm:prSet/>
+      <dgm:spPr/>
+      <dgm:t>
+        <a:bodyPr/>
+        <a:lstStyle/>
+        <a:p>
+          <a:endParaRPr lang="en-US">
+            <a:latin typeface="Arial" panose="020B0604020202020204" pitchFamily="34" charset="0"/>
+            <a:cs typeface="Arial" panose="020B0604020202020204" pitchFamily="34" charset="0"/>
+          </a:endParaRPr>
+        </a:p>
+      </dgm:t>
+    </dgm:pt>
+    <dgm:pt modelId="{066FFCDA-30B2-441A-A3AB-9609AD08E296}" type="sibTrans" cxnId="{32568593-857A-4949-9C15-3303A0365716}">
+      <dgm:prSet/>
+      <dgm:spPr/>
+      <dgm:t>
+        <a:bodyPr/>
+        <a:lstStyle/>
+        <a:p>
+          <a:endParaRPr lang="en-US">
+            <a:latin typeface="Arial" panose="020B0604020202020204" pitchFamily="34" charset="0"/>
+            <a:cs typeface="Arial" panose="020B0604020202020204" pitchFamily="34" charset="0"/>
+          </a:endParaRPr>
+        </a:p>
+      </dgm:t>
+    </dgm:pt>
+    <dgm:pt modelId="{55858AC7-6883-4888-8D38-B314D602BE2A}">
+      <dgm:prSet phldrT="[Text]"/>
+      <dgm:spPr/>
+      <dgm:t>
+        <a:bodyPr/>
+        <a:lstStyle/>
+        <a:p>
+          <a:r>
+            <a:rPr lang="en-US" b="0" i="0" dirty="0" smtClean="0">
+              <a:latin typeface="Arial" panose="020B0604020202020204" pitchFamily="34" charset="0"/>
+              <a:cs typeface="Arial" panose="020B0604020202020204" pitchFamily="34" charset="0"/>
+            </a:rPr>
+            <a:t>Used to set up a screen with several </a:t>
+          </a:r>
+          <a:r>
+            <a:rPr lang="en-US" b="0" i="0" dirty="0" smtClean="0">
+              <a:solidFill>
+                <a:srgbClr val="C00000"/>
+              </a:solidFill>
+              <a:latin typeface="Arial" panose="020B0604020202020204" pitchFamily="34" charset="0"/>
+              <a:cs typeface="Arial" panose="020B0604020202020204" pitchFamily="34" charset="0"/>
+            </a:rPr>
+            <a:t>tabs</a:t>
+          </a:r>
+          <a:endParaRPr lang="en-US" dirty="0">
+            <a:solidFill>
+              <a:srgbClr val="C00000"/>
+            </a:solidFill>
+            <a:latin typeface="Arial" panose="020B0604020202020204" pitchFamily="34" charset="0"/>
+            <a:cs typeface="Arial" panose="020B0604020202020204" pitchFamily="34" charset="0"/>
+          </a:endParaRPr>
+        </a:p>
+      </dgm:t>
+    </dgm:pt>
+    <dgm:pt modelId="{7FE6616A-3C89-46AC-A68E-FEED35F2A507}" type="parTrans" cxnId="{F830A446-0AB1-4490-9941-1C6FAFDACF3C}">
+      <dgm:prSet/>
+      <dgm:spPr/>
+      <dgm:t>
+        <a:bodyPr/>
+        <a:lstStyle/>
+        <a:p>
+          <a:endParaRPr lang="en-US">
+            <a:latin typeface="Arial" panose="020B0604020202020204" pitchFamily="34" charset="0"/>
+            <a:cs typeface="Arial" panose="020B0604020202020204" pitchFamily="34" charset="0"/>
+          </a:endParaRPr>
+        </a:p>
+      </dgm:t>
+    </dgm:pt>
+    <dgm:pt modelId="{B7EAA758-20F9-403D-8CE2-8E6764DF57A0}" type="sibTrans" cxnId="{F830A446-0AB1-4490-9941-1C6FAFDACF3C}">
+      <dgm:prSet/>
+      <dgm:spPr/>
+      <dgm:t>
+        <a:bodyPr/>
+        <a:lstStyle/>
+        <a:p>
+          <a:endParaRPr lang="en-US">
+            <a:latin typeface="Arial" panose="020B0604020202020204" pitchFamily="34" charset="0"/>
+            <a:cs typeface="Arial" panose="020B0604020202020204" pitchFamily="34" charset="0"/>
+          </a:endParaRPr>
+        </a:p>
+      </dgm:t>
+    </dgm:pt>
+    <dgm:pt modelId="{DB88F925-D51A-47E7-B288-F6F8A0CF3A61}" type="pres">
+      <dgm:prSet presAssocID="{21746B13-6959-4778-BF22-66A345683AC4}" presName="Name0" presStyleCnt="0">
+        <dgm:presLayoutVars>
+          <dgm:dir/>
+          <dgm:animLvl val="lvl"/>
+          <dgm:resizeHandles val="exact"/>
+        </dgm:presLayoutVars>
+      </dgm:prSet>
+      <dgm:spPr/>
+      <dgm:t>
+        <a:bodyPr/>
+        <a:lstStyle/>
+        <a:p>
+          <a:endParaRPr lang="en-US"/>
+        </a:p>
+      </dgm:t>
+    </dgm:pt>
+    <dgm:pt modelId="{E9FE1863-59FB-43EA-8EEF-C3175CA72F0A}" type="pres">
+      <dgm:prSet presAssocID="{F288CB3F-1FEA-4884-A577-CF276A21159D}" presName="linNode" presStyleCnt="0"/>
+      <dgm:spPr/>
+    </dgm:pt>
+    <dgm:pt modelId="{38520285-16C5-48E2-A871-1F7F6B36A14B}" type="pres">
+      <dgm:prSet presAssocID="{F288CB3F-1FEA-4884-A577-CF276A21159D}" presName="parentText" presStyleLbl="node1" presStyleIdx="0" presStyleCnt="3">
+        <dgm:presLayoutVars>
+          <dgm:chMax val="1"/>
+          <dgm:bulletEnabled val="1"/>
+        </dgm:presLayoutVars>
+      </dgm:prSet>
+      <dgm:spPr/>
+      <dgm:t>
+        <a:bodyPr/>
+        <a:lstStyle/>
+        <a:p>
+          <a:endParaRPr lang="en-US"/>
+        </a:p>
+      </dgm:t>
+    </dgm:pt>
+    <dgm:pt modelId="{0A3FF821-A403-4E18-9DC5-E0954A663B4C}" type="pres">
+      <dgm:prSet presAssocID="{F288CB3F-1FEA-4884-A577-CF276A21159D}" presName="descendantText" presStyleLbl="alignAccFollowNode1" presStyleIdx="0" presStyleCnt="3">
+        <dgm:presLayoutVars>
+          <dgm:bulletEnabled val="1"/>
+        </dgm:presLayoutVars>
+      </dgm:prSet>
+      <dgm:spPr/>
+      <dgm:t>
+        <a:bodyPr/>
+        <a:lstStyle/>
+        <a:p>
+          <a:endParaRPr lang="en-US"/>
+        </a:p>
+      </dgm:t>
+    </dgm:pt>
+    <dgm:pt modelId="{DA5848E4-F8DD-469B-97F2-E07BFB642F3F}" type="pres">
+      <dgm:prSet presAssocID="{684C2722-A040-4340-8331-B7A91C5FB5C0}" presName="sp" presStyleCnt="0"/>
+      <dgm:spPr/>
+    </dgm:pt>
+    <dgm:pt modelId="{8537BA57-CF48-447D-A706-33D01C4F765E}" type="pres">
+      <dgm:prSet presAssocID="{9899873B-F995-4826-B02A-D67AF0CDAD71}" presName="linNode" presStyleCnt="0"/>
+      <dgm:spPr/>
+    </dgm:pt>
+    <dgm:pt modelId="{BF3F5242-8084-402C-8D1D-14DB10A5BC46}" type="pres">
+      <dgm:prSet presAssocID="{9899873B-F995-4826-B02A-D67AF0CDAD71}" presName="parentText" presStyleLbl="node1" presStyleIdx="1" presStyleCnt="3">
+        <dgm:presLayoutVars>
+          <dgm:chMax val="1"/>
+          <dgm:bulletEnabled val="1"/>
+        </dgm:presLayoutVars>
+      </dgm:prSet>
+      <dgm:spPr/>
+      <dgm:t>
+        <a:bodyPr/>
+        <a:lstStyle/>
+        <a:p>
+          <a:endParaRPr lang="en-US"/>
+        </a:p>
+      </dgm:t>
+    </dgm:pt>
+    <dgm:pt modelId="{68DB4A6B-6262-42CC-9DB1-8D373F75C197}" type="pres">
+      <dgm:prSet presAssocID="{9899873B-F995-4826-B02A-D67AF0CDAD71}" presName="descendantText" presStyleLbl="alignAccFollowNode1" presStyleIdx="1" presStyleCnt="3">
+        <dgm:presLayoutVars>
+          <dgm:bulletEnabled val="1"/>
+        </dgm:presLayoutVars>
+      </dgm:prSet>
+      <dgm:spPr/>
+      <dgm:t>
+        <a:bodyPr/>
+        <a:lstStyle/>
+        <a:p>
+          <a:endParaRPr lang="en-US"/>
+        </a:p>
+      </dgm:t>
+    </dgm:pt>
+    <dgm:pt modelId="{8A4E225D-3448-405E-9E4C-E87F05985794}" type="pres">
+      <dgm:prSet presAssocID="{734024E9-6B90-4DEE-9549-5BBB340F8E47}" presName="sp" presStyleCnt="0"/>
+      <dgm:spPr/>
+    </dgm:pt>
+    <dgm:pt modelId="{72F427B5-32C4-40C3-9BB2-C8B98AB82DB5}" type="pres">
+      <dgm:prSet presAssocID="{FFC2A4B6-F4F8-41E3-83A2-9F7C0017DD82}" presName="linNode" presStyleCnt="0"/>
+      <dgm:spPr/>
+    </dgm:pt>
+    <dgm:pt modelId="{9027ACF4-E62A-4DD7-8AEB-F9583CF30DEC}" type="pres">
+      <dgm:prSet presAssocID="{FFC2A4B6-F4F8-41E3-83A2-9F7C0017DD82}" presName="parentText" presStyleLbl="node1" presStyleIdx="2" presStyleCnt="3">
+        <dgm:presLayoutVars>
+          <dgm:chMax val="1"/>
+          <dgm:bulletEnabled val="1"/>
+        </dgm:presLayoutVars>
+      </dgm:prSet>
+      <dgm:spPr/>
+      <dgm:t>
+        <a:bodyPr/>
+        <a:lstStyle/>
+        <a:p>
+          <a:endParaRPr lang="en-US"/>
+        </a:p>
+      </dgm:t>
+    </dgm:pt>
+    <dgm:pt modelId="{1BA234BE-F4E0-4319-B982-3F8537A80498}" type="pres">
+      <dgm:prSet presAssocID="{FFC2A4B6-F4F8-41E3-83A2-9F7C0017DD82}" presName="descendantText" presStyleLbl="alignAccFollowNode1" presStyleIdx="2" presStyleCnt="3">
+        <dgm:presLayoutVars>
+          <dgm:bulletEnabled val="1"/>
+        </dgm:presLayoutVars>
+      </dgm:prSet>
+      <dgm:spPr/>
+      <dgm:t>
+        <a:bodyPr/>
+        <a:lstStyle/>
+        <a:p>
+          <a:endParaRPr lang="en-US"/>
+        </a:p>
+      </dgm:t>
+    </dgm:pt>
+  </dgm:ptLst>
+  <dgm:cxnLst>
+    <dgm:cxn modelId="{A617A8CB-83B7-4F42-857D-3EFFADB80372}" type="presOf" srcId="{9899873B-F995-4826-B02A-D67AF0CDAD71}" destId="{BF3F5242-8084-402C-8D1D-14DB10A5BC46}" srcOrd="0" destOrd="0" presId="urn:microsoft.com/office/officeart/2005/8/layout/vList5"/>
+    <dgm:cxn modelId="{A23EBFBE-7CBF-4902-A99E-BB64866EE463}" type="presOf" srcId="{FFC2A4B6-F4F8-41E3-83A2-9F7C0017DD82}" destId="{9027ACF4-E62A-4DD7-8AEB-F9583CF30DEC}" srcOrd="0" destOrd="0" presId="urn:microsoft.com/office/officeart/2005/8/layout/vList5"/>
+    <dgm:cxn modelId="{F830A446-0AB1-4490-9941-1C6FAFDACF3C}" srcId="{FFC2A4B6-F4F8-41E3-83A2-9F7C0017DD82}" destId="{55858AC7-6883-4888-8D38-B314D602BE2A}" srcOrd="0" destOrd="0" parTransId="{7FE6616A-3C89-46AC-A68E-FEED35F2A507}" sibTransId="{B7EAA758-20F9-403D-8CE2-8E6764DF57A0}"/>
+    <dgm:cxn modelId="{36388771-8DBB-48E0-87AF-2F762C3D966B}" type="presOf" srcId="{21746B13-6959-4778-BF22-66A345683AC4}" destId="{DB88F925-D51A-47E7-B288-F6F8A0CF3A61}" srcOrd="0" destOrd="0" presId="urn:microsoft.com/office/officeart/2005/8/layout/vList5"/>
+    <dgm:cxn modelId="{24D622D6-7FD3-44A2-8546-90D41EC8F031}" type="presOf" srcId="{E260DAC3-CC09-46A2-A713-F2BE3FFE5C18}" destId="{0A3FF821-A403-4E18-9DC5-E0954A663B4C}" srcOrd="0" destOrd="0" presId="urn:microsoft.com/office/officeart/2005/8/layout/vList5"/>
+    <dgm:cxn modelId="{CB4C01EB-A471-488F-86C3-8D82513BB6BB}" srcId="{9899873B-F995-4826-B02A-D67AF0CDAD71}" destId="{E844294B-F09C-4340-A8D8-6B1B6F15297C}" srcOrd="0" destOrd="0" parTransId="{AC732AFF-FC0C-4F83-A767-097A5F18EC56}" sibTransId="{F5BAC34D-23D9-4164-9C95-E6F8163458F2}"/>
+    <dgm:cxn modelId="{394B8747-C5E9-4DA9-826D-F882D0A1A14D}" type="presOf" srcId="{55858AC7-6883-4888-8D38-B314D602BE2A}" destId="{1BA234BE-F4E0-4319-B982-3F8537A80498}" srcOrd="0" destOrd="0" presId="urn:microsoft.com/office/officeart/2005/8/layout/vList5"/>
+    <dgm:cxn modelId="{4462535D-74E0-4744-B448-DEDA6008520F}" srcId="{21746B13-6959-4778-BF22-66A345683AC4}" destId="{F288CB3F-1FEA-4884-A577-CF276A21159D}" srcOrd="0" destOrd="0" parTransId="{D4A552A3-7A77-4CE7-9216-1C62E2EC8CE1}" sibTransId="{684C2722-A040-4340-8331-B7A91C5FB5C0}"/>
+    <dgm:cxn modelId="{AD73D68A-695D-4C01-9AB7-689072A4F3B8}" type="presOf" srcId="{E844294B-F09C-4340-A8D8-6B1B6F15297C}" destId="{68DB4A6B-6262-42CC-9DB1-8D373F75C197}" srcOrd="0" destOrd="0" presId="urn:microsoft.com/office/officeart/2005/8/layout/vList5"/>
+    <dgm:cxn modelId="{15C989BC-3F87-472B-A2DD-42C82FDE12D8}" srcId="{21746B13-6959-4778-BF22-66A345683AC4}" destId="{9899873B-F995-4826-B02A-D67AF0CDAD71}" srcOrd="1" destOrd="0" parTransId="{DF2DC0A1-E611-4303-8A86-F06673DAAC6C}" sibTransId="{734024E9-6B90-4DEE-9549-5BBB340F8E47}"/>
+    <dgm:cxn modelId="{1033C992-32E1-47A8-BFCF-B39C945A12DF}" srcId="{F288CB3F-1FEA-4884-A577-CF276A21159D}" destId="{E260DAC3-CC09-46A2-A713-F2BE3FFE5C18}" srcOrd="0" destOrd="0" parTransId="{08215AA9-34F1-48A7-8296-7E124BB3669D}" sibTransId="{E8B5C0FF-3AE7-4EA6-81C1-F521B79FBAC2}"/>
+    <dgm:cxn modelId="{32568593-857A-4949-9C15-3303A0365716}" srcId="{21746B13-6959-4778-BF22-66A345683AC4}" destId="{FFC2A4B6-F4F8-41E3-83A2-9F7C0017DD82}" srcOrd="2" destOrd="0" parTransId="{B2B67F98-2A52-47FE-A4C4-10B450FBE76D}" sibTransId="{066FFCDA-30B2-441A-A3AB-9609AD08E296}"/>
+    <dgm:cxn modelId="{2D0C601E-A9BA-48B9-A3E8-C92A14210C11}" type="presOf" srcId="{F288CB3F-1FEA-4884-A577-CF276A21159D}" destId="{38520285-16C5-48E2-A871-1F7F6B36A14B}" srcOrd="0" destOrd="0" presId="urn:microsoft.com/office/officeart/2005/8/layout/vList5"/>
+    <dgm:cxn modelId="{75C7608C-6A4A-42D0-AB3C-5FBB0324D027}" type="presParOf" srcId="{DB88F925-D51A-47E7-B288-F6F8A0CF3A61}" destId="{E9FE1863-59FB-43EA-8EEF-C3175CA72F0A}" srcOrd="0" destOrd="0" presId="urn:microsoft.com/office/officeart/2005/8/layout/vList5"/>
+    <dgm:cxn modelId="{F7B5AECD-A0EB-482B-B6BD-687404D0645B}" type="presParOf" srcId="{E9FE1863-59FB-43EA-8EEF-C3175CA72F0A}" destId="{38520285-16C5-48E2-A871-1F7F6B36A14B}" srcOrd="0" destOrd="0" presId="urn:microsoft.com/office/officeart/2005/8/layout/vList5"/>
+    <dgm:cxn modelId="{72F68F2C-AF91-4BDD-A71D-0241F26A83CE}" type="presParOf" srcId="{E9FE1863-59FB-43EA-8EEF-C3175CA72F0A}" destId="{0A3FF821-A403-4E18-9DC5-E0954A663B4C}" srcOrd="1" destOrd="0" presId="urn:microsoft.com/office/officeart/2005/8/layout/vList5"/>
+    <dgm:cxn modelId="{1E0DB21A-327A-4504-AE0D-C46EA2616632}" type="presParOf" srcId="{DB88F925-D51A-47E7-B288-F6F8A0CF3A61}" destId="{DA5848E4-F8DD-469B-97F2-E07BFB642F3F}" srcOrd="1" destOrd="0" presId="urn:microsoft.com/office/officeart/2005/8/layout/vList5"/>
+    <dgm:cxn modelId="{0D6D7319-1AAD-4DF6-B0DC-748E161A0A5E}" type="presParOf" srcId="{DB88F925-D51A-47E7-B288-F6F8A0CF3A61}" destId="{8537BA57-CF48-447D-A706-33D01C4F765E}" srcOrd="2" destOrd="0" presId="urn:microsoft.com/office/officeart/2005/8/layout/vList5"/>
+    <dgm:cxn modelId="{30553142-13E5-4FB3-9FA1-53DE59C9E90A}" type="presParOf" srcId="{8537BA57-CF48-447D-A706-33D01C4F765E}" destId="{BF3F5242-8084-402C-8D1D-14DB10A5BC46}" srcOrd="0" destOrd="0" presId="urn:microsoft.com/office/officeart/2005/8/layout/vList5"/>
+    <dgm:cxn modelId="{6EC5C1FA-A32D-473D-85D7-45F63253D8E3}" type="presParOf" srcId="{8537BA57-CF48-447D-A706-33D01C4F765E}" destId="{68DB4A6B-6262-42CC-9DB1-8D373F75C197}" srcOrd="1" destOrd="0" presId="urn:microsoft.com/office/officeart/2005/8/layout/vList5"/>
+    <dgm:cxn modelId="{C72D0579-FC5A-4C63-8482-99A7F7B475BD}" type="presParOf" srcId="{DB88F925-D51A-47E7-B288-F6F8A0CF3A61}" destId="{8A4E225D-3448-405E-9E4C-E87F05985794}" srcOrd="3" destOrd="0" presId="urn:microsoft.com/office/officeart/2005/8/layout/vList5"/>
+    <dgm:cxn modelId="{64FF758C-3146-477E-A876-694665C69D12}" type="presParOf" srcId="{DB88F925-D51A-47E7-B288-F6F8A0CF3A61}" destId="{72F427B5-32C4-40C3-9BB2-C8B98AB82DB5}" srcOrd="4" destOrd="0" presId="urn:microsoft.com/office/officeart/2005/8/layout/vList5"/>
+    <dgm:cxn modelId="{910F9874-C70D-42CD-A16D-23225E444FF5}" type="presParOf" srcId="{72F427B5-32C4-40C3-9BB2-C8B98AB82DB5}" destId="{9027ACF4-E62A-4DD7-8AEB-F9583CF30DEC}" srcOrd="0" destOrd="0" presId="urn:microsoft.com/office/officeart/2005/8/layout/vList5"/>
+    <dgm:cxn modelId="{3BFF2AFA-AC81-4759-A684-503119DC5A33}" type="presParOf" srcId="{72F427B5-32C4-40C3-9BB2-C8B98AB82DB5}" destId="{1BA234BE-F4E0-4319-B982-3F8537A80498}" srcOrd="1" destOrd="0" presId="urn:microsoft.com/office/officeart/2005/8/layout/vList5"/>
+  </dgm:cxnLst>
+  <dgm:bg/>
+  <dgm:whole/>
+  <dgm:extLst>
+    <a:ext uri="http://schemas.microsoft.com/office/drawing/2008/diagram">
+      <dsp:dataModelExt xmlns:dsp="http://schemas.microsoft.com/office/drawing/2008/diagram" relId="rId6" minVer="http://schemas.openxmlformats.org/drawingml/2006/diagram"/>
+    </a:ext>
+  </dgm:extLst>
+</dgm:dataModel>
+</file>
+
 <file path=ppt/diagrams/drawing1.xml><?xml version="1.0" encoding="utf-8"?>
 <dsp:drawing xmlns:dgm="http://schemas.openxmlformats.org/drawingml/2006/diagram" xmlns:dsp="http://schemas.microsoft.com/office/drawing/2008/diagram" xmlns:a="http://schemas.openxmlformats.org/drawingml/2006/main">
   <dsp:spTree>
@@ -3662,372 +4993,6 @@
       <dsp:cNvGrpSpPr/>
     </dsp:nvGrpSpPr>
     <dsp:grpSpPr/>
-    <dsp:sp modelId="{CB4B68AE-99B9-4F73-A103-F7D238719E7C}">
-      <dsp:nvSpPr>
-        <dsp:cNvPr id="0" name=""/>
-        <dsp:cNvSpPr/>
-      </dsp:nvSpPr>
-      <dsp:spPr>
-        <a:xfrm>
-          <a:off x="3631707" y="-8237"/>
-          <a:ext cx="2117268" cy="2117590"/>
-        </a:xfrm>
-        <a:prstGeom prst="circularArrow">
-          <a:avLst>
-            <a:gd name="adj1" fmla="val 10980"/>
-            <a:gd name="adj2" fmla="val 1142322"/>
-            <a:gd name="adj3" fmla="val 4500000"/>
-            <a:gd name="adj4" fmla="val 10800000"/>
-            <a:gd name="adj5" fmla="val 12500"/>
-          </a:avLst>
-        </a:prstGeom>
-        <a:solidFill>
-          <a:srgbClr val="C00000"/>
-        </a:solidFill>
-        <a:ln w="25400" cap="flat" cmpd="sng" algn="ctr">
-          <a:solidFill>
-            <a:schemeClr val="lt1">
-              <a:hueOff val="0"/>
-              <a:satOff val="0"/>
-              <a:lumOff val="0"/>
-              <a:alphaOff val="0"/>
-            </a:schemeClr>
-          </a:solidFill>
-          <a:prstDash val="solid"/>
-        </a:ln>
-        <a:effectLst/>
-      </dsp:spPr>
-      <dsp:style>
-        <a:lnRef idx="2">
-          <a:scrgbClr r="0" g="0" b="0"/>
-        </a:lnRef>
-        <a:fillRef idx="1">
-          <a:scrgbClr r="0" g="0" b="0"/>
-        </a:fillRef>
-        <a:effectRef idx="0">
-          <a:scrgbClr r="0" g="0" b="0"/>
-        </a:effectRef>
-        <a:fontRef idx="minor">
-          <a:schemeClr val="lt1"/>
-        </a:fontRef>
-      </dsp:style>
-    </dsp:sp>
-    <dsp:sp modelId="{A8D0BBA9-F5D3-4DAE-9D8C-DE8D01C01ACA}">
-      <dsp:nvSpPr>
-        <dsp:cNvPr id="0" name=""/>
-        <dsp:cNvSpPr/>
-      </dsp:nvSpPr>
-      <dsp:spPr>
-        <a:xfrm>
-          <a:off x="3988468" y="665016"/>
-          <a:ext cx="1362334" cy="588121"/>
-        </a:xfrm>
-        <a:prstGeom prst="rect">
-          <a:avLst/>
-        </a:prstGeom>
-        <a:noFill/>
-        <a:ln>
-          <a:noFill/>
-        </a:ln>
-        <a:effectLst/>
-      </dsp:spPr>
-      <dsp:style>
-        <a:lnRef idx="0">
-          <a:scrgbClr r="0" g="0" b="0"/>
-        </a:lnRef>
-        <a:fillRef idx="0">
-          <a:scrgbClr r="0" g="0" b="0"/>
-        </a:fillRef>
-        <a:effectRef idx="0">
-          <a:scrgbClr r="0" g="0" b="0"/>
-        </a:effectRef>
-        <a:fontRef idx="minor"/>
-      </dsp:style>
-      <dsp:txBody>
-        <a:bodyPr spcFirstLastPara="0" vert="horz" wrap="square" lIns="12700" tIns="12700" rIns="12700" bIns="12700" numCol="1" spcCol="1270" anchor="ctr" anchorCtr="0">
-          <a:noAutofit/>
-        </a:bodyPr>
-        <a:lstStyle/>
-        <a:p>
-          <a:pPr lvl="0" algn="ctr" defTabSz="889000">
-            <a:lnSpc>
-              <a:spcPct val="90000"/>
-            </a:lnSpc>
-            <a:spcBef>
-              <a:spcPct val="0"/>
-            </a:spcBef>
-            <a:spcAft>
-              <a:spcPct val="35000"/>
-            </a:spcAft>
-          </a:pPr>
-          <a:r>
-            <a:rPr lang="en-US" sz="2000" kern="1200" dirty="0" smtClean="0">
-              <a:latin typeface="Arial" panose="020B0604020202020204" pitchFamily="34" charset="0"/>
-              <a:cs typeface="Arial" panose="020B0604020202020204" pitchFamily="34" charset="0"/>
-            </a:rPr>
-            <a:t>Authorized</a:t>
-          </a:r>
-          <a:endParaRPr lang="en-US" sz="2000" kern="1200" dirty="0">
-            <a:latin typeface="Arial" panose="020B0604020202020204" pitchFamily="34" charset="0"/>
-            <a:cs typeface="Arial" panose="020B0604020202020204" pitchFamily="34" charset="0"/>
-          </a:endParaRPr>
-        </a:p>
-      </dsp:txBody>
-      <dsp:txXfrm>
-        <a:off x="3988468" y="665016"/>
-        <a:ext cx="1362334" cy="588121"/>
-      </dsp:txXfrm>
-    </dsp:sp>
-    <dsp:sp modelId="{A2754696-EDBD-4E03-ABE8-91AF6B475C64}">
-      <dsp:nvSpPr>
-        <dsp:cNvPr id="0" name=""/>
-        <dsp:cNvSpPr/>
-      </dsp:nvSpPr>
-      <dsp:spPr>
-        <a:xfrm>
-          <a:off x="3061026" y="1187130"/>
-          <a:ext cx="2117268" cy="2117590"/>
-        </a:xfrm>
-        <a:prstGeom prst="leftCircularArrow">
-          <a:avLst>
-            <a:gd name="adj1" fmla="val 10980"/>
-            <a:gd name="adj2" fmla="val 1142322"/>
-            <a:gd name="adj3" fmla="val 6300000"/>
-            <a:gd name="adj4" fmla="val 18900000"/>
-            <a:gd name="adj5" fmla="val 12500"/>
-          </a:avLst>
-        </a:prstGeom>
-        <a:solidFill>
-          <a:srgbClr val="C00000"/>
-        </a:solidFill>
-        <a:ln w="25400" cap="flat" cmpd="sng" algn="ctr">
-          <a:solidFill>
-            <a:schemeClr val="lt1">
-              <a:hueOff val="0"/>
-              <a:satOff val="0"/>
-              <a:lumOff val="0"/>
-              <a:alphaOff val="0"/>
-            </a:schemeClr>
-          </a:solidFill>
-          <a:prstDash val="solid"/>
-        </a:ln>
-        <a:effectLst/>
-      </dsp:spPr>
-      <dsp:style>
-        <a:lnRef idx="2">
-          <a:scrgbClr r="0" g="0" b="0"/>
-        </a:lnRef>
-        <a:fillRef idx="1">
-          <a:scrgbClr r="0" g="0" b="0"/>
-        </a:fillRef>
-        <a:effectRef idx="0">
-          <a:scrgbClr r="0" g="0" b="0"/>
-        </a:effectRef>
-        <a:fontRef idx="minor">
-          <a:schemeClr val="lt1"/>
-        </a:fontRef>
-      </dsp:style>
-    </dsp:sp>
-    <dsp:sp modelId="{D7CA765D-6677-4507-8D75-DCCE736983D3}">
-      <dsp:nvSpPr>
-        <dsp:cNvPr id="0" name=""/>
-        <dsp:cNvSpPr/>
-      </dsp:nvSpPr>
-      <dsp:spPr>
-        <a:xfrm>
-          <a:off x="3531272" y="1927783"/>
-          <a:ext cx="1340768" cy="588121"/>
-        </a:xfrm>
-        <a:prstGeom prst="rect">
-          <a:avLst/>
-        </a:prstGeom>
-        <a:noFill/>
-        <a:ln>
-          <a:noFill/>
-        </a:ln>
-        <a:effectLst/>
-      </dsp:spPr>
-      <dsp:style>
-        <a:lnRef idx="0">
-          <a:scrgbClr r="0" g="0" b="0"/>
-        </a:lnRef>
-        <a:fillRef idx="0">
-          <a:scrgbClr r="0" g="0" b="0"/>
-        </a:fillRef>
-        <a:effectRef idx="0">
-          <a:scrgbClr r="0" g="0" b="0"/>
-        </a:effectRef>
-        <a:fontRef idx="minor"/>
-      </dsp:style>
-      <dsp:txBody>
-        <a:bodyPr spcFirstLastPara="0" vert="horz" wrap="square" lIns="12700" tIns="12700" rIns="12700" bIns="12700" numCol="1" spcCol="1270" anchor="ctr" anchorCtr="0">
-          <a:noAutofit/>
-        </a:bodyPr>
-        <a:lstStyle/>
-        <a:p>
-          <a:pPr lvl="0" algn="ctr" defTabSz="889000">
-            <a:lnSpc>
-              <a:spcPct val="90000"/>
-            </a:lnSpc>
-            <a:spcBef>
-              <a:spcPct val="0"/>
-            </a:spcBef>
-            <a:spcAft>
-              <a:spcPct val="35000"/>
-            </a:spcAft>
-          </a:pPr>
-          <a:r>
-            <a:rPr lang="en-US" sz="2000" b="0" i="0" kern="1200" dirty="0" smtClean="0">
-              <a:latin typeface="Arial" panose="020B0604020202020204" pitchFamily="34" charset="0"/>
-              <a:cs typeface="Arial" panose="020B0604020202020204" pitchFamily="34" charset="0"/>
-            </a:rPr>
-            <a:t>Responder</a:t>
-          </a:r>
-          <a:endParaRPr lang="en-US" sz="2000" kern="1200" dirty="0">
-            <a:latin typeface="Arial" panose="020B0604020202020204" pitchFamily="34" charset="0"/>
-            <a:cs typeface="Arial" panose="020B0604020202020204" pitchFamily="34" charset="0"/>
-          </a:endParaRPr>
-        </a:p>
-      </dsp:txBody>
-      <dsp:txXfrm>
-        <a:off x="3531272" y="1927783"/>
-        <a:ext cx="1340768" cy="588121"/>
-      </dsp:txXfrm>
-    </dsp:sp>
-    <dsp:sp modelId="{9BE3160D-F3B8-42D5-A32E-AB018494B2C5}">
-      <dsp:nvSpPr>
-        <dsp:cNvPr id="0" name=""/>
-        <dsp:cNvSpPr/>
-      </dsp:nvSpPr>
-      <dsp:spPr>
-        <a:xfrm>
-          <a:off x="3809293" y="2566324"/>
-          <a:ext cx="1819061" cy="1819791"/>
-        </a:xfrm>
-        <a:prstGeom prst="blockArc">
-          <a:avLst>
-            <a:gd name="adj1" fmla="val 13500000"/>
-            <a:gd name="adj2" fmla="val 10800000"/>
-            <a:gd name="adj3" fmla="val 12740"/>
-          </a:avLst>
-        </a:prstGeom>
-        <a:solidFill>
-          <a:srgbClr val="C00000"/>
-        </a:solidFill>
-        <a:ln w="25400" cap="flat" cmpd="sng" algn="ctr">
-          <a:solidFill>
-            <a:schemeClr val="lt1">
-              <a:hueOff val="0"/>
-              <a:satOff val="0"/>
-              <a:lumOff val="0"/>
-              <a:alphaOff val="0"/>
-            </a:schemeClr>
-          </a:solidFill>
-          <a:prstDash val="solid"/>
-        </a:ln>
-        <a:effectLst/>
-      </dsp:spPr>
-      <dsp:style>
-        <a:lnRef idx="2">
-          <a:scrgbClr r="0" g="0" b="0"/>
-        </a:lnRef>
-        <a:fillRef idx="1">
-          <a:scrgbClr r="0" g="0" b="0"/>
-        </a:fillRef>
-        <a:effectRef idx="0">
-          <a:scrgbClr r="0" g="0" b="0"/>
-        </a:effectRef>
-        <a:fontRef idx="minor">
-          <a:schemeClr val="lt1"/>
-        </a:fontRef>
-      </dsp:style>
-    </dsp:sp>
-    <dsp:sp modelId="{E2917357-A89F-4B66-BC6B-1AA85F9E97AD}">
-      <dsp:nvSpPr>
-        <dsp:cNvPr id="0" name=""/>
-        <dsp:cNvSpPr/>
-      </dsp:nvSpPr>
-      <dsp:spPr>
-        <a:xfrm>
-          <a:off x="4149406" y="3178530"/>
-          <a:ext cx="1176525" cy="588121"/>
-        </a:xfrm>
-        <a:prstGeom prst="rect">
-          <a:avLst/>
-        </a:prstGeom>
-        <a:noFill/>
-        <a:ln>
-          <a:noFill/>
-        </a:ln>
-        <a:effectLst/>
-      </dsp:spPr>
-      <dsp:style>
-        <a:lnRef idx="0">
-          <a:scrgbClr r="0" g="0" b="0"/>
-        </a:lnRef>
-        <a:fillRef idx="0">
-          <a:scrgbClr r="0" g="0" b="0"/>
-        </a:fillRef>
-        <a:effectRef idx="0">
-          <a:scrgbClr r="0" g="0" b="0"/>
-        </a:effectRef>
-        <a:fontRef idx="minor"/>
-      </dsp:style>
-      <dsp:txBody>
-        <a:bodyPr spcFirstLastPara="0" vert="horz" wrap="square" lIns="12700" tIns="12700" rIns="12700" bIns="12700" numCol="1" spcCol="1270" anchor="ctr" anchorCtr="0">
-          <a:noAutofit/>
-        </a:bodyPr>
-        <a:lstStyle/>
-        <a:p>
-          <a:pPr lvl="0" algn="ctr" defTabSz="889000">
-            <a:lnSpc>
-              <a:spcPct val="90000"/>
-            </a:lnSpc>
-            <a:spcBef>
-              <a:spcPct val="0"/>
-            </a:spcBef>
-            <a:spcAft>
-              <a:spcPct val="35000"/>
-            </a:spcAft>
-          </a:pPr>
-          <a:r>
-            <a:rPr lang="en-US" sz="2000" b="0" i="0" kern="1200" dirty="0" smtClean="0">
-              <a:latin typeface="Arial" panose="020B0604020202020204" pitchFamily="34" charset="0"/>
-              <a:cs typeface="Arial" panose="020B0604020202020204" pitchFamily="34" charset="0"/>
-            </a:rPr>
-            <a:t>Handle</a:t>
-          </a:r>
-        </a:p>
-        <a:p>
-          <a:pPr lvl="0" algn="ctr" defTabSz="889000">
-            <a:lnSpc>
-              <a:spcPct val="90000"/>
-            </a:lnSpc>
-            <a:spcBef>
-              <a:spcPct val="0"/>
-            </a:spcBef>
-            <a:spcAft>
-              <a:spcPct val="35000"/>
-            </a:spcAft>
-          </a:pPr>
-          <a:r>
-            <a:rPr lang="en-US" sz="2000" b="0" i="0" kern="1200" dirty="0" smtClean="0">
-              <a:latin typeface="Arial" panose="020B0604020202020204" pitchFamily="34" charset="0"/>
-              <a:cs typeface="Arial" panose="020B0604020202020204" pitchFamily="34" charset="0"/>
-            </a:rPr>
-            <a:t>Actions </a:t>
-          </a:r>
-          <a:endParaRPr lang="en-US" sz="2000" kern="1200" dirty="0">
-            <a:latin typeface="Arial" panose="020B0604020202020204" pitchFamily="34" charset="0"/>
-            <a:cs typeface="Arial" panose="020B0604020202020204" pitchFamily="34" charset="0"/>
-          </a:endParaRPr>
-        </a:p>
-      </dsp:txBody>
-      <dsp:txXfrm>
-        <a:off x="4149406" y="3178530"/>
-        <a:ext cx="1176525" cy="588121"/>
-      </dsp:txXfrm>
-    </dsp:sp>
   </dsp:spTree>
 </dsp:drawing>
 </file>
@@ -4040,446 +5005,6 @@
       <dsp:cNvGrpSpPr/>
     </dsp:nvGrpSpPr>
     <dsp:grpSpPr/>
-    <dsp:sp modelId="{43E1E82C-0E11-430E-A2A5-4ABCC38B1434}">
-      <dsp:nvSpPr>
-        <dsp:cNvPr id="0" name=""/>
-        <dsp:cNvSpPr/>
-      </dsp:nvSpPr>
-      <dsp:spPr>
-        <a:xfrm>
-          <a:off x="3091" y="728004"/>
-          <a:ext cx="2654170" cy="1579186"/>
-        </a:xfrm>
-        <a:prstGeom prst="roundRect">
-          <a:avLst>
-            <a:gd name="adj" fmla="val 10000"/>
-          </a:avLst>
-        </a:prstGeom>
-        <a:solidFill>
-          <a:schemeClr val="tx1">
-            <a:lumMod val="75000"/>
-            <a:lumOff val="25000"/>
-          </a:schemeClr>
-        </a:solidFill>
-        <a:ln w="25400" cap="flat" cmpd="sng" algn="ctr">
-          <a:solidFill>
-            <a:schemeClr val="lt1">
-              <a:hueOff val="0"/>
-              <a:satOff val="0"/>
-              <a:lumOff val="0"/>
-              <a:alphaOff val="0"/>
-            </a:schemeClr>
-          </a:solidFill>
-          <a:prstDash val="solid"/>
-        </a:ln>
-        <a:effectLst/>
-      </dsp:spPr>
-      <dsp:style>
-        <a:lnRef idx="2">
-          <a:scrgbClr r="0" g="0" b="0"/>
-        </a:lnRef>
-        <a:fillRef idx="1">
-          <a:scrgbClr r="0" g="0" b="0"/>
-        </a:fillRef>
-        <a:effectRef idx="0">
-          <a:scrgbClr r="0" g="0" b="0"/>
-        </a:effectRef>
-        <a:fontRef idx="minor">
-          <a:schemeClr val="lt1"/>
-        </a:fontRef>
-      </dsp:style>
-      <dsp:txBody>
-        <a:bodyPr spcFirstLastPara="0" vert="horz" wrap="square" lIns="192024" tIns="192024" rIns="192024" bIns="102870" numCol="1" spcCol="1270" anchor="t" anchorCtr="0">
-          <a:noAutofit/>
-        </a:bodyPr>
-        <a:lstStyle/>
-        <a:p>
-          <a:pPr lvl="0" algn="l" defTabSz="1200150">
-            <a:lnSpc>
-              <a:spcPct val="90000"/>
-            </a:lnSpc>
-            <a:spcBef>
-              <a:spcPct val="0"/>
-            </a:spcBef>
-            <a:spcAft>
-              <a:spcPct val="35000"/>
-            </a:spcAft>
-          </a:pPr>
-          <a:r>
-            <a:rPr lang="en-US" sz="2700" kern="1200" dirty="0" smtClean="0"/>
-            <a:t>Parent </a:t>
-          </a:r>
-          <a:r>
-            <a:rPr lang="en-US" sz="2700" kern="1200" dirty="0" smtClean="0"/>
-            <a:t>Component</a:t>
-          </a:r>
-          <a:endParaRPr lang="en-US" sz="2700" kern="1200" dirty="0"/>
-        </a:p>
-      </dsp:txBody>
-      <dsp:txXfrm>
-        <a:off x="3091" y="728004"/>
-        <a:ext cx="2654170" cy="1052790"/>
-      </dsp:txXfrm>
-    </dsp:sp>
-    <dsp:sp modelId="{F4CEEAEC-B895-4CEB-B47B-5309E514593F}">
-      <dsp:nvSpPr>
-        <dsp:cNvPr id="0" name=""/>
-        <dsp:cNvSpPr/>
-      </dsp:nvSpPr>
-      <dsp:spPr>
-        <a:xfrm>
-          <a:off x="546717" y="1780795"/>
-          <a:ext cx="2654170" cy="1555200"/>
-        </a:xfrm>
-        <a:prstGeom prst="roundRect">
-          <a:avLst>
-            <a:gd name="adj" fmla="val 10000"/>
-          </a:avLst>
-        </a:prstGeom>
-        <a:solidFill>
-          <a:schemeClr val="lt1">
-            <a:alpha val="90000"/>
-            <a:hueOff val="0"/>
-            <a:satOff val="0"/>
-            <a:lumOff val="0"/>
-            <a:alphaOff val="0"/>
-          </a:schemeClr>
-        </a:solidFill>
-        <a:ln w="25400" cap="flat" cmpd="sng" algn="ctr">
-          <a:solidFill>
-            <a:schemeClr val="tx1">
-              <a:lumMod val="75000"/>
-              <a:lumOff val="25000"/>
-            </a:schemeClr>
-          </a:solidFill>
-          <a:prstDash val="solid"/>
-        </a:ln>
-        <a:effectLst/>
-      </dsp:spPr>
-      <dsp:style>
-        <a:lnRef idx="2">
-          <a:scrgbClr r="0" g="0" b="0"/>
-        </a:lnRef>
-        <a:fillRef idx="1">
-          <a:scrgbClr r="0" g="0" b="0"/>
-        </a:fillRef>
-        <a:effectRef idx="0">
-          <a:scrgbClr r="0" g="0" b="0"/>
-        </a:effectRef>
-        <a:fontRef idx="minor"/>
-      </dsp:style>
-      <dsp:txBody>
-        <a:bodyPr spcFirstLastPara="0" vert="horz" wrap="square" lIns="142240" tIns="142240" rIns="142240" bIns="142240" numCol="1" spcCol="1270" anchor="ctr" anchorCtr="0">
-          <a:noAutofit/>
-        </a:bodyPr>
-        <a:lstStyle/>
-        <a:p>
-          <a:pPr marL="228600" lvl="1" indent="-228600" algn="l" defTabSz="889000">
-            <a:lnSpc>
-              <a:spcPct val="90000"/>
-            </a:lnSpc>
-            <a:spcBef>
-              <a:spcPct val="0"/>
-            </a:spcBef>
-            <a:spcAft>
-              <a:spcPct val="15000"/>
-            </a:spcAft>
-            <a:buChar char="••"/>
-          </a:pPr>
-          <a:r>
-            <a:rPr lang="en-US" sz="2000" kern="1200" dirty="0" smtClean="0">
-              <a:latin typeface="Arial" panose="020B0604020202020204" pitchFamily="34" charset="0"/>
-              <a:cs typeface="Arial" panose="020B0604020202020204" pitchFamily="34" charset="0"/>
-            </a:rPr>
-            <a:t>Assign value</a:t>
-          </a:r>
-          <a:endParaRPr lang="en-US" sz="2000" kern="1200" dirty="0">
-            <a:latin typeface="Arial" panose="020B0604020202020204" pitchFamily="34" charset="0"/>
-            <a:cs typeface="Arial" panose="020B0604020202020204" pitchFamily="34" charset="0"/>
-          </a:endParaRPr>
-        </a:p>
-      </dsp:txBody>
-      <dsp:txXfrm>
-        <a:off x="592267" y="1826345"/>
-        <a:ext cx="2563070" cy="1464100"/>
-      </dsp:txXfrm>
-    </dsp:sp>
-    <dsp:sp modelId="{5668F55E-AEDC-497E-8978-813AC6239A89}">
-      <dsp:nvSpPr>
-        <dsp:cNvPr id="0" name=""/>
-        <dsp:cNvSpPr/>
-      </dsp:nvSpPr>
-      <dsp:spPr>
-        <a:xfrm>
-          <a:off x="3059624" y="923994"/>
-          <a:ext cx="853008" cy="660811"/>
-        </a:xfrm>
-        <a:prstGeom prst="rightArrow">
-          <a:avLst>
-            <a:gd name="adj1" fmla="val 60000"/>
-            <a:gd name="adj2" fmla="val 50000"/>
-          </a:avLst>
-        </a:prstGeom>
-        <a:solidFill>
-          <a:srgbClr val="C00000"/>
-        </a:solidFill>
-        <a:ln>
-          <a:noFill/>
-        </a:ln>
-        <a:effectLst/>
-      </dsp:spPr>
-      <dsp:style>
-        <a:lnRef idx="0">
-          <a:scrgbClr r="0" g="0" b="0"/>
-        </a:lnRef>
-        <a:fillRef idx="1">
-          <a:scrgbClr r="0" g="0" b="0"/>
-        </a:fillRef>
-        <a:effectRef idx="0">
-          <a:scrgbClr r="0" g="0" b="0"/>
-        </a:effectRef>
-        <a:fontRef idx="minor">
-          <a:schemeClr val="lt1"/>
-        </a:fontRef>
-      </dsp:style>
-      <dsp:txBody>
-        <a:bodyPr spcFirstLastPara="0" vert="horz" wrap="square" lIns="0" tIns="0" rIns="0" bIns="0" numCol="1" spcCol="1270" anchor="ctr" anchorCtr="0">
-          <a:noAutofit/>
-        </a:bodyPr>
-        <a:lstStyle/>
-        <a:p>
-          <a:pPr lvl="0" algn="ctr" defTabSz="977900">
-            <a:lnSpc>
-              <a:spcPct val="90000"/>
-            </a:lnSpc>
-            <a:spcBef>
-              <a:spcPct val="0"/>
-            </a:spcBef>
-            <a:spcAft>
-              <a:spcPct val="35000"/>
-            </a:spcAft>
-          </a:pPr>
-          <a:endParaRPr lang="en-US" sz="2200" kern="1200"/>
-        </a:p>
-      </dsp:txBody>
-      <dsp:txXfrm>
-        <a:off x="3059624" y="1056156"/>
-        <a:ext cx="654765" cy="396487"/>
-      </dsp:txXfrm>
-    </dsp:sp>
-    <dsp:sp modelId="{16E1D311-34ED-467B-8B7A-5EC6C7B2DAE7}">
-      <dsp:nvSpPr>
-        <dsp:cNvPr id="0" name=""/>
-        <dsp:cNvSpPr/>
-      </dsp:nvSpPr>
-      <dsp:spPr>
-        <a:xfrm>
-          <a:off x="4266712" y="728004"/>
-          <a:ext cx="2654170" cy="1579186"/>
-        </a:xfrm>
-        <a:prstGeom prst="roundRect">
-          <a:avLst>
-            <a:gd name="adj" fmla="val 10000"/>
-          </a:avLst>
-        </a:prstGeom>
-        <a:solidFill>
-          <a:schemeClr val="tx1">
-            <a:lumMod val="75000"/>
-            <a:lumOff val="25000"/>
-          </a:schemeClr>
-        </a:solidFill>
-        <a:ln w="25400" cap="flat" cmpd="sng" algn="ctr">
-          <a:solidFill>
-            <a:schemeClr val="lt1">
-              <a:hueOff val="0"/>
-              <a:satOff val="0"/>
-              <a:lumOff val="0"/>
-              <a:alphaOff val="0"/>
-            </a:schemeClr>
-          </a:solidFill>
-          <a:prstDash val="solid"/>
-        </a:ln>
-        <a:effectLst/>
-      </dsp:spPr>
-      <dsp:style>
-        <a:lnRef idx="2">
-          <a:scrgbClr r="0" g="0" b="0"/>
-        </a:lnRef>
-        <a:fillRef idx="1">
-          <a:scrgbClr r="0" g="0" b="0"/>
-        </a:fillRef>
-        <a:effectRef idx="0">
-          <a:scrgbClr r="0" g="0" b="0"/>
-        </a:effectRef>
-        <a:fontRef idx="minor">
-          <a:schemeClr val="lt1"/>
-        </a:fontRef>
-      </dsp:style>
-      <dsp:txBody>
-        <a:bodyPr spcFirstLastPara="0" vert="horz" wrap="square" lIns="192024" tIns="192024" rIns="192024" bIns="102870" numCol="1" spcCol="1270" anchor="t" anchorCtr="0">
-          <a:noAutofit/>
-        </a:bodyPr>
-        <a:lstStyle/>
-        <a:p>
-          <a:pPr lvl="0" algn="l" defTabSz="1200150">
-            <a:lnSpc>
-              <a:spcPct val="90000"/>
-            </a:lnSpc>
-            <a:spcBef>
-              <a:spcPct val="0"/>
-            </a:spcBef>
-            <a:spcAft>
-              <a:spcPct val="35000"/>
-            </a:spcAft>
-          </a:pPr>
-          <a:r>
-            <a:rPr lang="en-US" sz="2700" kern="1200" dirty="0" smtClean="0"/>
-            <a:t>Child Component</a:t>
-          </a:r>
-          <a:endParaRPr lang="en-US" sz="2700" kern="1200" dirty="0"/>
-        </a:p>
-      </dsp:txBody>
-      <dsp:txXfrm>
-        <a:off x="4266712" y="728004"/>
-        <a:ext cx="2654170" cy="1052790"/>
-      </dsp:txXfrm>
-    </dsp:sp>
-    <dsp:sp modelId="{2F03AD03-2306-4572-BA39-22F458EFF5E2}">
-      <dsp:nvSpPr>
-        <dsp:cNvPr id="0" name=""/>
-        <dsp:cNvSpPr/>
-      </dsp:nvSpPr>
-      <dsp:spPr>
-        <a:xfrm>
-          <a:off x="4810337" y="1780795"/>
-          <a:ext cx="2654170" cy="1555200"/>
-        </a:xfrm>
-        <a:prstGeom prst="roundRect">
-          <a:avLst>
-            <a:gd name="adj" fmla="val 10000"/>
-          </a:avLst>
-        </a:prstGeom>
-        <a:solidFill>
-          <a:schemeClr val="lt1">
-            <a:alpha val="90000"/>
-            <a:hueOff val="0"/>
-            <a:satOff val="0"/>
-            <a:lumOff val="0"/>
-            <a:alphaOff val="0"/>
-          </a:schemeClr>
-        </a:solidFill>
-        <a:ln w="25400" cap="flat" cmpd="sng" algn="ctr">
-          <a:solidFill>
-            <a:schemeClr val="tx1">
-              <a:lumMod val="75000"/>
-              <a:lumOff val="25000"/>
-            </a:schemeClr>
-          </a:solidFill>
-          <a:prstDash val="solid"/>
-        </a:ln>
-        <a:effectLst/>
-      </dsp:spPr>
-      <dsp:style>
-        <a:lnRef idx="2">
-          <a:scrgbClr r="0" g="0" b="0"/>
-        </a:lnRef>
-        <a:fillRef idx="1">
-          <a:scrgbClr r="0" g="0" b="0"/>
-        </a:fillRef>
-        <a:effectRef idx="0">
-          <a:scrgbClr r="0" g="0" b="0"/>
-        </a:effectRef>
-        <a:fontRef idx="minor"/>
-      </dsp:style>
-      <dsp:txBody>
-        <a:bodyPr spcFirstLastPara="0" vert="horz" wrap="square" lIns="142240" tIns="142240" rIns="142240" bIns="142240" numCol="1" spcCol="1270" anchor="ctr" anchorCtr="0">
-          <a:noAutofit/>
-        </a:bodyPr>
-        <a:lstStyle/>
-        <a:p>
-          <a:pPr marL="228600" lvl="1" indent="-228600" algn="l" defTabSz="889000">
-            <a:lnSpc>
-              <a:spcPct val="90000"/>
-            </a:lnSpc>
-            <a:spcBef>
-              <a:spcPct val="0"/>
-            </a:spcBef>
-            <a:spcAft>
-              <a:spcPct val="15000"/>
-            </a:spcAft>
-            <a:buChar char="••"/>
-          </a:pPr>
-          <a:r>
-            <a:rPr lang="en-US" sz="2000" kern="1200" dirty="0" smtClean="0">
-              <a:latin typeface="Arial" panose="020B0604020202020204" pitchFamily="34" charset="0"/>
-              <a:cs typeface="Arial" panose="020B0604020202020204" pitchFamily="34" charset="0"/>
-            </a:rPr>
-            <a:t>Define </a:t>
-          </a:r>
-          <a:r>
-            <a:rPr lang="en-US" sz="2000" kern="1200" dirty="0" err="1" smtClean="0">
-              <a:latin typeface="Arial" panose="020B0604020202020204" pitchFamily="34" charset="0"/>
-              <a:cs typeface="Arial" panose="020B0604020202020204" pitchFamily="34" charset="0"/>
-            </a:rPr>
-            <a:t>params</a:t>
-          </a:r>
-          <a:r>
-            <a:rPr lang="en-US" sz="2000" kern="1200" dirty="0" smtClean="0">
-              <a:latin typeface="Arial" panose="020B0604020202020204" pitchFamily="34" charset="0"/>
-              <a:cs typeface="Arial" panose="020B0604020202020204" pitchFamily="34" charset="0"/>
-            </a:rPr>
-            <a:t> (string, </a:t>
-          </a:r>
-          <a:r>
-            <a:rPr lang="en-US" sz="2000" kern="1200" dirty="0" err="1" smtClean="0">
-              <a:latin typeface="Arial" panose="020B0604020202020204" pitchFamily="34" charset="0"/>
-              <a:cs typeface="Arial" panose="020B0604020202020204" pitchFamily="34" charset="0"/>
-            </a:rPr>
-            <a:t>func</a:t>
-          </a:r>
-          <a:r>
-            <a:rPr lang="en-US" sz="2000" kern="1200" dirty="0" smtClean="0">
-              <a:latin typeface="Arial" panose="020B0604020202020204" pitchFamily="34" charset="0"/>
-              <a:cs typeface="Arial" panose="020B0604020202020204" pitchFamily="34" charset="0"/>
-            </a:rPr>
-            <a:t>, …)</a:t>
-          </a:r>
-          <a:endParaRPr lang="en-US" sz="2000" kern="1200" dirty="0">
-            <a:latin typeface="Arial" panose="020B0604020202020204" pitchFamily="34" charset="0"/>
-            <a:cs typeface="Arial" panose="020B0604020202020204" pitchFamily="34" charset="0"/>
-          </a:endParaRPr>
-        </a:p>
-        <a:p>
-          <a:pPr marL="228600" lvl="1" indent="-228600" algn="l" defTabSz="889000">
-            <a:lnSpc>
-              <a:spcPct val="90000"/>
-            </a:lnSpc>
-            <a:spcBef>
-              <a:spcPct val="0"/>
-            </a:spcBef>
-            <a:spcAft>
-              <a:spcPct val="15000"/>
-            </a:spcAft>
-            <a:buChar char="••"/>
-          </a:pPr>
-          <a:r>
-            <a:rPr lang="en-US" sz="2000" kern="1200" dirty="0" smtClean="0">
-              <a:latin typeface="Arial" panose="020B0604020202020204" pitchFamily="34" charset="0"/>
-              <a:cs typeface="Arial" panose="020B0604020202020204" pitchFamily="34" charset="0"/>
-            </a:rPr>
-            <a:t>Render View</a:t>
-          </a:r>
-          <a:endParaRPr lang="en-US" sz="2000" kern="1200" dirty="0">
-            <a:latin typeface="Arial" panose="020B0604020202020204" pitchFamily="34" charset="0"/>
-            <a:cs typeface="Arial" panose="020B0604020202020204" pitchFamily="34" charset="0"/>
-          </a:endParaRPr>
-        </a:p>
-      </dsp:txBody>
-      <dsp:txXfrm>
-        <a:off x="4855887" y="1826345"/>
-        <a:ext cx="2563070" cy="1464100"/>
-      </dsp:txXfrm>
-    </dsp:sp>
   </dsp:spTree>
 </dsp:drawing>
 </file>
@@ -4492,539 +5017,18 @@
       <dsp:cNvGrpSpPr/>
     </dsp:nvGrpSpPr>
     <dsp:grpSpPr/>
-    <dsp:sp modelId="{F8D57ACA-2F5D-49D1-AE7B-8F5FE9F94EF0}">
-      <dsp:nvSpPr>
-        <dsp:cNvPr id="0" name=""/>
-        <dsp:cNvSpPr/>
-      </dsp:nvSpPr>
-      <dsp:spPr>
-        <a:xfrm>
-          <a:off x="958" y="717816"/>
-          <a:ext cx="3487415" cy="1743707"/>
-        </a:xfrm>
-        <a:prstGeom prst="roundRect">
-          <a:avLst>
-            <a:gd name="adj" fmla="val 10000"/>
-          </a:avLst>
-        </a:prstGeom>
-        <a:solidFill>
-          <a:schemeClr val="tx1">
-            <a:lumMod val="75000"/>
-            <a:lumOff val="25000"/>
-          </a:schemeClr>
-        </a:solidFill>
-        <a:ln w="25400" cap="flat" cmpd="sng" algn="ctr">
-          <a:solidFill>
-            <a:schemeClr val="lt1">
-              <a:hueOff val="0"/>
-              <a:satOff val="0"/>
-              <a:lumOff val="0"/>
-              <a:alphaOff val="0"/>
-            </a:schemeClr>
-          </a:solidFill>
-          <a:prstDash val="solid"/>
-        </a:ln>
-        <a:effectLst/>
-      </dsp:spPr>
-      <dsp:style>
-        <a:lnRef idx="2">
-          <a:scrgbClr r="0" g="0" b="0"/>
-        </a:lnRef>
-        <a:fillRef idx="1">
-          <a:scrgbClr r="0" g="0" b="0"/>
-        </a:fillRef>
-        <a:effectRef idx="0">
-          <a:scrgbClr r="0" g="0" b="0"/>
-        </a:effectRef>
-        <a:fontRef idx="minor">
-          <a:schemeClr val="lt1"/>
-        </a:fontRef>
-      </dsp:style>
-      <dsp:txBody>
-        <a:bodyPr spcFirstLastPara="0" vert="horz" wrap="square" lIns="45720" tIns="30480" rIns="45720" bIns="30480" numCol="1" spcCol="1270" anchor="ctr" anchorCtr="0">
-          <a:noAutofit/>
-        </a:bodyPr>
-        <a:lstStyle/>
-        <a:p>
-          <a:pPr lvl="0" algn="ctr" defTabSz="1066800">
-            <a:lnSpc>
-              <a:spcPct val="90000"/>
-            </a:lnSpc>
-            <a:spcBef>
-              <a:spcPct val="0"/>
-            </a:spcBef>
-            <a:spcAft>
-              <a:spcPct val="35000"/>
-            </a:spcAft>
-          </a:pPr>
-          <a:r>
-            <a:rPr lang="en-US" sz="2400" kern="1200" dirty="0" smtClean="0">
-              <a:latin typeface="Arial" panose="020B0604020202020204" pitchFamily="34" charset="0"/>
-              <a:cs typeface="Arial" panose="020B0604020202020204" pitchFamily="34" charset="0"/>
-            </a:rPr>
-            <a:t>Export </a:t>
-          </a:r>
-          <a:r>
-            <a:rPr lang="en-US" sz="2400" b="1" kern="1200" dirty="0" smtClean="0">
-              <a:solidFill>
-                <a:srgbClr val="FFFF00"/>
-              </a:solidFill>
-              <a:latin typeface="Arial" panose="020B0604020202020204" pitchFamily="34" charset="0"/>
-              <a:cs typeface="Arial" panose="020B0604020202020204" pitchFamily="34" charset="0"/>
-            </a:rPr>
-            <a:t>default</a:t>
-          </a:r>
-          <a:r>
-            <a:rPr lang="en-US" sz="2400" kern="1200" dirty="0" smtClean="0">
-              <a:latin typeface="Arial" panose="020B0604020202020204" pitchFamily="34" charset="0"/>
-              <a:cs typeface="Arial" panose="020B0604020202020204" pitchFamily="34" charset="0"/>
-            </a:rPr>
-            <a:t> class </a:t>
-          </a:r>
-          <a:r>
-            <a:rPr lang="en-US" sz="2400" kern="1200" dirty="0" err="1" smtClean="0">
-              <a:latin typeface="Arial" panose="020B0604020202020204" pitchFamily="34" charset="0"/>
-              <a:cs typeface="Arial" panose="020B0604020202020204" pitchFamily="34" charset="0"/>
-            </a:rPr>
-            <a:t>ClassName</a:t>
-          </a:r>
-          <a:endParaRPr lang="en-US" sz="2400" kern="1200" dirty="0">
-            <a:latin typeface="Arial" panose="020B0604020202020204" pitchFamily="34" charset="0"/>
-            <a:cs typeface="Arial" panose="020B0604020202020204" pitchFamily="34" charset="0"/>
-          </a:endParaRPr>
-        </a:p>
-      </dsp:txBody>
-      <dsp:txXfrm>
-        <a:off x="52029" y="768887"/>
-        <a:ext cx="3385273" cy="1641565"/>
-      </dsp:txXfrm>
-    </dsp:sp>
-    <dsp:sp modelId="{479DDB34-2941-4C36-95A1-D4BF9A0567B7}">
-      <dsp:nvSpPr>
-        <dsp:cNvPr id="0" name=""/>
-        <dsp:cNvSpPr/>
-      </dsp:nvSpPr>
-      <dsp:spPr>
-        <a:xfrm>
-          <a:off x="349699" y="2461524"/>
-          <a:ext cx="348741" cy="939692"/>
-        </a:xfrm>
-        <a:custGeom>
-          <a:avLst/>
-          <a:gdLst/>
-          <a:ahLst/>
-          <a:cxnLst/>
-          <a:rect l="0" t="0" r="0" b="0"/>
-          <a:pathLst>
-            <a:path>
-              <a:moveTo>
-                <a:pt x="0" y="0"/>
-              </a:moveTo>
-              <a:lnTo>
-                <a:pt x="0" y="939692"/>
-              </a:lnTo>
-              <a:lnTo>
-                <a:pt x="348741" y="939692"/>
-              </a:lnTo>
-            </a:path>
-          </a:pathLst>
-        </a:custGeom>
-        <a:noFill/>
-        <a:ln w="25400" cap="flat" cmpd="sng" algn="ctr">
-          <a:solidFill>
-            <a:srgbClr val="C00000"/>
-          </a:solidFill>
-          <a:prstDash val="solid"/>
-        </a:ln>
-        <a:effectLst/>
-      </dsp:spPr>
-      <dsp:style>
-        <a:lnRef idx="2">
-          <a:scrgbClr r="0" g="0" b="0"/>
-        </a:lnRef>
-        <a:fillRef idx="0">
-          <a:scrgbClr r="0" g="0" b="0"/>
-        </a:fillRef>
-        <a:effectRef idx="0">
-          <a:scrgbClr r="0" g="0" b="0"/>
-        </a:effectRef>
-        <a:fontRef idx="minor"/>
-      </dsp:style>
-    </dsp:sp>
-    <dsp:sp modelId="{8989EA6E-529A-4656-BCAF-E6BACCC73738}">
-      <dsp:nvSpPr>
-        <dsp:cNvPr id="0" name=""/>
-        <dsp:cNvSpPr/>
-      </dsp:nvSpPr>
-      <dsp:spPr>
-        <a:xfrm>
-          <a:off x="698441" y="2897451"/>
-          <a:ext cx="2683886" cy="1007531"/>
-        </a:xfrm>
-        <a:prstGeom prst="roundRect">
-          <a:avLst>
-            <a:gd name="adj" fmla="val 10000"/>
-          </a:avLst>
-        </a:prstGeom>
-        <a:solidFill>
-          <a:schemeClr val="tx1">
-            <a:lumMod val="75000"/>
-            <a:lumOff val="25000"/>
-            <a:alpha val="90000"/>
-          </a:schemeClr>
-        </a:solidFill>
-        <a:ln w="25400" cap="flat" cmpd="sng" algn="ctr">
-          <a:solidFill>
-            <a:schemeClr val="tx1">
-              <a:lumMod val="75000"/>
-              <a:lumOff val="25000"/>
-            </a:schemeClr>
-          </a:solidFill>
-          <a:prstDash val="solid"/>
-        </a:ln>
-        <a:effectLst/>
-      </dsp:spPr>
-      <dsp:style>
-        <a:lnRef idx="2">
-          <a:scrgbClr r="0" g="0" b="0"/>
-        </a:lnRef>
-        <a:fillRef idx="1">
-          <a:scrgbClr r="0" g="0" b="0"/>
-        </a:fillRef>
-        <a:effectRef idx="0">
-          <a:scrgbClr r="0" g="0" b="0"/>
-        </a:effectRef>
-        <a:fontRef idx="minor"/>
-      </dsp:style>
-      <dsp:txBody>
-        <a:bodyPr spcFirstLastPara="0" vert="horz" wrap="square" lIns="34290" tIns="22860" rIns="34290" bIns="22860" numCol="1" spcCol="1270" anchor="ctr" anchorCtr="0">
-          <a:noAutofit/>
-        </a:bodyPr>
-        <a:lstStyle/>
-        <a:p>
-          <a:pPr lvl="0" algn="ctr" defTabSz="800100">
-            <a:lnSpc>
-              <a:spcPct val="90000"/>
-            </a:lnSpc>
-            <a:spcBef>
-              <a:spcPct val="0"/>
-            </a:spcBef>
-            <a:spcAft>
-              <a:spcPct val="35000"/>
-            </a:spcAft>
-          </a:pPr>
-          <a:r>
-            <a:rPr lang="en-US" sz="1800" kern="1200" dirty="0" smtClean="0">
-              <a:solidFill>
-                <a:schemeClr val="bg1"/>
-              </a:solidFill>
-              <a:latin typeface="Arial" panose="020B0604020202020204" pitchFamily="34" charset="0"/>
-              <a:cs typeface="Arial" panose="020B0604020202020204" pitchFamily="34" charset="0"/>
-            </a:rPr>
-            <a:t>Import </a:t>
-          </a:r>
-          <a:r>
-            <a:rPr lang="en-US" sz="1800" kern="1200" dirty="0" err="1" smtClean="0">
-              <a:solidFill>
-                <a:schemeClr val="bg1"/>
-              </a:solidFill>
-              <a:latin typeface="Arial" panose="020B0604020202020204" pitchFamily="34" charset="0"/>
-              <a:cs typeface="Arial" panose="020B0604020202020204" pitchFamily="34" charset="0"/>
-            </a:rPr>
-            <a:t>ClassName</a:t>
-          </a:r>
-          <a:endParaRPr lang="en-US" sz="1800" kern="1200" dirty="0">
-            <a:solidFill>
-              <a:schemeClr val="bg1"/>
-            </a:solidFill>
-            <a:latin typeface="Arial" panose="020B0604020202020204" pitchFamily="34" charset="0"/>
-            <a:cs typeface="Arial" panose="020B0604020202020204" pitchFamily="34" charset="0"/>
-          </a:endParaRPr>
-        </a:p>
-      </dsp:txBody>
-      <dsp:txXfrm>
-        <a:off x="727951" y="2926961"/>
-        <a:ext cx="2624866" cy="948511"/>
-      </dsp:txXfrm>
-    </dsp:sp>
-    <dsp:sp modelId="{5074D994-86C5-44F9-A7AB-F07C02845B1D}">
-      <dsp:nvSpPr>
-        <dsp:cNvPr id="0" name=""/>
-        <dsp:cNvSpPr/>
-      </dsp:nvSpPr>
-      <dsp:spPr>
-        <a:xfrm>
-          <a:off x="4361184" y="762002"/>
-          <a:ext cx="3487415" cy="1743707"/>
-        </a:xfrm>
-        <a:prstGeom prst="roundRect">
-          <a:avLst>
-            <a:gd name="adj" fmla="val 10000"/>
-          </a:avLst>
-        </a:prstGeom>
-        <a:solidFill>
-          <a:schemeClr val="tx1">
-            <a:lumMod val="75000"/>
-            <a:lumOff val="25000"/>
-          </a:schemeClr>
-        </a:solidFill>
-        <a:ln w="25400" cap="flat" cmpd="sng" algn="ctr">
-          <a:solidFill>
-            <a:schemeClr val="lt1">
-              <a:hueOff val="0"/>
-              <a:satOff val="0"/>
-              <a:lumOff val="0"/>
-              <a:alphaOff val="0"/>
-            </a:schemeClr>
-          </a:solidFill>
-          <a:prstDash val="solid"/>
-        </a:ln>
-        <a:effectLst/>
-      </dsp:spPr>
-      <dsp:style>
-        <a:lnRef idx="2">
-          <a:scrgbClr r="0" g="0" b="0"/>
-        </a:lnRef>
-        <a:fillRef idx="1">
-          <a:scrgbClr r="0" g="0" b="0"/>
-        </a:fillRef>
-        <a:effectRef idx="0">
-          <a:scrgbClr r="0" g="0" b="0"/>
-        </a:effectRef>
-        <a:fontRef idx="minor">
-          <a:schemeClr val="lt1"/>
-        </a:fontRef>
-      </dsp:style>
-      <dsp:txBody>
-        <a:bodyPr spcFirstLastPara="0" vert="horz" wrap="square" lIns="45720" tIns="30480" rIns="45720" bIns="30480" numCol="1" spcCol="1270" anchor="ctr" anchorCtr="0">
-          <a:noAutofit/>
-        </a:bodyPr>
-        <a:lstStyle/>
-        <a:p>
-          <a:pPr lvl="0" algn="ctr" defTabSz="1066800">
-            <a:lnSpc>
-              <a:spcPct val="90000"/>
-            </a:lnSpc>
-            <a:spcBef>
-              <a:spcPct val="0"/>
-            </a:spcBef>
-            <a:spcAft>
-              <a:spcPct val="35000"/>
-            </a:spcAft>
-          </a:pPr>
-          <a:r>
-            <a:rPr lang="en-US" sz="2400" kern="1200" dirty="0" smtClean="0">
-              <a:latin typeface="Arial" panose="020B0604020202020204" pitchFamily="34" charset="0"/>
-              <a:cs typeface="Arial" panose="020B0604020202020204" pitchFamily="34" charset="0"/>
-            </a:rPr>
-            <a:t>Export class </a:t>
-          </a:r>
-          <a:r>
-            <a:rPr lang="en-US" sz="2400" kern="1200" dirty="0" err="1" smtClean="0">
-              <a:latin typeface="Arial" panose="020B0604020202020204" pitchFamily="34" charset="0"/>
-              <a:cs typeface="Arial" panose="020B0604020202020204" pitchFamily="34" charset="0"/>
-            </a:rPr>
-            <a:t>ClassName</a:t>
-          </a:r>
-          <a:endParaRPr lang="en-US" sz="2400" kern="1200" dirty="0">
-            <a:latin typeface="Arial" panose="020B0604020202020204" pitchFamily="34" charset="0"/>
-            <a:cs typeface="Arial" panose="020B0604020202020204" pitchFamily="34" charset="0"/>
-          </a:endParaRPr>
-        </a:p>
-      </dsp:txBody>
-      <dsp:txXfrm>
-        <a:off x="4412255" y="813073"/>
-        <a:ext cx="3385273" cy="1641565"/>
-      </dsp:txXfrm>
-    </dsp:sp>
-    <dsp:sp modelId="{409F2B00-78E3-4896-9E24-21CD021CE403}">
-      <dsp:nvSpPr>
-        <dsp:cNvPr id="0" name=""/>
-        <dsp:cNvSpPr/>
-      </dsp:nvSpPr>
-      <dsp:spPr>
-        <a:xfrm>
-          <a:off x="4709926" y="2505710"/>
-          <a:ext cx="347783" cy="895507"/>
-        </a:xfrm>
-        <a:custGeom>
-          <a:avLst/>
-          <a:gdLst/>
-          <a:ahLst/>
-          <a:cxnLst/>
-          <a:rect l="0" t="0" r="0" b="0"/>
-          <a:pathLst>
-            <a:path>
-              <a:moveTo>
-                <a:pt x="0" y="0"/>
-              </a:moveTo>
-              <a:lnTo>
-                <a:pt x="0" y="895507"/>
-              </a:lnTo>
-              <a:lnTo>
-                <a:pt x="347783" y="895507"/>
-              </a:lnTo>
-            </a:path>
-          </a:pathLst>
-        </a:custGeom>
-        <a:noFill/>
-        <a:ln w="25400" cap="flat" cmpd="sng" algn="ctr">
-          <a:solidFill>
-            <a:srgbClr val="C00000"/>
-          </a:solidFill>
-          <a:prstDash val="solid"/>
-        </a:ln>
-        <a:effectLst/>
-      </dsp:spPr>
-      <dsp:style>
-        <a:lnRef idx="2">
-          <a:scrgbClr r="0" g="0" b="0"/>
-        </a:lnRef>
-        <a:fillRef idx="0">
-          <a:scrgbClr r="0" g="0" b="0"/>
-        </a:fillRef>
-        <a:effectRef idx="0">
-          <a:scrgbClr r="0" g="0" b="0"/>
-        </a:effectRef>
-        <a:fontRef idx="minor"/>
-      </dsp:style>
-    </dsp:sp>
-    <dsp:sp modelId="{B5C3A1FE-3272-4138-87DA-E815315C7BA6}">
-      <dsp:nvSpPr>
-        <dsp:cNvPr id="0" name=""/>
-        <dsp:cNvSpPr/>
-      </dsp:nvSpPr>
-      <dsp:spPr>
-        <a:xfrm>
-          <a:off x="5057709" y="2897451"/>
-          <a:ext cx="2677553" cy="1007531"/>
-        </a:xfrm>
-        <a:prstGeom prst="roundRect">
-          <a:avLst>
-            <a:gd name="adj" fmla="val 10000"/>
-          </a:avLst>
-        </a:prstGeom>
-        <a:solidFill>
-          <a:schemeClr val="tx1">
-            <a:lumMod val="75000"/>
-            <a:lumOff val="25000"/>
-            <a:alpha val="90000"/>
-          </a:schemeClr>
-        </a:solidFill>
-        <a:ln w="25400" cap="flat" cmpd="sng" algn="ctr">
-          <a:solidFill>
-            <a:schemeClr val="tx1">
-              <a:lumMod val="75000"/>
-              <a:lumOff val="25000"/>
-            </a:schemeClr>
-          </a:solidFill>
-          <a:prstDash val="solid"/>
-        </a:ln>
-        <a:effectLst/>
-      </dsp:spPr>
-      <dsp:style>
-        <a:lnRef idx="2">
-          <a:scrgbClr r="0" g="0" b="0"/>
-        </a:lnRef>
-        <a:fillRef idx="1">
-          <a:scrgbClr r="0" g="0" b="0"/>
-        </a:fillRef>
-        <a:effectRef idx="0">
-          <a:scrgbClr r="0" g="0" b="0"/>
-        </a:effectRef>
-        <a:fontRef idx="minor"/>
-      </dsp:style>
-      <dsp:txBody>
-        <a:bodyPr spcFirstLastPara="0" vert="horz" wrap="square" lIns="34290" tIns="22860" rIns="34290" bIns="22860" numCol="1" spcCol="1270" anchor="ctr" anchorCtr="0">
-          <a:noAutofit/>
-        </a:bodyPr>
-        <a:lstStyle/>
-        <a:p>
-          <a:pPr lvl="0" algn="ctr" defTabSz="800100">
-            <a:lnSpc>
-              <a:spcPct val="90000"/>
-            </a:lnSpc>
-            <a:spcBef>
-              <a:spcPct val="0"/>
-            </a:spcBef>
-            <a:spcAft>
-              <a:spcPct val="35000"/>
-            </a:spcAft>
-          </a:pPr>
-          <a:r>
-            <a:rPr lang="en-US" sz="1800" kern="1200" dirty="0" smtClean="0">
-              <a:solidFill>
-                <a:schemeClr val="bg1"/>
-              </a:solidFill>
-              <a:latin typeface="Arial" panose="020B0604020202020204" pitchFamily="34" charset="0"/>
-              <a:cs typeface="Arial" panose="020B0604020202020204" pitchFamily="34" charset="0"/>
-            </a:rPr>
-            <a:t>Import </a:t>
-          </a:r>
-          <a:r>
-            <a:rPr lang="en-US" sz="1800" b="1" kern="1200" dirty="0" smtClean="0">
-              <a:solidFill>
-                <a:srgbClr val="FFFF00"/>
-              </a:solidFill>
-              <a:latin typeface="Arial" panose="020B0604020202020204" pitchFamily="34" charset="0"/>
-              <a:cs typeface="Arial" panose="020B0604020202020204" pitchFamily="34" charset="0"/>
-            </a:rPr>
-            <a:t>{</a:t>
-          </a:r>
-          <a:r>
-            <a:rPr lang="en-US" sz="1800" kern="1200" dirty="0" smtClean="0">
-              <a:solidFill>
-                <a:schemeClr val="bg1"/>
-              </a:solidFill>
-              <a:latin typeface="Arial" panose="020B0604020202020204" pitchFamily="34" charset="0"/>
-              <a:cs typeface="Arial" panose="020B0604020202020204" pitchFamily="34" charset="0"/>
-            </a:rPr>
-            <a:t> </a:t>
-          </a:r>
-          <a:r>
-            <a:rPr lang="en-US" sz="1800" kern="1200" dirty="0" err="1" smtClean="0">
-              <a:solidFill>
-                <a:schemeClr val="bg1"/>
-              </a:solidFill>
-              <a:latin typeface="Arial" panose="020B0604020202020204" pitchFamily="34" charset="0"/>
-              <a:cs typeface="Arial" panose="020B0604020202020204" pitchFamily="34" charset="0"/>
-            </a:rPr>
-            <a:t>ClassName</a:t>
-          </a:r>
-          <a:r>
-            <a:rPr lang="en-US" sz="1800" kern="1200" dirty="0" smtClean="0">
-              <a:solidFill>
-                <a:schemeClr val="bg1"/>
-              </a:solidFill>
-              <a:latin typeface="Arial" panose="020B0604020202020204" pitchFamily="34" charset="0"/>
-              <a:cs typeface="Arial" panose="020B0604020202020204" pitchFamily="34" charset="0"/>
-            </a:rPr>
-            <a:t> </a:t>
-          </a:r>
-          <a:r>
-            <a:rPr lang="en-US" sz="1800" b="1" kern="1200" dirty="0" smtClean="0">
-              <a:solidFill>
-                <a:srgbClr val="FFFF00"/>
-              </a:solidFill>
-              <a:latin typeface="Arial" panose="020B0604020202020204" pitchFamily="34" charset="0"/>
-              <a:cs typeface="Arial" panose="020B0604020202020204" pitchFamily="34" charset="0"/>
-            </a:rPr>
-            <a:t>}</a:t>
-          </a:r>
-          <a:endParaRPr lang="en-US" sz="1800" b="1" kern="1200" dirty="0">
-            <a:solidFill>
-              <a:srgbClr val="FFFF00"/>
-            </a:solidFill>
-            <a:latin typeface="Arial" panose="020B0604020202020204" pitchFamily="34" charset="0"/>
-            <a:cs typeface="Arial" panose="020B0604020202020204" pitchFamily="34" charset="0"/>
-          </a:endParaRPr>
-        </a:p>
-      </dsp:txBody>
-      <dsp:txXfrm>
-        <a:off x="5087219" y="2926961"/>
-        <a:ext cx="2618533" cy="948511"/>
-      </dsp:txXfrm>
-    </dsp:sp>
+  </dsp:spTree>
+</dsp:drawing>
+</file>
+
+<file path=ppt/diagrams/drawing4.xml><?xml version="1.0" encoding="utf-8"?>
+<dsp:drawing xmlns:dgm="http://schemas.openxmlformats.org/drawingml/2006/diagram" xmlns:dsp="http://schemas.microsoft.com/office/drawing/2008/diagram" xmlns:a="http://schemas.openxmlformats.org/drawingml/2006/main">
+  <dsp:spTree>
+    <dsp:nvGrpSpPr>
+      <dsp:cNvPr id="0" name=""/>
+      <dsp:cNvGrpSpPr/>
+    </dsp:nvGrpSpPr>
+    <dsp:grpSpPr/>
   </dsp:spTree>
 </dsp:drawing>
 </file>
@@ -7698,6 +7702,239 @@
 </dgm:layoutDef>
 </file>
 
+<file path=ppt/diagrams/layout4.xml><?xml version="1.0" encoding="utf-8"?>
+<dgm:layoutDef xmlns:dgm="http://schemas.openxmlformats.org/drawingml/2006/diagram" xmlns:a="http://schemas.openxmlformats.org/drawingml/2006/main" uniqueId="urn:microsoft.com/office/officeart/2005/8/layout/vList5">
+  <dgm:title val=""/>
+  <dgm:desc val=""/>
+  <dgm:catLst>
+    <dgm:cat type="list" pri="15000"/>
+    <dgm:cat type="convert" pri="2000"/>
+  </dgm:catLst>
+  <dgm:sampData>
+    <dgm:dataModel>
+      <dgm:ptLst>
+        <dgm:pt modelId="0" type="doc"/>
+        <dgm:pt modelId="1">
+          <dgm:prSet phldr="1"/>
+        </dgm:pt>
+        <dgm:pt modelId="11">
+          <dgm:prSet phldr="1"/>
+        </dgm:pt>
+        <dgm:pt modelId="12">
+          <dgm:prSet phldr="1"/>
+        </dgm:pt>
+        <dgm:pt modelId="2">
+          <dgm:prSet phldr="1"/>
+        </dgm:pt>
+        <dgm:pt modelId="21">
+          <dgm:prSet phldr="1"/>
+        </dgm:pt>
+        <dgm:pt modelId="22">
+          <dgm:prSet phldr="1"/>
+        </dgm:pt>
+        <dgm:pt modelId="3">
+          <dgm:prSet phldr="1"/>
+        </dgm:pt>
+        <dgm:pt modelId="31">
+          <dgm:prSet phldr="1"/>
+        </dgm:pt>
+        <dgm:pt modelId="32">
+          <dgm:prSet phldr="1"/>
+        </dgm:pt>
+      </dgm:ptLst>
+      <dgm:cxnLst>
+        <dgm:cxn modelId="4" srcId="0" destId="1" srcOrd="0" destOrd="0"/>
+        <dgm:cxn modelId="5" srcId="0" destId="2" srcOrd="1" destOrd="0"/>
+        <dgm:cxn modelId="6" srcId="0" destId="3" srcOrd="2" destOrd="0"/>
+        <dgm:cxn modelId="13" srcId="1" destId="11" srcOrd="0" destOrd="0"/>
+        <dgm:cxn modelId="14" srcId="1" destId="12" srcOrd="1" destOrd="0"/>
+        <dgm:cxn modelId="23" srcId="2" destId="21" srcOrd="0" destOrd="0"/>
+        <dgm:cxn modelId="24" srcId="2" destId="22" srcOrd="1" destOrd="0"/>
+        <dgm:cxn modelId="33" srcId="3" destId="31" srcOrd="0" destOrd="0"/>
+        <dgm:cxn modelId="34" srcId="3" destId="32" srcOrd="1" destOrd="0"/>
+      </dgm:cxnLst>
+      <dgm:bg/>
+      <dgm:whole/>
+    </dgm:dataModel>
+  </dgm:sampData>
+  <dgm:styleData>
+    <dgm:dataModel>
+      <dgm:ptLst>
+        <dgm:pt modelId="0" type="doc"/>
+        <dgm:pt modelId="1"/>
+        <dgm:pt modelId="11"/>
+        <dgm:pt modelId="2"/>
+        <dgm:pt modelId="21"/>
+      </dgm:ptLst>
+      <dgm:cxnLst>
+        <dgm:cxn modelId="4" srcId="0" destId="1" srcOrd="0" destOrd="0"/>
+        <dgm:cxn modelId="5" srcId="0" destId="2" srcOrd="1" destOrd="0"/>
+        <dgm:cxn modelId="13" srcId="1" destId="11" srcOrd="0" destOrd="0"/>
+        <dgm:cxn modelId="23" srcId="2" destId="21" srcOrd="0" destOrd="0"/>
+      </dgm:cxnLst>
+      <dgm:bg/>
+      <dgm:whole/>
+    </dgm:dataModel>
+  </dgm:styleData>
+  <dgm:clrData>
+    <dgm:dataModel>
+      <dgm:ptLst>
+        <dgm:pt modelId="0" type="doc"/>
+        <dgm:pt modelId="1"/>
+        <dgm:pt modelId="11"/>
+        <dgm:pt modelId="2"/>
+        <dgm:pt modelId="21"/>
+        <dgm:pt modelId="3"/>
+        <dgm:pt modelId="31"/>
+        <dgm:pt modelId="4"/>
+        <dgm:pt modelId="41"/>
+      </dgm:ptLst>
+      <dgm:cxnLst>
+        <dgm:cxn modelId="5" srcId="0" destId="1" srcOrd="0" destOrd="0"/>
+        <dgm:cxn modelId="6" srcId="0" destId="2" srcOrd="1" destOrd="0"/>
+        <dgm:cxn modelId="7" srcId="0" destId="3" srcOrd="2" destOrd="0"/>
+        <dgm:cxn modelId="8" srcId="0" destId="4" srcOrd="3" destOrd="0"/>
+        <dgm:cxn modelId="13" srcId="1" destId="11" srcOrd="0" destOrd="0"/>
+        <dgm:cxn modelId="23" srcId="2" destId="21" srcOrd="0" destOrd="0"/>
+        <dgm:cxn modelId="33" srcId="3" destId="31" srcOrd="0" destOrd="0"/>
+        <dgm:cxn modelId="43" srcId="4" destId="41" srcOrd="0" destOrd="0"/>
+      </dgm:cxnLst>
+      <dgm:bg/>
+      <dgm:whole/>
+    </dgm:dataModel>
+  </dgm:clrData>
+  <dgm:layoutNode name="Name0">
+    <dgm:varLst>
+      <dgm:dir/>
+      <dgm:animLvl val="lvl"/>
+      <dgm:resizeHandles val="exact"/>
+    </dgm:varLst>
+    <dgm:choose name="Name1">
+      <dgm:if name="Name2" func="var" arg="dir" op="equ" val="norm">
+        <dgm:alg type="lin">
+          <dgm:param type="linDir" val="fromT"/>
+          <dgm:param type="nodeHorzAlign" val="l"/>
+        </dgm:alg>
+      </dgm:if>
+      <dgm:else name="Name3">
+        <dgm:alg type="lin">
+          <dgm:param type="linDir" val="fromT"/>
+          <dgm:param type="nodeHorzAlign" val="r"/>
+        </dgm:alg>
+      </dgm:else>
+    </dgm:choose>
+    <dgm:shape xmlns:r="http://schemas.openxmlformats.org/officeDocument/2006/relationships" r:blip="">
+      <dgm:adjLst/>
+    </dgm:shape>
+    <dgm:presOf/>
+    <dgm:constrLst>
+      <dgm:constr type="h" for="ch" forName="linNode" refType="h"/>
+      <dgm:constr type="w" for="ch" forName="linNode" refType="w"/>
+      <dgm:constr type="h" for="ch" forName="sp" refType="h" fact="0.05"/>
+      <dgm:constr type="primFontSz" for="des" forName="parentText" op="equ" val="65"/>
+      <dgm:constr type="secFontSz" for="des" forName="descendantText" op="equ"/>
+    </dgm:constrLst>
+    <dgm:ruleLst/>
+    <dgm:forEach name="Name4" axis="ch" ptType="node">
+      <dgm:layoutNode name="linNode">
+        <dgm:choose name="Name5">
+          <dgm:if name="Name6" func="var" arg="dir" op="equ" val="norm">
+            <dgm:alg type="lin">
+              <dgm:param type="linDir" val="fromL"/>
+            </dgm:alg>
+          </dgm:if>
+          <dgm:else name="Name7">
+            <dgm:alg type="lin">
+              <dgm:param type="linDir" val="fromR"/>
+            </dgm:alg>
+          </dgm:else>
+        </dgm:choose>
+        <dgm:shape xmlns:r="http://schemas.openxmlformats.org/officeDocument/2006/relationships" r:blip="">
+          <dgm:adjLst/>
+        </dgm:shape>
+        <dgm:presOf/>
+        <dgm:constrLst>
+          <dgm:constr type="w" for="ch" forName="parentText" refType="w" fact="0.36"/>
+          <dgm:constr type="w" for="ch" forName="descendantText" refType="w" fact="0.64"/>
+          <dgm:constr type="h" for="ch" forName="parentText" refType="h"/>
+          <dgm:constr type="h" for="ch" forName="descendantText" refType="h" refFor="ch" refForName="parentText" fact="0.8"/>
+        </dgm:constrLst>
+        <dgm:ruleLst/>
+        <dgm:layoutNode name="parentText">
+          <dgm:varLst>
+            <dgm:chMax val="1"/>
+            <dgm:bulletEnabled val="1"/>
+          </dgm:varLst>
+          <dgm:alg type="tx"/>
+          <dgm:shape xmlns:r="http://schemas.openxmlformats.org/officeDocument/2006/relationships" type="roundRect" r:blip="" zOrderOff="3">
+            <dgm:adjLst/>
+          </dgm:shape>
+          <dgm:presOf axis="self" ptType="node"/>
+          <dgm:constrLst>
+            <dgm:constr type="tMarg" refType="primFontSz" fact="0.15"/>
+            <dgm:constr type="bMarg" refType="primFontSz" fact="0.15"/>
+            <dgm:constr type="lMarg" refType="primFontSz" fact="0.3"/>
+            <dgm:constr type="rMarg" refType="primFontSz" fact="0.3"/>
+          </dgm:constrLst>
+          <dgm:ruleLst>
+            <dgm:rule type="primFontSz" val="5" fact="NaN" max="NaN"/>
+          </dgm:ruleLst>
+        </dgm:layoutNode>
+        <dgm:choose name="Name8">
+          <dgm:if name="Name9" axis="ch" ptType="node" func="cnt" op="gte" val="1">
+            <dgm:layoutNode name="descendantText" styleLbl="alignAccFollowNode1">
+              <dgm:varLst>
+                <dgm:bulletEnabled val="1"/>
+              </dgm:varLst>
+              <dgm:alg type="tx">
+                <dgm:param type="stBulletLvl" val="1"/>
+                <dgm:param type="txAnchorVertCh" val="mid"/>
+              </dgm:alg>
+              <dgm:choose name="Name10">
+                <dgm:if name="Name11" func="var" arg="dir" op="equ" val="norm">
+                  <dgm:shape xmlns:r="http://schemas.openxmlformats.org/officeDocument/2006/relationships" rot="90" type="round2SameRect" r:blip="">
+                    <dgm:adjLst/>
+                  </dgm:shape>
+                </dgm:if>
+                <dgm:else name="Name12">
+                  <dgm:shape xmlns:r="http://schemas.openxmlformats.org/officeDocument/2006/relationships" rot="-90" type="round2SameRect" r:blip="">
+                    <dgm:adjLst/>
+                  </dgm:shape>
+                </dgm:else>
+              </dgm:choose>
+              <dgm:presOf axis="des" ptType="node"/>
+              <dgm:constrLst>
+                <dgm:constr type="secFontSz" val="65"/>
+                <dgm:constr type="primFontSz" refType="secFontSz"/>
+                <dgm:constr type="lMarg" refType="secFontSz" fact="0.3"/>
+                <dgm:constr type="rMarg" refType="secFontSz" fact="0.3"/>
+                <dgm:constr type="tMarg" refType="secFontSz" fact="0.15"/>
+                <dgm:constr type="bMarg" refType="secFontSz" fact="0.15"/>
+              </dgm:constrLst>
+              <dgm:ruleLst>
+                <dgm:rule type="secFontSz" val="5" fact="NaN" max="NaN"/>
+              </dgm:ruleLst>
+            </dgm:layoutNode>
+          </dgm:if>
+          <dgm:else name="Name13"/>
+        </dgm:choose>
+      </dgm:layoutNode>
+      <dgm:forEach name="Name14" axis="followSib" ptType="sibTrans" cnt="1">
+        <dgm:layoutNode name="sp">
+          <dgm:alg type="sp"/>
+          <dgm:shape xmlns:r="http://schemas.openxmlformats.org/officeDocument/2006/relationships" r:blip="">
+            <dgm:adjLst/>
+          </dgm:shape>
+          <dgm:presOf/>
+          <dgm:constrLst/>
+          <dgm:ruleLst/>
+        </dgm:layoutNode>
+      </dgm:forEach>
+    </dgm:forEach>
+  </dgm:layoutNode>
+</dgm:layoutDef>
+</file>
+
 <file path=ppt/diagrams/quickStyle1.xml><?xml version="1.0" encoding="utf-8"?>
 <dgm:styleDef xmlns:dgm="http://schemas.openxmlformats.org/drawingml/2006/diagram" xmlns:a="http://schemas.openxmlformats.org/drawingml/2006/main" uniqueId="urn:microsoft.com/office/officeart/2005/8/quickstyle/simple1">
   <dgm:title val=""/>
@@ -9767,6 +10004,1040 @@
 </file>
 
 <file path=ppt/diagrams/quickStyle3.xml><?xml version="1.0" encoding="utf-8"?>
+<dgm:styleDef xmlns:dgm="http://schemas.openxmlformats.org/drawingml/2006/diagram" xmlns:a="http://schemas.openxmlformats.org/drawingml/2006/main" uniqueId="urn:microsoft.com/office/officeart/2005/8/quickstyle/simple1">
+  <dgm:title val=""/>
+  <dgm:desc val=""/>
+  <dgm:catLst>
+    <dgm:cat type="simple" pri="10100"/>
+  </dgm:catLst>
+  <dgm:scene3d>
+    <a:camera prst="orthographicFront"/>
+    <a:lightRig rig="threePt" dir="t"/>
+  </dgm:scene3d>
+  <dgm:styleLbl name="node0">
+    <dgm:scene3d>
+      <a:camera prst="orthographicFront"/>
+      <a:lightRig rig="threePt" dir="t"/>
+    </dgm:scene3d>
+    <dgm:sp3d/>
+    <dgm:txPr/>
+    <dgm:style>
+      <a:lnRef idx="2">
+        <a:scrgbClr r="0" g="0" b="0"/>
+      </a:lnRef>
+      <a:fillRef idx="1">
+        <a:scrgbClr r="0" g="0" b="0"/>
+      </a:fillRef>
+      <a:effectRef idx="0">
+        <a:scrgbClr r="0" g="0" b="0"/>
+      </a:effectRef>
+      <a:fontRef idx="minor">
+        <a:schemeClr val="lt1"/>
+      </a:fontRef>
+    </dgm:style>
+  </dgm:styleLbl>
+  <dgm:styleLbl name="lnNode1">
+    <dgm:scene3d>
+      <a:camera prst="orthographicFront"/>
+      <a:lightRig rig="threePt" dir="t"/>
+    </dgm:scene3d>
+    <dgm:sp3d/>
+    <dgm:txPr/>
+    <dgm:style>
+      <a:lnRef idx="2">
+        <a:scrgbClr r="0" g="0" b="0"/>
+      </a:lnRef>
+      <a:fillRef idx="1">
+        <a:scrgbClr r="0" g="0" b="0"/>
+      </a:fillRef>
+      <a:effectRef idx="0">
+        <a:scrgbClr r="0" g="0" b="0"/>
+      </a:effectRef>
+      <a:fontRef idx="minor">
+        <a:schemeClr val="lt1"/>
+      </a:fontRef>
+    </dgm:style>
+  </dgm:styleLbl>
+  <dgm:styleLbl name="vennNode1">
+    <dgm:scene3d>
+      <a:camera prst="orthographicFront"/>
+      <a:lightRig rig="threePt" dir="t"/>
+    </dgm:scene3d>
+    <dgm:sp3d/>
+    <dgm:txPr/>
+    <dgm:style>
+      <a:lnRef idx="2">
+        <a:scrgbClr r="0" g="0" b="0"/>
+      </a:lnRef>
+      <a:fillRef idx="1">
+        <a:scrgbClr r="0" g="0" b="0"/>
+      </a:fillRef>
+      <a:effectRef idx="0">
+        <a:scrgbClr r="0" g="0" b="0"/>
+      </a:effectRef>
+      <a:fontRef idx="minor">
+        <a:schemeClr val="tx1"/>
+      </a:fontRef>
+    </dgm:style>
+  </dgm:styleLbl>
+  <dgm:styleLbl name="alignNode1">
+    <dgm:scene3d>
+      <a:camera prst="orthographicFront"/>
+      <a:lightRig rig="threePt" dir="t"/>
+    </dgm:scene3d>
+    <dgm:sp3d/>
+    <dgm:txPr/>
+    <dgm:style>
+      <a:lnRef idx="2">
+        <a:scrgbClr r="0" g="0" b="0"/>
+      </a:lnRef>
+      <a:fillRef idx="1">
+        <a:scrgbClr r="0" g="0" b="0"/>
+      </a:fillRef>
+      <a:effectRef idx="0">
+        <a:scrgbClr r="0" g="0" b="0"/>
+      </a:effectRef>
+      <a:fontRef idx="minor">
+        <a:schemeClr val="lt1"/>
+      </a:fontRef>
+    </dgm:style>
+  </dgm:styleLbl>
+  <dgm:styleLbl name="node1">
+    <dgm:scene3d>
+      <a:camera prst="orthographicFront"/>
+      <a:lightRig rig="threePt" dir="t"/>
+    </dgm:scene3d>
+    <dgm:sp3d/>
+    <dgm:txPr/>
+    <dgm:style>
+      <a:lnRef idx="2">
+        <a:scrgbClr r="0" g="0" b="0"/>
+      </a:lnRef>
+      <a:fillRef idx="1">
+        <a:scrgbClr r="0" g="0" b="0"/>
+      </a:fillRef>
+      <a:effectRef idx="0">
+        <a:scrgbClr r="0" g="0" b="0"/>
+      </a:effectRef>
+      <a:fontRef idx="minor">
+        <a:schemeClr val="lt1"/>
+      </a:fontRef>
+    </dgm:style>
+  </dgm:styleLbl>
+  <dgm:styleLbl name="node2">
+    <dgm:scene3d>
+      <a:camera prst="orthographicFront"/>
+      <a:lightRig rig="threePt" dir="t"/>
+    </dgm:scene3d>
+    <dgm:sp3d/>
+    <dgm:txPr/>
+    <dgm:style>
+      <a:lnRef idx="2">
+        <a:scrgbClr r="0" g="0" b="0"/>
+      </a:lnRef>
+      <a:fillRef idx="1">
+        <a:scrgbClr r="0" g="0" b="0"/>
+      </a:fillRef>
+      <a:effectRef idx="0">
+        <a:scrgbClr r="0" g="0" b="0"/>
+      </a:effectRef>
+      <a:fontRef idx="minor">
+        <a:schemeClr val="lt1"/>
+      </a:fontRef>
+    </dgm:style>
+  </dgm:styleLbl>
+  <dgm:styleLbl name="node3">
+    <dgm:scene3d>
+      <a:camera prst="orthographicFront"/>
+      <a:lightRig rig="threePt" dir="t"/>
+    </dgm:scene3d>
+    <dgm:sp3d/>
+    <dgm:txPr/>
+    <dgm:style>
+      <a:lnRef idx="2">
+        <a:scrgbClr r="0" g="0" b="0"/>
+      </a:lnRef>
+      <a:fillRef idx="1">
+        <a:scrgbClr r="0" g="0" b="0"/>
+      </a:fillRef>
+      <a:effectRef idx="0">
+        <a:scrgbClr r="0" g="0" b="0"/>
+      </a:effectRef>
+      <a:fontRef idx="minor">
+        <a:schemeClr val="lt1"/>
+      </a:fontRef>
+    </dgm:style>
+  </dgm:styleLbl>
+  <dgm:styleLbl name="node4">
+    <dgm:scene3d>
+      <a:camera prst="orthographicFront"/>
+      <a:lightRig rig="threePt" dir="t"/>
+    </dgm:scene3d>
+    <dgm:sp3d/>
+    <dgm:txPr/>
+    <dgm:style>
+      <a:lnRef idx="2">
+        <a:scrgbClr r="0" g="0" b="0"/>
+      </a:lnRef>
+      <a:fillRef idx="1">
+        <a:scrgbClr r="0" g="0" b="0"/>
+      </a:fillRef>
+      <a:effectRef idx="0">
+        <a:scrgbClr r="0" g="0" b="0"/>
+      </a:effectRef>
+      <a:fontRef idx="minor">
+        <a:schemeClr val="lt1"/>
+      </a:fontRef>
+    </dgm:style>
+  </dgm:styleLbl>
+  <dgm:styleLbl name="fgImgPlace1">
+    <dgm:scene3d>
+      <a:camera prst="orthographicFront"/>
+      <a:lightRig rig="threePt" dir="t"/>
+    </dgm:scene3d>
+    <dgm:sp3d/>
+    <dgm:txPr/>
+    <dgm:style>
+      <a:lnRef idx="2">
+        <a:scrgbClr r="0" g="0" b="0"/>
+      </a:lnRef>
+      <a:fillRef idx="1">
+        <a:scrgbClr r="0" g="0" b="0"/>
+      </a:fillRef>
+      <a:effectRef idx="0">
+        <a:scrgbClr r="0" g="0" b="0"/>
+      </a:effectRef>
+      <a:fontRef idx="minor"/>
+    </dgm:style>
+  </dgm:styleLbl>
+  <dgm:styleLbl name="alignImgPlace1">
+    <dgm:scene3d>
+      <a:camera prst="orthographicFront"/>
+      <a:lightRig rig="threePt" dir="t"/>
+    </dgm:scene3d>
+    <dgm:sp3d/>
+    <dgm:txPr/>
+    <dgm:style>
+      <a:lnRef idx="2">
+        <a:scrgbClr r="0" g="0" b="0"/>
+      </a:lnRef>
+      <a:fillRef idx="1">
+        <a:scrgbClr r="0" g="0" b="0"/>
+      </a:fillRef>
+      <a:effectRef idx="0">
+        <a:scrgbClr r="0" g="0" b="0"/>
+      </a:effectRef>
+      <a:fontRef idx="minor"/>
+    </dgm:style>
+  </dgm:styleLbl>
+  <dgm:styleLbl name="bgImgPlace1">
+    <dgm:scene3d>
+      <a:camera prst="orthographicFront"/>
+      <a:lightRig rig="threePt" dir="t"/>
+    </dgm:scene3d>
+    <dgm:sp3d/>
+    <dgm:txPr/>
+    <dgm:style>
+      <a:lnRef idx="2">
+        <a:scrgbClr r="0" g="0" b="0"/>
+      </a:lnRef>
+      <a:fillRef idx="1">
+        <a:scrgbClr r="0" g="0" b="0"/>
+      </a:fillRef>
+      <a:effectRef idx="0">
+        <a:scrgbClr r="0" g="0" b="0"/>
+      </a:effectRef>
+      <a:fontRef idx="minor"/>
+    </dgm:style>
+  </dgm:styleLbl>
+  <dgm:styleLbl name="sibTrans2D1">
+    <dgm:scene3d>
+      <a:camera prst="orthographicFront"/>
+      <a:lightRig rig="threePt" dir="t"/>
+    </dgm:scene3d>
+    <dgm:sp3d/>
+    <dgm:txPr/>
+    <dgm:style>
+      <a:lnRef idx="0">
+        <a:scrgbClr r="0" g="0" b="0"/>
+      </a:lnRef>
+      <a:fillRef idx="1">
+        <a:scrgbClr r="0" g="0" b="0"/>
+      </a:fillRef>
+      <a:effectRef idx="0">
+        <a:scrgbClr r="0" g="0" b="0"/>
+      </a:effectRef>
+      <a:fontRef idx="minor">
+        <a:schemeClr val="lt1"/>
+      </a:fontRef>
+    </dgm:style>
+  </dgm:styleLbl>
+  <dgm:styleLbl name="fgSibTrans2D1">
+    <dgm:scene3d>
+      <a:camera prst="orthographicFront"/>
+      <a:lightRig rig="threePt" dir="t"/>
+    </dgm:scene3d>
+    <dgm:sp3d/>
+    <dgm:txPr/>
+    <dgm:style>
+      <a:lnRef idx="0">
+        <a:scrgbClr r="0" g="0" b="0"/>
+      </a:lnRef>
+      <a:fillRef idx="1">
+        <a:scrgbClr r="0" g="0" b="0"/>
+      </a:fillRef>
+      <a:effectRef idx="0">
+        <a:scrgbClr r="0" g="0" b="0"/>
+      </a:effectRef>
+      <a:fontRef idx="minor">
+        <a:schemeClr val="lt1"/>
+      </a:fontRef>
+    </dgm:style>
+  </dgm:styleLbl>
+  <dgm:styleLbl name="bgSibTrans2D1">
+    <dgm:scene3d>
+      <a:camera prst="orthographicFront"/>
+      <a:lightRig rig="threePt" dir="t"/>
+    </dgm:scene3d>
+    <dgm:sp3d/>
+    <dgm:txPr/>
+    <dgm:style>
+      <a:lnRef idx="0">
+        <a:scrgbClr r="0" g="0" b="0"/>
+      </a:lnRef>
+      <a:fillRef idx="1">
+        <a:scrgbClr r="0" g="0" b="0"/>
+      </a:fillRef>
+      <a:effectRef idx="0">
+        <a:scrgbClr r="0" g="0" b="0"/>
+      </a:effectRef>
+      <a:fontRef idx="minor">
+        <a:schemeClr val="lt1"/>
+      </a:fontRef>
+    </dgm:style>
+  </dgm:styleLbl>
+  <dgm:styleLbl name="sibTrans1D1">
+    <dgm:scene3d>
+      <a:camera prst="orthographicFront"/>
+      <a:lightRig rig="threePt" dir="t"/>
+    </dgm:scene3d>
+    <dgm:sp3d/>
+    <dgm:txPr/>
+    <dgm:style>
+      <a:lnRef idx="1">
+        <a:scrgbClr r="0" g="0" b="0"/>
+      </a:lnRef>
+      <a:fillRef idx="0">
+        <a:scrgbClr r="0" g="0" b="0"/>
+      </a:fillRef>
+      <a:effectRef idx="0">
+        <a:scrgbClr r="0" g="0" b="0"/>
+      </a:effectRef>
+      <a:fontRef idx="minor"/>
+    </dgm:style>
+  </dgm:styleLbl>
+  <dgm:styleLbl name="callout">
+    <dgm:scene3d>
+      <a:camera prst="orthographicFront"/>
+      <a:lightRig rig="threePt" dir="t"/>
+    </dgm:scene3d>
+    <dgm:sp3d/>
+    <dgm:txPr/>
+    <dgm:style>
+      <a:lnRef idx="2">
+        <a:scrgbClr r="0" g="0" b="0"/>
+      </a:lnRef>
+      <a:fillRef idx="1">
+        <a:scrgbClr r="0" g="0" b="0"/>
+      </a:fillRef>
+      <a:effectRef idx="0">
+        <a:scrgbClr r="0" g="0" b="0"/>
+      </a:effectRef>
+      <a:fontRef idx="minor"/>
+    </dgm:style>
+  </dgm:styleLbl>
+  <dgm:styleLbl name="asst0">
+    <dgm:scene3d>
+      <a:camera prst="orthographicFront"/>
+      <a:lightRig rig="threePt" dir="t"/>
+    </dgm:scene3d>
+    <dgm:sp3d/>
+    <dgm:txPr/>
+    <dgm:style>
+      <a:lnRef idx="2">
+        <a:scrgbClr r="0" g="0" b="0"/>
+      </a:lnRef>
+      <a:fillRef idx="1">
+        <a:scrgbClr r="0" g="0" b="0"/>
+      </a:fillRef>
+      <a:effectRef idx="0">
+        <a:scrgbClr r="0" g="0" b="0"/>
+      </a:effectRef>
+      <a:fontRef idx="minor">
+        <a:schemeClr val="lt1"/>
+      </a:fontRef>
+    </dgm:style>
+  </dgm:styleLbl>
+  <dgm:styleLbl name="asst1">
+    <dgm:scene3d>
+      <a:camera prst="orthographicFront"/>
+      <a:lightRig rig="threePt" dir="t"/>
+    </dgm:scene3d>
+    <dgm:sp3d/>
+    <dgm:txPr/>
+    <dgm:style>
+      <a:lnRef idx="2">
+        <a:scrgbClr r="0" g="0" b="0"/>
+      </a:lnRef>
+      <a:fillRef idx="1">
+        <a:scrgbClr r="0" g="0" b="0"/>
+      </a:fillRef>
+      <a:effectRef idx="0">
+        <a:scrgbClr r="0" g="0" b="0"/>
+      </a:effectRef>
+      <a:fontRef idx="minor">
+        <a:schemeClr val="lt1"/>
+      </a:fontRef>
+    </dgm:style>
+  </dgm:styleLbl>
+  <dgm:styleLbl name="asst2">
+    <dgm:scene3d>
+      <a:camera prst="orthographicFront"/>
+      <a:lightRig rig="threePt" dir="t"/>
+    </dgm:scene3d>
+    <dgm:sp3d/>
+    <dgm:txPr/>
+    <dgm:style>
+      <a:lnRef idx="2">
+        <a:scrgbClr r="0" g="0" b="0"/>
+      </a:lnRef>
+      <a:fillRef idx="1">
+        <a:scrgbClr r="0" g="0" b="0"/>
+      </a:fillRef>
+      <a:effectRef idx="0">
+        <a:scrgbClr r="0" g="0" b="0"/>
+      </a:effectRef>
+      <a:fontRef idx="minor">
+        <a:schemeClr val="lt1"/>
+      </a:fontRef>
+    </dgm:style>
+  </dgm:styleLbl>
+  <dgm:styleLbl name="asst3">
+    <dgm:scene3d>
+      <a:camera prst="orthographicFront"/>
+      <a:lightRig rig="threePt" dir="t"/>
+    </dgm:scene3d>
+    <dgm:sp3d/>
+    <dgm:txPr/>
+    <dgm:style>
+      <a:lnRef idx="2">
+        <a:scrgbClr r="0" g="0" b="0"/>
+      </a:lnRef>
+      <a:fillRef idx="1">
+        <a:scrgbClr r="0" g="0" b="0"/>
+      </a:fillRef>
+      <a:effectRef idx="0">
+        <a:scrgbClr r="0" g="0" b="0"/>
+      </a:effectRef>
+      <a:fontRef idx="minor">
+        <a:schemeClr val="lt1"/>
+      </a:fontRef>
+    </dgm:style>
+  </dgm:styleLbl>
+  <dgm:styleLbl name="asst4">
+    <dgm:scene3d>
+      <a:camera prst="orthographicFront"/>
+      <a:lightRig rig="threePt" dir="t"/>
+    </dgm:scene3d>
+    <dgm:sp3d/>
+    <dgm:txPr/>
+    <dgm:style>
+      <a:lnRef idx="2">
+        <a:scrgbClr r="0" g="0" b="0"/>
+      </a:lnRef>
+      <a:fillRef idx="1">
+        <a:scrgbClr r="0" g="0" b="0"/>
+      </a:fillRef>
+      <a:effectRef idx="0">
+        <a:scrgbClr r="0" g="0" b="0"/>
+      </a:effectRef>
+      <a:fontRef idx="minor">
+        <a:schemeClr val="lt1"/>
+      </a:fontRef>
+    </dgm:style>
+  </dgm:styleLbl>
+  <dgm:styleLbl name="parChTrans2D1">
+    <dgm:scene3d>
+      <a:camera prst="orthographicFront"/>
+      <a:lightRig rig="threePt" dir="t"/>
+    </dgm:scene3d>
+    <dgm:sp3d/>
+    <dgm:txPr/>
+    <dgm:style>
+      <a:lnRef idx="2">
+        <a:scrgbClr r="0" g="0" b="0"/>
+      </a:lnRef>
+      <a:fillRef idx="1">
+        <a:scrgbClr r="0" g="0" b="0"/>
+      </a:fillRef>
+      <a:effectRef idx="0">
+        <a:scrgbClr r="0" g="0" b="0"/>
+      </a:effectRef>
+      <a:fontRef idx="minor">
+        <a:schemeClr val="lt1"/>
+      </a:fontRef>
+    </dgm:style>
+  </dgm:styleLbl>
+  <dgm:styleLbl name="parChTrans2D2">
+    <dgm:scene3d>
+      <a:camera prst="orthographicFront"/>
+      <a:lightRig rig="threePt" dir="t"/>
+    </dgm:scene3d>
+    <dgm:sp3d/>
+    <dgm:txPr/>
+    <dgm:style>
+      <a:lnRef idx="2">
+        <a:scrgbClr r="0" g="0" b="0"/>
+      </a:lnRef>
+      <a:fillRef idx="1">
+        <a:scrgbClr r="0" g="0" b="0"/>
+      </a:fillRef>
+      <a:effectRef idx="0">
+        <a:scrgbClr r="0" g="0" b="0"/>
+      </a:effectRef>
+      <a:fontRef idx="minor">
+        <a:schemeClr val="lt1"/>
+      </a:fontRef>
+    </dgm:style>
+  </dgm:styleLbl>
+  <dgm:styleLbl name="parChTrans2D3">
+    <dgm:scene3d>
+      <a:camera prst="orthographicFront"/>
+      <a:lightRig rig="threePt" dir="t"/>
+    </dgm:scene3d>
+    <dgm:sp3d/>
+    <dgm:txPr/>
+    <dgm:style>
+      <a:lnRef idx="2">
+        <a:scrgbClr r="0" g="0" b="0"/>
+      </a:lnRef>
+      <a:fillRef idx="1">
+        <a:scrgbClr r="0" g="0" b="0"/>
+      </a:fillRef>
+      <a:effectRef idx="0">
+        <a:scrgbClr r="0" g="0" b="0"/>
+      </a:effectRef>
+      <a:fontRef idx="minor">
+        <a:schemeClr val="lt1"/>
+      </a:fontRef>
+    </dgm:style>
+  </dgm:styleLbl>
+  <dgm:styleLbl name="parChTrans2D4">
+    <dgm:scene3d>
+      <a:camera prst="orthographicFront"/>
+      <a:lightRig rig="threePt" dir="t"/>
+    </dgm:scene3d>
+    <dgm:sp3d/>
+    <dgm:txPr/>
+    <dgm:style>
+      <a:lnRef idx="2">
+        <a:scrgbClr r="0" g="0" b="0"/>
+      </a:lnRef>
+      <a:fillRef idx="1">
+        <a:scrgbClr r="0" g="0" b="0"/>
+      </a:fillRef>
+      <a:effectRef idx="0">
+        <a:scrgbClr r="0" g="0" b="0"/>
+      </a:effectRef>
+      <a:fontRef idx="minor">
+        <a:schemeClr val="lt1"/>
+      </a:fontRef>
+    </dgm:style>
+  </dgm:styleLbl>
+  <dgm:styleLbl name="parChTrans1D1">
+    <dgm:scene3d>
+      <a:camera prst="orthographicFront"/>
+      <a:lightRig rig="threePt" dir="t"/>
+    </dgm:scene3d>
+    <dgm:sp3d/>
+    <dgm:txPr/>
+    <dgm:style>
+      <a:lnRef idx="2">
+        <a:scrgbClr r="0" g="0" b="0"/>
+      </a:lnRef>
+      <a:fillRef idx="0">
+        <a:scrgbClr r="0" g="0" b="0"/>
+      </a:fillRef>
+      <a:effectRef idx="0">
+        <a:scrgbClr r="0" g="0" b="0"/>
+      </a:effectRef>
+      <a:fontRef idx="minor"/>
+    </dgm:style>
+  </dgm:styleLbl>
+  <dgm:styleLbl name="parChTrans1D2">
+    <dgm:scene3d>
+      <a:camera prst="orthographicFront"/>
+      <a:lightRig rig="threePt" dir="t"/>
+    </dgm:scene3d>
+    <dgm:sp3d/>
+    <dgm:txPr/>
+    <dgm:style>
+      <a:lnRef idx="2">
+        <a:scrgbClr r="0" g="0" b="0"/>
+      </a:lnRef>
+      <a:fillRef idx="0">
+        <a:scrgbClr r="0" g="0" b="0"/>
+      </a:fillRef>
+      <a:effectRef idx="0">
+        <a:scrgbClr r="0" g="0" b="0"/>
+      </a:effectRef>
+      <a:fontRef idx="minor"/>
+    </dgm:style>
+  </dgm:styleLbl>
+  <dgm:styleLbl name="parChTrans1D3">
+    <dgm:scene3d>
+      <a:camera prst="orthographicFront"/>
+      <a:lightRig rig="threePt" dir="t"/>
+    </dgm:scene3d>
+    <dgm:sp3d/>
+    <dgm:txPr/>
+    <dgm:style>
+      <a:lnRef idx="2">
+        <a:scrgbClr r="0" g="0" b="0"/>
+      </a:lnRef>
+      <a:fillRef idx="0">
+        <a:scrgbClr r="0" g="0" b="0"/>
+      </a:fillRef>
+      <a:effectRef idx="0">
+        <a:scrgbClr r="0" g="0" b="0"/>
+      </a:effectRef>
+      <a:fontRef idx="minor"/>
+    </dgm:style>
+  </dgm:styleLbl>
+  <dgm:styleLbl name="parChTrans1D4">
+    <dgm:scene3d>
+      <a:camera prst="orthographicFront"/>
+      <a:lightRig rig="threePt" dir="t"/>
+    </dgm:scene3d>
+    <dgm:sp3d/>
+    <dgm:txPr/>
+    <dgm:style>
+      <a:lnRef idx="2">
+        <a:scrgbClr r="0" g="0" b="0"/>
+      </a:lnRef>
+      <a:fillRef idx="0">
+        <a:scrgbClr r="0" g="0" b="0"/>
+      </a:fillRef>
+      <a:effectRef idx="0">
+        <a:scrgbClr r="0" g="0" b="0"/>
+      </a:effectRef>
+      <a:fontRef idx="minor"/>
+    </dgm:style>
+  </dgm:styleLbl>
+  <dgm:styleLbl name="fgAcc1">
+    <dgm:scene3d>
+      <a:camera prst="orthographicFront"/>
+      <a:lightRig rig="threePt" dir="t"/>
+    </dgm:scene3d>
+    <dgm:sp3d/>
+    <dgm:txPr/>
+    <dgm:style>
+      <a:lnRef idx="2">
+        <a:scrgbClr r="0" g="0" b="0"/>
+      </a:lnRef>
+      <a:fillRef idx="1">
+        <a:scrgbClr r="0" g="0" b="0"/>
+      </a:fillRef>
+      <a:effectRef idx="0">
+        <a:scrgbClr r="0" g="0" b="0"/>
+      </a:effectRef>
+      <a:fontRef idx="minor"/>
+    </dgm:style>
+  </dgm:styleLbl>
+  <dgm:styleLbl name="conFgAcc1">
+    <dgm:scene3d>
+      <a:camera prst="orthographicFront"/>
+      <a:lightRig rig="threePt" dir="t"/>
+    </dgm:scene3d>
+    <dgm:sp3d/>
+    <dgm:txPr/>
+    <dgm:style>
+      <a:lnRef idx="2">
+        <a:scrgbClr r="0" g="0" b="0"/>
+      </a:lnRef>
+      <a:fillRef idx="1">
+        <a:scrgbClr r="0" g="0" b="0"/>
+      </a:fillRef>
+      <a:effectRef idx="0">
+        <a:scrgbClr r="0" g="0" b="0"/>
+      </a:effectRef>
+      <a:fontRef idx="minor"/>
+    </dgm:style>
+  </dgm:styleLbl>
+  <dgm:styleLbl name="alignAcc1">
+    <dgm:scene3d>
+      <a:camera prst="orthographicFront"/>
+      <a:lightRig rig="threePt" dir="t"/>
+    </dgm:scene3d>
+    <dgm:sp3d/>
+    <dgm:txPr/>
+    <dgm:style>
+      <a:lnRef idx="2">
+        <a:scrgbClr r="0" g="0" b="0"/>
+      </a:lnRef>
+      <a:fillRef idx="1">
+        <a:scrgbClr r="0" g="0" b="0"/>
+      </a:fillRef>
+      <a:effectRef idx="0">
+        <a:scrgbClr r="0" g="0" b="0"/>
+      </a:effectRef>
+      <a:fontRef idx="minor"/>
+    </dgm:style>
+  </dgm:styleLbl>
+  <dgm:styleLbl name="trAlignAcc1">
+    <dgm:scene3d>
+      <a:camera prst="orthographicFront"/>
+      <a:lightRig rig="threePt" dir="t"/>
+    </dgm:scene3d>
+    <dgm:sp3d/>
+    <dgm:txPr/>
+    <dgm:style>
+      <a:lnRef idx="1">
+        <a:scrgbClr r="0" g="0" b="0"/>
+      </a:lnRef>
+      <a:fillRef idx="1">
+        <a:scrgbClr r="0" g="0" b="0"/>
+      </a:fillRef>
+      <a:effectRef idx="0">
+        <a:scrgbClr r="0" g="0" b="0"/>
+      </a:effectRef>
+      <a:fontRef idx="minor"/>
+    </dgm:style>
+  </dgm:styleLbl>
+  <dgm:styleLbl name="bgAcc1">
+    <dgm:scene3d>
+      <a:camera prst="orthographicFront"/>
+      <a:lightRig rig="threePt" dir="t"/>
+    </dgm:scene3d>
+    <dgm:sp3d/>
+    <dgm:txPr/>
+    <dgm:style>
+      <a:lnRef idx="2">
+        <a:scrgbClr r="0" g="0" b="0"/>
+      </a:lnRef>
+      <a:fillRef idx="1">
+        <a:scrgbClr r="0" g="0" b="0"/>
+      </a:fillRef>
+      <a:effectRef idx="0">
+        <a:scrgbClr r="0" g="0" b="0"/>
+      </a:effectRef>
+      <a:fontRef idx="minor"/>
+    </dgm:style>
+  </dgm:styleLbl>
+  <dgm:styleLbl name="solidFgAcc1">
+    <dgm:scene3d>
+      <a:camera prst="orthographicFront"/>
+      <a:lightRig rig="threePt" dir="t"/>
+    </dgm:scene3d>
+    <dgm:sp3d/>
+    <dgm:txPr/>
+    <dgm:style>
+      <a:lnRef idx="2">
+        <a:scrgbClr r="0" g="0" b="0"/>
+      </a:lnRef>
+      <a:fillRef idx="1">
+        <a:scrgbClr r="0" g="0" b="0"/>
+      </a:fillRef>
+      <a:effectRef idx="0">
+        <a:scrgbClr r="0" g="0" b="0"/>
+      </a:effectRef>
+      <a:fontRef idx="minor"/>
+    </dgm:style>
+  </dgm:styleLbl>
+  <dgm:styleLbl name="solidAlignAcc1">
+    <dgm:scene3d>
+      <a:camera prst="orthographicFront"/>
+      <a:lightRig rig="threePt" dir="t"/>
+    </dgm:scene3d>
+    <dgm:sp3d/>
+    <dgm:txPr/>
+    <dgm:style>
+      <a:lnRef idx="2">
+        <a:scrgbClr r="0" g="0" b="0"/>
+      </a:lnRef>
+      <a:fillRef idx="1">
+        <a:scrgbClr r="0" g="0" b="0"/>
+      </a:fillRef>
+      <a:effectRef idx="0">
+        <a:scrgbClr r="0" g="0" b="0"/>
+      </a:effectRef>
+      <a:fontRef idx="minor"/>
+    </dgm:style>
+  </dgm:styleLbl>
+  <dgm:styleLbl name="solidBgAcc1">
+    <dgm:scene3d>
+      <a:camera prst="orthographicFront"/>
+      <a:lightRig rig="threePt" dir="t"/>
+    </dgm:scene3d>
+    <dgm:sp3d/>
+    <dgm:txPr/>
+    <dgm:style>
+      <a:lnRef idx="2">
+        <a:scrgbClr r="0" g="0" b="0"/>
+      </a:lnRef>
+      <a:fillRef idx="1">
+        <a:scrgbClr r="0" g="0" b="0"/>
+      </a:fillRef>
+      <a:effectRef idx="0">
+        <a:scrgbClr r="0" g="0" b="0"/>
+      </a:effectRef>
+      <a:fontRef idx="minor"/>
+    </dgm:style>
+  </dgm:styleLbl>
+  <dgm:styleLbl name="fgAccFollowNode1">
+    <dgm:scene3d>
+      <a:camera prst="orthographicFront"/>
+      <a:lightRig rig="threePt" dir="t"/>
+    </dgm:scene3d>
+    <dgm:sp3d/>
+    <dgm:txPr/>
+    <dgm:style>
+      <a:lnRef idx="2">
+        <a:scrgbClr r="0" g="0" b="0"/>
+      </a:lnRef>
+      <a:fillRef idx="1">
+        <a:scrgbClr r="0" g="0" b="0"/>
+      </a:fillRef>
+      <a:effectRef idx="0">
+        <a:scrgbClr r="0" g="0" b="0"/>
+      </a:effectRef>
+      <a:fontRef idx="minor"/>
+    </dgm:style>
+  </dgm:styleLbl>
+  <dgm:styleLbl name="alignAccFollowNode1">
+    <dgm:scene3d>
+      <a:camera prst="orthographicFront"/>
+      <a:lightRig rig="threePt" dir="t"/>
+    </dgm:scene3d>
+    <dgm:sp3d/>
+    <dgm:txPr/>
+    <dgm:style>
+      <a:lnRef idx="2">
+        <a:scrgbClr r="0" g="0" b="0"/>
+      </a:lnRef>
+      <a:fillRef idx="1">
+        <a:scrgbClr r="0" g="0" b="0"/>
+      </a:fillRef>
+      <a:effectRef idx="0">
+        <a:scrgbClr r="0" g="0" b="0"/>
+      </a:effectRef>
+      <a:fontRef idx="minor"/>
+    </dgm:style>
+  </dgm:styleLbl>
+  <dgm:styleLbl name="bgAccFollowNode1">
+    <dgm:scene3d>
+      <a:camera prst="orthographicFront"/>
+      <a:lightRig rig="threePt" dir="t"/>
+    </dgm:scene3d>
+    <dgm:sp3d/>
+    <dgm:txPr/>
+    <dgm:style>
+      <a:lnRef idx="2">
+        <a:scrgbClr r="0" g="0" b="0"/>
+      </a:lnRef>
+      <a:fillRef idx="1">
+        <a:scrgbClr r="0" g="0" b="0"/>
+      </a:fillRef>
+      <a:effectRef idx="0">
+        <a:scrgbClr r="0" g="0" b="0"/>
+      </a:effectRef>
+      <a:fontRef idx="minor"/>
+    </dgm:style>
+  </dgm:styleLbl>
+  <dgm:styleLbl name="fgAcc0">
+    <dgm:scene3d>
+      <a:camera prst="orthographicFront"/>
+      <a:lightRig rig="threePt" dir="t"/>
+    </dgm:scene3d>
+    <dgm:sp3d/>
+    <dgm:txPr/>
+    <dgm:style>
+      <a:lnRef idx="2">
+        <a:scrgbClr r="0" g="0" b="0"/>
+      </a:lnRef>
+      <a:fillRef idx="1">
+        <a:scrgbClr r="0" g="0" b="0"/>
+      </a:fillRef>
+      <a:effectRef idx="0">
+        <a:scrgbClr r="0" g="0" b="0"/>
+      </a:effectRef>
+      <a:fontRef idx="minor"/>
+    </dgm:style>
+  </dgm:styleLbl>
+  <dgm:styleLbl name="fgAcc2">
+    <dgm:scene3d>
+      <a:camera prst="orthographicFront"/>
+      <a:lightRig rig="threePt" dir="t"/>
+    </dgm:scene3d>
+    <dgm:sp3d/>
+    <dgm:txPr/>
+    <dgm:style>
+      <a:lnRef idx="2">
+        <a:scrgbClr r="0" g="0" b="0"/>
+      </a:lnRef>
+      <a:fillRef idx="1">
+        <a:scrgbClr r="0" g="0" b="0"/>
+      </a:fillRef>
+      <a:effectRef idx="0">
+        <a:scrgbClr r="0" g="0" b="0"/>
+      </a:effectRef>
+      <a:fontRef idx="minor"/>
+    </dgm:style>
+  </dgm:styleLbl>
+  <dgm:styleLbl name="fgAcc3">
+    <dgm:scene3d>
+      <a:camera prst="orthographicFront"/>
+      <a:lightRig rig="threePt" dir="t"/>
+    </dgm:scene3d>
+    <dgm:sp3d/>
+    <dgm:txPr/>
+    <dgm:style>
+      <a:lnRef idx="2">
+        <a:scrgbClr r="0" g="0" b="0"/>
+      </a:lnRef>
+      <a:fillRef idx="1">
+        <a:scrgbClr r="0" g="0" b="0"/>
+      </a:fillRef>
+      <a:effectRef idx="0">
+        <a:scrgbClr r="0" g="0" b="0"/>
+      </a:effectRef>
+      <a:fontRef idx="minor"/>
+    </dgm:style>
+  </dgm:styleLbl>
+  <dgm:styleLbl name="fgAcc4">
+    <dgm:scene3d>
+      <a:camera prst="orthographicFront"/>
+      <a:lightRig rig="threePt" dir="t"/>
+    </dgm:scene3d>
+    <dgm:sp3d/>
+    <dgm:txPr/>
+    <dgm:style>
+      <a:lnRef idx="2">
+        <a:scrgbClr r="0" g="0" b="0"/>
+      </a:lnRef>
+      <a:fillRef idx="1">
+        <a:scrgbClr r="0" g="0" b="0"/>
+      </a:fillRef>
+      <a:effectRef idx="0">
+        <a:scrgbClr r="0" g="0" b="0"/>
+      </a:effectRef>
+      <a:fontRef idx="minor"/>
+    </dgm:style>
+  </dgm:styleLbl>
+  <dgm:styleLbl name="bgShp">
+    <dgm:scene3d>
+      <a:camera prst="orthographicFront"/>
+      <a:lightRig rig="threePt" dir="t"/>
+    </dgm:scene3d>
+    <dgm:sp3d/>
+    <dgm:txPr/>
+    <dgm:style>
+      <a:lnRef idx="0">
+        <a:scrgbClr r="0" g="0" b="0"/>
+      </a:lnRef>
+      <a:fillRef idx="1">
+        <a:scrgbClr r="0" g="0" b="0"/>
+      </a:fillRef>
+      <a:effectRef idx="0">
+        <a:scrgbClr r="0" g="0" b="0"/>
+      </a:effectRef>
+      <a:fontRef idx="minor"/>
+    </dgm:style>
+  </dgm:styleLbl>
+  <dgm:styleLbl name="dkBgShp">
+    <dgm:scene3d>
+      <a:camera prst="orthographicFront"/>
+      <a:lightRig rig="threePt" dir="t"/>
+    </dgm:scene3d>
+    <dgm:sp3d/>
+    <dgm:txPr/>
+    <dgm:style>
+      <a:lnRef idx="0">
+        <a:scrgbClr r="0" g="0" b="0"/>
+      </a:lnRef>
+      <a:fillRef idx="1">
+        <a:scrgbClr r="0" g="0" b="0"/>
+      </a:fillRef>
+      <a:effectRef idx="0">
+        <a:scrgbClr r="0" g="0" b="0"/>
+      </a:effectRef>
+      <a:fontRef idx="minor"/>
+    </dgm:style>
+  </dgm:styleLbl>
+  <dgm:styleLbl name="trBgShp">
+    <dgm:scene3d>
+      <a:camera prst="orthographicFront"/>
+      <a:lightRig rig="threePt" dir="t"/>
+    </dgm:scene3d>
+    <dgm:sp3d/>
+    <dgm:txPr/>
+    <dgm:style>
+      <a:lnRef idx="0">
+        <a:scrgbClr r="0" g="0" b="0"/>
+      </a:lnRef>
+      <a:fillRef idx="1">
+        <a:scrgbClr r="0" g="0" b="0"/>
+      </a:fillRef>
+      <a:effectRef idx="0">
+        <a:scrgbClr r="0" g="0" b="0"/>
+      </a:effectRef>
+      <a:fontRef idx="minor"/>
+    </dgm:style>
+  </dgm:styleLbl>
+  <dgm:styleLbl name="fgShp">
+    <dgm:scene3d>
+      <a:camera prst="orthographicFront"/>
+      <a:lightRig rig="threePt" dir="t"/>
+    </dgm:scene3d>
+    <dgm:sp3d/>
+    <dgm:txPr/>
+    <dgm:style>
+      <a:lnRef idx="2">
+        <a:scrgbClr r="0" g="0" b="0"/>
+      </a:lnRef>
+      <a:fillRef idx="1">
+        <a:scrgbClr r="0" g="0" b="0"/>
+      </a:fillRef>
+      <a:effectRef idx="0">
+        <a:scrgbClr r="0" g="0" b="0"/>
+      </a:effectRef>
+      <a:fontRef idx="minor"/>
+    </dgm:style>
+  </dgm:styleLbl>
+  <dgm:styleLbl name="revTx">
+    <dgm:scene3d>
+      <a:camera prst="orthographicFront"/>
+      <a:lightRig rig="threePt" dir="t"/>
+    </dgm:scene3d>
+    <dgm:sp3d/>
+    <dgm:txPr/>
+    <dgm:style>
+      <a:lnRef idx="0">
+        <a:scrgbClr r="0" g="0" b="0"/>
+      </a:lnRef>
+      <a:fillRef idx="0">
+        <a:scrgbClr r="0" g="0" b="0"/>
+      </a:fillRef>
+      <a:effectRef idx="0">
+        <a:scrgbClr r="0" g="0" b="0"/>
+      </a:effectRef>
+      <a:fontRef idx="minor"/>
+    </dgm:style>
+  </dgm:styleLbl>
+</dgm:styleDef>
+</file>
+
+<file path=ppt/diagrams/quickStyle4.xml><?xml version="1.0" encoding="utf-8"?>
 <dgm:styleDef xmlns:dgm="http://schemas.openxmlformats.org/drawingml/2006/diagram" xmlns:a="http://schemas.openxmlformats.org/drawingml/2006/main" uniqueId="urn:microsoft.com/office/officeart/2005/8/quickstyle/simple1">
   <dgm:title val=""/>
   <dgm:desc val=""/>
@@ -10859,7 +12130,7 @@
           <a:p>
             <a:fld id="{208EE90E-2504-4826-81E4-66C7B83B9CAF}" type="datetimeFigureOut">
               <a:rPr lang="en-US" smtClean="0"/>
-              <a:t>1/23/2018</a:t>
+              <a:t>1/24/2018</a:t>
             </a:fld>
             <a:endParaRPr lang="en-US" dirty="0"/>
           </a:p>
@@ -11175,7 +12446,7 @@
           <a:p>
             <a:fld id="{208EE90E-2504-4826-81E4-66C7B83B9CAF}" type="datetimeFigureOut">
               <a:rPr lang="en-US" smtClean="0"/>
-              <a:t>1/23/2018</a:t>
+              <a:t>1/24/2018</a:t>
             </a:fld>
             <a:endParaRPr lang="en-US" dirty="0"/>
           </a:p>
@@ -11350,7 +12621,7 @@
           <a:p>
             <a:fld id="{208EE90E-2504-4826-81E4-66C7B83B9CAF}" type="datetimeFigureOut">
               <a:rPr lang="en-US" smtClean="0"/>
-              <a:t>1/23/2018</a:t>
+              <a:t>1/24/2018</a:t>
             </a:fld>
             <a:endParaRPr lang="en-US" dirty="0"/>
           </a:p>
@@ -11587,7 +12858,7 @@
           <a:p>
             <a:fld id="{208EE90E-2504-4826-81E4-66C7B83B9CAF}" type="datetimeFigureOut">
               <a:rPr lang="en-US" smtClean="0"/>
-              <a:t>1/23/2018</a:t>
+              <a:t>1/24/2018</a:t>
             </a:fld>
             <a:endParaRPr lang="en-US" dirty="0"/>
           </a:p>
@@ -11757,7 +13028,7 @@
           <a:p>
             <a:fld id="{208EE90E-2504-4826-81E4-66C7B83B9CAF}" type="datetimeFigureOut">
               <a:rPr lang="en-US" smtClean="0"/>
-              <a:t>1/23/2018</a:t>
+              <a:t>1/24/2018</a:t>
             </a:fld>
             <a:endParaRPr lang="en-US" dirty="0"/>
           </a:p>
@@ -12003,7 +13274,7 @@
           <a:p>
             <a:fld id="{208EE90E-2504-4826-81E4-66C7B83B9CAF}" type="datetimeFigureOut">
               <a:rPr lang="en-US" smtClean="0"/>
-              <a:t>1/23/2018</a:t>
+              <a:t>1/24/2018</a:t>
             </a:fld>
             <a:endParaRPr lang="en-US" dirty="0"/>
           </a:p>
@@ -12291,7 +13562,7 @@
           <a:p>
             <a:fld id="{208EE90E-2504-4826-81E4-66C7B83B9CAF}" type="datetimeFigureOut">
               <a:rPr lang="en-US" smtClean="0"/>
-              <a:t>1/23/2018</a:t>
+              <a:t>1/24/2018</a:t>
             </a:fld>
             <a:endParaRPr lang="en-US" dirty="0"/>
           </a:p>
@@ -12713,7 +13984,7 @@
           <a:p>
             <a:fld id="{208EE90E-2504-4826-81E4-66C7B83B9CAF}" type="datetimeFigureOut">
               <a:rPr lang="en-US" smtClean="0"/>
-              <a:t>1/23/2018</a:t>
+              <a:t>1/24/2018</a:t>
             </a:fld>
             <a:endParaRPr lang="en-US" dirty="0"/>
           </a:p>
@@ -12831,7 +14102,7 @@
           <a:p>
             <a:fld id="{208EE90E-2504-4826-81E4-66C7B83B9CAF}" type="datetimeFigureOut">
               <a:rPr lang="en-US" smtClean="0"/>
-              <a:t>1/23/2018</a:t>
+              <a:t>1/24/2018</a:t>
             </a:fld>
             <a:endParaRPr lang="en-US" dirty="0"/>
           </a:p>
@@ -12926,7 +14197,7 @@
           <a:p>
             <a:fld id="{208EE90E-2504-4826-81E4-66C7B83B9CAF}" type="datetimeFigureOut">
               <a:rPr lang="en-US" smtClean="0"/>
-              <a:t>1/23/2018</a:t>
+              <a:t>1/24/2018</a:t>
             </a:fld>
             <a:endParaRPr lang="en-US" dirty="0"/>
           </a:p>
@@ -13203,7 +14474,7 @@
           <a:p>
             <a:fld id="{208EE90E-2504-4826-81E4-66C7B83B9CAF}" type="datetimeFigureOut">
               <a:rPr lang="en-US" smtClean="0"/>
-              <a:t>1/23/2018</a:t>
+              <a:t>1/24/2018</a:t>
             </a:fld>
             <a:endParaRPr lang="en-US" dirty="0"/>
           </a:p>
@@ -13326,7 +14597,7 @@
           <a:p>
             <a:fld id="{208EE90E-2504-4826-81E4-66C7B83B9CAF}" type="datetimeFigureOut">
               <a:rPr lang="en-US" smtClean="0"/>
-              <a:t>1/23/2018</a:t>
+              <a:t>1/24/2018</a:t>
             </a:fld>
             <a:endParaRPr lang="en-US" dirty="0"/>
           </a:p>
@@ -13631,7 +14902,7 @@
           <a:p>
             <a:fld id="{208EE90E-2504-4826-81E4-66C7B83B9CAF}" type="datetimeFigureOut">
               <a:rPr lang="en-US" smtClean="0"/>
-              <a:t>1/23/2018</a:t>
+              <a:t>1/24/2018</a:t>
             </a:fld>
             <a:endParaRPr lang="en-US" dirty="0"/>
           </a:p>
@@ -13801,7 +15072,7 @@
           <a:p>
             <a:fld id="{208EE90E-2504-4826-81E4-66C7B83B9CAF}" type="datetimeFigureOut">
               <a:rPr lang="en-US" smtClean="0"/>
-              <a:t>1/23/2018</a:t>
+              <a:t>1/24/2018</a:t>
             </a:fld>
             <a:endParaRPr lang="en-US" dirty="0"/>
           </a:p>
@@ -13981,7 +15252,7 @@
           <a:p>
             <a:fld id="{208EE90E-2504-4826-81E4-66C7B83B9CAF}" type="datetimeFigureOut">
               <a:rPr lang="en-US" smtClean="0"/>
-              <a:t>1/23/2018</a:t>
+              <a:t>1/24/2018</a:t>
             </a:fld>
             <a:endParaRPr lang="en-US" dirty="0"/>
           </a:p>
@@ -14227,7 +15498,7 @@
           <a:p>
             <a:fld id="{208EE90E-2504-4826-81E4-66C7B83B9CAF}" type="datetimeFigureOut">
               <a:rPr lang="en-US" smtClean="0"/>
-              <a:t>1/23/2018</a:t>
+              <a:t>1/24/2018</a:t>
             </a:fld>
             <a:endParaRPr lang="en-US" dirty="0"/>
           </a:p>
@@ -14520,7 +15791,7 @@
           <a:p>
             <a:fld id="{208EE90E-2504-4826-81E4-66C7B83B9CAF}" type="datetimeFigureOut">
               <a:rPr lang="en-US" smtClean="0"/>
-              <a:t>1/23/2018</a:t>
+              <a:t>1/24/2018</a:t>
             </a:fld>
             <a:endParaRPr lang="en-US" dirty="0"/>
           </a:p>
@@ -14948,7 +16219,7 @@
           <a:p>
             <a:fld id="{208EE90E-2504-4826-81E4-66C7B83B9CAF}" type="datetimeFigureOut">
               <a:rPr lang="en-US" smtClean="0"/>
-              <a:t>1/23/2018</a:t>
+              <a:t>1/24/2018</a:t>
             </a:fld>
             <a:endParaRPr lang="en-US" dirty="0"/>
           </a:p>
@@ -15066,7 +16337,7 @@
           <a:p>
             <a:fld id="{208EE90E-2504-4826-81E4-66C7B83B9CAF}" type="datetimeFigureOut">
               <a:rPr lang="en-US" smtClean="0"/>
-              <a:t>1/23/2018</a:t>
+              <a:t>1/24/2018</a:t>
             </a:fld>
             <a:endParaRPr lang="en-US" dirty="0"/>
           </a:p>
@@ -15156,7 +16427,7 @@
           <a:p>
             <a:fld id="{208EE90E-2504-4826-81E4-66C7B83B9CAF}" type="datetimeFigureOut">
               <a:rPr lang="en-US" smtClean="0"/>
-              <a:t>1/23/2018</a:t>
+              <a:t>1/24/2018</a:t>
             </a:fld>
             <a:endParaRPr lang="en-US" dirty="0"/>
           </a:p>
@@ -15406,7 +16677,7 @@
           <a:p>
             <a:fld id="{208EE90E-2504-4826-81E4-66C7B83B9CAF}" type="datetimeFigureOut">
               <a:rPr lang="en-US" smtClean="0"/>
-              <a:t>1/23/2018</a:t>
+              <a:t>1/24/2018</a:t>
             </a:fld>
             <a:endParaRPr lang="en-US" dirty="0"/>
           </a:p>
@@ -15922,7 +17193,7 @@
           <a:p>
             <a:fld id="{208EE90E-2504-4826-81E4-66C7B83B9CAF}" type="datetimeFigureOut">
               <a:rPr lang="en-US" smtClean="0"/>
-              <a:t>1/23/2018</a:t>
+              <a:t>1/24/2018</a:t>
             </a:fld>
             <a:endParaRPr lang="en-US" dirty="0"/>
           </a:p>
@@ -16152,7 +17423,7 @@
           <a:p>
             <a:fld id="{208EE90E-2504-4826-81E4-66C7B83B9CAF}" type="datetimeFigureOut">
               <a:rPr lang="en-US" smtClean="0"/>
-              <a:t>1/23/2018</a:t>
+              <a:t>1/24/2018</a:t>
             </a:fld>
             <a:endParaRPr lang="en-US" dirty="0"/>
           </a:p>
@@ -16790,7 +18061,7 @@
           <a:p>
             <a:fld id="{208EE90E-2504-4826-81E4-66C7B83B9CAF}" type="datetimeFigureOut">
               <a:rPr lang="en-US" smtClean="0"/>
-              <a:t>1/23/2018</a:t>
+              <a:t>1/24/2018</a:t>
             </a:fld>
             <a:endParaRPr lang="en-US" dirty="0"/>
           </a:p>
@@ -17487,7 +18758,7 @@
           <p:nvPr>
             <p:extLst>
               <p:ext uri="{D42A27DB-BD31-4B8C-83A1-F6EECF244321}">
-                <p14:modId xmlns:p14="http://schemas.microsoft.com/office/powerpoint/2010/main" val="212166363"/>
+                <p14:modId xmlns:p14="http://schemas.microsoft.com/office/powerpoint/2010/main" val="3992266432"/>
               </p:ext>
             </p:extLst>
           </p:nvPr>
@@ -17664,14 +18935,7 @@
                 <a:latin typeface="Arial" pitchFamily="34" charset="0"/>
                 <a:cs typeface="Arial" pitchFamily="34" charset="0"/>
               </a:rPr>
-              <a:t>IV. </a:t>
-            </a:r>
-            <a:r>
-              <a:rPr lang="en-US" sz="3600" b="1" dirty="0" smtClean="0">
-                <a:latin typeface="Arial" pitchFamily="34" charset="0"/>
-                <a:cs typeface="Arial" pitchFamily="34" charset="0"/>
-              </a:rPr>
-              <a:t>Export Component</a:t>
+              <a:t>V. Export Component</a:t>
             </a:r>
             <a:endParaRPr lang="en-US" dirty="0"/>
           </a:p>
@@ -17703,6 +18967,414 @@
     <p:extLst>
       <p:ext uri="{BB962C8B-B14F-4D97-AF65-F5344CB8AC3E}">
         <p14:creationId xmlns:p14="http://schemas.microsoft.com/office/powerpoint/2010/main" val="784333501"/>
+      </p:ext>
+    </p:extLst>
+  </p:cSld>
+  <p:clrMapOvr>
+    <a:masterClrMapping/>
+  </p:clrMapOvr>
+  <p:timing>
+    <p:tnLst>
+      <p:par>
+        <p:cTn id="1" dur="indefinite" restart="never" nodeType="tmRoot"/>
+      </p:par>
+    </p:tnLst>
+  </p:timing>
+</p:sld>
+</file>
+
+<file path=ppt/slides/slide14.xml><?xml version="1.0" encoding="utf-8"?>
+<p:sld xmlns:a="http://schemas.openxmlformats.org/drawingml/2006/main" xmlns:r="http://schemas.openxmlformats.org/officeDocument/2006/relationships" xmlns:p="http://schemas.openxmlformats.org/presentationml/2006/main">
+  <p:cSld>
+    <p:spTree>
+      <p:nvGrpSpPr>
+        <p:cNvPr id="1" name=""/>
+        <p:cNvGrpSpPr/>
+        <p:nvPr/>
+      </p:nvGrpSpPr>
+      <p:grpSpPr>
+        <a:xfrm>
+          <a:off x="0" y="0"/>
+          <a:ext cx="0" cy="0"/>
+          <a:chOff x="0" y="0"/>
+          <a:chExt cx="0" cy="0"/>
+        </a:xfrm>
+      </p:grpSpPr>
+      <p:sp>
+        <p:nvSpPr>
+          <p:cNvPr id="2" name="Title 1"/>
+          <p:cNvSpPr>
+            <a:spLocks noGrp="1"/>
+          </p:cNvSpPr>
+          <p:nvPr>
+            <p:ph type="title"/>
+          </p:nvPr>
+        </p:nvSpPr>
+        <p:spPr>
+          <a:xfrm>
+            <a:off x="457200" y="152400"/>
+            <a:ext cx="8229600" cy="1143000"/>
+          </a:xfrm>
+        </p:spPr>
+        <p:txBody>
+          <a:bodyPr>
+            <a:normAutofit/>
+          </a:bodyPr>
+          <a:lstStyle/>
+          <a:p>
+            <a:pPr lvl="0"/>
+            <a:r>
+              <a:rPr lang="en-US" sz="3600" b="1" dirty="0" smtClean="0">
+                <a:latin typeface="Arial" panose="020B0604020202020204" pitchFamily="34" charset="0"/>
+                <a:cs typeface="Arial" pitchFamily="34" charset="0"/>
+              </a:rPr>
+              <a:t>VI. </a:t>
+            </a:r>
+            <a:r>
+              <a:rPr lang="en-US" sz="3600" b="1" dirty="0">
+                <a:latin typeface="Arial" pitchFamily="34" charset="0"/>
+                <a:cs typeface="Arial" pitchFamily="34" charset="0"/>
+              </a:rPr>
+              <a:t>React Navigation</a:t>
+            </a:r>
+            <a:endParaRPr lang="en-US" dirty="0">
+              <a:latin typeface="Arial" panose="020B0604020202020204" pitchFamily="34" charset="0"/>
+              <a:cs typeface="Arial" panose="020B0604020202020204" pitchFamily="34" charset="0"/>
+            </a:endParaRPr>
+          </a:p>
+        </p:txBody>
+      </p:sp>
+      <p:sp>
+        <p:nvSpPr>
+          <p:cNvPr id="6" name="Oval 5"/>
+          <p:cNvSpPr/>
+          <p:nvPr/>
+        </p:nvSpPr>
+        <p:spPr>
+          <a:xfrm>
+            <a:off x="304800" y="2971800"/>
+            <a:ext cx="1828800" cy="1828800"/>
+          </a:xfrm>
+          <a:prstGeom prst="ellipse">
+            <a:avLst/>
+          </a:prstGeom>
+          <a:solidFill>
+            <a:schemeClr val="accent2">
+              <a:lumMod val="20000"/>
+              <a:lumOff val="80000"/>
+            </a:schemeClr>
+          </a:solidFill>
+          <a:ln>
+            <a:solidFill>
+              <a:srgbClr val="C00000"/>
+            </a:solidFill>
+          </a:ln>
+        </p:spPr>
+        <p:style>
+          <a:lnRef idx="2">
+            <a:schemeClr val="accent1">
+              <a:shade val="50000"/>
+            </a:schemeClr>
+          </a:lnRef>
+          <a:fillRef idx="1">
+            <a:schemeClr val="accent1"/>
+          </a:fillRef>
+          <a:effectRef idx="0">
+            <a:schemeClr val="accent1"/>
+          </a:effectRef>
+          <a:fontRef idx="minor">
+            <a:schemeClr val="lt1"/>
+          </a:fontRef>
+        </p:style>
+        <p:txBody>
+          <a:bodyPr rtlCol="0" anchor="ctr"/>
+          <a:lstStyle/>
+          <a:p>
+            <a:pPr algn="ctr"/>
+            <a:r>
+              <a:rPr lang="en-US" sz="1600" b="1" dirty="0" smtClean="0">
+                <a:solidFill>
+                  <a:schemeClr val="tx1"/>
+                </a:solidFill>
+                <a:latin typeface="Arial" panose="020B0604020202020204" pitchFamily="34" charset="0"/>
+                <a:cs typeface="Arial" panose="020B0604020202020204" pitchFamily="34" charset="0"/>
+              </a:rPr>
+              <a:t>Default Navigators</a:t>
+            </a:r>
+            <a:endParaRPr lang="en-US" sz="1600" b="1" dirty="0">
+              <a:solidFill>
+                <a:schemeClr val="tx1"/>
+              </a:solidFill>
+              <a:latin typeface="Arial" panose="020B0604020202020204" pitchFamily="34" charset="0"/>
+              <a:cs typeface="Arial" panose="020B0604020202020204" pitchFamily="34" charset="0"/>
+            </a:endParaRPr>
+          </a:p>
+        </p:txBody>
+      </p:sp>
+      <p:graphicFrame>
+        <p:nvGraphicFramePr>
+          <p:cNvPr id="7" name="Diagram 6"/>
+          <p:cNvGraphicFramePr/>
+          <p:nvPr>
+            <p:extLst>
+              <p:ext uri="{D42A27DB-BD31-4B8C-83A1-F6EECF244321}">
+                <p14:modId xmlns:p14="http://schemas.microsoft.com/office/powerpoint/2010/main" val="305230030"/>
+              </p:ext>
+            </p:extLst>
+          </p:nvPr>
+        </p:nvGraphicFramePr>
+        <p:xfrm>
+          <a:off x="2286000" y="1905000"/>
+          <a:ext cx="6477000" cy="4064000"/>
+        </p:xfrm>
+        <a:graphic>
+          <a:graphicData uri="http://schemas.openxmlformats.org/drawingml/2006/diagram">
+            <dgm:relIds xmlns:dgm="http://schemas.openxmlformats.org/drawingml/2006/diagram" xmlns:r="http://schemas.openxmlformats.org/officeDocument/2006/relationships" r:dm="rId2" r:lo="rId3" r:qs="rId4" r:cs="rId5"/>
+          </a:graphicData>
+        </a:graphic>
+      </p:graphicFrame>
+    </p:spTree>
+    <p:extLst>
+      <p:ext uri="{BB962C8B-B14F-4D97-AF65-F5344CB8AC3E}">
+        <p14:creationId xmlns:p14="http://schemas.microsoft.com/office/powerpoint/2010/main" val="644578182"/>
+      </p:ext>
+    </p:extLst>
+  </p:cSld>
+  <p:clrMapOvr>
+    <a:masterClrMapping/>
+  </p:clrMapOvr>
+  <p:timing>
+    <p:tnLst>
+      <p:par>
+        <p:cTn id="1" dur="indefinite" restart="never" nodeType="tmRoot"/>
+      </p:par>
+    </p:tnLst>
+  </p:timing>
+</p:sld>
+</file>
+
+<file path=ppt/slides/slide15.xml><?xml version="1.0" encoding="utf-8"?>
+<p:sld xmlns:a="http://schemas.openxmlformats.org/drawingml/2006/main" xmlns:r="http://schemas.openxmlformats.org/officeDocument/2006/relationships" xmlns:p="http://schemas.openxmlformats.org/presentationml/2006/main">
+  <p:cSld>
+    <p:spTree>
+      <p:nvGrpSpPr>
+        <p:cNvPr id="1" name=""/>
+        <p:cNvGrpSpPr/>
+        <p:nvPr/>
+      </p:nvGrpSpPr>
+      <p:grpSpPr>
+        <a:xfrm>
+          <a:off x="0" y="0"/>
+          <a:ext cx="0" cy="0"/>
+          <a:chOff x="0" y="0"/>
+          <a:chExt cx="0" cy="0"/>
+        </a:xfrm>
+      </p:grpSpPr>
+      <p:pic>
+        <p:nvPicPr>
+          <p:cNvPr id="4" name="Picture 3"/>
+          <p:cNvPicPr>
+            <a:picLocks noChangeAspect="1"/>
+          </p:cNvPicPr>
+          <p:nvPr/>
+        </p:nvPicPr>
+        <p:blipFill>
+          <a:blip r:embed="rId2">
+            <a:extLst>
+              <a:ext uri="{28A0092B-C50C-407E-A947-70E740481C1C}">
+                <a14:useLocalDpi xmlns:a14="http://schemas.microsoft.com/office/drawing/2010/main" val="0"/>
+              </a:ext>
+            </a:extLst>
+          </a:blip>
+          <a:stretch>
+            <a:fillRect/>
+          </a:stretch>
+        </p:blipFill>
+        <p:spPr>
+          <a:xfrm>
+            <a:off x="3397634" y="1066800"/>
+            <a:ext cx="2356977" cy="4191000"/>
+          </a:xfrm>
+          <a:prstGeom prst="rect">
+            <a:avLst/>
+          </a:prstGeom>
+        </p:spPr>
+      </p:pic>
+      <p:pic>
+        <p:nvPicPr>
+          <p:cNvPr id="5" name="Picture 4"/>
+          <p:cNvPicPr>
+            <a:picLocks noChangeAspect="1"/>
+          </p:cNvPicPr>
+          <p:nvPr/>
+        </p:nvPicPr>
+        <p:blipFill>
+          <a:blip r:embed="rId3">
+            <a:extLst>
+              <a:ext uri="{28A0092B-C50C-407E-A947-70E740481C1C}">
+                <a14:useLocalDpi xmlns:a14="http://schemas.microsoft.com/office/drawing/2010/main" val="0"/>
+              </a:ext>
+            </a:extLst>
+          </a:blip>
+          <a:stretch>
+            <a:fillRect/>
+          </a:stretch>
+        </p:blipFill>
+        <p:spPr>
+          <a:xfrm>
+            <a:off x="633721" y="1066800"/>
+            <a:ext cx="2270125" cy="4191000"/>
+          </a:xfrm>
+          <a:prstGeom prst="rect">
+            <a:avLst/>
+          </a:prstGeom>
+        </p:spPr>
+      </p:pic>
+      <p:pic>
+        <p:nvPicPr>
+          <p:cNvPr id="8" name="Picture 7"/>
+          <p:cNvPicPr>
+            <a:picLocks noChangeAspect="1"/>
+          </p:cNvPicPr>
+          <p:nvPr/>
+        </p:nvPicPr>
+        <p:blipFill>
+          <a:blip r:embed="rId4">
+            <a:extLst>
+              <a:ext uri="{28A0092B-C50C-407E-A947-70E740481C1C}">
+                <a14:useLocalDpi xmlns:a14="http://schemas.microsoft.com/office/drawing/2010/main" val="0"/>
+              </a:ext>
+            </a:extLst>
+          </a:blip>
+          <a:stretch>
+            <a:fillRect/>
+          </a:stretch>
+        </p:blipFill>
+        <p:spPr>
+          <a:xfrm>
+            <a:off x="6248400" y="1046018"/>
+            <a:ext cx="2357438" cy="4191000"/>
+          </a:xfrm>
+          <a:prstGeom prst="rect">
+            <a:avLst/>
+          </a:prstGeom>
+        </p:spPr>
+      </p:pic>
+      <p:sp>
+        <p:nvSpPr>
+          <p:cNvPr id="10" name="TextBox 9"/>
+          <p:cNvSpPr txBox="1"/>
+          <p:nvPr/>
+        </p:nvSpPr>
+        <p:spPr>
+          <a:xfrm>
+            <a:off x="3701523" y="5754193"/>
+            <a:ext cx="1749197" cy="369332"/>
+          </a:xfrm>
+          <a:prstGeom prst="rect">
+            <a:avLst/>
+          </a:prstGeom>
+          <a:noFill/>
+        </p:spPr>
+        <p:txBody>
+          <a:bodyPr wrap="none" rtlCol="0">
+            <a:spAutoFit/>
+          </a:bodyPr>
+          <a:lstStyle/>
+          <a:p>
+            <a:pPr lvl="0"/>
+            <a:r>
+              <a:rPr lang="en-US" dirty="0" err="1" smtClean="0">
+                <a:latin typeface="Arial" panose="020B0604020202020204" pitchFamily="34" charset="0"/>
+                <a:cs typeface="Arial" panose="020B0604020202020204" pitchFamily="34" charset="0"/>
+              </a:rPr>
+              <a:t>StackNavigator</a:t>
+            </a:r>
+            <a:endParaRPr lang="en-US" dirty="0">
+              <a:latin typeface="Arial" panose="020B0604020202020204" pitchFamily="34" charset="0"/>
+              <a:cs typeface="Arial" panose="020B0604020202020204" pitchFamily="34" charset="0"/>
+            </a:endParaRPr>
+          </a:p>
+        </p:txBody>
+      </p:sp>
+      <p:sp>
+        <p:nvSpPr>
+          <p:cNvPr id="11" name="TextBox 10"/>
+          <p:cNvSpPr txBox="1"/>
+          <p:nvPr/>
+        </p:nvSpPr>
+        <p:spPr>
+          <a:xfrm>
+            <a:off x="810828" y="5754193"/>
+            <a:ext cx="1915909" cy="369332"/>
+          </a:xfrm>
+          <a:prstGeom prst="rect">
+            <a:avLst/>
+          </a:prstGeom>
+          <a:noFill/>
+        </p:spPr>
+        <p:txBody>
+          <a:bodyPr wrap="none" rtlCol="0">
+            <a:spAutoFit/>
+          </a:bodyPr>
+          <a:lstStyle/>
+          <a:p>
+            <a:pPr lvl="0"/>
+            <a:r>
+              <a:rPr lang="en-US" dirty="0" err="1">
+                <a:latin typeface="Arial" panose="020B0604020202020204" pitchFamily="34" charset="0"/>
+                <a:cs typeface="Arial" panose="020B0604020202020204" pitchFamily="34" charset="0"/>
+              </a:rPr>
+              <a:t>DrawerNavigator</a:t>
+            </a:r>
+            <a:endParaRPr lang="en-US" dirty="0">
+              <a:latin typeface="Arial" panose="020B0604020202020204" pitchFamily="34" charset="0"/>
+              <a:cs typeface="Arial" panose="020B0604020202020204" pitchFamily="34" charset="0"/>
+            </a:endParaRPr>
+          </a:p>
+        </p:txBody>
+      </p:sp>
+      <p:sp>
+        <p:nvSpPr>
+          <p:cNvPr id="12" name="TextBox 11"/>
+          <p:cNvSpPr txBox="1"/>
+          <p:nvPr/>
+        </p:nvSpPr>
+        <p:spPr>
+          <a:xfrm>
+            <a:off x="6720066" y="5754193"/>
+            <a:ext cx="1544077" cy="369332"/>
+          </a:xfrm>
+          <a:prstGeom prst="rect">
+            <a:avLst/>
+          </a:prstGeom>
+          <a:noFill/>
+        </p:spPr>
+        <p:txBody>
+          <a:bodyPr wrap="none" rtlCol="0">
+            <a:spAutoFit/>
+          </a:bodyPr>
+          <a:lstStyle/>
+          <a:p>
+            <a:pPr lvl="0"/>
+            <a:r>
+              <a:rPr lang="en-US" dirty="0" err="1" smtClean="0">
+                <a:latin typeface="Arial" panose="020B0604020202020204" pitchFamily="34" charset="0"/>
+                <a:cs typeface="Arial" panose="020B0604020202020204" pitchFamily="34" charset="0"/>
+              </a:rPr>
+              <a:t>TabNavigator</a:t>
+            </a:r>
+            <a:endParaRPr lang="en-US" dirty="0">
+              <a:latin typeface="Arial" panose="020B0604020202020204" pitchFamily="34" charset="0"/>
+              <a:cs typeface="Arial" panose="020B0604020202020204" pitchFamily="34" charset="0"/>
+            </a:endParaRPr>
+          </a:p>
+        </p:txBody>
+      </p:sp>
+    </p:spTree>
+    <p:extLst>
+      <p:ext uri="{BB962C8B-B14F-4D97-AF65-F5344CB8AC3E}">
+        <p14:creationId xmlns:p14="http://schemas.microsoft.com/office/powerpoint/2010/main" val="2397643168"/>
       </p:ext>
     </p:extLst>
   </p:cSld>
@@ -19865,7 +21537,7 @@
         <p:spPr>
           <a:xfrm>
             <a:off x="457199" y="4038600"/>
-            <a:ext cx="5234382" cy="1754326"/>
+            <a:ext cx="5692584" cy="1703030"/>
           </a:xfrm>
           <a:prstGeom prst="rect">
             <a:avLst/>
@@ -19956,23 +21628,38 @@
               <a:buChar char="•"/>
             </a:pPr>
             <a:r>
-              <a:rPr lang="en-US" dirty="0" err="1" smtClean="0"/>
+              <a:rPr lang="en-US" dirty="0" err="1" smtClean="0">
+                <a:latin typeface="Arial" panose="020B0604020202020204" pitchFamily="34" charset="0"/>
+                <a:cs typeface="Arial" panose="020B0604020202020204" pitchFamily="34" charset="0"/>
+              </a:rPr>
               <a:t>onStartShouldSetResponderCapture</a:t>
             </a:r>
             <a:r>
-              <a:rPr lang="en-US" dirty="0"/>
+              <a:rPr lang="en-US" dirty="0">
+                <a:latin typeface="Arial" panose="020B0604020202020204" pitchFamily="34" charset="0"/>
+                <a:cs typeface="Arial" panose="020B0604020202020204" pitchFamily="34" charset="0"/>
+              </a:rPr>
               <a:t>: (</a:t>
             </a:r>
             <a:r>
-              <a:rPr lang="en-US" dirty="0" err="1"/>
+              <a:rPr lang="en-US" dirty="0" err="1">
+                <a:latin typeface="Arial" panose="020B0604020202020204" pitchFamily="34" charset="0"/>
+                <a:cs typeface="Arial" panose="020B0604020202020204" pitchFamily="34" charset="0"/>
+              </a:rPr>
               <a:t>evt</a:t>
             </a:r>
             <a:r>
-              <a:rPr lang="en-US" dirty="0"/>
+              <a:rPr lang="en-US" dirty="0">
+                <a:latin typeface="Arial" panose="020B0604020202020204" pitchFamily="34" charset="0"/>
+                <a:cs typeface="Arial" panose="020B0604020202020204" pitchFamily="34" charset="0"/>
+              </a:rPr>
               <a:t>) =&gt; </a:t>
             </a:r>
             <a:r>
-              <a:rPr lang="en-US" dirty="0" smtClean="0"/>
+              <a:rPr lang="en-US" dirty="0" smtClean="0">
+                <a:latin typeface="Arial" panose="020B0604020202020204" pitchFamily="34" charset="0"/>
+                <a:cs typeface="Arial" panose="020B0604020202020204" pitchFamily="34" charset="0"/>
+              </a:rPr>
               <a:t>true</a:t>
             </a:r>
           </a:p>
@@ -19985,25 +21672,33 @@
               <a:buChar char="•"/>
             </a:pPr>
             <a:r>
-              <a:rPr lang="en-US" dirty="0" err="1"/>
+              <a:rPr lang="en-US" dirty="0" err="1">
+                <a:latin typeface="Arial" panose="020B0604020202020204" pitchFamily="34" charset="0"/>
+                <a:cs typeface="Arial" panose="020B0604020202020204" pitchFamily="34" charset="0"/>
+              </a:rPr>
               <a:t>onMoveShouldSetResponderCapture</a:t>
             </a:r>
             <a:r>
-              <a:rPr lang="en-US" dirty="0"/>
+              <a:rPr lang="en-US" dirty="0">
+                <a:latin typeface="Arial" panose="020B0604020202020204" pitchFamily="34" charset="0"/>
+                <a:cs typeface="Arial" panose="020B0604020202020204" pitchFamily="34" charset="0"/>
+              </a:rPr>
               <a:t>: (</a:t>
             </a:r>
             <a:r>
-              <a:rPr lang="en-US" dirty="0" err="1"/>
+              <a:rPr lang="en-US" dirty="0" err="1">
+                <a:latin typeface="Arial" panose="020B0604020202020204" pitchFamily="34" charset="0"/>
+                <a:cs typeface="Arial" panose="020B0604020202020204" pitchFamily="34" charset="0"/>
+              </a:rPr>
               <a:t>evt</a:t>
             </a:r>
             <a:r>
-              <a:rPr lang="en-US" dirty="0"/>
+              <a:rPr lang="en-US" dirty="0">
+                <a:latin typeface="Arial" panose="020B0604020202020204" pitchFamily="34" charset="0"/>
+                <a:cs typeface="Arial" panose="020B0604020202020204" pitchFamily="34" charset="0"/>
+              </a:rPr>
               <a:t>) =&gt; true</a:t>
             </a:r>
-            <a:endParaRPr lang="en-US" dirty="0">
-              <a:latin typeface="Arial" panose="020B0604020202020204" pitchFamily="34" charset="0"/>
-              <a:cs typeface="Arial" panose="020B0604020202020204" pitchFamily="34" charset="0"/>
-            </a:endParaRPr>
           </a:p>
         </p:txBody>
       </p:sp>

--- a/PowerPoint/REACT-NATIVE.pptx
+++ b/PowerPoint/REACT-NATIVE.pptx
@@ -20,10 +20,11 @@
     <p:sldId id="267" r:id="rId14"/>
     <p:sldId id="268" r:id="rId15"/>
     <p:sldId id="269" r:id="rId16"/>
-    <p:sldId id="270" r:id="rId17"/>
-    <p:sldId id="271" r:id="rId18"/>
-    <p:sldId id="272" r:id="rId19"/>
-    <p:sldId id="273" r:id="rId20"/>
+    <p:sldId id="274" r:id="rId17"/>
+    <p:sldId id="270" r:id="rId18"/>
+    <p:sldId id="271" r:id="rId19"/>
+    <p:sldId id="272" r:id="rId20"/>
+    <p:sldId id="273" r:id="rId21"/>
   </p:sldIdLst>
   <p:sldSz cx="9144000" cy="6858000" type="screen4x3"/>
   <p:notesSz cx="6858000" cy="9144000"/>
@@ -14146,7 +14147,7 @@
           <a:p>
             <a:fld id="{208EE90E-2504-4826-81E4-66C7B83B9CAF}" type="datetimeFigureOut">
               <a:rPr lang="en-US" smtClean="0"/>
-              <a:t>1/25/2018</a:t>
+              <a:t>1/26/2018</a:t>
             </a:fld>
             <a:endParaRPr lang="en-US" dirty="0"/>
           </a:p>
@@ -14316,7 +14317,7 @@
           <a:p>
             <a:fld id="{208EE90E-2504-4826-81E4-66C7B83B9CAF}" type="datetimeFigureOut">
               <a:rPr lang="en-US" smtClean="0"/>
-              <a:t>1/25/2018</a:t>
+              <a:t>1/26/2018</a:t>
             </a:fld>
             <a:endParaRPr lang="en-US" dirty="0"/>
           </a:p>
@@ -14496,7 +14497,7 @@
           <a:p>
             <a:fld id="{208EE90E-2504-4826-81E4-66C7B83B9CAF}" type="datetimeFigureOut">
               <a:rPr lang="en-US" smtClean="0"/>
-              <a:t>1/25/2018</a:t>
+              <a:t>1/26/2018</a:t>
             </a:fld>
             <a:endParaRPr lang="en-US" dirty="0"/>
           </a:p>
@@ -14728,7 +14729,7 @@
           <a:p>
             <a:fld id="{208EE90E-2504-4826-81E4-66C7B83B9CAF}" type="datetimeFigureOut">
               <a:rPr lang="en-US" smtClean="0"/>
-              <a:t>1/25/2018</a:t>
+              <a:t>1/26/2018</a:t>
             </a:fld>
             <a:endParaRPr lang="en-US" dirty="0"/>
           </a:p>
@@ -14933,7 +14934,7 @@
           <a:p>
             <a:fld id="{208EE90E-2504-4826-81E4-66C7B83B9CAF}" type="datetimeFigureOut">
               <a:rPr lang="en-US" smtClean="0"/>
-              <a:t>1/25/2018</a:t>
+              <a:t>1/26/2018</a:t>
             </a:fld>
             <a:endParaRPr lang="en-US" dirty="0"/>
           </a:p>
@@ -15213,7 +15214,7 @@
           <a:p>
             <a:fld id="{208EE90E-2504-4826-81E4-66C7B83B9CAF}" type="datetimeFigureOut">
               <a:rPr lang="en-US" smtClean="0"/>
-              <a:t>1/25/2018</a:t>
+              <a:t>1/26/2018</a:t>
             </a:fld>
             <a:endParaRPr lang="en-US" dirty="0"/>
           </a:p>
@@ -15480,7 +15481,7 @@
           <a:p>
             <a:fld id="{208EE90E-2504-4826-81E4-66C7B83B9CAF}" type="datetimeFigureOut">
               <a:rPr lang="en-US" smtClean="0"/>
-              <a:t>1/25/2018</a:t>
+              <a:t>1/26/2018</a:t>
             </a:fld>
             <a:endParaRPr lang="en-US" dirty="0"/>
           </a:p>
@@ -15895,7 +15896,7 @@
           <a:p>
             <a:fld id="{208EE90E-2504-4826-81E4-66C7B83B9CAF}" type="datetimeFigureOut">
               <a:rPr lang="en-US" smtClean="0"/>
-              <a:t>1/25/2018</a:t>
+              <a:t>1/26/2018</a:t>
             </a:fld>
             <a:endParaRPr lang="en-US" dirty="0"/>
           </a:p>
@@ -16043,7 +16044,7 @@
           <a:p>
             <a:fld id="{208EE90E-2504-4826-81E4-66C7B83B9CAF}" type="datetimeFigureOut">
               <a:rPr lang="en-US" smtClean="0"/>
-              <a:t>1/25/2018</a:t>
+              <a:t>1/26/2018</a:t>
             </a:fld>
             <a:endParaRPr lang="en-US" dirty="0"/>
           </a:p>
@@ -16168,7 +16169,7 @@
           <a:p>
             <a:fld id="{208EE90E-2504-4826-81E4-66C7B83B9CAF}" type="datetimeFigureOut">
               <a:rPr lang="en-US" smtClean="0"/>
-              <a:t>1/25/2018</a:t>
+              <a:t>1/26/2018</a:t>
             </a:fld>
             <a:endParaRPr lang="en-US" dirty="0"/>
           </a:p>
@@ -16447,7 +16448,7 @@
           <a:p>
             <a:fld id="{208EE90E-2504-4826-81E4-66C7B83B9CAF}" type="datetimeFigureOut">
               <a:rPr lang="en-US" smtClean="0"/>
-              <a:t>1/25/2018</a:t>
+              <a:t>1/26/2018</a:t>
             </a:fld>
             <a:endParaRPr lang="en-US" dirty="0"/>
           </a:p>
@@ -16617,7 +16618,7 @@
           <a:p>
             <a:fld id="{208EE90E-2504-4826-81E4-66C7B83B9CAF}" type="datetimeFigureOut">
               <a:rPr lang="en-US" smtClean="0"/>
-              <a:t>1/25/2018</a:t>
+              <a:t>1/26/2018</a:t>
             </a:fld>
             <a:endParaRPr lang="en-US" dirty="0"/>
           </a:p>
@@ -16929,7 +16930,7 @@
           <a:p>
             <a:fld id="{208EE90E-2504-4826-81E4-66C7B83B9CAF}" type="datetimeFigureOut">
               <a:rPr lang="en-US" smtClean="0"/>
-              <a:t>1/25/2018</a:t>
+              <a:t>1/26/2018</a:t>
             </a:fld>
             <a:endParaRPr lang="en-US" dirty="0"/>
           </a:p>
@@ -17241,7 +17242,7 @@
           <a:p>
             <a:fld id="{208EE90E-2504-4826-81E4-66C7B83B9CAF}" type="datetimeFigureOut">
               <a:rPr lang="en-US" smtClean="0"/>
-              <a:t>1/25/2018</a:t>
+              <a:t>1/26/2018</a:t>
             </a:fld>
             <a:endParaRPr lang="en-US" dirty="0"/>
           </a:p>
@@ -17463,7 +17464,7 @@
           <a:p>
             <a:fld id="{208EE90E-2504-4826-81E4-66C7B83B9CAF}" type="datetimeFigureOut">
               <a:rPr lang="en-US" smtClean="0"/>
-              <a:t>1/25/2018</a:t>
+              <a:t>1/26/2018</a:t>
             </a:fld>
             <a:endParaRPr lang="en-US" dirty="0"/>
           </a:p>
@@ -17754,7 +17755,7 @@
           <a:p>
             <a:fld id="{208EE90E-2504-4826-81E4-66C7B83B9CAF}" type="datetimeFigureOut">
               <a:rPr lang="en-US" smtClean="0"/>
-              <a:t>1/25/2018</a:t>
+              <a:t>1/26/2018</a:t>
             </a:fld>
             <a:endParaRPr lang="en-US" dirty="0"/>
           </a:p>
@@ -18208,7 +18209,7 @@
           <a:p>
             <a:fld id="{208EE90E-2504-4826-81E4-66C7B83B9CAF}" type="datetimeFigureOut">
               <a:rPr lang="en-US" smtClean="0"/>
-              <a:t>1/25/2018</a:t>
+              <a:t>1/26/2018</a:t>
             </a:fld>
             <a:endParaRPr lang="en-US" dirty="0"/>
           </a:p>
@@ -18784,7 +18785,7 @@
           <a:p>
             <a:fld id="{208EE90E-2504-4826-81E4-66C7B83B9CAF}" type="datetimeFigureOut">
               <a:rPr lang="en-US" smtClean="0"/>
-              <a:t>1/25/2018</a:t>
+              <a:t>1/26/2018</a:t>
             </a:fld>
             <a:endParaRPr lang="en-US" dirty="0"/>
           </a:p>
@@ -19636,7 +19637,7 @@
           <a:p>
             <a:fld id="{208EE90E-2504-4826-81E4-66C7B83B9CAF}" type="datetimeFigureOut">
               <a:rPr lang="en-US" smtClean="0"/>
-              <a:t>1/25/2018</a:t>
+              <a:t>1/26/2018</a:t>
             </a:fld>
             <a:endParaRPr lang="en-US" dirty="0"/>
           </a:p>
@@ -19841,7 +19842,7 @@
           <a:p>
             <a:fld id="{208EE90E-2504-4826-81E4-66C7B83B9CAF}" type="datetimeFigureOut">
               <a:rPr lang="en-US" smtClean="0"/>
-              <a:t>1/25/2018</a:t>
+              <a:t>1/26/2018</a:t>
             </a:fld>
             <a:endParaRPr lang="en-US" dirty="0"/>
           </a:p>
@@ -20055,7 +20056,7 @@
           <a:p>
             <a:fld id="{208EE90E-2504-4826-81E4-66C7B83B9CAF}" type="datetimeFigureOut">
               <a:rPr lang="en-US" smtClean="0"/>
-              <a:t>1/25/2018</a:t>
+              <a:t>1/26/2018</a:t>
             </a:fld>
             <a:endParaRPr lang="en-US" dirty="0"/>
           </a:p>
@@ -20249,7 +20250,7 @@
           <a:p>
             <a:fld id="{208EE90E-2504-4826-81E4-66C7B83B9CAF}" type="datetimeFigureOut">
               <a:rPr lang="en-US" smtClean="0"/>
-              <a:t>1/25/2018</a:t>
+              <a:t>1/26/2018</a:t>
             </a:fld>
             <a:endParaRPr lang="en-US" dirty="0"/>
           </a:p>
@@ -20495,7 +20496,7 @@
           <a:p>
             <a:fld id="{208EE90E-2504-4826-81E4-66C7B83B9CAF}" type="datetimeFigureOut">
               <a:rPr lang="en-US" smtClean="0"/>
-              <a:t>1/25/2018</a:t>
+              <a:t>1/26/2018</a:t>
             </a:fld>
             <a:endParaRPr lang="en-US" dirty="0"/>
           </a:p>
@@ -20665,7 +20666,7 @@
           <a:p>
             <a:fld id="{208EE90E-2504-4826-81E4-66C7B83B9CAF}" type="datetimeFigureOut">
               <a:rPr lang="en-US" smtClean="0"/>
-              <a:t>1/25/2018</a:t>
+              <a:t>1/26/2018</a:t>
             </a:fld>
             <a:endParaRPr lang="en-US" dirty="0"/>
           </a:p>
@@ -20913,7 +20914,7 @@
           <a:p>
             <a:fld id="{208EE90E-2504-4826-81E4-66C7B83B9CAF}" type="datetimeFigureOut">
               <a:rPr lang="en-US" smtClean="0"/>
-              <a:t>1/25/2018</a:t>
+              <a:t>1/26/2018</a:t>
             </a:fld>
             <a:endParaRPr lang="en-US" dirty="0"/>
           </a:p>
@@ -21150,7 +21151,7 @@
           <a:p>
             <a:fld id="{208EE90E-2504-4826-81E4-66C7B83B9CAF}" type="datetimeFigureOut">
               <a:rPr lang="en-US" smtClean="0"/>
-              <a:t>1/25/2018</a:t>
+              <a:t>1/26/2018</a:t>
             </a:fld>
             <a:endParaRPr lang="en-US" dirty="0"/>
           </a:p>
@@ -21523,7 +21524,7 @@
           <a:p>
             <a:fld id="{208EE90E-2504-4826-81E4-66C7B83B9CAF}" type="datetimeFigureOut">
               <a:rPr lang="en-US" smtClean="0"/>
-              <a:t>1/25/2018</a:t>
+              <a:t>1/26/2018</a:t>
             </a:fld>
             <a:endParaRPr lang="en-US" dirty="0"/>
           </a:p>
@@ -21641,7 +21642,7 @@
           <a:p>
             <a:fld id="{208EE90E-2504-4826-81E4-66C7B83B9CAF}" type="datetimeFigureOut">
               <a:rPr lang="en-US" smtClean="0"/>
-              <a:t>1/25/2018</a:t>
+              <a:t>1/26/2018</a:t>
             </a:fld>
             <a:endParaRPr lang="en-US" dirty="0"/>
           </a:p>
@@ -21736,7 +21737,7 @@
           <a:p>
             <a:fld id="{208EE90E-2504-4826-81E4-66C7B83B9CAF}" type="datetimeFigureOut">
               <a:rPr lang="en-US" smtClean="0"/>
-              <a:t>1/25/2018</a:t>
+              <a:t>1/26/2018</a:t>
             </a:fld>
             <a:endParaRPr lang="en-US" dirty="0"/>
           </a:p>
@@ -21987,7 +21988,7 @@
           <a:p>
             <a:fld id="{208EE90E-2504-4826-81E4-66C7B83B9CAF}" type="datetimeFigureOut">
               <a:rPr lang="en-US" smtClean="0"/>
-              <a:t>1/25/2018</a:t>
+              <a:t>1/26/2018</a:t>
             </a:fld>
             <a:endParaRPr lang="en-US" dirty="0"/>
           </a:p>
@@ -22274,7 +22275,7 @@
           <a:p>
             <a:fld id="{208EE90E-2504-4826-81E4-66C7B83B9CAF}" type="datetimeFigureOut">
               <a:rPr lang="en-US" smtClean="0"/>
-              <a:t>1/25/2018</a:t>
+              <a:t>1/26/2018</a:t>
             </a:fld>
             <a:endParaRPr lang="en-US" dirty="0"/>
           </a:p>
@@ -22561,7 +22562,7 @@
           <a:p>
             <a:fld id="{208EE90E-2504-4826-81E4-66C7B83B9CAF}" type="datetimeFigureOut">
               <a:rPr lang="en-US" smtClean="0"/>
-              <a:t>1/25/2018</a:t>
+              <a:t>1/26/2018</a:t>
             </a:fld>
             <a:endParaRPr lang="en-US" dirty="0"/>
           </a:p>
@@ -22753,7 +22754,7 @@
           <a:p>
             <a:fld id="{208EE90E-2504-4826-81E4-66C7B83B9CAF}" type="datetimeFigureOut">
               <a:rPr lang="en-US" smtClean="0"/>
-              <a:t>1/25/2018</a:t>
+              <a:t>1/26/2018</a:t>
             </a:fld>
             <a:endParaRPr lang="en-US" dirty="0"/>
           </a:p>
@@ -23041,7 +23042,7 @@
           <a:p>
             <a:fld id="{208EE90E-2504-4826-81E4-66C7B83B9CAF}" type="datetimeFigureOut">
               <a:rPr lang="en-US" smtClean="0"/>
-              <a:t>1/25/2018</a:t>
+              <a:t>1/26/2018</a:t>
             </a:fld>
             <a:endParaRPr lang="en-US" dirty="0"/>
           </a:p>
@@ -23302,7 +23303,7 @@
           <a:p>
             <a:fld id="{208EE90E-2504-4826-81E4-66C7B83B9CAF}" type="datetimeFigureOut">
               <a:rPr lang="en-US" smtClean="0"/>
-              <a:t>1/25/2018</a:t>
+              <a:t>1/26/2018</a:t>
             </a:fld>
             <a:endParaRPr lang="en-US" dirty="0"/>
           </a:p>
@@ -23726,7 +23727,7 @@
           <a:p>
             <a:fld id="{208EE90E-2504-4826-81E4-66C7B83B9CAF}" type="datetimeFigureOut">
               <a:rPr lang="en-US" smtClean="0"/>
-              <a:t>1/25/2018</a:t>
+              <a:t>1/26/2018</a:t>
             </a:fld>
             <a:endParaRPr lang="en-US" dirty="0"/>
           </a:p>
@@ -24272,7 +24273,7 @@
           <a:p>
             <a:fld id="{208EE90E-2504-4826-81E4-66C7B83B9CAF}" type="datetimeFigureOut">
               <a:rPr lang="en-US" smtClean="0"/>
-              <a:t>1/25/2018</a:t>
+              <a:t>1/26/2018</a:t>
             </a:fld>
             <a:endParaRPr lang="en-US" dirty="0"/>
           </a:p>
@@ -25112,7 +25113,7 @@
           <a:p>
             <a:fld id="{208EE90E-2504-4826-81E4-66C7B83B9CAF}" type="datetimeFigureOut">
               <a:rPr lang="en-US" smtClean="0"/>
-              <a:t>1/25/2018</a:t>
+              <a:t>1/26/2018</a:t>
             </a:fld>
             <a:endParaRPr lang="en-US" dirty="0"/>
           </a:p>
@@ -25282,7 +25283,7 @@
           <a:p>
             <a:fld id="{208EE90E-2504-4826-81E4-66C7B83B9CAF}" type="datetimeFigureOut">
               <a:rPr lang="en-US" smtClean="0"/>
-              <a:t>1/25/2018</a:t>
+              <a:t>1/26/2018</a:t>
             </a:fld>
             <a:endParaRPr lang="en-US" dirty="0"/>
           </a:p>
@@ -25466,7 +25467,7 @@
           <a:p>
             <a:fld id="{208EE90E-2504-4826-81E4-66C7B83B9CAF}" type="datetimeFigureOut">
               <a:rPr lang="en-US" smtClean="0"/>
-              <a:t>1/25/2018</a:t>
+              <a:t>1/26/2018</a:t>
             </a:fld>
             <a:endParaRPr lang="en-US" dirty="0"/>
           </a:p>
@@ -25888,7 +25889,7 @@
           <a:p>
             <a:fld id="{208EE90E-2504-4826-81E4-66C7B83B9CAF}" type="datetimeFigureOut">
               <a:rPr lang="en-US" smtClean="0"/>
-              <a:t>1/25/2018</a:t>
+              <a:t>1/26/2018</a:t>
             </a:fld>
             <a:endParaRPr lang="en-US" dirty="0"/>
           </a:p>
@@ -26006,7 +26007,7 @@
           <a:p>
             <a:fld id="{208EE90E-2504-4826-81E4-66C7B83B9CAF}" type="datetimeFigureOut">
               <a:rPr lang="en-US" smtClean="0"/>
-              <a:t>1/25/2018</a:t>
+              <a:t>1/26/2018</a:t>
             </a:fld>
             <a:endParaRPr lang="en-US" dirty="0"/>
           </a:p>
@@ -26101,7 +26102,7 @@
           <a:p>
             <a:fld id="{208EE90E-2504-4826-81E4-66C7B83B9CAF}" type="datetimeFigureOut">
               <a:rPr lang="en-US" smtClean="0"/>
-              <a:t>1/25/2018</a:t>
+              <a:t>1/26/2018</a:t>
             </a:fld>
             <a:endParaRPr lang="en-US" dirty="0"/>
           </a:p>
@@ -26378,7 +26379,7 @@
           <a:p>
             <a:fld id="{208EE90E-2504-4826-81E4-66C7B83B9CAF}" type="datetimeFigureOut">
               <a:rPr lang="en-US" smtClean="0"/>
-              <a:t>1/25/2018</a:t>
+              <a:t>1/26/2018</a:t>
             </a:fld>
             <a:endParaRPr lang="en-US" dirty="0"/>
           </a:p>
@@ -26631,7 +26632,7 @@
           <a:p>
             <a:fld id="{208EE90E-2504-4826-81E4-66C7B83B9CAF}" type="datetimeFigureOut">
               <a:rPr lang="en-US" smtClean="0"/>
-              <a:t>1/25/2018</a:t>
+              <a:t>1/26/2018</a:t>
             </a:fld>
             <a:endParaRPr lang="en-US" dirty="0"/>
           </a:p>
@@ -26844,7 +26845,7 @@
           <a:p>
             <a:fld id="{208EE90E-2504-4826-81E4-66C7B83B9CAF}" type="datetimeFigureOut">
               <a:rPr lang="en-US" smtClean="0"/>
-              <a:t>1/25/2018</a:t>
+              <a:t>1/26/2018</a:t>
             </a:fld>
             <a:endParaRPr lang="en-US" dirty="0"/>
           </a:p>
@@ -27394,7 +27395,7 @@
           <a:p>
             <a:fld id="{208EE90E-2504-4826-81E4-66C7B83B9CAF}" type="datetimeFigureOut">
               <a:rPr lang="en-US" smtClean="0"/>
-              <a:t>1/25/2018</a:t>
+              <a:t>1/26/2018</a:t>
             </a:fld>
             <a:endParaRPr lang="en-US" dirty="0"/>
           </a:p>
@@ -27973,7 +27974,7 @@
           <a:p>
             <a:fld id="{208EE90E-2504-4826-81E4-66C7B83B9CAF}" type="datetimeFigureOut">
               <a:rPr lang="en-US" smtClean="0"/>
-              <a:t>1/25/2018</a:t>
+              <a:t>1/26/2018</a:t>
             </a:fld>
             <a:endParaRPr lang="en-US" dirty="0"/>
           </a:p>
@@ -28477,11 +28478,11 @@
           <a:lstStyle/>
           <a:p>
             <a:r>
-              <a:rPr lang="en-US" sz="3600" dirty="0" smtClean="0"/>
+              <a:rPr lang="en-US" sz="3200" dirty="0" smtClean="0"/>
               <a:t>WELCOME TO THE </a:t>
             </a:r>
             <a:r>
-              <a:rPr lang="en-US" sz="3600" dirty="0" smtClean="0">
+              <a:rPr lang="en-US" sz="3200" dirty="0" smtClean="0">
                 <a:solidFill>
                   <a:srgbClr val="FF0000"/>
                 </a:solidFill>
@@ -28489,14 +28490,14 @@
               <a:t>REACT NATIVE </a:t>
             </a:r>
             <a:r>
-              <a:rPr lang="en-US" sz="3600" dirty="0" smtClean="0"/>
+              <a:rPr lang="en-US" sz="3200" dirty="0" smtClean="0"/>
               <a:t/>
             </a:r>
             <a:br>
-              <a:rPr lang="en-US" sz="3600" dirty="0" smtClean="0"/>
+              <a:rPr lang="en-US" sz="3200" dirty="0" smtClean="0"/>
             </a:br>
             <a:r>
-              <a:rPr lang="en-US" sz="3600" dirty="0"/>
+              <a:rPr lang="en-US" sz="3200" dirty="0"/>
               <a:t>share knowledge</a:t>
             </a:r>
           </a:p>
@@ -29030,6 +29031,287 @@
       </p:sp>
       <p:sp>
         <p:nvSpPr>
+          <p:cNvPr id="3" name="TextBox 2"/>
+          <p:cNvSpPr txBox="1"/>
+          <p:nvPr/>
+        </p:nvSpPr>
+        <p:spPr>
+          <a:xfrm>
+            <a:off x="1094509" y="2311063"/>
+            <a:ext cx="4602542" cy="3539430"/>
+          </a:xfrm>
+          <a:prstGeom prst="rect">
+            <a:avLst/>
+          </a:prstGeom>
+          <a:noFill/>
+        </p:spPr>
+        <p:txBody>
+          <a:bodyPr wrap="none" rtlCol="0">
+            <a:spAutoFit/>
+          </a:bodyPr>
+          <a:lstStyle/>
+          <a:p>
+            <a:pPr marL="514350" indent="-514350">
+              <a:lnSpc>
+                <a:spcPct val="200000"/>
+              </a:lnSpc>
+              <a:buFont typeface="+mj-lt"/>
+              <a:buAutoNum type="arabicPeriod"/>
+            </a:pPr>
+            <a:r>
+              <a:rPr lang="en-US" sz="2800" dirty="0">
+                <a:latin typeface="Arial" panose="020B0604020202020204" pitchFamily="34" charset="0"/>
+                <a:cs typeface="Arial" panose="020B0604020202020204" pitchFamily="34" charset="0"/>
+              </a:rPr>
+              <a:t>C</a:t>
+            </a:r>
+            <a:r>
+              <a:rPr lang="en-US" sz="2800" dirty="0" smtClean="0">
+                <a:latin typeface="Arial" panose="020B0604020202020204" pitchFamily="34" charset="0"/>
+                <a:cs typeface="Arial" panose="020B0604020202020204" pitchFamily="34" charset="0"/>
+              </a:rPr>
+              <a:t>reate </a:t>
+            </a:r>
+            <a:r>
+              <a:rPr lang="en-US" sz="2800" dirty="0">
+                <a:latin typeface="Arial" panose="020B0604020202020204" pitchFamily="34" charset="0"/>
+                <a:cs typeface="Arial" panose="020B0604020202020204" pitchFamily="34" charset="0"/>
+              </a:rPr>
+              <a:t>a </a:t>
+            </a:r>
+            <a:r>
+              <a:rPr lang="en-US" sz="2800" dirty="0" smtClean="0">
+                <a:latin typeface="Arial" panose="020B0604020202020204" pitchFamily="34" charset="0"/>
+                <a:cs typeface="Arial" panose="020B0604020202020204" pitchFamily="34" charset="0"/>
+              </a:rPr>
+              <a:t>Navigator</a:t>
+            </a:r>
+          </a:p>
+          <a:p>
+            <a:pPr marL="514350" indent="-514350">
+              <a:lnSpc>
+                <a:spcPct val="200000"/>
+              </a:lnSpc>
+              <a:buFont typeface="+mj-lt"/>
+              <a:buAutoNum type="arabicPeriod"/>
+            </a:pPr>
+            <a:r>
+              <a:rPr lang="en-US" sz="2800" dirty="0" err="1" smtClean="0">
+                <a:latin typeface="Arial" panose="020B0604020202020204" pitchFamily="34" charset="0"/>
+                <a:cs typeface="Arial" panose="020B0604020202020204" pitchFamily="34" charset="0"/>
+              </a:rPr>
+              <a:t>Config</a:t>
+            </a:r>
+            <a:r>
+              <a:rPr lang="en-US" sz="2800" dirty="0" smtClean="0">
+                <a:latin typeface="Arial" panose="020B0604020202020204" pitchFamily="34" charset="0"/>
+                <a:cs typeface="Arial" panose="020B0604020202020204" pitchFamily="34" charset="0"/>
+              </a:rPr>
+              <a:t> Tab Navigator </a:t>
+            </a:r>
+          </a:p>
+          <a:p>
+            <a:pPr marL="514350" indent="-514350">
+              <a:lnSpc>
+                <a:spcPct val="200000"/>
+              </a:lnSpc>
+              <a:buFont typeface="+mj-lt"/>
+              <a:buAutoNum type="arabicPeriod"/>
+            </a:pPr>
+            <a:r>
+              <a:rPr lang="en-US" sz="2800" dirty="0" smtClean="0">
+                <a:latin typeface="Arial" panose="020B0604020202020204" pitchFamily="34" charset="0"/>
+                <a:cs typeface="Arial" panose="020B0604020202020204" pitchFamily="34" charset="0"/>
+              </a:rPr>
+              <a:t>Nesting Navigators</a:t>
+            </a:r>
+          </a:p>
+          <a:p>
+            <a:pPr marL="514350" indent="-514350">
+              <a:lnSpc>
+                <a:spcPct val="200000"/>
+              </a:lnSpc>
+              <a:buFont typeface="+mj-lt"/>
+              <a:buAutoNum type="arabicPeriod"/>
+            </a:pPr>
+            <a:r>
+              <a:rPr lang="en-US" sz="2800" dirty="0">
+                <a:latin typeface="Arial" panose="020B0604020202020204" pitchFamily="34" charset="0"/>
+                <a:cs typeface="Arial" panose="020B0604020202020204" pitchFamily="34" charset="0"/>
+              </a:rPr>
+              <a:t>Screen Navigation </a:t>
+            </a:r>
+            <a:r>
+              <a:rPr lang="en-US" sz="2800" dirty="0" smtClean="0">
+                <a:latin typeface="Arial" panose="020B0604020202020204" pitchFamily="34" charset="0"/>
+                <a:cs typeface="Arial" panose="020B0604020202020204" pitchFamily="34" charset="0"/>
+              </a:rPr>
+              <a:t>Prop </a:t>
+            </a:r>
+          </a:p>
+        </p:txBody>
+      </p:sp>
+      <p:sp>
+        <p:nvSpPr>
+          <p:cNvPr id="4" name="TextBox 3"/>
+          <p:cNvSpPr txBox="1"/>
+          <p:nvPr/>
+        </p:nvSpPr>
+        <p:spPr>
+          <a:xfrm>
+            <a:off x="1085273" y="1295400"/>
+            <a:ext cx="7696200" cy="1015663"/>
+          </a:xfrm>
+          <a:prstGeom prst="rect">
+            <a:avLst/>
+          </a:prstGeom>
+          <a:noFill/>
+        </p:spPr>
+        <p:txBody>
+          <a:bodyPr wrap="square" rtlCol="0">
+            <a:spAutoFit/>
+          </a:bodyPr>
+          <a:lstStyle/>
+          <a:p>
+            <a:r>
+              <a:rPr lang="en-US" sz="2000" dirty="0">
+                <a:latin typeface="Arial" panose="020B0604020202020204" pitchFamily="34" charset="0"/>
+                <a:cs typeface="Arial" panose="020B0604020202020204" pitchFamily="34" charset="0"/>
+              </a:rPr>
+              <a:t>React Navigation is born from the React Native </a:t>
+            </a:r>
+            <a:r>
+              <a:rPr lang="en-US" sz="2000" dirty="0" smtClean="0">
+                <a:latin typeface="Arial" panose="020B0604020202020204" pitchFamily="34" charset="0"/>
+                <a:cs typeface="Arial" panose="020B0604020202020204" pitchFamily="34" charset="0"/>
+              </a:rPr>
+              <a:t>community's</a:t>
+            </a:r>
+          </a:p>
+          <a:p>
+            <a:r>
+              <a:rPr lang="en-US" sz="2000" dirty="0" smtClean="0">
+                <a:latin typeface="Arial" panose="020B0604020202020204" pitchFamily="34" charset="0"/>
+                <a:cs typeface="Arial" panose="020B0604020202020204" pitchFamily="34" charset="0"/>
+              </a:rPr>
+              <a:t>need for </a:t>
+            </a:r>
+            <a:r>
+              <a:rPr lang="en-US" sz="2000" dirty="0">
+                <a:latin typeface="Arial" panose="020B0604020202020204" pitchFamily="34" charset="0"/>
+                <a:cs typeface="Arial" panose="020B0604020202020204" pitchFamily="34" charset="0"/>
+              </a:rPr>
+              <a:t>an extensible yet easy-to-use navigation </a:t>
+            </a:r>
+            <a:r>
+              <a:rPr lang="en-US" sz="2000" dirty="0" smtClean="0">
+                <a:latin typeface="Arial" panose="020B0604020202020204" pitchFamily="34" charset="0"/>
+                <a:cs typeface="Arial" panose="020B0604020202020204" pitchFamily="34" charset="0"/>
+              </a:rPr>
+              <a:t>solution</a:t>
+            </a:r>
+          </a:p>
+          <a:p>
+            <a:r>
+              <a:rPr lang="en-US" sz="2000" dirty="0" smtClean="0">
+                <a:latin typeface="Arial" panose="020B0604020202020204" pitchFamily="34" charset="0"/>
+                <a:cs typeface="Arial" panose="020B0604020202020204" pitchFamily="34" charset="0"/>
+              </a:rPr>
+              <a:t>based on </a:t>
+            </a:r>
+            <a:r>
+              <a:rPr lang="en-US" sz="2000" dirty="0" err="1">
+                <a:latin typeface="Arial" panose="020B0604020202020204" pitchFamily="34" charset="0"/>
+                <a:cs typeface="Arial" panose="020B0604020202020204" pitchFamily="34" charset="0"/>
+              </a:rPr>
+              <a:t>Javascript</a:t>
+            </a:r>
+            <a:r>
+              <a:rPr lang="en-US" sz="2000" dirty="0">
+                <a:latin typeface="Arial" panose="020B0604020202020204" pitchFamily="34" charset="0"/>
+                <a:cs typeface="Arial" panose="020B0604020202020204" pitchFamily="34" charset="0"/>
+              </a:rPr>
+              <a:t>.</a:t>
+            </a:r>
+          </a:p>
+        </p:txBody>
+      </p:sp>
+    </p:spTree>
+    <p:extLst>
+      <p:ext uri="{BB962C8B-B14F-4D97-AF65-F5344CB8AC3E}">
+        <p14:creationId xmlns:p14="http://schemas.microsoft.com/office/powerpoint/2010/main" val="1563311293"/>
+      </p:ext>
+    </p:extLst>
+  </p:cSld>
+  <p:clrMapOvr>
+    <a:masterClrMapping/>
+  </p:clrMapOvr>
+  <p:timing>
+    <p:tnLst>
+      <p:par>
+        <p:cTn id="1" dur="indefinite" restart="never" nodeType="tmRoot"/>
+      </p:par>
+    </p:tnLst>
+  </p:timing>
+</p:sld>
+</file>
+
+<file path=ppt/slides/slide15.xml><?xml version="1.0" encoding="utf-8"?>
+<p:sld xmlns:a="http://schemas.openxmlformats.org/drawingml/2006/main" xmlns:r="http://schemas.openxmlformats.org/officeDocument/2006/relationships" xmlns:p="http://schemas.openxmlformats.org/presentationml/2006/main">
+  <p:cSld>
+    <p:spTree>
+      <p:nvGrpSpPr>
+        <p:cNvPr id="1" name=""/>
+        <p:cNvGrpSpPr/>
+        <p:nvPr/>
+      </p:nvGrpSpPr>
+      <p:grpSpPr>
+        <a:xfrm>
+          <a:off x="0" y="0"/>
+          <a:ext cx="0" cy="0"/>
+          <a:chOff x="0" y="0"/>
+          <a:chExt cx="0" cy="0"/>
+        </a:xfrm>
+      </p:grpSpPr>
+      <p:sp>
+        <p:nvSpPr>
+          <p:cNvPr id="2" name="Title 1"/>
+          <p:cNvSpPr>
+            <a:spLocks noGrp="1"/>
+          </p:cNvSpPr>
+          <p:nvPr>
+            <p:ph type="title"/>
+          </p:nvPr>
+        </p:nvSpPr>
+        <p:spPr>
+          <a:xfrm>
+            <a:off x="457200" y="152400"/>
+            <a:ext cx="8229600" cy="1143000"/>
+          </a:xfrm>
+        </p:spPr>
+        <p:txBody>
+          <a:bodyPr>
+            <a:normAutofit/>
+          </a:bodyPr>
+          <a:lstStyle/>
+          <a:p>
+            <a:pPr lvl="0"/>
+            <a:r>
+              <a:rPr lang="en-US" sz="3600" dirty="0">
+                <a:latin typeface="Arial" panose="020B0604020202020204" pitchFamily="34" charset="0"/>
+                <a:cs typeface="Arial" panose="020B0604020202020204" pitchFamily="34" charset="0"/>
+              </a:rPr>
+              <a:t>Navigator</a:t>
+            </a:r>
+            <a:endParaRPr lang="en-US" dirty="0">
+              <a:latin typeface="Arial" panose="020B0604020202020204" pitchFamily="34" charset="0"/>
+              <a:cs typeface="Arial" panose="020B0604020202020204" pitchFamily="34" charset="0"/>
+            </a:endParaRPr>
+          </a:p>
+        </p:txBody>
+      </p:sp>
+      <p:sp>
+        <p:nvSpPr>
           <p:cNvPr id="6" name="Oval 5"/>
           <p:cNvSpPr/>
           <p:nvPr/>
@@ -29137,7 +29419,7 @@
 </p:sld>
 </file>
 
-<file path=ppt/slides/slide15.xml><?xml version="1.0" encoding="utf-8"?>
+<file path=ppt/slides/slide16.xml><?xml version="1.0" encoding="utf-8"?>
 <p:sld xmlns:a="http://schemas.openxmlformats.org/drawingml/2006/main" xmlns:r="http://schemas.openxmlformats.org/officeDocument/2006/relationships" xmlns:p="http://schemas.openxmlformats.org/presentationml/2006/main">
   <p:cSld>
     <p:spTree>
@@ -29375,7 +29657,7 @@
 </p:sld>
 </file>
 
-<file path=ppt/slides/slide16.xml><?xml version="1.0" encoding="utf-8"?>
+<file path=ppt/slides/slide17.xml><?xml version="1.0" encoding="utf-8"?>
 <p:sld xmlns:a="http://schemas.openxmlformats.org/drawingml/2006/main" xmlns:r="http://schemas.openxmlformats.org/officeDocument/2006/relationships" xmlns:p="http://schemas.openxmlformats.org/presentationml/2006/main">
   <p:cSld>
     <p:spTree>
@@ -29642,7 +29924,7 @@
 </p:sld>
 </file>
 
-<file path=ppt/slides/slide17.xml><?xml version="1.0" encoding="utf-8"?>
+<file path=ppt/slides/slide18.xml><?xml version="1.0" encoding="utf-8"?>
 <p:sld xmlns:a="http://schemas.openxmlformats.org/drawingml/2006/main" xmlns:r="http://schemas.openxmlformats.org/officeDocument/2006/relationships" xmlns:p="http://schemas.openxmlformats.org/presentationml/2006/main">
   <p:cSld>
     <p:spTree>
@@ -30203,62 +30485,6 @@
           </a:prstGeom>
         </p:spPr>
       </p:pic>
-      <p:sp>
-        <p:nvSpPr>
-          <p:cNvPr id="4" name="TextBox 3"/>
-          <p:cNvSpPr txBox="1"/>
-          <p:nvPr/>
-        </p:nvSpPr>
-        <p:spPr>
-          <a:xfrm>
-            <a:off x="7284596" y="4038600"/>
-            <a:ext cx="1326004" cy="646331"/>
-          </a:xfrm>
-          <a:prstGeom prst="rect">
-            <a:avLst/>
-          </a:prstGeom>
-          <a:noFill/>
-        </p:spPr>
-        <p:txBody>
-          <a:bodyPr wrap="none" rtlCol="0">
-            <a:spAutoFit/>
-          </a:bodyPr>
-          <a:lstStyle/>
-          <a:p>
-            <a:pPr algn="ctr"/>
-            <a:r>
-              <a:rPr lang="en-US" b="1" dirty="0" smtClean="0">
-                <a:solidFill>
-                  <a:srgbClr val="C00000"/>
-                </a:solidFill>
-                <a:latin typeface="Arial" panose="020B0604020202020204" pitchFamily="34" charset="0"/>
-                <a:cs typeface="Arial" panose="020B0604020202020204" pitchFamily="34" charset="0"/>
-              </a:rPr>
-              <a:t>&lt;Button /&gt;</a:t>
-            </a:r>
-          </a:p>
-          <a:p>
-            <a:pPr algn="ctr"/>
-            <a:r>
-              <a:rPr lang="en-US" b="1" dirty="0" smtClean="0">
-                <a:solidFill>
-                  <a:srgbClr val="C00000"/>
-                </a:solidFill>
-                <a:latin typeface="Arial" panose="020B0604020202020204" pitchFamily="34" charset="0"/>
-                <a:cs typeface="Arial" panose="020B0604020202020204" pitchFamily="34" charset="0"/>
-              </a:rPr>
-              <a:t>v0.37</a:t>
-            </a:r>
-            <a:endParaRPr lang="en-US" b="1" dirty="0">
-              <a:solidFill>
-                <a:srgbClr val="C00000"/>
-              </a:solidFill>
-              <a:latin typeface="Arial" panose="020B0604020202020204" pitchFamily="34" charset="0"/>
-              <a:cs typeface="Arial" panose="020B0604020202020204" pitchFamily="34" charset="0"/>
-            </a:endParaRPr>
-          </a:p>
-        </p:txBody>
-      </p:sp>
     </p:spTree>
     <p:extLst>
       <p:ext uri="{BB962C8B-B14F-4D97-AF65-F5344CB8AC3E}">
@@ -30290,7 +30516,7 @@
                             </p:stCondLst>
                             <p:childTnLst>
                               <p:par>
-                                <p:cTn id="5" presetID="2" presetClass="entr" presetSubtype="4" fill="hold" nodeType="clickEffect">
+                                <p:cTn id="5" presetID="16" presetClass="entr" presetSubtype="21" fill="hold" nodeType="clickEffect">
                                   <p:stCondLst>
                                     <p:cond delay="0"/>
                                   </p:stCondLst>
@@ -30313,102 +30539,11 @@
                                         <p:strVal val="visible"/>
                                       </p:to>
                                     </p:set>
-                                    <p:anim calcmode="lin" valueType="num">
-                                      <p:cBhvr additive="base">
-                                        <p:cTn id="7" dur="500" fill="hold"/>
+                                    <p:animEffect transition="in" filter="barn(inVertical)">
+                                      <p:cBhvr>
+                                        <p:cTn id="7" dur="500"/>
                                         <p:tgtEl>
                                           <p:spTgt spid="5"/>
-                                        </p:tgtEl>
-                                        <p:attrNameLst>
-                                          <p:attrName>ppt_x</p:attrName>
-                                        </p:attrNameLst>
-                                      </p:cBhvr>
-                                      <p:tavLst>
-                                        <p:tav tm="0">
-                                          <p:val>
-                                            <p:strVal val="#ppt_x"/>
-                                          </p:val>
-                                        </p:tav>
-                                        <p:tav tm="100000">
-                                          <p:val>
-                                            <p:strVal val="#ppt_x"/>
-                                          </p:val>
-                                        </p:tav>
-                                      </p:tavLst>
-                                    </p:anim>
-                                    <p:anim calcmode="lin" valueType="num">
-                                      <p:cBhvr additive="base">
-                                        <p:cTn id="8" dur="500" fill="hold"/>
-                                        <p:tgtEl>
-                                          <p:spTgt spid="5"/>
-                                        </p:tgtEl>
-                                        <p:attrNameLst>
-                                          <p:attrName>ppt_y</p:attrName>
-                                        </p:attrNameLst>
-                                      </p:cBhvr>
-                                      <p:tavLst>
-                                        <p:tav tm="0">
-                                          <p:val>
-                                            <p:strVal val="1+#ppt_h/2"/>
-                                          </p:val>
-                                        </p:tav>
-                                        <p:tav tm="100000">
-                                          <p:val>
-                                            <p:strVal val="#ppt_y"/>
-                                          </p:val>
-                                        </p:tav>
-                                      </p:tavLst>
-                                    </p:anim>
-                                  </p:childTnLst>
-                                </p:cTn>
-                              </p:par>
-                            </p:childTnLst>
-                          </p:cTn>
-                        </p:par>
-                      </p:childTnLst>
-                    </p:cTn>
-                  </p:par>
-                  <p:par>
-                    <p:cTn id="9" fill="hold">
-                      <p:stCondLst>
-                        <p:cond delay="indefinite"/>
-                      </p:stCondLst>
-                      <p:childTnLst>
-                        <p:par>
-                          <p:cTn id="10" fill="hold">
-                            <p:stCondLst>
-                              <p:cond delay="0"/>
-                            </p:stCondLst>
-                            <p:childTnLst>
-                              <p:par>
-                                <p:cTn id="11" presetID="14" presetClass="entr" presetSubtype="10" fill="hold" grpId="0" nodeType="clickEffect">
-                                  <p:stCondLst>
-                                    <p:cond delay="0"/>
-                                  </p:stCondLst>
-                                  <p:childTnLst>
-                                    <p:set>
-                                      <p:cBhvr>
-                                        <p:cTn id="12" dur="1" fill="hold">
-                                          <p:stCondLst>
-                                            <p:cond delay="0"/>
-                                          </p:stCondLst>
-                                        </p:cTn>
-                                        <p:tgtEl>
-                                          <p:spTgt spid="4"/>
-                                        </p:tgtEl>
-                                        <p:attrNameLst>
-                                          <p:attrName>style.visibility</p:attrName>
-                                        </p:attrNameLst>
-                                      </p:cBhvr>
-                                      <p:to>
-                                        <p:strVal val="visible"/>
-                                      </p:to>
-                                    </p:set>
-                                    <p:animEffect transition="in" filter="randombar(horizontal)">
-                                      <p:cBhvr>
-                                        <p:cTn id="13" dur="500"/>
-                                        <p:tgtEl>
-                                          <p:spTgt spid="4"/>
                                         </p:tgtEl>
                                       </p:cBhvr>
                                     </p:animEffect>
@@ -30442,9 +30577,6 @@
         </p:cTn>
       </p:par>
     </p:tnLst>
-    <p:bldLst>
-      <p:bldP spid="4" grpId="0"/>
-    </p:bldLst>
   </p:timing>
 </p:sld>
 </file>
